--- a/2021_Summer/jp.hong/Project_BnD_jph.pptx
+++ b/2021_Summer/jp.hong/Project_BnD_jph.pptx
@@ -6060,14 +6060,15 @@
         </p:nvGraphicFramePr>
         <p:xfrm>
           <a:off x="503364" y="957263"/>
-          <a:ext cx="11083799" cy="4605660"/>
+          <a:ext cx="11084719" cy="4605660"/>
         </p:xfrm>
         <a:graphic>
           <a:graphicData uri="http://schemas.openxmlformats.org/drawingml/2006/table">
             <a:tbl>
+              <a:tblPr firstRow="1" bandRow="1"/>
               <a:tblGrid>
                 <a:gridCol w="1291114"/>
-                <a:gridCol w="1191610"/>
+                <a:gridCol w="1192530"/>
                 <a:gridCol w="3386137"/>
                 <a:gridCol w="5214938"/>
               </a:tblGrid>
@@ -6469,7 +6470,7 @@
                           <a:latin typeface="+mj-lt"/>
                           <a:ea typeface="함초롬바탕"/>
                         </a:rPr>
-                        <a:t>1</a:t>
+                        <a:t>5</a:t>
                       </a:r>
                       <a:r>
                         <a:rPr lang="ko-KR" altLang="en-US" sz="1800" b="0" kern="0" spc="-60">
@@ -6488,6 +6489,7 @@
                         </a:solidFill>
                         <a:effectLst/>
                         <a:latin typeface="+mj-lt"/>
+                        <a:ea typeface="함초롬바탕"/>
                       </a:endParaRPr>
                     </a:p>
                   </a:txBody>
@@ -6621,993 +6623,7 @@
                         </a:spcAft>
                         <a:defRPr/>
                       </a:pPr>
-                      <a:r>
-                        <a:rPr lang="ko-KR" altLang="en-US" sz="1800" b="0" kern="0" spc="-60">
-                          <a:solidFill>
-                            <a:srgbClr val="000000"/>
-                          </a:solidFill>
-                          <a:effectLst/>
-                          <a:latin typeface="+mj-lt"/>
-                        </a:rPr>
-                        <a:t>차량 관리 </a:t>
-                      </a:r>
-                      <a:r>
-                        <a:rPr lang="en-US" altLang="ko-KR" sz="1800" b="0" kern="0" spc="-60">
-                          <a:solidFill>
-                            <a:srgbClr val="000000"/>
-                          </a:solidFill>
-                          <a:effectLst/>
-                          <a:latin typeface="+mj-lt"/>
-                        </a:rPr>
-                        <a:t>APP</a:t>
-                      </a:r>
                       <a:endParaRPr lang="en-US" altLang="ko-KR" sz="1800" b="0" kern="0" spc="-60">
-                        <a:solidFill>
-                          <a:srgbClr val="000000"/>
-                        </a:solidFill>
-                        <a:effectLst/>
-                        <a:latin typeface="+mj-lt"/>
-                      </a:endParaRPr>
-                    </a:p>
-                  </a:txBody>
-                  <a:tcPr marL="91440" marR="91440" anchor="ctr">
-                    <a:lnL w="3556" cap="flat" cmpd="sng" algn="ctr">
-                      <a:solidFill>
-                        <a:srgbClr val="000000"/>
-                      </a:solidFill>
-                      <a:prstDash val="solid"/>
-                      <a:round/>
-                      <a:headEnd w="med" len="med"/>
-                      <a:tailEnd w="med" len="med"/>
-                    </a:lnL>
-                    <a:lnR w="3556" cap="flat" cmpd="sng" algn="ctr">
-                      <a:solidFill>
-                        <a:srgbClr val="000000"/>
-                      </a:solidFill>
-                      <a:prstDash val="solid"/>
-                      <a:round/>
-                      <a:headEnd w="med" len="med"/>
-                      <a:tailEnd w="med" len="med"/>
-                    </a:lnR>
-                    <a:lnT w="3556" cap="flat" cmpd="sng" algn="ctr">
-                      <a:solidFill>
-                        <a:srgbClr val="000000"/>
-                      </a:solidFill>
-                      <a:prstDash val="solid"/>
-                      <a:round/>
-                      <a:headEnd w="med" len="med"/>
-                      <a:tailEnd w="med" len="med"/>
-                    </a:lnT>
-                    <a:lnB w="3556" cap="flat" cmpd="sng" algn="ctr">
-                      <a:solidFill>
-                        <a:srgbClr val="000000"/>
-                      </a:solidFill>
-                      <a:prstDash val="solid"/>
-                      <a:round/>
-                      <a:headEnd w="med" len="med"/>
-                      <a:tailEnd w="med" len="med"/>
-                    </a:lnB>
-                  </a:tcPr>
-                </a:tc>
-              </a:tr>
-              <a:tr h="511740">
-                <a:tc vMerge="1">
-                  <a:txBody>
-                    <a:bodyPr/>
-                    <a:p>
-                      <a:pPr latinLnBrk="1">
-                        <a:defRPr/>
-                      </a:pPr>
-                      <a:endParaRPr lang="ko-KR" altLang="en-US"/>
-                    </a:p>
-                  </a:txBody>
-                  <a:tcPr marL="91440" marR="91440"/>
-                </a:tc>
-                <a:tc>
-                  <a:txBody>
-                    <a:bodyPr vert="horz" lIns="91440" tIns="45720" rIns="91440" bIns="45720" anchor="ctr" anchorCtr="0"/>
-                    <a:p>
-                      <a:pPr marL="0" marR="0" indent="0" algn="ctr" latinLnBrk="0">
-                        <a:lnSpc>
-                          <a:spcPct val="130000"/>
-                        </a:lnSpc>
-                        <a:spcBef>
-                          <a:spcPts val="0"/>
-                        </a:spcBef>
-                        <a:spcAft>
-                          <a:spcPts val="0"/>
-                        </a:spcAft>
-                        <a:defRPr/>
-                      </a:pPr>
-                      <a:r>
-                        <a:rPr lang="en-US" altLang="ko-KR" sz="1800" b="0" kern="0" spc="-60">
-                          <a:solidFill>
-                            <a:srgbClr val="000000"/>
-                          </a:solidFill>
-                          <a:effectLst/>
-                          <a:latin typeface="+mj-lt"/>
-                          <a:ea typeface="함초롬바탕"/>
-                        </a:rPr>
-                        <a:t>2</a:t>
-                      </a:r>
-                      <a:r>
-                        <a:rPr lang="ko-KR" altLang="en-US" sz="1800" b="0" kern="0" spc="-60">
-                          <a:solidFill>
-                            <a:srgbClr val="000000"/>
-                          </a:solidFill>
-                          <a:effectLst/>
-                          <a:latin typeface="+mj-lt"/>
-                          <a:ea typeface="함초롬바탕"/>
-                        </a:rPr>
-                        <a:t>주차</a:t>
-                      </a:r>
-                      <a:endParaRPr lang="ko-KR" altLang="en-US" sz="1800" b="0" kern="0" spc="-60">
-                        <a:solidFill>
-                          <a:srgbClr val="000000"/>
-                        </a:solidFill>
-                        <a:effectLst/>
-                        <a:latin typeface="+mj-lt"/>
-                      </a:endParaRPr>
-                    </a:p>
-                  </a:txBody>
-                  <a:tcPr marL="91440" marR="91440" anchor="ctr">
-                    <a:lnL w="3556" cap="flat" cmpd="sng" algn="ctr">
-                      <a:solidFill>
-                        <a:srgbClr val="000000"/>
-                      </a:solidFill>
-                      <a:prstDash val="solid"/>
-                      <a:round/>
-                      <a:headEnd w="med" len="med"/>
-                      <a:tailEnd w="med" len="med"/>
-                    </a:lnL>
-                    <a:lnR w="3556" cap="flat" cmpd="sng" algn="ctr">
-                      <a:solidFill>
-                        <a:srgbClr val="000000"/>
-                      </a:solidFill>
-                      <a:prstDash val="solid"/>
-                      <a:round/>
-                      <a:headEnd w="med" len="med"/>
-                      <a:tailEnd w="med" len="med"/>
-                    </a:lnR>
-                    <a:lnT w="3556" cap="flat" cmpd="sng" algn="ctr">
-                      <a:solidFill>
-                        <a:srgbClr val="000000"/>
-                      </a:solidFill>
-                      <a:prstDash val="solid"/>
-                      <a:round/>
-                      <a:headEnd w="med" len="med"/>
-                      <a:tailEnd w="med" len="med"/>
-                    </a:lnT>
-                    <a:lnB w="3556" cap="flat" cmpd="sng" algn="ctr">
-                      <a:solidFill>
-                        <a:srgbClr val="000000"/>
-                      </a:solidFill>
-                      <a:prstDash val="solid"/>
-                      <a:round/>
-                      <a:headEnd w="med" len="med"/>
-                      <a:tailEnd w="med" len="med"/>
-                    </a:lnB>
-                  </a:tcPr>
-                </a:tc>
-                <a:tc>
-                  <a:txBody>
-                    <a:bodyPr vert="horz" lIns="91440" tIns="45720" rIns="91440" bIns="45720" anchor="ctr" anchorCtr="0"/>
-                    <a:p>
-                      <a:pPr marL="0" marR="0" indent="0" algn="ctr" latinLnBrk="0">
-                        <a:lnSpc>
-                          <a:spcPct val="130000"/>
-                        </a:lnSpc>
-                        <a:spcBef>
-                          <a:spcPts val="0"/>
-                        </a:spcBef>
-                        <a:spcAft>
-                          <a:spcPts val="0"/>
-                        </a:spcAft>
-                        <a:defRPr/>
-                      </a:pPr>
-                      <a:r>
-                        <a:rPr lang="ko-KR" altLang="en-US" sz="1800" b="0" kern="0" spc="-60">
-                          <a:solidFill>
-                            <a:srgbClr val="000000"/>
-                          </a:solidFill>
-                          <a:effectLst/>
-                          <a:latin typeface="+mj-lt"/>
-                          <a:ea typeface="함초롬바탕"/>
-                        </a:rPr>
-                        <a:t>계획 및 일정 수립</a:t>
-                      </a:r>
-                      <a:endParaRPr lang="ko-KR" altLang="en-US" sz="1800" b="0" kern="0" spc="-60">
-                        <a:solidFill>
-                          <a:srgbClr val="000000"/>
-                        </a:solidFill>
-                        <a:effectLst/>
-                        <a:latin typeface="+mj-lt"/>
-                      </a:endParaRPr>
-                    </a:p>
-                  </a:txBody>
-                  <a:tcPr marL="91440" marR="91440" anchor="ctr">
-                    <a:lnL w="3556" cap="flat" cmpd="sng" algn="ctr">
-                      <a:solidFill>
-                        <a:srgbClr val="000000"/>
-                      </a:solidFill>
-                      <a:prstDash val="solid"/>
-                      <a:round/>
-                      <a:headEnd w="med" len="med"/>
-                      <a:tailEnd w="med" len="med"/>
-                    </a:lnL>
-                    <a:lnR w="3556" cap="flat" cmpd="sng" algn="ctr">
-                      <a:solidFill>
-                        <a:srgbClr val="000000"/>
-                      </a:solidFill>
-                      <a:prstDash val="solid"/>
-                      <a:round/>
-                      <a:headEnd w="med" len="med"/>
-                      <a:tailEnd w="med" len="med"/>
-                    </a:lnR>
-                    <a:lnT w="3556" cap="flat" cmpd="sng" algn="ctr">
-                      <a:solidFill>
-                        <a:srgbClr val="000000"/>
-                      </a:solidFill>
-                      <a:prstDash val="solid"/>
-                      <a:round/>
-                      <a:headEnd w="med" len="med"/>
-                      <a:tailEnd w="med" len="med"/>
-                    </a:lnT>
-                    <a:lnB w="3556" cap="flat" cmpd="sng" algn="ctr">
-                      <a:solidFill>
-                        <a:srgbClr val="000000"/>
-                      </a:solidFill>
-                      <a:prstDash val="solid"/>
-                      <a:round/>
-                      <a:headEnd w="med" len="med"/>
-                      <a:tailEnd w="med" len="med"/>
-                    </a:lnB>
-                  </a:tcPr>
-                </a:tc>
-                <a:tc>
-                  <a:txBody>
-                    <a:bodyPr vert="horz" lIns="91440" tIns="45720" rIns="91440" bIns="45720" anchor="ctr" anchorCtr="0"/>
-                    <a:p>
-                      <a:pPr marL="0" marR="0" indent="0" algn="ctr" latinLnBrk="0">
-                        <a:lnSpc>
-                          <a:spcPct val="130000"/>
-                        </a:lnSpc>
-                        <a:spcBef>
-                          <a:spcPts val="0"/>
-                        </a:spcBef>
-                        <a:spcAft>
-                          <a:spcPts val="0"/>
-                        </a:spcAft>
-                        <a:defRPr/>
-                      </a:pPr>
-                      <a:r>
-                        <a:rPr lang="ko-KR" altLang="en-US" sz="1800" b="0" kern="0" spc="-60">
-                          <a:solidFill>
-                            <a:srgbClr val="000000"/>
-                          </a:solidFill>
-                          <a:effectLst/>
-                          <a:latin typeface="+mj-lt"/>
-                        </a:rPr>
-                        <a:t>요구사항 정의 및 문서화</a:t>
-                      </a:r>
-                      <a:endParaRPr lang="ko-KR" altLang="en-US" sz="1800" b="0" kern="0" spc="-60">
-                        <a:solidFill>
-                          <a:srgbClr val="000000"/>
-                        </a:solidFill>
-                        <a:effectLst/>
-                        <a:latin typeface="+mj-lt"/>
-                      </a:endParaRPr>
-                    </a:p>
-                  </a:txBody>
-                  <a:tcPr marL="91440" marR="91440" anchor="ctr">
-                    <a:lnL w="3556" cap="flat" cmpd="sng" algn="ctr">
-                      <a:solidFill>
-                        <a:srgbClr val="000000"/>
-                      </a:solidFill>
-                      <a:prstDash val="solid"/>
-                      <a:round/>
-                      <a:headEnd w="med" len="med"/>
-                      <a:tailEnd w="med" len="med"/>
-                    </a:lnL>
-                    <a:lnR w="3556" cap="flat" cmpd="sng" algn="ctr">
-                      <a:solidFill>
-                        <a:srgbClr val="000000"/>
-                      </a:solidFill>
-                      <a:prstDash val="solid"/>
-                      <a:round/>
-                      <a:headEnd w="med" len="med"/>
-                      <a:tailEnd w="med" len="med"/>
-                    </a:lnR>
-                    <a:lnT w="3556" cap="flat" cmpd="sng" algn="ctr">
-                      <a:solidFill>
-                        <a:srgbClr val="000000"/>
-                      </a:solidFill>
-                      <a:prstDash val="solid"/>
-                      <a:round/>
-                      <a:headEnd w="med" len="med"/>
-                      <a:tailEnd w="med" len="med"/>
-                    </a:lnT>
-                    <a:lnB w="3556" cap="flat" cmpd="sng" algn="ctr">
-                      <a:solidFill>
-                        <a:srgbClr val="000000"/>
-                      </a:solidFill>
-                      <a:prstDash val="solid"/>
-                      <a:round/>
-                      <a:headEnd w="med" len="med"/>
-                      <a:tailEnd w="med" len="med"/>
-                    </a:lnB>
-                  </a:tcPr>
-                </a:tc>
-              </a:tr>
-              <a:tr h="511740">
-                <a:tc vMerge="1">
-                  <a:txBody>
-                    <a:bodyPr/>
-                    <a:p>
-                      <a:pPr latinLnBrk="1">
-                        <a:defRPr/>
-                      </a:pPr>
-                      <a:endParaRPr lang="ko-KR" altLang="en-US"/>
-                    </a:p>
-                  </a:txBody>
-                  <a:tcPr marL="91440" marR="91440"/>
-                </a:tc>
-                <a:tc>
-                  <a:txBody>
-                    <a:bodyPr vert="horz" lIns="91440" tIns="45720" rIns="91440" bIns="45720" anchor="ctr" anchorCtr="0"/>
-                    <a:p>
-                      <a:pPr marL="0" marR="0" indent="0" algn="ctr" latinLnBrk="0">
-                        <a:lnSpc>
-                          <a:spcPct val="130000"/>
-                        </a:lnSpc>
-                        <a:spcBef>
-                          <a:spcPts val="0"/>
-                        </a:spcBef>
-                        <a:spcAft>
-                          <a:spcPts val="0"/>
-                        </a:spcAft>
-                        <a:defRPr/>
-                      </a:pPr>
-                      <a:r>
-                        <a:rPr lang="en-US" altLang="ko-KR" sz="1800" b="0" kern="0" spc="-60">
-                          <a:solidFill>
-                            <a:srgbClr val="000000"/>
-                          </a:solidFill>
-                          <a:effectLst/>
-                          <a:latin typeface="+mj-lt"/>
-                          <a:ea typeface="함초롬바탕"/>
-                        </a:rPr>
-                        <a:t>3</a:t>
-                      </a:r>
-                      <a:r>
-                        <a:rPr lang="ko-KR" altLang="en-US" sz="1800" b="0" kern="0" spc="-60">
-                          <a:solidFill>
-                            <a:srgbClr val="000000"/>
-                          </a:solidFill>
-                          <a:effectLst/>
-                          <a:latin typeface="+mj-lt"/>
-                          <a:ea typeface="함초롬바탕"/>
-                        </a:rPr>
-                        <a:t>주차</a:t>
-                      </a:r>
-                      <a:endParaRPr lang="ko-KR" altLang="en-US" sz="1800" b="0" kern="0" spc="-60">
-                        <a:solidFill>
-                          <a:srgbClr val="000000"/>
-                        </a:solidFill>
-                        <a:effectLst/>
-                        <a:latin typeface="+mj-lt"/>
-                      </a:endParaRPr>
-                    </a:p>
-                  </a:txBody>
-                  <a:tcPr marL="91440" marR="91440" anchor="ctr">
-                    <a:lnL w="3556" cap="flat" cmpd="sng" algn="ctr">
-                      <a:solidFill>
-                        <a:srgbClr val="000000"/>
-                      </a:solidFill>
-                      <a:prstDash val="solid"/>
-                      <a:round/>
-                      <a:headEnd w="med" len="med"/>
-                      <a:tailEnd w="med" len="med"/>
-                    </a:lnL>
-                    <a:lnR w="3556" cap="flat" cmpd="sng" algn="ctr">
-                      <a:solidFill>
-                        <a:srgbClr val="000000"/>
-                      </a:solidFill>
-                      <a:prstDash val="solid"/>
-                      <a:round/>
-                      <a:headEnd w="med" len="med"/>
-                      <a:tailEnd w="med" len="med"/>
-                    </a:lnR>
-                    <a:lnT w="3556" cap="flat" cmpd="sng" algn="ctr">
-                      <a:solidFill>
-                        <a:srgbClr val="000000"/>
-                      </a:solidFill>
-                      <a:prstDash val="solid"/>
-                      <a:round/>
-                      <a:headEnd w="med" len="med"/>
-                      <a:tailEnd w="med" len="med"/>
-                    </a:lnT>
-                    <a:lnB w="3556" cap="flat" cmpd="sng" algn="ctr">
-                      <a:solidFill>
-                        <a:srgbClr val="000000"/>
-                      </a:solidFill>
-                      <a:prstDash val="solid"/>
-                      <a:round/>
-                      <a:headEnd w="med" len="med"/>
-                      <a:tailEnd w="med" len="med"/>
-                    </a:lnB>
-                  </a:tcPr>
-                </a:tc>
-                <a:tc>
-                  <a:txBody>
-                    <a:bodyPr vert="horz" lIns="91440" tIns="45720" rIns="91440" bIns="45720" anchor="ctr" anchorCtr="0"/>
-                    <a:p>
-                      <a:pPr marL="0" marR="0" indent="0" algn="ctr" latinLnBrk="0">
-                        <a:lnSpc>
-                          <a:spcPct val="130000"/>
-                        </a:lnSpc>
-                        <a:spcBef>
-                          <a:spcPts val="0"/>
-                        </a:spcBef>
-                        <a:spcAft>
-                          <a:spcPts val="0"/>
-                        </a:spcAft>
-                        <a:defRPr/>
-                      </a:pPr>
-                      <a:r>
-                        <a:rPr lang="ko-KR" altLang="en-US" sz="1800" b="0" kern="0" spc="-60">
-                          <a:solidFill>
-                            <a:srgbClr val="000000"/>
-                          </a:solidFill>
-                          <a:effectLst/>
-                          <a:latin typeface="+mj-lt"/>
-                          <a:ea typeface="함초롬바탕"/>
-                        </a:rPr>
-                        <a:t>제품 기획</a:t>
-                      </a:r>
-                      <a:endParaRPr lang="ko-KR" altLang="en-US" sz="1800" b="0" kern="0" spc="-60">
-                        <a:solidFill>
-                          <a:srgbClr val="000000"/>
-                        </a:solidFill>
-                        <a:effectLst/>
-                        <a:latin typeface="+mj-lt"/>
-                      </a:endParaRPr>
-                    </a:p>
-                  </a:txBody>
-                  <a:tcPr marL="91440" marR="91440" anchor="ctr">
-                    <a:lnL w="3556" cap="flat" cmpd="sng" algn="ctr">
-                      <a:solidFill>
-                        <a:srgbClr val="000000"/>
-                      </a:solidFill>
-                      <a:prstDash val="solid"/>
-                      <a:round/>
-                      <a:headEnd w="med" len="med"/>
-                      <a:tailEnd w="med" len="med"/>
-                    </a:lnL>
-                    <a:lnR w="3556" cap="flat" cmpd="sng" algn="ctr">
-                      <a:solidFill>
-                        <a:srgbClr val="000000"/>
-                      </a:solidFill>
-                      <a:prstDash val="solid"/>
-                      <a:round/>
-                      <a:headEnd w="med" len="med"/>
-                      <a:tailEnd w="med" len="med"/>
-                    </a:lnR>
-                    <a:lnT w="3556" cap="flat" cmpd="sng" algn="ctr">
-                      <a:solidFill>
-                        <a:srgbClr val="000000"/>
-                      </a:solidFill>
-                      <a:prstDash val="solid"/>
-                      <a:round/>
-                      <a:headEnd w="med" len="med"/>
-                      <a:tailEnd w="med" len="med"/>
-                    </a:lnT>
-                    <a:lnB w="3556" cap="flat" cmpd="sng" algn="ctr">
-                      <a:solidFill>
-                        <a:srgbClr val="000000"/>
-                      </a:solidFill>
-                      <a:prstDash val="solid"/>
-                      <a:round/>
-                      <a:headEnd w="med" len="med"/>
-                      <a:tailEnd w="med" len="med"/>
-                    </a:lnB>
-                  </a:tcPr>
-                </a:tc>
-                <a:tc>
-                  <a:txBody>
-                    <a:bodyPr vert="horz" lIns="91440" tIns="45720" rIns="91440" bIns="45720" anchor="ctr" anchorCtr="0"/>
-                    <a:p>
-                      <a:pPr marL="0" marR="0" indent="0" algn="ctr" latinLnBrk="0">
-                        <a:lnSpc>
-                          <a:spcPct val="130000"/>
-                        </a:lnSpc>
-                        <a:spcBef>
-                          <a:spcPts val="0"/>
-                        </a:spcBef>
-                        <a:spcAft>
-                          <a:spcPts val="0"/>
-                        </a:spcAft>
-                        <a:defRPr/>
-                      </a:pPr>
-                      <a:endParaRPr lang="ko-KR" altLang="en-US" sz="1800" b="0" kern="0" spc="-60">
-                        <a:solidFill>
-                          <a:srgbClr val="000000"/>
-                        </a:solidFill>
-                        <a:effectLst/>
-                        <a:latin typeface="+mj-lt"/>
-                      </a:endParaRPr>
-                    </a:p>
-                  </a:txBody>
-                  <a:tcPr marL="91440" marR="91440" anchor="ctr">
-                    <a:lnL w="3556" cap="flat" cmpd="sng" algn="ctr">
-                      <a:solidFill>
-                        <a:srgbClr val="000000"/>
-                      </a:solidFill>
-                      <a:prstDash val="solid"/>
-                      <a:round/>
-                      <a:headEnd w="med" len="med"/>
-                      <a:tailEnd w="med" len="med"/>
-                    </a:lnL>
-                    <a:lnR w="3556" cap="flat" cmpd="sng" algn="ctr">
-                      <a:solidFill>
-                        <a:srgbClr val="000000"/>
-                      </a:solidFill>
-                      <a:prstDash val="solid"/>
-                      <a:round/>
-                      <a:headEnd w="med" len="med"/>
-                      <a:tailEnd w="med" len="med"/>
-                    </a:lnR>
-                    <a:lnT w="3556" cap="flat" cmpd="sng" algn="ctr">
-                      <a:solidFill>
-                        <a:srgbClr val="000000"/>
-                      </a:solidFill>
-                      <a:prstDash val="solid"/>
-                      <a:round/>
-                      <a:headEnd w="med" len="med"/>
-                      <a:tailEnd w="med" len="med"/>
-                    </a:lnT>
-                    <a:lnB w="3556" cap="flat" cmpd="sng" algn="ctr">
-                      <a:solidFill>
-                        <a:srgbClr val="000000"/>
-                      </a:solidFill>
-                      <a:prstDash val="solid"/>
-                      <a:round/>
-                      <a:headEnd w="med" len="med"/>
-                      <a:tailEnd w="med" len="med"/>
-                    </a:lnB>
-                  </a:tcPr>
-                </a:tc>
-              </a:tr>
-              <a:tr h="511740">
-                <a:tc vMerge="1">
-                  <a:txBody>
-                    <a:bodyPr/>
-                    <a:p>
-                      <a:pPr latinLnBrk="1">
-                        <a:defRPr/>
-                      </a:pPr>
-                      <a:endParaRPr lang="ko-KR" altLang="en-US"/>
-                    </a:p>
-                  </a:txBody>
-                  <a:tcPr marL="91440" marR="91440"/>
-                </a:tc>
-                <a:tc>
-                  <a:txBody>
-                    <a:bodyPr vert="horz" lIns="91440" tIns="45720" rIns="91440" bIns="45720" anchor="ctr" anchorCtr="0"/>
-                    <a:p>
-                      <a:pPr marL="0" marR="0" indent="0" algn="ctr" latinLnBrk="0">
-                        <a:lnSpc>
-                          <a:spcPct val="130000"/>
-                        </a:lnSpc>
-                        <a:spcBef>
-                          <a:spcPts val="0"/>
-                        </a:spcBef>
-                        <a:spcAft>
-                          <a:spcPts val="0"/>
-                        </a:spcAft>
-                        <a:defRPr/>
-                      </a:pPr>
-                      <a:r>
-                        <a:rPr lang="en-US" altLang="ko-KR" sz="1800" b="0" kern="0" spc="-60">
-                          <a:solidFill>
-                            <a:srgbClr val="000000"/>
-                          </a:solidFill>
-                          <a:effectLst/>
-                          <a:latin typeface="+mj-lt"/>
-                          <a:ea typeface="함초롬바탕"/>
-                        </a:rPr>
-                        <a:t>4</a:t>
-                      </a:r>
-                      <a:r>
-                        <a:rPr lang="ko-KR" altLang="en-US" sz="1800" b="0" kern="0" spc="-60">
-                          <a:solidFill>
-                            <a:srgbClr val="000000"/>
-                          </a:solidFill>
-                          <a:effectLst/>
-                          <a:latin typeface="+mj-lt"/>
-                          <a:ea typeface="함초롬바탕"/>
-                        </a:rPr>
-                        <a:t>주차</a:t>
-                      </a:r>
-                      <a:endParaRPr lang="ko-KR" altLang="en-US" sz="1800" b="0" kern="0" spc="-60">
-                        <a:solidFill>
-                          <a:srgbClr val="000000"/>
-                        </a:solidFill>
-                        <a:effectLst/>
-                        <a:latin typeface="+mj-lt"/>
-                      </a:endParaRPr>
-                    </a:p>
-                  </a:txBody>
-                  <a:tcPr marL="91440" marR="91440" anchor="ctr">
-                    <a:lnL w="3556" cap="flat" cmpd="sng" algn="ctr">
-                      <a:solidFill>
-                        <a:srgbClr val="000000"/>
-                      </a:solidFill>
-                      <a:prstDash val="solid"/>
-                      <a:round/>
-                      <a:headEnd w="med" len="med"/>
-                      <a:tailEnd w="med" len="med"/>
-                    </a:lnL>
-                    <a:lnR w="3556" cap="flat" cmpd="sng" algn="ctr">
-                      <a:solidFill>
-                        <a:srgbClr val="000000"/>
-                      </a:solidFill>
-                      <a:prstDash val="solid"/>
-                      <a:round/>
-                      <a:headEnd w="med" len="med"/>
-                      <a:tailEnd w="med" len="med"/>
-                    </a:lnR>
-                    <a:lnT w="3556" cap="flat" cmpd="sng" algn="ctr">
-                      <a:solidFill>
-                        <a:srgbClr val="000000"/>
-                      </a:solidFill>
-                      <a:prstDash val="solid"/>
-                      <a:round/>
-                      <a:headEnd w="med" len="med"/>
-                      <a:tailEnd w="med" len="med"/>
-                    </a:lnT>
-                    <a:lnB w="3556" cap="flat" cmpd="sng" algn="ctr">
-                      <a:solidFill>
-                        <a:srgbClr val="000000"/>
-                      </a:solidFill>
-                      <a:prstDash val="solid"/>
-                      <a:round/>
-                      <a:headEnd w="med" len="med"/>
-                      <a:tailEnd w="med" len="med"/>
-                    </a:lnB>
-                  </a:tcPr>
-                </a:tc>
-                <a:tc>
-                  <a:txBody>
-                    <a:bodyPr vert="horz" lIns="91440" tIns="45720" rIns="91440" bIns="45720" anchor="ctr" anchorCtr="0"/>
-                    <a:p>
-                      <a:pPr marL="0" marR="0" indent="0" algn="ctr" latinLnBrk="0">
-                        <a:lnSpc>
-                          <a:spcPct val="130000"/>
-                        </a:lnSpc>
-                        <a:spcBef>
-                          <a:spcPts val="0"/>
-                        </a:spcBef>
-                        <a:spcAft>
-                          <a:spcPts val="0"/>
-                        </a:spcAft>
-                        <a:defRPr/>
-                      </a:pPr>
-                      <a:r>
-                        <a:rPr lang="ko-KR" altLang="en-US" sz="1800" b="0" kern="0" spc="-60">
-                          <a:solidFill>
-                            <a:srgbClr val="000000"/>
-                          </a:solidFill>
-                          <a:effectLst/>
-                          <a:latin typeface="+mj-lt"/>
-                          <a:ea typeface="함초롬바탕"/>
-                        </a:rPr>
-                        <a:t>제품 개발 기획</a:t>
-                      </a:r>
-                      <a:endParaRPr lang="ko-KR" altLang="en-US" sz="1800" b="0" kern="0" spc="-60">
-                        <a:solidFill>
-                          <a:srgbClr val="000000"/>
-                        </a:solidFill>
-                        <a:effectLst/>
-                        <a:latin typeface="+mj-lt"/>
-                      </a:endParaRPr>
-                    </a:p>
-                  </a:txBody>
-                  <a:tcPr marL="91440" marR="91440" anchor="ctr">
-                    <a:lnL w="3556" cap="flat" cmpd="sng" algn="ctr">
-                      <a:solidFill>
-                        <a:srgbClr val="000000"/>
-                      </a:solidFill>
-                      <a:prstDash val="solid"/>
-                      <a:round/>
-                      <a:headEnd w="med" len="med"/>
-                      <a:tailEnd w="med" len="med"/>
-                    </a:lnL>
-                    <a:lnR w="3556" cap="flat" cmpd="sng" algn="ctr">
-                      <a:solidFill>
-                        <a:srgbClr val="000000"/>
-                      </a:solidFill>
-                      <a:prstDash val="solid"/>
-                      <a:round/>
-                      <a:headEnd w="med" len="med"/>
-                      <a:tailEnd w="med" len="med"/>
-                    </a:lnR>
-                    <a:lnT w="3556" cap="flat" cmpd="sng" algn="ctr">
-                      <a:solidFill>
-                        <a:srgbClr val="000000"/>
-                      </a:solidFill>
-                      <a:prstDash val="solid"/>
-                      <a:round/>
-                      <a:headEnd w="med" len="med"/>
-                      <a:tailEnd w="med" len="med"/>
-                    </a:lnT>
-                    <a:lnB w="3556" cap="flat" cmpd="sng" algn="ctr">
-                      <a:solidFill>
-                        <a:srgbClr val="000000"/>
-                      </a:solidFill>
-                      <a:prstDash val="solid"/>
-                      <a:round/>
-                      <a:headEnd w="med" len="med"/>
-                      <a:tailEnd w="med" len="med"/>
-                    </a:lnB>
-                  </a:tcPr>
-                </a:tc>
-                <a:tc>
-                  <a:txBody>
-                    <a:bodyPr vert="horz" lIns="91440" tIns="45720" rIns="91440" bIns="45720" anchor="ctr" anchorCtr="0"/>
-                    <a:p>
-                      <a:pPr marL="0" marR="0" indent="0" algn="ctr" latinLnBrk="0">
-                        <a:lnSpc>
-                          <a:spcPct val="130000"/>
-                        </a:lnSpc>
-                        <a:spcBef>
-                          <a:spcPts val="0"/>
-                        </a:spcBef>
-                        <a:spcAft>
-                          <a:spcPts val="0"/>
-                        </a:spcAft>
-                        <a:defRPr/>
-                      </a:pPr>
-                      <a:endParaRPr lang="ko-KR" altLang="en-US" sz="1800" b="0" kern="0" spc="-60">
-                        <a:solidFill>
-                          <a:srgbClr val="000000"/>
-                        </a:solidFill>
-                        <a:effectLst/>
-                        <a:latin typeface="+mj-lt"/>
-                      </a:endParaRPr>
-                    </a:p>
-                  </a:txBody>
-                  <a:tcPr marL="91440" marR="91440" anchor="ctr">
-                    <a:lnL w="3556" cap="flat" cmpd="sng" algn="ctr">
-                      <a:solidFill>
-                        <a:srgbClr val="000000"/>
-                      </a:solidFill>
-                      <a:prstDash val="solid"/>
-                      <a:round/>
-                      <a:headEnd w="med" len="med"/>
-                      <a:tailEnd w="med" len="med"/>
-                    </a:lnL>
-                    <a:lnR w="3556" cap="flat" cmpd="sng" algn="ctr">
-                      <a:solidFill>
-                        <a:srgbClr val="000000"/>
-                      </a:solidFill>
-                      <a:prstDash val="solid"/>
-                      <a:round/>
-                      <a:headEnd w="med" len="med"/>
-                      <a:tailEnd w="med" len="med"/>
-                    </a:lnR>
-                    <a:lnT w="3556" cap="flat" cmpd="sng" algn="ctr">
-                      <a:solidFill>
-                        <a:srgbClr val="000000"/>
-                      </a:solidFill>
-                      <a:prstDash val="solid"/>
-                      <a:round/>
-                      <a:headEnd w="med" len="med"/>
-                      <a:tailEnd w="med" len="med"/>
-                    </a:lnT>
-                    <a:lnB w="3556" cap="flat" cmpd="sng" algn="ctr">
-                      <a:solidFill>
-                        <a:srgbClr val="000000"/>
-                      </a:solidFill>
-                      <a:prstDash val="solid"/>
-                      <a:round/>
-                      <a:headEnd w="med" len="med"/>
-                      <a:tailEnd w="med" len="med"/>
-                    </a:lnB>
-                  </a:tcPr>
-                </a:tc>
-              </a:tr>
-              <a:tr h="511740">
-                <a:tc vMerge="1">
-                  <a:txBody>
-                    <a:bodyPr/>
-                    <a:p>
-                      <a:pPr latinLnBrk="1">
-                        <a:defRPr/>
-                      </a:pPr>
-                      <a:endParaRPr lang="ko-KR" altLang="en-US"/>
-                    </a:p>
-                  </a:txBody>
-                  <a:tcPr marL="91440" marR="91440"/>
-                </a:tc>
-                <a:tc>
-                  <a:txBody>
-                    <a:bodyPr vert="horz" lIns="91440" tIns="45720" rIns="91440" bIns="45720" anchor="ctr" anchorCtr="0"/>
-                    <a:p>
-                      <a:pPr marL="0" marR="0" indent="0" algn="ctr" latinLnBrk="0">
-                        <a:lnSpc>
-                          <a:spcPct val="130000"/>
-                        </a:lnSpc>
-                        <a:spcBef>
-                          <a:spcPts val="0"/>
-                        </a:spcBef>
-                        <a:spcAft>
-                          <a:spcPts val="0"/>
-                        </a:spcAft>
-                        <a:defRPr/>
-                      </a:pPr>
-                      <a:r>
-                        <a:rPr lang="en-US" altLang="ko-KR" sz="1800" b="0" kern="0" spc="-60">
-                          <a:solidFill>
-                            <a:srgbClr val="000000"/>
-                          </a:solidFill>
-                          <a:effectLst/>
-                          <a:latin typeface="+mj-lt"/>
-                          <a:ea typeface="함초롬바탕"/>
-                        </a:rPr>
-                        <a:t>5</a:t>
-                      </a:r>
-                      <a:r>
-                        <a:rPr lang="ko-KR" altLang="en-US" sz="1800" b="0" kern="0" spc="-60">
-                          <a:solidFill>
-                            <a:srgbClr val="000000"/>
-                          </a:solidFill>
-                          <a:effectLst/>
-                          <a:latin typeface="+mj-lt"/>
-                          <a:ea typeface="함초롬바탕"/>
-                        </a:rPr>
-                        <a:t>주차</a:t>
-                      </a:r>
-                      <a:endParaRPr lang="ko-KR" altLang="en-US" sz="1800" b="0" kern="0" spc="-60">
-                        <a:solidFill>
-                          <a:srgbClr val="000000"/>
-                        </a:solidFill>
-                        <a:effectLst/>
-                        <a:latin typeface="+mj-lt"/>
-                      </a:endParaRPr>
-                    </a:p>
-                  </a:txBody>
-                  <a:tcPr marL="91440" marR="91440" anchor="ctr">
-                    <a:lnL w="3556" cap="flat" cmpd="sng" algn="ctr">
-                      <a:solidFill>
-                        <a:srgbClr val="000000"/>
-                      </a:solidFill>
-                      <a:prstDash val="solid"/>
-                      <a:round/>
-                      <a:headEnd w="med" len="med"/>
-                      <a:tailEnd w="med" len="med"/>
-                    </a:lnL>
-                    <a:lnR w="3556" cap="flat" cmpd="sng" algn="ctr">
-                      <a:solidFill>
-                        <a:srgbClr val="000000"/>
-                      </a:solidFill>
-                      <a:prstDash val="solid"/>
-                      <a:round/>
-                      <a:headEnd w="med" len="med"/>
-                      <a:tailEnd w="med" len="med"/>
-                    </a:lnR>
-                    <a:lnT w="3556" cap="flat" cmpd="sng" algn="ctr">
-                      <a:solidFill>
-                        <a:srgbClr val="000000"/>
-                      </a:solidFill>
-                      <a:prstDash val="solid"/>
-                      <a:round/>
-                      <a:headEnd w="med" len="med"/>
-                      <a:tailEnd w="med" len="med"/>
-                    </a:lnT>
-                    <a:lnB w="3556" cap="flat" cmpd="sng" algn="ctr">
-                      <a:solidFill>
-                        <a:srgbClr val="000000"/>
-                      </a:solidFill>
-                      <a:prstDash val="solid"/>
-                      <a:round/>
-                      <a:headEnd w="med" len="med"/>
-                      <a:tailEnd w="med" len="med"/>
-                    </a:lnB>
-                  </a:tcPr>
-                </a:tc>
-                <a:tc>
-                  <a:txBody>
-                    <a:bodyPr vert="horz" lIns="91440" tIns="45720" rIns="91440" bIns="45720" anchor="ctr" anchorCtr="0"/>
-                    <a:p>
-                      <a:pPr marL="0" marR="0" indent="0" algn="ctr" latinLnBrk="0">
-                        <a:lnSpc>
-                          <a:spcPct val="130000"/>
-                        </a:lnSpc>
-                        <a:spcBef>
-                          <a:spcPts val="0"/>
-                        </a:spcBef>
-                        <a:spcAft>
-                          <a:spcPts val="0"/>
-                        </a:spcAft>
-                        <a:defRPr/>
-                      </a:pPr>
-                      <a:r>
-                        <a:rPr lang="ko-KR" altLang="en-US" sz="1800" b="0" kern="0" spc="-60">
-                          <a:solidFill>
-                            <a:srgbClr val="000000"/>
-                          </a:solidFill>
-                          <a:effectLst/>
-                          <a:latin typeface="+mj-lt"/>
-                          <a:ea typeface="함초롬바탕"/>
-                        </a:rPr>
-                        <a:t>제품 개발 설계</a:t>
-                      </a:r>
-                      <a:endParaRPr lang="ko-KR" altLang="en-US" sz="1800" b="0" kern="0" spc="-60">
-                        <a:solidFill>
-                          <a:srgbClr val="000000"/>
-                        </a:solidFill>
-                        <a:effectLst/>
-                        <a:latin typeface="+mj-lt"/>
-                      </a:endParaRPr>
-                    </a:p>
-                  </a:txBody>
-                  <a:tcPr marL="91440" marR="91440" anchor="ctr">
-                    <a:lnL w="3556" cap="flat" cmpd="sng" algn="ctr">
-                      <a:solidFill>
-                        <a:srgbClr val="000000"/>
-                      </a:solidFill>
-                      <a:prstDash val="solid"/>
-                      <a:round/>
-                      <a:headEnd w="med" len="med"/>
-                      <a:tailEnd w="med" len="med"/>
-                    </a:lnL>
-                    <a:lnR w="3556" cap="flat" cmpd="sng" algn="ctr">
-                      <a:solidFill>
-                        <a:srgbClr val="000000"/>
-                      </a:solidFill>
-                      <a:prstDash val="solid"/>
-                      <a:round/>
-                      <a:headEnd w="med" len="med"/>
-                      <a:tailEnd w="med" len="med"/>
-                    </a:lnR>
-                    <a:lnT w="3556" cap="flat" cmpd="sng" algn="ctr">
-                      <a:solidFill>
-                        <a:srgbClr val="000000"/>
-                      </a:solidFill>
-                      <a:prstDash val="solid"/>
-                      <a:round/>
-                      <a:headEnd w="med" len="med"/>
-                      <a:tailEnd w="med" len="med"/>
-                    </a:lnT>
-                    <a:lnB w="3556" cap="flat" cmpd="sng" algn="ctr">
-                      <a:solidFill>
-                        <a:srgbClr val="000000"/>
-                      </a:solidFill>
-                      <a:prstDash val="solid"/>
-                      <a:round/>
-                      <a:headEnd w="med" len="med"/>
-                      <a:tailEnd w="med" len="med"/>
-                    </a:lnB>
-                  </a:tcPr>
-                </a:tc>
-                <a:tc>
-                  <a:txBody>
-                    <a:bodyPr vert="horz" lIns="91440" tIns="45720" rIns="91440" bIns="45720" anchor="ctr" anchorCtr="0"/>
-                    <a:p>
-                      <a:pPr marL="0" marR="0" indent="0" algn="ctr" latinLnBrk="0">
-                        <a:lnSpc>
-                          <a:spcPct val="130000"/>
-                        </a:lnSpc>
-                        <a:spcBef>
-                          <a:spcPts val="0"/>
-                        </a:spcBef>
-                        <a:spcAft>
-                          <a:spcPts val="0"/>
-                        </a:spcAft>
-                        <a:defRPr/>
-                      </a:pPr>
-                      <a:endParaRPr lang="ko-KR" altLang="en-US" sz="1800" b="0" kern="0" spc="-60">
                         <a:solidFill>
                           <a:srgbClr val="000000"/>
                         </a:solidFill>
@@ -7713,6 +6729,7 @@
                         </a:solidFill>
                         <a:effectLst/>
                         <a:latin typeface="+mj-lt"/>
+                        <a:ea typeface="함초롬바탕"/>
                       </a:endParaRPr>
                     </a:p>
                   </a:txBody>
@@ -7780,7 +6797,7 @@
                           <a:latin typeface="+mj-lt"/>
                           <a:ea typeface="함초롬바탕"/>
                         </a:rPr>
-                        <a:t>제품 개발 프로그래밍</a:t>
+                        <a:t>계획 및 일정 수립</a:t>
                       </a:r>
                       <a:endParaRPr lang="ko-KR" altLang="en-US" sz="1800" b="0" kern="0" spc="-60">
                         <a:solidFill>
@@ -7952,6 +6969,7 @@
                         </a:solidFill>
                         <a:effectLst/>
                         <a:latin typeface="+mj-lt"/>
+                        <a:ea typeface="함초롬바탕"/>
                       </a:endParaRPr>
                     </a:p>
                   </a:txBody>
@@ -8019,7 +7037,7 @@
                           <a:latin typeface="+mj-lt"/>
                           <a:ea typeface="함초롬바탕"/>
                         </a:rPr>
-                        <a:t>검증 및 토의</a:t>
+                        <a:t>제품 기획</a:t>
                       </a:r>
                       <a:endParaRPr lang="ko-KR" altLang="en-US" sz="1800" b="0" kern="0" spc="-60">
                         <a:solidFill>
@@ -8191,7 +7209,858 @@
                         </a:solidFill>
                         <a:effectLst/>
                         <a:latin typeface="+mj-lt"/>
+                        <a:ea typeface="함초롬바탕"/>
                       </a:endParaRPr>
+                    </a:p>
+                  </a:txBody>
+                  <a:tcPr marL="91440" marR="91440" anchor="ctr">
+                    <a:lnL w="3556" cap="flat" cmpd="sng" algn="ctr">
+                      <a:solidFill>
+                        <a:srgbClr val="000000"/>
+                      </a:solidFill>
+                      <a:prstDash val="solid"/>
+                      <a:round/>
+                      <a:headEnd w="med" len="med"/>
+                      <a:tailEnd w="med" len="med"/>
+                    </a:lnL>
+                    <a:lnR w="3556" cap="flat" cmpd="sng" algn="ctr">
+                      <a:solidFill>
+                        <a:srgbClr val="000000"/>
+                      </a:solidFill>
+                      <a:prstDash val="solid"/>
+                      <a:round/>
+                      <a:headEnd w="med" len="med"/>
+                      <a:tailEnd w="med" len="med"/>
+                    </a:lnR>
+                    <a:lnT w="3556" cap="flat" cmpd="sng" algn="ctr">
+                      <a:solidFill>
+                        <a:srgbClr val="000000"/>
+                      </a:solidFill>
+                      <a:prstDash val="solid"/>
+                      <a:round/>
+                      <a:headEnd w="med" len="med"/>
+                      <a:tailEnd w="med" len="med"/>
+                    </a:lnT>
+                    <a:lnB w="3556" cap="flat" cmpd="sng" algn="ctr">
+                      <a:solidFill>
+                        <a:srgbClr val="000000"/>
+                      </a:solidFill>
+                      <a:prstDash val="solid"/>
+                      <a:round/>
+                      <a:headEnd w="med" len="med"/>
+                      <a:tailEnd w="med" len="med"/>
+                    </a:lnB>
+                  </a:tcPr>
+                </a:tc>
+                <a:tc>
+                  <a:txBody>
+                    <a:bodyPr vert="horz" lIns="91440" tIns="45720" rIns="91440" bIns="45720" anchor="ctr" anchorCtr="0"/>
+                    <a:p>
+                      <a:pPr marL="0" marR="0" indent="0" algn="ctr" latinLnBrk="0">
+                        <a:lnSpc>
+                          <a:spcPct val="130000"/>
+                        </a:lnSpc>
+                        <a:spcBef>
+                          <a:spcPts val="0"/>
+                        </a:spcBef>
+                        <a:spcAft>
+                          <a:spcPts val="0"/>
+                        </a:spcAft>
+                        <a:defRPr/>
+                      </a:pPr>
+                      <a:r>
+                        <a:rPr lang="ko-KR" altLang="en-US" sz="1800" b="0" kern="0" spc="-60">
+                          <a:solidFill>
+                            <a:srgbClr val="000000"/>
+                          </a:solidFill>
+                          <a:effectLst/>
+                          <a:latin typeface="+mj-lt"/>
+                          <a:ea typeface="함초롬바탕"/>
+                        </a:rPr>
+                        <a:t>제품 개발 기획</a:t>
+                      </a:r>
+                      <a:endParaRPr lang="ko-KR" altLang="en-US" sz="1800" b="0" kern="0" spc="-60">
+                        <a:solidFill>
+                          <a:srgbClr val="000000"/>
+                        </a:solidFill>
+                        <a:effectLst/>
+                        <a:latin typeface="+mj-lt"/>
+                      </a:endParaRPr>
+                    </a:p>
+                  </a:txBody>
+                  <a:tcPr marL="91440" marR="91440" anchor="ctr">
+                    <a:lnL w="3556" cap="flat" cmpd="sng" algn="ctr">
+                      <a:solidFill>
+                        <a:srgbClr val="000000"/>
+                      </a:solidFill>
+                      <a:prstDash val="solid"/>
+                      <a:round/>
+                      <a:headEnd w="med" len="med"/>
+                      <a:tailEnd w="med" len="med"/>
+                    </a:lnL>
+                    <a:lnR w="3556" cap="flat" cmpd="sng" algn="ctr">
+                      <a:solidFill>
+                        <a:srgbClr val="000000"/>
+                      </a:solidFill>
+                      <a:prstDash val="solid"/>
+                      <a:round/>
+                      <a:headEnd w="med" len="med"/>
+                      <a:tailEnd w="med" len="med"/>
+                    </a:lnR>
+                    <a:lnT w="3556" cap="flat" cmpd="sng" algn="ctr">
+                      <a:solidFill>
+                        <a:srgbClr val="000000"/>
+                      </a:solidFill>
+                      <a:prstDash val="solid"/>
+                      <a:round/>
+                      <a:headEnd w="med" len="med"/>
+                      <a:tailEnd w="med" len="med"/>
+                    </a:lnT>
+                    <a:lnB w="3556" cap="flat" cmpd="sng" algn="ctr">
+                      <a:solidFill>
+                        <a:srgbClr val="000000"/>
+                      </a:solidFill>
+                      <a:prstDash val="solid"/>
+                      <a:round/>
+                      <a:headEnd w="med" len="med"/>
+                      <a:tailEnd w="med" len="med"/>
+                    </a:lnB>
+                  </a:tcPr>
+                </a:tc>
+                <a:tc>
+                  <a:txBody>
+                    <a:bodyPr vert="horz" lIns="91440" tIns="45720" rIns="91440" bIns="45720" anchor="ctr" anchorCtr="0"/>
+                    <a:p>
+                      <a:pPr marL="0" marR="0" indent="0" algn="ctr" latinLnBrk="0">
+                        <a:lnSpc>
+                          <a:spcPct val="130000"/>
+                        </a:lnSpc>
+                        <a:spcBef>
+                          <a:spcPts val="0"/>
+                        </a:spcBef>
+                        <a:spcAft>
+                          <a:spcPts val="0"/>
+                        </a:spcAft>
+                        <a:defRPr/>
+                      </a:pPr>
+                      <a:endParaRPr lang="ko-KR" altLang="en-US" sz="1800" b="0" kern="0" spc="-60">
+                        <a:solidFill>
+                          <a:srgbClr val="000000"/>
+                        </a:solidFill>
+                        <a:effectLst/>
+                        <a:latin typeface="+mj-lt"/>
+                      </a:endParaRPr>
+                    </a:p>
+                  </a:txBody>
+                  <a:tcPr marL="91440" marR="91440" anchor="ctr">
+                    <a:lnL w="3556" cap="flat" cmpd="sng" algn="ctr">
+                      <a:solidFill>
+                        <a:srgbClr val="000000"/>
+                      </a:solidFill>
+                      <a:prstDash val="solid"/>
+                      <a:round/>
+                      <a:headEnd w="med" len="med"/>
+                      <a:tailEnd w="med" len="med"/>
+                    </a:lnL>
+                    <a:lnR w="3556" cap="flat" cmpd="sng" algn="ctr">
+                      <a:solidFill>
+                        <a:srgbClr val="000000"/>
+                      </a:solidFill>
+                      <a:prstDash val="solid"/>
+                      <a:round/>
+                      <a:headEnd w="med" len="med"/>
+                      <a:tailEnd w="med" len="med"/>
+                    </a:lnR>
+                    <a:lnT w="3556" cap="flat" cmpd="sng" algn="ctr">
+                      <a:solidFill>
+                        <a:srgbClr val="000000"/>
+                      </a:solidFill>
+                      <a:prstDash val="solid"/>
+                      <a:round/>
+                      <a:headEnd w="med" len="med"/>
+                      <a:tailEnd w="med" len="med"/>
+                    </a:lnT>
+                    <a:lnB w="3556" cap="flat" cmpd="sng" algn="ctr">
+                      <a:solidFill>
+                        <a:srgbClr val="000000"/>
+                      </a:solidFill>
+                      <a:prstDash val="solid"/>
+                      <a:round/>
+                      <a:headEnd w="med" len="med"/>
+                      <a:tailEnd w="med" len="med"/>
+                    </a:lnB>
+                  </a:tcPr>
+                </a:tc>
+              </a:tr>
+              <a:tr h="511740">
+                <a:tc vMerge="1">
+                  <a:txBody>
+                    <a:bodyPr/>
+                    <a:p>
+                      <a:pPr latinLnBrk="1">
+                        <a:defRPr/>
+                      </a:pPr>
+                      <a:endParaRPr lang="ko-KR" altLang="en-US"/>
+                    </a:p>
+                  </a:txBody>
+                  <a:tcPr marL="91440" marR="91440"/>
+                </a:tc>
+                <a:tc>
+                  <a:txBody>
+                    <a:bodyPr vert="horz" lIns="91440" tIns="45720" rIns="91440" bIns="45720" anchor="ctr" anchorCtr="0"/>
+                    <a:p>
+                      <a:pPr marL="0" marR="0" indent="0" algn="ctr" latinLnBrk="0">
+                        <a:lnSpc>
+                          <a:spcPct val="130000"/>
+                        </a:lnSpc>
+                        <a:spcBef>
+                          <a:spcPts val="0"/>
+                        </a:spcBef>
+                        <a:spcAft>
+                          <a:spcPts val="0"/>
+                        </a:spcAft>
+                        <a:defRPr/>
+                      </a:pPr>
+                      <a:endParaRPr lang="ko-KR" altLang="en-US" sz="1800" b="0" kern="0" spc="-60">
+                        <a:solidFill>
+                          <a:srgbClr val="000000"/>
+                        </a:solidFill>
+                        <a:effectLst/>
+                        <a:latin typeface="+mj-lt"/>
+                      </a:endParaRPr>
+                    </a:p>
+                  </a:txBody>
+                  <a:tcPr marL="91440" marR="91440" anchor="ctr">
+                    <a:lnL w="3556" cap="flat" cmpd="sng" algn="ctr">
+                      <a:solidFill>
+                        <a:srgbClr val="000000"/>
+                      </a:solidFill>
+                      <a:prstDash val="solid"/>
+                      <a:round/>
+                      <a:headEnd w="med" len="med"/>
+                      <a:tailEnd w="med" len="med"/>
+                    </a:lnL>
+                    <a:lnR w="3556" cap="flat" cmpd="sng" algn="ctr">
+                      <a:solidFill>
+                        <a:srgbClr val="000000"/>
+                      </a:solidFill>
+                      <a:prstDash val="solid"/>
+                      <a:round/>
+                      <a:headEnd w="med" len="med"/>
+                      <a:tailEnd w="med" len="med"/>
+                    </a:lnR>
+                    <a:lnT w="3556" cap="flat" cmpd="sng" algn="ctr">
+                      <a:solidFill>
+                        <a:srgbClr val="000000"/>
+                      </a:solidFill>
+                      <a:prstDash val="solid"/>
+                      <a:round/>
+                      <a:headEnd w="med" len="med"/>
+                      <a:tailEnd w="med" len="med"/>
+                    </a:lnT>
+                    <a:lnB w="3556" cap="flat" cmpd="sng" algn="ctr">
+                      <a:solidFill>
+                        <a:srgbClr val="000000"/>
+                      </a:solidFill>
+                      <a:prstDash val="solid"/>
+                      <a:round/>
+                      <a:headEnd w="med" len="med"/>
+                      <a:tailEnd w="med" len="med"/>
+                    </a:lnB>
+                  </a:tcPr>
+                </a:tc>
+                <a:tc>
+                  <a:txBody>
+                    <a:bodyPr vert="horz" lIns="91440" tIns="45720" rIns="91440" bIns="45720" anchor="ctr" anchorCtr="0"/>
+                    <a:p>
+                      <a:pPr marL="0" marR="0" indent="0" algn="ctr" latinLnBrk="0">
+                        <a:lnSpc>
+                          <a:spcPct val="130000"/>
+                        </a:lnSpc>
+                        <a:spcBef>
+                          <a:spcPts val="0"/>
+                        </a:spcBef>
+                        <a:spcAft>
+                          <a:spcPts val="0"/>
+                        </a:spcAft>
+                        <a:defRPr/>
+                      </a:pPr>
+                      <a:r>
+                        <a:rPr lang="ko-KR" altLang="en-US" sz="1800" b="0" kern="0" spc="-60">
+                          <a:solidFill>
+                            <a:srgbClr val="000000"/>
+                          </a:solidFill>
+                          <a:effectLst/>
+                          <a:latin typeface="+mj-lt"/>
+                          <a:ea typeface="함초롬바탕"/>
+                        </a:rPr>
+                        <a:t>제품 개발 설계</a:t>
+                      </a:r>
+                      <a:endParaRPr lang="ko-KR" altLang="en-US" sz="1800" b="0" kern="0" spc="-60">
+                        <a:solidFill>
+                          <a:srgbClr val="000000"/>
+                        </a:solidFill>
+                        <a:effectLst/>
+                        <a:latin typeface="+mj-lt"/>
+                      </a:endParaRPr>
+                    </a:p>
+                  </a:txBody>
+                  <a:tcPr marL="91440" marR="91440" anchor="ctr">
+                    <a:lnL w="3556" cap="flat" cmpd="sng" algn="ctr">
+                      <a:solidFill>
+                        <a:srgbClr val="000000"/>
+                      </a:solidFill>
+                      <a:prstDash val="solid"/>
+                      <a:round/>
+                      <a:headEnd w="med" len="med"/>
+                      <a:tailEnd w="med" len="med"/>
+                    </a:lnL>
+                    <a:lnR w="3556" cap="flat" cmpd="sng" algn="ctr">
+                      <a:solidFill>
+                        <a:srgbClr val="000000"/>
+                      </a:solidFill>
+                      <a:prstDash val="solid"/>
+                      <a:round/>
+                      <a:headEnd w="med" len="med"/>
+                      <a:tailEnd w="med" len="med"/>
+                    </a:lnR>
+                    <a:lnT w="3556" cap="flat" cmpd="sng" algn="ctr">
+                      <a:solidFill>
+                        <a:srgbClr val="000000"/>
+                      </a:solidFill>
+                      <a:prstDash val="solid"/>
+                      <a:round/>
+                      <a:headEnd w="med" len="med"/>
+                      <a:tailEnd w="med" len="med"/>
+                    </a:lnT>
+                    <a:lnB w="3556" cap="flat" cmpd="sng" algn="ctr">
+                      <a:solidFill>
+                        <a:srgbClr val="000000"/>
+                      </a:solidFill>
+                      <a:prstDash val="solid"/>
+                      <a:round/>
+                      <a:headEnd w="med" len="med"/>
+                      <a:tailEnd w="med" len="med"/>
+                    </a:lnB>
+                  </a:tcPr>
+                </a:tc>
+                <a:tc>
+                  <a:txBody>
+                    <a:bodyPr vert="horz" lIns="91440" tIns="45720" rIns="91440" bIns="45720" anchor="ctr" anchorCtr="0"/>
+                    <a:p>
+                      <a:pPr marL="0" marR="0" indent="0" algn="ctr" latinLnBrk="0">
+                        <a:lnSpc>
+                          <a:spcPct val="130000"/>
+                        </a:lnSpc>
+                        <a:spcBef>
+                          <a:spcPts val="0"/>
+                        </a:spcBef>
+                        <a:spcAft>
+                          <a:spcPts val="0"/>
+                        </a:spcAft>
+                        <a:defRPr/>
+                      </a:pPr>
+                      <a:endParaRPr lang="ko-KR" altLang="en-US" sz="1800" b="0" kern="0" spc="-60">
+                        <a:solidFill>
+                          <a:srgbClr val="000000"/>
+                        </a:solidFill>
+                        <a:effectLst/>
+                        <a:latin typeface="+mj-lt"/>
+                      </a:endParaRPr>
+                    </a:p>
+                  </a:txBody>
+                  <a:tcPr marL="91440" marR="91440" anchor="ctr">
+                    <a:lnL w="3556" cap="flat" cmpd="sng" algn="ctr">
+                      <a:solidFill>
+                        <a:srgbClr val="000000"/>
+                      </a:solidFill>
+                      <a:prstDash val="solid"/>
+                      <a:round/>
+                      <a:headEnd w="med" len="med"/>
+                      <a:tailEnd w="med" len="med"/>
+                    </a:lnL>
+                    <a:lnR w="3556" cap="flat" cmpd="sng" algn="ctr">
+                      <a:solidFill>
+                        <a:srgbClr val="000000"/>
+                      </a:solidFill>
+                      <a:prstDash val="solid"/>
+                      <a:round/>
+                      <a:headEnd w="med" len="med"/>
+                      <a:tailEnd w="med" len="med"/>
+                    </a:lnR>
+                    <a:lnT w="3556" cap="flat" cmpd="sng" algn="ctr">
+                      <a:solidFill>
+                        <a:srgbClr val="000000"/>
+                      </a:solidFill>
+                      <a:prstDash val="solid"/>
+                      <a:round/>
+                      <a:headEnd w="med" len="med"/>
+                      <a:tailEnd w="med" len="med"/>
+                    </a:lnT>
+                    <a:lnB w="3556" cap="flat" cmpd="sng" algn="ctr">
+                      <a:solidFill>
+                        <a:srgbClr val="000000"/>
+                      </a:solidFill>
+                      <a:prstDash val="solid"/>
+                      <a:round/>
+                      <a:headEnd w="med" len="med"/>
+                      <a:tailEnd w="med" len="med"/>
+                    </a:lnB>
+                  </a:tcPr>
+                </a:tc>
+              </a:tr>
+              <a:tr h="511740">
+                <a:tc vMerge="1">
+                  <a:txBody>
+                    <a:bodyPr/>
+                    <a:p>
+                      <a:pPr latinLnBrk="1">
+                        <a:defRPr/>
+                      </a:pPr>
+                      <a:endParaRPr lang="ko-KR" altLang="en-US"/>
+                    </a:p>
+                  </a:txBody>
+                  <a:tcPr marL="91440" marR="91440"/>
+                </a:tc>
+                <a:tc>
+                  <a:txBody>
+                    <a:bodyPr vert="horz" lIns="91440" tIns="45720" rIns="91440" bIns="45720" anchor="ctr" anchorCtr="0"/>
+                    <a:p>
+                      <a:pPr marL="0" marR="0" indent="0" algn="ctr" latinLnBrk="0">
+                        <a:lnSpc>
+                          <a:spcPct val="130000"/>
+                        </a:lnSpc>
+                        <a:spcBef>
+                          <a:spcPts val="0"/>
+                        </a:spcBef>
+                        <a:spcAft>
+                          <a:spcPts val="0"/>
+                        </a:spcAft>
+                        <a:defRPr/>
+                      </a:pPr>
+                      <a:endParaRPr lang="ko-KR" altLang="en-US"/>
+                    </a:p>
+                  </a:txBody>
+                  <a:tcPr marL="91440" marR="91440" anchor="ctr">
+                    <a:lnL w="3556" cap="flat" cmpd="sng" algn="ctr">
+                      <a:solidFill>
+                        <a:srgbClr val="000000"/>
+                      </a:solidFill>
+                      <a:prstDash val="solid"/>
+                      <a:round/>
+                      <a:headEnd w="med" len="med"/>
+                      <a:tailEnd w="med" len="med"/>
+                    </a:lnL>
+                    <a:lnR w="3556" cap="flat" cmpd="sng" algn="ctr">
+                      <a:solidFill>
+                        <a:srgbClr val="000000"/>
+                      </a:solidFill>
+                      <a:prstDash val="solid"/>
+                      <a:round/>
+                      <a:headEnd w="med" len="med"/>
+                      <a:tailEnd w="med" len="med"/>
+                    </a:lnR>
+                    <a:lnT w="3556" cap="flat" cmpd="sng" algn="ctr">
+                      <a:solidFill>
+                        <a:srgbClr val="000000"/>
+                      </a:solidFill>
+                      <a:prstDash val="solid"/>
+                      <a:round/>
+                      <a:headEnd w="med" len="med"/>
+                      <a:tailEnd w="med" len="med"/>
+                    </a:lnT>
+                    <a:lnB w="3556" cap="flat" cmpd="sng" algn="ctr">
+                      <a:solidFill>
+                        <a:srgbClr val="000000"/>
+                      </a:solidFill>
+                      <a:prstDash val="solid"/>
+                      <a:round/>
+                      <a:headEnd w="med" len="med"/>
+                      <a:tailEnd w="med" len="med"/>
+                    </a:lnB>
+                  </a:tcPr>
+                </a:tc>
+                <a:tc>
+                  <a:txBody>
+                    <a:bodyPr vert="horz" lIns="91440" tIns="45720" rIns="91440" bIns="45720" anchor="ctr" anchorCtr="0"/>
+                    <a:p>
+                      <a:pPr marL="0" marR="0" indent="0" algn="ctr" latinLnBrk="0">
+                        <a:lnSpc>
+                          <a:spcPct val="130000"/>
+                        </a:lnSpc>
+                        <a:spcBef>
+                          <a:spcPts val="0"/>
+                        </a:spcBef>
+                        <a:spcAft>
+                          <a:spcPts val="0"/>
+                        </a:spcAft>
+                        <a:defRPr/>
+                      </a:pPr>
+                      <a:r>
+                        <a:rPr lang="ko-KR" altLang="en-US" sz="1800" b="0" kern="0" spc="-60">
+                          <a:solidFill>
+                            <a:srgbClr val="000000"/>
+                          </a:solidFill>
+                          <a:effectLst/>
+                          <a:latin typeface="+mj-lt"/>
+                          <a:ea typeface="함초롬바탕"/>
+                        </a:rPr>
+                        <a:t>제품 개발 프로그래밍</a:t>
+                      </a:r>
+                      <a:endParaRPr lang="ko-KR" altLang="en-US" sz="1800" b="0" kern="0" spc="-60">
+                        <a:solidFill>
+                          <a:srgbClr val="000000"/>
+                        </a:solidFill>
+                        <a:effectLst/>
+                        <a:latin typeface="+mj-lt"/>
+                      </a:endParaRPr>
+                    </a:p>
+                  </a:txBody>
+                  <a:tcPr marL="91440" marR="91440" anchor="ctr">
+                    <a:lnL w="3556" cap="flat" cmpd="sng" algn="ctr">
+                      <a:solidFill>
+                        <a:srgbClr val="000000"/>
+                      </a:solidFill>
+                      <a:prstDash val="solid"/>
+                      <a:round/>
+                      <a:headEnd w="med" len="med"/>
+                      <a:tailEnd w="med" len="med"/>
+                    </a:lnL>
+                    <a:lnR w="3556" cap="flat" cmpd="sng" algn="ctr">
+                      <a:solidFill>
+                        <a:srgbClr val="000000"/>
+                      </a:solidFill>
+                      <a:prstDash val="solid"/>
+                      <a:round/>
+                      <a:headEnd w="med" len="med"/>
+                      <a:tailEnd w="med" len="med"/>
+                    </a:lnR>
+                    <a:lnT w="3556" cap="flat" cmpd="sng" algn="ctr">
+                      <a:solidFill>
+                        <a:srgbClr val="000000"/>
+                      </a:solidFill>
+                      <a:prstDash val="solid"/>
+                      <a:round/>
+                      <a:headEnd w="med" len="med"/>
+                      <a:tailEnd w="med" len="med"/>
+                    </a:lnT>
+                    <a:lnB w="3556" cap="flat" cmpd="sng" algn="ctr">
+                      <a:solidFill>
+                        <a:srgbClr val="000000"/>
+                      </a:solidFill>
+                      <a:prstDash val="solid"/>
+                      <a:round/>
+                      <a:headEnd w="med" len="med"/>
+                      <a:tailEnd w="med" len="med"/>
+                    </a:lnB>
+                  </a:tcPr>
+                </a:tc>
+                <a:tc>
+                  <a:txBody>
+                    <a:bodyPr vert="horz" lIns="91440" tIns="45720" rIns="91440" bIns="45720" anchor="ctr" anchorCtr="0"/>
+                    <a:p>
+                      <a:pPr marL="0" marR="0" indent="0" algn="ctr" latinLnBrk="0">
+                        <a:lnSpc>
+                          <a:spcPct val="130000"/>
+                        </a:lnSpc>
+                        <a:spcBef>
+                          <a:spcPts val="0"/>
+                        </a:spcBef>
+                        <a:spcAft>
+                          <a:spcPts val="0"/>
+                        </a:spcAft>
+                        <a:defRPr/>
+                      </a:pPr>
+                      <a:endParaRPr lang="ko-KR" altLang="en-US" sz="1800" b="0" kern="0" spc="-60">
+                        <a:solidFill>
+                          <a:srgbClr val="000000"/>
+                        </a:solidFill>
+                        <a:effectLst/>
+                        <a:latin typeface="+mj-lt"/>
+                      </a:endParaRPr>
+                    </a:p>
+                  </a:txBody>
+                  <a:tcPr marL="91440" marR="91440" anchor="ctr">
+                    <a:lnL w="3556" cap="flat" cmpd="sng" algn="ctr">
+                      <a:solidFill>
+                        <a:srgbClr val="000000"/>
+                      </a:solidFill>
+                      <a:prstDash val="solid"/>
+                      <a:round/>
+                      <a:headEnd w="med" len="med"/>
+                      <a:tailEnd w="med" len="med"/>
+                    </a:lnL>
+                    <a:lnR w="3556" cap="flat" cmpd="sng" algn="ctr">
+                      <a:solidFill>
+                        <a:srgbClr val="000000"/>
+                      </a:solidFill>
+                      <a:prstDash val="solid"/>
+                      <a:round/>
+                      <a:headEnd w="med" len="med"/>
+                      <a:tailEnd w="med" len="med"/>
+                    </a:lnR>
+                    <a:lnT w="3556" cap="flat" cmpd="sng" algn="ctr">
+                      <a:solidFill>
+                        <a:srgbClr val="000000"/>
+                      </a:solidFill>
+                      <a:prstDash val="solid"/>
+                      <a:round/>
+                      <a:headEnd w="med" len="med"/>
+                      <a:tailEnd w="med" len="med"/>
+                    </a:lnT>
+                    <a:lnB w="3556" cap="flat" cmpd="sng" algn="ctr">
+                      <a:solidFill>
+                        <a:srgbClr val="000000"/>
+                      </a:solidFill>
+                      <a:prstDash val="solid"/>
+                      <a:round/>
+                      <a:headEnd w="med" len="med"/>
+                      <a:tailEnd w="med" len="med"/>
+                    </a:lnB>
+                  </a:tcPr>
+                </a:tc>
+              </a:tr>
+              <a:tr h="511740">
+                <a:tc vMerge="1">
+                  <a:txBody>
+                    <a:bodyPr/>
+                    <a:p>
+                      <a:pPr latinLnBrk="1">
+                        <a:defRPr/>
+                      </a:pPr>
+                      <a:endParaRPr lang="ko-KR" altLang="en-US"/>
+                    </a:p>
+                  </a:txBody>
+                  <a:tcPr marL="91440" marR="91440"/>
+                </a:tc>
+                <a:tc>
+                  <a:txBody>
+                    <a:bodyPr vert="horz" lIns="91440" tIns="45720" rIns="91440" bIns="45720" anchor="ctr" anchorCtr="0"/>
+                    <a:p>
+                      <a:pPr marL="0" marR="0" indent="0" algn="ctr" latinLnBrk="0">
+                        <a:lnSpc>
+                          <a:spcPct val="130000"/>
+                        </a:lnSpc>
+                        <a:spcBef>
+                          <a:spcPts val="0"/>
+                        </a:spcBef>
+                        <a:spcAft>
+                          <a:spcPts val="0"/>
+                        </a:spcAft>
+                        <a:defRPr/>
+                      </a:pPr>
+                      <a:endParaRPr lang="ko-KR" altLang="en-US"/>
+                    </a:p>
+                  </a:txBody>
+                  <a:tcPr marL="91440" marR="91440" anchor="ctr">
+                    <a:lnL w="3556" cap="flat" cmpd="sng" algn="ctr">
+                      <a:solidFill>
+                        <a:srgbClr val="000000"/>
+                      </a:solidFill>
+                      <a:prstDash val="solid"/>
+                      <a:round/>
+                      <a:headEnd w="med" len="med"/>
+                      <a:tailEnd w="med" len="med"/>
+                    </a:lnL>
+                    <a:lnR w="3556" cap="flat" cmpd="sng" algn="ctr">
+                      <a:solidFill>
+                        <a:srgbClr val="000000"/>
+                      </a:solidFill>
+                      <a:prstDash val="solid"/>
+                      <a:round/>
+                      <a:headEnd w="med" len="med"/>
+                      <a:tailEnd w="med" len="med"/>
+                    </a:lnR>
+                    <a:lnT w="3556" cap="flat" cmpd="sng" algn="ctr">
+                      <a:solidFill>
+                        <a:srgbClr val="000000"/>
+                      </a:solidFill>
+                      <a:prstDash val="solid"/>
+                      <a:round/>
+                      <a:headEnd w="med" len="med"/>
+                      <a:tailEnd w="med" len="med"/>
+                    </a:lnT>
+                    <a:lnB w="3556" cap="flat" cmpd="sng" algn="ctr">
+                      <a:solidFill>
+                        <a:srgbClr val="000000"/>
+                      </a:solidFill>
+                      <a:prstDash val="solid"/>
+                      <a:round/>
+                      <a:headEnd w="med" len="med"/>
+                      <a:tailEnd w="med" len="med"/>
+                    </a:lnB>
+                  </a:tcPr>
+                </a:tc>
+                <a:tc>
+                  <a:txBody>
+                    <a:bodyPr vert="horz" lIns="91440" tIns="45720" rIns="91440" bIns="45720" anchor="ctr" anchorCtr="0"/>
+                    <a:p>
+                      <a:pPr marL="0" marR="0" indent="0" algn="ctr" latinLnBrk="0">
+                        <a:lnSpc>
+                          <a:spcPct val="130000"/>
+                        </a:lnSpc>
+                        <a:spcBef>
+                          <a:spcPts val="0"/>
+                        </a:spcBef>
+                        <a:spcAft>
+                          <a:spcPts val="0"/>
+                        </a:spcAft>
+                        <a:defRPr/>
+                      </a:pPr>
+                      <a:r>
+                        <a:rPr lang="ko-KR" altLang="en-US" sz="1800" b="0" kern="0" spc="-60">
+                          <a:solidFill>
+                            <a:srgbClr val="000000"/>
+                          </a:solidFill>
+                          <a:effectLst/>
+                          <a:latin typeface="+mj-lt"/>
+                          <a:ea typeface="함초롬바탕"/>
+                        </a:rPr>
+                        <a:t>검증 및 토의</a:t>
+                      </a:r>
+                      <a:endParaRPr lang="ko-KR" altLang="en-US" sz="1800" b="0" kern="0" spc="-60">
+                        <a:solidFill>
+                          <a:srgbClr val="000000"/>
+                        </a:solidFill>
+                        <a:effectLst/>
+                        <a:latin typeface="+mj-lt"/>
+                      </a:endParaRPr>
+                    </a:p>
+                  </a:txBody>
+                  <a:tcPr marL="91440" marR="91440" anchor="ctr">
+                    <a:lnL w="3556" cap="flat" cmpd="sng" algn="ctr">
+                      <a:solidFill>
+                        <a:srgbClr val="000000"/>
+                      </a:solidFill>
+                      <a:prstDash val="solid"/>
+                      <a:round/>
+                      <a:headEnd w="med" len="med"/>
+                      <a:tailEnd w="med" len="med"/>
+                    </a:lnL>
+                    <a:lnR w="3556" cap="flat" cmpd="sng" algn="ctr">
+                      <a:solidFill>
+                        <a:srgbClr val="000000"/>
+                      </a:solidFill>
+                      <a:prstDash val="solid"/>
+                      <a:round/>
+                      <a:headEnd w="med" len="med"/>
+                      <a:tailEnd w="med" len="med"/>
+                    </a:lnR>
+                    <a:lnT w="3556" cap="flat" cmpd="sng" algn="ctr">
+                      <a:solidFill>
+                        <a:srgbClr val="000000"/>
+                      </a:solidFill>
+                      <a:prstDash val="solid"/>
+                      <a:round/>
+                      <a:headEnd w="med" len="med"/>
+                      <a:tailEnd w="med" len="med"/>
+                    </a:lnT>
+                    <a:lnB w="3556" cap="flat" cmpd="sng" algn="ctr">
+                      <a:solidFill>
+                        <a:srgbClr val="000000"/>
+                      </a:solidFill>
+                      <a:prstDash val="solid"/>
+                      <a:round/>
+                      <a:headEnd w="med" len="med"/>
+                      <a:tailEnd w="med" len="med"/>
+                    </a:lnB>
+                  </a:tcPr>
+                </a:tc>
+                <a:tc>
+                  <a:txBody>
+                    <a:bodyPr vert="horz" lIns="91440" tIns="45720" rIns="91440" bIns="45720" anchor="ctr" anchorCtr="0"/>
+                    <a:p>
+                      <a:pPr marL="0" marR="0" indent="0" algn="ctr" latinLnBrk="0">
+                        <a:lnSpc>
+                          <a:spcPct val="130000"/>
+                        </a:lnSpc>
+                        <a:spcBef>
+                          <a:spcPts val="0"/>
+                        </a:spcBef>
+                        <a:spcAft>
+                          <a:spcPts val="0"/>
+                        </a:spcAft>
+                        <a:defRPr/>
+                      </a:pPr>
+                      <a:endParaRPr lang="ko-KR" altLang="en-US" sz="1800" b="0" kern="0" spc="-60">
+                        <a:solidFill>
+                          <a:srgbClr val="000000"/>
+                        </a:solidFill>
+                        <a:effectLst/>
+                        <a:latin typeface="+mj-lt"/>
+                      </a:endParaRPr>
+                    </a:p>
+                  </a:txBody>
+                  <a:tcPr marL="91440" marR="91440" anchor="ctr">
+                    <a:lnL w="3556" cap="flat" cmpd="sng" algn="ctr">
+                      <a:solidFill>
+                        <a:srgbClr val="000000"/>
+                      </a:solidFill>
+                      <a:prstDash val="solid"/>
+                      <a:round/>
+                      <a:headEnd w="med" len="med"/>
+                      <a:tailEnd w="med" len="med"/>
+                    </a:lnL>
+                    <a:lnR w="3556" cap="flat" cmpd="sng" algn="ctr">
+                      <a:solidFill>
+                        <a:srgbClr val="000000"/>
+                      </a:solidFill>
+                      <a:prstDash val="solid"/>
+                      <a:round/>
+                      <a:headEnd w="med" len="med"/>
+                      <a:tailEnd w="med" len="med"/>
+                    </a:lnR>
+                    <a:lnT w="3556" cap="flat" cmpd="sng" algn="ctr">
+                      <a:solidFill>
+                        <a:srgbClr val="000000"/>
+                      </a:solidFill>
+                      <a:prstDash val="solid"/>
+                      <a:round/>
+                      <a:headEnd w="med" len="med"/>
+                      <a:tailEnd w="med" len="med"/>
+                    </a:lnT>
+                    <a:lnB w="3556" cap="flat" cmpd="sng" algn="ctr">
+                      <a:solidFill>
+                        <a:srgbClr val="000000"/>
+                      </a:solidFill>
+                      <a:prstDash val="solid"/>
+                      <a:round/>
+                      <a:headEnd w="med" len="med"/>
+                      <a:tailEnd w="med" len="med"/>
+                    </a:lnB>
+                  </a:tcPr>
+                </a:tc>
+              </a:tr>
+              <a:tr h="511740">
+                <a:tc vMerge="1">
+                  <a:txBody>
+                    <a:bodyPr/>
+                    <a:p>
+                      <a:pPr latinLnBrk="1">
+                        <a:defRPr/>
+                      </a:pPr>
+                      <a:endParaRPr lang="ko-KR" altLang="en-US"/>
+                    </a:p>
+                  </a:txBody>
+                  <a:tcPr marL="91440" marR="91440"/>
+                </a:tc>
+                <a:tc>
+                  <a:txBody>
+                    <a:bodyPr vert="horz" lIns="91440" tIns="45720" rIns="91440" bIns="45720" anchor="ctr" anchorCtr="0"/>
+                    <a:p>
+                      <a:pPr marL="0" marR="0" indent="0" algn="ctr" latinLnBrk="0">
+                        <a:lnSpc>
+                          <a:spcPct val="130000"/>
+                        </a:lnSpc>
+                        <a:spcBef>
+                          <a:spcPts val="0"/>
+                        </a:spcBef>
+                        <a:spcAft>
+                          <a:spcPts val="0"/>
+                        </a:spcAft>
+                        <a:defRPr/>
+                      </a:pPr>
+                      <a:endParaRPr lang="ko-KR" altLang="en-US"/>
                     </a:p>
                   </a:txBody>
                   <a:tcPr marL="91440" marR="91440" anchor="ctr">
@@ -8950,7 +8819,7 @@
             </a:pPr>
             <a:r>
               <a:rPr lang="ko-KR" altLang="en-US"/>
-              <a:t>파일 헥사코드 분석 프로그램</a:t>
+              <a:t>파일 바이너리 데이터 분석 프로그램</a:t>
             </a:r>
             <a:endParaRPr lang="ko-KR" altLang="en-US"/>
           </a:p>

--- a/2021_Summer/jp.hong/Project_BnD_jph.pptx
+++ b/2021_Summer/jp.hong/Project_BnD_jph.pptx
@@ -2,29 +2,32 @@
 <file path=ppt/presentation.xml><?xml version="1.0" encoding="utf-8"?>
 <p:presentation xmlns:r="http://schemas.openxmlformats.org/officeDocument/2006/relationships" xmlns:c="http://schemas.openxmlformats.org/drawingml/2006/chart" xmlns:a="http://schemas.openxmlformats.org/drawingml/2006/main" xmlns:dgm="http://schemas.openxmlformats.org/drawingml/2006/diagram" xmlns:dsp="http://schemas.microsoft.com/office/drawing/2008/diagram" xmlns:p="http://schemas.openxmlformats.org/presentationml/2006/main">
   <p:sldMasterIdLst>
-    <p:sldMasterId id="2147483661" r:id="rId1"/>
+    <p:sldMasterId id="2147483683" r:id="rId1"/>
   </p:sldMasterIdLst>
   <p:sldIdLst>
     <p:sldId id="261" r:id="rId2"/>
     <p:sldId id="303" r:id="rId3"/>
     <p:sldId id="287" r:id="rId4"/>
-    <p:sldId id="305" r:id="rId5"/>
-    <p:sldId id="319" r:id="rId6"/>
-    <p:sldId id="320" r:id="rId7"/>
-    <p:sldId id="318" r:id="rId8"/>
-    <p:sldId id="288" r:id="rId9"/>
-    <p:sldId id="289" r:id="rId10"/>
-    <p:sldId id="297" r:id="rId11"/>
-    <p:sldId id="290" r:id="rId12"/>
-    <p:sldId id="298" r:id="rId13"/>
-    <p:sldId id="291" r:id="rId14"/>
-    <p:sldId id="299" r:id="rId15"/>
-    <p:sldId id="292" r:id="rId16"/>
-    <p:sldId id="300" r:id="rId17"/>
-    <p:sldId id="306" r:id="rId18"/>
-    <p:sldId id="307" r:id="rId19"/>
-    <p:sldId id="294" r:id="rId20"/>
-    <p:sldId id="302" r:id="rId21"/>
+    <p:sldId id="318" r:id="rId5"/>
+    <p:sldId id="305" r:id="rId6"/>
+    <p:sldId id="322" r:id="rId7"/>
+    <p:sldId id="321" r:id="rId8"/>
+    <p:sldId id="323" r:id="rId9"/>
+    <p:sldId id="324" r:id="rId10"/>
+    <p:sldId id="288" r:id="rId11"/>
+    <p:sldId id="325" r:id="rId12"/>
+    <p:sldId id="289" r:id="rId13"/>
+    <p:sldId id="297" r:id="rId14"/>
+    <p:sldId id="290" r:id="rId15"/>
+    <p:sldId id="298" r:id="rId16"/>
+    <p:sldId id="291" r:id="rId17"/>
+    <p:sldId id="299" r:id="rId18"/>
+    <p:sldId id="292" r:id="rId19"/>
+    <p:sldId id="300" r:id="rId20"/>
+    <p:sldId id="306" r:id="rId21"/>
+    <p:sldId id="307" r:id="rId22"/>
+    <p:sldId id="294" r:id="rId23"/>
+    <p:sldId id="302" r:id="rId24"/>
   </p:sldIdLst>
   <p:sldSz cx="12192000" cy="6858000"/>
   <p:notesSz cx="7104063" cy="10234613"/>
@@ -4180,6 +4183,265 @@
           <a:chExt cx="0" cy="0"/>
         </a:xfrm>
       </p:grpSpPr>
+      <p:sp>
+        <p:nvSpPr>
+          <p:cNvPr id="10" name="직사각형 9"/>
+          <p:cNvSpPr/>
+          <p:nvPr/>
+        </p:nvSpPr>
+        <p:spPr>
+          <a:xfrm>
+            <a:off x="-1" y="2398426"/>
+            <a:ext cx="12192001" cy="1338109"/>
+          </a:xfrm>
+          <a:prstGeom prst="rect">
+            <a:avLst/>
+          </a:prstGeom>
+          <a:solidFill>
+            <a:schemeClr val="accent1">
+              <a:lumMod val="75000"/>
+            </a:schemeClr>
+          </a:solidFill>
+          <a:ln>
+            <a:noFill/>
+          </a:ln>
+        </p:spPr>
+        <p:style>
+          <a:lnRef idx="2">
+            <a:schemeClr val="accent1">
+              <a:shade val="50000"/>
+            </a:schemeClr>
+          </a:lnRef>
+          <a:fillRef idx="1">
+            <a:schemeClr val="accent1"/>
+          </a:fillRef>
+          <a:effectRef idx="0">
+            <a:schemeClr val="accent1"/>
+          </a:effectRef>
+          <a:fontRef idx="minor">
+            <a:schemeClr val="lt1"/>
+          </a:fontRef>
+        </p:style>
+        <p:txBody>
+          <a:bodyPr anchor="ctr"/>
+          <a:lstStyle/>
+          <a:p>
+            <a:pPr algn="ctr">
+              <a:defRPr/>
+            </a:pPr>
+            <a:endParaRPr kumimoji="1" lang="ko-KR" altLang="en-US"/>
+          </a:p>
+        </p:txBody>
+      </p:sp>
+      <p:sp>
+        <p:nvSpPr>
+          <p:cNvPr id="12" name="부제목 2"/>
+          <p:cNvSpPr txBox="1"/>
+          <p:nvPr/>
+        </p:nvSpPr>
+        <p:spPr>
+          <a:xfrm>
+            <a:off x="1" y="2608234"/>
+            <a:ext cx="12192000" cy="754314"/>
+          </a:xfrm>
+          <a:prstGeom prst="rect">
+            <a:avLst/>
+          </a:prstGeom>
+        </p:spPr>
+        <p:txBody>
+          <a:bodyPr vert="horz" lIns="91440" tIns="45720" rIns="91440" bIns="45720" anchor="ctr">
+            <a:noAutofit/>
+          </a:bodyPr>
+          <a:lstStyle>
+            <a:lvl1pPr marL="0" indent="0" algn="ctr" defTabSz="914423" rtl="0" eaLnBrk="1" latinLnBrk="1" hangingPunct="1">
+              <a:lnSpc>
+                <a:spcPct val="90000"/>
+              </a:lnSpc>
+              <a:spcBef>
+                <a:spcPts val="1001"/>
+              </a:spcBef>
+              <a:buFont typeface="Arial"/>
+              <a:buNone/>
+              <a:defRPr sz="2400" kern="1200">
+                <a:solidFill>
+                  <a:schemeClr val="tx1"/>
+                </a:solidFill>
+                <a:latin typeface="+mn-lt"/>
+                <a:ea typeface="+mn-ea"/>
+                <a:cs typeface="+mn-cs"/>
+              </a:defRPr>
+            </a:lvl1pPr>
+            <a:lvl2pPr marL="457211" indent="0" algn="ctr" defTabSz="914423" rtl="0" eaLnBrk="1" latinLnBrk="1" hangingPunct="1">
+              <a:lnSpc>
+                <a:spcPct val="90000"/>
+              </a:lnSpc>
+              <a:spcBef>
+                <a:spcPts val="500"/>
+              </a:spcBef>
+              <a:buFont typeface="Arial"/>
+              <a:buNone/>
+              <a:defRPr sz="2000" kern="1200">
+                <a:solidFill>
+                  <a:schemeClr val="tx1"/>
+                </a:solidFill>
+                <a:latin typeface="+mn-lt"/>
+                <a:ea typeface="+mn-ea"/>
+                <a:cs typeface="+mn-cs"/>
+              </a:defRPr>
+            </a:lvl2pPr>
+            <a:lvl3pPr marL="914423" indent="0" algn="ctr" defTabSz="914423" rtl="0" eaLnBrk="1" latinLnBrk="1" hangingPunct="1">
+              <a:lnSpc>
+                <a:spcPct val="90000"/>
+              </a:lnSpc>
+              <a:spcBef>
+                <a:spcPts val="500"/>
+              </a:spcBef>
+              <a:buFont typeface="Arial"/>
+              <a:buNone/>
+              <a:defRPr sz="1801" kern="1200">
+                <a:solidFill>
+                  <a:schemeClr val="tx1"/>
+                </a:solidFill>
+                <a:latin typeface="+mn-lt"/>
+                <a:ea typeface="+mn-ea"/>
+                <a:cs typeface="+mn-cs"/>
+              </a:defRPr>
+            </a:lvl3pPr>
+            <a:lvl4pPr marL="1371634" indent="0" algn="ctr" defTabSz="914423" rtl="0" eaLnBrk="1" latinLnBrk="1" hangingPunct="1">
+              <a:lnSpc>
+                <a:spcPct val="90000"/>
+              </a:lnSpc>
+              <a:spcBef>
+                <a:spcPts val="500"/>
+              </a:spcBef>
+              <a:buFont typeface="Arial"/>
+              <a:buNone/>
+              <a:defRPr sz="1600" kern="1200">
+                <a:solidFill>
+                  <a:schemeClr val="tx1"/>
+                </a:solidFill>
+                <a:latin typeface="+mn-lt"/>
+                <a:ea typeface="+mn-ea"/>
+                <a:cs typeface="+mn-cs"/>
+              </a:defRPr>
+            </a:lvl4pPr>
+            <a:lvl5pPr marL="1828846" indent="0" algn="ctr" defTabSz="914423" rtl="0" eaLnBrk="1" latinLnBrk="1" hangingPunct="1">
+              <a:lnSpc>
+                <a:spcPct val="90000"/>
+              </a:lnSpc>
+              <a:spcBef>
+                <a:spcPts val="500"/>
+              </a:spcBef>
+              <a:buFont typeface="Arial"/>
+              <a:buNone/>
+              <a:defRPr sz="1600" kern="1200">
+                <a:solidFill>
+                  <a:schemeClr val="tx1"/>
+                </a:solidFill>
+                <a:latin typeface="+mn-lt"/>
+                <a:ea typeface="+mn-ea"/>
+                <a:cs typeface="+mn-cs"/>
+              </a:defRPr>
+            </a:lvl5pPr>
+            <a:lvl6pPr marL="2286057" indent="0" algn="ctr" defTabSz="914423" rtl="0" eaLnBrk="1" latinLnBrk="1" hangingPunct="1">
+              <a:lnSpc>
+                <a:spcPct val="90000"/>
+              </a:lnSpc>
+              <a:spcBef>
+                <a:spcPts val="500"/>
+              </a:spcBef>
+              <a:buFont typeface="Arial"/>
+              <a:buNone/>
+              <a:defRPr sz="1600" kern="1200">
+                <a:solidFill>
+                  <a:schemeClr val="tx1"/>
+                </a:solidFill>
+                <a:latin typeface="+mn-lt"/>
+                <a:ea typeface="+mn-ea"/>
+                <a:cs typeface="+mn-cs"/>
+              </a:defRPr>
+            </a:lvl6pPr>
+            <a:lvl7pPr marL="2743269" indent="0" algn="ctr" defTabSz="914423" rtl="0" eaLnBrk="1" latinLnBrk="1" hangingPunct="1">
+              <a:lnSpc>
+                <a:spcPct val="90000"/>
+              </a:lnSpc>
+              <a:spcBef>
+                <a:spcPts val="500"/>
+              </a:spcBef>
+              <a:buFont typeface="Arial"/>
+              <a:buNone/>
+              <a:defRPr sz="1600" kern="1200">
+                <a:solidFill>
+                  <a:schemeClr val="tx1"/>
+                </a:solidFill>
+                <a:latin typeface="+mn-lt"/>
+                <a:ea typeface="+mn-ea"/>
+                <a:cs typeface="+mn-cs"/>
+              </a:defRPr>
+            </a:lvl7pPr>
+            <a:lvl8pPr marL="3200480" indent="0" algn="ctr" defTabSz="914423" rtl="0" eaLnBrk="1" latinLnBrk="1" hangingPunct="1">
+              <a:lnSpc>
+                <a:spcPct val="90000"/>
+              </a:lnSpc>
+              <a:spcBef>
+                <a:spcPts val="500"/>
+              </a:spcBef>
+              <a:buFont typeface="Arial"/>
+              <a:buNone/>
+              <a:defRPr sz="1600" kern="1200">
+                <a:solidFill>
+                  <a:schemeClr val="tx1"/>
+                </a:solidFill>
+                <a:latin typeface="+mn-lt"/>
+                <a:ea typeface="+mn-ea"/>
+                <a:cs typeface="+mn-cs"/>
+              </a:defRPr>
+            </a:lvl8pPr>
+            <a:lvl9pPr marL="3657691" indent="0" algn="ctr" defTabSz="914423" rtl="0" eaLnBrk="1" latinLnBrk="1" hangingPunct="1">
+              <a:lnSpc>
+                <a:spcPct val="90000"/>
+              </a:lnSpc>
+              <a:spcBef>
+                <a:spcPts val="500"/>
+              </a:spcBef>
+              <a:buFont typeface="Arial"/>
+              <a:buNone/>
+              <a:defRPr sz="1600" kern="1200">
+                <a:solidFill>
+                  <a:schemeClr val="tx1"/>
+                </a:solidFill>
+                <a:latin typeface="+mn-lt"/>
+                <a:ea typeface="+mn-ea"/>
+                <a:cs typeface="+mn-cs"/>
+              </a:defRPr>
+            </a:lvl9pPr>
+          </a:lstStyle>
+          <a:p>
+            <a:pPr lvl="0">
+              <a:defRPr/>
+            </a:pPr>
+            <a:r>
+              <a:rPr lang="ko-KR" altLang="en-US" sz="4800">
+                <a:solidFill>
+                  <a:schemeClr val="bg1"/>
+                </a:solidFill>
+                <a:latin typeface="+mj-lt"/>
+                <a:ea typeface="맑은 고딕"/>
+                <a:cs typeface="맑은 고딕"/>
+              </a:rPr>
+              <a:t>요구사항 정의</a:t>
+            </a:r>
+            <a:endParaRPr lang="ko-KR" altLang="en-US" sz="4800">
+              <a:solidFill>
+                <a:schemeClr val="bg1"/>
+              </a:solidFill>
+              <a:latin typeface="+mj-lt"/>
+              <a:ea typeface="맑은 고딕"/>
+              <a:cs typeface="맑은 고딕"/>
+            </a:endParaRPr>
+          </a:p>
+        </p:txBody>
+      </p:sp>
     </p:spTree>
   </p:cSld>
   <p:clrMapOvr>
@@ -4197,6 +4459,211 @@
 </file>
 
 <file path=ppt/slides/slide11.xml><?xml version="1.0" encoding="utf-8"?>
+<p:sld xmlns:r="http://schemas.openxmlformats.org/officeDocument/2006/relationships" xmlns:c="http://schemas.openxmlformats.org/drawingml/2006/chart" xmlns:a="http://schemas.openxmlformats.org/drawingml/2006/main" xmlns:dgm="http://schemas.openxmlformats.org/drawingml/2006/diagram" xmlns:dsp="http://schemas.microsoft.com/office/drawing/2008/diagram" xmlns:p="http://schemas.openxmlformats.org/presentationml/2006/main">
+  <p:cSld>
+    <p:spTree>
+      <p:nvGrpSpPr>
+        <p:cNvPr id="1" name=""/>
+        <p:cNvGrpSpPr/>
+        <p:nvPr/>
+      </p:nvGrpSpPr>
+      <p:grpSpPr>
+        <a:xfrm>
+          <a:off x="0" y="0"/>
+          <a:ext cx="0" cy="0"/>
+          <a:chOff x="0" y="0"/>
+          <a:chExt cx="0" cy="0"/>
+        </a:xfrm>
+      </p:grpSpPr>
+      <p:sp>
+        <p:nvSpPr>
+          <p:cNvPr id="4" name="직사각형 9"/>
+          <p:cNvSpPr/>
+          <p:nvPr/>
+        </p:nvSpPr>
+        <p:spPr>
+          <a:xfrm>
+            <a:off x="-1" y="0"/>
+            <a:ext cx="12192001" cy="1338109"/>
+          </a:xfrm>
+          <a:prstGeom prst="rect">
+            <a:avLst/>
+          </a:prstGeom>
+          <a:solidFill>
+            <a:schemeClr val="accent1">
+              <a:lumMod val="75000"/>
+            </a:schemeClr>
+          </a:solidFill>
+          <a:ln>
+            <a:noFill/>
+          </a:ln>
+        </p:spPr>
+        <p:style>
+          <a:lnRef idx="2">
+            <a:schemeClr val="accent1">
+              <a:shade val="50000"/>
+            </a:schemeClr>
+          </a:lnRef>
+          <a:fillRef idx="1">
+            <a:schemeClr val="accent1"/>
+          </a:fillRef>
+          <a:effectRef idx="0">
+            <a:schemeClr val="accent1"/>
+          </a:effectRef>
+          <a:fontRef idx="minor">
+            <a:schemeClr val="lt1"/>
+          </a:fontRef>
+        </p:style>
+        <p:txBody>
+          <a:bodyPr anchor="ctr"/>
+          <a:lstStyle/>
+          <a:p>
+            <a:pPr>
+              <a:defRPr/>
+            </a:pPr>
+            <a:r>
+              <a:rPr kumimoji="1" lang="en-US" altLang="ko-KR" sz="4800"/>
+              <a:t>1.</a:t>
+            </a:r>
+            <a:r>
+              <a:rPr kumimoji="1" lang="ko-KR" altLang="en-US" sz="4800"/>
+              <a:t> 아이디어 도출</a:t>
+            </a:r>
+            <a:endParaRPr kumimoji="1" lang="ko-KR" altLang="en-US" sz="4800"/>
+          </a:p>
+        </p:txBody>
+      </p:sp>
+      <p:sp>
+        <p:nvSpPr>
+          <p:cNvPr id="5" name="내용 개체 틀 4"/>
+          <p:cNvSpPr>
+            <a:spLocks noGrp="1"/>
+          </p:cNvSpPr>
+          <p:nvPr>
+            <p:ph idx="1"/>
+          </p:nvPr>
+        </p:nvSpPr>
+        <p:spPr>
+          <a:xfrm>
+            <a:off x="0" y="1561042"/>
+            <a:ext cx="12192000" cy="5296957"/>
+          </a:xfrm>
+        </p:spPr>
+        <p:txBody>
+          <a:bodyPr vert="horz" lIns="91440" tIns="45720" rIns="91440" bIns="45720">
+            <a:normAutofit lnSpcReduction="10000"/>
+          </a:bodyPr>
+          <a:lstStyle/>
+          <a:p>
+            <a:pPr lvl="0">
+              <a:defRPr/>
+            </a:pPr>
+            <a:r>
+              <a:rPr lang="ko-KR" altLang="en-US"/>
+              <a:t>클라우드 포렌식 툴</a:t>
+            </a:r>
+            <a:endParaRPr lang="ko-KR" altLang="en-US"/>
+          </a:p>
+          <a:p>
+            <a:pPr lvl="0">
+              <a:defRPr/>
+            </a:pPr>
+            <a:endParaRPr lang="ko-KR" altLang="en-US"/>
+          </a:p>
+          <a:p>
+            <a:pPr marL="0" lvl="0" indent="0">
+              <a:buNone/>
+              <a:defRPr/>
+            </a:pPr>
+            <a:r>
+              <a:rPr lang="en-US" altLang="ko-KR"/>
+              <a:t> </a:t>
+            </a:r>
+            <a:r>
+              <a:rPr lang="ko-KR" altLang="en-US"/>
+              <a:t> </a:t>
+            </a:r>
+            <a:r>
+              <a:rPr lang="en-US" altLang="ko-KR"/>
+              <a:t>-</a:t>
+            </a:r>
+            <a:r>
+              <a:rPr lang="ko-KR" altLang="en-US"/>
+              <a:t> 계정의 동기화 기능은 뛰어난 접근성과 편의성을 제공하며 이러한 특징으로 클라우드 서비스의 이용 증가</a:t>
+            </a:r>
+            <a:endParaRPr lang="ko-KR" altLang="en-US"/>
+          </a:p>
+          <a:p>
+            <a:pPr marL="0" lvl="0" indent="0">
+              <a:buNone/>
+              <a:defRPr/>
+            </a:pPr>
+            <a:endParaRPr lang="ko-KR" altLang="en-US"/>
+          </a:p>
+          <a:p>
+            <a:pPr marL="0" lvl="0" indent="0">
+              <a:buNone/>
+              <a:defRPr/>
+            </a:pPr>
+            <a:r>
+              <a:rPr lang="ko-KR" altLang="en-US"/>
+              <a:t> </a:t>
+            </a:r>
+            <a:r>
+              <a:rPr lang="en-US" altLang="ko-KR"/>
+              <a:t>-</a:t>
+            </a:r>
+            <a:r>
+              <a:rPr lang="ko-KR" altLang="en-US"/>
+              <a:t> 포렌식 조사과정시 파일이 해당기기에서 생성된 것인지 또는 외부기기로부터 동기화 된 것인지에 대해 명확히 해야 하는 어려움 존재</a:t>
+            </a:r>
+            <a:endParaRPr lang="ko-KR" altLang="en-US"/>
+          </a:p>
+          <a:p>
+            <a:pPr marL="0" lvl="0" indent="0">
+              <a:buNone/>
+              <a:defRPr/>
+            </a:pPr>
+            <a:endParaRPr lang="ko-KR" altLang="en-US"/>
+          </a:p>
+          <a:p>
+            <a:pPr marL="0" lvl="0" indent="0">
+              <a:buNone/>
+              <a:defRPr/>
+            </a:pPr>
+            <a:r>
+              <a:rPr lang="ko-KR" altLang="en-US"/>
+              <a:t> </a:t>
+            </a:r>
+            <a:r>
+              <a:rPr lang="en-US" altLang="ko-KR"/>
+              <a:t>-</a:t>
+            </a:r>
+            <a:r>
+              <a:rPr lang="ko-KR" altLang="en-US"/>
+              <a:t> </a:t>
+            </a:r>
+            <a:endParaRPr lang="ko-KR" altLang="en-US"/>
+          </a:p>
+        </p:txBody>
+      </p:sp>
+    </p:spTree>
+  </p:cSld>
+  <p:clrMapOvr>
+    <a:masterClrMapping/>
+  </p:clrMapOvr>
+  <mc:AlternateContent xmlns:mc="http://schemas.openxmlformats.org/markup-compatibility/2006">
+    <mc:Choice xmlns:p14="http://schemas.microsoft.com/office/powerpoint/2010/main" Requires="p14">
+      <p:transition xmlns:mc="http://schemas.openxmlformats.org/markup-compatibility/2006" xmlns:p14="http://schemas.microsoft.com/office/powerpoint/2010/main" mc:Ignorable="p14" p14:dur="500"/>
+    </mc:Choice>
+    <mc:Fallback>
+      <p:transition/>
+    </mc:Fallback>
+  </mc:AlternateContent>
+</p:sld>
+</file>
+
+<file path=ppt/slides/slide12.xml><?xml version="1.0" encoding="utf-8"?>
 <p:sld xmlns:a="http://schemas.openxmlformats.org/drawingml/2006/main" xmlns:r="http://schemas.openxmlformats.org/officeDocument/2006/relationships" xmlns:p="http://schemas.openxmlformats.org/presentationml/2006/main">
   <p:cSld>
     <p:spTree>
@@ -4456,7 +4923,7 @@
                 <a:ea typeface="맑은 고딕" charset="-127"/>
                 <a:cs typeface="맑은 고딕" charset="-127"/>
               </a:rPr>
-              <a:t>기능 모듈 설계</a:t>
+              <a:t>계획 및 일정 수립</a:t>
             </a:r>
           </a:p>
         </p:txBody>
@@ -4464,7 +4931,7 @@
     </p:spTree>
     <p:extLst>
       <p:ext uri="{BB962C8B-B14F-4D97-AF65-F5344CB8AC3E}">
-        <p14:creationId xmlns:p14="http://schemas.microsoft.com/office/powerpoint/2010/main" val="3636615241"/>
+        <p14:creationId xmlns:p14="http://schemas.microsoft.com/office/powerpoint/2010/main" val="641642769"/>
       </p:ext>
     </p:extLst>
   </p:cSld>
@@ -4474,8 +4941,8 @@
 </p:sld>
 </file>
 
-<file path=ppt/slides/slide12.xml><?xml version="1.0" encoding="utf-8"?>
-<p:sld xmlns:a="http://schemas.openxmlformats.org/drawingml/2006/main" xmlns:r="http://schemas.openxmlformats.org/officeDocument/2006/relationships" xmlns:p="http://schemas.openxmlformats.org/presentationml/2006/main">
+<file path=ppt/slides/slide13.xml><?xml version="1.0" encoding="utf-8"?>
+<p:sld xmlns:r="http://schemas.openxmlformats.org/officeDocument/2006/relationships" xmlns:c="http://schemas.openxmlformats.org/drawingml/2006/chart" xmlns:a="http://schemas.openxmlformats.org/drawingml/2006/main" xmlns:dgm="http://schemas.openxmlformats.org/drawingml/2006/diagram" xmlns:dsp="http://schemas.microsoft.com/office/drawing/2008/diagram" xmlns:p="http://schemas.openxmlformats.org/presentationml/2006/main">
   <p:cSld>
     <p:spTree>
       <p:nvGrpSpPr>
@@ -4491,93 +4958,23 @@
           <a:chExt cx="0" cy="0"/>
         </a:xfrm>
       </p:grpSpPr>
-      <p:sp>
-        <p:nvSpPr>
-          <p:cNvPr id="2" name="제목 1">
-            <a:extLst>
-              <a:ext uri="{FF2B5EF4-FFF2-40B4-BE49-F238E27FC236}">
-                <a16:creationId xmlns:a16="http://schemas.microsoft.com/office/drawing/2014/main" id="{9A1A2E3C-2FD9-439C-87BD-8AE3B27F8C97}"/>
-              </a:ext>
-            </a:extLst>
-          </p:cNvPr>
-          <p:cNvSpPr>
-            <a:spLocks noGrp="1"/>
-          </p:cNvSpPr>
-          <p:nvPr>
-            <p:ph type="title"/>
-          </p:nvPr>
-        </p:nvSpPr>
-        <p:spPr/>
-        <p:txBody>
-          <a:bodyPr/>
-          <a:lstStyle/>
-          <a:p>
-            <a:endParaRPr lang="ko-KR" altLang="en-US"/>
-          </a:p>
-        </p:txBody>
-      </p:sp>
-      <p:sp>
-        <p:nvSpPr>
-          <p:cNvPr id="3" name="내용 개체 틀 2">
-            <a:extLst>
-              <a:ext uri="{FF2B5EF4-FFF2-40B4-BE49-F238E27FC236}">
-                <a16:creationId xmlns:a16="http://schemas.microsoft.com/office/drawing/2014/main" id="{58DC695E-BF5C-4F1A-860C-8BD272E977AA}"/>
-              </a:ext>
-            </a:extLst>
-          </p:cNvPr>
-          <p:cNvSpPr>
-            <a:spLocks noGrp="1"/>
-          </p:cNvSpPr>
-          <p:nvPr>
-            <p:ph idx="1"/>
-          </p:nvPr>
-        </p:nvSpPr>
-        <p:spPr/>
-        <p:txBody>
-          <a:bodyPr/>
-          <a:lstStyle/>
-          <a:p>
-            <a:r>
-              <a:rPr lang="ko-KR" altLang="en-US" dirty="0"/>
-              <a:t>기능정의를 한다</a:t>
-            </a:r>
-            <a:endParaRPr lang="en-US" altLang="ko-KR" dirty="0"/>
-          </a:p>
-          <a:p>
-            <a:r>
-              <a:rPr lang="ko-KR" altLang="en-US" dirty="0"/>
-              <a:t>정의 한 기능에 대해 </a:t>
-            </a:r>
-            <a:r>
-              <a:rPr lang="en-US" altLang="ko-KR" dirty="0"/>
-              <a:t>Flow</a:t>
-            </a:r>
-            <a:r>
-              <a:rPr lang="ko-KR" altLang="en-US" dirty="0"/>
-              <a:t>를 작성한다</a:t>
-            </a:r>
-            <a:r>
-              <a:rPr lang="en-US" altLang="ko-KR" dirty="0"/>
-              <a:t>.</a:t>
-            </a:r>
-            <a:endParaRPr lang="ko-KR" altLang="en-US" dirty="0"/>
-          </a:p>
-        </p:txBody>
-      </p:sp>
     </p:spTree>
-    <p:extLst>
-      <p:ext uri="{BB962C8B-B14F-4D97-AF65-F5344CB8AC3E}">
-        <p14:creationId xmlns:p14="http://schemas.microsoft.com/office/powerpoint/2010/main" val="3772914977"/>
-      </p:ext>
-    </p:extLst>
   </p:cSld>
   <p:clrMapOvr>
     <a:masterClrMapping/>
   </p:clrMapOvr>
+  <mc:AlternateContent xmlns:mc="http://schemas.openxmlformats.org/markup-compatibility/2006">
+    <mc:Choice xmlns:p14="http://schemas.microsoft.com/office/powerpoint/2010/main" Requires="p14">
+      <p:transition xmlns:mc="http://schemas.openxmlformats.org/markup-compatibility/2006" xmlns:p14="http://schemas.microsoft.com/office/powerpoint/2010/main" mc:Ignorable="p14" p14:dur="500"/>
+    </mc:Choice>
+    <mc:Fallback>
+      <p:transition/>
+    </mc:Fallback>
+  </mc:AlternateContent>
 </p:sld>
 </file>
 
-<file path=ppt/slides/slide13.xml><?xml version="1.0" encoding="utf-8"?>
+<file path=ppt/slides/slide14.xml><?xml version="1.0" encoding="utf-8"?>
 <p:sld xmlns:a="http://schemas.openxmlformats.org/drawingml/2006/main" xmlns:r="http://schemas.openxmlformats.org/officeDocument/2006/relationships" xmlns:p="http://schemas.openxmlformats.org/presentationml/2006/main">
   <p:cSld>
     <p:spTree>
@@ -4837,56 +5234,15 @@
                 <a:ea typeface="맑은 고딕" charset="-127"/>
                 <a:cs typeface="맑은 고딕" charset="-127"/>
               </a:rPr>
-              <a:t>기능 검토 </a:t>
-            </a:r>
-            <a:r>
-              <a:rPr lang="en-US" altLang="ko-KR" sz="4800" dirty="0">
-                <a:solidFill>
-                  <a:schemeClr val="bg1"/>
-                </a:solidFill>
-                <a:latin typeface="+mj-lt"/>
-                <a:ea typeface="맑은 고딕" charset="-127"/>
-                <a:cs typeface="맑은 고딕" charset="-127"/>
-              </a:rPr>
-              <a:t>(</a:t>
-            </a:r>
-            <a:r>
-              <a:rPr lang="ko-KR" altLang="en-US" sz="4800" dirty="0">
-                <a:solidFill>
-                  <a:schemeClr val="bg1"/>
-                </a:solidFill>
-                <a:latin typeface="+mj-lt"/>
-                <a:ea typeface="맑은 고딕" charset="-127"/>
-                <a:cs typeface="맑은 고딕" charset="-127"/>
-              </a:rPr>
-              <a:t>근거자료 및 샘플코드</a:t>
-            </a:r>
-            <a:r>
-              <a:rPr lang="en-US" altLang="ko-KR" sz="4800" dirty="0">
-                <a:solidFill>
-                  <a:schemeClr val="bg1"/>
-                </a:solidFill>
-                <a:latin typeface="+mj-lt"/>
-                <a:ea typeface="맑은 고딕" charset="-127"/>
-                <a:cs typeface="맑은 고딕" charset="-127"/>
-              </a:rPr>
-              <a:t>)</a:t>
-            </a:r>
-            <a:endParaRPr lang="ko-KR" altLang="en-US" sz="4800" dirty="0">
-              <a:solidFill>
-                <a:schemeClr val="bg1"/>
-              </a:solidFill>
-              <a:latin typeface="+mj-lt"/>
-              <a:ea typeface="맑은 고딕" charset="-127"/>
-              <a:cs typeface="맑은 고딕" charset="-127"/>
-            </a:endParaRPr>
+              <a:t>기능 모듈 설계</a:t>
+            </a:r>
           </a:p>
         </p:txBody>
       </p:sp>
     </p:spTree>
     <p:extLst>
       <p:ext uri="{BB962C8B-B14F-4D97-AF65-F5344CB8AC3E}">
-        <p14:creationId xmlns:p14="http://schemas.microsoft.com/office/powerpoint/2010/main" val="2800779971"/>
+        <p14:creationId xmlns:p14="http://schemas.microsoft.com/office/powerpoint/2010/main" val="3636615241"/>
       </p:ext>
     </p:extLst>
   </p:cSld>
@@ -4896,7 +5252,7 @@
 </p:sld>
 </file>
 
-<file path=ppt/slides/slide14.xml><?xml version="1.0" encoding="utf-8"?>
+<file path=ppt/slides/slide15.xml><?xml version="1.0" encoding="utf-8"?>
 <p:sld xmlns:a="http://schemas.openxmlformats.org/drawingml/2006/main" xmlns:r="http://schemas.openxmlformats.org/officeDocument/2006/relationships" xmlns:p="http://schemas.openxmlformats.org/presentationml/2006/main">
   <p:cSld>
     <p:spTree>
@@ -4918,7 +5274,7 @@
           <p:cNvPr id="2" name="제목 1">
             <a:extLst>
               <a:ext uri="{FF2B5EF4-FFF2-40B4-BE49-F238E27FC236}">
-                <a16:creationId xmlns:a16="http://schemas.microsoft.com/office/drawing/2014/main" id="{CD32A4A8-C5FD-473F-A41F-A660400BC448}"/>
+                <a16:creationId xmlns:a16="http://schemas.microsoft.com/office/drawing/2014/main" id="{9A1A2E3C-2FD9-439C-87BD-8AE3B27F8C97}"/>
               </a:ext>
             </a:extLst>
           </p:cNvPr>
@@ -4943,7 +5299,7 @@
           <p:cNvPr id="3" name="내용 개체 틀 2">
             <a:extLst>
               <a:ext uri="{FF2B5EF4-FFF2-40B4-BE49-F238E27FC236}">
-                <a16:creationId xmlns:a16="http://schemas.microsoft.com/office/drawing/2014/main" id="{FC688E77-0112-474B-BD84-18F7FC4240C7}"/>
+                <a16:creationId xmlns:a16="http://schemas.microsoft.com/office/drawing/2014/main" id="{58DC695E-BF5C-4F1A-860C-8BD272E977AA}"/>
               </a:ext>
             </a:extLst>
           </p:cNvPr>
@@ -4961,17 +5317,22 @@
           <a:p>
             <a:r>
               <a:rPr lang="ko-KR" altLang="en-US" dirty="0"/>
-              <a:t>기능 구현에 필요한 기술을 알아본다</a:t>
+              <a:t>기능정의를 한다</a:t>
             </a:r>
             <a:endParaRPr lang="en-US" altLang="ko-KR" dirty="0"/>
           </a:p>
           <a:p>
-            <a:endParaRPr lang="en-US" altLang="ko-KR" dirty="0"/>
-          </a:p>
-          <a:p>
             <a:r>
               <a:rPr lang="ko-KR" altLang="en-US" dirty="0"/>
-              <a:t>샘플 코드를 수집한다</a:t>
+              <a:t>정의 한 기능에 대해 </a:t>
+            </a:r>
+            <a:r>
+              <a:rPr lang="en-US" altLang="ko-KR" dirty="0"/>
+              <a:t>Flow</a:t>
+            </a:r>
+            <a:r>
+              <a:rPr lang="ko-KR" altLang="en-US" dirty="0"/>
+              <a:t>를 작성한다</a:t>
             </a:r>
             <a:r>
               <a:rPr lang="en-US" altLang="ko-KR" dirty="0"/>
@@ -4984,7 +5345,7 @@
     </p:spTree>
     <p:extLst>
       <p:ext uri="{BB962C8B-B14F-4D97-AF65-F5344CB8AC3E}">
-        <p14:creationId xmlns:p14="http://schemas.microsoft.com/office/powerpoint/2010/main" val="414149680"/>
+        <p14:creationId xmlns:p14="http://schemas.microsoft.com/office/powerpoint/2010/main" val="3772914977"/>
       </p:ext>
     </p:extLst>
   </p:cSld>
@@ -4994,7 +5355,7 @@
 </p:sld>
 </file>
 
-<file path=ppt/slides/slide15.xml><?xml version="1.0" encoding="utf-8"?>
+<file path=ppt/slides/slide16.xml><?xml version="1.0" encoding="utf-8"?>
 <p:sld xmlns:a="http://schemas.openxmlformats.org/drawingml/2006/main" xmlns:r="http://schemas.openxmlformats.org/officeDocument/2006/relationships" xmlns:p="http://schemas.openxmlformats.org/presentationml/2006/main">
   <p:cSld>
     <p:spTree>
@@ -5254,15 +5615,56 @@
                 <a:ea typeface="맑은 고딕" charset="-127"/>
                 <a:cs typeface="맑은 고딕" charset="-127"/>
               </a:rPr>
-              <a:t>스토리보드 제작</a:t>
-            </a:r>
+              <a:t>기능 검토 </a:t>
+            </a:r>
+            <a:r>
+              <a:rPr lang="en-US" altLang="ko-KR" sz="4800" dirty="0">
+                <a:solidFill>
+                  <a:schemeClr val="bg1"/>
+                </a:solidFill>
+                <a:latin typeface="+mj-lt"/>
+                <a:ea typeface="맑은 고딕" charset="-127"/>
+                <a:cs typeface="맑은 고딕" charset="-127"/>
+              </a:rPr>
+              <a:t>(</a:t>
+            </a:r>
+            <a:r>
+              <a:rPr lang="ko-KR" altLang="en-US" sz="4800" dirty="0">
+                <a:solidFill>
+                  <a:schemeClr val="bg1"/>
+                </a:solidFill>
+                <a:latin typeface="+mj-lt"/>
+                <a:ea typeface="맑은 고딕" charset="-127"/>
+                <a:cs typeface="맑은 고딕" charset="-127"/>
+              </a:rPr>
+              <a:t>근거자료 및 샘플코드</a:t>
+            </a:r>
+            <a:r>
+              <a:rPr lang="en-US" altLang="ko-KR" sz="4800" dirty="0">
+                <a:solidFill>
+                  <a:schemeClr val="bg1"/>
+                </a:solidFill>
+                <a:latin typeface="+mj-lt"/>
+                <a:ea typeface="맑은 고딕" charset="-127"/>
+                <a:cs typeface="맑은 고딕" charset="-127"/>
+              </a:rPr>
+              <a:t>)</a:t>
+            </a:r>
+            <a:endParaRPr lang="ko-KR" altLang="en-US" sz="4800" dirty="0">
+              <a:solidFill>
+                <a:schemeClr val="bg1"/>
+              </a:solidFill>
+              <a:latin typeface="+mj-lt"/>
+              <a:ea typeface="맑은 고딕" charset="-127"/>
+              <a:cs typeface="맑은 고딕" charset="-127"/>
+            </a:endParaRPr>
           </a:p>
         </p:txBody>
       </p:sp>
     </p:spTree>
     <p:extLst>
       <p:ext uri="{BB962C8B-B14F-4D97-AF65-F5344CB8AC3E}">
-        <p14:creationId xmlns:p14="http://schemas.microsoft.com/office/powerpoint/2010/main" val="4131486605"/>
+        <p14:creationId xmlns:p14="http://schemas.microsoft.com/office/powerpoint/2010/main" val="2800779971"/>
       </p:ext>
     </p:extLst>
   </p:cSld>
@@ -5272,7 +5674,7 @@
 </p:sld>
 </file>
 
-<file path=ppt/slides/slide16.xml><?xml version="1.0" encoding="utf-8"?>
+<file path=ppt/slides/slide17.xml><?xml version="1.0" encoding="utf-8"?>
 <p:sld xmlns:a="http://schemas.openxmlformats.org/drawingml/2006/main" xmlns:r="http://schemas.openxmlformats.org/officeDocument/2006/relationships" xmlns:p="http://schemas.openxmlformats.org/presentationml/2006/main">
   <p:cSld>
     <p:spTree>
@@ -5294,7 +5696,7 @@
           <p:cNvPr id="2" name="제목 1">
             <a:extLst>
               <a:ext uri="{FF2B5EF4-FFF2-40B4-BE49-F238E27FC236}">
-                <a16:creationId xmlns:a16="http://schemas.microsoft.com/office/drawing/2014/main" id="{FEF97B69-9031-4A28-901F-246C46549083}"/>
+                <a16:creationId xmlns:a16="http://schemas.microsoft.com/office/drawing/2014/main" id="{CD32A4A8-C5FD-473F-A41F-A660400BC448}"/>
               </a:ext>
             </a:extLst>
           </p:cNvPr>
@@ -5319,7 +5721,7 @@
           <p:cNvPr id="3" name="내용 개체 틀 2">
             <a:extLst>
               <a:ext uri="{FF2B5EF4-FFF2-40B4-BE49-F238E27FC236}">
-                <a16:creationId xmlns:a16="http://schemas.microsoft.com/office/drawing/2014/main" id="{7B537D8F-5982-4653-B96A-BB8B9CAB7064}"/>
+                <a16:creationId xmlns:a16="http://schemas.microsoft.com/office/drawing/2014/main" id="{FC688E77-0112-474B-BD84-18F7FC4240C7}"/>
               </a:ext>
             </a:extLst>
           </p:cNvPr>
@@ -5337,7 +5739,7 @@
           <a:p>
             <a:r>
               <a:rPr lang="ko-KR" altLang="en-US" dirty="0"/>
-              <a:t>기능 구현에 대한 디자인 구상</a:t>
+              <a:t>기능 구현에 필요한 기술을 알아본다</a:t>
             </a:r>
             <a:endParaRPr lang="en-US" altLang="ko-KR" dirty="0"/>
           </a:p>
@@ -5347,7 +5749,7 @@
           <a:p>
             <a:r>
               <a:rPr lang="ko-KR" altLang="en-US" dirty="0"/>
-              <a:t>디자인에 따른 동작을 기술하고 연계 한다</a:t>
+              <a:t>샘플 코드를 수집한다</a:t>
             </a:r>
             <a:r>
               <a:rPr lang="en-US" altLang="ko-KR" dirty="0"/>
@@ -5360,7 +5762,7 @@
     </p:spTree>
     <p:extLst>
       <p:ext uri="{BB962C8B-B14F-4D97-AF65-F5344CB8AC3E}">
-        <p14:creationId xmlns:p14="http://schemas.microsoft.com/office/powerpoint/2010/main" val="1723942396"/>
+        <p14:creationId xmlns:p14="http://schemas.microsoft.com/office/powerpoint/2010/main" val="414149680"/>
       </p:ext>
     </p:extLst>
   </p:cSld>
@@ -5370,7 +5772,7 @@
 </p:sld>
 </file>
 
-<file path=ppt/slides/slide17.xml><?xml version="1.0" encoding="utf-8"?>
+<file path=ppt/slides/slide18.xml><?xml version="1.0" encoding="utf-8"?>
 <p:sld xmlns:a="http://schemas.openxmlformats.org/drawingml/2006/main" xmlns:r="http://schemas.openxmlformats.org/officeDocument/2006/relationships" xmlns:p="http://schemas.openxmlformats.org/presentationml/2006/main">
   <p:cSld>
     <p:spTree>
@@ -5630,7 +6032,7 @@
                 <a:ea typeface="맑은 고딕" charset="-127"/>
                 <a:cs typeface="맑은 고딕" charset="-127"/>
               </a:rPr>
-              <a:t>구현</a:t>
+              <a:t>스토리보드 제작</a:t>
             </a:r>
           </a:p>
         </p:txBody>
@@ -5638,95 +6040,7 @@
     </p:spTree>
     <p:extLst>
       <p:ext uri="{BB962C8B-B14F-4D97-AF65-F5344CB8AC3E}">
-        <p14:creationId xmlns:p14="http://schemas.microsoft.com/office/powerpoint/2010/main" val="1697315730"/>
-      </p:ext>
-    </p:extLst>
-  </p:cSld>
-  <p:clrMapOvr>
-    <a:masterClrMapping/>
-  </p:clrMapOvr>
-</p:sld>
-</file>
-
-<file path=ppt/slides/slide18.xml><?xml version="1.0" encoding="utf-8"?>
-<p:sld xmlns:a="http://schemas.openxmlformats.org/drawingml/2006/main" xmlns:r="http://schemas.openxmlformats.org/officeDocument/2006/relationships" xmlns:p="http://schemas.openxmlformats.org/presentationml/2006/main">
-  <p:cSld>
-    <p:spTree>
-      <p:nvGrpSpPr>
-        <p:cNvPr id="1" name=""/>
-        <p:cNvGrpSpPr/>
-        <p:nvPr/>
-      </p:nvGrpSpPr>
-      <p:grpSpPr>
-        <a:xfrm>
-          <a:off x="0" y="0"/>
-          <a:ext cx="0" cy="0"/>
-          <a:chOff x="0" y="0"/>
-          <a:chExt cx="0" cy="0"/>
-        </a:xfrm>
-      </p:grpSpPr>
-      <p:sp>
-        <p:nvSpPr>
-          <p:cNvPr id="2" name="제목 1">
-            <a:extLst>
-              <a:ext uri="{FF2B5EF4-FFF2-40B4-BE49-F238E27FC236}">
-                <a16:creationId xmlns:a16="http://schemas.microsoft.com/office/drawing/2014/main" id="{2135F92A-65F5-4C7A-8C04-BF5F199039F2}"/>
-              </a:ext>
-            </a:extLst>
-          </p:cNvPr>
-          <p:cNvSpPr>
-            <a:spLocks noGrp="1"/>
-          </p:cNvSpPr>
-          <p:nvPr>
-            <p:ph type="title"/>
-          </p:nvPr>
-        </p:nvSpPr>
-        <p:spPr/>
-        <p:txBody>
-          <a:bodyPr/>
-          <a:lstStyle/>
-          <a:p>
-            <a:endParaRPr lang="ko-KR" altLang="en-US"/>
-          </a:p>
-        </p:txBody>
-      </p:sp>
-      <p:sp>
-        <p:nvSpPr>
-          <p:cNvPr id="3" name="내용 개체 틀 2">
-            <a:extLst>
-              <a:ext uri="{FF2B5EF4-FFF2-40B4-BE49-F238E27FC236}">
-                <a16:creationId xmlns:a16="http://schemas.microsoft.com/office/drawing/2014/main" id="{FB21A4AE-E1C2-4042-9B9E-43F419C42235}"/>
-              </a:ext>
-            </a:extLst>
-          </p:cNvPr>
-          <p:cNvSpPr>
-            <a:spLocks noGrp="1"/>
-          </p:cNvSpPr>
-          <p:nvPr>
-            <p:ph idx="1"/>
-          </p:nvPr>
-        </p:nvSpPr>
-        <p:spPr/>
-        <p:txBody>
-          <a:bodyPr/>
-          <a:lstStyle/>
-          <a:p>
-            <a:r>
-              <a:rPr lang="ko-KR" altLang="en-US" dirty="0"/>
-              <a:t>코드를 작성하고 버그를 수정한다</a:t>
-            </a:r>
-            <a:r>
-              <a:rPr lang="en-US" altLang="ko-KR" dirty="0"/>
-              <a:t>.</a:t>
-            </a:r>
-            <a:endParaRPr lang="ko-KR" altLang="en-US" dirty="0"/>
-          </a:p>
-        </p:txBody>
-      </p:sp>
-    </p:spTree>
-    <p:extLst>
-      <p:ext uri="{BB962C8B-B14F-4D97-AF65-F5344CB8AC3E}">
-        <p14:creationId xmlns:p14="http://schemas.microsoft.com/office/powerpoint/2010/main" val="1303733429"/>
+        <p14:creationId xmlns:p14="http://schemas.microsoft.com/office/powerpoint/2010/main" val="4131486605"/>
       </p:ext>
     </p:extLst>
   </p:cSld>
@@ -5755,275 +6069,76 @@
       </p:grpSpPr>
       <p:sp>
         <p:nvSpPr>
-          <p:cNvPr id="10" name="직사각형 9"/>
-          <p:cNvSpPr/>
-          <p:nvPr/>
+          <p:cNvPr id="2" name="제목 1">
+            <a:extLst>
+              <a:ext uri="{FF2B5EF4-FFF2-40B4-BE49-F238E27FC236}">
+                <a16:creationId xmlns:a16="http://schemas.microsoft.com/office/drawing/2014/main" id="{FEF97B69-9031-4A28-901F-246C46549083}"/>
+              </a:ext>
+            </a:extLst>
+          </p:cNvPr>
+          <p:cNvSpPr>
+            <a:spLocks noGrp="1"/>
+          </p:cNvSpPr>
+          <p:nvPr>
+            <p:ph type="title"/>
+          </p:nvPr>
         </p:nvSpPr>
-        <p:spPr>
-          <a:xfrm>
-            <a:off x="-1" y="2398426"/>
-            <a:ext cx="12192001" cy="1338109"/>
-          </a:xfrm>
-          <a:prstGeom prst="rect">
-            <a:avLst/>
-          </a:prstGeom>
-          <a:solidFill>
-            <a:schemeClr val="accent1">
-              <a:lumMod val="75000"/>
-            </a:schemeClr>
-          </a:solidFill>
-          <a:ln>
-            <a:noFill/>
-          </a:ln>
-        </p:spPr>
-        <p:style>
-          <a:lnRef idx="2">
-            <a:schemeClr val="accent1">
-              <a:shade val="50000"/>
-            </a:schemeClr>
-          </a:lnRef>
-          <a:fillRef idx="1">
-            <a:schemeClr val="accent1"/>
-          </a:fillRef>
-          <a:effectRef idx="0">
-            <a:schemeClr val="accent1"/>
-          </a:effectRef>
-          <a:fontRef idx="minor">
-            <a:schemeClr val="lt1"/>
-          </a:fontRef>
-        </p:style>
+        <p:spPr/>
         <p:txBody>
-          <a:bodyPr rtlCol="0" anchor="ctr"/>
+          <a:bodyPr/>
           <a:lstStyle/>
           <a:p>
-            <a:pPr algn="ctr"/>
-            <a:endParaRPr kumimoji="1" lang="ko-KR" altLang="en-US" dirty="0"/>
+            <a:endParaRPr lang="ko-KR" altLang="en-US"/>
           </a:p>
         </p:txBody>
       </p:sp>
       <p:sp>
         <p:nvSpPr>
-          <p:cNvPr id="12" name="부제목 2"/>
-          <p:cNvSpPr txBox="1">
-            <a:spLocks/>
+          <p:cNvPr id="3" name="내용 개체 틀 2">
+            <a:extLst>
+              <a:ext uri="{FF2B5EF4-FFF2-40B4-BE49-F238E27FC236}">
+                <a16:creationId xmlns:a16="http://schemas.microsoft.com/office/drawing/2014/main" id="{7B537D8F-5982-4653-B96A-BB8B9CAB7064}"/>
+              </a:ext>
+            </a:extLst>
+          </p:cNvPr>
+          <p:cNvSpPr>
+            <a:spLocks noGrp="1"/>
           </p:cNvSpPr>
-          <p:nvPr/>
+          <p:nvPr>
+            <p:ph idx="1"/>
+          </p:nvPr>
         </p:nvSpPr>
-        <p:spPr>
-          <a:xfrm>
-            <a:off x="1" y="2608234"/>
-            <a:ext cx="12192000" cy="754314"/>
-          </a:xfrm>
-          <a:prstGeom prst="rect">
-            <a:avLst/>
-          </a:prstGeom>
-        </p:spPr>
+        <p:spPr/>
         <p:txBody>
-          <a:bodyPr vert="horz" lIns="91440" tIns="45720" rIns="91440" bIns="45720" rtlCol="0" anchor="ctr">
-            <a:noAutofit/>
-          </a:bodyPr>
-          <a:lstStyle>
-            <a:lvl1pPr marL="0" indent="0" algn="ctr" defTabSz="914423" rtl="0" eaLnBrk="1" latinLnBrk="1" hangingPunct="1">
-              <a:lnSpc>
-                <a:spcPct val="90000"/>
-              </a:lnSpc>
-              <a:spcBef>
-                <a:spcPts val="1001"/>
-              </a:spcBef>
-              <a:buFont typeface="Arial"/>
-              <a:buNone/>
-              <a:defRPr sz="2400" kern="1200">
-                <a:solidFill>
-                  <a:schemeClr val="tx1"/>
-                </a:solidFill>
-                <a:latin typeface="+mn-lt"/>
-                <a:ea typeface="+mn-ea"/>
-                <a:cs typeface="+mn-cs"/>
-              </a:defRPr>
-            </a:lvl1pPr>
-            <a:lvl2pPr marL="457211" indent="0" algn="ctr" defTabSz="914423" rtl="0" eaLnBrk="1" latinLnBrk="1" hangingPunct="1">
-              <a:lnSpc>
-                <a:spcPct val="90000"/>
-              </a:lnSpc>
-              <a:spcBef>
-                <a:spcPts val="500"/>
-              </a:spcBef>
-              <a:buFont typeface="Arial"/>
-              <a:buNone/>
-              <a:defRPr sz="2000" kern="1200">
-                <a:solidFill>
-                  <a:schemeClr val="tx1"/>
-                </a:solidFill>
-                <a:latin typeface="+mn-lt"/>
-                <a:ea typeface="+mn-ea"/>
-                <a:cs typeface="+mn-cs"/>
-              </a:defRPr>
-            </a:lvl2pPr>
-            <a:lvl3pPr marL="914423" indent="0" algn="ctr" defTabSz="914423" rtl="0" eaLnBrk="1" latinLnBrk="1" hangingPunct="1">
-              <a:lnSpc>
-                <a:spcPct val="90000"/>
-              </a:lnSpc>
-              <a:spcBef>
-                <a:spcPts val="500"/>
-              </a:spcBef>
-              <a:buFont typeface="Arial"/>
-              <a:buNone/>
-              <a:defRPr sz="1801" kern="1200">
-                <a:solidFill>
-                  <a:schemeClr val="tx1"/>
-                </a:solidFill>
-                <a:latin typeface="+mn-lt"/>
-                <a:ea typeface="+mn-ea"/>
-                <a:cs typeface="+mn-cs"/>
-              </a:defRPr>
-            </a:lvl3pPr>
-            <a:lvl4pPr marL="1371634" indent="0" algn="ctr" defTabSz="914423" rtl="0" eaLnBrk="1" latinLnBrk="1" hangingPunct="1">
-              <a:lnSpc>
-                <a:spcPct val="90000"/>
-              </a:lnSpc>
-              <a:spcBef>
-                <a:spcPts val="500"/>
-              </a:spcBef>
-              <a:buFont typeface="Arial"/>
-              <a:buNone/>
-              <a:defRPr sz="1600" kern="1200">
-                <a:solidFill>
-                  <a:schemeClr val="tx1"/>
-                </a:solidFill>
-                <a:latin typeface="+mn-lt"/>
-                <a:ea typeface="+mn-ea"/>
-                <a:cs typeface="+mn-cs"/>
-              </a:defRPr>
-            </a:lvl4pPr>
-            <a:lvl5pPr marL="1828846" indent="0" algn="ctr" defTabSz="914423" rtl="0" eaLnBrk="1" latinLnBrk="1" hangingPunct="1">
-              <a:lnSpc>
-                <a:spcPct val="90000"/>
-              </a:lnSpc>
-              <a:spcBef>
-                <a:spcPts val="500"/>
-              </a:spcBef>
-              <a:buFont typeface="Arial"/>
-              <a:buNone/>
-              <a:defRPr sz="1600" kern="1200">
-                <a:solidFill>
-                  <a:schemeClr val="tx1"/>
-                </a:solidFill>
-                <a:latin typeface="+mn-lt"/>
-                <a:ea typeface="+mn-ea"/>
-                <a:cs typeface="+mn-cs"/>
-              </a:defRPr>
-            </a:lvl5pPr>
-            <a:lvl6pPr marL="2286057" indent="0" algn="ctr" defTabSz="914423" rtl="0" eaLnBrk="1" latinLnBrk="1" hangingPunct="1">
-              <a:lnSpc>
-                <a:spcPct val="90000"/>
-              </a:lnSpc>
-              <a:spcBef>
-                <a:spcPts val="500"/>
-              </a:spcBef>
-              <a:buFont typeface="Arial"/>
-              <a:buNone/>
-              <a:defRPr sz="1600" kern="1200">
-                <a:solidFill>
-                  <a:schemeClr val="tx1"/>
-                </a:solidFill>
-                <a:latin typeface="+mn-lt"/>
-                <a:ea typeface="+mn-ea"/>
-                <a:cs typeface="+mn-cs"/>
-              </a:defRPr>
-            </a:lvl6pPr>
-            <a:lvl7pPr marL="2743269" indent="0" algn="ctr" defTabSz="914423" rtl="0" eaLnBrk="1" latinLnBrk="1" hangingPunct="1">
-              <a:lnSpc>
-                <a:spcPct val="90000"/>
-              </a:lnSpc>
-              <a:spcBef>
-                <a:spcPts val="500"/>
-              </a:spcBef>
-              <a:buFont typeface="Arial"/>
-              <a:buNone/>
-              <a:defRPr sz="1600" kern="1200">
-                <a:solidFill>
-                  <a:schemeClr val="tx1"/>
-                </a:solidFill>
-                <a:latin typeface="+mn-lt"/>
-                <a:ea typeface="+mn-ea"/>
-                <a:cs typeface="+mn-cs"/>
-              </a:defRPr>
-            </a:lvl7pPr>
-            <a:lvl8pPr marL="3200480" indent="0" algn="ctr" defTabSz="914423" rtl="0" eaLnBrk="1" latinLnBrk="1" hangingPunct="1">
-              <a:lnSpc>
-                <a:spcPct val="90000"/>
-              </a:lnSpc>
-              <a:spcBef>
-                <a:spcPts val="500"/>
-              </a:spcBef>
-              <a:buFont typeface="Arial"/>
-              <a:buNone/>
-              <a:defRPr sz="1600" kern="1200">
-                <a:solidFill>
-                  <a:schemeClr val="tx1"/>
-                </a:solidFill>
-                <a:latin typeface="+mn-lt"/>
-                <a:ea typeface="+mn-ea"/>
-                <a:cs typeface="+mn-cs"/>
-              </a:defRPr>
-            </a:lvl8pPr>
-            <a:lvl9pPr marL="3657691" indent="0" algn="ctr" defTabSz="914423" rtl="0" eaLnBrk="1" latinLnBrk="1" hangingPunct="1">
-              <a:lnSpc>
-                <a:spcPct val="90000"/>
-              </a:lnSpc>
-              <a:spcBef>
-                <a:spcPts val="500"/>
-              </a:spcBef>
-              <a:buFont typeface="Arial"/>
-              <a:buNone/>
-              <a:defRPr sz="1600" kern="1200">
-                <a:solidFill>
-                  <a:schemeClr val="tx1"/>
-                </a:solidFill>
-                <a:latin typeface="+mn-lt"/>
-                <a:ea typeface="+mn-ea"/>
-                <a:cs typeface="+mn-cs"/>
-              </a:defRPr>
-            </a:lvl9pPr>
-          </a:lstStyle>
-          <a:p>
-            <a:r>
-              <a:rPr lang="ko-KR" altLang="en-US" sz="4800" dirty="0">
-                <a:solidFill>
-                  <a:schemeClr val="bg1"/>
-                </a:solidFill>
-                <a:latin typeface="+mj-lt"/>
-                <a:ea typeface="맑은 고딕" charset="-127"/>
-                <a:cs typeface="맑은 고딕" charset="-127"/>
-              </a:rPr>
-              <a:t>제품 </a:t>
-            </a:r>
-            <a:r>
-              <a:rPr lang="en-US" altLang="ko-KR" sz="4800" dirty="0">
-                <a:solidFill>
-                  <a:schemeClr val="bg1"/>
-                </a:solidFill>
-                <a:latin typeface="+mj-lt"/>
-                <a:ea typeface="맑은 고딕" charset="-127"/>
-                <a:cs typeface="맑은 고딕" charset="-127"/>
-              </a:rPr>
-              <a:t>Review</a:t>
-            </a:r>
-            <a:endParaRPr lang="ko-KR" altLang="en-US" sz="4800" dirty="0">
-              <a:solidFill>
-                <a:schemeClr val="bg1"/>
-              </a:solidFill>
-              <a:latin typeface="+mj-lt"/>
-              <a:ea typeface="맑은 고딕" charset="-127"/>
-              <a:cs typeface="맑은 고딕" charset="-127"/>
-            </a:endParaRPr>
+          <a:bodyPr/>
+          <a:lstStyle/>
+          <a:p>
+            <a:r>
+              <a:rPr lang="ko-KR" altLang="en-US" dirty="0"/>
+              <a:t>기능 구현에 대한 디자인 구상</a:t>
+            </a:r>
+            <a:endParaRPr lang="en-US" altLang="ko-KR" dirty="0"/>
+          </a:p>
+          <a:p>
+            <a:endParaRPr lang="en-US" altLang="ko-KR" dirty="0"/>
+          </a:p>
+          <a:p>
+            <a:r>
+              <a:rPr lang="ko-KR" altLang="en-US" dirty="0"/>
+              <a:t>디자인에 따른 동작을 기술하고 연계 한다</a:t>
+            </a:r>
+            <a:r>
+              <a:rPr lang="en-US" altLang="ko-KR" dirty="0"/>
+              <a:t>.</a:t>
+            </a:r>
+            <a:endParaRPr lang="ko-KR" altLang="en-US" dirty="0"/>
           </a:p>
         </p:txBody>
       </p:sp>
     </p:spTree>
     <p:extLst>
       <p:ext uri="{BB962C8B-B14F-4D97-AF65-F5344CB8AC3E}">
-        <p14:creationId xmlns:p14="http://schemas.microsoft.com/office/powerpoint/2010/main" val="3953577241"/>
+        <p14:creationId xmlns:p14="http://schemas.microsoft.com/office/powerpoint/2010/main" val="1723942396"/>
       </p:ext>
     </p:extLst>
   </p:cSld>
@@ -8281,6 +8396,669 @@
       </p:grpSpPr>
       <p:sp>
         <p:nvSpPr>
+          <p:cNvPr id="10" name="직사각형 9"/>
+          <p:cNvSpPr/>
+          <p:nvPr/>
+        </p:nvSpPr>
+        <p:spPr>
+          <a:xfrm>
+            <a:off x="-1" y="2398426"/>
+            <a:ext cx="12192001" cy="1338109"/>
+          </a:xfrm>
+          <a:prstGeom prst="rect">
+            <a:avLst/>
+          </a:prstGeom>
+          <a:solidFill>
+            <a:schemeClr val="accent1">
+              <a:lumMod val="75000"/>
+            </a:schemeClr>
+          </a:solidFill>
+          <a:ln>
+            <a:noFill/>
+          </a:ln>
+        </p:spPr>
+        <p:style>
+          <a:lnRef idx="2">
+            <a:schemeClr val="accent1">
+              <a:shade val="50000"/>
+            </a:schemeClr>
+          </a:lnRef>
+          <a:fillRef idx="1">
+            <a:schemeClr val="accent1"/>
+          </a:fillRef>
+          <a:effectRef idx="0">
+            <a:schemeClr val="accent1"/>
+          </a:effectRef>
+          <a:fontRef idx="minor">
+            <a:schemeClr val="lt1"/>
+          </a:fontRef>
+        </p:style>
+        <p:txBody>
+          <a:bodyPr rtlCol="0" anchor="ctr"/>
+          <a:lstStyle/>
+          <a:p>
+            <a:pPr algn="ctr"/>
+            <a:endParaRPr kumimoji="1" lang="ko-KR" altLang="en-US" dirty="0"/>
+          </a:p>
+        </p:txBody>
+      </p:sp>
+      <p:sp>
+        <p:nvSpPr>
+          <p:cNvPr id="12" name="부제목 2"/>
+          <p:cNvSpPr txBox="1">
+            <a:spLocks/>
+          </p:cNvSpPr>
+          <p:nvPr/>
+        </p:nvSpPr>
+        <p:spPr>
+          <a:xfrm>
+            <a:off x="1" y="2608234"/>
+            <a:ext cx="12192000" cy="754314"/>
+          </a:xfrm>
+          <a:prstGeom prst="rect">
+            <a:avLst/>
+          </a:prstGeom>
+        </p:spPr>
+        <p:txBody>
+          <a:bodyPr vert="horz" lIns="91440" tIns="45720" rIns="91440" bIns="45720" rtlCol="0" anchor="ctr">
+            <a:noAutofit/>
+          </a:bodyPr>
+          <a:lstStyle>
+            <a:lvl1pPr marL="0" indent="0" algn="ctr" defTabSz="914423" rtl="0" eaLnBrk="1" latinLnBrk="1" hangingPunct="1">
+              <a:lnSpc>
+                <a:spcPct val="90000"/>
+              </a:lnSpc>
+              <a:spcBef>
+                <a:spcPts val="1001"/>
+              </a:spcBef>
+              <a:buFont typeface="Arial"/>
+              <a:buNone/>
+              <a:defRPr sz="2400" kern="1200">
+                <a:solidFill>
+                  <a:schemeClr val="tx1"/>
+                </a:solidFill>
+                <a:latin typeface="+mn-lt"/>
+                <a:ea typeface="+mn-ea"/>
+                <a:cs typeface="+mn-cs"/>
+              </a:defRPr>
+            </a:lvl1pPr>
+            <a:lvl2pPr marL="457211" indent="0" algn="ctr" defTabSz="914423" rtl="0" eaLnBrk="1" latinLnBrk="1" hangingPunct="1">
+              <a:lnSpc>
+                <a:spcPct val="90000"/>
+              </a:lnSpc>
+              <a:spcBef>
+                <a:spcPts val="500"/>
+              </a:spcBef>
+              <a:buFont typeface="Arial"/>
+              <a:buNone/>
+              <a:defRPr sz="2000" kern="1200">
+                <a:solidFill>
+                  <a:schemeClr val="tx1"/>
+                </a:solidFill>
+                <a:latin typeface="+mn-lt"/>
+                <a:ea typeface="+mn-ea"/>
+                <a:cs typeface="+mn-cs"/>
+              </a:defRPr>
+            </a:lvl2pPr>
+            <a:lvl3pPr marL="914423" indent="0" algn="ctr" defTabSz="914423" rtl="0" eaLnBrk="1" latinLnBrk="1" hangingPunct="1">
+              <a:lnSpc>
+                <a:spcPct val="90000"/>
+              </a:lnSpc>
+              <a:spcBef>
+                <a:spcPts val="500"/>
+              </a:spcBef>
+              <a:buFont typeface="Arial"/>
+              <a:buNone/>
+              <a:defRPr sz="1801" kern="1200">
+                <a:solidFill>
+                  <a:schemeClr val="tx1"/>
+                </a:solidFill>
+                <a:latin typeface="+mn-lt"/>
+                <a:ea typeface="+mn-ea"/>
+                <a:cs typeface="+mn-cs"/>
+              </a:defRPr>
+            </a:lvl3pPr>
+            <a:lvl4pPr marL="1371634" indent="0" algn="ctr" defTabSz="914423" rtl="0" eaLnBrk="1" latinLnBrk="1" hangingPunct="1">
+              <a:lnSpc>
+                <a:spcPct val="90000"/>
+              </a:lnSpc>
+              <a:spcBef>
+                <a:spcPts val="500"/>
+              </a:spcBef>
+              <a:buFont typeface="Arial"/>
+              <a:buNone/>
+              <a:defRPr sz="1600" kern="1200">
+                <a:solidFill>
+                  <a:schemeClr val="tx1"/>
+                </a:solidFill>
+                <a:latin typeface="+mn-lt"/>
+                <a:ea typeface="+mn-ea"/>
+                <a:cs typeface="+mn-cs"/>
+              </a:defRPr>
+            </a:lvl4pPr>
+            <a:lvl5pPr marL="1828846" indent="0" algn="ctr" defTabSz="914423" rtl="0" eaLnBrk="1" latinLnBrk="1" hangingPunct="1">
+              <a:lnSpc>
+                <a:spcPct val="90000"/>
+              </a:lnSpc>
+              <a:spcBef>
+                <a:spcPts val="500"/>
+              </a:spcBef>
+              <a:buFont typeface="Arial"/>
+              <a:buNone/>
+              <a:defRPr sz="1600" kern="1200">
+                <a:solidFill>
+                  <a:schemeClr val="tx1"/>
+                </a:solidFill>
+                <a:latin typeface="+mn-lt"/>
+                <a:ea typeface="+mn-ea"/>
+                <a:cs typeface="+mn-cs"/>
+              </a:defRPr>
+            </a:lvl5pPr>
+            <a:lvl6pPr marL="2286057" indent="0" algn="ctr" defTabSz="914423" rtl="0" eaLnBrk="1" latinLnBrk="1" hangingPunct="1">
+              <a:lnSpc>
+                <a:spcPct val="90000"/>
+              </a:lnSpc>
+              <a:spcBef>
+                <a:spcPts val="500"/>
+              </a:spcBef>
+              <a:buFont typeface="Arial"/>
+              <a:buNone/>
+              <a:defRPr sz="1600" kern="1200">
+                <a:solidFill>
+                  <a:schemeClr val="tx1"/>
+                </a:solidFill>
+                <a:latin typeface="+mn-lt"/>
+                <a:ea typeface="+mn-ea"/>
+                <a:cs typeface="+mn-cs"/>
+              </a:defRPr>
+            </a:lvl6pPr>
+            <a:lvl7pPr marL="2743269" indent="0" algn="ctr" defTabSz="914423" rtl="0" eaLnBrk="1" latinLnBrk="1" hangingPunct="1">
+              <a:lnSpc>
+                <a:spcPct val="90000"/>
+              </a:lnSpc>
+              <a:spcBef>
+                <a:spcPts val="500"/>
+              </a:spcBef>
+              <a:buFont typeface="Arial"/>
+              <a:buNone/>
+              <a:defRPr sz="1600" kern="1200">
+                <a:solidFill>
+                  <a:schemeClr val="tx1"/>
+                </a:solidFill>
+                <a:latin typeface="+mn-lt"/>
+                <a:ea typeface="+mn-ea"/>
+                <a:cs typeface="+mn-cs"/>
+              </a:defRPr>
+            </a:lvl7pPr>
+            <a:lvl8pPr marL="3200480" indent="0" algn="ctr" defTabSz="914423" rtl="0" eaLnBrk="1" latinLnBrk="1" hangingPunct="1">
+              <a:lnSpc>
+                <a:spcPct val="90000"/>
+              </a:lnSpc>
+              <a:spcBef>
+                <a:spcPts val="500"/>
+              </a:spcBef>
+              <a:buFont typeface="Arial"/>
+              <a:buNone/>
+              <a:defRPr sz="1600" kern="1200">
+                <a:solidFill>
+                  <a:schemeClr val="tx1"/>
+                </a:solidFill>
+                <a:latin typeface="+mn-lt"/>
+                <a:ea typeface="+mn-ea"/>
+                <a:cs typeface="+mn-cs"/>
+              </a:defRPr>
+            </a:lvl8pPr>
+            <a:lvl9pPr marL="3657691" indent="0" algn="ctr" defTabSz="914423" rtl="0" eaLnBrk="1" latinLnBrk="1" hangingPunct="1">
+              <a:lnSpc>
+                <a:spcPct val="90000"/>
+              </a:lnSpc>
+              <a:spcBef>
+                <a:spcPts val="500"/>
+              </a:spcBef>
+              <a:buFont typeface="Arial"/>
+              <a:buNone/>
+              <a:defRPr sz="1600" kern="1200">
+                <a:solidFill>
+                  <a:schemeClr val="tx1"/>
+                </a:solidFill>
+                <a:latin typeface="+mn-lt"/>
+                <a:ea typeface="+mn-ea"/>
+                <a:cs typeface="+mn-cs"/>
+              </a:defRPr>
+            </a:lvl9pPr>
+          </a:lstStyle>
+          <a:p>
+            <a:r>
+              <a:rPr lang="ko-KR" altLang="en-US" sz="4800" dirty="0">
+                <a:solidFill>
+                  <a:schemeClr val="bg1"/>
+                </a:solidFill>
+                <a:latin typeface="+mj-lt"/>
+                <a:ea typeface="맑은 고딕" charset="-127"/>
+                <a:cs typeface="맑은 고딕" charset="-127"/>
+              </a:rPr>
+              <a:t>구현</a:t>
+            </a:r>
+          </a:p>
+        </p:txBody>
+      </p:sp>
+    </p:spTree>
+    <p:extLst>
+      <p:ext uri="{BB962C8B-B14F-4D97-AF65-F5344CB8AC3E}">
+        <p14:creationId xmlns:p14="http://schemas.microsoft.com/office/powerpoint/2010/main" val="1697315730"/>
+      </p:ext>
+    </p:extLst>
+  </p:cSld>
+  <p:clrMapOvr>
+    <a:masterClrMapping/>
+  </p:clrMapOvr>
+</p:sld>
+</file>
+
+<file path=ppt/slides/slide21.xml><?xml version="1.0" encoding="utf-8"?>
+<p:sld xmlns:a="http://schemas.openxmlformats.org/drawingml/2006/main" xmlns:r="http://schemas.openxmlformats.org/officeDocument/2006/relationships" xmlns:p="http://schemas.openxmlformats.org/presentationml/2006/main">
+  <p:cSld>
+    <p:spTree>
+      <p:nvGrpSpPr>
+        <p:cNvPr id="1" name=""/>
+        <p:cNvGrpSpPr/>
+        <p:nvPr/>
+      </p:nvGrpSpPr>
+      <p:grpSpPr>
+        <a:xfrm>
+          <a:off x="0" y="0"/>
+          <a:ext cx="0" cy="0"/>
+          <a:chOff x="0" y="0"/>
+          <a:chExt cx="0" cy="0"/>
+        </a:xfrm>
+      </p:grpSpPr>
+      <p:sp>
+        <p:nvSpPr>
+          <p:cNvPr id="2" name="제목 1">
+            <a:extLst>
+              <a:ext uri="{FF2B5EF4-FFF2-40B4-BE49-F238E27FC236}">
+                <a16:creationId xmlns:a16="http://schemas.microsoft.com/office/drawing/2014/main" id="{2135F92A-65F5-4C7A-8C04-BF5F199039F2}"/>
+              </a:ext>
+            </a:extLst>
+          </p:cNvPr>
+          <p:cNvSpPr>
+            <a:spLocks noGrp="1"/>
+          </p:cNvSpPr>
+          <p:nvPr>
+            <p:ph type="title"/>
+          </p:nvPr>
+        </p:nvSpPr>
+        <p:spPr/>
+        <p:txBody>
+          <a:bodyPr/>
+          <a:lstStyle/>
+          <a:p>
+            <a:endParaRPr lang="ko-KR" altLang="en-US"/>
+          </a:p>
+        </p:txBody>
+      </p:sp>
+      <p:sp>
+        <p:nvSpPr>
+          <p:cNvPr id="3" name="내용 개체 틀 2">
+            <a:extLst>
+              <a:ext uri="{FF2B5EF4-FFF2-40B4-BE49-F238E27FC236}">
+                <a16:creationId xmlns:a16="http://schemas.microsoft.com/office/drawing/2014/main" id="{FB21A4AE-E1C2-4042-9B9E-43F419C42235}"/>
+              </a:ext>
+            </a:extLst>
+          </p:cNvPr>
+          <p:cNvSpPr>
+            <a:spLocks noGrp="1"/>
+          </p:cNvSpPr>
+          <p:nvPr>
+            <p:ph idx="1"/>
+          </p:nvPr>
+        </p:nvSpPr>
+        <p:spPr/>
+        <p:txBody>
+          <a:bodyPr/>
+          <a:lstStyle/>
+          <a:p>
+            <a:r>
+              <a:rPr lang="ko-KR" altLang="en-US" dirty="0"/>
+              <a:t>코드를 작성하고 버그를 수정한다</a:t>
+            </a:r>
+            <a:r>
+              <a:rPr lang="en-US" altLang="ko-KR" dirty="0"/>
+              <a:t>.</a:t>
+            </a:r>
+            <a:endParaRPr lang="ko-KR" altLang="en-US" dirty="0"/>
+          </a:p>
+        </p:txBody>
+      </p:sp>
+    </p:spTree>
+    <p:extLst>
+      <p:ext uri="{BB962C8B-B14F-4D97-AF65-F5344CB8AC3E}">
+        <p14:creationId xmlns:p14="http://schemas.microsoft.com/office/powerpoint/2010/main" val="1303733429"/>
+      </p:ext>
+    </p:extLst>
+  </p:cSld>
+  <p:clrMapOvr>
+    <a:masterClrMapping/>
+  </p:clrMapOvr>
+</p:sld>
+</file>
+
+<file path=ppt/slides/slide22.xml><?xml version="1.0" encoding="utf-8"?>
+<p:sld xmlns:a="http://schemas.openxmlformats.org/drawingml/2006/main" xmlns:r="http://schemas.openxmlformats.org/officeDocument/2006/relationships" xmlns:p="http://schemas.openxmlformats.org/presentationml/2006/main">
+  <p:cSld>
+    <p:spTree>
+      <p:nvGrpSpPr>
+        <p:cNvPr id="1" name=""/>
+        <p:cNvGrpSpPr/>
+        <p:nvPr/>
+      </p:nvGrpSpPr>
+      <p:grpSpPr>
+        <a:xfrm>
+          <a:off x="0" y="0"/>
+          <a:ext cx="0" cy="0"/>
+          <a:chOff x="0" y="0"/>
+          <a:chExt cx="0" cy="0"/>
+        </a:xfrm>
+      </p:grpSpPr>
+      <p:sp>
+        <p:nvSpPr>
+          <p:cNvPr id="10" name="직사각형 9"/>
+          <p:cNvSpPr/>
+          <p:nvPr/>
+        </p:nvSpPr>
+        <p:spPr>
+          <a:xfrm>
+            <a:off x="-1" y="2398426"/>
+            <a:ext cx="12192001" cy="1338109"/>
+          </a:xfrm>
+          <a:prstGeom prst="rect">
+            <a:avLst/>
+          </a:prstGeom>
+          <a:solidFill>
+            <a:schemeClr val="accent1">
+              <a:lumMod val="75000"/>
+            </a:schemeClr>
+          </a:solidFill>
+          <a:ln>
+            <a:noFill/>
+          </a:ln>
+        </p:spPr>
+        <p:style>
+          <a:lnRef idx="2">
+            <a:schemeClr val="accent1">
+              <a:shade val="50000"/>
+            </a:schemeClr>
+          </a:lnRef>
+          <a:fillRef idx="1">
+            <a:schemeClr val="accent1"/>
+          </a:fillRef>
+          <a:effectRef idx="0">
+            <a:schemeClr val="accent1"/>
+          </a:effectRef>
+          <a:fontRef idx="minor">
+            <a:schemeClr val="lt1"/>
+          </a:fontRef>
+        </p:style>
+        <p:txBody>
+          <a:bodyPr rtlCol="0" anchor="ctr"/>
+          <a:lstStyle/>
+          <a:p>
+            <a:pPr algn="ctr"/>
+            <a:endParaRPr kumimoji="1" lang="ko-KR" altLang="en-US" dirty="0"/>
+          </a:p>
+        </p:txBody>
+      </p:sp>
+      <p:sp>
+        <p:nvSpPr>
+          <p:cNvPr id="12" name="부제목 2"/>
+          <p:cNvSpPr txBox="1">
+            <a:spLocks/>
+          </p:cNvSpPr>
+          <p:nvPr/>
+        </p:nvSpPr>
+        <p:spPr>
+          <a:xfrm>
+            <a:off x="1" y="2608234"/>
+            <a:ext cx="12192000" cy="754314"/>
+          </a:xfrm>
+          <a:prstGeom prst="rect">
+            <a:avLst/>
+          </a:prstGeom>
+        </p:spPr>
+        <p:txBody>
+          <a:bodyPr vert="horz" lIns="91440" tIns="45720" rIns="91440" bIns="45720" rtlCol="0" anchor="ctr">
+            <a:noAutofit/>
+          </a:bodyPr>
+          <a:lstStyle>
+            <a:lvl1pPr marL="0" indent="0" algn="ctr" defTabSz="914423" rtl="0" eaLnBrk="1" latinLnBrk="1" hangingPunct="1">
+              <a:lnSpc>
+                <a:spcPct val="90000"/>
+              </a:lnSpc>
+              <a:spcBef>
+                <a:spcPts val="1001"/>
+              </a:spcBef>
+              <a:buFont typeface="Arial"/>
+              <a:buNone/>
+              <a:defRPr sz="2400" kern="1200">
+                <a:solidFill>
+                  <a:schemeClr val="tx1"/>
+                </a:solidFill>
+                <a:latin typeface="+mn-lt"/>
+                <a:ea typeface="+mn-ea"/>
+                <a:cs typeface="+mn-cs"/>
+              </a:defRPr>
+            </a:lvl1pPr>
+            <a:lvl2pPr marL="457211" indent="0" algn="ctr" defTabSz="914423" rtl="0" eaLnBrk="1" latinLnBrk="1" hangingPunct="1">
+              <a:lnSpc>
+                <a:spcPct val="90000"/>
+              </a:lnSpc>
+              <a:spcBef>
+                <a:spcPts val="500"/>
+              </a:spcBef>
+              <a:buFont typeface="Arial"/>
+              <a:buNone/>
+              <a:defRPr sz="2000" kern="1200">
+                <a:solidFill>
+                  <a:schemeClr val="tx1"/>
+                </a:solidFill>
+                <a:latin typeface="+mn-lt"/>
+                <a:ea typeface="+mn-ea"/>
+                <a:cs typeface="+mn-cs"/>
+              </a:defRPr>
+            </a:lvl2pPr>
+            <a:lvl3pPr marL="914423" indent="0" algn="ctr" defTabSz="914423" rtl="0" eaLnBrk="1" latinLnBrk="1" hangingPunct="1">
+              <a:lnSpc>
+                <a:spcPct val="90000"/>
+              </a:lnSpc>
+              <a:spcBef>
+                <a:spcPts val="500"/>
+              </a:spcBef>
+              <a:buFont typeface="Arial"/>
+              <a:buNone/>
+              <a:defRPr sz="1801" kern="1200">
+                <a:solidFill>
+                  <a:schemeClr val="tx1"/>
+                </a:solidFill>
+                <a:latin typeface="+mn-lt"/>
+                <a:ea typeface="+mn-ea"/>
+                <a:cs typeface="+mn-cs"/>
+              </a:defRPr>
+            </a:lvl3pPr>
+            <a:lvl4pPr marL="1371634" indent="0" algn="ctr" defTabSz="914423" rtl="0" eaLnBrk="1" latinLnBrk="1" hangingPunct="1">
+              <a:lnSpc>
+                <a:spcPct val="90000"/>
+              </a:lnSpc>
+              <a:spcBef>
+                <a:spcPts val="500"/>
+              </a:spcBef>
+              <a:buFont typeface="Arial"/>
+              <a:buNone/>
+              <a:defRPr sz="1600" kern="1200">
+                <a:solidFill>
+                  <a:schemeClr val="tx1"/>
+                </a:solidFill>
+                <a:latin typeface="+mn-lt"/>
+                <a:ea typeface="+mn-ea"/>
+                <a:cs typeface="+mn-cs"/>
+              </a:defRPr>
+            </a:lvl4pPr>
+            <a:lvl5pPr marL="1828846" indent="0" algn="ctr" defTabSz="914423" rtl="0" eaLnBrk="1" latinLnBrk="1" hangingPunct="1">
+              <a:lnSpc>
+                <a:spcPct val="90000"/>
+              </a:lnSpc>
+              <a:spcBef>
+                <a:spcPts val="500"/>
+              </a:spcBef>
+              <a:buFont typeface="Arial"/>
+              <a:buNone/>
+              <a:defRPr sz="1600" kern="1200">
+                <a:solidFill>
+                  <a:schemeClr val="tx1"/>
+                </a:solidFill>
+                <a:latin typeface="+mn-lt"/>
+                <a:ea typeface="+mn-ea"/>
+                <a:cs typeface="+mn-cs"/>
+              </a:defRPr>
+            </a:lvl5pPr>
+            <a:lvl6pPr marL="2286057" indent="0" algn="ctr" defTabSz="914423" rtl="0" eaLnBrk="1" latinLnBrk="1" hangingPunct="1">
+              <a:lnSpc>
+                <a:spcPct val="90000"/>
+              </a:lnSpc>
+              <a:spcBef>
+                <a:spcPts val="500"/>
+              </a:spcBef>
+              <a:buFont typeface="Arial"/>
+              <a:buNone/>
+              <a:defRPr sz="1600" kern="1200">
+                <a:solidFill>
+                  <a:schemeClr val="tx1"/>
+                </a:solidFill>
+                <a:latin typeface="+mn-lt"/>
+                <a:ea typeface="+mn-ea"/>
+                <a:cs typeface="+mn-cs"/>
+              </a:defRPr>
+            </a:lvl6pPr>
+            <a:lvl7pPr marL="2743269" indent="0" algn="ctr" defTabSz="914423" rtl="0" eaLnBrk="1" latinLnBrk="1" hangingPunct="1">
+              <a:lnSpc>
+                <a:spcPct val="90000"/>
+              </a:lnSpc>
+              <a:spcBef>
+                <a:spcPts val="500"/>
+              </a:spcBef>
+              <a:buFont typeface="Arial"/>
+              <a:buNone/>
+              <a:defRPr sz="1600" kern="1200">
+                <a:solidFill>
+                  <a:schemeClr val="tx1"/>
+                </a:solidFill>
+                <a:latin typeface="+mn-lt"/>
+                <a:ea typeface="+mn-ea"/>
+                <a:cs typeface="+mn-cs"/>
+              </a:defRPr>
+            </a:lvl7pPr>
+            <a:lvl8pPr marL="3200480" indent="0" algn="ctr" defTabSz="914423" rtl="0" eaLnBrk="1" latinLnBrk="1" hangingPunct="1">
+              <a:lnSpc>
+                <a:spcPct val="90000"/>
+              </a:lnSpc>
+              <a:spcBef>
+                <a:spcPts val="500"/>
+              </a:spcBef>
+              <a:buFont typeface="Arial"/>
+              <a:buNone/>
+              <a:defRPr sz="1600" kern="1200">
+                <a:solidFill>
+                  <a:schemeClr val="tx1"/>
+                </a:solidFill>
+                <a:latin typeface="+mn-lt"/>
+                <a:ea typeface="+mn-ea"/>
+                <a:cs typeface="+mn-cs"/>
+              </a:defRPr>
+            </a:lvl8pPr>
+            <a:lvl9pPr marL="3657691" indent="0" algn="ctr" defTabSz="914423" rtl="0" eaLnBrk="1" latinLnBrk="1" hangingPunct="1">
+              <a:lnSpc>
+                <a:spcPct val="90000"/>
+              </a:lnSpc>
+              <a:spcBef>
+                <a:spcPts val="500"/>
+              </a:spcBef>
+              <a:buFont typeface="Arial"/>
+              <a:buNone/>
+              <a:defRPr sz="1600" kern="1200">
+                <a:solidFill>
+                  <a:schemeClr val="tx1"/>
+                </a:solidFill>
+                <a:latin typeface="+mn-lt"/>
+                <a:ea typeface="+mn-ea"/>
+                <a:cs typeface="+mn-cs"/>
+              </a:defRPr>
+            </a:lvl9pPr>
+          </a:lstStyle>
+          <a:p>
+            <a:r>
+              <a:rPr lang="ko-KR" altLang="en-US" sz="4800" dirty="0">
+                <a:solidFill>
+                  <a:schemeClr val="bg1"/>
+                </a:solidFill>
+                <a:latin typeface="+mj-lt"/>
+                <a:ea typeface="맑은 고딕" charset="-127"/>
+                <a:cs typeface="맑은 고딕" charset="-127"/>
+              </a:rPr>
+              <a:t>제품 </a:t>
+            </a:r>
+            <a:r>
+              <a:rPr lang="en-US" altLang="ko-KR" sz="4800" dirty="0">
+                <a:solidFill>
+                  <a:schemeClr val="bg1"/>
+                </a:solidFill>
+                <a:latin typeface="+mj-lt"/>
+                <a:ea typeface="맑은 고딕" charset="-127"/>
+                <a:cs typeface="맑은 고딕" charset="-127"/>
+              </a:rPr>
+              <a:t>Review</a:t>
+            </a:r>
+            <a:endParaRPr lang="ko-KR" altLang="en-US" sz="4800" dirty="0">
+              <a:solidFill>
+                <a:schemeClr val="bg1"/>
+              </a:solidFill>
+              <a:latin typeface="+mj-lt"/>
+              <a:ea typeface="맑은 고딕" charset="-127"/>
+              <a:cs typeface="맑은 고딕" charset="-127"/>
+            </a:endParaRPr>
+          </a:p>
+        </p:txBody>
+      </p:sp>
+    </p:spTree>
+    <p:extLst>
+      <p:ext uri="{BB962C8B-B14F-4D97-AF65-F5344CB8AC3E}">
+        <p14:creationId xmlns:p14="http://schemas.microsoft.com/office/powerpoint/2010/main" val="3953577241"/>
+      </p:ext>
+    </p:extLst>
+  </p:cSld>
+  <p:clrMapOvr>
+    <a:masterClrMapping/>
+  </p:clrMapOvr>
+</p:sld>
+</file>
+
+<file path=ppt/slides/slide23.xml><?xml version="1.0" encoding="utf-8"?>
+<p:sld xmlns:a="http://schemas.openxmlformats.org/drawingml/2006/main" xmlns:r="http://schemas.openxmlformats.org/officeDocument/2006/relationships" xmlns:p="http://schemas.openxmlformats.org/presentationml/2006/main">
+  <p:cSld>
+    <p:spTree>
+      <p:nvGrpSpPr>
+        <p:cNvPr id="1" name=""/>
+        <p:cNvGrpSpPr/>
+        <p:nvPr/>
+      </p:nvGrpSpPr>
+      <p:grpSpPr>
+        <a:xfrm>
+          <a:off x="0" y="0"/>
+          <a:ext cx="0" cy="0"/>
+          <a:chOff x="0" y="0"/>
+          <a:chExt cx="0" cy="0"/>
+        </a:xfrm>
+      </p:grpSpPr>
+      <p:sp>
+        <p:nvSpPr>
           <p:cNvPr id="2" name="제목 1">
             <a:extLst>
               <a:ext uri="{FF2B5EF4-FFF2-40B4-BE49-F238E27FC236}">
@@ -8624,596 +9402,6 @@
 </file>
 
 <file path=ppt/slides/slide4.xml><?xml version="1.0" encoding="utf-8"?>
-<p:sld xmlns:r="http://schemas.openxmlformats.org/officeDocument/2006/relationships" xmlns:c="http://schemas.openxmlformats.org/drawingml/2006/chart" xmlns:a="http://schemas.openxmlformats.org/drawingml/2006/main" xmlns:dgm="http://schemas.openxmlformats.org/drawingml/2006/diagram" xmlns:dsp="http://schemas.microsoft.com/office/drawing/2008/diagram" xmlns:p="http://schemas.openxmlformats.org/presentationml/2006/main">
-  <p:cSld>
-    <p:spTree>
-      <p:nvGrpSpPr>
-        <p:cNvPr id="1" name=""/>
-        <p:cNvGrpSpPr/>
-        <p:nvPr/>
-      </p:nvGrpSpPr>
-      <p:grpSpPr>
-        <a:xfrm>
-          <a:off x="0" y="0"/>
-          <a:ext cx="0" cy="0"/>
-          <a:chOff x="0" y="0"/>
-          <a:chExt cx="0" cy="0"/>
-        </a:xfrm>
-      </p:grpSpPr>
-      <p:sp>
-        <p:nvSpPr>
-          <p:cNvPr id="2" name="제목 1"/>
-          <p:cNvSpPr>
-            <a:spLocks noGrp="1"/>
-          </p:cNvSpPr>
-          <p:nvPr>
-            <p:ph type="title" idx="0"/>
-          </p:nvPr>
-        </p:nvSpPr>
-        <p:spPr>
-          <a:xfrm>
-            <a:off x="838200" y="400403"/>
-            <a:ext cx="10515600" cy="1325563"/>
-          </a:xfrm>
-        </p:spPr>
-        <p:txBody>
-          <a:bodyPr/>
-          <a:lstStyle/>
-          <a:p>
-            <a:pPr lvl="0">
-              <a:defRPr/>
-            </a:pPr>
-            <a:r>
-              <a:rPr lang="ko-KR" altLang="en-US"/>
-              <a:t>아이디어 노트</a:t>
-            </a:r>
-            <a:endParaRPr lang="ko-KR" altLang="en-US"/>
-          </a:p>
-        </p:txBody>
-      </p:sp>
-      <p:sp>
-        <p:nvSpPr>
-          <p:cNvPr id="5" name="내용 개체 틀 4"/>
-          <p:cNvSpPr>
-            <a:spLocks noGrp="1"/>
-          </p:cNvSpPr>
-          <p:nvPr>
-            <p:ph idx="1"/>
-          </p:nvPr>
-        </p:nvSpPr>
-        <p:spPr/>
-        <p:txBody>
-          <a:bodyPr/>
-          <a:lstStyle/>
-          <a:p>
-            <a:pPr lvl="0">
-              <a:defRPr/>
-            </a:pPr>
-            <a:r>
-              <a:rPr lang="ko-KR" altLang="en-US"/>
-              <a:t>개발하고자 하는 아이디어에 대해 기술한다</a:t>
-            </a:r>
-            <a:r>
-              <a:rPr lang="en-US" altLang="ko-KR"/>
-              <a:t>.</a:t>
-            </a:r>
-            <a:endParaRPr lang="ko-KR" altLang="en-US"/>
-          </a:p>
-        </p:txBody>
-      </p:sp>
-    </p:spTree>
-  </p:cSld>
-  <p:clrMapOvr>
-    <a:masterClrMapping/>
-  </p:clrMapOvr>
-  <mc:AlternateContent xmlns:mc="http://schemas.openxmlformats.org/markup-compatibility/2006">
-    <mc:Choice xmlns:p14="http://schemas.microsoft.com/office/powerpoint/2010/main" Requires="p14">
-      <p:transition xmlns:mc="http://schemas.openxmlformats.org/markup-compatibility/2006" xmlns:p14="http://schemas.microsoft.com/office/powerpoint/2010/main" mc:Ignorable="p14" p14:dur="500"/>
-    </mc:Choice>
-    <mc:Fallback>
-      <p:transition/>
-    </mc:Fallback>
-  </mc:AlternateContent>
-</p:sld>
-</file>
-
-<file path=ppt/slides/slide5.xml><?xml version="1.0" encoding="utf-8"?>
-<p:sld xmlns:r="http://schemas.openxmlformats.org/officeDocument/2006/relationships" xmlns:c="http://schemas.openxmlformats.org/drawingml/2006/chart" xmlns:a="http://schemas.openxmlformats.org/drawingml/2006/main" xmlns:dgm="http://schemas.openxmlformats.org/drawingml/2006/diagram" xmlns:dsp="http://schemas.microsoft.com/office/drawing/2008/diagram" xmlns:p="http://schemas.openxmlformats.org/presentationml/2006/main">
-  <p:cSld>
-    <p:spTree>
-      <p:nvGrpSpPr>
-        <p:cNvPr id="1" name=""/>
-        <p:cNvGrpSpPr/>
-        <p:nvPr/>
-      </p:nvGrpSpPr>
-      <p:grpSpPr>
-        <a:xfrm>
-          <a:off x="0" y="0"/>
-          <a:ext cx="0" cy="0"/>
-          <a:chOff x="0" y="0"/>
-          <a:chExt cx="0" cy="0"/>
-        </a:xfrm>
-      </p:grpSpPr>
-      <p:sp>
-        <p:nvSpPr>
-          <p:cNvPr id="4" name="직사각형 9"/>
-          <p:cNvSpPr/>
-          <p:nvPr/>
-        </p:nvSpPr>
-        <p:spPr>
-          <a:xfrm>
-            <a:off x="-1" y="0"/>
-            <a:ext cx="12192001" cy="1338109"/>
-          </a:xfrm>
-          <a:prstGeom prst="rect">
-            <a:avLst/>
-          </a:prstGeom>
-          <a:solidFill>
-            <a:schemeClr val="accent1">
-              <a:lumMod val="75000"/>
-            </a:schemeClr>
-          </a:solidFill>
-          <a:ln>
-            <a:noFill/>
-          </a:ln>
-        </p:spPr>
-        <p:style>
-          <a:lnRef idx="2">
-            <a:schemeClr val="accent1">
-              <a:shade val="50000"/>
-            </a:schemeClr>
-          </a:lnRef>
-          <a:fillRef idx="1">
-            <a:schemeClr val="accent1"/>
-          </a:fillRef>
-          <a:effectRef idx="0">
-            <a:schemeClr val="accent1"/>
-          </a:effectRef>
-          <a:fontRef idx="minor">
-            <a:schemeClr val="lt1"/>
-          </a:fontRef>
-        </p:style>
-        <p:txBody>
-          <a:bodyPr anchor="ctr"/>
-          <a:lstStyle/>
-          <a:p>
-            <a:pPr>
-              <a:defRPr/>
-            </a:pPr>
-            <a:r>
-              <a:rPr kumimoji="1" lang="en-US" altLang="ko-KR" sz="4800"/>
-              <a:t>1.</a:t>
-            </a:r>
-            <a:r>
-              <a:rPr kumimoji="1" lang="ko-KR" altLang="en-US" sz="4800"/>
-              <a:t> 아이디어 도출</a:t>
-            </a:r>
-            <a:endParaRPr kumimoji="1" lang="ko-KR" altLang="en-US" sz="4800"/>
-          </a:p>
-        </p:txBody>
-      </p:sp>
-      <p:sp>
-        <p:nvSpPr>
-          <p:cNvPr id="5" name="내용 개체 틀 4"/>
-          <p:cNvSpPr>
-            <a:spLocks noGrp="1"/>
-          </p:cNvSpPr>
-          <p:nvPr>
-            <p:ph idx="1"/>
-          </p:nvPr>
-        </p:nvSpPr>
-        <p:spPr>
-          <a:xfrm>
-            <a:off x="0" y="1331736"/>
-            <a:ext cx="12192000" cy="5526263"/>
-          </a:xfrm>
-        </p:spPr>
-        <p:txBody>
-          <a:bodyPr vert="horz" lIns="91440" tIns="45720" rIns="91440" bIns="45720">
-            <a:normAutofit/>
-          </a:bodyPr>
-          <a:lstStyle/>
-          <a:p>
-            <a:pPr lvl="0">
-              <a:defRPr/>
-            </a:pPr>
-            <a:r>
-              <a:rPr lang="ko-KR" altLang="en-US"/>
-              <a:t>파일 바이너리 데이터 분석 프로그램</a:t>
-            </a:r>
-            <a:endParaRPr lang="ko-KR" altLang="en-US"/>
-          </a:p>
-          <a:p>
-            <a:pPr marL="0" lvl="0" indent="0">
-              <a:buNone/>
-              <a:defRPr/>
-            </a:pPr>
-            <a:endParaRPr lang="ko-KR" altLang="en-US"/>
-          </a:p>
-          <a:p>
-            <a:pPr marL="0" lvl="0" indent="0">
-              <a:buNone/>
-              <a:defRPr/>
-            </a:pPr>
-            <a:r>
-              <a:rPr lang="ko-KR" altLang="en-US"/>
-              <a:t> </a:t>
-            </a:r>
-            <a:r>
-              <a:rPr lang="en-US" altLang="ko-KR"/>
-              <a:t>-</a:t>
-            </a:r>
-            <a:r>
-              <a:rPr lang="ko-KR" altLang="en-US"/>
-              <a:t> 파일 구조를 분석하여 파일의 확장자</a:t>
-            </a:r>
-            <a:r>
-              <a:rPr lang="en-US" altLang="ko-KR"/>
-              <a:t>,</a:t>
-            </a:r>
-            <a:r>
-              <a:rPr lang="ko-KR" altLang="en-US"/>
-              <a:t> 파티션 타입</a:t>
-            </a:r>
-            <a:r>
-              <a:rPr lang="en-US" altLang="ko-KR"/>
-              <a:t>,</a:t>
-            </a:r>
-            <a:r>
-              <a:rPr lang="ko-KR" altLang="en-US"/>
-              <a:t> 예약 영역</a:t>
-            </a:r>
-            <a:r>
-              <a:rPr lang="en-US" altLang="ko-KR"/>
-              <a:t>,</a:t>
-            </a:r>
-            <a:r>
-              <a:rPr lang="ko-KR" altLang="en-US"/>
-              <a:t> 전체 용량 등에 대한 정보를 출력</a:t>
-            </a:r>
-            <a:endParaRPr lang="ko-KR" altLang="en-US"/>
-          </a:p>
-          <a:p>
-            <a:pPr marL="0" lvl="0" indent="0">
-              <a:buNone/>
-              <a:defRPr/>
-            </a:pPr>
-            <a:endParaRPr lang="ko-KR" altLang="en-US"/>
-          </a:p>
-          <a:p>
-            <a:pPr marL="0" lvl="0" indent="0">
-              <a:buNone/>
-              <a:defRPr/>
-            </a:pPr>
-            <a:r>
-              <a:rPr lang="ko-KR" altLang="en-US"/>
-              <a:t> </a:t>
-            </a:r>
-            <a:r>
-              <a:rPr lang="en-US" altLang="ko-KR"/>
-              <a:t>-</a:t>
-            </a:r>
-            <a:r>
-              <a:rPr lang="ko-KR" altLang="en-US"/>
-              <a:t> 파일 시스템 구조</a:t>
-            </a:r>
-            <a:r>
-              <a:rPr lang="en-US" altLang="ko-KR"/>
-              <a:t>(FAT32, NTFS)</a:t>
-            </a:r>
-            <a:r>
-              <a:rPr lang="ko-KR" altLang="en-US"/>
-              <a:t>의 종류에 따라 파일의 구조 다름</a:t>
-            </a:r>
-            <a:endParaRPr lang="ko-KR" altLang="en-US"/>
-          </a:p>
-          <a:p>
-            <a:pPr marL="0" lvl="0" indent="0">
-              <a:buNone/>
-              <a:defRPr/>
-            </a:pPr>
-            <a:endParaRPr lang="ko-KR" altLang="en-US"/>
-          </a:p>
-          <a:p>
-            <a:pPr marL="0" lvl="0" indent="0">
-              <a:buNone/>
-              <a:defRPr/>
-            </a:pPr>
-            <a:r>
-              <a:rPr lang="ko-KR" altLang="en-US"/>
-              <a:t> </a:t>
-            </a:r>
-            <a:r>
-              <a:rPr lang="en-US" altLang="ko-KR"/>
-              <a:t>-</a:t>
-            </a:r>
-            <a:r>
-              <a:rPr lang="ko-KR" altLang="en-US"/>
-              <a:t> 파일 시스템 구조를 판단하여 필요 데이터 추출하고 출력</a:t>
-            </a:r>
-            <a:endParaRPr lang="ko-KR" altLang="en-US"/>
-          </a:p>
-        </p:txBody>
-      </p:sp>
-    </p:spTree>
-  </p:cSld>
-  <p:clrMapOvr>
-    <a:masterClrMapping/>
-  </p:clrMapOvr>
-  <mc:AlternateContent xmlns:mc="http://schemas.openxmlformats.org/markup-compatibility/2006">
-    <mc:Choice xmlns:p14="http://schemas.microsoft.com/office/powerpoint/2010/main" Requires="p14">
-      <p:transition xmlns:mc="http://schemas.openxmlformats.org/markup-compatibility/2006" xmlns:p14="http://schemas.microsoft.com/office/powerpoint/2010/main" mc:Ignorable="p14" p14:dur="500"/>
-    </mc:Choice>
-    <mc:Fallback>
-      <p:transition/>
-    </mc:Fallback>
-  </mc:AlternateContent>
-</p:sld>
-</file>
-
-<file path=ppt/slides/slide6.xml><?xml version="1.0" encoding="utf-8"?>
-<p:sld xmlns:r="http://schemas.openxmlformats.org/officeDocument/2006/relationships" xmlns:c="http://schemas.openxmlformats.org/drawingml/2006/chart" xmlns:a="http://schemas.openxmlformats.org/drawingml/2006/main" xmlns:dgm="http://schemas.openxmlformats.org/drawingml/2006/diagram" xmlns:dsp="http://schemas.microsoft.com/office/drawing/2008/diagram" xmlns:p="http://schemas.openxmlformats.org/presentationml/2006/main">
-  <p:cSld>
-    <p:spTree>
-      <p:nvGrpSpPr>
-        <p:cNvPr id="1" name=""/>
-        <p:cNvGrpSpPr/>
-        <p:nvPr/>
-      </p:nvGrpSpPr>
-      <p:grpSpPr>
-        <a:xfrm>
-          <a:off x="0" y="0"/>
-          <a:ext cx="0" cy="0"/>
-          <a:chOff x="0" y="0"/>
-          <a:chExt cx="0" cy="0"/>
-        </a:xfrm>
-      </p:grpSpPr>
-      <p:sp>
-        <p:nvSpPr>
-          <p:cNvPr id="4" name="직사각형 9"/>
-          <p:cNvSpPr/>
-          <p:nvPr/>
-        </p:nvSpPr>
-        <p:spPr>
-          <a:xfrm>
-            <a:off x="-1" y="0"/>
-            <a:ext cx="12192001" cy="1338109"/>
-          </a:xfrm>
-          <a:prstGeom prst="rect">
-            <a:avLst/>
-          </a:prstGeom>
-          <a:solidFill>
-            <a:schemeClr val="accent1">
-              <a:lumMod val="75000"/>
-            </a:schemeClr>
-          </a:solidFill>
-          <a:ln>
-            <a:noFill/>
-          </a:ln>
-        </p:spPr>
-        <p:style>
-          <a:lnRef idx="2">
-            <a:schemeClr val="accent1">
-              <a:shade val="50000"/>
-            </a:schemeClr>
-          </a:lnRef>
-          <a:fillRef idx="1">
-            <a:schemeClr val="accent1"/>
-          </a:fillRef>
-          <a:effectRef idx="0">
-            <a:schemeClr val="accent1"/>
-          </a:effectRef>
-          <a:fontRef idx="minor">
-            <a:schemeClr val="lt1"/>
-          </a:fontRef>
-        </p:style>
-        <p:txBody>
-          <a:bodyPr anchor="ctr"/>
-          <a:lstStyle/>
-          <a:p>
-            <a:pPr>
-              <a:defRPr/>
-            </a:pPr>
-            <a:r>
-              <a:rPr kumimoji="1" lang="en-US" altLang="ko-KR" sz="4800"/>
-              <a:t>1.</a:t>
-            </a:r>
-            <a:r>
-              <a:rPr kumimoji="1" lang="ko-KR" altLang="en-US" sz="4800"/>
-              <a:t> 아이디어 도출</a:t>
-            </a:r>
-            <a:endParaRPr kumimoji="1" lang="ko-KR" altLang="en-US" sz="4800"/>
-          </a:p>
-        </p:txBody>
-      </p:sp>
-      <p:sp>
-        <p:nvSpPr>
-          <p:cNvPr id="5" name="내용 개체 틀 4"/>
-          <p:cNvSpPr>
-            <a:spLocks noGrp="1"/>
-          </p:cNvSpPr>
-          <p:nvPr>
-            <p:ph idx="1"/>
-          </p:nvPr>
-        </p:nvSpPr>
-        <p:spPr>
-          <a:xfrm>
-            <a:off x="0" y="1561042"/>
-            <a:ext cx="12192000" cy="5296957"/>
-          </a:xfrm>
-        </p:spPr>
-        <p:txBody>
-          <a:bodyPr vert="horz" lIns="91440" tIns="45720" rIns="91440" bIns="45720">
-            <a:normAutofit lnSpcReduction="10000"/>
-          </a:bodyPr>
-          <a:lstStyle/>
-          <a:p>
-            <a:pPr lvl="0">
-              <a:defRPr/>
-            </a:pPr>
-            <a:r>
-              <a:rPr lang="ko-KR" altLang="en-US"/>
-              <a:t>파일의 헤더와 푸터를 이용한 카빙 툴</a:t>
-            </a:r>
-            <a:endParaRPr lang="ko-KR" altLang="en-US"/>
-          </a:p>
-          <a:p>
-            <a:pPr marL="0" lvl="0" indent="0">
-              <a:buNone/>
-              <a:defRPr/>
-            </a:pPr>
-            <a:endParaRPr lang="ko-KR" altLang="en-US"/>
-          </a:p>
-          <a:p>
-            <a:pPr marL="0" lvl="0" indent="0">
-              <a:buNone/>
-              <a:defRPr/>
-            </a:pPr>
-            <a:endParaRPr lang="ko-KR" altLang="en-US"/>
-          </a:p>
-          <a:p>
-            <a:pPr marL="0" lvl="0" indent="0">
-              <a:buNone/>
-              <a:defRPr/>
-            </a:pPr>
-            <a:r>
-              <a:rPr lang="ko-KR" altLang="en-US"/>
-              <a:t> </a:t>
-            </a:r>
-            <a:r>
-              <a:rPr lang="en-US" altLang="ko-KR"/>
-              <a:t>-</a:t>
-            </a:r>
-            <a:r>
-              <a:rPr lang="ko-KR" altLang="en-US"/>
-              <a:t> 각 파일을 구분하기 위한 시그니처</a:t>
-            </a:r>
-            <a:r>
-              <a:rPr lang="en-US" altLang="ko-KR"/>
-              <a:t>,</a:t>
-            </a:r>
-            <a:r>
-              <a:rPr lang="ko-KR" altLang="en-US"/>
-              <a:t> 구조체</a:t>
-            </a:r>
-            <a:r>
-              <a:rPr lang="en-US" altLang="ko-KR"/>
-              <a:t>,</a:t>
-            </a:r>
-            <a:r>
-              <a:rPr lang="ko-KR" altLang="en-US"/>
-              <a:t> 헤더 정보등을 확인하여 파일 복구 </a:t>
-            </a:r>
-            <a:endParaRPr lang="ko-KR" altLang="en-US"/>
-          </a:p>
-          <a:p>
-            <a:pPr marL="0" lvl="0" indent="0">
-              <a:buNone/>
-              <a:defRPr/>
-            </a:pPr>
-            <a:endParaRPr lang="ko-KR" altLang="en-US"/>
-          </a:p>
-          <a:p>
-            <a:pPr marL="0" lvl="0" indent="0">
-              <a:buNone/>
-              <a:defRPr/>
-            </a:pPr>
-            <a:r>
-              <a:rPr lang="ko-KR" altLang="en-US"/>
-              <a:t> </a:t>
-            </a:r>
-            <a:r>
-              <a:rPr lang="en-US" altLang="ko-KR"/>
-              <a:t>-</a:t>
-            </a:r>
-            <a:r>
-              <a:rPr lang="ko-KR" altLang="en-US"/>
-              <a:t> 파일의 헤더와 크기를 이용한 카빙 기법</a:t>
-            </a:r>
-            <a:endParaRPr lang="ko-KR" altLang="en-US"/>
-          </a:p>
-          <a:p>
-            <a:pPr marL="0" lvl="0" indent="0">
-              <a:buNone/>
-              <a:defRPr/>
-            </a:pPr>
-            <a:r>
-              <a:rPr lang="ko-KR" altLang="en-US"/>
-              <a:t> </a:t>
-            </a:r>
-            <a:r>
-              <a:rPr lang="en-US" altLang="ko-KR"/>
-              <a:t>-</a:t>
-            </a:r>
-            <a:r>
-              <a:rPr lang="ko-KR" altLang="en-US"/>
-              <a:t> </a:t>
-            </a:r>
-            <a:r>
-              <a:rPr lang="en-US" altLang="ko-KR">
-                <a:hlinkClick r:id="rId2"/>
-              </a:rPr>
-              <a:t>https://d0ngr0thy.tistory.com/44</a:t>
-            </a:r>
-            <a:endParaRPr lang="en-US" altLang="ko-KR"/>
-          </a:p>
-          <a:p>
-            <a:pPr marL="0" lvl="0" indent="0">
-              <a:buNone/>
-              <a:defRPr/>
-            </a:pPr>
-            <a:endParaRPr lang="ko-KR" altLang="en-US"/>
-          </a:p>
-          <a:p>
-            <a:pPr marL="0" lvl="0" indent="0">
-              <a:buNone/>
-              <a:defRPr/>
-            </a:pPr>
-            <a:r>
-              <a:rPr lang="ko-KR" altLang="en-US"/>
-              <a:t> </a:t>
-            </a:r>
-            <a:r>
-              <a:rPr lang="en-US" altLang="ko-KR"/>
-              <a:t>-</a:t>
-            </a:r>
-            <a:r>
-              <a:rPr lang="ko-KR" altLang="en-US"/>
-              <a:t> 단편화된 데이터 카빙 기법 </a:t>
-            </a:r>
-            <a:r>
-              <a:rPr lang="en-US" altLang="ko-KR"/>
-              <a:t>-&gt;</a:t>
-            </a:r>
-            <a:r>
-              <a:rPr lang="ko-KR" altLang="en-US"/>
-              <a:t> 아직 완벽한 방법 </a:t>
-            </a:r>
-            <a:r>
-              <a:rPr lang="en-US" altLang="ko-KR"/>
-              <a:t>X</a:t>
-            </a:r>
-            <a:endParaRPr lang="en-US" altLang="ko-KR"/>
-          </a:p>
-        </p:txBody>
-      </p:sp>
-    </p:spTree>
-  </p:cSld>
-  <p:clrMapOvr>
-    <a:masterClrMapping/>
-  </p:clrMapOvr>
-  <mc:AlternateContent xmlns:mc="http://schemas.openxmlformats.org/markup-compatibility/2006">
-    <mc:Choice xmlns:p14="http://schemas.microsoft.com/office/powerpoint/2010/main" Requires="p14">
-      <p:transition xmlns:mc="http://schemas.openxmlformats.org/markup-compatibility/2006" xmlns:p14="http://schemas.microsoft.com/office/powerpoint/2010/main" mc:Ignorable="p14" p14:dur="500"/>
-    </mc:Choice>
-    <mc:Fallback>
-      <p:transition/>
-    </mc:Fallback>
-  </mc:AlternateContent>
-</p:sld>
-</file>
-
-<file path=ppt/slides/slide7.xml><?xml version="1.0" encoding="utf-8"?>
 <p:sld xmlns:r="http://schemas.openxmlformats.org/officeDocument/2006/relationships" xmlns:c="http://schemas.openxmlformats.org/drawingml/2006/chart" xmlns:a="http://schemas.openxmlformats.org/drawingml/2006/main" xmlns:dgm="http://schemas.openxmlformats.org/drawingml/2006/diagram" xmlns:dsp="http://schemas.microsoft.com/office/drawing/2008/diagram" xmlns:p="http://schemas.openxmlformats.org/presentationml/2006/main">
   <p:cSld>
     <p:spTree>
@@ -9895,7 +10083,7 @@
 </p:sld>
 </file>
 
-<file path=ppt/slides/slide8.xml><?xml version="1.0" encoding="utf-8"?>
+<file path=ppt/slides/slide5.xml><?xml version="1.0" encoding="utf-8"?>
 <p:sld xmlns:r="http://schemas.openxmlformats.org/officeDocument/2006/relationships" xmlns:c="http://schemas.openxmlformats.org/drawingml/2006/chart" xmlns:a="http://schemas.openxmlformats.org/drawingml/2006/main" xmlns:dgm="http://schemas.openxmlformats.org/drawingml/2006/diagram" xmlns:dsp="http://schemas.microsoft.com/office/drawing/2008/diagram" xmlns:p="http://schemas.openxmlformats.org/presentationml/2006/main">
   <p:cSld>
     <p:spTree>
@@ -9914,13 +10102,143 @@
       </p:grpSpPr>
       <p:sp>
         <p:nvSpPr>
-          <p:cNvPr id="10" name="직사각형 9"/>
+          <p:cNvPr id="2" name="제목 1"/>
+          <p:cNvSpPr>
+            <a:spLocks noGrp="1"/>
+          </p:cNvSpPr>
+          <p:nvPr>
+            <p:ph type="title" idx="0"/>
+          </p:nvPr>
+        </p:nvSpPr>
+        <p:spPr>
+          <a:xfrm>
+            <a:off x="838200" y="400403"/>
+            <a:ext cx="10515600" cy="1325563"/>
+          </a:xfrm>
+        </p:spPr>
+        <p:txBody>
+          <a:bodyPr/>
+          <a:lstStyle/>
+          <a:p>
+            <a:pPr lvl="0">
+              <a:defRPr/>
+            </a:pPr>
+            <a:r>
+              <a:rPr lang="ko-KR" altLang="en-US"/>
+              <a:t>아이디어 노트</a:t>
+            </a:r>
+            <a:endParaRPr lang="ko-KR" altLang="en-US"/>
+          </a:p>
+        </p:txBody>
+      </p:sp>
+      <p:sp>
+        <p:nvSpPr>
+          <p:cNvPr id="5" name="내용 개체 틀 4"/>
+          <p:cNvSpPr>
+            <a:spLocks noGrp="1"/>
+          </p:cNvSpPr>
+          <p:nvPr>
+            <p:ph idx="1"/>
+          </p:nvPr>
+        </p:nvSpPr>
+        <p:spPr/>
+        <p:txBody>
+          <a:bodyPr/>
+          <a:lstStyle/>
+          <a:p>
+            <a:pPr marL="0" lvl="0" indent="0">
+              <a:buNone/>
+              <a:defRPr/>
+            </a:pPr>
+            <a:r>
+              <a:rPr lang="ko-KR" altLang="en-US"/>
+              <a:t>개발하고자 하는 아이디어에 대해 기술한다</a:t>
+            </a:r>
+            <a:r>
+              <a:rPr lang="en-US" altLang="ko-KR"/>
+              <a:t>.</a:t>
+            </a:r>
+            <a:endParaRPr lang="ko-KR" altLang="en-US"/>
+          </a:p>
+          <a:p>
+            <a:pPr marL="0" lvl="0" indent="0">
+              <a:buNone/>
+              <a:defRPr/>
+            </a:pPr>
+            <a:r>
+              <a:rPr lang="ko-KR" altLang="en-US"/>
+              <a:t>목적</a:t>
+            </a:r>
+            <a:r>
+              <a:rPr lang="en-US" altLang="ko-KR"/>
+              <a:t>,</a:t>
+            </a:r>
+            <a:r>
+              <a:rPr lang="ko-KR" altLang="en-US"/>
+              <a:t> 목표</a:t>
+            </a:r>
+            <a:r>
+              <a:rPr lang="en-US" altLang="ko-KR"/>
+              <a:t>,</a:t>
+            </a:r>
+            <a:r>
+              <a:rPr lang="ko-KR" altLang="en-US"/>
+              <a:t> 기능</a:t>
+            </a:r>
+            <a:r>
+              <a:rPr lang="en-US" altLang="ko-KR"/>
+              <a:t>,</a:t>
+            </a:r>
+            <a:r>
+              <a:rPr lang="ko-KR" altLang="en-US"/>
+              <a:t> 제공할 서비스</a:t>
+            </a:r>
+            <a:endParaRPr lang="ko-KR" altLang="en-US"/>
+          </a:p>
+        </p:txBody>
+      </p:sp>
+    </p:spTree>
+  </p:cSld>
+  <p:clrMapOvr>
+    <a:masterClrMapping/>
+  </p:clrMapOvr>
+  <mc:AlternateContent xmlns:mc="http://schemas.openxmlformats.org/markup-compatibility/2006">
+    <mc:Choice xmlns:p14="http://schemas.microsoft.com/office/powerpoint/2010/main" Requires="p14">
+      <p:transition xmlns:mc="http://schemas.openxmlformats.org/markup-compatibility/2006" xmlns:p14="http://schemas.microsoft.com/office/powerpoint/2010/main" mc:Ignorable="p14" p14:dur="500"/>
+    </mc:Choice>
+    <mc:Fallback>
+      <p:transition/>
+    </mc:Fallback>
+  </mc:AlternateContent>
+</p:sld>
+</file>
+
+<file path=ppt/slides/slide6.xml><?xml version="1.0" encoding="utf-8"?>
+<p:sld xmlns:r="http://schemas.openxmlformats.org/officeDocument/2006/relationships" xmlns:c="http://schemas.openxmlformats.org/drawingml/2006/chart" xmlns:a="http://schemas.openxmlformats.org/drawingml/2006/main" xmlns:dgm="http://schemas.openxmlformats.org/drawingml/2006/diagram" xmlns:dsp="http://schemas.microsoft.com/office/drawing/2008/diagram" xmlns:p="http://schemas.openxmlformats.org/presentationml/2006/main">
+  <p:cSld>
+    <p:spTree>
+      <p:nvGrpSpPr>
+        <p:cNvPr id="1" name=""/>
+        <p:cNvGrpSpPr/>
+        <p:nvPr/>
+      </p:nvGrpSpPr>
+      <p:grpSpPr>
+        <a:xfrm>
+          <a:off x="0" y="0"/>
+          <a:ext cx="0" cy="0"/>
+          <a:chOff x="0" y="0"/>
+          <a:chExt cx="0" cy="0"/>
+        </a:xfrm>
+      </p:grpSpPr>
+      <p:sp>
+        <p:nvSpPr>
+          <p:cNvPr id="4" name="직사각형 9"/>
           <p:cNvSpPr/>
           <p:nvPr/>
         </p:nvSpPr>
         <p:spPr>
           <a:xfrm>
-            <a:off x="-1" y="2398426"/>
+            <a:off x="-1" y="0"/>
             <a:ext cx="12192001" cy="1338109"/>
           </a:xfrm>
           <a:prstGeom prst="rect">
@@ -9955,219 +10273,269 @@
           <a:bodyPr anchor="ctr"/>
           <a:lstStyle/>
           <a:p>
-            <a:pPr algn="ctr">
+            <a:pPr>
               <a:defRPr/>
             </a:pPr>
-            <a:endParaRPr kumimoji="1" lang="ko-KR" altLang="en-US"/>
+            <a:r>
+              <a:rPr kumimoji="1" lang="en-US" altLang="ko-KR" sz="4800"/>
+              <a:t>1.</a:t>
+            </a:r>
+            <a:r>
+              <a:rPr kumimoji="1" lang="ko-KR" altLang="en-US" sz="4800"/>
+              <a:t> 아이디어 도출</a:t>
+            </a:r>
+            <a:endParaRPr kumimoji="1" lang="ko-KR" altLang="en-US" sz="4800"/>
           </a:p>
         </p:txBody>
       </p:sp>
       <p:sp>
         <p:nvSpPr>
-          <p:cNvPr id="12" name="부제목 2"/>
-          <p:cNvSpPr txBox="1"/>
-          <p:nvPr/>
+          <p:cNvPr id="5" name="내용 개체 틀 4"/>
+          <p:cNvSpPr>
+            <a:spLocks noGrp="1"/>
+          </p:cNvSpPr>
+          <p:nvPr>
+            <p:ph idx="1"/>
+          </p:nvPr>
         </p:nvSpPr>
         <p:spPr>
           <a:xfrm>
-            <a:off x="1" y="2608234"/>
-            <a:ext cx="12192000" cy="754314"/>
+            <a:off x="0" y="1331736"/>
+            <a:ext cx="12192000" cy="5526263"/>
           </a:xfrm>
-          <a:prstGeom prst="rect">
-            <a:avLst/>
-          </a:prstGeom>
         </p:spPr>
         <p:txBody>
-          <a:bodyPr vert="horz" lIns="91440" tIns="45720" rIns="91440" bIns="45720" anchor="ctr">
-            <a:noAutofit/>
+          <a:bodyPr vert="horz" lIns="91440" tIns="45720" rIns="91440" bIns="45720">
+            <a:normAutofit fontScale="85000" lnSpcReduction="20000"/>
           </a:bodyPr>
-          <a:lstStyle>
-            <a:lvl1pPr marL="0" indent="0" algn="ctr" defTabSz="914423" rtl="0" eaLnBrk="1" latinLnBrk="1" hangingPunct="1">
-              <a:lnSpc>
-                <a:spcPct val="90000"/>
-              </a:lnSpc>
-              <a:spcBef>
-                <a:spcPts val="1001"/>
-              </a:spcBef>
-              <a:buFont typeface="Arial"/>
-              <a:buNone/>
-              <a:defRPr sz="2400" kern="1200">
-                <a:solidFill>
-                  <a:schemeClr val="tx1"/>
-                </a:solidFill>
-                <a:latin typeface="+mn-lt"/>
-                <a:ea typeface="+mn-ea"/>
-                <a:cs typeface="+mn-cs"/>
-              </a:defRPr>
-            </a:lvl1pPr>
-            <a:lvl2pPr marL="457211" indent="0" algn="ctr" defTabSz="914423" rtl="0" eaLnBrk="1" latinLnBrk="1" hangingPunct="1">
-              <a:lnSpc>
-                <a:spcPct val="90000"/>
-              </a:lnSpc>
-              <a:spcBef>
-                <a:spcPts val="500"/>
-              </a:spcBef>
-              <a:buFont typeface="Arial"/>
-              <a:buNone/>
-              <a:defRPr sz="2000" kern="1200">
-                <a:solidFill>
-                  <a:schemeClr val="tx1"/>
-                </a:solidFill>
-                <a:latin typeface="+mn-lt"/>
-                <a:ea typeface="+mn-ea"/>
-                <a:cs typeface="+mn-cs"/>
-              </a:defRPr>
-            </a:lvl2pPr>
-            <a:lvl3pPr marL="914423" indent="0" algn="ctr" defTabSz="914423" rtl="0" eaLnBrk="1" latinLnBrk="1" hangingPunct="1">
-              <a:lnSpc>
-                <a:spcPct val="90000"/>
-              </a:lnSpc>
-              <a:spcBef>
-                <a:spcPts val="500"/>
-              </a:spcBef>
-              <a:buFont typeface="Arial"/>
-              <a:buNone/>
-              <a:defRPr sz="1801" kern="1200">
-                <a:solidFill>
-                  <a:schemeClr val="tx1"/>
-                </a:solidFill>
-                <a:latin typeface="+mn-lt"/>
-                <a:ea typeface="+mn-ea"/>
-                <a:cs typeface="+mn-cs"/>
-              </a:defRPr>
-            </a:lvl3pPr>
-            <a:lvl4pPr marL="1371634" indent="0" algn="ctr" defTabSz="914423" rtl="0" eaLnBrk="1" latinLnBrk="1" hangingPunct="1">
-              <a:lnSpc>
-                <a:spcPct val="90000"/>
-              </a:lnSpc>
-              <a:spcBef>
-                <a:spcPts val="500"/>
-              </a:spcBef>
-              <a:buFont typeface="Arial"/>
-              <a:buNone/>
-              <a:defRPr sz="1600" kern="1200">
-                <a:solidFill>
-                  <a:schemeClr val="tx1"/>
-                </a:solidFill>
-                <a:latin typeface="+mn-lt"/>
-                <a:ea typeface="+mn-ea"/>
-                <a:cs typeface="+mn-cs"/>
-              </a:defRPr>
-            </a:lvl4pPr>
-            <a:lvl5pPr marL="1828846" indent="0" algn="ctr" defTabSz="914423" rtl="0" eaLnBrk="1" latinLnBrk="1" hangingPunct="1">
-              <a:lnSpc>
-                <a:spcPct val="90000"/>
-              </a:lnSpc>
-              <a:spcBef>
-                <a:spcPts val="500"/>
-              </a:spcBef>
-              <a:buFont typeface="Arial"/>
-              <a:buNone/>
-              <a:defRPr sz="1600" kern="1200">
-                <a:solidFill>
-                  <a:schemeClr val="tx1"/>
-                </a:solidFill>
-                <a:latin typeface="+mn-lt"/>
-                <a:ea typeface="+mn-ea"/>
-                <a:cs typeface="+mn-cs"/>
-              </a:defRPr>
-            </a:lvl5pPr>
-            <a:lvl6pPr marL="2286057" indent="0" algn="ctr" defTabSz="914423" rtl="0" eaLnBrk="1" latinLnBrk="1" hangingPunct="1">
-              <a:lnSpc>
-                <a:spcPct val="90000"/>
-              </a:lnSpc>
-              <a:spcBef>
-                <a:spcPts val="500"/>
-              </a:spcBef>
-              <a:buFont typeface="Arial"/>
-              <a:buNone/>
-              <a:defRPr sz="1600" kern="1200">
-                <a:solidFill>
-                  <a:schemeClr val="tx1"/>
-                </a:solidFill>
-                <a:latin typeface="+mn-lt"/>
-                <a:ea typeface="+mn-ea"/>
-                <a:cs typeface="+mn-cs"/>
-              </a:defRPr>
-            </a:lvl6pPr>
-            <a:lvl7pPr marL="2743269" indent="0" algn="ctr" defTabSz="914423" rtl="0" eaLnBrk="1" latinLnBrk="1" hangingPunct="1">
-              <a:lnSpc>
-                <a:spcPct val="90000"/>
-              </a:lnSpc>
-              <a:spcBef>
-                <a:spcPts val="500"/>
-              </a:spcBef>
-              <a:buFont typeface="Arial"/>
-              <a:buNone/>
-              <a:defRPr sz="1600" kern="1200">
-                <a:solidFill>
-                  <a:schemeClr val="tx1"/>
-                </a:solidFill>
-                <a:latin typeface="+mn-lt"/>
-                <a:ea typeface="+mn-ea"/>
-                <a:cs typeface="+mn-cs"/>
-              </a:defRPr>
-            </a:lvl7pPr>
-            <a:lvl8pPr marL="3200480" indent="0" algn="ctr" defTabSz="914423" rtl="0" eaLnBrk="1" latinLnBrk="1" hangingPunct="1">
-              <a:lnSpc>
-                <a:spcPct val="90000"/>
-              </a:lnSpc>
-              <a:spcBef>
-                <a:spcPts val="500"/>
-              </a:spcBef>
-              <a:buFont typeface="Arial"/>
-              <a:buNone/>
-              <a:defRPr sz="1600" kern="1200">
-                <a:solidFill>
-                  <a:schemeClr val="tx1"/>
-                </a:solidFill>
-                <a:latin typeface="+mn-lt"/>
-                <a:ea typeface="+mn-ea"/>
-                <a:cs typeface="+mn-cs"/>
-              </a:defRPr>
-            </a:lvl8pPr>
-            <a:lvl9pPr marL="3657691" indent="0" algn="ctr" defTabSz="914423" rtl="0" eaLnBrk="1" latinLnBrk="1" hangingPunct="1">
-              <a:lnSpc>
-                <a:spcPct val="90000"/>
-              </a:lnSpc>
-              <a:spcBef>
-                <a:spcPts val="500"/>
-              </a:spcBef>
-              <a:buFont typeface="Arial"/>
-              <a:buNone/>
-              <a:defRPr sz="1600" kern="1200">
-                <a:solidFill>
-                  <a:schemeClr val="tx1"/>
-                </a:solidFill>
-                <a:latin typeface="+mn-lt"/>
-                <a:ea typeface="+mn-ea"/>
-                <a:cs typeface="+mn-cs"/>
-              </a:defRPr>
-            </a:lvl9pPr>
-          </a:lstStyle>
+          <a:lstStyle/>
           <a:p>
             <a:pPr lvl="0">
               <a:defRPr/>
             </a:pPr>
-            <a:r>
-              <a:rPr lang="ko-KR" altLang="en-US" sz="4800">
-                <a:solidFill>
-                  <a:schemeClr val="bg1"/>
-                </a:solidFill>
-                <a:latin typeface="+mj-lt"/>
-                <a:ea typeface="맑은 고딕"/>
-                <a:cs typeface="맑은 고딕"/>
+            <a:endParaRPr lang="ko-KR" altLang="en-US"/>
+          </a:p>
+          <a:p>
+            <a:pPr lvl="0">
+              <a:defRPr/>
+            </a:pPr>
+            <a:r>
+              <a:rPr lang="ko-KR" altLang="en-US"/>
+              <a:t>바이너리 파일 데이터 분석 프로그램</a:t>
+            </a:r>
+            <a:endParaRPr lang="ko-KR" altLang="en-US"/>
+          </a:p>
+          <a:p>
+            <a:pPr lvl="0">
+              <a:defRPr/>
+            </a:pPr>
+            <a:r>
+              <a:rPr lang="ko-KR" altLang="en-US"/>
+              <a:t>바이너리 파일을 분석하여 디스크의 특성을 추출</a:t>
+            </a:r>
+            <a:endParaRPr lang="ko-KR" altLang="en-US"/>
+          </a:p>
+          <a:p>
+            <a:pPr marL="0" lvl="0" indent="0">
+              <a:buNone/>
+              <a:defRPr/>
+            </a:pPr>
+            <a:r>
+              <a:rPr lang="ko-KR" altLang="en-US"/>
+              <a:t> </a:t>
+            </a:r>
+            <a:r>
+              <a:rPr lang="en-US" altLang="ko-KR"/>
+              <a:t>-</a:t>
+            </a:r>
+            <a:r>
+              <a:rPr lang="ko-KR" altLang="en-US"/>
+              <a:t> 파일 타입</a:t>
+            </a:r>
+            <a:r>
+              <a:rPr lang="en-US" altLang="ko-KR"/>
+              <a:t>,</a:t>
+            </a:r>
+            <a:r>
+              <a:rPr lang="ko-KR" altLang="en-US"/>
+              <a:t> 파티션 타입</a:t>
+            </a:r>
+            <a:r>
+              <a:rPr lang="en-US" altLang="ko-KR"/>
+              <a:t>,</a:t>
+            </a:r>
+            <a:r>
+              <a:rPr lang="ko-KR" altLang="en-US"/>
+              <a:t> 예약 영역</a:t>
+            </a:r>
+            <a:r>
+              <a:rPr lang="en-US" altLang="ko-KR"/>
+              <a:t>,</a:t>
+            </a:r>
+            <a:r>
+              <a:rPr lang="ko-KR" altLang="en-US"/>
+              <a:t> 용량 등등</a:t>
+            </a:r>
+            <a:endParaRPr lang="ko-KR" altLang="en-US"/>
+          </a:p>
+          <a:p>
+            <a:pPr marL="0" lvl="0" indent="0">
+              <a:buNone/>
+              <a:defRPr/>
+            </a:pPr>
+            <a:endParaRPr lang="ko-KR" altLang="en-US"/>
+          </a:p>
+          <a:p>
+            <a:pPr lvl="0">
+              <a:defRPr/>
+            </a:pPr>
+            <a:r>
+              <a:rPr lang="ko-KR" altLang="en-US"/>
+              <a:t>파일 시스템에 따라 바이너리 파일의 구조에 따른 분석 방법 확장</a:t>
+            </a:r>
+            <a:endParaRPr lang="ko-KR" altLang="en-US"/>
+          </a:p>
+          <a:p>
+            <a:pPr marL="0" lvl="0" indent="0">
+              <a:buNone/>
+              <a:defRPr/>
+            </a:pPr>
+            <a:r>
+              <a:rPr lang="ko-KR" altLang="en-US"/>
+              <a:t> </a:t>
+            </a:r>
+            <a:r>
+              <a:rPr lang="en-US" altLang="ko-KR"/>
+              <a:t>-</a:t>
+            </a:r>
+            <a:r>
+              <a:rPr lang="ko-KR" altLang="en-US"/>
+              <a:t> </a:t>
+            </a:r>
+            <a:r>
+              <a:rPr lang="en-US" altLang="ko-KR"/>
+              <a:t>FAT32, NTFS, exFAT, HFS, refs</a:t>
+            </a:r>
+            <a:endParaRPr lang="en-US" altLang="ko-KR"/>
+          </a:p>
+          <a:p>
+            <a:pPr marL="0" lvl="0" indent="0">
+              <a:buNone/>
+              <a:defRPr/>
+            </a:pPr>
+            <a:endParaRPr lang="en-US" altLang="ko-KR"/>
+          </a:p>
+          <a:p>
+            <a:pPr lvl="0">
+              <a:defRPr/>
+            </a:pPr>
+            <a:r>
+              <a:rPr lang="ko-KR" altLang="en-US"/>
+              <a:t>바이너리 파일 분석을 통한 카빙</a:t>
+            </a:r>
+            <a:endParaRPr lang="ko-KR" altLang="en-US"/>
+          </a:p>
+          <a:p>
+            <a:pPr marL="0" lvl="0" indent="0">
+              <a:buNone/>
+              <a:defRPr/>
+            </a:pPr>
+            <a:r>
+              <a:rPr lang="ko-KR" altLang="en-US"/>
+              <a:t> </a:t>
+            </a:r>
+            <a:r>
+              <a:rPr lang="en-US" altLang="ko-KR"/>
+              <a:t>-</a:t>
+            </a:r>
+            <a:r>
+              <a:rPr lang="ko-KR" altLang="en-US"/>
+              <a:t> 기법에 따라 장단점을 확인 후 기능 적용</a:t>
+            </a:r>
+            <a:endParaRPr lang="ko-KR" altLang="en-US"/>
+          </a:p>
+          <a:p>
+            <a:pPr marL="0" lvl="0" indent="0">
+              <a:buNone/>
+              <a:defRPr/>
+            </a:pPr>
+            <a:r>
+              <a:rPr lang="ko-KR" altLang="en-US"/>
+              <a:t> </a:t>
+            </a:r>
+            <a:r>
+              <a:rPr lang="en-US" altLang="ko-KR"/>
+              <a:t>-</a:t>
+            </a:r>
+            <a:r>
+              <a:rPr lang="ko-KR" altLang="en-US"/>
+              <a:t> 시그니처 기반 카빙</a:t>
+            </a:r>
+            <a:r>
+              <a:rPr lang="en-US" altLang="ko-KR"/>
+              <a:t>,</a:t>
+            </a:r>
+            <a:r>
+              <a:rPr lang="ko-KR" altLang="en-US"/>
+              <a:t> 램 슬랙 카빙</a:t>
+            </a:r>
+            <a:r>
+              <a:rPr lang="en-US" altLang="ko-KR"/>
+              <a:t>,</a:t>
+            </a:r>
+            <a:r>
+              <a:rPr lang="ko-KR" altLang="en-US"/>
+              <a:t> 파일 구조체 카빙</a:t>
+            </a:r>
+            <a:r>
+              <a:rPr lang="en-US" altLang="ko-KR"/>
+              <a:t>,</a:t>
+            </a:r>
+            <a:r>
+              <a:rPr lang="ko-KR" altLang="en-US"/>
+              <a:t> 파일 크기 획득 방법 기반의 카</a:t>
+            </a:r>
+            <a:endParaRPr lang="ko-KR" altLang="en-US"/>
+          </a:p>
+          <a:p>
+            <a:pPr marL="0" lvl="0" indent="0">
+              <a:buNone/>
+              <a:defRPr/>
+            </a:pPr>
+            <a:r>
+              <a:rPr lang="ko-KR" altLang="en-US"/>
+              <a:t>   빙, 파일 구조 검증 방법 기반의 카빙</a:t>
+            </a:r>
+            <a:endParaRPr lang="ko-KR" altLang="en-US"/>
+          </a:p>
+          <a:p>
+            <a:pPr marL="0" lvl="0" indent="0">
+              <a:buNone/>
+              <a:defRPr/>
+            </a:pPr>
+            <a:endParaRPr lang="ko-KR" altLang="en-US">
+              <a:hlinkClick r:id="rId2"/>
+            </a:endParaRPr>
+          </a:p>
+          <a:p>
+            <a:pPr marL="0" lvl="0" indent="0">
+              <a:buNone/>
+              <a:defRPr/>
+            </a:pPr>
+            <a:r>
+              <a:rPr lang="en-US" altLang="ko-KR">
+                <a:hlinkClick r:id="rId2"/>
               </a:rPr>
-              <a:t>요구사항 정의</a:t>
-            </a:r>
-            <a:endParaRPr lang="ko-KR" altLang="en-US" sz="4800">
-              <a:solidFill>
-                <a:schemeClr val="bg1"/>
-              </a:solidFill>
-              <a:latin typeface="+mj-lt"/>
-              <a:ea typeface="맑은 고딕"/>
-              <a:cs typeface="맑은 고딕"/>
-            </a:endParaRPr>
+              <a:t>https://d0ngr0thy.tistory.com/44</a:t>
+            </a:r>
+            <a:endParaRPr lang="en-US" altLang="ko-KR"/>
+          </a:p>
+          <a:p>
+            <a:pPr marL="0" lvl="0" indent="0">
+              <a:buNone/>
+              <a:defRPr/>
+            </a:pPr>
+            <a:endParaRPr lang="ko-KR" altLang="en-US"/>
           </a:p>
         </p:txBody>
       </p:sp>
@@ -10187,8 +10555,8 @@
 </p:sld>
 </file>
 
-<file path=ppt/slides/slide9.xml><?xml version="1.0" encoding="utf-8"?>
-<p:sld xmlns:a="http://schemas.openxmlformats.org/drawingml/2006/main" xmlns:r="http://schemas.openxmlformats.org/officeDocument/2006/relationships" xmlns:p="http://schemas.openxmlformats.org/presentationml/2006/main">
+<file path=ppt/slides/slide7.xml><?xml version="1.0" encoding="utf-8"?>
+<p:sld xmlns:r="http://schemas.openxmlformats.org/officeDocument/2006/relationships" xmlns:c="http://schemas.openxmlformats.org/drawingml/2006/chart" xmlns:a="http://schemas.openxmlformats.org/drawingml/2006/main" xmlns:dgm="http://schemas.openxmlformats.org/drawingml/2006/diagram" xmlns:dsp="http://schemas.microsoft.com/office/drawing/2008/diagram" xmlns:p="http://schemas.openxmlformats.org/presentationml/2006/main">
   <p:cSld>
     <p:spTree>
       <p:nvGrpSpPr>
@@ -10206,13 +10574,13 @@
       </p:grpSpPr>
       <p:sp>
         <p:nvSpPr>
-          <p:cNvPr id="10" name="직사각형 9"/>
+          <p:cNvPr id="4" name="직사각형 9"/>
           <p:cNvSpPr/>
           <p:nvPr/>
         </p:nvSpPr>
         <p:spPr>
           <a:xfrm>
-            <a:off x="-1" y="2398426"/>
+            <a:off x="-1" y="0"/>
             <a:ext cx="12192001" cy="1338109"/>
           </a:xfrm>
           <a:prstGeom prst="rect">
@@ -10244,224 +10612,731 @@
           </a:fontRef>
         </p:style>
         <p:txBody>
-          <a:bodyPr rtlCol="0" anchor="ctr"/>
+          <a:bodyPr anchor="ctr"/>
           <a:lstStyle/>
           <a:p>
-            <a:pPr algn="ctr"/>
-            <a:endParaRPr kumimoji="1" lang="ko-KR" altLang="en-US" dirty="0"/>
+            <a:pPr>
+              <a:defRPr/>
+            </a:pPr>
+            <a:r>
+              <a:rPr kumimoji="1" lang="en-US" altLang="ko-KR" sz="4800"/>
+              <a:t>1.</a:t>
+            </a:r>
+            <a:r>
+              <a:rPr kumimoji="1" lang="ko-KR" altLang="en-US" sz="4800"/>
+              <a:t> 아이디어 도출</a:t>
+            </a:r>
+            <a:endParaRPr kumimoji="1" lang="ko-KR" altLang="en-US" sz="4800"/>
           </a:p>
         </p:txBody>
       </p:sp>
       <p:sp>
         <p:nvSpPr>
-          <p:cNvPr id="12" name="부제목 2"/>
-          <p:cNvSpPr txBox="1">
-            <a:spLocks/>
+          <p:cNvPr id="5" name="내용 개체 틀 4"/>
+          <p:cNvSpPr>
+            <a:spLocks noGrp="1"/>
           </p:cNvSpPr>
+          <p:nvPr>
+            <p:ph idx="1"/>
+          </p:nvPr>
+        </p:nvSpPr>
+        <p:spPr>
+          <a:xfrm>
+            <a:off x="0" y="1561042"/>
+            <a:ext cx="12192000" cy="5296957"/>
+          </a:xfrm>
+        </p:spPr>
+        <p:txBody>
+          <a:bodyPr vert="horz" lIns="91440" tIns="45720" rIns="91440" bIns="45720">
+            <a:normAutofit fontScale="85000" lnSpcReduction="20000"/>
+          </a:bodyPr>
+          <a:lstStyle/>
+          <a:p>
+            <a:pPr lvl="0">
+              <a:defRPr/>
+            </a:pPr>
+            <a:r>
+              <a:rPr lang="en-US" altLang="ko-KR"/>
+              <a:t>USB</a:t>
+            </a:r>
+            <a:r>
+              <a:rPr lang="ko-KR" altLang="en-US"/>
+              <a:t> 복구 툴</a:t>
+            </a:r>
+            <a:endParaRPr lang="ko-KR" altLang="en-US"/>
+          </a:p>
+          <a:p>
+            <a:pPr marL="0" lvl="0" indent="0">
+              <a:buNone/>
+              <a:defRPr/>
+            </a:pPr>
+            <a:endParaRPr lang="ko-KR" altLang="en-US"/>
+          </a:p>
+          <a:p>
+            <a:pPr marL="0" lvl="0" indent="0">
+              <a:buNone/>
+              <a:defRPr/>
+            </a:pPr>
+            <a:r>
+              <a:rPr lang="ko-KR" altLang="en-US"/>
+              <a:t> </a:t>
+            </a:r>
+            <a:r>
+              <a:rPr lang="en-US" altLang="ko-KR"/>
+              <a:t>-</a:t>
+            </a:r>
+            <a:r>
+              <a:rPr lang="ko-KR" altLang="en-US"/>
+              <a:t> </a:t>
+            </a:r>
+            <a:endParaRPr lang="ko-KR" altLang="en-US"/>
+          </a:p>
+          <a:p>
+            <a:pPr marL="0" lvl="0" indent="0">
+              <a:buNone/>
+              <a:defRPr/>
+            </a:pPr>
+            <a:endParaRPr lang="ko-KR" altLang="en-US"/>
+          </a:p>
+          <a:p>
+            <a:pPr marL="0" lvl="0" indent="0">
+              <a:buNone/>
+              <a:defRPr/>
+            </a:pPr>
+            <a:r>
+              <a:rPr lang="ko-KR" altLang="en-US"/>
+              <a:t> </a:t>
+            </a:r>
+            <a:r>
+              <a:rPr lang="en-US" altLang="ko-KR"/>
+              <a:t>-</a:t>
+            </a:r>
+            <a:r>
+              <a:rPr lang="ko-KR" altLang="en-US"/>
+              <a:t> </a:t>
+            </a:r>
+            <a:r>
+              <a:rPr lang="en-US" altLang="ko-KR"/>
+              <a:t>M</a:t>
+            </a:r>
+            <a:r>
+              <a:rPr lang="ko-KR" altLang="en-US"/>
+              <a:t>BR 영역에 존재하는 파티션 테이블이 손상된 상태의 저장매체에서 파티션 테이블을 복구하여 파일시스템 안의 데이터를 복구</a:t>
+            </a:r>
+            <a:endParaRPr lang="ko-KR" altLang="en-US"/>
+          </a:p>
+          <a:p>
+            <a:pPr marL="0" lvl="0" indent="0">
+              <a:buNone/>
+              <a:defRPr/>
+            </a:pPr>
+            <a:endParaRPr lang="en-US" altLang="ko-KR"/>
+          </a:p>
+          <a:p>
+            <a:pPr marL="0" lvl="0" indent="0">
+              <a:buNone/>
+              <a:defRPr/>
+            </a:pPr>
+            <a:r>
+              <a:rPr lang="ko-KR" altLang="en-US"/>
+              <a:t> </a:t>
+            </a:r>
+            <a:r>
+              <a:rPr lang="en-US" altLang="ko-KR"/>
+              <a:t>-</a:t>
+            </a:r>
+            <a:r>
+              <a:rPr lang="ko-KR" altLang="en-US"/>
+              <a:t> 메타데이터가 삭제되지 않은 경우 복구 가능</a:t>
+            </a:r>
+            <a:endParaRPr lang="ko-KR" altLang="en-US"/>
+          </a:p>
+          <a:p>
+            <a:pPr marL="0" lvl="0" indent="0">
+              <a:buNone/>
+              <a:defRPr/>
+            </a:pPr>
+            <a:endParaRPr lang="en-US" altLang="ko-KR"/>
+          </a:p>
+          <a:p>
+            <a:pPr marL="0" lvl="0" indent="0">
+              <a:buNone/>
+              <a:defRPr/>
+            </a:pPr>
+            <a:r>
+              <a:rPr lang="ko-KR" altLang="en-US"/>
+              <a:t> </a:t>
+            </a:r>
+            <a:r>
+              <a:rPr lang="en-US" altLang="ko-KR"/>
+              <a:t>-</a:t>
+            </a:r>
+            <a:r>
+              <a:rPr lang="ko-KR" altLang="en-US"/>
+              <a:t> Data Area에서 지워진 Directory Entry에서 지워지기 전에 해당 파일이 사용하던 </a:t>
+            </a:r>
+            <a:endParaRPr lang="ko-KR" altLang="en-US"/>
+          </a:p>
+          <a:p>
+            <a:pPr marL="0" lvl="0" indent="0">
+              <a:buNone/>
+              <a:defRPr/>
+            </a:pPr>
+            <a:r>
+              <a:rPr lang="ko-KR" altLang="en-US"/>
+              <a:t>클러스터 번호를 확인 그 후 FAT Area에 확인한 클러스터 번호에 맞는 FAT Entry와 연결 </a:t>
+            </a:r>
+            <a:endParaRPr lang="ko-KR" altLang="en-US"/>
+          </a:p>
+          <a:p>
+            <a:pPr marL="0" lvl="0" indent="0">
+              <a:buNone/>
+              <a:defRPr/>
+            </a:pPr>
+            <a:r>
+              <a:rPr lang="ko-KR" altLang="en-US"/>
+              <a:t>시켜주고 마지막으로 Directory Entry의  NAME항목에서 0xE5로 되어있는 부분을 수정</a:t>
+            </a:r>
+            <a:endParaRPr lang="ko-KR" altLang="en-US"/>
+          </a:p>
+          <a:p>
+            <a:pPr marL="0" lvl="0" indent="0">
+              <a:buNone/>
+              <a:defRPr/>
+            </a:pPr>
+            <a:endParaRPr lang="ko-KR" altLang="en-US"/>
+          </a:p>
+        </p:txBody>
+      </p:sp>
+    </p:spTree>
+  </p:cSld>
+  <p:clrMapOvr>
+    <a:masterClrMapping/>
+  </p:clrMapOvr>
+  <mc:AlternateContent xmlns:mc="http://schemas.openxmlformats.org/markup-compatibility/2006">
+    <mc:Choice xmlns:p14="http://schemas.microsoft.com/office/powerpoint/2010/main" Requires="p14">
+      <p:transition xmlns:mc="http://schemas.openxmlformats.org/markup-compatibility/2006" xmlns:p14="http://schemas.microsoft.com/office/powerpoint/2010/main" mc:Ignorable="p14" p14:dur="500"/>
+    </mc:Choice>
+    <mc:Fallback>
+      <p:transition/>
+    </mc:Fallback>
+  </mc:AlternateContent>
+</p:sld>
+</file>
+
+<file path=ppt/slides/slide8.xml><?xml version="1.0" encoding="utf-8"?>
+<p:sld xmlns:r="http://schemas.openxmlformats.org/officeDocument/2006/relationships" xmlns:c="http://schemas.openxmlformats.org/drawingml/2006/chart" xmlns:a="http://schemas.openxmlformats.org/drawingml/2006/main" xmlns:dgm="http://schemas.openxmlformats.org/drawingml/2006/diagram" xmlns:dsp="http://schemas.microsoft.com/office/drawing/2008/diagram" xmlns:p="http://schemas.openxmlformats.org/presentationml/2006/main">
+  <p:cSld>
+    <p:spTree>
+      <p:nvGrpSpPr>
+        <p:cNvPr id="1" name=""/>
+        <p:cNvGrpSpPr/>
+        <p:nvPr/>
+      </p:nvGrpSpPr>
+      <p:grpSpPr>
+        <a:xfrm>
+          <a:off x="0" y="0"/>
+          <a:ext cx="0" cy="0"/>
+          <a:chOff x="0" y="0"/>
+          <a:chExt cx="0" cy="0"/>
+        </a:xfrm>
+      </p:grpSpPr>
+      <p:sp>
+        <p:nvSpPr>
+          <p:cNvPr id="4" name="직사각형 9"/>
+          <p:cNvSpPr/>
           <p:nvPr/>
         </p:nvSpPr>
         <p:spPr>
           <a:xfrm>
-            <a:off x="1" y="2608234"/>
-            <a:ext cx="12192000" cy="754314"/>
+            <a:off x="-1" y="0"/>
+            <a:ext cx="12192001" cy="1338109"/>
           </a:xfrm>
           <a:prstGeom prst="rect">
             <a:avLst/>
           </a:prstGeom>
+          <a:solidFill>
+            <a:schemeClr val="accent1">
+              <a:lumMod val="75000"/>
+            </a:schemeClr>
+          </a:solidFill>
+          <a:ln>
+            <a:noFill/>
+          </a:ln>
+        </p:spPr>
+        <p:style>
+          <a:lnRef idx="2">
+            <a:schemeClr val="accent1">
+              <a:shade val="50000"/>
+            </a:schemeClr>
+          </a:lnRef>
+          <a:fillRef idx="1">
+            <a:schemeClr val="accent1"/>
+          </a:fillRef>
+          <a:effectRef idx="0">
+            <a:schemeClr val="accent1"/>
+          </a:effectRef>
+          <a:fontRef idx="minor">
+            <a:schemeClr val="lt1"/>
+          </a:fontRef>
+        </p:style>
+        <p:txBody>
+          <a:bodyPr anchor="ctr"/>
+          <a:lstStyle/>
+          <a:p>
+            <a:pPr>
+              <a:defRPr/>
+            </a:pPr>
+            <a:r>
+              <a:rPr kumimoji="1" lang="en-US" altLang="ko-KR" sz="4800"/>
+              <a:t>1.</a:t>
+            </a:r>
+            <a:r>
+              <a:rPr kumimoji="1" lang="ko-KR" altLang="en-US" sz="4800"/>
+              <a:t> 아이디어 도출</a:t>
+            </a:r>
+            <a:endParaRPr kumimoji="1" lang="ko-KR" altLang="en-US" sz="4800"/>
+          </a:p>
+        </p:txBody>
+      </p:sp>
+      <p:sp>
+        <p:nvSpPr>
+          <p:cNvPr id="5" name="내용 개체 틀 4"/>
+          <p:cNvSpPr>
+            <a:spLocks noGrp="1"/>
+          </p:cNvSpPr>
+          <p:nvPr>
+            <p:ph idx="1"/>
+          </p:nvPr>
+        </p:nvSpPr>
+        <p:spPr>
+          <a:xfrm>
+            <a:off x="0" y="1561042"/>
+            <a:ext cx="12192000" cy="5296957"/>
+          </a:xfrm>
         </p:spPr>
         <p:txBody>
-          <a:bodyPr vert="horz" lIns="91440" tIns="45720" rIns="91440" bIns="45720" rtlCol="0" anchor="ctr">
-            <a:noAutofit/>
+          <a:bodyPr vert="horz" lIns="91440" tIns="45720" rIns="91440" bIns="45720">
+            <a:normAutofit lnSpcReduction="10000"/>
           </a:bodyPr>
-          <a:lstStyle>
-            <a:lvl1pPr marL="0" indent="0" algn="ctr" defTabSz="914423" rtl="0" eaLnBrk="1" latinLnBrk="1" hangingPunct="1">
-              <a:lnSpc>
-                <a:spcPct val="90000"/>
-              </a:lnSpc>
-              <a:spcBef>
-                <a:spcPts val="1001"/>
-              </a:spcBef>
-              <a:buFont typeface="Arial"/>
-              <a:buNone/>
-              <a:defRPr sz="2400" kern="1200">
-                <a:solidFill>
-                  <a:schemeClr val="tx1"/>
-                </a:solidFill>
-                <a:latin typeface="+mn-lt"/>
-                <a:ea typeface="+mn-ea"/>
-                <a:cs typeface="+mn-cs"/>
-              </a:defRPr>
-            </a:lvl1pPr>
-            <a:lvl2pPr marL="457211" indent="0" algn="ctr" defTabSz="914423" rtl="0" eaLnBrk="1" latinLnBrk="1" hangingPunct="1">
-              <a:lnSpc>
-                <a:spcPct val="90000"/>
-              </a:lnSpc>
-              <a:spcBef>
-                <a:spcPts val="500"/>
-              </a:spcBef>
-              <a:buFont typeface="Arial"/>
-              <a:buNone/>
-              <a:defRPr sz="2000" kern="1200">
-                <a:solidFill>
-                  <a:schemeClr val="tx1"/>
-                </a:solidFill>
-                <a:latin typeface="+mn-lt"/>
-                <a:ea typeface="+mn-ea"/>
-                <a:cs typeface="+mn-cs"/>
-              </a:defRPr>
-            </a:lvl2pPr>
-            <a:lvl3pPr marL="914423" indent="0" algn="ctr" defTabSz="914423" rtl="0" eaLnBrk="1" latinLnBrk="1" hangingPunct="1">
-              <a:lnSpc>
-                <a:spcPct val="90000"/>
-              </a:lnSpc>
-              <a:spcBef>
-                <a:spcPts val="500"/>
-              </a:spcBef>
-              <a:buFont typeface="Arial"/>
-              <a:buNone/>
-              <a:defRPr sz="1801" kern="1200">
-                <a:solidFill>
-                  <a:schemeClr val="tx1"/>
-                </a:solidFill>
-                <a:latin typeface="+mn-lt"/>
-                <a:ea typeface="+mn-ea"/>
-                <a:cs typeface="+mn-cs"/>
-              </a:defRPr>
-            </a:lvl3pPr>
-            <a:lvl4pPr marL="1371634" indent="0" algn="ctr" defTabSz="914423" rtl="0" eaLnBrk="1" latinLnBrk="1" hangingPunct="1">
-              <a:lnSpc>
-                <a:spcPct val="90000"/>
-              </a:lnSpc>
-              <a:spcBef>
-                <a:spcPts val="500"/>
-              </a:spcBef>
-              <a:buFont typeface="Arial"/>
-              <a:buNone/>
-              <a:defRPr sz="1600" kern="1200">
-                <a:solidFill>
-                  <a:schemeClr val="tx1"/>
-                </a:solidFill>
-                <a:latin typeface="+mn-lt"/>
-                <a:ea typeface="+mn-ea"/>
-                <a:cs typeface="+mn-cs"/>
-              </a:defRPr>
-            </a:lvl4pPr>
-            <a:lvl5pPr marL="1828846" indent="0" algn="ctr" defTabSz="914423" rtl="0" eaLnBrk="1" latinLnBrk="1" hangingPunct="1">
-              <a:lnSpc>
-                <a:spcPct val="90000"/>
-              </a:lnSpc>
-              <a:spcBef>
-                <a:spcPts val="500"/>
-              </a:spcBef>
-              <a:buFont typeface="Arial"/>
-              <a:buNone/>
-              <a:defRPr sz="1600" kern="1200">
-                <a:solidFill>
-                  <a:schemeClr val="tx1"/>
-                </a:solidFill>
-                <a:latin typeface="+mn-lt"/>
-                <a:ea typeface="+mn-ea"/>
-                <a:cs typeface="+mn-cs"/>
-              </a:defRPr>
-            </a:lvl5pPr>
-            <a:lvl6pPr marL="2286057" indent="0" algn="ctr" defTabSz="914423" rtl="0" eaLnBrk="1" latinLnBrk="1" hangingPunct="1">
-              <a:lnSpc>
-                <a:spcPct val="90000"/>
-              </a:lnSpc>
-              <a:spcBef>
-                <a:spcPts val="500"/>
-              </a:spcBef>
-              <a:buFont typeface="Arial"/>
-              <a:buNone/>
-              <a:defRPr sz="1600" kern="1200">
-                <a:solidFill>
-                  <a:schemeClr val="tx1"/>
-                </a:solidFill>
-                <a:latin typeface="+mn-lt"/>
-                <a:ea typeface="+mn-ea"/>
-                <a:cs typeface="+mn-cs"/>
-              </a:defRPr>
-            </a:lvl6pPr>
-            <a:lvl7pPr marL="2743269" indent="0" algn="ctr" defTabSz="914423" rtl="0" eaLnBrk="1" latinLnBrk="1" hangingPunct="1">
-              <a:lnSpc>
-                <a:spcPct val="90000"/>
-              </a:lnSpc>
-              <a:spcBef>
-                <a:spcPts val="500"/>
-              </a:spcBef>
-              <a:buFont typeface="Arial"/>
-              <a:buNone/>
-              <a:defRPr sz="1600" kern="1200">
-                <a:solidFill>
-                  <a:schemeClr val="tx1"/>
-                </a:solidFill>
-                <a:latin typeface="+mn-lt"/>
-                <a:ea typeface="+mn-ea"/>
-                <a:cs typeface="+mn-cs"/>
-              </a:defRPr>
-            </a:lvl7pPr>
-            <a:lvl8pPr marL="3200480" indent="0" algn="ctr" defTabSz="914423" rtl="0" eaLnBrk="1" latinLnBrk="1" hangingPunct="1">
-              <a:lnSpc>
-                <a:spcPct val="90000"/>
-              </a:lnSpc>
-              <a:spcBef>
-                <a:spcPts val="500"/>
-              </a:spcBef>
-              <a:buFont typeface="Arial"/>
-              <a:buNone/>
-              <a:defRPr sz="1600" kern="1200">
-                <a:solidFill>
-                  <a:schemeClr val="tx1"/>
-                </a:solidFill>
-                <a:latin typeface="+mn-lt"/>
-                <a:ea typeface="+mn-ea"/>
-                <a:cs typeface="+mn-cs"/>
-              </a:defRPr>
-            </a:lvl8pPr>
-            <a:lvl9pPr marL="3657691" indent="0" algn="ctr" defTabSz="914423" rtl="0" eaLnBrk="1" latinLnBrk="1" hangingPunct="1">
-              <a:lnSpc>
-                <a:spcPct val="90000"/>
-              </a:lnSpc>
-              <a:spcBef>
-                <a:spcPts val="500"/>
-              </a:spcBef>
-              <a:buFont typeface="Arial"/>
-              <a:buNone/>
-              <a:defRPr sz="1600" kern="1200">
-                <a:solidFill>
-                  <a:schemeClr val="tx1"/>
-                </a:solidFill>
-                <a:latin typeface="+mn-lt"/>
-                <a:ea typeface="+mn-ea"/>
-                <a:cs typeface="+mn-cs"/>
-              </a:defRPr>
-            </a:lvl9pPr>
-          </a:lstStyle>
-          <a:p>
-            <a:r>
-              <a:rPr lang="ko-KR" altLang="en-US" sz="4800" dirty="0">
-                <a:solidFill>
-                  <a:schemeClr val="bg1"/>
-                </a:solidFill>
-                <a:latin typeface="+mj-lt"/>
-                <a:ea typeface="맑은 고딕" charset="-127"/>
-                <a:cs typeface="맑은 고딕" charset="-127"/>
-              </a:rPr>
-              <a:t>계획 및 일정 수립</a:t>
-            </a:r>
+          <a:lstStyle/>
+          <a:p>
+            <a:pPr lvl="0">
+              <a:defRPr/>
+            </a:pPr>
+            <a:r>
+              <a:rPr lang="ko-KR" altLang="en-US"/>
+              <a:t>웨어러블 기기 분석 툴</a:t>
+            </a:r>
+            <a:endParaRPr lang="ko-KR" altLang="en-US"/>
+          </a:p>
+          <a:p>
+            <a:pPr lvl="0">
+              <a:defRPr/>
+            </a:pPr>
+            <a:endParaRPr lang="ko-KR" altLang="en-US"/>
+          </a:p>
+          <a:p>
+            <a:pPr marL="0" lvl="0" indent="0">
+              <a:buNone/>
+              <a:defRPr/>
+            </a:pPr>
+            <a:r>
+              <a:rPr lang="en-US" altLang="ko-KR"/>
+              <a:t> -</a:t>
+            </a:r>
+            <a:r>
+              <a:rPr lang="ko-KR" altLang="en-US"/>
+              <a:t> 웨어러블 기기는</a:t>
+            </a:r>
+            <a:r>
+              <a:rPr lang="en-US" altLang="ko-KR"/>
+              <a:t> </a:t>
+            </a:r>
+            <a:r>
+              <a:rPr lang="ko-KR" altLang="en-US"/>
+              <a:t>항상 착용중이고</a:t>
+            </a:r>
+            <a:r>
+              <a:rPr lang="en-US" altLang="ko-KR"/>
+              <a:t>,</a:t>
+            </a:r>
+            <a:r>
+              <a:rPr lang="ko-KR" altLang="en-US"/>
+              <a:t> 많은 양의 개인식별</a:t>
+            </a:r>
+            <a:r>
+              <a:rPr lang="en-US" altLang="ko-KR"/>
+              <a:t>,</a:t>
+            </a:r>
+            <a:r>
+              <a:rPr lang="ko-KR" altLang="en-US"/>
+              <a:t> 생체적</a:t>
+            </a:r>
+            <a:r>
+              <a:rPr lang="en-US" altLang="ko-KR"/>
+              <a:t>,</a:t>
+            </a:r>
+            <a:r>
+              <a:rPr lang="ko-KR" altLang="en-US"/>
+              <a:t> 지역적 데이터를 포함</a:t>
+            </a:r>
+            <a:endParaRPr lang="ko-KR" altLang="en-US"/>
+          </a:p>
+          <a:p>
+            <a:pPr marL="0" lvl="0" indent="0">
+              <a:buNone/>
+              <a:defRPr/>
+            </a:pPr>
+            <a:endParaRPr lang="ko-KR" altLang="en-US"/>
+          </a:p>
+          <a:p>
+            <a:pPr marL="0" lvl="0" indent="0">
+              <a:buNone/>
+              <a:defRPr/>
+            </a:pPr>
+            <a:r>
+              <a:rPr lang="ko-KR" altLang="en-US"/>
+              <a:t> </a:t>
+            </a:r>
+            <a:r>
+              <a:rPr lang="en-US" altLang="ko-KR"/>
+              <a:t>-</a:t>
+            </a:r>
+            <a:r>
+              <a:rPr lang="ko-KR" altLang="en-US"/>
+              <a:t> 이러한 기기들은 범죄수사에 큰 증거물이 될 수 있음</a:t>
+            </a:r>
+            <a:endParaRPr lang="ko-KR" altLang="en-US"/>
+          </a:p>
+          <a:p>
+            <a:pPr marL="0" lvl="0" indent="0">
+              <a:buNone/>
+              <a:defRPr/>
+            </a:pPr>
+            <a:endParaRPr lang="ko-KR" altLang="en-US"/>
+          </a:p>
+          <a:p>
+            <a:pPr marL="0" lvl="0" indent="0">
+              <a:buNone/>
+              <a:defRPr/>
+            </a:pPr>
+            <a:r>
+              <a:rPr lang="ko-KR" altLang="en-US"/>
+              <a:t> </a:t>
+            </a:r>
+            <a:r>
+              <a:rPr lang="en-US" altLang="ko-KR"/>
+              <a:t>-</a:t>
+            </a:r>
+            <a:r>
+              <a:rPr lang="ko-KR" altLang="en-US"/>
+              <a:t> 기기의 다양성</a:t>
+            </a:r>
+            <a:r>
+              <a:rPr lang="en-US" altLang="ko-KR"/>
+              <a:t>,</a:t>
+            </a:r>
+            <a:r>
+              <a:rPr lang="ko-KR" altLang="en-US"/>
+              <a:t> 기기의 빠른 발전</a:t>
+            </a:r>
+            <a:r>
+              <a:rPr lang="en-US" altLang="ko-KR"/>
+              <a:t>,</a:t>
+            </a:r>
+            <a:r>
+              <a:rPr lang="ko-KR" altLang="en-US"/>
+              <a:t> 데이터의 다양성</a:t>
+            </a:r>
+            <a:r>
+              <a:rPr lang="en-US" altLang="ko-KR"/>
+              <a:t>,</a:t>
+            </a:r>
+            <a:r>
+              <a:rPr lang="ko-KR" altLang="en-US"/>
+              <a:t> 보안적 특징</a:t>
+            </a:r>
+            <a:r>
+              <a:rPr lang="en-US" altLang="ko-KR"/>
+              <a:t>,</a:t>
+            </a:r>
+            <a:r>
+              <a:rPr lang="ko-KR" altLang="en-US"/>
+              <a:t> 안티포렌식 메커니즘 등의 이유로 분석에 어려움이 존재</a:t>
+            </a:r>
+            <a:endParaRPr lang="ko-KR" altLang="en-US"/>
+          </a:p>
+          <a:p>
+            <a:pPr marL="0" lvl="0" indent="0">
+              <a:buNone/>
+              <a:defRPr/>
+            </a:pPr>
+            <a:endParaRPr lang="ko-KR" altLang="en-US"/>
+          </a:p>
+          <a:p>
+            <a:pPr marL="0" lvl="0" indent="0">
+              <a:buNone/>
+              <a:defRPr/>
+            </a:pPr>
+            <a:r>
+              <a:rPr lang="ko-KR" altLang="en-US"/>
+              <a:t> </a:t>
+            </a:r>
+            <a:r>
+              <a:rPr lang="en-US" altLang="ko-KR"/>
+              <a:t>-</a:t>
+            </a:r>
+            <a:r>
+              <a:rPr lang="ko-KR" altLang="en-US"/>
+              <a:t> 위치정보</a:t>
+            </a:r>
+            <a:r>
+              <a:rPr lang="en-US" altLang="ko-KR"/>
+              <a:t>,</a:t>
+            </a:r>
+            <a:r>
+              <a:rPr lang="ko-KR" altLang="en-US"/>
+              <a:t> 메신저 사용 기록 및 내용</a:t>
+            </a:r>
+            <a:r>
+              <a:rPr lang="en-US" altLang="ko-KR"/>
+              <a:t>,</a:t>
+            </a:r>
+            <a:r>
+              <a:rPr lang="ko-KR" altLang="en-US"/>
+              <a:t>  페어링 된 기기의 </a:t>
+            </a:r>
+            <a:r>
+              <a:rPr lang="en-US" altLang="ko-KR"/>
+              <a:t>MAC</a:t>
+            </a:r>
+            <a:r>
+              <a:rPr lang="ko-KR" altLang="en-US"/>
+              <a:t>주소 등을 분석하여 제공</a:t>
+            </a:r>
+            <a:endParaRPr lang="ko-KR" altLang="en-US"/>
           </a:p>
         </p:txBody>
       </p:sp>
     </p:spTree>
-    <p:extLst>
-      <p:ext uri="{BB962C8B-B14F-4D97-AF65-F5344CB8AC3E}">
-        <p14:creationId xmlns:p14="http://schemas.microsoft.com/office/powerpoint/2010/main" val="641642769"/>
-      </p:ext>
-    </p:extLst>
   </p:cSld>
   <p:clrMapOvr>
     <a:masterClrMapping/>
   </p:clrMapOvr>
+  <mc:AlternateContent xmlns:mc="http://schemas.openxmlformats.org/markup-compatibility/2006">
+    <mc:Choice xmlns:p14="http://schemas.microsoft.com/office/powerpoint/2010/main" Requires="p14">
+      <p:transition xmlns:mc="http://schemas.openxmlformats.org/markup-compatibility/2006" xmlns:p14="http://schemas.microsoft.com/office/powerpoint/2010/main" mc:Ignorable="p14" p14:dur="500"/>
+    </mc:Choice>
+    <mc:Fallback>
+      <p:transition/>
+    </mc:Fallback>
+  </mc:AlternateContent>
+</p:sld>
+</file>
+
+<file path=ppt/slides/slide9.xml><?xml version="1.0" encoding="utf-8"?>
+<p:sld xmlns:r="http://schemas.openxmlformats.org/officeDocument/2006/relationships" xmlns:c="http://schemas.openxmlformats.org/drawingml/2006/chart" xmlns:a="http://schemas.openxmlformats.org/drawingml/2006/main" xmlns:dgm="http://schemas.openxmlformats.org/drawingml/2006/diagram" xmlns:dsp="http://schemas.microsoft.com/office/drawing/2008/diagram" xmlns:p="http://schemas.openxmlformats.org/presentationml/2006/main">
+  <p:cSld>
+    <p:spTree>
+      <p:nvGrpSpPr>
+        <p:cNvPr id="1" name=""/>
+        <p:cNvGrpSpPr/>
+        <p:nvPr/>
+      </p:nvGrpSpPr>
+      <p:grpSpPr>
+        <a:xfrm>
+          <a:off x="0" y="0"/>
+          <a:ext cx="0" cy="0"/>
+          <a:chOff x="0" y="0"/>
+          <a:chExt cx="0" cy="0"/>
+        </a:xfrm>
+      </p:grpSpPr>
+      <p:sp>
+        <p:nvSpPr>
+          <p:cNvPr id="4" name="직사각형 9"/>
+          <p:cNvSpPr/>
+          <p:nvPr/>
+        </p:nvSpPr>
+        <p:spPr>
+          <a:xfrm>
+            <a:off x="-1" y="0"/>
+            <a:ext cx="12192001" cy="1338109"/>
+          </a:xfrm>
+          <a:prstGeom prst="rect">
+            <a:avLst/>
+          </a:prstGeom>
+          <a:solidFill>
+            <a:schemeClr val="accent1">
+              <a:lumMod val="75000"/>
+            </a:schemeClr>
+          </a:solidFill>
+          <a:ln>
+            <a:noFill/>
+          </a:ln>
+        </p:spPr>
+        <p:style>
+          <a:lnRef idx="2">
+            <a:schemeClr val="accent1">
+              <a:shade val="50000"/>
+            </a:schemeClr>
+          </a:lnRef>
+          <a:fillRef idx="1">
+            <a:schemeClr val="accent1"/>
+          </a:fillRef>
+          <a:effectRef idx="0">
+            <a:schemeClr val="accent1"/>
+          </a:effectRef>
+          <a:fontRef idx="minor">
+            <a:schemeClr val="lt1"/>
+          </a:fontRef>
+        </p:style>
+        <p:txBody>
+          <a:bodyPr anchor="ctr"/>
+          <a:lstStyle/>
+          <a:p>
+            <a:pPr>
+              <a:defRPr/>
+            </a:pPr>
+            <a:r>
+              <a:rPr kumimoji="1" lang="en-US" altLang="ko-KR" sz="4800"/>
+              <a:t>1.</a:t>
+            </a:r>
+            <a:r>
+              <a:rPr kumimoji="1" lang="ko-KR" altLang="en-US" sz="4800"/>
+              <a:t> 아이디어 도출</a:t>
+            </a:r>
+            <a:endParaRPr kumimoji="1" lang="ko-KR" altLang="en-US" sz="4800"/>
+          </a:p>
+        </p:txBody>
+      </p:sp>
+      <p:sp>
+        <p:nvSpPr>
+          <p:cNvPr id="5" name="내용 개체 틀 4"/>
+          <p:cNvSpPr>
+            <a:spLocks noGrp="1"/>
+          </p:cNvSpPr>
+          <p:nvPr>
+            <p:ph idx="1"/>
+          </p:nvPr>
+        </p:nvSpPr>
+        <p:spPr>
+          <a:xfrm>
+            <a:off x="0" y="1561042"/>
+            <a:ext cx="12192000" cy="5296957"/>
+          </a:xfrm>
+        </p:spPr>
+        <p:txBody>
+          <a:bodyPr vert="horz" lIns="91440" tIns="45720" rIns="91440" bIns="45720">
+            <a:normAutofit lnSpcReduction="10000"/>
+          </a:bodyPr>
+          <a:lstStyle/>
+          <a:p>
+            <a:pPr lvl="0">
+              <a:defRPr/>
+            </a:pPr>
+            <a:r>
+              <a:rPr lang="ko-KR" altLang="en-US"/>
+              <a:t>클라우드 포렌식 툴</a:t>
+            </a:r>
+            <a:endParaRPr lang="ko-KR" altLang="en-US"/>
+          </a:p>
+          <a:p>
+            <a:pPr lvl="0">
+              <a:defRPr/>
+            </a:pPr>
+            <a:endParaRPr lang="ko-KR" altLang="en-US"/>
+          </a:p>
+          <a:p>
+            <a:pPr marL="0" lvl="0" indent="0">
+              <a:buNone/>
+              <a:defRPr/>
+            </a:pPr>
+            <a:r>
+              <a:rPr lang="en-US" altLang="ko-KR"/>
+              <a:t> </a:t>
+            </a:r>
+            <a:r>
+              <a:rPr lang="ko-KR" altLang="en-US"/>
+              <a:t> </a:t>
+            </a:r>
+            <a:r>
+              <a:rPr lang="en-US" altLang="ko-KR"/>
+              <a:t>-</a:t>
+            </a:r>
+            <a:r>
+              <a:rPr lang="ko-KR" altLang="en-US"/>
+              <a:t> 계정의 동기화 기능은 뛰어난 접근성과 편의성을 제공하며 이러한 특징으로 클라우드 서비스의 이용 증가</a:t>
+            </a:r>
+            <a:endParaRPr lang="ko-KR" altLang="en-US"/>
+          </a:p>
+          <a:p>
+            <a:pPr marL="0" lvl="0" indent="0">
+              <a:buNone/>
+              <a:defRPr/>
+            </a:pPr>
+            <a:endParaRPr lang="ko-KR" altLang="en-US"/>
+          </a:p>
+          <a:p>
+            <a:pPr marL="0" lvl="0" indent="0">
+              <a:buNone/>
+              <a:defRPr/>
+            </a:pPr>
+            <a:r>
+              <a:rPr lang="ko-KR" altLang="en-US"/>
+              <a:t> </a:t>
+            </a:r>
+            <a:r>
+              <a:rPr lang="en-US" altLang="ko-KR"/>
+              <a:t>-</a:t>
+            </a:r>
+            <a:r>
+              <a:rPr lang="ko-KR" altLang="en-US"/>
+              <a:t> 포렌식 조사과정시 파일이 해당기기에서 생성된 것인지 또는 외부기기로부터 동기화 된 것인지에 대해 명확히 해야 하는 어려움 존재</a:t>
+            </a:r>
+            <a:endParaRPr lang="ko-KR" altLang="en-US"/>
+          </a:p>
+          <a:p>
+            <a:pPr marL="0" lvl="0" indent="0">
+              <a:buNone/>
+              <a:defRPr/>
+            </a:pPr>
+            <a:endParaRPr lang="ko-KR" altLang="en-US"/>
+          </a:p>
+          <a:p>
+            <a:pPr marL="0" lvl="0" indent="0">
+              <a:buNone/>
+              <a:defRPr/>
+            </a:pPr>
+            <a:r>
+              <a:rPr lang="ko-KR" altLang="en-US"/>
+              <a:t> </a:t>
+            </a:r>
+            <a:r>
+              <a:rPr lang="en-US" altLang="ko-KR"/>
+              <a:t>-</a:t>
+            </a:r>
+            <a:r>
+              <a:rPr lang="ko-KR" altLang="en-US"/>
+              <a:t> </a:t>
+            </a:r>
+            <a:endParaRPr lang="ko-KR" altLang="en-US"/>
+          </a:p>
+        </p:txBody>
+      </p:sp>
+    </p:spTree>
+  </p:cSld>
+  <p:clrMapOvr>
+    <a:masterClrMapping/>
+  </p:clrMapOvr>
+  <mc:AlternateContent xmlns:mc="http://schemas.openxmlformats.org/markup-compatibility/2006">
+    <mc:Choice xmlns:p14="http://schemas.microsoft.com/office/powerpoint/2010/main" Requires="p14">
+      <p:transition xmlns:mc="http://schemas.openxmlformats.org/markup-compatibility/2006" xmlns:p14="http://schemas.microsoft.com/office/powerpoint/2010/main" mc:Ignorable="p14" p14:dur="500"/>
+    </mc:Choice>
+    <mc:Fallback>
+      <p:transition/>
+    </mc:Fallback>
+  </mc:AlternateContent>
 </p:sld>
 </file>
 

--- a/2021_Summer/jp.hong/Project_BnD_jph.pptx
+++ b/2021_Summer/jp.hong/Project_BnD_jph.pptx
@@ -2,7 +2,7 @@
 <file path=ppt/presentation.xml><?xml version="1.0" encoding="utf-8"?>
 <p:presentation xmlns:r="http://schemas.openxmlformats.org/officeDocument/2006/relationships" xmlns:c="http://schemas.openxmlformats.org/drawingml/2006/chart" xmlns:a="http://schemas.openxmlformats.org/drawingml/2006/main" xmlns:dgm="http://schemas.openxmlformats.org/drawingml/2006/diagram" xmlns:dsp="http://schemas.microsoft.com/office/drawing/2008/diagram" xmlns:p="http://schemas.openxmlformats.org/presentationml/2006/main">
   <p:sldMasterIdLst>
-    <p:sldMasterId id="2147483683" r:id="rId1"/>
+    <p:sldMasterId id="2147483678" r:id="rId1"/>
   </p:sldMasterIdLst>
   <p:sldIdLst>
     <p:sldId id="261" r:id="rId2"/>
@@ -4523,11 +4523,11 @@
             </a:pPr>
             <a:r>
               <a:rPr kumimoji="1" lang="en-US" altLang="ko-KR" sz="4800"/>
-              <a:t>1.</a:t>
+              <a:t>2.</a:t>
             </a:r>
             <a:r>
               <a:rPr kumimoji="1" lang="ko-KR" altLang="en-US" sz="4800"/>
-              <a:t> 아이디어 도출</a:t>
+              <a:t> 요구사항 정의</a:t>
             </a:r>
             <a:endParaRPr kumimoji="1" lang="ko-KR" altLang="en-US" sz="4800"/>
           </a:p>
@@ -4560,89 +4560,150 @@
             </a:pPr>
             <a:r>
               <a:rPr lang="ko-KR" altLang="en-US"/>
-              <a:t>클라우드 포렌식 툴</a:t>
+              <a:t>바이너리 파일 데이터 분석 프로그램</a:t>
             </a:r>
             <a:endParaRPr lang="ko-KR" altLang="en-US"/>
+          </a:p>
+          <a:p>
+            <a:pPr marL="0" lvl="0" indent="0">
+              <a:buNone/>
+              <a:defRPr/>
+            </a:pPr>
+            <a:endParaRPr lang="ko-KR" altLang="en-US"/>
+          </a:p>
+          <a:p>
+            <a:pPr marL="0" lvl="0" indent="0">
+              <a:buNone/>
+              <a:defRPr/>
+            </a:pPr>
+            <a:r>
+              <a:rPr lang="ko-KR" altLang="en-US"/>
+              <a:t> </a:t>
+            </a:r>
+            <a:r>
+              <a:rPr lang="en-US" altLang="ko-KR"/>
+              <a:t>-</a:t>
+            </a:r>
+            <a:r>
+              <a:rPr lang="ko-KR" altLang="en-US"/>
+              <a:t> 디스크를 분석할 지 파일을 분석할 지 선택받아야 함</a:t>
+            </a:r>
+            <a:endParaRPr lang="ko-KR" altLang="en-US"/>
+          </a:p>
+          <a:p>
+            <a:pPr marL="0" lvl="0" indent="0">
+              <a:buNone/>
+              <a:defRPr/>
+            </a:pPr>
+            <a:r>
+              <a:rPr lang="ko-KR" altLang="en-US"/>
+              <a:t> </a:t>
+            </a:r>
+            <a:r>
+              <a:rPr lang="en-US" altLang="ko-KR"/>
+              <a:t>-</a:t>
+            </a:r>
+            <a:r>
+              <a:rPr lang="ko-KR" altLang="en-US"/>
+              <a:t> 올바른 위치의 바이너리 값을 정확하게 분석해야 함</a:t>
+            </a:r>
+            <a:endParaRPr lang="ko-KR" altLang="en-US"/>
+          </a:p>
+          <a:p>
+            <a:pPr marL="0" lvl="0" indent="0">
+              <a:buNone/>
+              <a:defRPr/>
+            </a:pPr>
+            <a:r>
+              <a:rPr lang="ko-KR" altLang="en-US"/>
+              <a:t> </a:t>
+            </a:r>
+            <a:r>
+              <a:rPr lang="en-US" altLang="ko-KR"/>
+              <a:t>-</a:t>
+            </a:r>
+            <a:r>
+              <a:rPr lang="ko-KR" altLang="en-US"/>
+              <a:t> </a:t>
+            </a:r>
+            <a:r>
+              <a:rPr lang="en-US" altLang="ko-KR"/>
+              <a:t>CLI</a:t>
+            </a:r>
+            <a:r>
+              <a:rPr lang="ko-KR" altLang="en-US"/>
+              <a:t>화면에서 동작</a:t>
+            </a:r>
+            <a:endParaRPr lang="ko-KR" altLang="en-US"/>
+          </a:p>
+          <a:p>
+            <a:pPr marL="0" lvl="0" indent="0">
+              <a:buNone/>
+              <a:defRPr/>
+            </a:pPr>
+            <a:r>
+              <a:rPr lang="ko-KR" altLang="en-US"/>
+              <a:t> </a:t>
+            </a:r>
+            <a:r>
+              <a:rPr lang="en-US" altLang="ko-KR"/>
+              <a:t>-</a:t>
+            </a:r>
+            <a:r>
+              <a:rPr lang="ko-KR" altLang="en-US"/>
+              <a:t> </a:t>
+            </a:r>
+            <a:r>
+              <a:rPr lang="en-US" altLang="ko-KR"/>
+              <a:t>help</a:t>
+            </a:r>
+            <a:r>
+              <a:rPr lang="ko-KR" altLang="en-US"/>
+              <a:t>명령어 사용으로 다른 명령어들의 사용법과 설명을 볼 수 있음</a:t>
+            </a:r>
+            <a:endParaRPr lang="ko-KR" altLang="en-US"/>
+          </a:p>
+          <a:p>
+            <a:pPr marL="0" lvl="0" indent="0">
+              <a:buNone/>
+              <a:defRPr/>
+            </a:pPr>
+            <a:endParaRPr lang="ko-KR" altLang="en-US"/>
+          </a:p>
+          <a:p>
+            <a:pPr marL="0" lvl="0" indent="0">
+              <a:buNone/>
+              <a:defRPr/>
+            </a:pPr>
+            <a:endParaRPr lang="ko-KR" altLang="en-US"/>
+          </a:p>
+          <a:p>
+            <a:pPr marL="0" lvl="0" indent="0">
+              <a:buNone/>
+              <a:defRPr/>
+            </a:pPr>
+            <a:r>
+              <a:rPr lang="ko-KR" altLang="en-US"/>
+              <a:t> </a:t>
+            </a:r>
+            <a:r>
+              <a:rPr lang="en-US" altLang="ko-KR"/>
+              <a:t>-</a:t>
+            </a:r>
+            <a:r>
+              <a:rPr lang="ko-KR" altLang="en-US"/>
+              <a:t> </a:t>
+            </a:r>
+            <a:r>
+              <a:rPr lang="en-US" altLang="ko-KR"/>
+              <a:t>파이썬 바이너리 파일 r/w</a:t>
+            </a:r>
+            <a:endParaRPr lang="en-US" altLang="ko-KR"/>
           </a:p>
           <a:p>
             <a:pPr lvl="0">
               <a:defRPr/>
             </a:pPr>
-            <a:endParaRPr lang="ko-KR" altLang="en-US"/>
-          </a:p>
-          <a:p>
-            <a:pPr marL="0" lvl="0" indent="0">
-              <a:buNone/>
-              <a:defRPr/>
-            </a:pPr>
-            <a:r>
-              <a:rPr lang="en-US" altLang="ko-KR"/>
-              <a:t> </a:t>
-            </a:r>
-            <a:r>
-              <a:rPr lang="ko-KR" altLang="en-US"/>
-              <a:t> </a:t>
-            </a:r>
-            <a:r>
-              <a:rPr lang="en-US" altLang="ko-KR"/>
-              <a:t>-</a:t>
-            </a:r>
-            <a:r>
-              <a:rPr lang="ko-KR" altLang="en-US"/>
-              <a:t> 계정의 동기화 기능은 뛰어난 접근성과 편의성을 제공하며 이러한 특징으로 클라우드 서비스의 이용 증가</a:t>
-            </a:r>
-            <a:endParaRPr lang="ko-KR" altLang="en-US"/>
-          </a:p>
-          <a:p>
-            <a:pPr marL="0" lvl="0" indent="0">
-              <a:buNone/>
-              <a:defRPr/>
-            </a:pPr>
-            <a:endParaRPr lang="ko-KR" altLang="en-US"/>
-          </a:p>
-          <a:p>
-            <a:pPr marL="0" lvl="0" indent="0">
-              <a:buNone/>
-              <a:defRPr/>
-            </a:pPr>
-            <a:r>
-              <a:rPr lang="ko-KR" altLang="en-US"/>
-              <a:t> </a:t>
-            </a:r>
-            <a:r>
-              <a:rPr lang="en-US" altLang="ko-KR"/>
-              <a:t>-</a:t>
-            </a:r>
-            <a:r>
-              <a:rPr lang="ko-KR" altLang="en-US"/>
-              <a:t> 포렌식 조사과정시 파일이 해당기기에서 생성된 것인지 또는 외부기기로부터 동기화 된 것인지에 대해 명확히 해야 하는 어려움 존재</a:t>
-            </a:r>
-            <a:endParaRPr lang="ko-KR" altLang="en-US"/>
-          </a:p>
-          <a:p>
-            <a:pPr marL="0" lvl="0" indent="0">
-              <a:buNone/>
-              <a:defRPr/>
-            </a:pPr>
-            <a:endParaRPr lang="ko-KR" altLang="en-US"/>
-          </a:p>
-          <a:p>
-            <a:pPr marL="0" lvl="0" indent="0">
-              <a:buNone/>
-              <a:defRPr/>
-            </a:pPr>
-            <a:r>
-              <a:rPr lang="ko-KR" altLang="en-US"/>
-              <a:t> </a:t>
-            </a:r>
-            <a:r>
-              <a:rPr lang="en-US" altLang="ko-KR"/>
-              <a:t>-</a:t>
-            </a:r>
-            <a:r>
-              <a:rPr lang="ko-KR" altLang="en-US"/>
-              <a:t> </a:t>
-            </a:r>
             <a:endParaRPr lang="ko-KR" altLang="en-US"/>
           </a:p>
         </p:txBody>
@@ -10245,12 +10306,12 @@
             <a:avLst/>
           </a:prstGeom>
           <a:solidFill>
-            <a:schemeClr val="accent1">
-              <a:lumMod val="75000"/>
-            </a:schemeClr>
+            <a:schemeClr val="accent2"/>
           </a:solidFill>
           <a:ln>
-            <a:noFill/>
+            <a:solidFill>
+              <a:schemeClr val="accent2"/>
+            </a:solidFill>
           </a:ln>
         </p:spPr>
         <p:style>
@@ -10513,9 +10574,7 @@
               <a:buNone/>
               <a:defRPr/>
             </a:pPr>
-            <a:endParaRPr lang="ko-KR" altLang="en-US">
-              <a:hlinkClick r:id="rId2"/>
-            </a:endParaRPr>
+            <a:endParaRPr lang="ko-KR" altLang="en-US"/>
           </a:p>
           <a:p>
             <a:pPr marL="0" lvl="0" indent="0">
@@ -11319,6 +11378,41 @@
             <a:r>
               <a:rPr lang="ko-KR" altLang="en-US"/>
               <a:t> </a:t>
+            </a:r>
+            <a:r>
+              <a:rPr lang="en-US" altLang="ko-KR"/>
+              <a:t>Google </a:t>
+            </a:r>
+            <a:r>
+              <a:rPr lang="ko-KR" altLang="en-US"/>
+              <a:t>드라이브</a:t>
+            </a:r>
+            <a:r>
+              <a:rPr lang="en-US" altLang="ko-KR"/>
+              <a:t>,</a:t>
+            </a:r>
+            <a:r>
+              <a:rPr lang="ko-KR" altLang="en-US"/>
+              <a:t> </a:t>
+            </a:r>
+            <a:r>
+              <a:rPr lang="en-US" altLang="ko-KR"/>
+              <a:t>Dropbox</a:t>
+            </a:r>
+            <a:r>
+              <a:rPr lang="ko-KR" altLang="en-US"/>
+              <a:t> 등과 같은 외국기업의 클라우드는 이미지 </a:t>
+            </a:r>
+            <a:endParaRPr lang="ko-KR" altLang="en-US"/>
+          </a:p>
+          <a:p>
+            <a:pPr marL="0" lvl="0" indent="0">
+              <a:buNone/>
+              <a:defRPr/>
+            </a:pPr>
+            <a:r>
+              <a:rPr lang="ko-KR" altLang="en-US"/>
+              <a:t>파일을 얻기 힘듬</a:t>
             </a:r>
             <a:endParaRPr lang="ko-KR" altLang="en-US"/>
           </a:p>

--- a/2021_Summer/jp.hong/Project_BnD_jph.pptx
+++ b/2021_Summer/jp.hong/Project_BnD_jph.pptx
@@ -2,7 +2,7 @@
 <file path=ppt/presentation.xml><?xml version="1.0" encoding="utf-8"?>
 <p:presentation xmlns:r="http://schemas.openxmlformats.org/officeDocument/2006/relationships" xmlns:c="http://schemas.openxmlformats.org/drawingml/2006/chart" xmlns:a="http://schemas.openxmlformats.org/drawingml/2006/main" xmlns:dgm="http://schemas.openxmlformats.org/drawingml/2006/diagram" xmlns:dsp="http://schemas.microsoft.com/office/drawing/2008/diagram" xmlns:p="http://schemas.openxmlformats.org/presentationml/2006/main">
   <p:sldMasterIdLst>
-    <p:sldMasterId id="2147483678" r:id="rId1"/>
+    <p:sldMasterId id="2147483679" r:id="rId1"/>
   </p:sldMasterIdLst>
   <p:sldIdLst>
     <p:sldId id="261" r:id="rId2"/>
@@ -14,20 +14,25 @@
     <p:sldId id="321" r:id="rId8"/>
     <p:sldId id="323" r:id="rId9"/>
     <p:sldId id="324" r:id="rId10"/>
-    <p:sldId id="288" r:id="rId11"/>
-    <p:sldId id="325" r:id="rId12"/>
-    <p:sldId id="289" r:id="rId13"/>
-    <p:sldId id="297" r:id="rId14"/>
-    <p:sldId id="290" r:id="rId15"/>
-    <p:sldId id="298" r:id="rId16"/>
-    <p:sldId id="291" r:id="rId17"/>
-    <p:sldId id="299" r:id="rId18"/>
-    <p:sldId id="292" r:id="rId19"/>
-    <p:sldId id="300" r:id="rId20"/>
-    <p:sldId id="306" r:id="rId21"/>
-    <p:sldId id="307" r:id="rId22"/>
-    <p:sldId id="294" r:id="rId23"/>
-    <p:sldId id="302" r:id="rId24"/>
+    <p:sldId id="326" r:id="rId11"/>
+    <p:sldId id="327" r:id="rId12"/>
+    <p:sldId id="328" r:id="rId13"/>
+    <p:sldId id="329" r:id="rId14"/>
+    <p:sldId id="288" r:id="rId15"/>
+    <p:sldId id="325" r:id="rId16"/>
+    <p:sldId id="330" r:id="rId17"/>
+    <p:sldId id="289" r:id="rId18"/>
+    <p:sldId id="297" r:id="rId19"/>
+    <p:sldId id="290" r:id="rId20"/>
+    <p:sldId id="298" r:id="rId21"/>
+    <p:sldId id="291" r:id="rId22"/>
+    <p:sldId id="299" r:id="rId23"/>
+    <p:sldId id="292" r:id="rId24"/>
+    <p:sldId id="300" r:id="rId25"/>
+    <p:sldId id="306" r:id="rId26"/>
+    <p:sldId id="307" r:id="rId27"/>
+    <p:sldId id="294" r:id="rId28"/>
+    <p:sldId id="302" r:id="rId29"/>
   </p:sldIdLst>
   <p:sldSz cx="12192000" cy="6858000"/>
   <p:notesSz cx="7104063" cy="10234613"/>
@@ -4185,13 +4190,13 @@
       </p:grpSpPr>
       <p:sp>
         <p:nvSpPr>
-          <p:cNvPr id="10" name="직사각형 9"/>
+          <p:cNvPr id="4" name="직사각형 9"/>
           <p:cNvSpPr/>
           <p:nvPr/>
         </p:nvSpPr>
         <p:spPr>
           <a:xfrm>
-            <a:off x="-1" y="2398426"/>
+            <a:off x="-1" y="0"/>
             <a:ext cx="12192001" cy="1338109"/>
           </a:xfrm>
           <a:prstGeom prst="rect">
@@ -4226,219 +4231,231 @@
           <a:bodyPr anchor="ctr"/>
           <a:lstStyle/>
           <a:p>
-            <a:pPr algn="ctr">
+            <a:pPr>
               <a:defRPr/>
             </a:pPr>
-            <a:endParaRPr kumimoji="1" lang="ko-KR" altLang="en-US"/>
+            <a:r>
+              <a:rPr kumimoji="1" lang="en-US" altLang="ko-KR" sz="4800"/>
+              <a:t>1.</a:t>
+            </a:r>
+            <a:r>
+              <a:rPr kumimoji="1" lang="ko-KR" altLang="en-US" sz="4800"/>
+              <a:t> 아이디어 도출</a:t>
+            </a:r>
+            <a:endParaRPr kumimoji="1" lang="ko-KR" altLang="en-US" sz="4800"/>
           </a:p>
         </p:txBody>
       </p:sp>
       <p:sp>
         <p:nvSpPr>
-          <p:cNvPr id="12" name="부제목 2"/>
-          <p:cNvSpPr txBox="1"/>
-          <p:nvPr/>
+          <p:cNvPr id="5" name="내용 개체 틀 4"/>
+          <p:cNvSpPr>
+            <a:spLocks noGrp="1"/>
+          </p:cNvSpPr>
+          <p:nvPr>
+            <p:ph idx="1"/>
+          </p:nvPr>
         </p:nvSpPr>
         <p:spPr>
           <a:xfrm>
-            <a:off x="1" y="2608234"/>
-            <a:ext cx="12192000" cy="754314"/>
+            <a:off x="0" y="1561042"/>
+            <a:ext cx="12192000" cy="5296957"/>
           </a:xfrm>
-          <a:prstGeom prst="rect">
-            <a:avLst/>
-          </a:prstGeom>
         </p:spPr>
         <p:txBody>
-          <a:bodyPr vert="horz" lIns="91440" tIns="45720" rIns="91440" bIns="45720" anchor="ctr">
-            <a:noAutofit/>
+          <a:bodyPr vert="horz" lIns="91440" tIns="45720" rIns="91440" bIns="45720">
+            <a:normAutofit lnSpcReduction="10000"/>
           </a:bodyPr>
-          <a:lstStyle>
-            <a:lvl1pPr marL="0" indent="0" algn="ctr" defTabSz="914423" rtl="0" eaLnBrk="1" latinLnBrk="1" hangingPunct="1">
-              <a:lnSpc>
-                <a:spcPct val="90000"/>
-              </a:lnSpc>
-              <a:spcBef>
-                <a:spcPts val="1001"/>
-              </a:spcBef>
-              <a:buFont typeface="Arial"/>
-              <a:buNone/>
-              <a:defRPr sz="2400" kern="1200">
-                <a:solidFill>
-                  <a:schemeClr val="tx1"/>
-                </a:solidFill>
-                <a:latin typeface="+mn-lt"/>
-                <a:ea typeface="+mn-ea"/>
-                <a:cs typeface="+mn-cs"/>
-              </a:defRPr>
-            </a:lvl1pPr>
-            <a:lvl2pPr marL="457211" indent="0" algn="ctr" defTabSz="914423" rtl="0" eaLnBrk="1" latinLnBrk="1" hangingPunct="1">
-              <a:lnSpc>
-                <a:spcPct val="90000"/>
-              </a:lnSpc>
-              <a:spcBef>
-                <a:spcPts val="500"/>
-              </a:spcBef>
-              <a:buFont typeface="Arial"/>
-              <a:buNone/>
-              <a:defRPr sz="2000" kern="1200">
-                <a:solidFill>
-                  <a:schemeClr val="tx1"/>
-                </a:solidFill>
-                <a:latin typeface="+mn-lt"/>
-                <a:ea typeface="+mn-ea"/>
-                <a:cs typeface="+mn-cs"/>
-              </a:defRPr>
-            </a:lvl2pPr>
-            <a:lvl3pPr marL="914423" indent="0" algn="ctr" defTabSz="914423" rtl="0" eaLnBrk="1" latinLnBrk="1" hangingPunct="1">
-              <a:lnSpc>
-                <a:spcPct val="90000"/>
-              </a:lnSpc>
-              <a:spcBef>
-                <a:spcPts val="500"/>
-              </a:spcBef>
-              <a:buFont typeface="Arial"/>
-              <a:buNone/>
-              <a:defRPr sz="1801" kern="1200">
-                <a:solidFill>
-                  <a:schemeClr val="tx1"/>
-                </a:solidFill>
-                <a:latin typeface="+mn-lt"/>
-                <a:ea typeface="+mn-ea"/>
-                <a:cs typeface="+mn-cs"/>
-              </a:defRPr>
-            </a:lvl3pPr>
-            <a:lvl4pPr marL="1371634" indent="0" algn="ctr" defTabSz="914423" rtl="0" eaLnBrk="1" latinLnBrk="1" hangingPunct="1">
-              <a:lnSpc>
-                <a:spcPct val="90000"/>
-              </a:lnSpc>
-              <a:spcBef>
-                <a:spcPts val="500"/>
-              </a:spcBef>
-              <a:buFont typeface="Arial"/>
-              <a:buNone/>
-              <a:defRPr sz="1600" kern="1200">
-                <a:solidFill>
-                  <a:schemeClr val="tx1"/>
-                </a:solidFill>
-                <a:latin typeface="+mn-lt"/>
-                <a:ea typeface="+mn-ea"/>
-                <a:cs typeface="+mn-cs"/>
-              </a:defRPr>
-            </a:lvl4pPr>
-            <a:lvl5pPr marL="1828846" indent="0" algn="ctr" defTabSz="914423" rtl="0" eaLnBrk="1" latinLnBrk="1" hangingPunct="1">
-              <a:lnSpc>
-                <a:spcPct val="90000"/>
-              </a:lnSpc>
-              <a:spcBef>
-                <a:spcPts val="500"/>
-              </a:spcBef>
-              <a:buFont typeface="Arial"/>
-              <a:buNone/>
-              <a:defRPr sz="1600" kern="1200">
-                <a:solidFill>
-                  <a:schemeClr val="tx1"/>
-                </a:solidFill>
-                <a:latin typeface="+mn-lt"/>
-                <a:ea typeface="+mn-ea"/>
-                <a:cs typeface="+mn-cs"/>
-              </a:defRPr>
-            </a:lvl5pPr>
-            <a:lvl6pPr marL="2286057" indent="0" algn="ctr" defTabSz="914423" rtl="0" eaLnBrk="1" latinLnBrk="1" hangingPunct="1">
-              <a:lnSpc>
-                <a:spcPct val="90000"/>
-              </a:lnSpc>
-              <a:spcBef>
-                <a:spcPts val="500"/>
-              </a:spcBef>
-              <a:buFont typeface="Arial"/>
-              <a:buNone/>
-              <a:defRPr sz="1600" kern="1200">
-                <a:solidFill>
-                  <a:schemeClr val="tx1"/>
-                </a:solidFill>
-                <a:latin typeface="+mn-lt"/>
-                <a:ea typeface="+mn-ea"/>
-                <a:cs typeface="+mn-cs"/>
-              </a:defRPr>
-            </a:lvl6pPr>
-            <a:lvl7pPr marL="2743269" indent="0" algn="ctr" defTabSz="914423" rtl="0" eaLnBrk="1" latinLnBrk="1" hangingPunct="1">
-              <a:lnSpc>
-                <a:spcPct val="90000"/>
-              </a:lnSpc>
-              <a:spcBef>
-                <a:spcPts val="500"/>
-              </a:spcBef>
-              <a:buFont typeface="Arial"/>
-              <a:buNone/>
-              <a:defRPr sz="1600" kern="1200">
-                <a:solidFill>
-                  <a:schemeClr val="tx1"/>
-                </a:solidFill>
-                <a:latin typeface="+mn-lt"/>
-                <a:ea typeface="+mn-ea"/>
-                <a:cs typeface="+mn-cs"/>
-              </a:defRPr>
-            </a:lvl7pPr>
-            <a:lvl8pPr marL="3200480" indent="0" algn="ctr" defTabSz="914423" rtl="0" eaLnBrk="1" latinLnBrk="1" hangingPunct="1">
-              <a:lnSpc>
-                <a:spcPct val="90000"/>
-              </a:lnSpc>
-              <a:spcBef>
-                <a:spcPts val="500"/>
-              </a:spcBef>
-              <a:buFont typeface="Arial"/>
-              <a:buNone/>
-              <a:defRPr sz="1600" kern="1200">
-                <a:solidFill>
-                  <a:schemeClr val="tx1"/>
-                </a:solidFill>
-                <a:latin typeface="+mn-lt"/>
-                <a:ea typeface="+mn-ea"/>
-                <a:cs typeface="+mn-cs"/>
-              </a:defRPr>
-            </a:lvl8pPr>
-            <a:lvl9pPr marL="3657691" indent="0" algn="ctr" defTabSz="914423" rtl="0" eaLnBrk="1" latinLnBrk="1" hangingPunct="1">
-              <a:lnSpc>
-                <a:spcPct val="90000"/>
-              </a:lnSpc>
-              <a:spcBef>
-                <a:spcPts val="500"/>
-              </a:spcBef>
-              <a:buFont typeface="Arial"/>
-              <a:buNone/>
-              <a:defRPr sz="1600" kern="1200">
-                <a:solidFill>
-                  <a:schemeClr val="tx1"/>
-                </a:solidFill>
-                <a:latin typeface="+mn-lt"/>
-                <a:ea typeface="+mn-ea"/>
-                <a:cs typeface="+mn-cs"/>
-              </a:defRPr>
-            </a:lvl9pPr>
-          </a:lstStyle>
+          <a:lstStyle/>
           <a:p>
             <a:pPr lvl="0">
               <a:defRPr/>
             </a:pPr>
             <a:r>
-              <a:rPr lang="ko-KR" altLang="en-US" sz="4800">
-                <a:solidFill>
-                  <a:schemeClr val="bg1"/>
-                </a:solidFill>
-                <a:latin typeface="+mj-lt"/>
-                <a:ea typeface="맑은 고딕"/>
-                <a:cs typeface="맑은 고딕"/>
-              </a:rPr>
-              <a:t>요구사항 정의</a:t>
-            </a:r>
-            <a:endParaRPr lang="ko-KR" altLang="en-US" sz="4800">
-              <a:solidFill>
-                <a:schemeClr val="bg1"/>
-              </a:solidFill>
-              <a:latin typeface="+mj-lt"/>
-              <a:ea typeface="맑은 고딕"/>
-              <a:cs typeface="맑은 고딕"/>
-            </a:endParaRPr>
+              <a:rPr lang="ko-KR" altLang="en-US"/>
+              <a:t>사용자 기록 추적 프로그램</a:t>
+            </a:r>
+            <a:endParaRPr lang="ko-KR" altLang="en-US"/>
+          </a:p>
+          <a:p>
+            <a:pPr lvl="0">
+              <a:defRPr/>
+            </a:pPr>
+            <a:endParaRPr lang="ko-KR" altLang="en-US"/>
+          </a:p>
+          <a:p>
+            <a:pPr lvl="0">
+              <a:defRPr/>
+            </a:pPr>
+            <a:r>
+              <a:rPr lang="ko-KR" altLang="en-US"/>
+              <a:t>기록을 확인하고 싶은 매체의 종류 선택한다</a:t>
+            </a:r>
+            <a:r>
+              <a:rPr lang="en-US" altLang="ko-KR"/>
+              <a:t>.</a:t>
+            </a:r>
+            <a:endParaRPr lang="en-US" altLang="ko-KR"/>
+          </a:p>
+          <a:p>
+            <a:pPr marL="0" lvl="0" indent="0">
+              <a:buNone/>
+              <a:defRPr/>
+            </a:pPr>
+            <a:r>
+              <a:rPr lang="ko-KR" altLang="en-US"/>
+              <a:t> </a:t>
+            </a:r>
+            <a:r>
+              <a:rPr lang="en-US" altLang="ko-KR"/>
+              <a:t>-</a:t>
+            </a:r>
+            <a:r>
+              <a:rPr lang="ko-KR" altLang="en-US"/>
+              <a:t> </a:t>
+            </a:r>
+            <a:r>
+              <a:rPr lang="en-US" altLang="ko-KR"/>
+              <a:t>USB,</a:t>
+            </a:r>
+            <a:r>
+              <a:rPr lang="ko-KR" altLang="en-US"/>
+              <a:t> 문서파일 사용기록</a:t>
+            </a:r>
+            <a:r>
+              <a:rPr lang="en-US" altLang="ko-KR"/>
+              <a:t>,</a:t>
+            </a:r>
+            <a:r>
+              <a:rPr lang="ko-KR" altLang="en-US"/>
+              <a:t> 크롬 사용기록</a:t>
+            </a:r>
+            <a:r>
+              <a:rPr lang="en-US" altLang="ko-KR"/>
+              <a:t>,</a:t>
+            </a:r>
+            <a:r>
+              <a:rPr lang="ko-KR" altLang="en-US"/>
+              <a:t> 응용 프로그램 기록</a:t>
+            </a:r>
+            <a:r>
+              <a:rPr lang="en-US" altLang="ko-KR"/>
+              <a:t> </a:t>
+            </a:r>
+            <a:r>
+              <a:rPr lang="ko-KR" altLang="en-US"/>
+              <a:t>등</a:t>
+            </a:r>
+            <a:endParaRPr lang="ko-KR" altLang="en-US"/>
+          </a:p>
+          <a:p>
+            <a:pPr lvl="0">
+              <a:defRPr/>
+            </a:pPr>
+            <a:r>
+              <a:rPr lang="ko-KR" altLang="en-US"/>
+              <a:t>추출할 데이터 종류를 선별하여 엑셀 파일로 정보 출력</a:t>
+            </a:r>
+            <a:endParaRPr lang="ko-KR" altLang="en-US"/>
+          </a:p>
+          <a:p>
+            <a:pPr lvl="0">
+              <a:defRPr/>
+            </a:pPr>
+            <a:endParaRPr lang="ko-KR" altLang="en-US"/>
+          </a:p>
+          <a:p>
+            <a:pPr lvl="0">
+              <a:defRPr/>
+            </a:pPr>
+            <a:r>
+              <a:rPr lang="ko-KR" altLang="en-US"/>
+              <a:t>상용화 </a:t>
+            </a:r>
+            <a:r>
+              <a:rPr lang="en-US" altLang="ko-KR"/>
+              <a:t>X</a:t>
+            </a:r>
+            <a:r>
+              <a:rPr lang="ko-KR" altLang="en-US"/>
+              <a:t> </a:t>
+            </a:r>
+            <a:r>
+              <a:rPr lang="en-US" altLang="ko-KR"/>
+              <a:t>---&gt;</a:t>
+            </a:r>
+            <a:r>
+              <a:rPr lang="ko-KR" altLang="en-US"/>
+              <a:t> 내가 사용할 것</a:t>
+            </a:r>
+            <a:endParaRPr lang="ko-KR" altLang="en-US"/>
+          </a:p>
+          <a:p>
+            <a:pPr lvl="0">
+              <a:defRPr/>
+            </a:pPr>
+            <a:r>
+              <a:rPr lang="ko-KR" altLang="en-US"/>
+              <a:t>레지스트리로 얻을 수 있는 정보</a:t>
+            </a:r>
+            <a:endParaRPr lang="ko-KR" altLang="en-US"/>
+          </a:p>
+          <a:p>
+            <a:pPr marL="0" lvl="0" indent="0">
+              <a:buNone/>
+              <a:defRPr/>
+            </a:pPr>
+            <a:r>
+              <a:rPr lang="ko-KR" altLang="en-US"/>
+              <a:t> </a:t>
+            </a:r>
+            <a:r>
+              <a:rPr lang="en-US" altLang="ko-KR"/>
+              <a:t>-</a:t>
+            </a:r>
+            <a:r>
+              <a:rPr lang="ko-KR" altLang="en-US"/>
+              <a:t> 운영체제 정보</a:t>
+            </a:r>
+            <a:r>
+              <a:rPr lang="en-US" altLang="ko-KR"/>
+              <a:t>,</a:t>
+            </a:r>
+            <a:r>
+              <a:rPr lang="ko-KR" altLang="en-US"/>
+              <a:t> 사용자 계정 정보</a:t>
+            </a:r>
+            <a:r>
+              <a:rPr lang="en-US" altLang="ko-KR"/>
+              <a:t>,</a:t>
+            </a:r>
+            <a:r>
+              <a:rPr lang="ko-KR" altLang="en-US"/>
+              <a:t> 시스템 정보</a:t>
+            </a:r>
+            <a:r>
+              <a:rPr lang="en-US" altLang="ko-KR"/>
+              <a:t>,</a:t>
+            </a:r>
+            <a:r>
+              <a:rPr lang="ko-KR" altLang="en-US"/>
+              <a:t> 응용프로그램 실행 흔적</a:t>
+            </a:r>
+            <a:r>
+              <a:rPr lang="en-US" altLang="ko-KR"/>
+              <a:t>,</a:t>
+            </a:r>
+            <a:r>
+              <a:rPr lang="ko-KR" altLang="en-US"/>
+              <a:t> 최근 접근 문서 등</a:t>
+            </a:r>
+            <a:endParaRPr lang="ko-KR" altLang="en-US"/>
+          </a:p>
+          <a:p>
+            <a:pPr lvl="0">
+              <a:defRPr/>
+            </a:pPr>
+            <a:endParaRPr lang="ko-KR" altLang="en-US"/>
           </a:p>
         </p:txBody>
       </p:sp>
@@ -4523,6 +4540,1200 @@
             </a:pPr>
             <a:r>
               <a:rPr kumimoji="1" lang="en-US" altLang="ko-KR" sz="4800"/>
+              <a:t>1.</a:t>
+            </a:r>
+            <a:r>
+              <a:rPr kumimoji="1" lang="ko-KR" altLang="en-US" sz="4800"/>
+              <a:t> 참고자료</a:t>
+            </a:r>
+            <a:endParaRPr kumimoji="1" lang="ko-KR" altLang="en-US" sz="4800"/>
+          </a:p>
+        </p:txBody>
+      </p:sp>
+      <p:sp>
+        <p:nvSpPr>
+          <p:cNvPr id="5" name="내용 개체 틀 4"/>
+          <p:cNvSpPr>
+            <a:spLocks noGrp="1"/>
+          </p:cNvSpPr>
+          <p:nvPr>
+            <p:ph idx="1"/>
+          </p:nvPr>
+        </p:nvSpPr>
+        <p:spPr>
+          <a:xfrm>
+            <a:off x="0" y="1561042"/>
+            <a:ext cx="12192000" cy="5296957"/>
+          </a:xfrm>
+        </p:spPr>
+        <p:txBody>
+          <a:bodyPr vert="horz" lIns="91440" tIns="45720" rIns="91440" bIns="45720">
+            <a:normAutofit fontScale="77500" lnSpcReduction="20000"/>
+          </a:bodyPr>
+          <a:lstStyle/>
+          <a:p>
+            <a:pPr lvl="0">
+              <a:defRPr/>
+            </a:pPr>
+            <a:r>
+              <a:rPr lang="ko-KR" altLang="en-US"/>
+              <a:t>사용자 기록 추적 프로그램</a:t>
+            </a:r>
+            <a:endParaRPr lang="ko-KR" altLang="en-US"/>
+          </a:p>
+          <a:p>
+            <a:pPr marL="0" lvl="0" indent="0">
+              <a:buNone/>
+              <a:defRPr/>
+            </a:pPr>
+            <a:endParaRPr lang="ko-KR" altLang="en-US"/>
+          </a:p>
+          <a:p>
+            <a:pPr lvl="0">
+              <a:defRPr/>
+            </a:pPr>
+            <a:r>
+              <a:rPr lang="en-US" altLang="ko-KR"/>
+              <a:t>window 10 timeline forensic</a:t>
+            </a:r>
+            <a:endParaRPr lang="en-US" altLang="ko-KR">
+              <a:hlinkClick r:id="rId2"/>
+            </a:endParaRPr>
+          </a:p>
+          <a:p>
+            <a:pPr lvl="0">
+              <a:defRPr/>
+            </a:pPr>
+            <a:r>
+              <a:rPr lang="en-US" altLang="ko-KR">
+                <a:hlinkClick r:id="rId2"/>
+              </a:rPr>
+              <a:t>https://forensic-wetware.tistory.com/6</a:t>
+            </a:r>
+            <a:endParaRPr lang="en-US" altLang="ko-KR"/>
+          </a:p>
+          <a:p>
+            <a:pPr lvl="0">
+              <a:defRPr/>
+            </a:pPr>
+            <a:r>
+              <a:rPr lang="en-US" altLang="ko-KR"/>
+              <a:t>파이썬으로 윈도우 레지스트리 읽기</a:t>
+            </a:r>
+            <a:endParaRPr lang="en-US" altLang="ko-KR"/>
+          </a:p>
+          <a:p>
+            <a:pPr marL="0" lvl="0" indent="0">
+              <a:buNone/>
+              <a:defRPr/>
+            </a:pPr>
+            <a:r>
+              <a:rPr lang="en-US" altLang="ko-KR">
+                <a:hlinkClick r:id="rId3"/>
+              </a:rPr>
+              <a:t>https://swlock.blogspot.com/2019/07/reading-registry-data-in-python.html</a:t>
+            </a:r>
+            <a:endParaRPr lang="en-US" altLang="ko-KR"/>
+          </a:p>
+          <a:p>
+            <a:pPr lvl="0">
+              <a:defRPr/>
+            </a:pPr>
+            <a:r>
+              <a:rPr lang="en-US" altLang="ko-KR"/>
+              <a:t>C++</a:t>
+            </a:r>
+            <a:endParaRPr lang="en-US" altLang="ko-KR"/>
+          </a:p>
+          <a:p>
+            <a:pPr marL="0" lvl="0" indent="0">
+              <a:buNone/>
+              <a:defRPr/>
+            </a:pPr>
+            <a:r>
+              <a:rPr lang="en-US" altLang="ko-KR">
+                <a:hlinkClick r:id="rId4"/>
+              </a:rPr>
+              <a:t>https://xenostudy.tistory.com/361</a:t>
+            </a:r>
+            <a:endParaRPr lang="en-US" altLang="ko-KR"/>
+          </a:p>
+          <a:p>
+            <a:pPr lvl="0">
+              <a:defRPr/>
+            </a:pPr>
+            <a:r>
+              <a:rPr lang="ko-KR" altLang="en-US"/>
+              <a:t>추출할 데이터 위치 정보 </a:t>
+            </a:r>
+            <a:r>
+              <a:rPr lang="en-US" altLang="ko-KR"/>
+              <a:t>(reg)</a:t>
+            </a:r>
+            <a:endParaRPr lang="en-US" altLang="ko-KR"/>
+          </a:p>
+          <a:p>
+            <a:pPr lvl="0">
+              <a:defRPr/>
+            </a:pPr>
+            <a:r>
+              <a:rPr lang="en-US" altLang="ko-KR">
+                <a:hlinkClick r:id="rId5"/>
+              </a:rPr>
+              <a:t>http://www.forensic-artifacts.com/registry-forensics/sub05</a:t>
+            </a:r>
+            <a:endParaRPr lang="en-US" altLang="ko-KR"/>
+          </a:p>
+          <a:p>
+            <a:pPr lvl="0">
+              <a:defRPr/>
+            </a:pPr>
+            <a:r>
+              <a:rPr lang="en-US" altLang="ko-KR">
+                <a:hlinkClick r:id="rId6"/>
+              </a:rPr>
+              <a:t>http://www.forensic-artifact.com/windows-forensics/userassist</a:t>
+            </a:r>
+            <a:endParaRPr lang="en-US" altLang="ko-KR"/>
+          </a:p>
+          <a:p>
+            <a:pPr lvl="0">
+              <a:defRPr/>
+            </a:pPr>
+            <a:r>
+              <a:rPr lang="en-US" altLang="ko-KR">
+                <a:hlinkClick r:id="rId7"/>
+              </a:rPr>
+              <a:t>https://m.blog.naver.com/bitnang/70180095500</a:t>
+            </a:r>
+            <a:endParaRPr lang="en-US" altLang="ko-KR"/>
+          </a:p>
+          <a:p>
+            <a:pPr lvl="0">
+              <a:defRPr/>
+            </a:pPr>
+            <a:endParaRPr lang="en-US" altLang="ko-KR"/>
+          </a:p>
+          <a:p>
+            <a:pPr lvl="0">
+              <a:defRPr/>
+            </a:pPr>
+            <a:r>
+              <a:rPr lang="ko-KR" altLang="en-US"/>
+              <a:t>레지스트리에서 얻을 수 있는 정보 </a:t>
+            </a:r>
+            <a:r>
+              <a:rPr lang="en-US" altLang="ko-KR"/>
+              <a:t>-&gt;</a:t>
+            </a:r>
+            <a:r>
+              <a:rPr lang="ko-KR" altLang="en-US"/>
+              <a:t> 다음 페이지 정리</a:t>
+            </a:r>
+            <a:endParaRPr lang="ko-KR" altLang="en-US"/>
+          </a:p>
+          <a:p>
+            <a:pPr lvl="0">
+              <a:defRPr/>
+            </a:pPr>
+            <a:endParaRPr lang="en-US" altLang="ko-KR"/>
+          </a:p>
+          <a:p>
+            <a:pPr lvl="0">
+              <a:defRPr/>
+            </a:pPr>
+            <a:endParaRPr lang="en-US" altLang="ko-KR"/>
+          </a:p>
+        </p:txBody>
+      </p:sp>
+    </p:spTree>
+  </p:cSld>
+  <p:clrMapOvr>
+    <a:masterClrMapping/>
+  </p:clrMapOvr>
+  <mc:AlternateContent xmlns:mc="http://schemas.openxmlformats.org/markup-compatibility/2006">
+    <mc:Choice xmlns:p14="http://schemas.microsoft.com/office/powerpoint/2010/main" Requires="p14">
+      <p:transition xmlns:mc="http://schemas.openxmlformats.org/markup-compatibility/2006" xmlns:p14="http://schemas.microsoft.com/office/powerpoint/2010/main" mc:Ignorable="p14" p14:dur="500"/>
+    </mc:Choice>
+    <mc:Fallback>
+      <p:transition/>
+    </mc:Fallback>
+  </mc:AlternateContent>
+</p:sld>
+</file>
+
+<file path=ppt/slides/slide12.xml><?xml version="1.0" encoding="utf-8"?>
+<p:sld xmlns:r="http://schemas.openxmlformats.org/officeDocument/2006/relationships" xmlns:c="http://schemas.openxmlformats.org/drawingml/2006/chart" xmlns:a="http://schemas.openxmlformats.org/drawingml/2006/main" xmlns:dgm="http://schemas.openxmlformats.org/drawingml/2006/diagram" xmlns:dsp="http://schemas.microsoft.com/office/drawing/2008/diagram" xmlns:p="http://schemas.openxmlformats.org/presentationml/2006/main">
+  <p:cSld>
+    <p:spTree>
+      <p:nvGrpSpPr>
+        <p:cNvPr id="1" name=""/>
+        <p:cNvGrpSpPr/>
+        <p:nvPr/>
+      </p:nvGrpSpPr>
+      <p:grpSpPr>
+        <a:xfrm>
+          <a:off x="0" y="0"/>
+          <a:ext cx="0" cy="0"/>
+          <a:chOff x="0" y="0"/>
+          <a:chExt cx="0" cy="0"/>
+        </a:xfrm>
+      </p:grpSpPr>
+      <p:sp>
+        <p:nvSpPr>
+          <p:cNvPr id="6" name="직사각형 9"/>
+          <p:cNvSpPr/>
+          <p:nvPr/>
+        </p:nvSpPr>
+        <p:spPr>
+          <a:xfrm>
+            <a:off x="-1" y="0"/>
+            <a:ext cx="12192001" cy="1338109"/>
+          </a:xfrm>
+          <a:prstGeom prst="rect">
+            <a:avLst/>
+          </a:prstGeom>
+          <a:solidFill>
+            <a:schemeClr val="accent1">
+              <a:lumMod val="75000"/>
+            </a:schemeClr>
+          </a:solidFill>
+          <a:ln>
+            <a:noFill/>
+          </a:ln>
+        </p:spPr>
+        <p:style>
+          <a:lnRef idx="2">
+            <a:schemeClr val="accent1">
+              <a:shade val="50000"/>
+            </a:schemeClr>
+          </a:lnRef>
+          <a:fillRef idx="1">
+            <a:schemeClr val="accent1"/>
+          </a:fillRef>
+          <a:effectRef idx="0">
+            <a:schemeClr val="accent1"/>
+          </a:effectRef>
+          <a:fontRef idx="minor">
+            <a:schemeClr val="lt1"/>
+          </a:fontRef>
+        </p:style>
+        <p:txBody>
+          <a:bodyPr anchor="ctr"/>
+          <a:lstStyle/>
+          <a:p>
+            <a:pPr>
+              <a:defRPr/>
+            </a:pPr>
+            <a:r>
+              <a:rPr kumimoji="1" lang="en-US" altLang="ko-KR" sz="4800"/>
+              <a:t>1.</a:t>
+            </a:r>
+            <a:r>
+              <a:rPr kumimoji="1" lang="ko-KR" altLang="en-US" sz="4800"/>
+              <a:t> 참고자료</a:t>
+            </a:r>
+            <a:endParaRPr kumimoji="1" lang="en-US" altLang="ko-KR" sz="4800"/>
+          </a:p>
+        </p:txBody>
+      </p:sp>
+      <p:pic>
+        <p:nvPicPr>
+          <p:cNvPr id="8" name=""/>
+          <p:cNvPicPr>
+            <a:picLocks noChangeAspect="1"/>
+          </p:cNvPicPr>
+          <p:nvPr/>
+        </p:nvPicPr>
+        <p:blipFill rotWithShape="1">
+          <a:blip r:embed="rId2"/>
+          <a:stretch>
+            <a:fillRect/>
+          </a:stretch>
+        </p:blipFill>
+        <p:spPr>
+          <a:xfrm>
+            <a:off x="-7620" y="1352925"/>
+            <a:ext cx="9167496" cy="5505075"/>
+          </a:xfrm>
+          <a:prstGeom prst="rect">
+            <a:avLst/>
+          </a:prstGeom>
+        </p:spPr>
+      </p:pic>
+    </p:spTree>
+  </p:cSld>
+  <p:clrMapOvr>
+    <a:masterClrMapping/>
+  </p:clrMapOvr>
+  <mc:AlternateContent xmlns:mc="http://schemas.openxmlformats.org/markup-compatibility/2006">
+    <mc:Choice xmlns:p14="http://schemas.microsoft.com/office/powerpoint/2010/main" Requires="p14">
+      <p:transition xmlns:mc="http://schemas.openxmlformats.org/markup-compatibility/2006" xmlns:p14="http://schemas.microsoft.com/office/powerpoint/2010/main" mc:Ignorable="p14" p14:dur="500"/>
+    </mc:Choice>
+    <mc:Fallback>
+      <p:transition/>
+    </mc:Fallback>
+  </mc:AlternateContent>
+</p:sld>
+</file>
+
+<file path=ppt/slides/slide13.xml><?xml version="1.0" encoding="utf-8"?>
+<p:sld xmlns:r="http://schemas.openxmlformats.org/officeDocument/2006/relationships" xmlns:c="http://schemas.openxmlformats.org/drawingml/2006/chart" xmlns:a="http://schemas.openxmlformats.org/drawingml/2006/main" xmlns:dgm="http://schemas.openxmlformats.org/drawingml/2006/diagram" xmlns:dsp="http://schemas.microsoft.com/office/drawing/2008/diagram" xmlns:p="http://schemas.openxmlformats.org/presentationml/2006/main">
+  <p:cSld>
+    <p:spTree>
+      <p:nvGrpSpPr>
+        <p:cNvPr id="1" name=""/>
+        <p:cNvGrpSpPr/>
+        <p:nvPr/>
+      </p:nvGrpSpPr>
+      <p:grpSpPr>
+        <a:xfrm>
+          <a:off x="0" y="0"/>
+          <a:ext cx="0" cy="0"/>
+          <a:chOff x="0" y="0"/>
+          <a:chExt cx="0" cy="0"/>
+        </a:xfrm>
+      </p:grpSpPr>
+      <p:pic>
+        <p:nvPicPr>
+          <p:cNvPr id="5" name=""/>
+          <p:cNvPicPr>
+            <a:picLocks noChangeAspect="1"/>
+          </p:cNvPicPr>
+          <p:nvPr/>
+        </p:nvPicPr>
+        <p:blipFill rotWithShape="1">
+          <a:blip r:embed="rId2"/>
+          <a:stretch>
+            <a:fillRect/>
+          </a:stretch>
+        </p:blipFill>
+        <p:spPr>
+          <a:xfrm>
+            <a:off x="68580" y="1374442"/>
+            <a:ext cx="9646920" cy="5475938"/>
+          </a:xfrm>
+          <a:prstGeom prst="rect">
+            <a:avLst/>
+          </a:prstGeom>
+        </p:spPr>
+      </p:pic>
+      <p:sp>
+        <p:nvSpPr>
+          <p:cNvPr id="6" name="직사각형 9"/>
+          <p:cNvSpPr/>
+          <p:nvPr/>
+        </p:nvSpPr>
+        <p:spPr>
+          <a:xfrm>
+            <a:off x="-1" y="0"/>
+            <a:ext cx="12192001" cy="1338109"/>
+          </a:xfrm>
+          <a:prstGeom prst="rect">
+            <a:avLst/>
+          </a:prstGeom>
+          <a:solidFill>
+            <a:schemeClr val="accent1">
+              <a:lumMod val="75000"/>
+            </a:schemeClr>
+          </a:solidFill>
+          <a:ln>
+            <a:noFill/>
+          </a:ln>
+        </p:spPr>
+        <p:style>
+          <a:lnRef idx="2">
+            <a:schemeClr val="accent1">
+              <a:shade val="50000"/>
+            </a:schemeClr>
+          </a:lnRef>
+          <a:fillRef idx="1">
+            <a:schemeClr val="accent1"/>
+          </a:fillRef>
+          <a:effectRef idx="0">
+            <a:schemeClr val="accent1"/>
+          </a:effectRef>
+          <a:fontRef idx="minor">
+            <a:schemeClr val="lt1"/>
+          </a:fontRef>
+        </p:style>
+        <p:txBody>
+          <a:bodyPr anchor="ctr"/>
+          <a:lstStyle/>
+          <a:p>
+            <a:pPr>
+              <a:defRPr/>
+            </a:pPr>
+            <a:r>
+              <a:rPr kumimoji="1" lang="en-US" altLang="ko-KR" sz="4800"/>
+              <a:t>1.</a:t>
+            </a:r>
+            <a:r>
+              <a:rPr kumimoji="1" lang="ko-KR" altLang="en-US" sz="4800"/>
+              <a:t> 참고자료</a:t>
+            </a:r>
+            <a:endParaRPr kumimoji="1" lang="ko-KR" altLang="en-US" sz="4800"/>
+          </a:p>
+        </p:txBody>
+      </p:sp>
+    </p:spTree>
+  </p:cSld>
+  <p:clrMapOvr>
+    <a:masterClrMapping/>
+  </p:clrMapOvr>
+  <mc:AlternateContent xmlns:mc="http://schemas.openxmlformats.org/markup-compatibility/2006">
+    <mc:Choice xmlns:p14="http://schemas.microsoft.com/office/powerpoint/2010/main" Requires="p14">
+      <p:transition xmlns:mc="http://schemas.openxmlformats.org/markup-compatibility/2006" xmlns:p14="http://schemas.microsoft.com/office/powerpoint/2010/main" mc:Ignorable="p14" p14:dur="500"/>
+    </mc:Choice>
+    <mc:Fallback>
+      <p:transition/>
+    </mc:Fallback>
+  </mc:AlternateContent>
+</p:sld>
+</file>
+
+<file path=ppt/slides/slide14.xml><?xml version="1.0" encoding="utf-8"?>
+<p:sld xmlns:r="http://schemas.openxmlformats.org/officeDocument/2006/relationships" xmlns:c="http://schemas.openxmlformats.org/drawingml/2006/chart" xmlns:a="http://schemas.openxmlformats.org/drawingml/2006/main" xmlns:dgm="http://schemas.openxmlformats.org/drawingml/2006/diagram" xmlns:dsp="http://schemas.microsoft.com/office/drawing/2008/diagram" xmlns:p="http://schemas.openxmlformats.org/presentationml/2006/main">
+  <p:cSld>
+    <p:spTree>
+      <p:nvGrpSpPr>
+        <p:cNvPr id="1" name=""/>
+        <p:cNvGrpSpPr/>
+        <p:nvPr/>
+      </p:nvGrpSpPr>
+      <p:grpSpPr>
+        <a:xfrm>
+          <a:off x="0" y="0"/>
+          <a:ext cx="0" cy="0"/>
+          <a:chOff x="0" y="0"/>
+          <a:chExt cx="0" cy="0"/>
+        </a:xfrm>
+      </p:grpSpPr>
+      <p:sp>
+        <p:nvSpPr>
+          <p:cNvPr id="10" name="직사각형 9"/>
+          <p:cNvSpPr/>
+          <p:nvPr/>
+        </p:nvSpPr>
+        <p:spPr>
+          <a:xfrm>
+            <a:off x="-1" y="2398426"/>
+            <a:ext cx="12192001" cy="1338109"/>
+          </a:xfrm>
+          <a:prstGeom prst="rect">
+            <a:avLst/>
+          </a:prstGeom>
+          <a:solidFill>
+            <a:schemeClr val="accent1">
+              <a:lumMod val="75000"/>
+            </a:schemeClr>
+          </a:solidFill>
+          <a:ln>
+            <a:noFill/>
+          </a:ln>
+        </p:spPr>
+        <p:style>
+          <a:lnRef idx="2">
+            <a:schemeClr val="accent1">
+              <a:shade val="50000"/>
+            </a:schemeClr>
+          </a:lnRef>
+          <a:fillRef idx="1">
+            <a:schemeClr val="accent1"/>
+          </a:fillRef>
+          <a:effectRef idx="0">
+            <a:schemeClr val="accent1"/>
+          </a:effectRef>
+          <a:fontRef idx="minor">
+            <a:schemeClr val="lt1"/>
+          </a:fontRef>
+        </p:style>
+        <p:txBody>
+          <a:bodyPr anchor="ctr"/>
+          <a:lstStyle/>
+          <a:p>
+            <a:pPr algn="ctr">
+              <a:defRPr/>
+            </a:pPr>
+            <a:endParaRPr kumimoji="1" lang="ko-KR" altLang="en-US"/>
+          </a:p>
+        </p:txBody>
+      </p:sp>
+      <p:sp>
+        <p:nvSpPr>
+          <p:cNvPr id="12" name="부제목 2"/>
+          <p:cNvSpPr txBox="1"/>
+          <p:nvPr/>
+        </p:nvSpPr>
+        <p:spPr>
+          <a:xfrm>
+            <a:off x="1" y="2608234"/>
+            <a:ext cx="12192000" cy="754314"/>
+          </a:xfrm>
+          <a:prstGeom prst="rect">
+            <a:avLst/>
+          </a:prstGeom>
+        </p:spPr>
+        <p:txBody>
+          <a:bodyPr vert="horz" lIns="91440" tIns="45720" rIns="91440" bIns="45720" anchor="ctr">
+            <a:noAutofit/>
+          </a:bodyPr>
+          <a:lstStyle>
+            <a:lvl1pPr marL="0" indent="0" algn="ctr" defTabSz="914423" rtl="0" eaLnBrk="1" latinLnBrk="1" hangingPunct="1">
+              <a:lnSpc>
+                <a:spcPct val="90000"/>
+              </a:lnSpc>
+              <a:spcBef>
+                <a:spcPts val="1001"/>
+              </a:spcBef>
+              <a:buFont typeface="Arial"/>
+              <a:buNone/>
+              <a:defRPr sz="2400" kern="1200">
+                <a:solidFill>
+                  <a:schemeClr val="tx1"/>
+                </a:solidFill>
+                <a:latin typeface="+mn-lt"/>
+                <a:ea typeface="+mn-ea"/>
+                <a:cs typeface="+mn-cs"/>
+              </a:defRPr>
+            </a:lvl1pPr>
+            <a:lvl2pPr marL="457211" indent="0" algn="ctr" defTabSz="914423" rtl="0" eaLnBrk="1" latinLnBrk="1" hangingPunct="1">
+              <a:lnSpc>
+                <a:spcPct val="90000"/>
+              </a:lnSpc>
+              <a:spcBef>
+                <a:spcPts val="500"/>
+              </a:spcBef>
+              <a:buFont typeface="Arial"/>
+              <a:buNone/>
+              <a:defRPr sz="2000" kern="1200">
+                <a:solidFill>
+                  <a:schemeClr val="tx1"/>
+                </a:solidFill>
+                <a:latin typeface="+mn-lt"/>
+                <a:ea typeface="+mn-ea"/>
+                <a:cs typeface="+mn-cs"/>
+              </a:defRPr>
+            </a:lvl2pPr>
+            <a:lvl3pPr marL="914423" indent="0" algn="ctr" defTabSz="914423" rtl="0" eaLnBrk="1" latinLnBrk="1" hangingPunct="1">
+              <a:lnSpc>
+                <a:spcPct val="90000"/>
+              </a:lnSpc>
+              <a:spcBef>
+                <a:spcPts val="500"/>
+              </a:spcBef>
+              <a:buFont typeface="Arial"/>
+              <a:buNone/>
+              <a:defRPr sz="1801" kern="1200">
+                <a:solidFill>
+                  <a:schemeClr val="tx1"/>
+                </a:solidFill>
+                <a:latin typeface="+mn-lt"/>
+                <a:ea typeface="+mn-ea"/>
+                <a:cs typeface="+mn-cs"/>
+              </a:defRPr>
+            </a:lvl3pPr>
+            <a:lvl4pPr marL="1371634" indent="0" algn="ctr" defTabSz="914423" rtl="0" eaLnBrk="1" latinLnBrk="1" hangingPunct="1">
+              <a:lnSpc>
+                <a:spcPct val="90000"/>
+              </a:lnSpc>
+              <a:spcBef>
+                <a:spcPts val="500"/>
+              </a:spcBef>
+              <a:buFont typeface="Arial"/>
+              <a:buNone/>
+              <a:defRPr sz="1600" kern="1200">
+                <a:solidFill>
+                  <a:schemeClr val="tx1"/>
+                </a:solidFill>
+                <a:latin typeface="+mn-lt"/>
+                <a:ea typeface="+mn-ea"/>
+                <a:cs typeface="+mn-cs"/>
+              </a:defRPr>
+            </a:lvl4pPr>
+            <a:lvl5pPr marL="1828846" indent="0" algn="ctr" defTabSz="914423" rtl="0" eaLnBrk="1" latinLnBrk="1" hangingPunct="1">
+              <a:lnSpc>
+                <a:spcPct val="90000"/>
+              </a:lnSpc>
+              <a:spcBef>
+                <a:spcPts val="500"/>
+              </a:spcBef>
+              <a:buFont typeface="Arial"/>
+              <a:buNone/>
+              <a:defRPr sz="1600" kern="1200">
+                <a:solidFill>
+                  <a:schemeClr val="tx1"/>
+                </a:solidFill>
+                <a:latin typeface="+mn-lt"/>
+                <a:ea typeface="+mn-ea"/>
+                <a:cs typeface="+mn-cs"/>
+              </a:defRPr>
+            </a:lvl5pPr>
+            <a:lvl6pPr marL="2286057" indent="0" algn="ctr" defTabSz="914423" rtl="0" eaLnBrk="1" latinLnBrk="1" hangingPunct="1">
+              <a:lnSpc>
+                <a:spcPct val="90000"/>
+              </a:lnSpc>
+              <a:spcBef>
+                <a:spcPts val="500"/>
+              </a:spcBef>
+              <a:buFont typeface="Arial"/>
+              <a:buNone/>
+              <a:defRPr sz="1600" kern="1200">
+                <a:solidFill>
+                  <a:schemeClr val="tx1"/>
+                </a:solidFill>
+                <a:latin typeface="+mn-lt"/>
+                <a:ea typeface="+mn-ea"/>
+                <a:cs typeface="+mn-cs"/>
+              </a:defRPr>
+            </a:lvl6pPr>
+            <a:lvl7pPr marL="2743269" indent="0" algn="ctr" defTabSz="914423" rtl="0" eaLnBrk="1" latinLnBrk="1" hangingPunct="1">
+              <a:lnSpc>
+                <a:spcPct val="90000"/>
+              </a:lnSpc>
+              <a:spcBef>
+                <a:spcPts val="500"/>
+              </a:spcBef>
+              <a:buFont typeface="Arial"/>
+              <a:buNone/>
+              <a:defRPr sz="1600" kern="1200">
+                <a:solidFill>
+                  <a:schemeClr val="tx1"/>
+                </a:solidFill>
+                <a:latin typeface="+mn-lt"/>
+                <a:ea typeface="+mn-ea"/>
+                <a:cs typeface="+mn-cs"/>
+              </a:defRPr>
+            </a:lvl7pPr>
+            <a:lvl8pPr marL="3200480" indent="0" algn="ctr" defTabSz="914423" rtl="0" eaLnBrk="1" latinLnBrk="1" hangingPunct="1">
+              <a:lnSpc>
+                <a:spcPct val="90000"/>
+              </a:lnSpc>
+              <a:spcBef>
+                <a:spcPts val="500"/>
+              </a:spcBef>
+              <a:buFont typeface="Arial"/>
+              <a:buNone/>
+              <a:defRPr sz="1600" kern="1200">
+                <a:solidFill>
+                  <a:schemeClr val="tx1"/>
+                </a:solidFill>
+                <a:latin typeface="+mn-lt"/>
+                <a:ea typeface="+mn-ea"/>
+                <a:cs typeface="+mn-cs"/>
+              </a:defRPr>
+            </a:lvl8pPr>
+            <a:lvl9pPr marL="3657691" indent="0" algn="ctr" defTabSz="914423" rtl="0" eaLnBrk="1" latinLnBrk="1" hangingPunct="1">
+              <a:lnSpc>
+                <a:spcPct val="90000"/>
+              </a:lnSpc>
+              <a:spcBef>
+                <a:spcPts val="500"/>
+              </a:spcBef>
+              <a:buFont typeface="Arial"/>
+              <a:buNone/>
+              <a:defRPr sz="1600" kern="1200">
+                <a:solidFill>
+                  <a:schemeClr val="tx1"/>
+                </a:solidFill>
+                <a:latin typeface="+mn-lt"/>
+                <a:ea typeface="+mn-ea"/>
+                <a:cs typeface="+mn-cs"/>
+              </a:defRPr>
+            </a:lvl9pPr>
+          </a:lstStyle>
+          <a:p>
+            <a:pPr lvl="0">
+              <a:defRPr/>
+            </a:pPr>
+            <a:r>
+              <a:rPr lang="ko-KR" altLang="en-US" sz="4800">
+                <a:solidFill>
+                  <a:schemeClr val="bg1"/>
+                </a:solidFill>
+                <a:latin typeface="+mj-lt"/>
+                <a:ea typeface="맑은 고딕"/>
+                <a:cs typeface="맑은 고딕"/>
+              </a:rPr>
+              <a:t>요구사항 정의</a:t>
+            </a:r>
+            <a:endParaRPr lang="ko-KR" altLang="en-US" sz="4800">
+              <a:solidFill>
+                <a:schemeClr val="bg1"/>
+              </a:solidFill>
+              <a:latin typeface="+mj-lt"/>
+              <a:ea typeface="맑은 고딕"/>
+              <a:cs typeface="맑은 고딕"/>
+            </a:endParaRPr>
+          </a:p>
+        </p:txBody>
+      </p:sp>
+    </p:spTree>
+  </p:cSld>
+  <p:clrMapOvr>
+    <a:masterClrMapping/>
+  </p:clrMapOvr>
+  <mc:AlternateContent xmlns:mc="http://schemas.openxmlformats.org/markup-compatibility/2006">
+    <mc:Choice xmlns:p14="http://schemas.microsoft.com/office/powerpoint/2010/main" Requires="p14">
+      <p:transition xmlns:mc="http://schemas.openxmlformats.org/markup-compatibility/2006" xmlns:p14="http://schemas.microsoft.com/office/powerpoint/2010/main" mc:Ignorable="p14" p14:dur="500"/>
+    </mc:Choice>
+    <mc:Fallback>
+      <p:transition/>
+    </mc:Fallback>
+  </mc:AlternateContent>
+</p:sld>
+</file>
+
+<file path=ppt/slides/slide15.xml><?xml version="1.0" encoding="utf-8"?>
+<p:sld xmlns:r="http://schemas.openxmlformats.org/officeDocument/2006/relationships" xmlns:c="http://schemas.openxmlformats.org/drawingml/2006/chart" xmlns:a="http://schemas.openxmlformats.org/drawingml/2006/main" xmlns:dgm="http://schemas.openxmlformats.org/drawingml/2006/diagram" xmlns:dsp="http://schemas.microsoft.com/office/drawing/2008/diagram" xmlns:p="http://schemas.openxmlformats.org/presentationml/2006/main">
+  <p:cSld>
+    <p:spTree>
+      <p:nvGrpSpPr>
+        <p:cNvPr id="1" name=""/>
+        <p:cNvGrpSpPr/>
+        <p:nvPr/>
+      </p:nvGrpSpPr>
+      <p:grpSpPr>
+        <a:xfrm>
+          <a:off x="0" y="0"/>
+          <a:ext cx="0" cy="0"/>
+          <a:chOff x="0" y="0"/>
+          <a:chExt cx="0" cy="0"/>
+        </a:xfrm>
+      </p:grpSpPr>
+      <p:sp>
+        <p:nvSpPr>
+          <p:cNvPr id="4" name="직사각형 9"/>
+          <p:cNvSpPr/>
+          <p:nvPr/>
+        </p:nvSpPr>
+        <p:spPr>
+          <a:xfrm>
+            <a:off x="-1" y="0"/>
+            <a:ext cx="12192001" cy="1338109"/>
+          </a:xfrm>
+          <a:prstGeom prst="rect">
+            <a:avLst/>
+          </a:prstGeom>
+          <a:solidFill>
+            <a:schemeClr val="accent1">
+              <a:lumMod val="75000"/>
+            </a:schemeClr>
+          </a:solidFill>
+          <a:ln>
+            <a:noFill/>
+          </a:ln>
+        </p:spPr>
+        <p:style>
+          <a:lnRef idx="2">
+            <a:schemeClr val="accent1">
+              <a:shade val="50000"/>
+            </a:schemeClr>
+          </a:lnRef>
+          <a:fillRef idx="1">
+            <a:schemeClr val="accent1"/>
+          </a:fillRef>
+          <a:effectRef idx="0">
+            <a:schemeClr val="accent1"/>
+          </a:effectRef>
+          <a:fontRef idx="minor">
+            <a:schemeClr val="lt1"/>
+          </a:fontRef>
+        </p:style>
+        <p:txBody>
+          <a:bodyPr anchor="ctr"/>
+          <a:lstStyle/>
+          <a:p>
+            <a:pPr>
+              <a:defRPr/>
+            </a:pPr>
+            <a:r>
+              <a:rPr kumimoji="1" lang="en-US" altLang="ko-KR" sz="4800"/>
+              <a:t>2.</a:t>
+            </a:r>
+            <a:r>
+              <a:rPr kumimoji="1" lang="ko-KR" altLang="en-US" sz="4800"/>
+              <a:t> 요구사항 정의</a:t>
+            </a:r>
+            <a:endParaRPr kumimoji="1" lang="ko-KR" altLang="en-US" sz="4800"/>
+          </a:p>
+        </p:txBody>
+      </p:sp>
+      <p:sp>
+        <p:nvSpPr>
+          <p:cNvPr id="5" name="내용 개체 틀 4"/>
+          <p:cNvSpPr>
+            <a:spLocks noGrp="1"/>
+          </p:cNvSpPr>
+          <p:nvPr>
+            <p:ph idx="1"/>
+          </p:nvPr>
+        </p:nvSpPr>
+        <p:spPr>
+          <a:xfrm>
+            <a:off x="0" y="1561042"/>
+            <a:ext cx="12192000" cy="5296957"/>
+          </a:xfrm>
+        </p:spPr>
+        <p:txBody>
+          <a:bodyPr vert="horz" lIns="91440" tIns="45720" rIns="91440" bIns="45720">
+            <a:normAutofit fontScale="70000" lnSpcReduction="20000"/>
+          </a:bodyPr>
+          <a:lstStyle/>
+          <a:p>
+            <a:pPr lvl="0">
+              <a:defRPr/>
+            </a:pPr>
+            <a:r>
+              <a:rPr lang="ko-KR" altLang="en-US"/>
+              <a:t>사용자 기록 추적 프로그램 </a:t>
+            </a:r>
+            <a:r>
+              <a:rPr lang="en-US" altLang="ko-KR"/>
+              <a:t>(</a:t>
+            </a:r>
+            <a:r>
+              <a:rPr lang="ko-KR" altLang="en-US"/>
+              <a:t>레지스트리 이용</a:t>
+            </a:r>
+            <a:r>
+              <a:rPr lang="en-US" altLang="ko-KR"/>
+              <a:t>)</a:t>
+            </a:r>
+            <a:endParaRPr lang="en-US" altLang="ko-KR"/>
+          </a:p>
+          <a:p>
+            <a:pPr lvl="0">
+              <a:defRPr/>
+            </a:pPr>
+            <a:endParaRPr lang="en-US" altLang="ko-KR"/>
+          </a:p>
+          <a:p>
+            <a:pPr lvl="0">
+              <a:defRPr/>
+            </a:pPr>
+            <a:r>
+              <a:rPr lang="ko-KR" altLang="en-US"/>
+              <a:t>어떠한 매체의 기록을 분석할 지 선택해야 한다</a:t>
+            </a:r>
+            <a:r>
+              <a:rPr lang="en-US" altLang="ko-KR"/>
+              <a:t>.</a:t>
+            </a:r>
+            <a:endParaRPr lang="en-US" altLang="ko-KR"/>
+          </a:p>
+          <a:p>
+            <a:pPr marL="0" lvl="0" indent="0">
+              <a:buNone/>
+              <a:defRPr/>
+            </a:pPr>
+            <a:r>
+              <a:rPr lang="ko-KR" altLang="en-US"/>
+              <a:t> </a:t>
+            </a:r>
+            <a:r>
+              <a:rPr lang="en-US" altLang="ko-KR"/>
+              <a:t>-</a:t>
+            </a:r>
+            <a:r>
+              <a:rPr lang="ko-KR" altLang="en-US"/>
+              <a:t> 선택을 하는 명령어는 숫자로 표현한다</a:t>
+            </a:r>
+            <a:r>
+              <a:rPr lang="en-US" altLang="ko-KR"/>
+              <a:t>. ex)</a:t>
+            </a:r>
+            <a:r>
+              <a:rPr lang="ko-KR" altLang="en-US"/>
+              <a:t> </a:t>
+            </a:r>
+            <a:r>
+              <a:rPr lang="en-US" altLang="ko-KR"/>
+              <a:t>1.</a:t>
+            </a:r>
+            <a:r>
+              <a:rPr lang="ko-KR" altLang="en-US"/>
+              <a:t> </a:t>
+            </a:r>
+            <a:r>
+              <a:rPr lang="en-US" altLang="ko-KR"/>
+              <a:t>USB 2. hwp</a:t>
+            </a:r>
+            <a:r>
+              <a:rPr lang="ko-KR" altLang="en-US"/>
+              <a:t> </a:t>
+            </a:r>
+            <a:r>
+              <a:rPr lang="en-US" altLang="ko-KR"/>
+              <a:t>3. excel</a:t>
+            </a:r>
+            <a:endParaRPr lang="en-US" altLang="ko-KR"/>
+          </a:p>
+          <a:p>
+            <a:pPr marL="0" lvl="0" indent="0">
+              <a:buNone/>
+              <a:defRPr/>
+            </a:pPr>
+            <a:endParaRPr lang="en-US" altLang="ko-KR"/>
+          </a:p>
+          <a:p>
+            <a:pPr lvl="0">
+              <a:defRPr/>
+            </a:pPr>
+            <a:r>
+              <a:rPr lang="en-US" altLang="ko-KR"/>
+              <a:t>help</a:t>
+            </a:r>
+            <a:r>
+              <a:rPr lang="ko-KR" altLang="en-US"/>
+              <a:t>명령어가 있어야 한다</a:t>
+            </a:r>
+            <a:r>
+              <a:rPr lang="en-US" altLang="ko-KR"/>
+              <a:t>.</a:t>
+            </a:r>
+            <a:endParaRPr lang="en-US" altLang="ko-KR"/>
+          </a:p>
+          <a:p>
+            <a:pPr marL="0" lvl="0" indent="0">
+              <a:buNone/>
+              <a:defRPr/>
+            </a:pPr>
+            <a:r>
+              <a:rPr lang="ko-KR" altLang="en-US"/>
+              <a:t> </a:t>
+            </a:r>
+            <a:r>
+              <a:rPr lang="en-US" altLang="ko-KR"/>
+              <a:t>-</a:t>
+            </a:r>
+            <a:r>
+              <a:rPr lang="ko-KR" altLang="en-US"/>
+              <a:t> 사용자가 어떠한 종류의 명령어가 있는지 알려주어야 한다</a:t>
+            </a:r>
+            <a:r>
+              <a:rPr lang="en-US" altLang="ko-KR"/>
+              <a:t>.</a:t>
+            </a:r>
+            <a:endParaRPr lang="en-US" altLang="ko-KR"/>
+          </a:p>
+          <a:p>
+            <a:pPr marL="0" lvl="0" indent="0">
+              <a:buNone/>
+              <a:defRPr/>
+            </a:pPr>
+            <a:endParaRPr lang="en-US" altLang="ko-KR"/>
+          </a:p>
+          <a:p>
+            <a:pPr lvl="0">
+              <a:defRPr/>
+            </a:pPr>
+            <a:r>
+              <a:rPr lang="ko-KR" altLang="en-US"/>
+              <a:t>분석</a:t>
+            </a:r>
+            <a:endParaRPr lang="ko-KR" altLang="en-US"/>
+          </a:p>
+          <a:p>
+            <a:pPr marL="0" lvl="0" indent="0">
+              <a:buNone/>
+              <a:defRPr/>
+            </a:pPr>
+            <a:r>
+              <a:rPr lang="ko-KR" altLang="en-US"/>
+              <a:t> </a:t>
+            </a:r>
+            <a:r>
+              <a:rPr lang="en-US" altLang="ko-KR"/>
+              <a:t>-</a:t>
+            </a:r>
+            <a:r>
+              <a:rPr lang="ko-KR" altLang="en-US"/>
+              <a:t> 올바른 위치의 레지스트리 데이터를 정확하게 분석해야 한다</a:t>
+            </a:r>
+            <a:r>
+              <a:rPr lang="en-US" altLang="ko-KR"/>
+              <a:t>.</a:t>
+            </a:r>
+            <a:endParaRPr lang="en-US" altLang="ko-KR"/>
+          </a:p>
+          <a:p>
+            <a:pPr marL="0" lvl="0" indent="0">
+              <a:buNone/>
+              <a:defRPr/>
+            </a:pPr>
+            <a:r>
+              <a:rPr lang="ko-KR" altLang="en-US"/>
+              <a:t> </a:t>
+            </a:r>
+            <a:r>
+              <a:rPr lang="en-US" altLang="ko-KR"/>
+              <a:t>-</a:t>
+            </a:r>
+            <a:r>
+              <a:rPr lang="ko-KR" altLang="en-US"/>
+              <a:t> 파일이 손상되거나 분석할 수 없는 경우 실패 메세지를 보여주어야 한다</a:t>
+            </a:r>
+            <a:r>
+              <a:rPr lang="en-US" altLang="ko-KR"/>
+              <a:t>.</a:t>
+            </a:r>
+            <a:endParaRPr lang="en-US" altLang="ko-KR"/>
+          </a:p>
+          <a:p>
+            <a:pPr marL="0" lvl="0" indent="0">
+              <a:buNone/>
+              <a:defRPr/>
+            </a:pPr>
+            <a:endParaRPr lang="en-US" altLang="ko-KR"/>
+          </a:p>
+          <a:p>
+            <a:pPr lvl="0">
+              <a:defRPr/>
+            </a:pPr>
+            <a:r>
+              <a:rPr lang="ko-KR" altLang="en-US"/>
+              <a:t>기타</a:t>
+            </a:r>
+            <a:endParaRPr lang="ko-KR" altLang="en-US"/>
+          </a:p>
+          <a:p>
+            <a:pPr marL="0" lvl="0" indent="0">
+              <a:buNone/>
+              <a:defRPr/>
+            </a:pPr>
+            <a:r>
+              <a:rPr lang="ko-KR" altLang="en-US"/>
+              <a:t> </a:t>
+            </a:r>
+            <a:r>
+              <a:rPr lang="en-US" altLang="ko-KR"/>
+              <a:t>-</a:t>
+            </a:r>
+            <a:r>
+              <a:rPr lang="ko-KR" altLang="en-US"/>
+              <a:t> </a:t>
+            </a:r>
+            <a:r>
+              <a:rPr lang="en-US" altLang="ko-KR"/>
+              <a:t>CLI</a:t>
+            </a:r>
+            <a:r>
+              <a:rPr lang="ko-KR" altLang="en-US"/>
+              <a:t>화면으로 구현되어야 한다</a:t>
+            </a:r>
+            <a:r>
+              <a:rPr lang="en-US" altLang="ko-KR"/>
+              <a:t>.</a:t>
+            </a:r>
+            <a:endParaRPr lang="en-US" altLang="ko-KR"/>
+          </a:p>
+          <a:p>
+            <a:pPr marL="0" lvl="0" indent="0">
+              <a:buNone/>
+              <a:defRPr/>
+            </a:pPr>
+            <a:r>
+              <a:rPr lang="ko-KR" altLang="en-US"/>
+              <a:t> </a:t>
+            </a:r>
+            <a:r>
+              <a:rPr lang="en-US" altLang="ko-KR"/>
+              <a:t>-</a:t>
+            </a:r>
+            <a:r>
+              <a:rPr lang="ko-KR" altLang="en-US"/>
+              <a:t> 분석한 정보들을 내보낼 수 있는 명령어가 있어야 한다</a:t>
+            </a:r>
+            <a:r>
+              <a:rPr lang="en-US" altLang="ko-KR"/>
+              <a:t>.</a:t>
+            </a:r>
+            <a:endParaRPr lang="ko-KR" altLang="en-US"/>
+          </a:p>
+        </p:txBody>
+      </p:sp>
+    </p:spTree>
+  </p:cSld>
+  <p:clrMapOvr>
+    <a:masterClrMapping/>
+  </p:clrMapOvr>
+  <mc:AlternateContent xmlns:mc="http://schemas.openxmlformats.org/markup-compatibility/2006">
+    <mc:Choice xmlns:p14="http://schemas.microsoft.com/office/powerpoint/2010/main" Requires="p14">
+      <p:transition xmlns:mc="http://schemas.openxmlformats.org/markup-compatibility/2006" xmlns:p14="http://schemas.microsoft.com/office/powerpoint/2010/main" mc:Ignorable="p14" p14:dur="500"/>
+    </mc:Choice>
+    <mc:Fallback>
+      <p:transition/>
+    </mc:Fallback>
+  </mc:AlternateContent>
+</p:sld>
+</file>
+
+<file path=ppt/slides/slide16.xml><?xml version="1.0" encoding="utf-8"?>
+<p:sld xmlns:r="http://schemas.openxmlformats.org/officeDocument/2006/relationships" xmlns:c="http://schemas.openxmlformats.org/drawingml/2006/chart" xmlns:a="http://schemas.openxmlformats.org/drawingml/2006/main" xmlns:dgm="http://schemas.openxmlformats.org/drawingml/2006/diagram" xmlns:dsp="http://schemas.microsoft.com/office/drawing/2008/diagram" xmlns:p="http://schemas.openxmlformats.org/presentationml/2006/main">
+  <p:cSld>
+    <p:spTree>
+      <p:nvGrpSpPr>
+        <p:cNvPr id="1" name=""/>
+        <p:cNvGrpSpPr/>
+        <p:nvPr/>
+      </p:nvGrpSpPr>
+      <p:grpSpPr>
+        <a:xfrm>
+          <a:off x="0" y="0"/>
+          <a:ext cx="0" cy="0"/>
+          <a:chOff x="0" y="0"/>
+          <a:chExt cx="0" cy="0"/>
+        </a:xfrm>
+      </p:grpSpPr>
+      <p:sp>
+        <p:nvSpPr>
+          <p:cNvPr id="4" name="직사각형 9"/>
+          <p:cNvSpPr/>
+          <p:nvPr/>
+        </p:nvSpPr>
+        <p:spPr>
+          <a:xfrm>
+            <a:off x="-1" y="0"/>
+            <a:ext cx="12192001" cy="1338109"/>
+          </a:xfrm>
+          <a:prstGeom prst="rect">
+            <a:avLst/>
+          </a:prstGeom>
+          <a:solidFill>
+            <a:schemeClr val="accent1">
+              <a:lumMod val="75000"/>
+            </a:schemeClr>
+          </a:solidFill>
+          <a:ln>
+            <a:noFill/>
+          </a:ln>
+        </p:spPr>
+        <p:style>
+          <a:lnRef idx="2">
+            <a:schemeClr val="accent1">
+              <a:shade val="50000"/>
+            </a:schemeClr>
+          </a:lnRef>
+          <a:fillRef idx="1">
+            <a:schemeClr val="accent1"/>
+          </a:fillRef>
+          <a:effectRef idx="0">
+            <a:schemeClr val="accent1"/>
+          </a:effectRef>
+          <a:fontRef idx="minor">
+            <a:schemeClr val="lt1"/>
+          </a:fontRef>
+        </p:style>
+        <p:txBody>
+          <a:bodyPr anchor="ctr"/>
+          <a:lstStyle/>
+          <a:p>
+            <a:pPr>
+              <a:defRPr/>
+            </a:pPr>
+            <a:r>
+              <a:rPr kumimoji="1" lang="en-US" altLang="ko-KR" sz="4800"/>
               <a:t>2.</a:t>
             </a:r>
             <a:r>
@@ -4560,145 +5771,9 @@
             </a:pPr>
             <a:r>
               <a:rPr lang="ko-KR" altLang="en-US"/>
-              <a:t>바이너리 파일 데이터 분석 프로그램</a:t>
+              <a:t>사용자 기록 추적 프로그램</a:t>
             </a:r>
             <a:endParaRPr lang="ko-KR" altLang="en-US"/>
-          </a:p>
-          <a:p>
-            <a:pPr marL="0" lvl="0" indent="0">
-              <a:buNone/>
-              <a:defRPr/>
-            </a:pPr>
-            <a:endParaRPr lang="ko-KR" altLang="en-US"/>
-          </a:p>
-          <a:p>
-            <a:pPr marL="0" lvl="0" indent="0">
-              <a:buNone/>
-              <a:defRPr/>
-            </a:pPr>
-            <a:r>
-              <a:rPr lang="ko-KR" altLang="en-US"/>
-              <a:t> </a:t>
-            </a:r>
-            <a:r>
-              <a:rPr lang="en-US" altLang="ko-KR"/>
-              <a:t>-</a:t>
-            </a:r>
-            <a:r>
-              <a:rPr lang="ko-KR" altLang="en-US"/>
-              <a:t> 디스크를 분석할 지 파일을 분석할 지 선택받아야 함</a:t>
-            </a:r>
-            <a:endParaRPr lang="ko-KR" altLang="en-US"/>
-          </a:p>
-          <a:p>
-            <a:pPr marL="0" lvl="0" indent="0">
-              <a:buNone/>
-              <a:defRPr/>
-            </a:pPr>
-            <a:r>
-              <a:rPr lang="ko-KR" altLang="en-US"/>
-              <a:t> </a:t>
-            </a:r>
-            <a:r>
-              <a:rPr lang="en-US" altLang="ko-KR"/>
-              <a:t>-</a:t>
-            </a:r>
-            <a:r>
-              <a:rPr lang="ko-KR" altLang="en-US"/>
-              <a:t> 올바른 위치의 바이너리 값을 정확하게 분석해야 함</a:t>
-            </a:r>
-            <a:endParaRPr lang="ko-KR" altLang="en-US"/>
-          </a:p>
-          <a:p>
-            <a:pPr marL="0" lvl="0" indent="0">
-              <a:buNone/>
-              <a:defRPr/>
-            </a:pPr>
-            <a:r>
-              <a:rPr lang="ko-KR" altLang="en-US"/>
-              <a:t> </a:t>
-            </a:r>
-            <a:r>
-              <a:rPr lang="en-US" altLang="ko-KR"/>
-              <a:t>-</a:t>
-            </a:r>
-            <a:r>
-              <a:rPr lang="ko-KR" altLang="en-US"/>
-              <a:t> </a:t>
-            </a:r>
-            <a:r>
-              <a:rPr lang="en-US" altLang="ko-KR"/>
-              <a:t>CLI</a:t>
-            </a:r>
-            <a:r>
-              <a:rPr lang="ko-KR" altLang="en-US"/>
-              <a:t>화면에서 동작</a:t>
-            </a:r>
-            <a:endParaRPr lang="ko-KR" altLang="en-US"/>
-          </a:p>
-          <a:p>
-            <a:pPr marL="0" lvl="0" indent="0">
-              <a:buNone/>
-              <a:defRPr/>
-            </a:pPr>
-            <a:r>
-              <a:rPr lang="ko-KR" altLang="en-US"/>
-              <a:t> </a:t>
-            </a:r>
-            <a:r>
-              <a:rPr lang="en-US" altLang="ko-KR"/>
-              <a:t>-</a:t>
-            </a:r>
-            <a:r>
-              <a:rPr lang="ko-KR" altLang="en-US"/>
-              <a:t> </a:t>
-            </a:r>
-            <a:r>
-              <a:rPr lang="en-US" altLang="ko-KR"/>
-              <a:t>help</a:t>
-            </a:r>
-            <a:r>
-              <a:rPr lang="ko-KR" altLang="en-US"/>
-              <a:t>명령어 사용으로 다른 명령어들의 사용법과 설명을 볼 수 있음</a:t>
-            </a:r>
-            <a:endParaRPr lang="ko-KR" altLang="en-US"/>
-          </a:p>
-          <a:p>
-            <a:pPr marL="0" lvl="0" indent="0">
-              <a:buNone/>
-              <a:defRPr/>
-            </a:pPr>
-            <a:endParaRPr lang="ko-KR" altLang="en-US"/>
-          </a:p>
-          <a:p>
-            <a:pPr marL="0" lvl="0" indent="0">
-              <a:buNone/>
-              <a:defRPr/>
-            </a:pPr>
-            <a:endParaRPr lang="ko-KR" altLang="en-US"/>
-          </a:p>
-          <a:p>
-            <a:pPr marL="0" lvl="0" indent="0">
-              <a:buNone/>
-              <a:defRPr/>
-            </a:pPr>
-            <a:r>
-              <a:rPr lang="ko-KR" altLang="en-US"/>
-              <a:t> </a:t>
-            </a:r>
-            <a:r>
-              <a:rPr lang="en-US" altLang="ko-KR"/>
-              <a:t>-</a:t>
-            </a:r>
-            <a:r>
-              <a:rPr lang="ko-KR" altLang="en-US"/>
-              <a:t> </a:t>
-            </a:r>
-            <a:r>
-              <a:rPr lang="en-US" altLang="ko-KR"/>
-              <a:t>파이썬 바이너리 파일 r/w</a:t>
-            </a:r>
-            <a:endParaRPr lang="en-US" altLang="ko-KR"/>
           </a:p>
           <a:p>
             <a:pPr lvl="0">
@@ -4706,8 +5781,38 @@
             </a:pPr>
             <a:endParaRPr lang="ko-KR" altLang="en-US"/>
           </a:p>
+          <a:p>
+            <a:pPr lvl="0">
+              <a:defRPr/>
+            </a:pPr>
+            <a:endParaRPr lang="ko-KR" altLang="en-US"/>
+          </a:p>
         </p:txBody>
       </p:sp>
+      <p:pic>
+        <p:nvPicPr>
+          <p:cNvPr id="7" name=""/>
+          <p:cNvPicPr>
+            <a:picLocks noChangeAspect="1"/>
+          </p:cNvPicPr>
+          <p:nvPr/>
+        </p:nvPicPr>
+        <p:blipFill rotWithShape="1">
+          <a:blip r:embed="rId2"/>
+          <a:stretch>
+            <a:fillRect/>
+          </a:stretch>
+        </p:blipFill>
+        <p:spPr>
+          <a:xfrm>
+            <a:off x="8663208" y="1332769"/>
+            <a:ext cx="3528792" cy="5525230"/>
+          </a:xfrm>
+          <a:prstGeom prst="rect">
+            <a:avLst/>
+          </a:prstGeom>
+        </p:spPr>
+      </p:pic>
     </p:spTree>
   </p:cSld>
   <p:clrMapOvr>
@@ -4724,7 +5829,7 @@
 </p:sld>
 </file>
 
-<file path=ppt/slides/slide12.xml><?xml version="1.0" encoding="utf-8"?>
+<file path=ppt/slides/slide17.xml><?xml version="1.0" encoding="utf-8"?>
 <p:sld xmlns:a="http://schemas.openxmlformats.org/drawingml/2006/main" xmlns:r="http://schemas.openxmlformats.org/officeDocument/2006/relationships" xmlns:p="http://schemas.openxmlformats.org/presentationml/2006/main">
   <p:cSld>
     <p:spTree>
@@ -5002,7 +6107,7 @@
 </p:sld>
 </file>
 
-<file path=ppt/slides/slide13.xml><?xml version="1.0" encoding="utf-8"?>
+<file path=ppt/slides/slide18.xml><?xml version="1.0" encoding="utf-8"?>
 <p:sld xmlns:r="http://schemas.openxmlformats.org/officeDocument/2006/relationships" xmlns:c="http://schemas.openxmlformats.org/drawingml/2006/chart" xmlns:a="http://schemas.openxmlformats.org/drawingml/2006/main" xmlns:dgm="http://schemas.openxmlformats.org/drawingml/2006/diagram" xmlns:dsp="http://schemas.microsoft.com/office/drawing/2008/diagram" xmlns:p="http://schemas.openxmlformats.org/presentationml/2006/main">
   <p:cSld>
     <p:spTree>
@@ -5035,7 +6140,7 @@
 </p:sld>
 </file>
 
-<file path=ppt/slides/slide14.xml><?xml version="1.0" encoding="utf-8"?>
+<file path=ppt/slides/slide19.xml><?xml version="1.0" encoding="utf-8"?>
 <p:sld xmlns:a="http://schemas.openxmlformats.org/drawingml/2006/main" xmlns:r="http://schemas.openxmlformats.org/officeDocument/2006/relationships" xmlns:p="http://schemas.openxmlformats.org/presentationml/2006/main">
   <p:cSld>
     <p:spTree>
@@ -5304,902 +6409,6 @@
     <p:extLst>
       <p:ext uri="{BB962C8B-B14F-4D97-AF65-F5344CB8AC3E}">
         <p14:creationId xmlns:p14="http://schemas.microsoft.com/office/powerpoint/2010/main" val="3636615241"/>
-      </p:ext>
-    </p:extLst>
-  </p:cSld>
-  <p:clrMapOvr>
-    <a:masterClrMapping/>
-  </p:clrMapOvr>
-</p:sld>
-</file>
-
-<file path=ppt/slides/slide15.xml><?xml version="1.0" encoding="utf-8"?>
-<p:sld xmlns:a="http://schemas.openxmlformats.org/drawingml/2006/main" xmlns:r="http://schemas.openxmlformats.org/officeDocument/2006/relationships" xmlns:p="http://schemas.openxmlformats.org/presentationml/2006/main">
-  <p:cSld>
-    <p:spTree>
-      <p:nvGrpSpPr>
-        <p:cNvPr id="1" name=""/>
-        <p:cNvGrpSpPr/>
-        <p:nvPr/>
-      </p:nvGrpSpPr>
-      <p:grpSpPr>
-        <a:xfrm>
-          <a:off x="0" y="0"/>
-          <a:ext cx="0" cy="0"/>
-          <a:chOff x="0" y="0"/>
-          <a:chExt cx="0" cy="0"/>
-        </a:xfrm>
-      </p:grpSpPr>
-      <p:sp>
-        <p:nvSpPr>
-          <p:cNvPr id="2" name="제목 1">
-            <a:extLst>
-              <a:ext uri="{FF2B5EF4-FFF2-40B4-BE49-F238E27FC236}">
-                <a16:creationId xmlns:a16="http://schemas.microsoft.com/office/drawing/2014/main" id="{9A1A2E3C-2FD9-439C-87BD-8AE3B27F8C97}"/>
-              </a:ext>
-            </a:extLst>
-          </p:cNvPr>
-          <p:cNvSpPr>
-            <a:spLocks noGrp="1"/>
-          </p:cNvSpPr>
-          <p:nvPr>
-            <p:ph type="title"/>
-          </p:nvPr>
-        </p:nvSpPr>
-        <p:spPr/>
-        <p:txBody>
-          <a:bodyPr/>
-          <a:lstStyle/>
-          <a:p>
-            <a:endParaRPr lang="ko-KR" altLang="en-US"/>
-          </a:p>
-        </p:txBody>
-      </p:sp>
-      <p:sp>
-        <p:nvSpPr>
-          <p:cNvPr id="3" name="내용 개체 틀 2">
-            <a:extLst>
-              <a:ext uri="{FF2B5EF4-FFF2-40B4-BE49-F238E27FC236}">
-                <a16:creationId xmlns:a16="http://schemas.microsoft.com/office/drawing/2014/main" id="{58DC695E-BF5C-4F1A-860C-8BD272E977AA}"/>
-              </a:ext>
-            </a:extLst>
-          </p:cNvPr>
-          <p:cNvSpPr>
-            <a:spLocks noGrp="1"/>
-          </p:cNvSpPr>
-          <p:nvPr>
-            <p:ph idx="1"/>
-          </p:nvPr>
-        </p:nvSpPr>
-        <p:spPr/>
-        <p:txBody>
-          <a:bodyPr/>
-          <a:lstStyle/>
-          <a:p>
-            <a:r>
-              <a:rPr lang="ko-KR" altLang="en-US" dirty="0"/>
-              <a:t>기능정의를 한다</a:t>
-            </a:r>
-            <a:endParaRPr lang="en-US" altLang="ko-KR" dirty="0"/>
-          </a:p>
-          <a:p>
-            <a:r>
-              <a:rPr lang="ko-KR" altLang="en-US" dirty="0"/>
-              <a:t>정의 한 기능에 대해 </a:t>
-            </a:r>
-            <a:r>
-              <a:rPr lang="en-US" altLang="ko-KR" dirty="0"/>
-              <a:t>Flow</a:t>
-            </a:r>
-            <a:r>
-              <a:rPr lang="ko-KR" altLang="en-US" dirty="0"/>
-              <a:t>를 작성한다</a:t>
-            </a:r>
-            <a:r>
-              <a:rPr lang="en-US" altLang="ko-KR" dirty="0"/>
-              <a:t>.</a:t>
-            </a:r>
-            <a:endParaRPr lang="ko-KR" altLang="en-US" dirty="0"/>
-          </a:p>
-        </p:txBody>
-      </p:sp>
-    </p:spTree>
-    <p:extLst>
-      <p:ext uri="{BB962C8B-B14F-4D97-AF65-F5344CB8AC3E}">
-        <p14:creationId xmlns:p14="http://schemas.microsoft.com/office/powerpoint/2010/main" val="3772914977"/>
-      </p:ext>
-    </p:extLst>
-  </p:cSld>
-  <p:clrMapOvr>
-    <a:masterClrMapping/>
-  </p:clrMapOvr>
-</p:sld>
-</file>
-
-<file path=ppt/slides/slide16.xml><?xml version="1.0" encoding="utf-8"?>
-<p:sld xmlns:a="http://schemas.openxmlformats.org/drawingml/2006/main" xmlns:r="http://schemas.openxmlformats.org/officeDocument/2006/relationships" xmlns:p="http://schemas.openxmlformats.org/presentationml/2006/main">
-  <p:cSld>
-    <p:spTree>
-      <p:nvGrpSpPr>
-        <p:cNvPr id="1" name=""/>
-        <p:cNvGrpSpPr/>
-        <p:nvPr/>
-      </p:nvGrpSpPr>
-      <p:grpSpPr>
-        <a:xfrm>
-          <a:off x="0" y="0"/>
-          <a:ext cx="0" cy="0"/>
-          <a:chOff x="0" y="0"/>
-          <a:chExt cx="0" cy="0"/>
-        </a:xfrm>
-      </p:grpSpPr>
-      <p:sp>
-        <p:nvSpPr>
-          <p:cNvPr id="10" name="직사각형 9"/>
-          <p:cNvSpPr/>
-          <p:nvPr/>
-        </p:nvSpPr>
-        <p:spPr>
-          <a:xfrm>
-            <a:off x="-1" y="2398426"/>
-            <a:ext cx="12192001" cy="1338109"/>
-          </a:xfrm>
-          <a:prstGeom prst="rect">
-            <a:avLst/>
-          </a:prstGeom>
-          <a:solidFill>
-            <a:schemeClr val="accent1">
-              <a:lumMod val="75000"/>
-            </a:schemeClr>
-          </a:solidFill>
-          <a:ln>
-            <a:noFill/>
-          </a:ln>
-        </p:spPr>
-        <p:style>
-          <a:lnRef idx="2">
-            <a:schemeClr val="accent1">
-              <a:shade val="50000"/>
-            </a:schemeClr>
-          </a:lnRef>
-          <a:fillRef idx="1">
-            <a:schemeClr val="accent1"/>
-          </a:fillRef>
-          <a:effectRef idx="0">
-            <a:schemeClr val="accent1"/>
-          </a:effectRef>
-          <a:fontRef idx="minor">
-            <a:schemeClr val="lt1"/>
-          </a:fontRef>
-        </p:style>
-        <p:txBody>
-          <a:bodyPr rtlCol="0" anchor="ctr"/>
-          <a:lstStyle/>
-          <a:p>
-            <a:pPr algn="ctr"/>
-            <a:endParaRPr kumimoji="1" lang="ko-KR" altLang="en-US" dirty="0"/>
-          </a:p>
-        </p:txBody>
-      </p:sp>
-      <p:sp>
-        <p:nvSpPr>
-          <p:cNvPr id="12" name="부제목 2"/>
-          <p:cNvSpPr txBox="1">
-            <a:spLocks/>
-          </p:cNvSpPr>
-          <p:nvPr/>
-        </p:nvSpPr>
-        <p:spPr>
-          <a:xfrm>
-            <a:off x="1" y="2608234"/>
-            <a:ext cx="12192000" cy="754314"/>
-          </a:xfrm>
-          <a:prstGeom prst="rect">
-            <a:avLst/>
-          </a:prstGeom>
-        </p:spPr>
-        <p:txBody>
-          <a:bodyPr vert="horz" lIns="91440" tIns="45720" rIns="91440" bIns="45720" rtlCol="0" anchor="ctr">
-            <a:noAutofit/>
-          </a:bodyPr>
-          <a:lstStyle>
-            <a:lvl1pPr marL="0" indent="0" algn="ctr" defTabSz="914423" rtl="0" eaLnBrk="1" latinLnBrk="1" hangingPunct="1">
-              <a:lnSpc>
-                <a:spcPct val="90000"/>
-              </a:lnSpc>
-              <a:spcBef>
-                <a:spcPts val="1001"/>
-              </a:spcBef>
-              <a:buFont typeface="Arial"/>
-              <a:buNone/>
-              <a:defRPr sz="2400" kern="1200">
-                <a:solidFill>
-                  <a:schemeClr val="tx1"/>
-                </a:solidFill>
-                <a:latin typeface="+mn-lt"/>
-                <a:ea typeface="+mn-ea"/>
-                <a:cs typeface="+mn-cs"/>
-              </a:defRPr>
-            </a:lvl1pPr>
-            <a:lvl2pPr marL="457211" indent="0" algn="ctr" defTabSz="914423" rtl="0" eaLnBrk="1" latinLnBrk="1" hangingPunct="1">
-              <a:lnSpc>
-                <a:spcPct val="90000"/>
-              </a:lnSpc>
-              <a:spcBef>
-                <a:spcPts val="500"/>
-              </a:spcBef>
-              <a:buFont typeface="Arial"/>
-              <a:buNone/>
-              <a:defRPr sz="2000" kern="1200">
-                <a:solidFill>
-                  <a:schemeClr val="tx1"/>
-                </a:solidFill>
-                <a:latin typeface="+mn-lt"/>
-                <a:ea typeface="+mn-ea"/>
-                <a:cs typeface="+mn-cs"/>
-              </a:defRPr>
-            </a:lvl2pPr>
-            <a:lvl3pPr marL="914423" indent="0" algn="ctr" defTabSz="914423" rtl="0" eaLnBrk="1" latinLnBrk="1" hangingPunct="1">
-              <a:lnSpc>
-                <a:spcPct val="90000"/>
-              </a:lnSpc>
-              <a:spcBef>
-                <a:spcPts val="500"/>
-              </a:spcBef>
-              <a:buFont typeface="Arial"/>
-              <a:buNone/>
-              <a:defRPr sz="1801" kern="1200">
-                <a:solidFill>
-                  <a:schemeClr val="tx1"/>
-                </a:solidFill>
-                <a:latin typeface="+mn-lt"/>
-                <a:ea typeface="+mn-ea"/>
-                <a:cs typeface="+mn-cs"/>
-              </a:defRPr>
-            </a:lvl3pPr>
-            <a:lvl4pPr marL="1371634" indent="0" algn="ctr" defTabSz="914423" rtl="0" eaLnBrk="1" latinLnBrk="1" hangingPunct="1">
-              <a:lnSpc>
-                <a:spcPct val="90000"/>
-              </a:lnSpc>
-              <a:spcBef>
-                <a:spcPts val="500"/>
-              </a:spcBef>
-              <a:buFont typeface="Arial"/>
-              <a:buNone/>
-              <a:defRPr sz="1600" kern="1200">
-                <a:solidFill>
-                  <a:schemeClr val="tx1"/>
-                </a:solidFill>
-                <a:latin typeface="+mn-lt"/>
-                <a:ea typeface="+mn-ea"/>
-                <a:cs typeface="+mn-cs"/>
-              </a:defRPr>
-            </a:lvl4pPr>
-            <a:lvl5pPr marL="1828846" indent="0" algn="ctr" defTabSz="914423" rtl="0" eaLnBrk="1" latinLnBrk="1" hangingPunct="1">
-              <a:lnSpc>
-                <a:spcPct val="90000"/>
-              </a:lnSpc>
-              <a:spcBef>
-                <a:spcPts val="500"/>
-              </a:spcBef>
-              <a:buFont typeface="Arial"/>
-              <a:buNone/>
-              <a:defRPr sz="1600" kern="1200">
-                <a:solidFill>
-                  <a:schemeClr val="tx1"/>
-                </a:solidFill>
-                <a:latin typeface="+mn-lt"/>
-                <a:ea typeface="+mn-ea"/>
-                <a:cs typeface="+mn-cs"/>
-              </a:defRPr>
-            </a:lvl5pPr>
-            <a:lvl6pPr marL="2286057" indent="0" algn="ctr" defTabSz="914423" rtl="0" eaLnBrk="1" latinLnBrk="1" hangingPunct="1">
-              <a:lnSpc>
-                <a:spcPct val="90000"/>
-              </a:lnSpc>
-              <a:spcBef>
-                <a:spcPts val="500"/>
-              </a:spcBef>
-              <a:buFont typeface="Arial"/>
-              <a:buNone/>
-              <a:defRPr sz="1600" kern="1200">
-                <a:solidFill>
-                  <a:schemeClr val="tx1"/>
-                </a:solidFill>
-                <a:latin typeface="+mn-lt"/>
-                <a:ea typeface="+mn-ea"/>
-                <a:cs typeface="+mn-cs"/>
-              </a:defRPr>
-            </a:lvl6pPr>
-            <a:lvl7pPr marL="2743269" indent="0" algn="ctr" defTabSz="914423" rtl="0" eaLnBrk="1" latinLnBrk="1" hangingPunct="1">
-              <a:lnSpc>
-                <a:spcPct val="90000"/>
-              </a:lnSpc>
-              <a:spcBef>
-                <a:spcPts val="500"/>
-              </a:spcBef>
-              <a:buFont typeface="Arial"/>
-              <a:buNone/>
-              <a:defRPr sz="1600" kern="1200">
-                <a:solidFill>
-                  <a:schemeClr val="tx1"/>
-                </a:solidFill>
-                <a:latin typeface="+mn-lt"/>
-                <a:ea typeface="+mn-ea"/>
-                <a:cs typeface="+mn-cs"/>
-              </a:defRPr>
-            </a:lvl7pPr>
-            <a:lvl8pPr marL="3200480" indent="0" algn="ctr" defTabSz="914423" rtl="0" eaLnBrk="1" latinLnBrk="1" hangingPunct="1">
-              <a:lnSpc>
-                <a:spcPct val="90000"/>
-              </a:lnSpc>
-              <a:spcBef>
-                <a:spcPts val="500"/>
-              </a:spcBef>
-              <a:buFont typeface="Arial"/>
-              <a:buNone/>
-              <a:defRPr sz="1600" kern="1200">
-                <a:solidFill>
-                  <a:schemeClr val="tx1"/>
-                </a:solidFill>
-                <a:latin typeface="+mn-lt"/>
-                <a:ea typeface="+mn-ea"/>
-                <a:cs typeface="+mn-cs"/>
-              </a:defRPr>
-            </a:lvl8pPr>
-            <a:lvl9pPr marL="3657691" indent="0" algn="ctr" defTabSz="914423" rtl="0" eaLnBrk="1" latinLnBrk="1" hangingPunct="1">
-              <a:lnSpc>
-                <a:spcPct val="90000"/>
-              </a:lnSpc>
-              <a:spcBef>
-                <a:spcPts val="500"/>
-              </a:spcBef>
-              <a:buFont typeface="Arial"/>
-              <a:buNone/>
-              <a:defRPr sz="1600" kern="1200">
-                <a:solidFill>
-                  <a:schemeClr val="tx1"/>
-                </a:solidFill>
-                <a:latin typeface="+mn-lt"/>
-                <a:ea typeface="+mn-ea"/>
-                <a:cs typeface="+mn-cs"/>
-              </a:defRPr>
-            </a:lvl9pPr>
-          </a:lstStyle>
-          <a:p>
-            <a:r>
-              <a:rPr lang="ko-KR" altLang="en-US" sz="4800" dirty="0">
-                <a:solidFill>
-                  <a:schemeClr val="bg1"/>
-                </a:solidFill>
-                <a:latin typeface="+mj-lt"/>
-                <a:ea typeface="맑은 고딕" charset="-127"/>
-                <a:cs typeface="맑은 고딕" charset="-127"/>
-              </a:rPr>
-              <a:t>기능 검토 </a:t>
-            </a:r>
-            <a:r>
-              <a:rPr lang="en-US" altLang="ko-KR" sz="4800" dirty="0">
-                <a:solidFill>
-                  <a:schemeClr val="bg1"/>
-                </a:solidFill>
-                <a:latin typeface="+mj-lt"/>
-                <a:ea typeface="맑은 고딕" charset="-127"/>
-                <a:cs typeface="맑은 고딕" charset="-127"/>
-              </a:rPr>
-              <a:t>(</a:t>
-            </a:r>
-            <a:r>
-              <a:rPr lang="ko-KR" altLang="en-US" sz="4800" dirty="0">
-                <a:solidFill>
-                  <a:schemeClr val="bg1"/>
-                </a:solidFill>
-                <a:latin typeface="+mj-lt"/>
-                <a:ea typeface="맑은 고딕" charset="-127"/>
-                <a:cs typeface="맑은 고딕" charset="-127"/>
-              </a:rPr>
-              <a:t>근거자료 및 샘플코드</a:t>
-            </a:r>
-            <a:r>
-              <a:rPr lang="en-US" altLang="ko-KR" sz="4800" dirty="0">
-                <a:solidFill>
-                  <a:schemeClr val="bg1"/>
-                </a:solidFill>
-                <a:latin typeface="+mj-lt"/>
-                <a:ea typeface="맑은 고딕" charset="-127"/>
-                <a:cs typeface="맑은 고딕" charset="-127"/>
-              </a:rPr>
-              <a:t>)</a:t>
-            </a:r>
-            <a:endParaRPr lang="ko-KR" altLang="en-US" sz="4800" dirty="0">
-              <a:solidFill>
-                <a:schemeClr val="bg1"/>
-              </a:solidFill>
-              <a:latin typeface="+mj-lt"/>
-              <a:ea typeface="맑은 고딕" charset="-127"/>
-              <a:cs typeface="맑은 고딕" charset="-127"/>
-            </a:endParaRPr>
-          </a:p>
-        </p:txBody>
-      </p:sp>
-    </p:spTree>
-    <p:extLst>
-      <p:ext uri="{BB962C8B-B14F-4D97-AF65-F5344CB8AC3E}">
-        <p14:creationId xmlns:p14="http://schemas.microsoft.com/office/powerpoint/2010/main" val="2800779971"/>
-      </p:ext>
-    </p:extLst>
-  </p:cSld>
-  <p:clrMapOvr>
-    <a:masterClrMapping/>
-  </p:clrMapOvr>
-</p:sld>
-</file>
-
-<file path=ppt/slides/slide17.xml><?xml version="1.0" encoding="utf-8"?>
-<p:sld xmlns:a="http://schemas.openxmlformats.org/drawingml/2006/main" xmlns:r="http://schemas.openxmlformats.org/officeDocument/2006/relationships" xmlns:p="http://schemas.openxmlformats.org/presentationml/2006/main">
-  <p:cSld>
-    <p:spTree>
-      <p:nvGrpSpPr>
-        <p:cNvPr id="1" name=""/>
-        <p:cNvGrpSpPr/>
-        <p:nvPr/>
-      </p:nvGrpSpPr>
-      <p:grpSpPr>
-        <a:xfrm>
-          <a:off x="0" y="0"/>
-          <a:ext cx="0" cy="0"/>
-          <a:chOff x="0" y="0"/>
-          <a:chExt cx="0" cy="0"/>
-        </a:xfrm>
-      </p:grpSpPr>
-      <p:sp>
-        <p:nvSpPr>
-          <p:cNvPr id="2" name="제목 1">
-            <a:extLst>
-              <a:ext uri="{FF2B5EF4-FFF2-40B4-BE49-F238E27FC236}">
-                <a16:creationId xmlns:a16="http://schemas.microsoft.com/office/drawing/2014/main" id="{CD32A4A8-C5FD-473F-A41F-A660400BC448}"/>
-              </a:ext>
-            </a:extLst>
-          </p:cNvPr>
-          <p:cNvSpPr>
-            <a:spLocks noGrp="1"/>
-          </p:cNvSpPr>
-          <p:nvPr>
-            <p:ph type="title"/>
-          </p:nvPr>
-        </p:nvSpPr>
-        <p:spPr/>
-        <p:txBody>
-          <a:bodyPr/>
-          <a:lstStyle/>
-          <a:p>
-            <a:endParaRPr lang="ko-KR" altLang="en-US"/>
-          </a:p>
-        </p:txBody>
-      </p:sp>
-      <p:sp>
-        <p:nvSpPr>
-          <p:cNvPr id="3" name="내용 개체 틀 2">
-            <a:extLst>
-              <a:ext uri="{FF2B5EF4-FFF2-40B4-BE49-F238E27FC236}">
-                <a16:creationId xmlns:a16="http://schemas.microsoft.com/office/drawing/2014/main" id="{FC688E77-0112-474B-BD84-18F7FC4240C7}"/>
-              </a:ext>
-            </a:extLst>
-          </p:cNvPr>
-          <p:cNvSpPr>
-            <a:spLocks noGrp="1"/>
-          </p:cNvSpPr>
-          <p:nvPr>
-            <p:ph idx="1"/>
-          </p:nvPr>
-        </p:nvSpPr>
-        <p:spPr/>
-        <p:txBody>
-          <a:bodyPr/>
-          <a:lstStyle/>
-          <a:p>
-            <a:r>
-              <a:rPr lang="ko-KR" altLang="en-US" dirty="0"/>
-              <a:t>기능 구현에 필요한 기술을 알아본다</a:t>
-            </a:r>
-            <a:endParaRPr lang="en-US" altLang="ko-KR" dirty="0"/>
-          </a:p>
-          <a:p>
-            <a:endParaRPr lang="en-US" altLang="ko-KR" dirty="0"/>
-          </a:p>
-          <a:p>
-            <a:r>
-              <a:rPr lang="ko-KR" altLang="en-US" dirty="0"/>
-              <a:t>샘플 코드를 수집한다</a:t>
-            </a:r>
-            <a:r>
-              <a:rPr lang="en-US" altLang="ko-KR" dirty="0"/>
-              <a:t>.</a:t>
-            </a:r>
-            <a:endParaRPr lang="ko-KR" altLang="en-US" dirty="0"/>
-          </a:p>
-        </p:txBody>
-      </p:sp>
-    </p:spTree>
-    <p:extLst>
-      <p:ext uri="{BB962C8B-B14F-4D97-AF65-F5344CB8AC3E}">
-        <p14:creationId xmlns:p14="http://schemas.microsoft.com/office/powerpoint/2010/main" val="414149680"/>
-      </p:ext>
-    </p:extLst>
-  </p:cSld>
-  <p:clrMapOvr>
-    <a:masterClrMapping/>
-  </p:clrMapOvr>
-</p:sld>
-</file>
-
-<file path=ppt/slides/slide18.xml><?xml version="1.0" encoding="utf-8"?>
-<p:sld xmlns:a="http://schemas.openxmlformats.org/drawingml/2006/main" xmlns:r="http://schemas.openxmlformats.org/officeDocument/2006/relationships" xmlns:p="http://schemas.openxmlformats.org/presentationml/2006/main">
-  <p:cSld>
-    <p:spTree>
-      <p:nvGrpSpPr>
-        <p:cNvPr id="1" name=""/>
-        <p:cNvGrpSpPr/>
-        <p:nvPr/>
-      </p:nvGrpSpPr>
-      <p:grpSpPr>
-        <a:xfrm>
-          <a:off x="0" y="0"/>
-          <a:ext cx="0" cy="0"/>
-          <a:chOff x="0" y="0"/>
-          <a:chExt cx="0" cy="0"/>
-        </a:xfrm>
-      </p:grpSpPr>
-      <p:sp>
-        <p:nvSpPr>
-          <p:cNvPr id="10" name="직사각형 9"/>
-          <p:cNvSpPr/>
-          <p:nvPr/>
-        </p:nvSpPr>
-        <p:spPr>
-          <a:xfrm>
-            <a:off x="-1" y="2398426"/>
-            <a:ext cx="12192001" cy="1338109"/>
-          </a:xfrm>
-          <a:prstGeom prst="rect">
-            <a:avLst/>
-          </a:prstGeom>
-          <a:solidFill>
-            <a:schemeClr val="accent1">
-              <a:lumMod val="75000"/>
-            </a:schemeClr>
-          </a:solidFill>
-          <a:ln>
-            <a:noFill/>
-          </a:ln>
-        </p:spPr>
-        <p:style>
-          <a:lnRef idx="2">
-            <a:schemeClr val="accent1">
-              <a:shade val="50000"/>
-            </a:schemeClr>
-          </a:lnRef>
-          <a:fillRef idx="1">
-            <a:schemeClr val="accent1"/>
-          </a:fillRef>
-          <a:effectRef idx="0">
-            <a:schemeClr val="accent1"/>
-          </a:effectRef>
-          <a:fontRef idx="minor">
-            <a:schemeClr val="lt1"/>
-          </a:fontRef>
-        </p:style>
-        <p:txBody>
-          <a:bodyPr rtlCol="0" anchor="ctr"/>
-          <a:lstStyle/>
-          <a:p>
-            <a:pPr algn="ctr"/>
-            <a:endParaRPr kumimoji="1" lang="ko-KR" altLang="en-US" dirty="0"/>
-          </a:p>
-        </p:txBody>
-      </p:sp>
-      <p:sp>
-        <p:nvSpPr>
-          <p:cNvPr id="12" name="부제목 2"/>
-          <p:cNvSpPr txBox="1">
-            <a:spLocks/>
-          </p:cNvSpPr>
-          <p:nvPr/>
-        </p:nvSpPr>
-        <p:spPr>
-          <a:xfrm>
-            <a:off x="1" y="2608234"/>
-            <a:ext cx="12192000" cy="754314"/>
-          </a:xfrm>
-          <a:prstGeom prst="rect">
-            <a:avLst/>
-          </a:prstGeom>
-        </p:spPr>
-        <p:txBody>
-          <a:bodyPr vert="horz" lIns="91440" tIns="45720" rIns="91440" bIns="45720" rtlCol="0" anchor="ctr">
-            <a:noAutofit/>
-          </a:bodyPr>
-          <a:lstStyle>
-            <a:lvl1pPr marL="0" indent="0" algn="ctr" defTabSz="914423" rtl="0" eaLnBrk="1" latinLnBrk="1" hangingPunct="1">
-              <a:lnSpc>
-                <a:spcPct val="90000"/>
-              </a:lnSpc>
-              <a:spcBef>
-                <a:spcPts val="1001"/>
-              </a:spcBef>
-              <a:buFont typeface="Arial"/>
-              <a:buNone/>
-              <a:defRPr sz="2400" kern="1200">
-                <a:solidFill>
-                  <a:schemeClr val="tx1"/>
-                </a:solidFill>
-                <a:latin typeface="+mn-lt"/>
-                <a:ea typeface="+mn-ea"/>
-                <a:cs typeface="+mn-cs"/>
-              </a:defRPr>
-            </a:lvl1pPr>
-            <a:lvl2pPr marL="457211" indent="0" algn="ctr" defTabSz="914423" rtl="0" eaLnBrk="1" latinLnBrk="1" hangingPunct="1">
-              <a:lnSpc>
-                <a:spcPct val="90000"/>
-              </a:lnSpc>
-              <a:spcBef>
-                <a:spcPts val="500"/>
-              </a:spcBef>
-              <a:buFont typeface="Arial"/>
-              <a:buNone/>
-              <a:defRPr sz="2000" kern="1200">
-                <a:solidFill>
-                  <a:schemeClr val="tx1"/>
-                </a:solidFill>
-                <a:latin typeface="+mn-lt"/>
-                <a:ea typeface="+mn-ea"/>
-                <a:cs typeface="+mn-cs"/>
-              </a:defRPr>
-            </a:lvl2pPr>
-            <a:lvl3pPr marL="914423" indent="0" algn="ctr" defTabSz="914423" rtl="0" eaLnBrk="1" latinLnBrk="1" hangingPunct="1">
-              <a:lnSpc>
-                <a:spcPct val="90000"/>
-              </a:lnSpc>
-              <a:spcBef>
-                <a:spcPts val="500"/>
-              </a:spcBef>
-              <a:buFont typeface="Arial"/>
-              <a:buNone/>
-              <a:defRPr sz="1801" kern="1200">
-                <a:solidFill>
-                  <a:schemeClr val="tx1"/>
-                </a:solidFill>
-                <a:latin typeface="+mn-lt"/>
-                <a:ea typeface="+mn-ea"/>
-                <a:cs typeface="+mn-cs"/>
-              </a:defRPr>
-            </a:lvl3pPr>
-            <a:lvl4pPr marL="1371634" indent="0" algn="ctr" defTabSz="914423" rtl="0" eaLnBrk="1" latinLnBrk="1" hangingPunct="1">
-              <a:lnSpc>
-                <a:spcPct val="90000"/>
-              </a:lnSpc>
-              <a:spcBef>
-                <a:spcPts val="500"/>
-              </a:spcBef>
-              <a:buFont typeface="Arial"/>
-              <a:buNone/>
-              <a:defRPr sz="1600" kern="1200">
-                <a:solidFill>
-                  <a:schemeClr val="tx1"/>
-                </a:solidFill>
-                <a:latin typeface="+mn-lt"/>
-                <a:ea typeface="+mn-ea"/>
-                <a:cs typeface="+mn-cs"/>
-              </a:defRPr>
-            </a:lvl4pPr>
-            <a:lvl5pPr marL="1828846" indent="0" algn="ctr" defTabSz="914423" rtl="0" eaLnBrk="1" latinLnBrk="1" hangingPunct="1">
-              <a:lnSpc>
-                <a:spcPct val="90000"/>
-              </a:lnSpc>
-              <a:spcBef>
-                <a:spcPts val="500"/>
-              </a:spcBef>
-              <a:buFont typeface="Arial"/>
-              <a:buNone/>
-              <a:defRPr sz="1600" kern="1200">
-                <a:solidFill>
-                  <a:schemeClr val="tx1"/>
-                </a:solidFill>
-                <a:latin typeface="+mn-lt"/>
-                <a:ea typeface="+mn-ea"/>
-                <a:cs typeface="+mn-cs"/>
-              </a:defRPr>
-            </a:lvl5pPr>
-            <a:lvl6pPr marL="2286057" indent="0" algn="ctr" defTabSz="914423" rtl="0" eaLnBrk="1" latinLnBrk="1" hangingPunct="1">
-              <a:lnSpc>
-                <a:spcPct val="90000"/>
-              </a:lnSpc>
-              <a:spcBef>
-                <a:spcPts val="500"/>
-              </a:spcBef>
-              <a:buFont typeface="Arial"/>
-              <a:buNone/>
-              <a:defRPr sz="1600" kern="1200">
-                <a:solidFill>
-                  <a:schemeClr val="tx1"/>
-                </a:solidFill>
-                <a:latin typeface="+mn-lt"/>
-                <a:ea typeface="+mn-ea"/>
-                <a:cs typeface="+mn-cs"/>
-              </a:defRPr>
-            </a:lvl6pPr>
-            <a:lvl7pPr marL="2743269" indent="0" algn="ctr" defTabSz="914423" rtl="0" eaLnBrk="1" latinLnBrk="1" hangingPunct="1">
-              <a:lnSpc>
-                <a:spcPct val="90000"/>
-              </a:lnSpc>
-              <a:spcBef>
-                <a:spcPts val="500"/>
-              </a:spcBef>
-              <a:buFont typeface="Arial"/>
-              <a:buNone/>
-              <a:defRPr sz="1600" kern="1200">
-                <a:solidFill>
-                  <a:schemeClr val="tx1"/>
-                </a:solidFill>
-                <a:latin typeface="+mn-lt"/>
-                <a:ea typeface="+mn-ea"/>
-                <a:cs typeface="+mn-cs"/>
-              </a:defRPr>
-            </a:lvl7pPr>
-            <a:lvl8pPr marL="3200480" indent="0" algn="ctr" defTabSz="914423" rtl="0" eaLnBrk="1" latinLnBrk="1" hangingPunct="1">
-              <a:lnSpc>
-                <a:spcPct val="90000"/>
-              </a:lnSpc>
-              <a:spcBef>
-                <a:spcPts val="500"/>
-              </a:spcBef>
-              <a:buFont typeface="Arial"/>
-              <a:buNone/>
-              <a:defRPr sz="1600" kern="1200">
-                <a:solidFill>
-                  <a:schemeClr val="tx1"/>
-                </a:solidFill>
-                <a:latin typeface="+mn-lt"/>
-                <a:ea typeface="+mn-ea"/>
-                <a:cs typeface="+mn-cs"/>
-              </a:defRPr>
-            </a:lvl8pPr>
-            <a:lvl9pPr marL="3657691" indent="0" algn="ctr" defTabSz="914423" rtl="0" eaLnBrk="1" latinLnBrk="1" hangingPunct="1">
-              <a:lnSpc>
-                <a:spcPct val="90000"/>
-              </a:lnSpc>
-              <a:spcBef>
-                <a:spcPts val="500"/>
-              </a:spcBef>
-              <a:buFont typeface="Arial"/>
-              <a:buNone/>
-              <a:defRPr sz="1600" kern="1200">
-                <a:solidFill>
-                  <a:schemeClr val="tx1"/>
-                </a:solidFill>
-                <a:latin typeface="+mn-lt"/>
-                <a:ea typeface="+mn-ea"/>
-                <a:cs typeface="+mn-cs"/>
-              </a:defRPr>
-            </a:lvl9pPr>
-          </a:lstStyle>
-          <a:p>
-            <a:r>
-              <a:rPr lang="ko-KR" altLang="en-US" sz="4800" dirty="0">
-                <a:solidFill>
-                  <a:schemeClr val="bg1"/>
-                </a:solidFill>
-                <a:latin typeface="+mj-lt"/>
-                <a:ea typeface="맑은 고딕" charset="-127"/>
-                <a:cs typeface="맑은 고딕" charset="-127"/>
-              </a:rPr>
-              <a:t>스토리보드 제작</a:t>
-            </a:r>
-          </a:p>
-        </p:txBody>
-      </p:sp>
-    </p:spTree>
-    <p:extLst>
-      <p:ext uri="{BB962C8B-B14F-4D97-AF65-F5344CB8AC3E}">
-        <p14:creationId xmlns:p14="http://schemas.microsoft.com/office/powerpoint/2010/main" val="4131486605"/>
-      </p:ext>
-    </p:extLst>
-  </p:cSld>
-  <p:clrMapOvr>
-    <a:masterClrMapping/>
-  </p:clrMapOvr>
-</p:sld>
-</file>
-
-<file path=ppt/slides/slide19.xml><?xml version="1.0" encoding="utf-8"?>
-<p:sld xmlns:a="http://schemas.openxmlformats.org/drawingml/2006/main" xmlns:r="http://schemas.openxmlformats.org/officeDocument/2006/relationships" xmlns:p="http://schemas.openxmlformats.org/presentationml/2006/main">
-  <p:cSld>
-    <p:spTree>
-      <p:nvGrpSpPr>
-        <p:cNvPr id="1" name=""/>
-        <p:cNvGrpSpPr/>
-        <p:nvPr/>
-      </p:nvGrpSpPr>
-      <p:grpSpPr>
-        <a:xfrm>
-          <a:off x="0" y="0"/>
-          <a:ext cx="0" cy="0"/>
-          <a:chOff x="0" y="0"/>
-          <a:chExt cx="0" cy="0"/>
-        </a:xfrm>
-      </p:grpSpPr>
-      <p:sp>
-        <p:nvSpPr>
-          <p:cNvPr id="2" name="제목 1">
-            <a:extLst>
-              <a:ext uri="{FF2B5EF4-FFF2-40B4-BE49-F238E27FC236}">
-                <a16:creationId xmlns:a16="http://schemas.microsoft.com/office/drawing/2014/main" id="{FEF97B69-9031-4A28-901F-246C46549083}"/>
-              </a:ext>
-            </a:extLst>
-          </p:cNvPr>
-          <p:cNvSpPr>
-            <a:spLocks noGrp="1"/>
-          </p:cNvSpPr>
-          <p:nvPr>
-            <p:ph type="title"/>
-          </p:nvPr>
-        </p:nvSpPr>
-        <p:spPr/>
-        <p:txBody>
-          <a:bodyPr/>
-          <a:lstStyle/>
-          <a:p>
-            <a:endParaRPr lang="ko-KR" altLang="en-US"/>
-          </a:p>
-        </p:txBody>
-      </p:sp>
-      <p:sp>
-        <p:nvSpPr>
-          <p:cNvPr id="3" name="내용 개체 틀 2">
-            <a:extLst>
-              <a:ext uri="{FF2B5EF4-FFF2-40B4-BE49-F238E27FC236}">
-                <a16:creationId xmlns:a16="http://schemas.microsoft.com/office/drawing/2014/main" id="{7B537D8F-5982-4653-B96A-BB8B9CAB7064}"/>
-              </a:ext>
-            </a:extLst>
-          </p:cNvPr>
-          <p:cNvSpPr>
-            <a:spLocks noGrp="1"/>
-          </p:cNvSpPr>
-          <p:nvPr>
-            <p:ph idx="1"/>
-          </p:nvPr>
-        </p:nvSpPr>
-        <p:spPr/>
-        <p:txBody>
-          <a:bodyPr/>
-          <a:lstStyle/>
-          <a:p>
-            <a:r>
-              <a:rPr lang="ko-KR" altLang="en-US" dirty="0"/>
-              <a:t>기능 구현에 대한 디자인 구상</a:t>
-            </a:r>
-            <a:endParaRPr lang="en-US" altLang="ko-KR" dirty="0"/>
-          </a:p>
-          <a:p>
-            <a:endParaRPr lang="en-US" altLang="ko-KR" dirty="0"/>
-          </a:p>
-          <a:p>
-            <a:r>
-              <a:rPr lang="ko-KR" altLang="en-US" dirty="0"/>
-              <a:t>디자인에 따른 동작을 기술하고 연계 한다</a:t>
-            </a:r>
-            <a:r>
-              <a:rPr lang="en-US" altLang="ko-KR" dirty="0"/>
-              <a:t>.</a:t>
-            </a:r>
-            <a:endParaRPr lang="ko-KR" altLang="en-US" dirty="0"/>
-          </a:p>
-        </p:txBody>
-      </p:sp>
-    </p:spTree>
-    <p:extLst>
-      <p:ext uri="{BB962C8B-B14F-4D97-AF65-F5344CB8AC3E}">
-        <p14:creationId xmlns:p14="http://schemas.microsoft.com/office/powerpoint/2010/main" val="1723942396"/>
       </p:ext>
     </p:extLst>
   </p:cSld>
@@ -8439,6 +8648,113 @@
 </file>
 
 <file path=ppt/slides/slide20.xml><?xml version="1.0" encoding="utf-8"?>
+<p:sld xmlns:r="http://schemas.openxmlformats.org/officeDocument/2006/relationships" xmlns:c="http://schemas.openxmlformats.org/drawingml/2006/chart" xmlns:a="http://schemas.openxmlformats.org/drawingml/2006/main" xmlns:dgm="http://schemas.openxmlformats.org/drawingml/2006/diagram" xmlns:dsp="http://schemas.microsoft.com/office/drawing/2008/diagram" xmlns:p="http://schemas.openxmlformats.org/presentationml/2006/main">
+  <p:cSld>
+    <p:spTree>
+      <p:nvGrpSpPr>
+        <p:cNvPr id="1" name=""/>
+        <p:cNvGrpSpPr/>
+        <p:nvPr/>
+      </p:nvGrpSpPr>
+      <p:grpSpPr>
+        <a:xfrm>
+          <a:off x="0" y="0"/>
+          <a:ext cx="0" cy="0"/>
+          <a:chOff x="0" y="0"/>
+          <a:chExt cx="0" cy="0"/>
+        </a:xfrm>
+      </p:grpSpPr>
+      <p:sp>
+        <p:nvSpPr>
+          <p:cNvPr id="2" name="제목 1"/>
+          <p:cNvSpPr>
+            <a:spLocks noGrp="1"/>
+          </p:cNvSpPr>
+          <p:nvPr>
+            <p:ph type="title" idx="0"/>
+          </p:nvPr>
+        </p:nvSpPr>
+        <p:spPr/>
+        <p:txBody>
+          <a:bodyPr/>
+          <a:lstStyle/>
+          <a:p>
+            <a:pPr lvl="0">
+              <a:defRPr/>
+            </a:pPr>
+            <a:r>
+              <a:rPr lang="ko-KR" altLang="en-US"/>
+              <a:t/>
+            </a:r>
+            <a:endParaRPr lang="ko-KR" altLang="en-US"/>
+          </a:p>
+        </p:txBody>
+      </p:sp>
+      <p:sp>
+        <p:nvSpPr>
+          <p:cNvPr id="3" name="내용 개체 틀 2"/>
+          <p:cNvSpPr>
+            <a:spLocks noGrp="1"/>
+          </p:cNvSpPr>
+          <p:nvPr>
+            <p:ph idx="1"/>
+          </p:nvPr>
+        </p:nvSpPr>
+        <p:spPr/>
+        <p:txBody>
+          <a:bodyPr/>
+          <a:lstStyle/>
+          <a:p>
+            <a:pPr lvl="0">
+              <a:defRPr/>
+            </a:pPr>
+            <a:r>
+              <a:rPr lang="ko-KR" altLang="en-US"/>
+              <a:t>기능정의를 한다</a:t>
+            </a:r>
+            <a:endParaRPr lang="ko-KR" altLang="en-US"/>
+          </a:p>
+          <a:p>
+            <a:pPr lvl="0">
+              <a:defRPr/>
+            </a:pPr>
+            <a:r>
+              <a:rPr lang="ko-KR" altLang="en-US"/>
+              <a:t>정의 한 기능에 대해 </a:t>
+            </a:r>
+            <a:r>
+              <a:rPr lang="en-US" altLang="ko-KR"/>
+              <a:t>Flow</a:t>
+            </a:r>
+            <a:r>
+              <a:rPr lang="ko-KR" altLang="en-US"/>
+              <a:t>를 작성한다</a:t>
+            </a:r>
+            <a:r>
+              <a:rPr lang="en-US" altLang="ko-KR"/>
+              <a:t>.</a:t>
+            </a:r>
+            <a:endParaRPr lang="ko-KR" altLang="en-US"/>
+          </a:p>
+        </p:txBody>
+      </p:sp>
+    </p:spTree>
+  </p:cSld>
+  <p:clrMapOvr>
+    <a:masterClrMapping/>
+  </p:clrMapOvr>
+  <mc:AlternateContent xmlns:mc="http://schemas.openxmlformats.org/markup-compatibility/2006">
+    <mc:Choice xmlns:p14="http://schemas.microsoft.com/office/powerpoint/2010/main" Requires="p14">
+      <p:transition xmlns:mc="http://schemas.openxmlformats.org/markup-compatibility/2006" xmlns:p14="http://schemas.microsoft.com/office/powerpoint/2010/main" mc:Ignorable="p14" p14:dur="500"/>
+    </mc:Choice>
+    <mc:Fallback>
+      <p:transition/>
+    </mc:Fallback>
+  </mc:AlternateContent>
+</p:sld>
+</file>
+
+<file path=ppt/slides/slide21.xml><?xml version="1.0" encoding="utf-8"?>
 <p:sld xmlns:a="http://schemas.openxmlformats.org/drawingml/2006/main" xmlns:r="http://schemas.openxmlformats.org/officeDocument/2006/relationships" xmlns:p="http://schemas.openxmlformats.org/presentationml/2006/main">
   <p:cSld>
     <p:spTree>
@@ -8698,15 +9014,56 @@
                 <a:ea typeface="맑은 고딕" charset="-127"/>
                 <a:cs typeface="맑은 고딕" charset="-127"/>
               </a:rPr>
-              <a:t>구현</a:t>
-            </a:r>
+              <a:t>기능 검토 </a:t>
+            </a:r>
+            <a:r>
+              <a:rPr lang="en-US" altLang="ko-KR" sz="4800" dirty="0">
+                <a:solidFill>
+                  <a:schemeClr val="bg1"/>
+                </a:solidFill>
+                <a:latin typeface="+mj-lt"/>
+                <a:ea typeface="맑은 고딕" charset="-127"/>
+                <a:cs typeface="맑은 고딕" charset="-127"/>
+              </a:rPr>
+              <a:t>(</a:t>
+            </a:r>
+            <a:r>
+              <a:rPr lang="ko-KR" altLang="en-US" sz="4800" dirty="0">
+                <a:solidFill>
+                  <a:schemeClr val="bg1"/>
+                </a:solidFill>
+                <a:latin typeface="+mj-lt"/>
+                <a:ea typeface="맑은 고딕" charset="-127"/>
+                <a:cs typeface="맑은 고딕" charset="-127"/>
+              </a:rPr>
+              <a:t>근거자료 및 샘플코드</a:t>
+            </a:r>
+            <a:r>
+              <a:rPr lang="en-US" altLang="ko-KR" sz="4800" dirty="0">
+                <a:solidFill>
+                  <a:schemeClr val="bg1"/>
+                </a:solidFill>
+                <a:latin typeface="+mj-lt"/>
+                <a:ea typeface="맑은 고딕" charset="-127"/>
+                <a:cs typeface="맑은 고딕" charset="-127"/>
+              </a:rPr>
+              <a:t>)</a:t>
+            </a:r>
+            <a:endParaRPr lang="ko-KR" altLang="en-US" sz="4800" dirty="0">
+              <a:solidFill>
+                <a:schemeClr val="bg1"/>
+              </a:solidFill>
+              <a:latin typeface="+mj-lt"/>
+              <a:ea typeface="맑은 고딕" charset="-127"/>
+              <a:cs typeface="맑은 고딕" charset="-127"/>
+            </a:endParaRPr>
           </a:p>
         </p:txBody>
       </p:sp>
     </p:spTree>
     <p:extLst>
       <p:ext uri="{BB962C8B-B14F-4D97-AF65-F5344CB8AC3E}">
-        <p14:creationId xmlns:p14="http://schemas.microsoft.com/office/powerpoint/2010/main" val="1697315730"/>
+        <p14:creationId xmlns:p14="http://schemas.microsoft.com/office/powerpoint/2010/main" val="2800779971"/>
       </p:ext>
     </p:extLst>
   </p:cSld>
@@ -8716,7 +9073,7 @@
 </p:sld>
 </file>
 
-<file path=ppt/slides/slide21.xml><?xml version="1.0" encoding="utf-8"?>
+<file path=ppt/slides/slide22.xml><?xml version="1.0" encoding="utf-8"?>
 <p:sld xmlns:a="http://schemas.openxmlformats.org/drawingml/2006/main" xmlns:r="http://schemas.openxmlformats.org/officeDocument/2006/relationships" xmlns:p="http://schemas.openxmlformats.org/presentationml/2006/main">
   <p:cSld>
     <p:spTree>
@@ -8738,7 +9095,7 @@
           <p:cNvPr id="2" name="제목 1">
             <a:extLst>
               <a:ext uri="{FF2B5EF4-FFF2-40B4-BE49-F238E27FC236}">
-                <a16:creationId xmlns:a16="http://schemas.microsoft.com/office/drawing/2014/main" id="{2135F92A-65F5-4C7A-8C04-BF5F199039F2}"/>
+                <a16:creationId xmlns:a16="http://schemas.microsoft.com/office/drawing/2014/main" id="{CD32A4A8-C5FD-473F-A41F-A660400BC448}"/>
               </a:ext>
             </a:extLst>
           </p:cNvPr>
@@ -8763,7 +9120,7 @@
           <p:cNvPr id="3" name="내용 개체 틀 2">
             <a:extLst>
               <a:ext uri="{FF2B5EF4-FFF2-40B4-BE49-F238E27FC236}">
-                <a16:creationId xmlns:a16="http://schemas.microsoft.com/office/drawing/2014/main" id="{FB21A4AE-E1C2-4042-9B9E-43F419C42235}"/>
+                <a16:creationId xmlns:a16="http://schemas.microsoft.com/office/drawing/2014/main" id="{FC688E77-0112-474B-BD84-18F7FC4240C7}"/>
               </a:ext>
             </a:extLst>
           </p:cNvPr>
@@ -8781,7 +9138,17 @@
           <a:p>
             <a:r>
               <a:rPr lang="ko-KR" altLang="en-US" dirty="0"/>
-              <a:t>코드를 작성하고 버그를 수정한다</a:t>
+              <a:t>기능 구현에 필요한 기술을 알아본다</a:t>
+            </a:r>
+            <a:endParaRPr lang="en-US" altLang="ko-KR" dirty="0"/>
+          </a:p>
+          <a:p>
+            <a:endParaRPr lang="en-US" altLang="ko-KR" dirty="0"/>
+          </a:p>
+          <a:p>
+            <a:r>
+              <a:rPr lang="ko-KR" altLang="en-US" dirty="0"/>
+              <a:t>샘플 코드를 수집한다</a:t>
             </a:r>
             <a:r>
               <a:rPr lang="en-US" altLang="ko-KR" dirty="0"/>
@@ -8794,7 +9161,7 @@
     </p:spTree>
     <p:extLst>
       <p:ext uri="{BB962C8B-B14F-4D97-AF65-F5344CB8AC3E}">
-        <p14:creationId xmlns:p14="http://schemas.microsoft.com/office/powerpoint/2010/main" val="1303733429"/>
+        <p14:creationId xmlns:p14="http://schemas.microsoft.com/office/powerpoint/2010/main" val="414149680"/>
       </p:ext>
     </p:extLst>
   </p:cSld>
@@ -8804,7 +9171,7 @@
 </p:sld>
 </file>
 
-<file path=ppt/slides/slide22.xml><?xml version="1.0" encoding="utf-8"?>
+<file path=ppt/slides/slide23.xml><?xml version="1.0" encoding="utf-8"?>
 <p:sld xmlns:a="http://schemas.openxmlformats.org/drawingml/2006/main" xmlns:r="http://schemas.openxmlformats.org/officeDocument/2006/relationships" xmlns:p="http://schemas.openxmlformats.org/presentationml/2006/main">
   <p:cSld>
     <p:spTree>
@@ -9064,6 +9431,748 @@
                 <a:ea typeface="맑은 고딕" charset="-127"/>
                 <a:cs typeface="맑은 고딕" charset="-127"/>
               </a:rPr>
+              <a:t>스토리보드 제작</a:t>
+            </a:r>
+          </a:p>
+        </p:txBody>
+      </p:sp>
+    </p:spTree>
+    <p:extLst>
+      <p:ext uri="{BB962C8B-B14F-4D97-AF65-F5344CB8AC3E}">
+        <p14:creationId xmlns:p14="http://schemas.microsoft.com/office/powerpoint/2010/main" val="4131486605"/>
+      </p:ext>
+    </p:extLst>
+  </p:cSld>
+  <p:clrMapOvr>
+    <a:masterClrMapping/>
+  </p:clrMapOvr>
+</p:sld>
+</file>
+
+<file path=ppt/slides/slide24.xml><?xml version="1.0" encoding="utf-8"?>
+<p:sld xmlns:a="http://schemas.openxmlformats.org/drawingml/2006/main" xmlns:r="http://schemas.openxmlformats.org/officeDocument/2006/relationships" xmlns:p="http://schemas.openxmlformats.org/presentationml/2006/main">
+  <p:cSld>
+    <p:spTree>
+      <p:nvGrpSpPr>
+        <p:cNvPr id="1" name=""/>
+        <p:cNvGrpSpPr/>
+        <p:nvPr/>
+      </p:nvGrpSpPr>
+      <p:grpSpPr>
+        <a:xfrm>
+          <a:off x="0" y="0"/>
+          <a:ext cx="0" cy="0"/>
+          <a:chOff x="0" y="0"/>
+          <a:chExt cx="0" cy="0"/>
+        </a:xfrm>
+      </p:grpSpPr>
+      <p:sp>
+        <p:nvSpPr>
+          <p:cNvPr id="2" name="제목 1">
+            <a:extLst>
+              <a:ext uri="{FF2B5EF4-FFF2-40B4-BE49-F238E27FC236}">
+                <a16:creationId xmlns:a16="http://schemas.microsoft.com/office/drawing/2014/main" id="{FEF97B69-9031-4A28-901F-246C46549083}"/>
+              </a:ext>
+            </a:extLst>
+          </p:cNvPr>
+          <p:cNvSpPr>
+            <a:spLocks noGrp="1"/>
+          </p:cNvSpPr>
+          <p:nvPr>
+            <p:ph type="title"/>
+          </p:nvPr>
+        </p:nvSpPr>
+        <p:spPr/>
+        <p:txBody>
+          <a:bodyPr/>
+          <a:lstStyle/>
+          <a:p>
+            <a:endParaRPr lang="ko-KR" altLang="en-US"/>
+          </a:p>
+        </p:txBody>
+      </p:sp>
+      <p:sp>
+        <p:nvSpPr>
+          <p:cNvPr id="3" name="내용 개체 틀 2">
+            <a:extLst>
+              <a:ext uri="{FF2B5EF4-FFF2-40B4-BE49-F238E27FC236}">
+                <a16:creationId xmlns:a16="http://schemas.microsoft.com/office/drawing/2014/main" id="{7B537D8F-5982-4653-B96A-BB8B9CAB7064}"/>
+              </a:ext>
+            </a:extLst>
+          </p:cNvPr>
+          <p:cNvSpPr>
+            <a:spLocks noGrp="1"/>
+          </p:cNvSpPr>
+          <p:nvPr>
+            <p:ph idx="1"/>
+          </p:nvPr>
+        </p:nvSpPr>
+        <p:spPr/>
+        <p:txBody>
+          <a:bodyPr/>
+          <a:lstStyle/>
+          <a:p>
+            <a:r>
+              <a:rPr lang="ko-KR" altLang="en-US" dirty="0"/>
+              <a:t>기능 구현에 대한 디자인 구상</a:t>
+            </a:r>
+            <a:endParaRPr lang="en-US" altLang="ko-KR" dirty="0"/>
+          </a:p>
+          <a:p>
+            <a:endParaRPr lang="en-US" altLang="ko-KR" dirty="0"/>
+          </a:p>
+          <a:p>
+            <a:r>
+              <a:rPr lang="ko-KR" altLang="en-US" dirty="0"/>
+              <a:t>디자인에 따른 동작을 기술하고 연계 한다</a:t>
+            </a:r>
+            <a:r>
+              <a:rPr lang="en-US" altLang="ko-KR" dirty="0"/>
+              <a:t>.</a:t>
+            </a:r>
+            <a:endParaRPr lang="ko-KR" altLang="en-US" dirty="0"/>
+          </a:p>
+        </p:txBody>
+      </p:sp>
+    </p:spTree>
+    <p:extLst>
+      <p:ext uri="{BB962C8B-B14F-4D97-AF65-F5344CB8AC3E}">
+        <p14:creationId xmlns:p14="http://schemas.microsoft.com/office/powerpoint/2010/main" val="1723942396"/>
+      </p:ext>
+    </p:extLst>
+  </p:cSld>
+  <p:clrMapOvr>
+    <a:masterClrMapping/>
+  </p:clrMapOvr>
+</p:sld>
+</file>
+
+<file path=ppt/slides/slide25.xml><?xml version="1.0" encoding="utf-8"?>
+<p:sld xmlns:a="http://schemas.openxmlformats.org/drawingml/2006/main" xmlns:r="http://schemas.openxmlformats.org/officeDocument/2006/relationships" xmlns:p="http://schemas.openxmlformats.org/presentationml/2006/main">
+  <p:cSld>
+    <p:spTree>
+      <p:nvGrpSpPr>
+        <p:cNvPr id="1" name=""/>
+        <p:cNvGrpSpPr/>
+        <p:nvPr/>
+      </p:nvGrpSpPr>
+      <p:grpSpPr>
+        <a:xfrm>
+          <a:off x="0" y="0"/>
+          <a:ext cx="0" cy="0"/>
+          <a:chOff x="0" y="0"/>
+          <a:chExt cx="0" cy="0"/>
+        </a:xfrm>
+      </p:grpSpPr>
+      <p:sp>
+        <p:nvSpPr>
+          <p:cNvPr id="10" name="직사각형 9"/>
+          <p:cNvSpPr/>
+          <p:nvPr/>
+        </p:nvSpPr>
+        <p:spPr>
+          <a:xfrm>
+            <a:off x="-1" y="2398426"/>
+            <a:ext cx="12192001" cy="1338109"/>
+          </a:xfrm>
+          <a:prstGeom prst="rect">
+            <a:avLst/>
+          </a:prstGeom>
+          <a:solidFill>
+            <a:schemeClr val="accent1">
+              <a:lumMod val="75000"/>
+            </a:schemeClr>
+          </a:solidFill>
+          <a:ln>
+            <a:noFill/>
+          </a:ln>
+        </p:spPr>
+        <p:style>
+          <a:lnRef idx="2">
+            <a:schemeClr val="accent1">
+              <a:shade val="50000"/>
+            </a:schemeClr>
+          </a:lnRef>
+          <a:fillRef idx="1">
+            <a:schemeClr val="accent1"/>
+          </a:fillRef>
+          <a:effectRef idx="0">
+            <a:schemeClr val="accent1"/>
+          </a:effectRef>
+          <a:fontRef idx="minor">
+            <a:schemeClr val="lt1"/>
+          </a:fontRef>
+        </p:style>
+        <p:txBody>
+          <a:bodyPr rtlCol="0" anchor="ctr"/>
+          <a:lstStyle/>
+          <a:p>
+            <a:pPr algn="ctr"/>
+            <a:endParaRPr kumimoji="1" lang="ko-KR" altLang="en-US" dirty="0"/>
+          </a:p>
+        </p:txBody>
+      </p:sp>
+      <p:sp>
+        <p:nvSpPr>
+          <p:cNvPr id="12" name="부제목 2"/>
+          <p:cNvSpPr txBox="1">
+            <a:spLocks/>
+          </p:cNvSpPr>
+          <p:nvPr/>
+        </p:nvSpPr>
+        <p:spPr>
+          <a:xfrm>
+            <a:off x="1" y="2608234"/>
+            <a:ext cx="12192000" cy="754314"/>
+          </a:xfrm>
+          <a:prstGeom prst="rect">
+            <a:avLst/>
+          </a:prstGeom>
+        </p:spPr>
+        <p:txBody>
+          <a:bodyPr vert="horz" lIns="91440" tIns="45720" rIns="91440" bIns="45720" rtlCol="0" anchor="ctr">
+            <a:noAutofit/>
+          </a:bodyPr>
+          <a:lstStyle>
+            <a:lvl1pPr marL="0" indent="0" algn="ctr" defTabSz="914423" rtl="0" eaLnBrk="1" latinLnBrk="1" hangingPunct="1">
+              <a:lnSpc>
+                <a:spcPct val="90000"/>
+              </a:lnSpc>
+              <a:spcBef>
+                <a:spcPts val="1001"/>
+              </a:spcBef>
+              <a:buFont typeface="Arial"/>
+              <a:buNone/>
+              <a:defRPr sz="2400" kern="1200">
+                <a:solidFill>
+                  <a:schemeClr val="tx1"/>
+                </a:solidFill>
+                <a:latin typeface="+mn-lt"/>
+                <a:ea typeface="+mn-ea"/>
+                <a:cs typeface="+mn-cs"/>
+              </a:defRPr>
+            </a:lvl1pPr>
+            <a:lvl2pPr marL="457211" indent="0" algn="ctr" defTabSz="914423" rtl="0" eaLnBrk="1" latinLnBrk="1" hangingPunct="1">
+              <a:lnSpc>
+                <a:spcPct val="90000"/>
+              </a:lnSpc>
+              <a:spcBef>
+                <a:spcPts val="500"/>
+              </a:spcBef>
+              <a:buFont typeface="Arial"/>
+              <a:buNone/>
+              <a:defRPr sz="2000" kern="1200">
+                <a:solidFill>
+                  <a:schemeClr val="tx1"/>
+                </a:solidFill>
+                <a:latin typeface="+mn-lt"/>
+                <a:ea typeface="+mn-ea"/>
+                <a:cs typeface="+mn-cs"/>
+              </a:defRPr>
+            </a:lvl2pPr>
+            <a:lvl3pPr marL="914423" indent="0" algn="ctr" defTabSz="914423" rtl="0" eaLnBrk="1" latinLnBrk="1" hangingPunct="1">
+              <a:lnSpc>
+                <a:spcPct val="90000"/>
+              </a:lnSpc>
+              <a:spcBef>
+                <a:spcPts val="500"/>
+              </a:spcBef>
+              <a:buFont typeface="Arial"/>
+              <a:buNone/>
+              <a:defRPr sz="1801" kern="1200">
+                <a:solidFill>
+                  <a:schemeClr val="tx1"/>
+                </a:solidFill>
+                <a:latin typeface="+mn-lt"/>
+                <a:ea typeface="+mn-ea"/>
+                <a:cs typeface="+mn-cs"/>
+              </a:defRPr>
+            </a:lvl3pPr>
+            <a:lvl4pPr marL="1371634" indent="0" algn="ctr" defTabSz="914423" rtl="0" eaLnBrk="1" latinLnBrk="1" hangingPunct="1">
+              <a:lnSpc>
+                <a:spcPct val="90000"/>
+              </a:lnSpc>
+              <a:spcBef>
+                <a:spcPts val="500"/>
+              </a:spcBef>
+              <a:buFont typeface="Arial"/>
+              <a:buNone/>
+              <a:defRPr sz="1600" kern="1200">
+                <a:solidFill>
+                  <a:schemeClr val="tx1"/>
+                </a:solidFill>
+                <a:latin typeface="+mn-lt"/>
+                <a:ea typeface="+mn-ea"/>
+                <a:cs typeface="+mn-cs"/>
+              </a:defRPr>
+            </a:lvl4pPr>
+            <a:lvl5pPr marL="1828846" indent="0" algn="ctr" defTabSz="914423" rtl="0" eaLnBrk="1" latinLnBrk="1" hangingPunct="1">
+              <a:lnSpc>
+                <a:spcPct val="90000"/>
+              </a:lnSpc>
+              <a:spcBef>
+                <a:spcPts val="500"/>
+              </a:spcBef>
+              <a:buFont typeface="Arial"/>
+              <a:buNone/>
+              <a:defRPr sz="1600" kern="1200">
+                <a:solidFill>
+                  <a:schemeClr val="tx1"/>
+                </a:solidFill>
+                <a:latin typeface="+mn-lt"/>
+                <a:ea typeface="+mn-ea"/>
+                <a:cs typeface="+mn-cs"/>
+              </a:defRPr>
+            </a:lvl5pPr>
+            <a:lvl6pPr marL="2286057" indent="0" algn="ctr" defTabSz="914423" rtl="0" eaLnBrk="1" latinLnBrk="1" hangingPunct="1">
+              <a:lnSpc>
+                <a:spcPct val="90000"/>
+              </a:lnSpc>
+              <a:spcBef>
+                <a:spcPts val="500"/>
+              </a:spcBef>
+              <a:buFont typeface="Arial"/>
+              <a:buNone/>
+              <a:defRPr sz="1600" kern="1200">
+                <a:solidFill>
+                  <a:schemeClr val="tx1"/>
+                </a:solidFill>
+                <a:latin typeface="+mn-lt"/>
+                <a:ea typeface="+mn-ea"/>
+                <a:cs typeface="+mn-cs"/>
+              </a:defRPr>
+            </a:lvl6pPr>
+            <a:lvl7pPr marL="2743269" indent="0" algn="ctr" defTabSz="914423" rtl="0" eaLnBrk="1" latinLnBrk="1" hangingPunct="1">
+              <a:lnSpc>
+                <a:spcPct val="90000"/>
+              </a:lnSpc>
+              <a:spcBef>
+                <a:spcPts val="500"/>
+              </a:spcBef>
+              <a:buFont typeface="Arial"/>
+              <a:buNone/>
+              <a:defRPr sz="1600" kern="1200">
+                <a:solidFill>
+                  <a:schemeClr val="tx1"/>
+                </a:solidFill>
+                <a:latin typeface="+mn-lt"/>
+                <a:ea typeface="+mn-ea"/>
+                <a:cs typeface="+mn-cs"/>
+              </a:defRPr>
+            </a:lvl7pPr>
+            <a:lvl8pPr marL="3200480" indent="0" algn="ctr" defTabSz="914423" rtl="0" eaLnBrk="1" latinLnBrk="1" hangingPunct="1">
+              <a:lnSpc>
+                <a:spcPct val="90000"/>
+              </a:lnSpc>
+              <a:spcBef>
+                <a:spcPts val="500"/>
+              </a:spcBef>
+              <a:buFont typeface="Arial"/>
+              <a:buNone/>
+              <a:defRPr sz="1600" kern="1200">
+                <a:solidFill>
+                  <a:schemeClr val="tx1"/>
+                </a:solidFill>
+                <a:latin typeface="+mn-lt"/>
+                <a:ea typeface="+mn-ea"/>
+                <a:cs typeface="+mn-cs"/>
+              </a:defRPr>
+            </a:lvl8pPr>
+            <a:lvl9pPr marL="3657691" indent="0" algn="ctr" defTabSz="914423" rtl="0" eaLnBrk="1" latinLnBrk="1" hangingPunct="1">
+              <a:lnSpc>
+                <a:spcPct val="90000"/>
+              </a:lnSpc>
+              <a:spcBef>
+                <a:spcPts val="500"/>
+              </a:spcBef>
+              <a:buFont typeface="Arial"/>
+              <a:buNone/>
+              <a:defRPr sz="1600" kern="1200">
+                <a:solidFill>
+                  <a:schemeClr val="tx1"/>
+                </a:solidFill>
+                <a:latin typeface="+mn-lt"/>
+                <a:ea typeface="+mn-ea"/>
+                <a:cs typeface="+mn-cs"/>
+              </a:defRPr>
+            </a:lvl9pPr>
+          </a:lstStyle>
+          <a:p>
+            <a:r>
+              <a:rPr lang="ko-KR" altLang="en-US" sz="4800" dirty="0">
+                <a:solidFill>
+                  <a:schemeClr val="bg1"/>
+                </a:solidFill>
+                <a:latin typeface="+mj-lt"/>
+                <a:ea typeface="맑은 고딕" charset="-127"/>
+                <a:cs typeface="맑은 고딕" charset="-127"/>
+              </a:rPr>
+              <a:t>구현</a:t>
+            </a:r>
+          </a:p>
+        </p:txBody>
+      </p:sp>
+    </p:spTree>
+    <p:extLst>
+      <p:ext uri="{BB962C8B-B14F-4D97-AF65-F5344CB8AC3E}">
+        <p14:creationId xmlns:p14="http://schemas.microsoft.com/office/powerpoint/2010/main" val="1697315730"/>
+      </p:ext>
+    </p:extLst>
+  </p:cSld>
+  <p:clrMapOvr>
+    <a:masterClrMapping/>
+  </p:clrMapOvr>
+</p:sld>
+</file>
+
+<file path=ppt/slides/slide26.xml><?xml version="1.0" encoding="utf-8"?>
+<p:sld xmlns:a="http://schemas.openxmlformats.org/drawingml/2006/main" xmlns:r="http://schemas.openxmlformats.org/officeDocument/2006/relationships" xmlns:p="http://schemas.openxmlformats.org/presentationml/2006/main">
+  <p:cSld>
+    <p:spTree>
+      <p:nvGrpSpPr>
+        <p:cNvPr id="1" name=""/>
+        <p:cNvGrpSpPr/>
+        <p:nvPr/>
+      </p:nvGrpSpPr>
+      <p:grpSpPr>
+        <a:xfrm>
+          <a:off x="0" y="0"/>
+          <a:ext cx="0" cy="0"/>
+          <a:chOff x="0" y="0"/>
+          <a:chExt cx="0" cy="0"/>
+        </a:xfrm>
+      </p:grpSpPr>
+      <p:sp>
+        <p:nvSpPr>
+          <p:cNvPr id="2" name="제목 1">
+            <a:extLst>
+              <a:ext uri="{FF2B5EF4-FFF2-40B4-BE49-F238E27FC236}">
+                <a16:creationId xmlns:a16="http://schemas.microsoft.com/office/drawing/2014/main" id="{2135F92A-65F5-4C7A-8C04-BF5F199039F2}"/>
+              </a:ext>
+            </a:extLst>
+          </p:cNvPr>
+          <p:cNvSpPr>
+            <a:spLocks noGrp="1"/>
+          </p:cNvSpPr>
+          <p:nvPr>
+            <p:ph type="title"/>
+          </p:nvPr>
+        </p:nvSpPr>
+        <p:spPr/>
+        <p:txBody>
+          <a:bodyPr/>
+          <a:lstStyle/>
+          <a:p>
+            <a:endParaRPr lang="ko-KR" altLang="en-US"/>
+          </a:p>
+        </p:txBody>
+      </p:sp>
+      <p:sp>
+        <p:nvSpPr>
+          <p:cNvPr id="3" name="내용 개체 틀 2">
+            <a:extLst>
+              <a:ext uri="{FF2B5EF4-FFF2-40B4-BE49-F238E27FC236}">
+                <a16:creationId xmlns:a16="http://schemas.microsoft.com/office/drawing/2014/main" id="{FB21A4AE-E1C2-4042-9B9E-43F419C42235}"/>
+              </a:ext>
+            </a:extLst>
+          </p:cNvPr>
+          <p:cNvSpPr>
+            <a:spLocks noGrp="1"/>
+          </p:cNvSpPr>
+          <p:nvPr>
+            <p:ph idx="1"/>
+          </p:nvPr>
+        </p:nvSpPr>
+        <p:spPr/>
+        <p:txBody>
+          <a:bodyPr/>
+          <a:lstStyle/>
+          <a:p>
+            <a:r>
+              <a:rPr lang="ko-KR" altLang="en-US" dirty="0"/>
+              <a:t>코드를 작성하고 버그를 수정한다</a:t>
+            </a:r>
+            <a:r>
+              <a:rPr lang="en-US" altLang="ko-KR" dirty="0"/>
+              <a:t>.</a:t>
+            </a:r>
+            <a:endParaRPr lang="ko-KR" altLang="en-US" dirty="0"/>
+          </a:p>
+        </p:txBody>
+      </p:sp>
+    </p:spTree>
+    <p:extLst>
+      <p:ext uri="{BB962C8B-B14F-4D97-AF65-F5344CB8AC3E}">
+        <p14:creationId xmlns:p14="http://schemas.microsoft.com/office/powerpoint/2010/main" val="1303733429"/>
+      </p:ext>
+    </p:extLst>
+  </p:cSld>
+  <p:clrMapOvr>
+    <a:masterClrMapping/>
+  </p:clrMapOvr>
+</p:sld>
+</file>
+
+<file path=ppt/slides/slide27.xml><?xml version="1.0" encoding="utf-8"?>
+<p:sld xmlns:a="http://schemas.openxmlformats.org/drawingml/2006/main" xmlns:r="http://schemas.openxmlformats.org/officeDocument/2006/relationships" xmlns:p="http://schemas.openxmlformats.org/presentationml/2006/main">
+  <p:cSld>
+    <p:spTree>
+      <p:nvGrpSpPr>
+        <p:cNvPr id="1" name=""/>
+        <p:cNvGrpSpPr/>
+        <p:nvPr/>
+      </p:nvGrpSpPr>
+      <p:grpSpPr>
+        <a:xfrm>
+          <a:off x="0" y="0"/>
+          <a:ext cx="0" cy="0"/>
+          <a:chOff x="0" y="0"/>
+          <a:chExt cx="0" cy="0"/>
+        </a:xfrm>
+      </p:grpSpPr>
+      <p:sp>
+        <p:nvSpPr>
+          <p:cNvPr id="10" name="직사각형 9"/>
+          <p:cNvSpPr/>
+          <p:nvPr/>
+        </p:nvSpPr>
+        <p:spPr>
+          <a:xfrm>
+            <a:off x="-1" y="2398426"/>
+            <a:ext cx="12192001" cy="1338109"/>
+          </a:xfrm>
+          <a:prstGeom prst="rect">
+            <a:avLst/>
+          </a:prstGeom>
+          <a:solidFill>
+            <a:schemeClr val="accent1">
+              <a:lumMod val="75000"/>
+            </a:schemeClr>
+          </a:solidFill>
+          <a:ln>
+            <a:noFill/>
+          </a:ln>
+        </p:spPr>
+        <p:style>
+          <a:lnRef idx="2">
+            <a:schemeClr val="accent1">
+              <a:shade val="50000"/>
+            </a:schemeClr>
+          </a:lnRef>
+          <a:fillRef idx="1">
+            <a:schemeClr val="accent1"/>
+          </a:fillRef>
+          <a:effectRef idx="0">
+            <a:schemeClr val="accent1"/>
+          </a:effectRef>
+          <a:fontRef idx="minor">
+            <a:schemeClr val="lt1"/>
+          </a:fontRef>
+        </p:style>
+        <p:txBody>
+          <a:bodyPr rtlCol="0" anchor="ctr"/>
+          <a:lstStyle/>
+          <a:p>
+            <a:pPr algn="ctr"/>
+            <a:endParaRPr kumimoji="1" lang="ko-KR" altLang="en-US" dirty="0"/>
+          </a:p>
+        </p:txBody>
+      </p:sp>
+      <p:sp>
+        <p:nvSpPr>
+          <p:cNvPr id="12" name="부제목 2"/>
+          <p:cNvSpPr txBox="1">
+            <a:spLocks/>
+          </p:cNvSpPr>
+          <p:nvPr/>
+        </p:nvSpPr>
+        <p:spPr>
+          <a:xfrm>
+            <a:off x="1" y="2608234"/>
+            <a:ext cx="12192000" cy="754314"/>
+          </a:xfrm>
+          <a:prstGeom prst="rect">
+            <a:avLst/>
+          </a:prstGeom>
+        </p:spPr>
+        <p:txBody>
+          <a:bodyPr vert="horz" lIns="91440" tIns="45720" rIns="91440" bIns="45720" rtlCol="0" anchor="ctr">
+            <a:noAutofit/>
+          </a:bodyPr>
+          <a:lstStyle>
+            <a:lvl1pPr marL="0" indent="0" algn="ctr" defTabSz="914423" rtl="0" eaLnBrk="1" latinLnBrk="1" hangingPunct="1">
+              <a:lnSpc>
+                <a:spcPct val="90000"/>
+              </a:lnSpc>
+              <a:spcBef>
+                <a:spcPts val="1001"/>
+              </a:spcBef>
+              <a:buFont typeface="Arial"/>
+              <a:buNone/>
+              <a:defRPr sz="2400" kern="1200">
+                <a:solidFill>
+                  <a:schemeClr val="tx1"/>
+                </a:solidFill>
+                <a:latin typeface="+mn-lt"/>
+                <a:ea typeface="+mn-ea"/>
+                <a:cs typeface="+mn-cs"/>
+              </a:defRPr>
+            </a:lvl1pPr>
+            <a:lvl2pPr marL="457211" indent="0" algn="ctr" defTabSz="914423" rtl="0" eaLnBrk="1" latinLnBrk="1" hangingPunct="1">
+              <a:lnSpc>
+                <a:spcPct val="90000"/>
+              </a:lnSpc>
+              <a:spcBef>
+                <a:spcPts val="500"/>
+              </a:spcBef>
+              <a:buFont typeface="Arial"/>
+              <a:buNone/>
+              <a:defRPr sz="2000" kern="1200">
+                <a:solidFill>
+                  <a:schemeClr val="tx1"/>
+                </a:solidFill>
+                <a:latin typeface="+mn-lt"/>
+                <a:ea typeface="+mn-ea"/>
+                <a:cs typeface="+mn-cs"/>
+              </a:defRPr>
+            </a:lvl2pPr>
+            <a:lvl3pPr marL="914423" indent="0" algn="ctr" defTabSz="914423" rtl="0" eaLnBrk="1" latinLnBrk="1" hangingPunct="1">
+              <a:lnSpc>
+                <a:spcPct val="90000"/>
+              </a:lnSpc>
+              <a:spcBef>
+                <a:spcPts val="500"/>
+              </a:spcBef>
+              <a:buFont typeface="Arial"/>
+              <a:buNone/>
+              <a:defRPr sz="1801" kern="1200">
+                <a:solidFill>
+                  <a:schemeClr val="tx1"/>
+                </a:solidFill>
+                <a:latin typeface="+mn-lt"/>
+                <a:ea typeface="+mn-ea"/>
+                <a:cs typeface="+mn-cs"/>
+              </a:defRPr>
+            </a:lvl3pPr>
+            <a:lvl4pPr marL="1371634" indent="0" algn="ctr" defTabSz="914423" rtl="0" eaLnBrk="1" latinLnBrk="1" hangingPunct="1">
+              <a:lnSpc>
+                <a:spcPct val="90000"/>
+              </a:lnSpc>
+              <a:spcBef>
+                <a:spcPts val="500"/>
+              </a:spcBef>
+              <a:buFont typeface="Arial"/>
+              <a:buNone/>
+              <a:defRPr sz="1600" kern="1200">
+                <a:solidFill>
+                  <a:schemeClr val="tx1"/>
+                </a:solidFill>
+                <a:latin typeface="+mn-lt"/>
+                <a:ea typeface="+mn-ea"/>
+                <a:cs typeface="+mn-cs"/>
+              </a:defRPr>
+            </a:lvl4pPr>
+            <a:lvl5pPr marL="1828846" indent="0" algn="ctr" defTabSz="914423" rtl="0" eaLnBrk="1" latinLnBrk="1" hangingPunct="1">
+              <a:lnSpc>
+                <a:spcPct val="90000"/>
+              </a:lnSpc>
+              <a:spcBef>
+                <a:spcPts val="500"/>
+              </a:spcBef>
+              <a:buFont typeface="Arial"/>
+              <a:buNone/>
+              <a:defRPr sz="1600" kern="1200">
+                <a:solidFill>
+                  <a:schemeClr val="tx1"/>
+                </a:solidFill>
+                <a:latin typeface="+mn-lt"/>
+                <a:ea typeface="+mn-ea"/>
+                <a:cs typeface="+mn-cs"/>
+              </a:defRPr>
+            </a:lvl5pPr>
+            <a:lvl6pPr marL="2286057" indent="0" algn="ctr" defTabSz="914423" rtl="0" eaLnBrk="1" latinLnBrk="1" hangingPunct="1">
+              <a:lnSpc>
+                <a:spcPct val="90000"/>
+              </a:lnSpc>
+              <a:spcBef>
+                <a:spcPts val="500"/>
+              </a:spcBef>
+              <a:buFont typeface="Arial"/>
+              <a:buNone/>
+              <a:defRPr sz="1600" kern="1200">
+                <a:solidFill>
+                  <a:schemeClr val="tx1"/>
+                </a:solidFill>
+                <a:latin typeface="+mn-lt"/>
+                <a:ea typeface="+mn-ea"/>
+                <a:cs typeface="+mn-cs"/>
+              </a:defRPr>
+            </a:lvl6pPr>
+            <a:lvl7pPr marL="2743269" indent="0" algn="ctr" defTabSz="914423" rtl="0" eaLnBrk="1" latinLnBrk="1" hangingPunct="1">
+              <a:lnSpc>
+                <a:spcPct val="90000"/>
+              </a:lnSpc>
+              <a:spcBef>
+                <a:spcPts val="500"/>
+              </a:spcBef>
+              <a:buFont typeface="Arial"/>
+              <a:buNone/>
+              <a:defRPr sz="1600" kern="1200">
+                <a:solidFill>
+                  <a:schemeClr val="tx1"/>
+                </a:solidFill>
+                <a:latin typeface="+mn-lt"/>
+                <a:ea typeface="+mn-ea"/>
+                <a:cs typeface="+mn-cs"/>
+              </a:defRPr>
+            </a:lvl7pPr>
+            <a:lvl8pPr marL="3200480" indent="0" algn="ctr" defTabSz="914423" rtl="0" eaLnBrk="1" latinLnBrk="1" hangingPunct="1">
+              <a:lnSpc>
+                <a:spcPct val="90000"/>
+              </a:lnSpc>
+              <a:spcBef>
+                <a:spcPts val="500"/>
+              </a:spcBef>
+              <a:buFont typeface="Arial"/>
+              <a:buNone/>
+              <a:defRPr sz="1600" kern="1200">
+                <a:solidFill>
+                  <a:schemeClr val="tx1"/>
+                </a:solidFill>
+                <a:latin typeface="+mn-lt"/>
+                <a:ea typeface="+mn-ea"/>
+                <a:cs typeface="+mn-cs"/>
+              </a:defRPr>
+            </a:lvl8pPr>
+            <a:lvl9pPr marL="3657691" indent="0" algn="ctr" defTabSz="914423" rtl="0" eaLnBrk="1" latinLnBrk="1" hangingPunct="1">
+              <a:lnSpc>
+                <a:spcPct val="90000"/>
+              </a:lnSpc>
+              <a:spcBef>
+                <a:spcPts val="500"/>
+              </a:spcBef>
+              <a:buFont typeface="Arial"/>
+              <a:buNone/>
+              <a:defRPr sz="1600" kern="1200">
+                <a:solidFill>
+                  <a:schemeClr val="tx1"/>
+                </a:solidFill>
+                <a:latin typeface="+mn-lt"/>
+                <a:ea typeface="+mn-ea"/>
+                <a:cs typeface="+mn-cs"/>
+              </a:defRPr>
+            </a:lvl9pPr>
+          </a:lstStyle>
+          <a:p>
+            <a:r>
+              <a:rPr lang="ko-KR" altLang="en-US" sz="4800" dirty="0">
+                <a:solidFill>
+                  <a:schemeClr val="bg1"/>
+                </a:solidFill>
+                <a:latin typeface="+mj-lt"/>
+                <a:ea typeface="맑은 고딕" charset="-127"/>
+                <a:cs typeface="맑은 고딕" charset="-127"/>
+              </a:rPr>
               <a:t>제품 </a:t>
             </a:r>
             <a:r>
@@ -9101,7 +10210,7 @@
 </p:sld>
 </file>
 
-<file path=ppt/slides/slide23.xml><?xml version="1.0" encoding="utf-8"?>
+<file path=ppt/slides/slide28.xml><?xml version="1.0" encoding="utf-8"?>
 <p:sld xmlns:a="http://schemas.openxmlformats.org/drawingml/2006/main" xmlns:r="http://schemas.openxmlformats.org/officeDocument/2006/relationships" xmlns:p="http://schemas.openxmlformats.org/presentationml/2006/main">
   <p:cSld>
     <p:spTree>
@@ -10293,7 +11402,256 @@
       </p:grpSpPr>
       <p:sp>
         <p:nvSpPr>
-          <p:cNvPr id="4" name="직사각형 9"/>
+          <p:cNvPr id="5" name="내용 개체 틀 4"/>
+          <p:cNvSpPr>
+            <a:spLocks noGrp="1"/>
+          </p:cNvSpPr>
+          <p:nvPr>
+            <p:ph idx="1"/>
+          </p:nvPr>
+        </p:nvSpPr>
+        <p:spPr>
+          <a:xfrm>
+            <a:off x="0" y="1331736"/>
+            <a:ext cx="12192000" cy="5526263"/>
+          </a:xfrm>
+        </p:spPr>
+        <p:txBody>
+          <a:bodyPr vert="horz" lIns="91440" tIns="45720" rIns="91440" bIns="45720">
+            <a:normAutofit fontScale="85000" lnSpcReduction="20000"/>
+          </a:bodyPr>
+          <a:lstStyle/>
+          <a:p>
+            <a:pPr lvl="0">
+              <a:defRPr/>
+            </a:pPr>
+            <a:endParaRPr lang="ko-KR" altLang="en-US"/>
+          </a:p>
+          <a:p>
+            <a:pPr lvl="0">
+              <a:defRPr/>
+            </a:pPr>
+            <a:r>
+              <a:rPr lang="ko-KR" altLang="en-US"/>
+              <a:t>바이너리 파일 데이터 분석 프로그램</a:t>
+            </a:r>
+            <a:endParaRPr lang="ko-KR" altLang="en-US"/>
+          </a:p>
+          <a:p>
+            <a:pPr lvl="0">
+              <a:defRPr/>
+            </a:pPr>
+            <a:r>
+              <a:rPr lang="ko-KR" altLang="en-US"/>
+              <a:t>바이너리 파일을 분석하여 디스크의 특성을 추출</a:t>
+            </a:r>
+            <a:endParaRPr lang="ko-KR" altLang="en-US"/>
+          </a:p>
+          <a:p>
+            <a:pPr marL="0" lvl="0" indent="0">
+              <a:buNone/>
+              <a:defRPr/>
+            </a:pPr>
+            <a:r>
+              <a:rPr lang="ko-KR" altLang="en-US"/>
+              <a:t> </a:t>
+            </a:r>
+            <a:r>
+              <a:rPr lang="en-US" altLang="ko-KR"/>
+              <a:t>-</a:t>
+            </a:r>
+            <a:r>
+              <a:rPr lang="ko-KR" altLang="en-US"/>
+              <a:t> 파일 타입</a:t>
+            </a:r>
+            <a:r>
+              <a:rPr lang="en-US" altLang="ko-KR"/>
+              <a:t>,</a:t>
+            </a:r>
+            <a:r>
+              <a:rPr lang="ko-KR" altLang="en-US"/>
+              <a:t> 파티션 타입</a:t>
+            </a:r>
+            <a:r>
+              <a:rPr lang="en-US" altLang="ko-KR"/>
+              <a:t>,</a:t>
+            </a:r>
+            <a:r>
+              <a:rPr lang="ko-KR" altLang="en-US"/>
+              <a:t> 예약 영역</a:t>
+            </a:r>
+            <a:r>
+              <a:rPr lang="en-US" altLang="ko-KR"/>
+              <a:t>,</a:t>
+            </a:r>
+            <a:r>
+              <a:rPr lang="ko-KR" altLang="en-US"/>
+              <a:t> 용량 등등</a:t>
+            </a:r>
+            <a:endParaRPr lang="ko-KR" altLang="en-US"/>
+          </a:p>
+          <a:p>
+            <a:pPr marL="0" lvl="0" indent="0">
+              <a:buNone/>
+              <a:defRPr/>
+            </a:pPr>
+            <a:endParaRPr lang="ko-KR" altLang="en-US"/>
+          </a:p>
+          <a:p>
+            <a:pPr lvl="0">
+              <a:defRPr/>
+            </a:pPr>
+            <a:r>
+              <a:rPr lang="ko-KR" altLang="en-US"/>
+              <a:t>파일 시스템에 따라 바이너리 파일의 구조에 따른 분석 방법 확장</a:t>
+            </a:r>
+            <a:endParaRPr lang="ko-KR" altLang="en-US"/>
+          </a:p>
+          <a:p>
+            <a:pPr marL="0" lvl="0" indent="0">
+              <a:buNone/>
+              <a:defRPr/>
+            </a:pPr>
+            <a:r>
+              <a:rPr lang="ko-KR" altLang="en-US"/>
+              <a:t> </a:t>
+            </a:r>
+            <a:r>
+              <a:rPr lang="en-US" altLang="ko-KR"/>
+              <a:t>-</a:t>
+            </a:r>
+            <a:r>
+              <a:rPr lang="ko-KR" altLang="en-US"/>
+              <a:t> </a:t>
+            </a:r>
+            <a:r>
+              <a:rPr lang="en-US" altLang="ko-KR"/>
+              <a:t>FAT32, NTFS, exFAT, HFS, refs</a:t>
+            </a:r>
+            <a:endParaRPr lang="en-US" altLang="ko-KR"/>
+          </a:p>
+          <a:p>
+            <a:pPr marL="0" lvl="0" indent="0">
+              <a:buNone/>
+              <a:defRPr/>
+            </a:pPr>
+            <a:endParaRPr lang="en-US" altLang="ko-KR"/>
+          </a:p>
+          <a:p>
+            <a:pPr lvl="0">
+              <a:defRPr/>
+            </a:pPr>
+            <a:r>
+              <a:rPr lang="ko-KR" altLang="en-US"/>
+              <a:t>바이너리 파일 분석을 통한 카빙</a:t>
+            </a:r>
+            <a:endParaRPr lang="ko-KR" altLang="en-US"/>
+          </a:p>
+          <a:p>
+            <a:pPr marL="0" lvl="0" indent="0">
+              <a:buNone/>
+              <a:defRPr/>
+            </a:pPr>
+            <a:r>
+              <a:rPr lang="ko-KR" altLang="en-US"/>
+              <a:t> </a:t>
+            </a:r>
+            <a:r>
+              <a:rPr lang="en-US" altLang="ko-KR"/>
+              <a:t>-</a:t>
+            </a:r>
+            <a:r>
+              <a:rPr lang="ko-KR" altLang="en-US"/>
+              <a:t> 기법에 따라 장단점을 확인 후 기능 적용</a:t>
+            </a:r>
+            <a:endParaRPr lang="ko-KR" altLang="en-US"/>
+          </a:p>
+          <a:p>
+            <a:pPr marL="0" lvl="0" indent="0">
+              <a:buNone/>
+              <a:defRPr/>
+            </a:pPr>
+            <a:r>
+              <a:rPr lang="ko-KR" altLang="en-US"/>
+              <a:t> </a:t>
+            </a:r>
+            <a:r>
+              <a:rPr lang="en-US" altLang="ko-KR"/>
+              <a:t>-</a:t>
+            </a:r>
+            <a:r>
+              <a:rPr lang="ko-KR" altLang="en-US"/>
+              <a:t> 시그니처 기반 카빙</a:t>
+            </a:r>
+            <a:r>
+              <a:rPr lang="en-US" altLang="ko-KR"/>
+              <a:t>,</a:t>
+            </a:r>
+            <a:r>
+              <a:rPr lang="ko-KR" altLang="en-US"/>
+              <a:t> 램 슬랙 카빙</a:t>
+            </a:r>
+            <a:r>
+              <a:rPr lang="en-US" altLang="ko-KR"/>
+              <a:t>,</a:t>
+            </a:r>
+            <a:r>
+              <a:rPr lang="ko-KR" altLang="en-US"/>
+              <a:t> 파일 구조체 카빙</a:t>
+            </a:r>
+            <a:r>
+              <a:rPr lang="en-US" altLang="ko-KR"/>
+              <a:t>,</a:t>
+            </a:r>
+            <a:r>
+              <a:rPr lang="ko-KR" altLang="en-US"/>
+              <a:t> 파일 크기 획득 방법 기반의 카</a:t>
+            </a:r>
+            <a:endParaRPr lang="ko-KR" altLang="en-US"/>
+          </a:p>
+          <a:p>
+            <a:pPr marL="0" lvl="0" indent="0">
+              <a:buNone/>
+              <a:defRPr/>
+            </a:pPr>
+            <a:r>
+              <a:rPr lang="ko-KR" altLang="en-US"/>
+              <a:t>   빙, 파일 구조 검증 방법 기반의 카빙</a:t>
+            </a:r>
+            <a:endParaRPr lang="ko-KR" altLang="en-US"/>
+          </a:p>
+          <a:p>
+            <a:pPr marL="0" lvl="0" indent="0">
+              <a:buNone/>
+              <a:defRPr/>
+            </a:pPr>
+            <a:endParaRPr lang="ko-KR" altLang="en-US"/>
+          </a:p>
+          <a:p>
+            <a:pPr marL="0" lvl="0" indent="0">
+              <a:buNone/>
+              <a:defRPr/>
+            </a:pPr>
+            <a:r>
+              <a:rPr lang="en-US" altLang="ko-KR">
+                <a:hlinkClick r:id="rId2"/>
+              </a:rPr>
+              <a:t>https://d0ngr0thy.tistory.com/44</a:t>
+            </a:r>
+            <a:endParaRPr lang="en-US" altLang="ko-KR"/>
+          </a:p>
+          <a:p>
+            <a:pPr marL="0" lvl="0" indent="0">
+              <a:buNone/>
+              <a:defRPr/>
+            </a:pPr>
+            <a:endParaRPr lang="ko-KR" altLang="en-US"/>
+          </a:p>
+        </p:txBody>
+      </p:sp>
+      <p:sp>
+        <p:nvSpPr>
+          <p:cNvPr id="6" name="직사각형 9"/>
           <p:cNvSpPr/>
           <p:nvPr/>
         </p:nvSpPr>
@@ -10306,12 +11664,12 @@
             <a:avLst/>
           </a:prstGeom>
           <a:solidFill>
-            <a:schemeClr val="accent2"/>
+            <a:schemeClr val="accent1">
+              <a:lumMod val="75000"/>
+            </a:schemeClr>
           </a:solidFill>
           <a:ln>
-            <a:solidFill>
-              <a:schemeClr val="accent2"/>
-            </a:solidFill>
+            <a:noFill/>
           </a:ln>
         </p:spPr>
         <p:style>
@@ -10346,255 +11704,6 @@
               <a:t> 아이디어 도출</a:t>
             </a:r>
             <a:endParaRPr kumimoji="1" lang="ko-KR" altLang="en-US" sz="4800"/>
-          </a:p>
-        </p:txBody>
-      </p:sp>
-      <p:sp>
-        <p:nvSpPr>
-          <p:cNvPr id="5" name="내용 개체 틀 4"/>
-          <p:cNvSpPr>
-            <a:spLocks noGrp="1"/>
-          </p:cNvSpPr>
-          <p:nvPr>
-            <p:ph idx="1"/>
-          </p:nvPr>
-        </p:nvSpPr>
-        <p:spPr>
-          <a:xfrm>
-            <a:off x="0" y="1331736"/>
-            <a:ext cx="12192000" cy="5526263"/>
-          </a:xfrm>
-        </p:spPr>
-        <p:txBody>
-          <a:bodyPr vert="horz" lIns="91440" tIns="45720" rIns="91440" bIns="45720">
-            <a:normAutofit fontScale="85000" lnSpcReduction="20000"/>
-          </a:bodyPr>
-          <a:lstStyle/>
-          <a:p>
-            <a:pPr lvl="0">
-              <a:defRPr/>
-            </a:pPr>
-            <a:endParaRPr lang="ko-KR" altLang="en-US"/>
-          </a:p>
-          <a:p>
-            <a:pPr lvl="0">
-              <a:defRPr/>
-            </a:pPr>
-            <a:r>
-              <a:rPr lang="ko-KR" altLang="en-US"/>
-              <a:t>바이너리 파일 데이터 분석 프로그램</a:t>
-            </a:r>
-            <a:endParaRPr lang="ko-KR" altLang="en-US"/>
-          </a:p>
-          <a:p>
-            <a:pPr lvl="0">
-              <a:defRPr/>
-            </a:pPr>
-            <a:r>
-              <a:rPr lang="ko-KR" altLang="en-US"/>
-              <a:t>바이너리 파일을 분석하여 디스크의 특성을 추출</a:t>
-            </a:r>
-            <a:endParaRPr lang="ko-KR" altLang="en-US"/>
-          </a:p>
-          <a:p>
-            <a:pPr marL="0" lvl="0" indent="0">
-              <a:buNone/>
-              <a:defRPr/>
-            </a:pPr>
-            <a:r>
-              <a:rPr lang="ko-KR" altLang="en-US"/>
-              <a:t> </a:t>
-            </a:r>
-            <a:r>
-              <a:rPr lang="en-US" altLang="ko-KR"/>
-              <a:t>-</a:t>
-            </a:r>
-            <a:r>
-              <a:rPr lang="ko-KR" altLang="en-US"/>
-              <a:t> 파일 타입</a:t>
-            </a:r>
-            <a:r>
-              <a:rPr lang="en-US" altLang="ko-KR"/>
-              <a:t>,</a:t>
-            </a:r>
-            <a:r>
-              <a:rPr lang="ko-KR" altLang="en-US"/>
-              <a:t> 파티션 타입</a:t>
-            </a:r>
-            <a:r>
-              <a:rPr lang="en-US" altLang="ko-KR"/>
-              <a:t>,</a:t>
-            </a:r>
-            <a:r>
-              <a:rPr lang="ko-KR" altLang="en-US"/>
-              <a:t> 예약 영역</a:t>
-            </a:r>
-            <a:r>
-              <a:rPr lang="en-US" altLang="ko-KR"/>
-              <a:t>,</a:t>
-            </a:r>
-            <a:r>
-              <a:rPr lang="ko-KR" altLang="en-US"/>
-              <a:t> 용량 등등</a:t>
-            </a:r>
-            <a:endParaRPr lang="ko-KR" altLang="en-US"/>
-          </a:p>
-          <a:p>
-            <a:pPr marL="0" lvl="0" indent="0">
-              <a:buNone/>
-              <a:defRPr/>
-            </a:pPr>
-            <a:endParaRPr lang="ko-KR" altLang="en-US"/>
-          </a:p>
-          <a:p>
-            <a:pPr lvl="0">
-              <a:defRPr/>
-            </a:pPr>
-            <a:r>
-              <a:rPr lang="ko-KR" altLang="en-US"/>
-              <a:t>파일 시스템에 따라 바이너리 파일의 구조에 따른 분석 방법 확장</a:t>
-            </a:r>
-            <a:endParaRPr lang="ko-KR" altLang="en-US"/>
-          </a:p>
-          <a:p>
-            <a:pPr marL="0" lvl="0" indent="0">
-              <a:buNone/>
-              <a:defRPr/>
-            </a:pPr>
-            <a:r>
-              <a:rPr lang="ko-KR" altLang="en-US"/>
-              <a:t> </a:t>
-            </a:r>
-            <a:r>
-              <a:rPr lang="en-US" altLang="ko-KR"/>
-              <a:t>-</a:t>
-            </a:r>
-            <a:r>
-              <a:rPr lang="ko-KR" altLang="en-US"/>
-              <a:t> </a:t>
-            </a:r>
-            <a:r>
-              <a:rPr lang="en-US" altLang="ko-KR"/>
-              <a:t>FAT32, NTFS, exFAT, HFS, refs</a:t>
-            </a:r>
-            <a:endParaRPr lang="en-US" altLang="ko-KR"/>
-          </a:p>
-          <a:p>
-            <a:pPr marL="0" lvl="0" indent="0">
-              <a:buNone/>
-              <a:defRPr/>
-            </a:pPr>
-            <a:endParaRPr lang="en-US" altLang="ko-KR"/>
-          </a:p>
-          <a:p>
-            <a:pPr lvl="0">
-              <a:defRPr/>
-            </a:pPr>
-            <a:r>
-              <a:rPr lang="ko-KR" altLang="en-US"/>
-              <a:t>바이너리 파일 분석을 통한 카빙</a:t>
-            </a:r>
-            <a:endParaRPr lang="ko-KR" altLang="en-US"/>
-          </a:p>
-          <a:p>
-            <a:pPr marL="0" lvl="0" indent="0">
-              <a:buNone/>
-              <a:defRPr/>
-            </a:pPr>
-            <a:r>
-              <a:rPr lang="ko-KR" altLang="en-US"/>
-              <a:t> </a:t>
-            </a:r>
-            <a:r>
-              <a:rPr lang="en-US" altLang="ko-KR"/>
-              <a:t>-</a:t>
-            </a:r>
-            <a:r>
-              <a:rPr lang="ko-KR" altLang="en-US"/>
-              <a:t> 기법에 따라 장단점을 확인 후 기능 적용</a:t>
-            </a:r>
-            <a:endParaRPr lang="ko-KR" altLang="en-US"/>
-          </a:p>
-          <a:p>
-            <a:pPr marL="0" lvl="0" indent="0">
-              <a:buNone/>
-              <a:defRPr/>
-            </a:pPr>
-            <a:r>
-              <a:rPr lang="ko-KR" altLang="en-US"/>
-              <a:t> </a:t>
-            </a:r>
-            <a:r>
-              <a:rPr lang="en-US" altLang="ko-KR"/>
-              <a:t>-</a:t>
-            </a:r>
-            <a:r>
-              <a:rPr lang="ko-KR" altLang="en-US"/>
-              <a:t> 시그니처 기반 카빙</a:t>
-            </a:r>
-            <a:r>
-              <a:rPr lang="en-US" altLang="ko-KR"/>
-              <a:t>,</a:t>
-            </a:r>
-            <a:r>
-              <a:rPr lang="ko-KR" altLang="en-US"/>
-              <a:t> 램 슬랙 카빙</a:t>
-            </a:r>
-            <a:r>
-              <a:rPr lang="en-US" altLang="ko-KR"/>
-              <a:t>,</a:t>
-            </a:r>
-            <a:r>
-              <a:rPr lang="ko-KR" altLang="en-US"/>
-              <a:t> 파일 구조체 카빙</a:t>
-            </a:r>
-            <a:r>
-              <a:rPr lang="en-US" altLang="ko-KR"/>
-              <a:t>,</a:t>
-            </a:r>
-            <a:r>
-              <a:rPr lang="ko-KR" altLang="en-US"/>
-              <a:t> 파일 크기 획득 방법 기반의 카</a:t>
-            </a:r>
-            <a:endParaRPr lang="ko-KR" altLang="en-US"/>
-          </a:p>
-          <a:p>
-            <a:pPr marL="0" lvl="0" indent="0">
-              <a:buNone/>
-              <a:defRPr/>
-            </a:pPr>
-            <a:r>
-              <a:rPr lang="ko-KR" altLang="en-US"/>
-              <a:t>   빙, 파일 구조 검증 방법 기반의 카빙</a:t>
-            </a:r>
-            <a:endParaRPr lang="ko-KR" altLang="en-US"/>
-          </a:p>
-          <a:p>
-            <a:pPr marL="0" lvl="0" indent="0">
-              <a:buNone/>
-              <a:defRPr/>
-            </a:pPr>
-            <a:endParaRPr lang="ko-KR" altLang="en-US"/>
-          </a:p>
-          <a:p>
-            <a:pPr marL="0" lvl="0" indent="0">
-              <a:buNone/>
-              <a:defRPr/>
-            </a:pPr>
-            <a:r>
-              <a:rPr lang="en-US" altLang="ko-KR">
-                <a:hlinkClick r:id="rId2"/>
-              </a:rPr>
-              <a:t>https://d0ngr0thy.tistory.com/44</a:t>
-            </a:r>
-            <a:endParaRPr lang="en-US" altLang="ko-KR"/>
-          </a:p>
-          <a:p>
-            <a:pPr marL="0" lvl="0" indent="0">
-              <a:buNone/>
-              <a:defRPr/>
-            </a:pPr>
-            <a:endParaRPr lang="ko-KR" altLang="en-US"/>
           </a:p>
         </p:txBody>
       </p:sp>

--- a/2021_Summer/jp.hong/Project_BnD_jph.pptx
+++ b/2021_Summer/jp.hong/Project_BnD_jph.pptx
@@ -2,7 +2,7 @@
 <file path=ppt/presentation.xml><?xml version="1.0" encoding="utf-8"?>
 <p:presentation xmlns:r="http://schemas.openxmlformats.org/officeDocument/2006/relationships" xmlns:c="http://schemas.openxmlformats.org/drawingml/2006/chart" xmlns:a="http://schemas.openxmlformats.org/drawingml/2006/main" xmlns:dgm="http://schemas.openxmlformats.org/drawingml/2006/diagram" xmlns:dsp="http://schemas.microsoft.com/office/drawing/2008/diagram" xmlns:p="http://schemas.openxmlformats.org/presentationml/2006/main">
   <p:sldMasterIdLst>
-    <p:sldMasterId id="2147483679" r:id="rId1"/>
+    <p:sldMasterId id="2147483676" r:id="rId1"/>
   </p:sldMasterIdLst>
   <p:sldIdLst>
     <p:sldId id="261" r:id="rId2"/>
@@ -16,23 +16,26 @@
     <p:sldId id="324" r:id="rId10"/>
     <p:sldId id="326" r:id="rId11"/>
     <p:sldId id="327" r:id="rId12"/>
-    <p:sldId id="328" r:id="rId13"/>
-    <p:sldId id="329" r:id="rId14"/>
-    <p:sldId id="288" r:id="rId15"/>
-    <p:sldId id="325" r:id="rId16"/>
-    <p:sldId id="330" r:id="rId17"/>
-    <p:sldId id="289" r:id="rId18"/>
-    <p:sldId id="297" r:id="rId19"/>
-    <p:sldId id="290" r:id="rId20"/>
-    <p:sldId id="298" r:id="rId21"/>
-    <p:sldId id="291" r:id="rId22"/>
-    <p:sldId id="299" r:id="rId23"/>
-    <p:sldId id="292" r:id="rId24"/>
-    <p:sldId id="300" r:id="rId25"/>
-    <p:sldId id="306" r:id="rId26"/>
-    <p:sldId id="307" r:id="rId27"/>
-    <p:sldId id="294" r:id="rId28"/>
-    <p:sldId id="302" r:id="rId29"/>
+    <p:sldId id="331" r:id="rId13"/>
+    <p:sldId id="332" r:id="rId14"/>
+    <p:sldId id="328" r:id="rId15"/>
+    <p:sldId id="329" r:id="rId16"/>
+    <p:sldId id="288" r:id="rId17"/>
+    <p:sldId id="325" r:id="rId18"/>
+    <p:sldId id="333" r:id="rId19"/>
+    <p:sldId id="289" r:id="rId20"/>
+    <p:sldId id="297" r:id="rId21"/>
+    <p:sldId id="290" r:id="rId22"/>
+    <p:sldId id="330" r:id="rId23"/>
+    <p:sldId id="298" r:id="rId24"/>
+    <p:sldId id="291" r:id="rId25"/>
+    <p:sldId id="299" r:id="rId26"/>
+    <p:sldId id="292" r:id="rId27"/>
+    <p:sldId id="300" r:id="rId28"/>
+    <p:sldId id="306" r:id="rId29"/>
+    <p:sldId id="307" r:id="rId30"/>
+    <p:sldId id="294" r:id="rId31"/>
+    <p:sldId id="302" r:id="rId32"/>
   </p:sldIdLst>
   <p:sldSz cx="12192000" cy="6858000"/>
   <p:notesSz cx="7104063" cy="10234613"/>
@@ -4568,7 +4571,7 @@
         </p:spPr>
         <p:txBody>
           <a:bodyPr vert="horz" lIns="91440" tIns="45720" rIns="91440" bIns="45720">
-            <a:normAutofit fontScale="77500" lnSpcReduction="20000"/>
+            <a:normAutofit fontScale="70000" lnSpcReduction="20000"/>
           </a:bodyPr>
           <a:lstStyle/>
           <a:p>
@@ -4596,9 +4599,7 @@
               <a:rPr lang="en-US" altLang="ko-KR"/>
               <a:t>window 10 timeline forensic</a:t>
             </a:r>
-            <a:endParaRPr lang="en-US" altLang="ko-KR">
-              <a:hlinkClick r:id="rId2"/>
-            </a:endParaRPr>
+            <a:endParaRPr lang="en-US" altLang="ko-KR"/>
           </a:p>
           <a:p>
             <a:pPr lvl="0">
@@ -4709,28 +4710,60 @@
             <a:endParaRPr lang="en-US" altLang="ko-KR"/>
           </a:p>
           <a:p>
+            <a:pPr marL="0" lvl="0" indent="0">
+              <a:buNone/>
+              <a:defRPr/>
+            </a:pPr>
+            <a:endParaRPr lang="ko-KR" altLang="en-US"/>
+          </a:p>
+          <a:p>
             <a:pPr lvl="0">
               <a:defRPr/>
             </a:pPr>
+            <a:r>
+              <a:rPr lang="ko-KR" altLang="en-US"/>
+              <a:t>윈도우 </a:t>
+            </a:r>
+            <a:r>
+              <a:rPr lang="en-US" altLang="ko-KR"/>
+              <a:t>manifest</a:t>
+            </a:r>
+            <a:r>
+              <a:rPr lang="ko-KR" altLang="en-US"/>
+              <a:t> 파일 수정하여 관리자 권한 요구</a:t>
+            </a:r>
+            <a:endParaRPr lang="ko-KR" altLang="en-US"/>
+          </a:p>
+          <a:p>
+            <a:pPr marL="0" lvl="0" indent="0">
+              <a:buNone/>
+              <a:defRPr/>
+            </a:pPr>
+            <a:r>
+              <a:rPr lang="ko-KR" altLang="en-US"/>
+              <a:t> </a:t>
+            </a:r>
+            <a:r>
+              <a:rPr lang="en-US" altLang="ko-KR"/>
+              <a:t>-</a:t>
+            </a:r>
+            <a:r>
+              <a:rPr lang="ko-KR" altLang="en-US"/>
+              <a:t> </a:t>
+            </a:r>
+            <a:r>
+              <a:rPr lang="en-US" altLang="ko-KR">
+                <a:hlinkClick r:id="rId8"/>
+              </a:rPr>
+              <a:t>https://whackur.tistory.com/54</a:t>
+            </a:r>
             <a:endParaRPr lang="en-US" altLang="ko-KR"/>
           </a:p>
           <a:p>
             <a:pPr lvl="0">
               <a:defRPr/>
             </a:pPr>
-            <a:r>
-              <a:rPr lang="ko-KR" altLang="en-US"/>
-              <a:t>레지스트리에서 얻을 수 있는 정보 </a:t>
-            </a:r>
-            <a:r>
-              <a:rPr lang="en-US" altLang="ko-KR"/>
-              <a:t>-&gt;</a:t>
-            </a:r>
-            <a:r>
-              <a:rPr lang="ko-KR" altLang="en-US"/>
-              <a:t> 다음 페이지 정리</a:t>
-            </a:r>
-            <a:endParaRPr lang="ko-KR" altLang="en-US"/>
+            <a:endParaRPr lang="en-US" altLang="ko-KR"/>
           </a:p>
           <a:p>
             <a:pPr lvl="0">
@@ -4763,6 +4796,352 @@
 </file>
 
 <file path=ppt/slides/slide12.xml><?xml version="1.0" encoding="utf-8"?>
+<p:sld xmlns:r="http://schemas.openxmlformats.org/officeDocument/2006/relationships" xmlns:c="http://schemas.openxmlformats.org/drawingml/2006/chart" xmlns:a="http://schemas.openxmlformats.org/drawingml/2006/main" xmlns:dgm="http://schemas.openxmlformats.org/drawingml/2006/diagram" xmlns:dsp="http://schemas.microsoft.com/office/drawing/2008/diagram" xmlns:p="http://schemas.openxmlformats.org/presentationml/2006/main">
+  <p:cSld>
+    <p:spTree>
+      <p:nvGrpSpPr>
+        <p:cNvPr id="1" name=""/>
+        <p:cNvGrpSpPr/>
+        <p:nvPr/>
+      </p:nvGrpSpPr>
+      <p:grpSpPr>
+        <a:xfrm>
+          <a:off x="0" y="0"/>
+          <a:ext cx="0" cy="0"/>
+          <a:chOff x="0" y="0"/>
+          <a:chExt cx="0" cy="0"/>
+        </a:xfrm>
+      </p:grpSpPr>
+      <p:sp>
+        <p:nvSpPr>
+          <p:cNvPr id="4" name="직사각형 9"/>
+          <p:cNvSpPr/>
+          <p:nvPr/>
+        </p:nvSpPr>
+        <p:spPr>
+          <a:xfrm>
+            <a:off x="-1" y="0"/>
+            <a:ext cx="12192001" cy="1338109"/>
+          </a:xfrm>
+          <a:prstGeom prst="rect">
+            <a:avLst/>
+          </a:prstGeom>
+          <a:solidFill>
+            <a:schemeClr val="accent1">
+              <a:lumMod val="75000"/>
+            </a:schemeClr>
+          </a:solidFill>
+          <a:ln>
+            <a:noFill/>
+          </a:ln>
+        </p:spPr>
+        <p:style>
+          <a:lnRef idx="2">
+            <a:schemeClr val="accent1">
+              <a:shade val="50000"/>
+            </a:schemeClr>
+          </a:lnRef>
+          <a:fillRef idx="1">
+            <a:schemeClr val="accent1"/>
+          </a:fillRef>
+          <a:effectRef idx="0">
+            <a:schemeClr val="accent1"/>
+          </a:effectRef>
+          <a:fontRef idx="minor">
+            <a:schemeClr val="lt1"/>
+          </a:fontRef>
+        </p:style>
+        <p:txBody>
+          <a:bodyPr anchor="ctr"/>
+          <a:lstStyle/>
+          <a:p>
+            <a:pPr>
+              <a:defRPr/>
+            </a:pPr>
+            <a:r>
+              <a:rPr kumimoji="1" lang="en-US" altLang="ko-KR" sz="4800"/>
+              <a:t>1.</a:t>
+            </a:r>
+            <a:r>
+              <a:rPr kumimoji="1" lang="ko-KR" altLang="en-US" sz="4800"/>
+              <a:t> 참고자료</a:t>
+            </a:r>
+            <a:endParaRPr kumimoji="1" lang="ko-KR" altLang="en-US" sz="4800"/>
+          </a:p>
+        </p:txBody>
+      </p:sp>
+      <p:sp>
+        <p:nvSpPr>
+          <p:cNvPr id="5" name="내용 개체 틀 4"/>
+          <p:cNvSpPr>
+            <a:spLocks noGrp="1"/>
+          </p:cNvSpPr>
+          <p:nvPr>
+            <p:ph idx="1"/>
+          </p:nvPr>
+        </p:nvSpPr>
+        <p:spPr>
+          <a:xfrm>
+            <a:off x="0" y="1561042"/>
+            <a:ext cx="12192000" cy="5296957"/>
+          </a:xfrm>
+        </p:spPr>
+        <p:txBody>
+          <a:bodyPr vert="horz" lIns="91440" tIns="45720" rIns="91440" bIns="45720">
+            <a:normAutofit fontScale="70000" lnSpcReduction="20000"/>
+          </a:bodyPr>
+          <a:lstStyle/>
+          <a:p>
+            <a:pPr lvl="0">
+              <a:defRPr/>
+            </a:pPr>
+            <a:r>
+              <a:rPr lang="ko-KR" altLang="en-US"/>
+              <a:t>레지스트리에서 얻을 수 있는 정보</a:t>
+            </a:r>
+            <a:endParaRPr lang="ko-KR" altLang="en-US"/>
+          </a:p>
+          <a:p>
+            <a:pPr lvl="0">
+              <a:defRPr/>
+            </a:pPr>
+            <a:r>
+              <a:rPr lang="ko-KR" altLang="en-US"/>
+              <a:t>세부사항 </a:t>
+            </a:r>
+            <a:r>
+              <a:rPr lang="en-US" altLang="ko-KR"/>
+              <a:t>---&gt;</a:t>
+            </a:r>
+            <a:r>
+              <a:rPr lang="ko-KR" altLang="en-US"/>
+              <a:t> 다음페이지 정리</a:t>
+            </a:r>
+            <a:endParaRPr lang="ko-KR" altLang="en-US"/>
+          </a:p>
+          <a:p>
+            <a:pPr lvl="0">
+              <a:defRPr/>
+            </a:pPr>
+            <a:endParaRPr lang="ko-KR" altLang="en-US"/>
+          </a:p>
+          <a:p>
+            <a:pPr>
+              <a:defRPr/>
+            </a:pPr>
+            <a:r>
+              <a:rPr lang="ko-KR" altLang="en-US"/>
+              <a:t>HKEY_CLASS_ROOT</a:t>
+            </a:r>
+            <a:endParaRPr lang="ko-KR" altLang="en-US"/>
+          </a:p>
+          <a:p>
+            <a:pPr>
+              <a:defRPr/>
+            </a:pPr>
+            <a:r>
+              <a:rPr lang="ko-KR" altLang="en-US"/>
+              <a:t>- 파일에 대한 확장자에 대한 정보와 프로그램 간의 연결 정보</a:t>
+            </a:r>
+            <a:endParaRPr lang="ko-KR" altLang="en-US"/>
+          </a:p>
+          <a:p>
+            <a:pPr marL="0" indent="0">
+              <a:buNone/>
+              <a:defRPr/>
+            </a:pPr>
+            <a:endParaRPr lang="ko-KR" altLang="en-US"/>
+          </a:p>
+          <a:p>
+            <a:pPr>
+              <a:defRPr/>
+            </a:pPr>
+            <a:r>
+              <a:rPr lang="ko-KR" altLang="en-US"/>
+              <a:t>HKEY_LOCAL_MACHINE</a:t>
+            </a:r>
+            <a:endParaRPr lang="ko-KR" altLang="en-US"/>
+          </a:p>
+          <a:p>
+            <a:pPr>
+              <a:defRPr/>
+            </a:pPr>
+            <a:r>
+              <a:rPr lang="ko-KR" altLang="en-US"/>
+              <a:t>- Default 로그온 계정 정보가 포함되어 있는 Root Key</a:t>
+            </a:r>
+            <a:endParaRPr lang="ko-KR" altLang="en-US"/>
+          </a:p>
+          <a:p>
+            <a:pPr marL="0" indent="0">
+              <a:buNone/>
+              <a:defRPr/>
+            </a:pPr>
+            <a:endParaRPr lang="ko-KR" altLang="en-US"/>
+          </a:p>
+          <a:p>
+            <a:pPr>
+              <a:defRPr/>
+            </a:pPr>
+            <a:r>
+              <a:rPr lang="ko-KR" altLang="en-US"/>
+              <a:t>HKEY_CURRNET_USER</a:t>
+            </a:r>
+            <a:endParaRPr lang="ko-KR" altLang="en-US"/>
+          </a:p>
+          <a:p>
+            <a:pPr>
+              <a:defRPr/>
+            </a:pPr>
+            <a:r>
+              <a:rPr lang="ko-KR" altLang="en-US"/>
+              <a:t>- 윈도우가 설정된 컴퓨터 환경 설정에 대한 정보</a:t>
+            </a:r>
+            <a:endParaRPr lang="ko-KR" altLang="en-US"/>
+          </a:p>
+          <a:p>
+            <a:pPr>
+              <a:defRPr/>
+            </a:pPr>
+            <a:r>
+              <a:rPr lang="ko-KR" altLang="en-US"/>
+              <a:t>- 현재 시스템에 로그온하고 있는 사용자와 관련된 시스템 정보를 저장</a:t>
+            </a:r>
+            <a:endParaRPr lang="ko-KR" altLang="en-US"/>
+          </a:p>
+          <a:p>
+            <a:pPr marL="0" indent="0">
+              <a:buNone/>
+              <a:defRPr/>
+            </a:pPr>
+            <a:endParaRPr lang="ko-KR" altLang="en-US"/>
+          </a:p>
+          <a:p>
+            <a:pPr>
+              <a:defRPr/>
+            </a:pPr>
+            <a:r>
+              <a:rPr lang="ko-KR" altLang="en-US"/>
+              <a:t>HKEY_USERS</a:t>
+            </a:r>
+            <a:endParaRPr lang="ko-KR" altLang="en-US"/>
+          </a:p>
+          <a:p>
+            <a:pPr>
+              <a:defRPr/>
+            </a:pPr>
+            <a:r>
+              <a:rPr lang="ko-KR" altLang="en-US"/>
+              <a:t>- 시스템에 있는 모든 계정과 그룹에 관한 정보를 저장</a:t>
+            </a:r>
+            <a:endParaRPr lang="en-US" altLang="ko-KR"/>
+          </a:p>
+        </p:txBody>
+      </p:sp>
+    </p:spTree>
+  </p:cSld>
+  <p:clrMapOvr>
+    <a:masterClrMapping/>
+  </p:clrMapOvr>
+  <mc:AlternateContent xmlns:mc="http://schemas.openxmlformats.org/markup-compatibility/2006">
+    <mc:Choice xmlns:p14="http://schemas.microsoft.com/office/powerpoint/2010/main" Requires="p14">
+      <p:transition xmlns:mc="http://schemas.openxmlformats.org/markup-compatibility/2006" xmlns:p14="http://schemas.microsoft.com/office/powerpoint/2010/main" mc:Ignorable="p14" p14:dur="500"/>
+    </mc:Choice>
+    <mc:Fallback>
+      <p:transition/>
+    </mc:Fallback>
+  </mc:AlternateContent>
+</p:sld>
+</file>
+
+<file path=ppt/slides/slide13.xml><?xml version="1.0" encoding="utf-8"?>
+<p:sld xmlns:r="http://schemas.openxmlformats.org/officeDocument/2006/relationships" xmlns:c="http://schemas.openxmlformats.org/drawingml/2006/chart" xmlns:a="http://schemas.openxmlformats.org/drawingml/2006/main" xmlns:dgm="http://schemas.openxmlformats.org/drawingml/2006/diagram" xmlns:dsp="http://schemas.microsoft.com/office/drawing/2008/diagram" xmlns:p="http://schemas.openxmlformats.org/presentationml/2006/main">
+  <p:cSld>
+    <p:spTree>
+      <p:nvGrpSpPr>
+        <p:cNvPr id="1" name=""/>
+        <p:cNvGrpSpPr/>
+        <p:nvPr/>
+      </p:nvGrpSpPr>
+      <p:grpSpPr>
+        <a:xfrm>
+          <a:off x="0" y="0"/>
+          <a:ext cx="0" cy="0"/>
+          <a:chOff x="0" y="0"/>
+          <a:chExt cx="0" cy="0"/>
+        </a:xfrm>
+      </p:grpSpPr>
+      <p:sp>
+        <p:nvSpPr>
+          <p:cNvPr id="2" name="제목 1"/>
+          <p:cNvSpPr>
+            <a:spLocks noGrp="1"/>
+          </p:cNvSpPr>
+          <p:nvPr>
+            <p:ph type="title" idx="0"/>
+          </p:nvPr>
+        </p:nvSpPr>
+        <p:spPr/>
+        <p:txBody>
+          <a:bodyPr/>
+          <a:lstStyle/>
+          <a:p>
+            <a:pPr>
+              <a:defRPr/>
+            </a:pPr>
+            <a:r>
+              <a:rPr lang="ko-KR" altLang="en-US"/>
+              <a:t/>
+            </a:r>
+            <a:endParaRPr lang="ko-KR" altLang="en-US"/>
+          </a:p>
+        </p:txBody>
+      </p:sp>
+      <p:sp>
+        <p:nvSpPr>
+          <p:cNvPr id="3" name="내용 개체 틀 2"/>
+          <p:cNvSpPr>
+            <a:spLocks noGrp="1"/>
+          </p:cNvSpPr>
+          <p:nvPr>
+            <p:ph idx="1"/>
+          </p:nvPr>
+        </p:nvSpPr>
+        <p:spPr/>
+        <p:txBody>
+          <a:bodyPr>
+            <a:normAutofit lnSpcReduction="10000"/>
+          </a:bodyPr>
+          <a:lstStyle/>
+          <a:p>
+            <a:pPr>
+              <a:defRPr/>
+            </a:pPr>
+            <a:r>
+              <a:rPr lang="ko-KR" altLang="en-US"/>
+              <a:t/>
+            </a:r>
+            <a:endParaRPr lang="ko-KR" altLang="en-US"/>
+          </a:p>
+        </p:txBody>
+      </p:sp>
+    </p:spTree>
+  </p:cSld>
+  <p:clrMapOvr>
+    <a:masterClrMapping/>
+  </p:clrMapOvr>
+  <mc:AlternateContent xmlns:mc="http://schemas.openxmlformats.org/markup-compatibility/2006">
+    <mc:Choice xmlns:p14="http://schemas.microsoft.com/office/powerpoint/2010/main" Requires="p14">
+      <p:transition xmlns:mc="http://schemas.openxmlformats.org/markup-compatibility/2006" xmlns:p14="http://schemas.microsoft.com/office/powerpoint/2010/main" mc:Ignorable="p14" p14:dur="500"/>
+    </mc:Choice>
+    <mc:Fallback>
+      <p:transition/>
+    </mc:Fallback>
+  </mc:AlternateContent>
+</p:sld>
+</file>
+
+<file path=ppt/slides/slide14.xml><?xml version="1.0" encoding="utf-8"?>
 <p:sld xmlns:r="http://schemas.openxmlformats.org/officeDocument/2006/relationships" xmlns:c="http://schemas.openxmlformats.org/drawingml/2006/chart" xmlns:a="http://schemas.openxmlformats.org/drawingml/2006/main" xmlns:dgm="http://schemas.openxmlformats.org/drawingml/2006/diagram" xmlns:dsp="http://schemas.microsoft.com/office/drawing/2008/diagram" xmlns:p="http://schemas.openxmlformats.org/presentationml/2006/main">
   <p:cSld>
     <p:spTree>
@@ -4877,7 +5256,7 @@
 </p:sld>
 </file>
 
-<file path=ppt/slides/slide13.xml><?xml version="1.0" encoding="utf-8"?>
+<file path=ppt/slides/slide15.xml><?xml version="1.0" encoding="utf-8"?>
 <p:sld xmlns:r="http://schemas.openxmlformats.org/officeDocument/2006/relationships" xmlns:c="http://schemas.openxmlformats.org/drawingml/2006/chart" xmlns:a="http://schemas.openxmlformats.org/drawingml/2006/main" xmlns:dgm="http://schemas.openxmlformats.org/drawingml/2006/diagram" xmlns:dsp="http://schemas.microsoft.com/office/drawing/2008/diagram" xmlns:p="http://schemas.openxmlformats.org/presentationml/2006/main">
   <p:cSld>
     <p:spTree>
@@ -4992,7 +5371,7 @@
 </p:sld>
 </file>
 
-<file path=ppt/slides/slide14.xml><?xml version="1.0" encoding="utf-8"?>
+<file path=ppt/slides/slide16.xml><?xml version="1.0" encoding="utf-8"?>
 <p:sld xmlns:r="http://schemas.openxmlformats.org/officeDocument/2006/relationships" xmlns:c="http://schemas.openxmlformats.org/drawingml/2006/chart" xmlns:a="http://schemas.openxmlformats.org/drawingml/2006/main" xmlns:dgm="http://schemas.openxmlformats.org/drawingml/2006/diagram" xmlns:dsp="http://schemas.microsoft.com/office/drawing/2008/diagram" xmlns:p="http://schemas.openxmlformats.org/presentationml/2006/main">
   <p:cSld>
     <p:spTree>
@@ -5284,7 +5663,7 @@
 </p:sld>
 </file>
 
-<file path=ppt/slides/slide15.xml><?xml version="1.0" encoding="utf-8"?>
+<file path=ppt/slides/slide17.xml><?xml version="1.0" encoding="utf-8"?>
 <p:sld xmlns:r="http://schemas.openxmlformats.org/officeDocument/2006/relationships" xmlns:c="http://schemas.openxmlformats.org/drawingml/2006/chart" xmlns:a="http://schemas.openxmlformats.org/drawingml/2006/main" xmlns:dgm="http://schemas.openxmlformats.org/drawingml/2006/diagram" xmlns:dsp="http://schemas.microsoft.com/office/drawing/2008/diagram" xmlns:p="http://schemas.openxmlformats.org/presentationml/2006/main">
   <p:cSld>
     <p:spTree>
@@ -5377,7 +5756,7 @@
         </p:spPr>
         <p:txBody>
           <a:bodyPr vert="horz" lIns="91440" tIns="45720" rIns="91440" bIns="45720">
-            <a:normAutofit fontScale="70000" lnSpcReduction="20000"/>
+            <a:normAutofit fontScale="77500" lnSpcReduction="20000"/>
           </a:bodyPr>
           <a:lstStyle/>
           <a:p>
@@ -5437,7 +5816,7 @@
             </a:r>
             <a:r>
               <a:rPr lang="ko-KR" altLang="en-US"/>
-              <a:t> 선택을 하는 명령어는 숫자로 표현한다</a:t>
+              <a:t> 매체를 선택하는 명령어는 숫자로 표현한다</a:t>
             </a:r>
             <a:r>
               <a:rPr lang="en-US" altLang="ko-KR"/>
@@ -5467,6 +5846,18 @@
               <a:rPr lang="en-US" altLang="ko-KR"/>
               <a:t>3. excel</a:t>
             </a:r>
+            <a:r>
+              <a:rPr lang="ko-KR" altLang="en-US"/>
+              <a:t> </a:t>
+            </a:r>
+            <a:r>
+              <a:rPr lang="en-US" altLang="ko-KR"/>
+              <a:t>...</a:t>
+            </a:r>
+            <a:r>
+              <a:rPr lang="ko-KR" altLang="en-US"/>
+              <a:t> </a:t>
+            </a:r>
             <a:endParaRPr lang="en-US" altLang="ko-KR"/>
           </a:p>
           <a:p>
@@ -5474,19 +5865,25 @@
               <a:buNone/>
               <a:defRPr/>
             </a:pPr>
-            <a:endParaRPr lang="en-US" altLang="ko-KR"/>
-          </a:p>
-          <a:p>
-            <a:pPr lvl="0">
-              <a:defRPr/>
-            </a:pPr>
+            <a:r>
+              <a:rPr lang="ko-KR" altLang="en-US"/>
+              <a:t> </a:t>
+            </a:r>
+            <a:r>
+              <a:rPr lang="en-US" altLang="ko-KR"/>
+              <a:t>-</a:t>
+            </a:r>
+            <a:r>
+              <a:rPr lang="ko-KR" altLang="en-US"/>
+              <a:t> 마지막 선택 항목에 </a:t>
+            </a:r>
             <a:r>
               <a:rPr lang="en-US" altLang="ko-KR"/>
               <a:t>help</a:t>
             </a:r>
             <a:r>
               <a:rPr lang="ko-KR" altLang="en-US"/>
-              <a:t>명령어가 있어야 한다</a:t>
+              <a:t>명령어를 둔다</a:t>
             </a:r>
             <a:r>
               <a:rPr lang="en-US" altLang="ko-KR"/>
@@ -5499,6 +5896,31 @@
               <a:buNone/>
               <a:defRPr/>
             </a:pPr>
+            <a:endParaRPr lang="en-US" altLang="ko-KR"/>
+          </a:p>
+          <a:p>
+            <a:pPr lvl="0">
+              <a:defRPr/>
+            </a:pPr>
+            <a:r>
+              <a:rPr lang="en-US" altLang="ko-KR"/>
+              <a:t>help</a:t>
+            </a:r>
+            <a:r>
+              <a:rPr lang="ko-KR" altLang="en-US"/>
+              <a:t>명령어가 있어야 한다</a:t>
+            </a:r>
+            <a:r>
+              <a:rPr lang="en-US" altLang="ko-KR"/>
+              <a:t>.</a:t>
+            </a:r>
+            <a:endParaRPr lang="en-US" altLang="ko-KR"/>
+          </a:p>
+          <a:p>
+            <a:pPr marL="0" lvl="0" indent="0">
+              <a:buNone/>
+              <a:defRPr/>
+            </a:pPr>
             <a:r>
               <a:rPr lang="ko-KR" altLang="en-US"/>
               <a:t> </a:t>
@@ -5515,7 +5937,7 @@
               <a:rPr lang="en-US" altLang="ko-KR"/>
               <a:t>.</a:t>
             </a:r>
-            <a:endParaRPr lang="en-US" altLang="ko-KR"/>
+            <a:endParaRPr lang="ko-KR" altLang="en-US"/>
           </a:p>
           <a:p>
             <a:pPr marL="0" lvl="0" indent="0">
@@ -5585,42 +6007,13 @@
               <a:buNone/>
               <a:defRPr/>
             </a:pPr>
-            <a:endParaRPr lang="en-US" altLang="ko-KR"/>
-          </a:p>
-          <a:p>
-            <a:pPr lvl="0">
-              <a:defRPr/>
-            </a:pPr>
-            <a:r>
-              <a:rPr lang="ko-KR" altLang="en-US"/>
-              <a:t>기타</a:t>
-            </a:r>
-            <a:endParaRPr lang="ko-KR" altLang="en-US"/>
-          </a:p>
-          <a:p>
-            <a:pPr marL="0" lvl="0" indent="0">
-              <a:buNone/>
-              <a:defRPr/>
-            </a:pPr>
-            <a:r>
-              <a:rPr lang="ko-KR" altLang="en-US"/>
-              <a:t> </a:t>
-            </a:r>
             <a:r>
               <a:rPr lang="en-US" altLang="ko-KR"/>
-              <a:t>-</a:t>
-            </a:r>
-            <a:r>
-              <a:rPr lang="ko-KR" altLang="en-US"/>
-              <a:t> </a:t>
-            </a:r>
-            <a:r>
-              <a:rPr lang="en-US" altLang="ko-KR"/>
-              <a:t>CLI</a:t>
-            </a:r>
-            <a:r>
-              <a:rPr lang="ko-KR" altLang="en-US"/>
-              <a:t>화면으로 구현되어야 한다</a:t>
+              <a:t> -</a:t>
+            </a:r>
+            <a:r>
+              <a:rPr lang="ko-KR" altLang="en-US"/>
+              <a:t> 분석이 완료되면 완료 메세지를 보여주어야 한다</a:t>
             </a:r>
             <a:r>
               <a:rPr lang="en-US" altLang="ko-KR"/>
@@ -5637,19 +6030,14 @@
               <a:rPr lang="ko-KR" altLang="en-US"/>
               <a:t> </a:t>
             </a:r>
-            <a:r>
-              <a:rPr lang="en-US" altLang="ko-KR"/>
-              <a:t>-</a:t>
-            </a:r>
-            <a:r>
-              <a:rPr lang="ko-KR" altLang="en-US"/>
-              <a:t> 분석한 정보들을 내보낼 수 있는 명령어가 있어야 한다</a:t>
-            </a:r>
-            <a:r>
-              <a:rPr lang="en-US" altLang="ko-KR"/>
-              <a:t>.</a:t>
-            </a:r>
             <a:endParaRPr lang="ko-KR" altLang="en-US"/>
+          </a:p>
+          <a:p>
+            <a:pPr marL="0" lvl="0" indent="0">
+              <a:buNone/>
+              <a:defRPr/>
+            </a:pPr>
+            <a:endParaRPr lang="en-US" altLang="ko-KR"/>
           </a:p>
         </p:txBody>
       </p:sp>
@@ -5669,7 +6057,7 @@
 </p:sld>
 </file>
 
-<file path=ppt/slides/slide16.xml><?xml version="1.0" encoding="utf-8"?>
+<file path=ppt/slides/slide18.xml><?xml version="1.0" encoding="utf-8"?>
 <p:sld xmlns:r="http://schemas.openxmlformats.org/officeDocument/2006/relationships" xmlns:c="http://schemas.openxmlformats.org/drawingml/2006/chart" xmlns:a="http://schemas.openxmlformats.org/drawingml/2006/main" xmlns:dgm="http://schemas.openxmlformats.org/drawingml/2006/diagram" xmlns:dsp="http://schemas.microsoft.com/office/drawing/2008/diagram" xmlns:p="http://schemas.openxmlformats.org/presentationml/2006/main">
   <p:cSld>
     <p:spTree>
@@ -5762,7 +6150,7 @@
         </p:spPr>
         <p:txBody>
           <a:bodyPr vert="horz" lIns="91440" tIns="45720" rIns="91440" bIns="45720">
-            <a:normAutofit lnSpcReduction="10000"/>
+            <a:normAutofit fontScale="92500" lnSpcReduction="10000"/>
           </a:bodyPr>
           <a:lstStyle/>
           <a:p>
@@ -5771,14 +6159,196 @@
             </a:pPr>
             <a:r>
               <a:rPr lang="ko-KR" altLang="en-US"/>
-              <a:t>사용자 기록 추적 프로그램</a:t>
+              <a:t>사용자 기록 추적 프로그램 </a:t>
+            </a:r>
+            <a:r>
+              <a:rPr lang="en-US" altLang="ko-KR"/>
+              <a:t>(</a:t>
+            </a:r>
+            <a:r>
+              <a:rPr lang="ko-KR" altLang="en-US"/>
+              <a:t>레지스트리 이용</a:t>
+            </a:r>
+            <a:r>
+              <a:rPr lang="en-US" altLang="ko-KR"/>
+              <a:t>)</a:t>
+            </a:r>
+            <a:endParaRPr lang="en-US" altLang="ko-KR"/>
+          </a:p>
+          <a:p>
+            <a:pPr lvl="0">
+              <a:defRPr/>
+            </a:pPr>
+            <a:endParaRPr lang="en-US" altLang="ko-KR"/>
+          </a:p>
+          <a:p>
+            <a:pPr lvl="0">
+              <a:defRPr/>
+            </a:pPr>
+            <a:r>
+              <a:rPr lang="ko-KR" altLang="en-US"/>
+              <a:t>언어</a:t>
             </a:r>
             <a:endParaRPr lang="ko-KR" altLang="en-US"/>
           </a:p>
           <a:p>
+            <a:pPr marL="0" lvl="0" indent="0">
+              <a:buNone/>
+              <a:defRPr/>
+            </a:pPr>
+            <a:r>
+              <a:rPr lang="ko-KR" altLang="en-US"/>
+              <a:t> </a:t>
+            </a:r>
+            <a:r>
+              <a:rPr lang="en-US" altLang="ko-KR"/>
+              <a:t>-</a:t>
+            </a:r>
+            <a:r>
+              <a:rPr lang="ko-KR" altLang="en-US"/>
+              <a:t> 구현을 위해 사용하는 언어는 </a:t>
+            </a:r>
+            <a:r>
+              <a:rPr lang="en-US" altLang="ko-KR"/>
+              <a:t>Python</a:t>
+            </a:r>
+            <a:r>
+              <a:rPr lang="ko-KR" altLang="en-US"/>
+              <a:t>으로 한다</a:t>
+            </a:r>
+            <a:r>
+              <a:rPr lang="en-US" altLang="ko-KR"/>
+              <a:t>.</a:t>
+            </a:r>
+            <a:endParaRPr lang="en-US" altLang="ko-KR"/>
+          </a:p>
+          <a:p>
+            <a:pPr marL="0" lvl="0" indent="0">
+              <a:buNone/>
+              <a:defRPr/>
+            </a:pPr>
+            <a:endParaRPr lang="en-US" altLang="ko-KR"/>
+          </a:p>
+          <a:p>
+            <a:pPr marL="0" lvl="0" indent="0">
+              <a:buNone/>
+              <a:defRPr/>
+            </a:pPr>
+            <a:endParaRPr lang="en-US" altLang="ko-KR"/>
+          </a:p>
+          <a:p>
             <a:pPr lvl="0">
               <a:defRPr/>
             </a:pPr>
+            <a:r>
+              <a:rPr lang="ko-KR" altLang="en-US"/>
+              <a:t>기타</a:t>
+            </a:r>
+            <a:endParaRPr lang="ko-KR" altLang="en-US"/>
+          </a:p>
+          <a:p>
+            <a:pPr marL="0" lvl="0" indent="0">
+              <a:buNone/>
+              <a:defRPr/>
+            </a:pPr>
+            <a:r>
+              <a:rPr lang="ko-KR" altLang="en-US"/>
+              <a:t> </a:t>
+            </a:r>
+            <a:r>
+              <a:rPr lang="en-US" altLang="ko-KR"/>
+              <a:t>-</a:t>
+            </a:r>
+            <a:r>
+              <a:rPr lang="ko-KR" altLang="en-US"/>
+              <a:t> </a:t>
+            </a:r>
+            <a:r>
+              <a:rPr lang="en-US" altLang="ko-KR"/>
+              <a:t>CLI</a:t>
+            </a:r>
+            <a:r>
+              <a:rPr lang="ko-KR" altLang="en-US"/>
+              <a:t>화면으로 구현되어야 한다</a:t>
+            </a:r>
+            <a:r>
+              <a:rPr lang="en-US" altLang="ko-KR"/>
+              <a:t>.</a:t>
+            </a:r>
+            <a:endParaRPr lang="en-US" altLang="ko-KR"/>
+          </a:p>
+          <a:p>
+            <a:pPr marL="0" lvl="0" indent="0">
+              <a:buNone/>
+              <a:defRPr/>
+            </a:pPr>
+            <a:r>
+              <a:rPr lang="ko-KR" altLang="en-US"/>
+              <a:t> </a:t>
+            </a:r>
+            <a:r>
+              <a:rPr lang="en-US" altLang="ko-KR"/>
+              <a:t>-</a:t>
+            </a:r>
+            <a:r>
+              <a:rPr lang="ko-KR" altLang="en-US"/>
+              <a:t> 분석한 정보들을 내보낼 수 있는</a:t>
+            </a:r>
+            <a:r>
+              <a:rPr lang="en-US" altLang="ko-KR"/>
+              <a:t>(excel</a:t>
+            </a:r>
+            <a:r>
+              <a:rPr lang="ko-KR" altLang="en-US"/>
+              <a:t> 파일로 저장</a:t>
+            </a:r>
+            <a:r>
+              <a:rPr lang="en-US" altLang="ko-KR"/>
+              <a:t>)</a:t>
+            </a:r>
+            <a:r>
+              <a:rPr lang="ko-KR" altLang="en-US"/>
+              <a:t> 명령어가 있어야 한다</a:t>
+            </a:r>
+            <a:r>
+              <a:rPr lang="en-US" altLang="ko-KR"/>
+              <a:t>.</a:t>
+            </a:r>
+            <a:endParaRPr lang="en-US" altLang="ko-KR"/>
+          </a:p>
+          <a:p>
+            <a:pPr marL="0" lvl="0" indent="0">
+              <a:buNone/>
+              <a:defRPr/>
+            </a:pPr>
+            <a:endParaRPr lang="ko-KR" altLang="en-US"/>
+          </a:p>
+          <a:p>
+            <a:pPr lvl="0">
+              <a:defRPr/>
+            </a:pPr>
+            <a:r>
+              <a:rPr lang="ko-KR" altLang="en-US"/>
+              <a:t>한계점</a:t>
+            </a:r>
+            <a:endParaRPr lang="ko-KR" altLang="en-US"/>
+          </a:p>
+          <a:p>
+            <a:pPr lvl="0">
+              <a:defRPr/>
+            </a:pPr>
+            <a:r>
+              <a:rPr lang="ko-KR" altLang="en-US"/>
+              <a:t> </a:t>
+            </a:r>
+            <a:r>
+              <a:rPr lang="en-US" altLang="ko-KR"/>
+              <a:t>-</a:t>
+            </a:r>
+            <a:r>
+              <a:rPr lang="ko-KR" altLang="en-US"/>
+              <a:t> 레지스트리 접근권한 해결 방안</a:t>
+            </a:r>
             <a:endParaRPr lang="ko-KR" altLang="en-US"/>
           </a:p>
           <a:p>
@@ -5789,30 +6359,6 @@
           </a:p>
         </p:txBody>
       </p:sp>
-      <p:pic>
-        <p:nvPicPr>
-          <p:cNvPr id="7" name=""/>
-          <p:cNvPicPr>
-            <a:picLocks noChangeAspect="1"/>
-          </p:cNvPicPr>
-          <p:nvPr/>
-        </p:nvPicPr>
-        <p:blipFill rotWithShape="1">
-          <a:blip r:embed="rId2"/>
-          <a:stretch>
-            <a:fillRect/>
-          </a:stretch>
-        </p:blipFill>
-        <p:spPr>
-          <a:xfrm>
-            <a:off x="8663208" y="1332769"/>
-            <a:ext cx="3528792" cy="5525230"/>
-          </a:xfrm>
-          <a:prstGeom prst="rect">
-            <a:avLst/>
-          </a:prstGeom>
-        </p:spPr>
-      </p:pic>
     </p:spTree>
   </p:cSld>
   <p:clrMapOvr>
@@ -5829,8 +6375,8 @@
 </p:sld>
 </file>
 
-<file path=ppt/slides/slide17.xml><?xml version="1.0" encoding="utf-8"?>
-<p:sld xmlns:a="http://schemas.openxmlformats.org/drawingml/2006/main" xmlns:r="http://schemas.openxmlformats.org/officeDocument/2006/relationships" xmlns:p="http://schemas.openxmlformats.org/presentationml/2006/main">
+<file path=ppt/slides/slide19.xml><?xml version="1.0" encoding="utf-8"?>
+<p:sld xmlns:r="http://schemas.openxmlformats.org/officeDocument/2006/relationships" xmlns:c="http://schemas.openxmlformats.org/drawingml/2006/chart" xmlns:a="http://schemas.openxmlformats.org/drawingml/2006/main" xmlns:dgm="http://schemas.openxmlformats.org/drawingml/2006/diagram" xmlns:dsp="http://schemas.microsoft.com/office/drawing/2008/diagram" xmlns:p="http://schemas.openxmlformats.org/presentationml/2006/main">
   <p:cSld>
     <p:spTree>
       <p:nvGrpSpPr>
@@ -5886,20 +6432,20 @@
           </a:fontRef>
         </p:style>
         <p:txBody>
-          <a:bodyPr rtlCol="0" anchor="ctr"/>
+          <a:bodyPr anchor="ctr"/>
           <a:lstStyle/>
           <a:p>
-            <a:pPr algn="ctr"/>
-            <a:endParaRPr kumimoji="1" lang="ko-KR" altLang="en-US" dirty="0"/>
+            <a:pPr algn="ctr">
+              <a:defRPr/>
+            </a:pPr>
+            <a:endParaRPr kumimoji="1" lang="ko-KR" altLang="en-US"/>
           </a:p>
         </p:txBody>
       </p:sp>
       <p:sp>
         <p:nvSpPr>
           <p:cNvPr id="12" name="부제목 2"/>
-          <p:cNvSpPr txBox="1">
-            <a:spLocks/>
-          </p:cNvSpPr>
+          <p:cNvSpPr txBox="1"/>
           <p:nvPr/>
         </p:nvSpPr>
         <p:spPr>
@@ -5912,7 +6458,7 @@
           </a:prstGeom>
         </p:spPr>
         <p:txBody>
-          <a:bodyPr vert="horz" lIns="91440" tIns="45720" rIns="91440" bIns="45720" rtlCol="0" anchor="ctr">
+          <a:bodyPr vert="horz" lIns="91440" tIns="45720" rIns="91440" bIns="45720" anchor="ctr">
             <a:noAutofit/>
           </a:bodyPr>
           <a:lstStyle>
@@ -6080,50 +6626,31 @@
             </a:lvl9pPr>
           </a:lstStyle>
           <a:p>
-            <a:r>
-              <a:rPr lang="ko-KR" altLang="en-US" sz="4800" dirty="0">
+            <a:pPr lvl="0">
+              <a:defRPr/>
+            </a:pPr>
+            <a:r>
+              <a:rPr lang="ko-KR" altLang="en-US" sz="4800">
                 <a:solidFill>
                   <a:schemeClr val="bg1"/>
                 </a:solidFill>
                 <a:latin typeface="+mj-lt"/>
-                <a:ea typeface="맑은 고딕" charset="-127"/>
-                <a:cs typeface="맑은 고딕" charset="-127"/>
+                <a:ea typeface="맑은 고딕"/>
+                <a:cs typeface="맑은 고딕"/>
               </a:rPr>
               <a:t>계획 및 일정 수립</a:t>
             </a:r>
+            <a:endParaRPr lang="ko-KR" altLang="en-US" sz="4800">
+              <a:solidFill>
+                <a:schemeClr val="bg1"/>
+              </a:solidFill>
+              <a:latin typeface="+mj-lt"/>
+              <a:ea typeface="맑은 고딕"/>
+              <a:cs typeface="맑은 고딕"/>
+            </a:endParaRPr>
           </a:p>
         </p:txBody>
       </p:sp>
-    </p:spTree>
-    <p:extLst>
-      <p:ext uri="{BB962C8B-B14F-4D97-AF65-F5344CB8AC3E}">
-        <p14:creationId xmlns:p14="http://schemas.microsoft.com/office/powerpoint/2010/main" val="641642769"/>
-      </p:ext>
-    </p:extLst>
-  </p:cSld>
-  <p:clrMapOvr>
-    <a:masterClrMapping/>
-  </p:clrMapOvr>
-</p:sld>
-</file>
-
-<file path=ppt/slides/slide18.xml><?xml version="1.0" encoding="utf-8"?>
-<p:sld xmlns:r="http://schemas.openxmlformats.org/officeDocument/2006/relationships" xmlns:c="http://schemas.openxmlformats.org/drawingml/2006/chart" xmlns:a="http://schemas.openxmlformats.org/drawingml/2006/main" xmlns:dgm="http://schemas.openxmlformats.org/drawingml/2006/diagram" xmlns:dsp="http://schemas.microsoft.com/office/drawing/2008/diagram" xmlns:p="http://schemas.openxmlformats.org/presentationml/2006/main">
-  <p:cSld>
-    <p:spTree>
-      <p:nvGrpSpPr>
-        <p:cNvPr id="1" name=""/>
-        <p:cNvGrpSpPr/>
-        <p:nvPr/>
-      </p:nvGrpSpPr>
-      <p:grpSpPr>
-        <a:xfrm>
-          <a:off x="0" y="0"/>
-          <a:ext cx="0" cy="0"/>
-          <a:chOff x="0" y="0"/>
-          <a:chExt cx="0" cy="0"/>
-        </a:xfrm>
-      </p:grpSpPr>
     </p:spTree>
   </p:cSld>
   <p:clrMapOvr>
@@ -6137,284 +6664,6 @@
       <p:transition/>
     </mc:Fallback>
   </mc:AlternateContent>
-</p:sld>
-</file>
-
-<file path=ppt/slides/slide19.xml><?xml version="1.0" encoding="utf-8"?>
-<p:sld xmlns:a="http://schemas.openxmlformats.org/drawingml/2006/main" xmlns:r="http://schemas.openxmlformats.org/officeDocument/2006/relationships" xmlns:p="http://schemas.openxmlformats.org/presentationml/2006/main">
-  <p:cSld>
-    <p:spTree>
-      <p:nvGrpSpPr>
-        <p:cNvPr id="1" name=""/>
-        <p:cNvGrpSpPr/>
-        <p:nvPr/>
-      </p:nvGrpSpPr>
-      <p:grpSpPr>
-        <a:xfrm>
-          <a:off x="0" y="0"/>
-          <a:ext cx="0" cy="0"/>
-          <a:chOff x="0" y="0"/>
-          <a:chExt cx="0" cy="0"/>
-        </a:xfrm>
-      </p:grpSpPr>
-      <p:sp>
-        <p:nvSpPr>
-          <p:cNvPr id="10" name="직사각형 9"/>
-          <p:cNvSpPr/>
-          <p:nvPr/>
-        </p:nvSpPr>
-        <p:spPr>
-          <a:xfrm>
-            <a:off x="-1" y="2398426"/>
-            <a:ext cx="12192001" cy="1338109"/>
-          </a:xfrm>
-          <a:prstGeom prst="rect">
-            <a:avLst/>
-          </a:prstGeom>
-          <a:solidFill>
-            <a:schemeClr val="accent1">
-              <a:lumMod val="75000"/>
-            </a:schemeClr>
-          </a:solidFill>
-          <a:ln>
-            <a:noFill/>
-          </a:ln>
-        </p:spPr>
-        <p:style>
-          <a:lnRef idx="2">
-            <a:schemeClr val="accent1">
-              <a:shade val="50000"/>
-            </a:schemeClr>
-          </a:lnRef>
-          <a:fillRef idx="1">
-            <a:schemeClr val="accent1"/>
-          </a:fillRef>
-          <a:effectRef idx="0">
-            <a:schemeClr val="accent1"/>
-          </a:effectRef>
-          <a:fontRef idx="minor">
-            <a:schemeClr val="lt1"/>
-          </a:fontRef>
-        </p:style>
-        <p:txBody>
-          <a:bodyPr rtlCol="0" anchor="ctr"/>
-          <a:lstStyle/>
-          <a:p>
-            <a:pPr algn="ctr"/>
-            <a:endParaRPr kumimoji="1" lang="ko-KR" altLang="en-US" dirty="0"/>
-          </a:p>
-        </p:txBody>
-      </p:sp>
-      <p:sp>
-        <p:nvSpPr>
-          <p:cNvPr id="12" name="부제목 2"/>
-          <p:cNvSpPr txBox="1">
-            <a:spLocks/>
-          </p:cNvSpPr>
-          <p:nvPr/>
-        </p:nvSpPr>
-        <p:spPr>
-          <a:xfrm>
-            <a:off x="1" y="2608234"/>
-            <a:ext cx="12192000" cy="754314"/>
-          </a:xfrm>
-          <a:prstGeom prst="rect">
-            <a:avLst/>
-          </a:prstGeom>
-        </p:spPr>
-        <p:txBody>
-          <a:bodyPr vert="horz" lIns="91440" tIns="45720" rIns="91440" bIns="45720" rtlCol="0" anchor="ctr">
-            <a:noAutofit/>
-          </a:bodyPr>
-          <a:lstStyle>
-            <a:lvl1pPr marL="0" indent="0" algn="ctr" defTabSz="914423" rtl="0" eaLnBrk="1" latinLnBrk="1" hangingPunct="1">
-              <a:lnSpc>
-                <a:spcPct val="90000"/>
-              </a:lnSpc>
-              <a:spcBef>
-                <a:spcPts val="1001"/>
-              </a:spcBef>
-              <a:buFont typeface="Arial"/>
-              <a:buNone/>
-              <a:defRPr sz="2400" kern="1200">
-                <a:solidFill>
-                  <a:schemeClr val="tx1"/>
-                </a:solidFill>
-                <a:latin typeface="+mn-lt"/>
-                <a:ea typeface="+mn-ea"/>
-                <a:cs typeface="+mn-cs"/>
-              </a:defRPr>
-            </a:lvl1pPr>
-            <a:lvl2pPr marL="457211" indent="0" algn="ctr" defTabSz="914423" rtl="0" eaLnBrk="1" latinLnBrk="1" hangingPunct="1">
-              <a:lnSpc>
-                <a:spcPct val="90000"/>
-              </a:lnSpc>
-              <a:spcBef>
-                <a:spcPts val="500"/>
-              </a:spcBef>
-              <a:buFont typeface="Arial"/>
-              <a:buNone/>
-              <a:defRPr sz="2000" kern="1200">
-                <a:solidFill>
-                  <a:schemeClr val="tx1"/>
-                </a:solidFill>
-                <a:latin typeface="+mn-lt"/>
-                <a:ea typeface="+mn-ea"/>
-                <a:cs typeface="+mn-cs"/>
-              </a:defRPr>
-            </a:lvl2pPr>
-            <a:lvl3pPr marL="914423" indent="0" algn="ctr" defTabSz="914423" rtl="0" eaLnBrk="1" latinLnBrk="1" hangingPunct="1">
-              <a:lnSpc>
-                <a:spcPct val="90000"/>
-              </a:lnSpc>
-              <a:spcBef>
-                <a:spcPts val="500"/>
-              </a:spcBef>
-              <a:buFont typeface="Arial"/>
-              <a:buNone/>
-              <a:defRPr sz="1801" kern="1200">
-                <a:solidFill>
-                  <a:schemeClr val="tx1"/>
-                </a:solidFill>
-                <a:latin typeface="+mn-lt"/>
-                <a:ea typeface="+mn-ea"/>
-                <a:cs typeface="+mn-cs"/>
-              </a:defRPr>
-            </a:lvl3pPr>
-            <a:lvl4pPr marL="1371634" indent="0" algn="ctr" defTabSz="914423" rtl="0" eaLnBrk="1" latinLnBrk="1" hangingPunct="1">
-              <a:lnSpc>
-                <a:spcPct val="90000"/>
-              </a:lnSpc>
-              <a:spcBef>
-                <a:spcPts val="500"/>
-              </a:spcBef>
-              <a:buFont typeface="Arial"/>
-              <a:buNone/>
-              <a:defRPr sz="1600" kern="1200">
-                <a:solidFill>
-                  <a:schemeClr val="tx1"/>
-                </a:solidFill>
-                <a:latin typeface="+mn-lt"/>
-                <a:ea typeface="+mn-ea"/>
-                <a:cs typeface="+mn-cs"/>
-              </a:defRPr>
-            </a:lvl4pPr>
-            <a:lvl5pPr marL="1828846" indent="0" algn="ctr" defTabSz="914423" rtl="0" eaLnBrk="1" latinLnBrk="1" hangingPunct="1">
-              <a:lnSpc>
-                <a:spcPct val="90000"/>
-              </a:lnSpc>
-              <a:spcBef>
-                <a:spcPts val="500"/>
-              </a:spcBef>
-              <a:buFont typeface="Arial"/>
-              <a:buNone/>
-              <a:defRPr sz="1600" kern="1200">
-                <a:solidFill>
-                  <a:schemeClr val="tx1"/>
-                </a:solidFill>
-                <a:latin typeface="+mn-lt"/>
-                <a:ea typeface="+mn-ea"/>
-                <a:cs typeface="+mn-cs"/>
-              </a:defRPr>
-            </a:lvl5pPr>
-            <a:lvl6pPr marL="2286057" indent="0" algn="ctr" defTabSz="914423" rtl="0" eaLnBrk="1" latinLnBrk="1" hangingPunct="1">
-              <a:lnSpc>
-                <a:spcPct val="90000"/>
-              </a:lnSpc>
-              <a:spcBef>
-                <a:spcPts val="500"/>
-              </a:spcBef>
-              <a:buFont typeface="Arial"/>
-              <a:buNone/>
-              <a:defRPr sz="1600" kern="1200">
-                <a:solidFill>
-                  <a:schemeClr val="tx1"/>
-                </a:solidFill>
-                <a:latin typeface="+mn-lt"/>
-                <a:ea typeface="+mn-ea"/>
-                <a:cs typeface="+mn-cs"/>
-              </a:defRPr>
-            </a:lvl6pPr>
-            <a:lvl7pPr marL="2743269" indent="0" algn="ctr" defTabSz="914423" rtl="0" eaLnBrk="1" latinLnBrk="1" hangingPunct="1">
-              <a:lnSpc>
-                <a:spcPct val="90000"/>
-              </a:lnSpc>
-              <a:spcBef>
-                <a:spcPts val="500"/>
-              </a:spcBef>
-              <a:buFont typeface="Arial"/>
-              <a:buNone/>
-              <a:defRPr sz="1600" kern="1200">
-                <a:solidFill>
-                  <a:schemeClr val="tx1"/>
-                </a:solidFill>
-                <a:latin typeface="+mn-lt"/>
-                <a:ea typeface="+mn-ea"/>
-                <a:cs typeface="+mn-cs"/>
-              </a:defRPr>
-            </a:lvl7pPr>
-            <a:lvl8pPr marL="3200480" indent="0" algn="ctr" defTabSz="914423" rtl="0" eaLnBrk="1" latinLnBrk="1" hangingPunct="1">
-              <a:lnSpc>
-                <a:spcPct val="90000"/>
-              </a:lnSpc>
-              <a:spcBef>
-                <a:spcPts val="500"/>
-              </a:spcBef>
-              <a:buFont typeface="Arial"/>
-              <a:buNone/>
-              <a:defRPr sz="1600" kern="1200">
-                <a:solidFill>
-                  <a:schemeClr val="tx1"/>
-                </a:solidFill>
-                <a:latin typeface="+mn-lt"/>
-                <a:ea typeface="+mn-ea"/>
-                <a:cs typeface="+mn-cs"/>
-              </a:defRPr>
-            </a:lvl8pPr>
-            <a:lvl9pPr marL="3657691" indent="0" algn="ctr" defTabSz="914423" rtl="0" eaLnBrk="1" latinLnBrk="1" hangingPunct="1">
-              <a:lnSpc>
-                <a:spcPct val="90000"/>
-              </a:lnSpc>
-              <a:spcBef>
-                <a:spcPts val="500"/>
-              </a:spcBef>
-              <a:buFont typeface="Arial"/>
-              <a:buNone/>
-              <a:defRPr sz="1600" kern="1200">
-                <a:solidFill>
-                  <a:schemeClr val="tx1"/>
-                </a:solidFill>
-                <a:latin typeface="+mn-lt"/>
-                <a:ea typeface="+mn-ea"/>
-                <a:cs typeface="+mn-cs"/>
-              </a:defRPr>
-            </a:lvl9pPr>
-          </a:lstStyle>
-          <a:p>
-            <a:r>
-              <a:rPr lang="ko-KR" altLang="en-US" sz="4800" dirty="0">
-                <a:solidFill>
-                  <a:schemeClr val="bg1"/>
-                </a:solidFill>
-                <a:latin typeface="+mj-lt"/>
-                <a:ea typeface="맑은 고딕" charset="-127"/>
-                <a:cs typeface="맑은 고딕" charset="-127"/>
-              </a:rPr>
-              <a:t>기능 모듈 설계</a:t>
-            </a:r>
-          </a:p>
-        </p:txBody>
-      </p:sp>
-    </p:spTree>
-    <p:extLst>
-      <p:ext uri="{BB962C8B-B14F-4D97-AF65-F5344CB8AC3E}">
-        <p14:creationId xmlns:p14="http://schemas.microsoft.com/office/powerpoint/2010/main" val="3636615241"/>
-      </p:ext>
-    </p:extLst>
-  </p:cSld>
-  <p:clrMapOvr>
-    <a:masterClrMapping/>
-  </p:clrMapOvr>
 </p:sld>
 </file>
 
@@ -8664,77 +8913,746 @@
           <a:chExt cx="0" cy="0"/>
         </a:xfrm>
       </p:grpSpPr>
+      <p:graphicFrame>
+        <p:nvGraphicFramePr>
+          <p:cNvPr id="2" name="표 4"/>
+          <p:cNvGraphicFramePr>
+            <a:graphicFrameLocks noGrp="1"/>
+          </p:cNvGraphicFramePr>
+          <p:nvPr/>
+        </p:nvGraphicFramePr>
+        <p:xfrm>
+          <a:off x="520441" y="1418253"/>
+          <a:ext cx="10897591" cy="4954555"/>
+        </p:xfrm>
+        <a:graphic>
+          <a:graphicData uri="http://schemas.openxmlformats.org/drawingml/2006/table">
+            <a:tbl>
+              <a:tblPr firstRow="1" bandRow="1">
+                <a:tableStyle styleId="{5C22544A-7EE6-4342-B048-85BDC9FD1C3A}" styleName="보통 스타일 2 - 강조 1">
+                  <a:wholeTbl>
+                    <a:tcTxStyle>
+                      <a:fontRef idx="minor">
+                        <a:prstClr val="black"/>
+                      </a:fontRef>
+                      <a:schemeClr val="dk1"/>
+                    </a:tcTxStyle>
+                    <a:tcStyle>
+                      <a:tcBdr>
+                        <a:left>
+                          <a:ln w="12700" cmpd="sng">
+                            <a:solidFill>
+                              <a:schemeClr val="lt1"/>
+                            </a:solidFill>
+                          </a:ln>
+                        </a:left>
+                        <a:right>
+                          <a:ln w="12700" cmpd="sng">
+                            <a:solidFill>
+                              <a:schemeClr val="lt1"/>
+                            </a:solidFill>
+                          </a:ln>
+                        </a:right>
+                        <a:top>
+                          <a:ln w="12700" cmpd="sng">
+                            <a:solidFill>
+                              <a:schemeClr val="lt1"/>
+                            </a:solidFill>
+                          </a:ln>
+                        </a:top>
+                        <a:bottom>
+                          <a:ln w="12700" cmpd="sng">
+                            <a:solidFill>
+                              <a:schemeClr val="lt1"/>
+                            </a:solidFill>
+                          </a:ln>
+                        </a:bottom>
+                        <a:insideH>
+                          <a:ln w="12700" cmpd="sng">
+                            <a:solidFill>
+                              <a:schemeClr val="lt1"/>
+                            </a:solidFill>
+                          </a:ln>
+                        </a:insideH>
+                        <a:insideV>
+                          <a:ln w="12700" cmpd="sng">
+                            <a:solidFill>
+                              <a:schemeClr val="lt1"/>
+                            </a:solidFill>
+                          </a:ln>
+                        </a:insideV>
+                      </a:tcBdr>
+                      <a:fill>
+                        <a:solidFill>
+                          <a:schemeClr val="accent1">
+                            <a:tint val="20000"/>
+                          </a:schemeClr>
+                        </a:solidFill>
+                      </a:fill>
+                    </a:tcStyle>
+                  </a:wholeTbl>
+                  <a:band1H>
+                    <a:tcTxStyle/>
+                    <a:tcStyle>
+                      <a:tcBdr/>
+                      <a:fill>
+                        <a:solidFill>
+                          <a:schemeClr val="accent1">
+                            <a:tint val="40000"/>
+                          </a:schemeClr>
+                        </a:solidFill>
+                      </a:fill>
+                    </a:tcStyle>
+                  </a:band1H>
+                  <a:band2H>
+                    <a:tcTxStyle/>
+                    <a:tcStyle>
+                      <a:tcBdr/>
+                    </a:tcStyle>
+                  </a:band2H>
+                  <a:band1V>
+                    <a:tcTxStyle/>
+                    <a:tcStyle>
+                      <a:tcBdr/>
+                      <a:fill>
+                        <a:solidFill>
+                          <a:schemeClr val="accent1">
+                            <a:tint val="40000"/>
+                          </a:schemeClr>
+                        </a:solidFill>
+                      </a:fill>
+                    </a:tcStyle>
+                  </a:band1V>
+                  <a:band2V>
+                    <a:tcTxStyle/>
+                    <a:tcStyle>
+                      <a:tcBdr/>
+                    </a:tcStyle>
+                  </a:band2V>
+                  <a:lastCol>
+                    <a:tcTxStyle b="on">
+                      <a:fontRef idx="minor">
+                        <a:prstClr val="black"/>
+                      </a:fontRef>
+                      <a:schemeClr val="lt1"/>
+                    </a:tcTxStyle>
+                    <a:tcStyle>
+                      <a:tcBdr/>
+                      <a:fill>
+                        <a:solidFill>
+                          <a:schemeClr val="accent1"/>
+                        </a:solidFill>
+                      </a:fill>
+                    </a:tcStyle>
+                  </a:lastCol>
+                  <a:firstCol>
+                    <a:tcTxStyle b="on">
+                      <a:fontRef idx="minor">
+                        <a:prstClr val="black"/>
+                      </a:fontRef>
+                      <a:schemeClr val="lt1"/>
+                    </a:tcTxStyle>
+                    <a:tcStyle>
+                      <a:tcBdr/>
+                      <a:fill>
+                        <a:solidFill>
+                          <a:schemeClr val="accent1"/>
+                        </a:solidFill>
+                      </a:fill>
+                    </a:tcStyle>
+                  </a:firstCol>
+                  <a:lastRow>
+                    <a:tcTxStyle b="on">
+                      <a:fontRef idx="minor">
+                        <a:prstClr val="black"/>
+                      </a:fontRef>
+                      <a:schemeClr val="lt1"/>
+                    </a:tcTxStyle>
+                    <a:tcStyle>
+                      <a:tcBdr>
+                        <a:top>
+                          <a:ln w="38100" cmpd="sng">
+                            <a:solidFill>
+                              <a:schemeClr val="lt1"/>
+                            </a:solidFill>
+                          </a:ln>
+                        </a:top>
+                      </a:tcBdr>
+                      <a:fill>
+                        <a:solidFill>
+                          <a:schemeClr val="accent1"/>
+                        </a:solidFill>
+                      </a:fill>
+                    </a:tcStyle>
+                  </a:lastRow>
+                  <a:firstRow>
+                    <a:tcTxStyle b="on">
+                      <a:fontRef idx="minor">
+                        <a:prstClr val="black"/>
+                      </a:fontRef>
+                      <a:schemeClr val="lt1"/>
+                    </a:tcTxStyle>
+                    <a:tcStyle>
+                      <a:tcBdr>
+                        <a:bottom>
+                          <a:ln w="38100" cmpd="sng">
+                            <a:solidFill>
+                              <a:schemeClr val="lt1"/>
+                            </a:solidFill>
+                          </a:ln>
+                        </a:bottom>
+                      </a:tcBdr>
+                      <a:fill>
+                        <a:solidFill>
+                          <a:schemeClr val="accent1"/>
+                        </a:solidFill>
+                      </a:fill>
+                    </a:tcStyle>
+                  </a:firstRow>
+                </a:tableStyle>
+              </a:tblPr>
+              <a:tblGrid>
+                <a:gridCol w="2179518"/>
+                <a:gridCol w="2179518"/>
+                <a:gridCol w="2179518"/>
+                <a:gridCol w="2179518"/>
+                <a:gridCol w="2179518"/>
+              </a:tblGrid>
+              <a:tr h="379509">
+                <a:tc gridSpan="2">
+                  <a:txBody>
+                    <a:bodyPr vert="horz" lIns="91440" tIns="45720" rIns="91440" bIns="45720" anchor="t" anchorCtr="0"/>
+                    <a:p>
+                      <a:pPr algn="ctr" latinLnBrk="1">
+                        <a:defRPr/>
+                      </a:pPr>
+                      <a:r>
+                        <a:rPr lang="en-US" altLang="ko-KR"/>
+                        <a:t>7</a:t>
+                      </a:r>
+                      <a:r>
+                        <a:rPr lang="ko-KR" altLang="en-US"/>
+                        <a:t>월</a:t>
+                      </a:r>
+                      <a:endParaRPr lang="ko-KR" altLang="en-US"/>
+                    </a:p>
+                  </a:txBody>
+                  <a:tcPr marL="91440" marR="91440"/>
+                </a:tc>
+                <a:tc hMerge="1">
+                  <a:txBody>
+                    <a:bodyPr/>
+                    <a:p>
+                      <a:pPr latinLnBrk="1">
+                        <a:defRPr/>
+                      </a:pPr>
+                      <a:endParaRPr lang="ko-KR" altLang="en-US"/>
+                    </a:p>
+                  </a:txBody>
+                  <a:tcPr marL="91440" marR="91440"/>
+                </a:tc>
+                <a:tc gridSpan="3">
+                  <a:txBody>
+                    <a:bodyPr vert="horz" lIns="91440" tIns="45720" rIns="91440" bIns="45720" anchor="t" anchorCtr="0"/>
+                    <a:p>
+                      <a:pPr algn="ctr" latinLnBrk="1">
+                        <a:defRPr/>
+                      </a:pPr>
+                      <a:r>
+                        <a:rPr lang="en-US" altLang="ko-KR"/>
+                        <a:t>8</a:t>
+                      </a:r>
+                      <a:r>
+                        <a:rPr lang="ko-KR" altLang="en-US"/>
+                        <a:t>월</a:t>
+                      </a:r>
+                      <a:endParaRPr lang="ko-KR" altLang="en-US"/>
+                    </a:p>
+                  </a:txBody>
+                  <a:tcPr marL="91440" marR="91440"/>
+                </a:tc>
+                <a:tc hMerge="1">
+                  <a:txBody>
+                    <a:bodyPr/>
+                    <a:p>
+                      <a:pPr latinLnBrk="1">
+                        <a:defRPr/>
+                      </a:pPr>
+                      <a:endParaRPr lang="ko-KR" altLang="en-US"/>
+                    </a:p>
+                  </a:txBody>
+                  <a:tcPr marL="91440" marR="91440"/>
+                </a:tc>
+                <a:tc hMerge="1">
+                  <a:txBody>
+                    <a:bodyPr/>
+                    <a:p>
+                      <a:pPr latinLnBrk="1">
+                        <a:defRPr/>
+                      </a:pPr>
+                      <a:endParaRPr lang="ko-KR" altLang="en-US"/>
+                    </a:p>
+                  </a:txBody>
+                  <a:tcPr marL="91440" marR="91440"/>
+                </a:tc>
+              </a:tr>
+              <a:tr h="379509">
+                <a:tc>
+                  <a:txBody>
+                    <a:bodyPr vert="horz" lIns="91440" tIns="45720" rIns="91440" bIns="45720" anchor="t" anchorCtr="0"/>
+                    <a:p>
+                      <a:pPr algn="ctr" latinLnBrk="1">
+                        <a:defRPr/>
+                      </a:pPr>
+                      <a:r>
+                        <a:rPr lang="en-US" altLang="ko-KR"/>
+                        <a:t>4</a:t>
+                      </a:r>
+                      <a:r>
+                        <a:rPr lang="ko-KR" altLang="en-US"/>
+                        <a:t>주차</a:t>
+                      </a:r>
+                      <a:endParaRPr lang="ko-KR" altLang="en-US"/>
+                    </a:p>
+                  </a:txBody>
+                  <a:tcPr marL="91440" marR="91440"/>
+                </a:tc>
+                <a:tc>
+                  <a:txBody>
+                    <a:bodyPr vert="horz" lIns="91440" tIns="45720" rIns="91440" bIns="45720" anchor="t" anchorCtr="0"/>
+                    <a:p>
+                      <a:pPr algn="ctr" latinLnBrk="1">
+                        <a:defRPr/>
+                      </a:pPr>
+                      <a:r>
+                        <a:rPr lang="en-US" altLang="ko-KR"/>
+                        <a:t>5</a:t>
+                      </a:r>
+                      <a:r>
+                        <a:rPr lang="ko-KR" altLang="en-US"/>
+                        <a:t>주차</a:t>
+                      </a:r>
+                      <a:endParaRPr lang="ko-KR" altLang="en-US"/>
+                    </a:p>
+                  </a:txBody>
+                  <a:tcPr marL="91440" marR="91440"/>
+                </a:tc>
+                <a:tc>
+                  <a:txBody>
+                    <a:bodyPr vert="horz" lIns="91440" tIns="45720" rIns="91440" bIns="45720" anchor="t" anchorCtr="0"/>
+                    <a:p>
+                      <a:pPr algn="ctr" latinLnBrk="1">
+                        <a:defRPr/>
+                      </a:pPr>
+                      <a:r>
+                        <a:rPr lang="en-US" altLang="ko-KR"/>
+                        <a:t>1</a:t>
+                      </a:r>
+                      <a:r>
+                        <a:rPr lang="ko-KR" altLang="en-US"/>
+                        <a:t>주차</a:t>
+                      </a:r>
+                      <a:endParaRPr lang="ko-KR" altLang="en-US"/>
+                    </a:p>
+                  </a:txBody>
+                  <a:tcPr marL="91440" marR="91440"/>
+                </a:tc>
+                <a:tc>
+                  <a:txBody>
+                    <a:bodyPr vert="horz" lIns="91440" tIns="45720" rIns="91440" bIns="45720" anchor="t" anchorCtr="0"/>
+                    <a:p>
+                      <a:pPr algn="ctr" latinLnBrk="1">
+                        <a:defRPr/>
+                      </a:pPr>
+                      <a:r>
+                        <a:rPr lang="en-US" altLang="ko-KR"/>
+                        <a:t>2</a:t>
+                      </a:r>
+                      <a:r>
+                        <a:rPr lang="ko-KR" altLang="en-US"/>
+                        <a:t>주차</a:t>
+                      </a:r>
+                      <a:endParaRPr lang="ko-KR" altLang="en-US"/>
+                    </a:p>
+                  </a:txBody>
+                  <a:tcPr marL="91440" marR="91440"/>
+                </a:tc>
+                <a:tc>
+                  <a:txBody>
+                    <a:bodyPr vert="horz" lIns="91440" tIns="45720" rIns="91440" bIns="45720" anchor="t" anchorCtr="0"/>
+                    <a:p>
+                      <a:pPr algn="ctr" latinLnBrk="1">
+                        <a:defRPr/>
+                      </a:pPr>
+                      <a:r>
+                        <a:rPr lang="en-US" altLang="ko-KR"/>
+                        <a:t>3</a:t>
+                      </a:r>
+                      <a:r>
+                        <a:rPr lang="ko-KR" altLang="en-US"/>
+                        <a:t>주차</a:t>
+                      </a:r>
+                      <a:endParaRPr lang="ko-KR" altLang="en-US"/>
+                    </a:p>
+                  </a:txBody>
+                  <a:tcPr marL="91440" marR="91440"/>
+                </a:tc>
+              </a:tr>
+              <a:tr h="4195537">
+                <a:tc gridSpan="5">
+                  <a:txBody>
+                    <a:bodyPr vert="horz" lIns="91440" tIns="45720" rIns="91440" bIns="45720" anchor="t" anchorCtr="0"/>
+                    <a:p>
+                      <a:pPr algn="ctr" latinLnBrk="1">
+                        <a:defRPr/>
+                      </a:pPr>
+                      <a:endParaRPr lang="ko-KR" altLang="en-US"/>
+                    </a:p>
+                  </a:txBody>
+                  <a:tcPr marL="91440" marR="91440"/>
+                </a:tc>
+                <a:tc hMerge="1">
+                  <a:txBody>
+                    <a:bodyPr/>
+                    <a:p>
+                      <a:pPr algn="ctr" latinLnBrk="1">
+                        <a:defRPr/>
+                      </a:pPr>
+                      <a:endParaRPr lang="ko-KR" altLang="en-US"/>
+                    </a:p>
+                  </a:txBody>
+                  <a:tcPr marL="91440" marR="91440"/>
+                </a:tc>
+                <a:tc hMerge="1">
+                  <a:txBody>
+                    <a:bodyPr/>
+                    <a:p>
+                      <a:pPr algn="ctr" latinLnBrk="1">
+                        <a:defRPr/>
+                      </a:pPr>
+                      <a:endParaRPr lang="ko-KR" altLang="en-US"/>
+                    </a:p>
+                  </a:txBody>
+                  <a:tcPr marL="91440" marR="91440"/>
+                </a:tc>
+                <a:tc hMerge="1">
+                  <a:txBody>
+                    <a:bodyPr/>
+                    <a:p>
+                      <a:pPr algn="ctr" latinLnBrk="1">
+                        <a:defRPr/>
+                      </a:pPr>
+                      <a:endParaRPr lang="ko-KR" altLang="en-US"/>
+                    </a:p>
+                  </a:txBody>
+                  <a:tcPr marL="91440" marR="91440"/>
+                </a:tc>
+                <a:tc hMerge="1">
+                  <a:txBody>
+                    <a:bodyPr/>
+                    <a:p>
+                      <a:pPr algn="ctr" latinLnBrk="1">
+                        <a:defRPr/>
+                      </a:pPr>
+                      <a:endParaRPr lang="ko-KR" altLang="en-US"/>
+                    </a:p>
+                  </a:txBody>
+                  <a:tcPr marL="91440" marR="91440"/>
+                </a:tc>
+              </a:tr>
+            </a:tbl>
+          </a:graphicData>
+        </a:graphic>
+      </p:graphicFrame>
       <p:sp>
         <p:nvSpPr>
-          <p:cNvPr id="2" name="제목 1"/>
-          <p:cNvSpPr>
-            <a:spLocks noGrp="1"/>
-          </p:cNvSpPr>
-          <p:nvPr>
-            <p:ph type="title" idx="0"/>
-          </p:nvPr>
+          <p:cNvPr id="3" name="직사각형 6"/>
+          <p:cNvSpPr/>
+          <p:nvPr/>
         </p:nvSpPr>
-        <p:spPr/>
+        <p:spPr>
+          <a:xfrm>
+            <a:off x="547440" y="2225534"/>
+            <a:ext cx="2165208" cy="774559"/>
+          </a:xfrm>
+          <a:prstGeom prst="rect">
+            <a:avLst/>
+          </a:prstGeom>
+          <a:solidFill>
+            <a:srgbClr val="7a7cc4"/>
+          </a:solidFill>
+          <a:ln w="0">
+            <a:noFill/>
+          </a:ln>
+        </p:spPr>
+        <p:style>
+          <a:lnRef idx="2">
+            <a:schemeClr val="accent1">
+              <a:shade val="50000"/>
+            </a:schemeClr>
+          </a:lnRef>
+          <a:fillRef idx="1">
+            <a:schemeClr val="accent1"/>
+          </a:fillRef>
+          <a:effectRef idx="0">
+            <a:schemeClr val="accent1"/>
+          </a:effectRef>
+          <a:fontRef idx="minor">
+            <a:schemeClr val="lt1"/>
+          </a:fontRef>
+        </p:style>
         <p:txBody>
-          <a:bodyPr/>
+          <a:bodyPr vert="horz" wrap="square" lIns="91440" tIns="45720" rIns="91440" bIns="45720" anchor="ctr">
+            <a:noAutofit/>
+          </a:bodyPr>
           <a:lstStyle/>
           <a:p>
-            <a:pPr lvl="0">
-              <a:defRPr/>
-            </a:pPr>
-            <a:r>
-              <a:rPr lang="ko-KR" altLang="en-US"/>
-              <a:t/>
-            </a:r>
-            <a:endParaRPr lang="ko-KR" altLang="en-US"/>
+            <a:pPr marL="0" indent="0" algn="ctr" defTabSz="508000">
+              <a:buFontTx/>
+              <a:buNone/>
+              <a:defRPr/>
+            </a:pPr>
+            <a:r>
+              <a:rPr lang="ko-KR" altLang="en-US" sz="1500"/>
+              <a:t>아이디어 도출</a:t>
+            </a:r>
+            <a:endParaRPr lang="ko-KR" altLang="en-US" sz="1500"/>
+          </a:p>
+          <a:p>
+            <a:pPr marL="0" indent="0" algn="ctr" defTabSz="508000">
+              <a:buFontTx/>
+              <a:buNone/>
+              <a:defRPr/>
+            </a:pPr>
+            <a:r>
+              <a:rPr lang="ko-KR" altLang="en-US" sz="1500"/>
+              <a:t>및 주제 선정</a:t>
+            </a:r>
+            <a:endParaRPr lang="ko-KR" altLang="en-US" sz="1500"/>
           </a:p>
         </p:txBody>
       </p:sp>
       <p:sp>
         <p:nvSpPr>
-          <p:cNvPr id="3" name="내용 개체 틀 2"/>
-          <p:cNvSpPr>
-            <a:spLocks noGrp="1"/>
-          </p:cNvSpPr>
-          <p:nvPr>
-            <p:ph idx="1"/>
-          </p:nvPr>
+          <p:cNvPr id="4" name="직사각형 6"/>
+          <p:cNvSpPr/>
+          <p:nvPr/>
         </p:nvSpPr>
-        <p:spPr/>
+        <p:spPr>
+          <a:xfrm>
+            <a:off x="2721257" y="3041720"/>
+            <a:ext cx="2165208" cy="774559"/>
+          </a:xfrm>
+          <a:prstGeom prst="rect">
+            <a:avLst/>
+          </a:prstGeom>
+          <a:solidFill>
+            <a:srgbClr val="7a7cc4"/>
+          </a:solidFill>
+          <a:ln w="0">
+            <a:noFill/>
+          </a:ln>
+        </p:spPr>
+        <p:style>
+          <a:lnRef idx="2">
+            <a:schemeClr val="accent1">
+              <a:shade val="50000"/>
+            </a:schemeClr>
+          </a:lnRef>
+          <a:fillRef idx="1">
+            <a:schemeClr val="accent1"/>
+          </a:fillRef>
+          <a:effectRef idx="0">
+            <a:schemeClr val="accent1"/>
+          </a:effectRef>
+          <a:fontRef idx="minor">
+            <a:schemeClr val="lt1"/>
+          </a:fontRef>
+        </p:style>
         <p:txBody>
-          <a:bodyPr/>
+          <a:bodyPr vert="horz" wrap="square" lIns="91440" tIns="45720" rIns="91440" bIns="45720" anchor="ctr">
+            <a:noAutofit/>
+          </a:bodyPr>
           <a:lstStyle/>
           <a:p>
-            <a:pPr lvl="0">
-              <a:defRPr/>
-            </a:pPr>
-            <a:r>
-              <a:rPr lang="ko-KR" altLang="en-US"/>
-              <a:t>기능정의를 한다</a:t>
-            </a:r>
-            <a:endParaRPr lang="ko-KR" altLang="en-US"/>
-          </a:p>
-          <a:p>
-            <a:pPr lvl="0">
-              <a:defRPr/>
-            </a:pPr>
-            <a:r>
-              <a:rPr lang="ko-KR" altLang="en-US"/>
-              <a:t>정의 한 기능에 대해 </a:t>
-            </a:r>
-            <a:r>
-              <a:rPr lang="en-US" altLang="ko-KR"/>
-              <a:t>Flow</a:t>
-            </a:r>
-            <a:r>
-              <a:rPr lang="ko-KR" altLang="en-US"/>
-              <a:t>를 작성한다</a:t>
-            </a:r>
-            <a:r>
-              <a:rPr lang="en-US" altLang="ko-KR"/>
-              <a:t>.</a:t>
-            </a:r>
-            <a:endParaRPr lang="ko-KR" altLang="en-US"/>
+            <a:pPr marL="0" indent="0" algn="ctr" defTabSz="508000">
+              <a:buFontTx/>
+              <a:buNone/>
+              <a:defRPr/>
+            </a:pPr>
+            <a:r>
+              <a:rPr lang="ko-KR" altLang="en-US" sz="1500"/>
+              <a:t>요구사항 수집 및 분석</a:t>
+            </a:r>
+            <a:endParaRPr lang="ko-KR" altLang="en-US" sz="1500"/>
+          </a:p>
+        </p:txBody>
+      </p:sp>
+      <p:sp>
+        <p:nvSpPr>
+          <p:cNvPr id="5" name="직사각형 6"/>
+          <p:cNvSpPr/>
+          <p:nvPr/>
+        </p:nvSpPr>
+        <p:spPr>
+          <a:xfrm>
+            <a:off x="2728313" y="3894878"/>
+            <a:ext cx="2165208" cy="774559"/>
+          </a:xfrm>
+          <a:prstGeom prst="rect">
+            <a:avLst/>
+          </a:prstGeom>
+          <a:solidFill>
+            <a:srgbClr val="7a7cc4"/>
+          </a:solidFill>
+          <a:ln w="0">
+            <a:noFill/>
+          </a:ln>
+        </p:spPr>
+        <p:style>
+          <a:lnRef idx="2">
+            <a:schemeClr val="accent1">
+              <a:shade val="50000"/>
+            </a:schemeClr>
+          </a:lnRef>
+          <a:fillRef idx="1">
+            <a:schemeClr val="accent1"/>
+          </a:fillRef>
+          <a:effectRef idx="0">
+            <a:schemeClr val="accent1"/>
+          </a:effectRef>
+          <a:fontRef idx="minor">
+            <a:schemeClr val="lt1"/>
+          </a:fontRef>
+        </p:style>
+        <p:txBody>
+          <a:bodyPr vert="horz" wrap="square" lIns="91440" tIns="45720" rIns="91440" bIns="45720" anchor="ctr">
+            <a:noAutofit/>
+          </a:bodyPr>
+          <a:lstStyle/>
+          <a:p>
+            <a:pPr marL="0" indent="0" algn="ctr" defTabSz="508000">
+              <a:buFontTx/>
+              <a:buNone/>
+              <a:defRPr/>
+            </a:pPr>
+            <a:r>
+              <a:rPr lang="ko-KR" altLang="en-US" sz="1500"/>
+              <a:t>관련 기술 자료 조사</a:t>
+            </a:r>
+            <a:endParaRPr lang="ko-KR" altLang="en-US" sz="1500"/>
+          </a:p>
+        </p:txBody>
+      </p:sp>
+      <p:sp>
+        <p:nvSpPr>
+          <p:cNvPr id="6" name="직사각형 6"/>
+          <p:cNvSpPr/>
+          <p:nvPr/>
+        </p:nvSpPr>
+        <p:spPr>
+          <a:xfrm>
+            <a:off x="4908620" y="2254461"/>
+            <a:ext cx="2165208" cy="774559"/>
+          </a:xfrm>
+          <a:prstGeom prst="rect">
+            <a:avLst/>
+          </a:prstGeom>
+          <a:solidFill>
+            <a:srgbClr val="7a7cc4"/>
+          </a:solidFill>
+          <a:ln w="0">
+            <a:noFill/>
+          </a:ln>
+        </p:spPr>
+        <p:style>
+          <a:lnRef idx="2">
+            <a:schemeClr val="accent1">
+              <a:shade val="50000"/>
+            </a:schemeClr>
+          </a:lnRef>
+          <a:fillRef idx="1">
+            <a:schemeClr val="accent1"/>
+          </a:fillRef>
+          <a:effectRef idx="0">
+            <a:schemeClr val="accent1"/>
+          </a:effectRef>
+          <a:fontRef idx="minor">
+            <a:schemeClr val="lt1"/>
+          </a:fontRef>
+        </p:style>
+        <p:txBody>
+          <a:bodyPr vert="horz" wrap="square" lIns="91440" tIns="45720" rIns="91440" bIns="45720" anchor="ctr">
+            <a:noAutofit/>
+          </a:bodyPr>
+          <a:lstStyle/>
+          <a:p>
+            <a:pPr marL="0" indent="0" algn="ctr" defTabSz="508000">
+              <a:buFontTx/>
+              <a:buNone/>
+              <a:defRPr/>
+            </a:pPr>
+            <a:r>
+              <a:rPr lang="ko-KR" altLang="en-US" sz="1500"/>
+              <a:t>계획 및 일정 수립</a:t>
+            </a:r>
+            <a:endParaRPr lang="ko-KR" altLang="en-US" sz="1500"/>
+          </a:p>
+        </p:txBody>
+      </p:sp>
+      <p:sp>
+        <p:nvSpPr>
+          <p:cNvPr id="7" name="직사각형 6"/>
+          <p:cNvSpPr/>
+          <p:nvPr/>
+        </p:nvSpPr>
+        <p:spPr>
+          <a:xfrm>
+            <a:off x="4946721" y="4692861"/>
+            <a:ext cx="4298809" cy="774559"/>
+          </a:xfrm>
+          <a:prstGeom prst="rect">
+            <a:avLst/>
+          </a:prstGeom>
+          <a:solidFill>
+            <a:srgbClr val="7a7cc4"/>
+          </a:solidFill>
+          <a:ln w="0">
+            <a:noFill/>
+          </a:ln>
+        </p:spPr>
+        <p:style>
+          <a:lnRef idx="2">
+            <a:schemeClr val="accent1">
+              <a:shade val="50000"/>
+            </a:schemeClr>
+          </a:lnRef>
+          <a:fillRef idx="1">
+            <a:schemeClr val="accent1"/>
+          </a:fillRef>
+          <a:effectRef idx="0">
+            <a:schemeClr val="accent1"/>
+          </a:effectRef>
+          <a:fontRef idx="minor">
+            <a:schemeClr val="lt1"/>
+          </a:fontRef>
+        </p:style>
+        <p:txBody>
+          <a:bodyPr vert="horz" wrap="square" lIns="91440" tIns="45720" rIns="91440" bIns="45720" anchor="ctr">
+            <a:noAutofit/>
+          </a:bodyPr>
+          <a:lstStyle/>
+          <a:p>
+            <a:pPr marL="0" indent="0" algn="ctr" defTabSz="508000">
+              <a:buFontTx/>
+              <a:buNone/>
+              <a:defRPr/>
+            </a:pPr>
+            <a:r>
+              <a:rPr lang="ko-KR" altLang="en-US" sz="1500"/>
+              <a:t>화면 구성 및 코드 작업</a:t>
+            </a:r>
+            <a:endParaRPr lang="ko-KR" altLang="en-US" sz="1500"/>
           </a:p>
         </p:txBody>
       </p:sp>
@@ -8755,6 +9673,565 @@
 </file>
 
 <file path=ppt/slides/slide21.xml><?xml version="1.0" encoding="utf-8"?>
+<p:sld xmlns:r="http://schemas.openxmlformats.org/officeDocument/2006/relationships" xmlns:c="http://schemas.openxmlformats.org/drawingml/2006/chart" xmlns:a="http://schemas.openxmlformats.org/drawingml/2006/main" xmlns:dgm="http://schemas.openxmlformats.org/drawingml/2006/diagram" xmlns:dsp="http://schemas.microsoft.com/office/drawing/2008/diagram" xmlns:p="http://schemas.openxmlformats.org/presentationml/2006/main">
+  <p:cSld>
+    <p:spTree>
+      <p:nvGrpSpPr>
+        <p:cNvPr id="1" name=""/>
+        <p:cNvGrpSpPr/>
+        <p:nvPr/>
+      </p:nvGrpSpPr>
+      <p:grpSpPr>
+        <a:xfrm>
+          <a:off x="0" y="0"/>
+          <a:ext cx="0" cy="0"/>
+          <a:chOff x="0" y="0"/>
+          <a:chExt cx="0" cy="0"/>
+        </a:xfrm>
+      </p:grpSpPr>
+      <p:sp>
+        <p:nvSpPr>
+          <p:cNvPr id="10" name="직사각형 9"/>
+          <p:cNvSpPr/>
+          <p:nvPr/>
+        </p:nvSpPr>
+        <p:spPr>
+          <a:xfrm>
+            <a:off x="-1" y="2398426"/>
+            <a:ext cx="12192001" cy="1338109"/>
+          </a:xfrm>
+          <a:prstGeom prst="rect">
+            <a:avLst/>
+          </a:prstGeom>
+          <a:solidFill>
+            <a:schemeClr val="accent1">
+              <a:lumMod val="75000"/>
+            </a:schemeClr>
+          </a:solidFill>
+          <a:ln>
+            <a:noFill/>
+          </a:ln>
+        </p:spPr>
+        <p:style>
+          <a:lnRef idx="2">
+            <a:schemeClr val="accent1">
+              <a:shade val="50000"/>
+            </a:schemeClr>
+          </a:lnRef>
+          <a:fillRef idx="1">
+            <a:schemeClr val="accent1"/>
+          </a:fillRef>
+          <a:effectRef idx="0">
+            <a:schemeClr val="accent1"/>
+          </a:effectRef>
+          <a:fontRef idx="minor">
+            <a:schemeClr val="lt1"/>
+          </a:fontRef>
+        </p:style>
+        <p:txBody>
+          <a:bodyPr anchor="ctr"/>
+          <a:lstStyle/>
+          <a:p>
+            <a:pPr algn="ctr">
+              <a:defRPr/>
+            </a:pPr>
+            <a:endParaRPr kumimoji="1" lang="ko-KR" altLang="en-US"/>
+          </a:p>
+        </p:txBody>
+      </p:sp>
+      <p:sp>
+        <p:nvSpPr>
+          <p:cNvPr id="12" name="부제목 2"/>
+          <p:cNvSpPr txBox="1"/>
+          <p:nvPr/>
+        </p:nvSpPr>
+        <p:spPr>
+          <a:xfrm>
+            <a:off x="1" y="2608234"/>
+            <a:ext cx="12192000" cy="754314"/>
+          </a:xfrm>
+          <a:prstGeom prst="rect">
+            <a:avLst/>
+          </a:prstGeom>
+        </p:spPr>
+        <p:txBody>
+          <a:bodyPr vert="horz" lIns="91440" tIns="45720" rIns="91440" bIns="45720" anchor="ctr">
+            <a:noAutofit/>
+          </a:bodyPr>
+          <a:lstStyle>
+            <a:lvl1pPr marL="0" indent="0" algn="ctr" defTabSz="914423" rtl="0" eaLnBrk="1" latinLnBrk="1" hangingPunct="1">
+              <a:lnSpc>
+                <a:spcPct val="90000"/>
+              </a:lnSpc>
+              <a:spcBef>
+                <a:spcPts val="1001"/>
+              </a:spcBef>
+              <a:buFont typeface="Arial"/>
+              <a:buNone/>
+              <a:defRPr sz="2400" kern="1200">
+                <a:solidFill>
+                  <a:schemeClr val="tx1"/>
+                </a:solidFill>
+                <a:latin typeface="+mn-lt"/>
+                <a:ea typeface="+mn-ea"/>
+                <a:cs typeface="+mn-cs"/>
+              </a:defRPr>
+            </a:lvl1pPr>
+            <a:lvl2pPr marL="457211" indent="0" algn="ctr" defTabSz="914423" rtl="0" eaLnBrk="1" latinLnBrk="1" hangingPunct="1">
+              <a:lnSpc>
+                <a:spcPct val="90000"/>
+              </a:lnSpc>
+              <a:spcBef>
+                <a:spcPts val="500"/>
+              </a:spcBef>
+              <a:buFont typeface="Arial"/>
+              <a:buNone/>
+              <a:defRPr sz="2000" kern="1200">
+                <a:solidFill>
+                  <a:schemeClr val="tx1"/>
+                </a:solidFill>
+                <a:latin typeface="+mn-lt"/>
+                <a:ea typeface="+mn-ea"/>
+                <a:cs typeface="+mn-cs"/>
+              </a:defRPr>
+            </a:lvl2pPr>
+            <a:lvl3pPr marL="914423" indent="0" algn="ctr" defTabSz="914423" rtl="0" eaLnBrk="1" latinLnBrk="1" hangingPunct="1">
+              <a:lnSpc>
+                <a:spcPct val="90000"/>
+              </a:lnSpc>
+              <a:spcBef>
+                <a:spcPts val="500"/>
+              </a:spcBef>
+              <a:buFont typeface="Arial"/>
+              <a:buNone/>
+              <a:defRPr sz="1801" kern="1200">
+                <a:solidFill>
+                  <a:schemeClr val="tx1"/>
+                </a:solidFill>
+                <a:latin typeface="+mn-lt"/>
+                <a:ea typeface="+mn-ea"/>
+                <a:cs typeface="+mn-cs"/>
+              </a:defRPr>
+            </a:lvl3pPr>
+            <a:lvl4pPr marL="1371634" indent="0" algn="ctr" defTabSz="914423" rtl="0" eaLnBrk="1" latinLnBrk="1" hangingPunct="1">
+              <a:lnSpc>
+                <a:spcPct val="90000"/>
+              </a:lnSpc>
+              <a:spcBef>
+                <a:spcPts val="500"/>
+              </a:spcBef>
+              <a:buFont typeface="Arial"/>
+              <a:buNone/>
+              <a:defRPr sz="1600" kern="1200">
+                <a:solidFill>
+                  <a:schemeClr val="tx1"/>
+                </a:solidFill>
+                <a:latin typeface="+mn-lt"/>
+                <a:ea typeface="+mn-ea"/>
+                <a:cs typeface="+mn-cs"/>
+              </a:defRPr>
+            </a:lvl4pPr>
+            <a:lvl5pPr marL="1828846" indent="0" algn="ctr" defTabSz="914423" rtl="0" eaLnBrk="1" latinLnBrk="1" hangingPunct="1">
+              <a:lnSpc>
+                <a:spcPct val="90000"/>
+              </a:lnSpc>
+              <a:spcBef>
+                <a:spcPts val="500"/>
+              </a:spcBef>
+              <a:buFont typeface="Arial"/>
+              <a:buNone/>
+              <a:defRPr sz="1600" kern="1200">
+                <a:solidFill>
+                  <a:schemeClr val="tx1"/>
+                </a:solidFill>
+                <a:latin typeface="+mn-lt"/>
+                <a:ea typeface="+mn-ea"/>
+                <a:cs typeface="+mn-cs"/>
+              </a:defRPr>
+            </a:lvl5pPr>
+            <a:lvl6pPr marL="2286057" indent="0" algn="ctr" defTabSz="914423" rtl="0" eaLnBrk="1" latinLnBrk="1" hangingPunct="1">
+              <a:lnSpc>
+                <a:spcPct val="90000"/>
+              </a:lnSpc>
+              <a:spcBef>
+                <a:spcPts val="500"/>
+              </a:spcBef>
+              <a:buFont typeface="Arial"/>
+              <a:buNone/>
+              <a:defRPr sz="1600" kern="1200">
+                <a:solidFill>
+                  <a:schemeClr val="tx1"/>
+                </a:solidFill>
+                <a:latin typeface="+mn-lt"/>
+                <a:ea typeface="+mn-ea"/>
+                <a:cs typeface="+mn-cs"/>
+              </a:defRPr>
+            </a:lvl6pPr>
+            <a:lvl7pPr marL="2743269" indent="0" algn="ctr" defTabSz="914423" rtl="0" eaLnBrk="1" latinLnBrk="1" hangingPunct="1">
+              <a:lnSpc>
+                <a:spcPct val="90000"/>
+              </a:lnSpc>
+              <a:spcBef>
+                <a:spcPts val="500"/>
+              </a:spcBef>
+              <a:buFont typeface="Arial"/>
+              <a:buNone/>
+              <a:defRPr sz="1600" kern="1200">
+                <a:solidFill>
+                  <a:schemeClr val="tx1"/>
+                </a:solidFill>
+                <a:latin typeface="+mn-lt"/>
+                <a:ea typeface="+mn-ea"/>
+                <a:cs typeface="+mn-cs"/>
+              </a:defRPr>
+            </a:lvl7pPr>
+            <a:lvl8pPr marL="3200480" indent="0" algn="ctr" defTabSz="914423" rtl="0" eaLnBrk="1" latinLnBrk="1" hangingPunct="1">
+              <a:lnSpc>
+                <a:spcPct val="90000"/>
+              </a:lnSpc>
+              <a:spcBef>
+                <a:spcPts val="500"/>
+              </a:spcBef>
+              <a:buFont typeface="Arial"/>
+              <a:buNone/>
+              <a:defRPr sz="1600" kern="1200">
+                <a:solidFill>
+                  <a:schemeClr val="tx1"/>
+                </a:solidFill>
+                <a:latin typeface="+mn-lt"/>
+                <a:ea typeface="+mn-ea"/>
+                <a:cs typeface="+mn-cs"/>
+              </a:defRPr>
+            </a:lvl8pPr>
+            <a:lvl9pPr marL="3657691" indent="0" algn="ctr" defTabSz="914423" rtl="0" eaLnBrk="1" latinLnBrk="1" hangingPunct="1">
+              <a:lnSpc>
+                <a:spcPct val="90000"/>
+              </a:lnSpc>
+              <a:spcBef>
+                <a:spcPts val="500"/>
+              </a:spcBef>
+              <a:buFont typeface="Arial"/>
+              <a:buNone/>
+              <a:defRPr sz="1600" kern="1200">
+                <a:solidFill>
+                  <a:schemeClr val="tx1"/>
+                </a:solidFill>
+                <a:latin typeface="+mn-lt"/>
+                <a:ea typeface="+mn-ea"/>
+                <a:cs typeface="+mn-cs"/>
+              </a:defRPr>
+            </a:lvl9pPr>
+          </a:lstStyle>
+          <a:p>
+            <a:pPr lvl="0">
+              <a:defRPr/>
+            </a:pPr>
+            <a:r>
+              <a:rPr lang="ko-KR" altLang="en-US" sz="4800">
+                <a:solidFill>
+                  <a:schemeClr val="bg1"/>
+                </a:solidFill>
+                <a:latin typeface="+mj-lt"/>
+                <a:ea typeface="맑은 고딕"/>
+                <a:cs typeface="맑은 고딕"/>
+              </a:rPr>
+              <a:t>기능 모듈 설계</a:t>
+            </a:r>
+            <a:endParaRPr lang="ko-KR" altLang="en-US" sz="4800">
+              <a:solidFill>
+                <a:schemeClr val="bg1"/>
+              </a:solidFill>
+              <a:latin typeface="+mj-lt"/>
+              <a:ea typeface="맑은 고딕"/>
+              <a:cs typeface="맑은 고딕"/>
+            </a:endParaRPr>
+          </a:p>
+        </p:txBody>
+      </p:sp>
+    </p:spTree>
+  </p:cSld>
+  <p:clrMapOvr>
+    <a:masterClrMapping/>
+  </p:clrMapOvr>
+  <mc:AlternateContent xmlns:mc="http://schemas.openxmlformats.org/markup-compatibility/2006">
+    <mc:Choice xmlns:p14="http://schemas.microsoft.com/office/powerpoint/2010/main" Requires="p14">
+      <p:transition xmlns:mc="http://schemas.openxmlformats.org/markup-compatibility/2006" xmlns:p14="http://schemas.microsoft.com/office/powerpoint/2010/main" mc:Ignorable="p14" p14:dur="500"/>
+    </mc:Choice>
+    <mc:Fallback>
+      <p:transition/>
+    </mc:Fallback>
+  </mc:AlternateContent>
+</p:sld>
+</file>
+
+<file path=ppt/slides/slide22.xml><?xml version="1.0" encoding="utf-8"?>
+<p:sld xmlns:r="http://schemas.openxmlformats.org/officeDocument/2006/relationships" xmlns:c="http://schemas.openxmlformats.org/drawingml/2006/chart" xmlns:a="http://schemas.openxmlformats.org/drawingml/2006/main" xmlns:dgm="http://schemas.openxmlformats.org/drawingml/2006/diagram" xmlns:dsp="http://schemas.microsoft.com/office/drawing/2008/diagram" xmlns:p="http://schemas.openxmlformats.org/presentationml/2006/main">
+  <p:cSld>
+    <p:spTree>
+      <p:nvGrpSpPr>
+        <p:cNvPr id="1" name=""/>
+        <p:cNvGrpSpPr/>
+        <p:nvPr/>
+      </p:nvGrpSpPr>
+      <p:grpSpPr>
+        <a:xfrm>
+          <a:off x="0" y="0"/>
+          <a:ext cx="0" cy="0"/>
+          <a:chOff x="0" y="0"/>
+          <a:chExt cx="0" cy="0"/>
+        </a:xfrm>
+      </p:grpSpPr>
+      <p:sp>
+        <p:nvSpPr>
+          <p:cNvPr id="4" name="직사각형 9"/>
+          <p:cNvSpPr/>
+          <p:nvPr/>
+        </p:nvSpPr>
+        <p:spPr>
+          <a:xfrm>
+            <a:off x="-1" y="0"/>
+            <a:ext cx="12192001" cy="1338109"/>
+          </a:xfrm>
+          <a:prstGeom prst="rect">
+            <a:avLst/>
+          </a:prstGeom>
+          <a:solidFill>
+            <a:schemeClr val="accent1">
+              <a:lumMod val="75000"/>
+            </a:schemeClr>
+          </a:solidFill>
+          <a:ln>
+            <a:noFill/>
+          </a:ln>
+        </p:spPr>
+        <p:style>
+          <a:lnRef idx="2">
+            <a:schemeClr val="accent1">
+              <a:shade val="50000"/>
+            </a:schemeClr>
+          </a:lnRef>
+          <a:fillRef idx="1">
+            <a:schemeClr val="accent1"/>
+          </a:fillRef>
+          <a:effectRef idx="0">
+            <a:schemeClr val="accent1"/>
+          </a:effectRef>
+          <a:fontRef idx="minor">
+            <a:schemeClr val="lt1"/>
+          </a:fontRef>
+        </p:style>
+        <p:txBody>
+          <a:bodyPr anchor="ctr"/>
+          <a:lstStyle/>
+          <a:p>
+            <a:pPr>
+              <a:defRPr/>
+            </a:pPr>
+            <a:r>
+              <a:rPr kumimoji="1" lang="en-US" altLang="ko-KR" sz="4800"/>
+              <a:t>3.</a:t>
+            </a:r>
+            <a:r>
+              <a:rPr kumimoji="1" lang="ko-KR" altLang="en-US" sz="4800"/>
+              <a:t> 기능정의</a:t>
+            </a:r>
+            <a:endParaRPr kumimoji="1" lang="ko-KR" altLang="en-US" sz="4800"/>
+          </a:p>
+        </p:txBody>
+      </p:sp>
+      <p:sp>
+        <p:nvSpPr>
+          <p:cNvPr id="5" name="내용 개체 틀 4"/>
+          <p:cNvSpPr>
+            <a:spLocks noGrp="1"/>
+          </p:cNvSpPr>
+          <p:nvPr>
+            <p:ph idx="1"/>
+          </p:nvPr>
+        </p:nvSpPr>
+        <p:spPr>
+          <a:xfrm>
+            <a:off x="6096000" y="1599143"/>
+            <a:ext cx="6096000" cy="5258856"/>
+          </a:xfrm>
+        </p:spPr>
+        <p:txBody>
+          <a:bodyPr vert="horz" lIns="91440" tIns="45720" rIns="91440" bIns="45720">
+            <a:normAutofit lnSpcReduction="10000"/>
+          </a:bodyPr>
+          <a:lstStyle/>
+          <a:p>
+            <a:pPr lvl="0">
+              <a:defRPr/>
+            </a:pPr>
+            <a:r>
+              <a:rPr lang="ko-KR" altLang="en-US"/>
+              <a:t>사용자 기록 추적 프로그램</a:t>
+            </a:r>
+            <a:endParaRPr lang="ko-KR" altLang="en-US"/>
+          </a:p>
+          <a:p>
+            <a:pPr lvl="0">
+              <a:defRPr/>
+            </a:pPr>
+            <a:endParaRPr lang="en-US" altLang="ko-KR"/>
+          </a:p>
+          <a:p>
+            <a:pPr lvl="0">
+              <a:defRPr/>
+            </a:pPr>
+            <a:endParaRPr lang="ko-KR" altLang="en-US"/>
+          </a:p>
+        </p:txBody>
+      </p:sp>
+      <p:pic>
+        <p:nvPicPr>
+          <p:cNvPr id="8" name=""/>
+          <p:cNvPicPr>
+            <a:picLocks noChangeAspect="1"/>
+          </p:cNvPicPr>
+          <p:nvPr/>
+        </p:nvPicPr>
+        <p:blipFill rotWithShape="1">
+          <a:blip r:embed="rId2"/>
+          <a:stretch>
+            <a:fillRect/>
+          </a:stretch>
+        </p:blipFill>
+        <p:spPr>
+          <a:xfrm>
+            <a:off x="0" y="1366511"/>
+            <a:ext cx="5878831" cy="5491488"/>
+          </a:xfrm>
+          <a:prstGeom prst="rect">
+            <a:avLst/>
+          </a:prstGeom>
+        </p:spPr>
+      </p:pic>
+    </p:spTree>
+  </p:cSld>
+  <p:clrMapOvr>
+    <a:masterClrMapping/>
+  </p:clrMapOvr>
+  <mc:AlternateContent xmlns:mc="http://schemas.openxmlformats.org/markup-compatibility/2006">
+    <mc:Choice xmlns:p14="http://schemas.microsoft.com/office/powerpoint/2010/main" Requires="p14">
+      <p:transition xmlns:mc="http://schemas.openxmlformats.org/markup-compatibility/2006" xmlns:p14="http://schemas.microsoft.com/office/powerpoint/2010/main" mc:Ignorable="p14" p14:dur="500"/>
+    </mc:Choice>
+    <mc:Fallback>
+      <p:transition/>
+    </mc:Fallback>
+  </mc:AlternateContent>
+</p:sld>
+</file>
+
+<file path=ppt/slides/slide23.xml><?xml version="1.0" encoding="utf-8"?>
+<p:sld xmlns:r="http://schemas.openxmlformats.org/officeDocument/2006/relationships" xmlns:c="http://schemas.openxmlformats.org/drawingml/2006/chart" xmlns:a="http://schemas.openxmlformats.org/drawingml/2006/main" xmlns:dgm="http://schemas.openxmlformats.org/drawingml/2006/diagram" xmlns:dsp="http://schemas.microsoft.com/office/drawing/2008/diagram" xmlns:p="http://schemas.openxmlformats.org/presentationml/2006/main">
+  <p:cSld>
+    <p:spTree>
+      <p:nvGrpSpPr>
+        <p:cNvPr id="1" name=""/>
+        <p:cNvGrpSpPr/>
+        <p:nvPr/>
+      </p:nvGrpSpPr>
+      <p:grpSpPr>
+        <a:xfrm>
+          <a:off x="0" y="0"/>
+          <a:ext cx="0" cy="0"/>
+          <a:chOff x="0" y="0"/>
+          <a:chExt cx="0" cy="0"/>
+        </a:xfrm>
+      </p:grpSpPr>
+      <p:sp>
+        <p:nvSpPr>
+          <p:cNvPr id="2" name="제목 1"/>
+          <p:cNvSpPr>
+            <a:spLocks noGrp="1"/>
+          </p:cNvSpPr>
+          <p:nvPr>
+            <p:ph type="title" idx="0"/>
+          </p:nvPr>
+        </p:nvSpPr>
+        <p:spPr/>
+        <p:txBody>
+          <a:bodyPr/>
+          <a:lstStyle/>
+          <a:p>
+            <a:pPr lvl="0">
+              <a:defRPr/>
+            </a:pPr>
+            <a:r>
+              <a:rPr lang="ko-KR" altLang="en-US"/>
+              <a:t/>
+            </a:r>
+            <a:endParaRPr lang="ko-KR" altLang="en-US"/>
+          </a:p>
+        </p:txBody>
+      </p:sp>
+      <p:sp>
+        <p:nvSpPr>
+          <p:cNvPr id="3" name="내용 개체 틀 2"/>
+          <p:cNvSpPr>
+            <a:spLocks noGrp="1"/>
+          </p:cNvSpPr>
+          <p:nvPr>
+            <p:ph idx="1"/>
+          </p:nvPr>
+        </p:nvSpPr>
+        <p:spPr/>
+        <p:txBody>
+          <a:bodyPr/>
+          <a:lstStyle/>
+          <a:p>
+            <a:pPr lvl="0">
+              <a:defRPr/>
+            </a:pPr>
+            <a:r>
+              <a:rPr lang="ko-KR" altLang="en-US"/>
+              <a:t>기능정의를 한다</a:t>
+            </a:r>
+            <a:endParaRPr lang="ko-KR" altLang="en-US"/>
+          </a:p>
+          <a:p>
+            <a:pPr lvl="0">
+              <a:defRPr/>
+            </a:pPr>
+            <a:r>
+              <a:rPr lang="ko-KR" altLang="en-US"/>
+              <a:t>정의 한 기능에 대해 </a:t>
+            </a:r>
+            <a:r>
+              <a:rPr lang="en-US" altLang="ko-KR"/>
+              <a:t>Flow</a:t>
+            </a:r>
+            <a:r>
+              <a:rPr lang="ko-KR" altLang="en-US"/>
+              <a:t>를 작성한다</a:t>
+            </a:r>
+            <a:r>
+              <a:rPr lang="en-US" altLang="ko-KR"/>
+              <a:t>.</a:t>
+            </a:r>
+            <a:endParaRPr lang="ko-KR" altLang="en-US"/>
+          </a:p>
+        </p:txBody>
+      </p:sp>
+    </p:spTree>
+  </p:cSld>
+  <p:clrMapOvr>
+    <a:masterClrMapping/>
+  </p:clrMapOvr>
+  <mc:AlternateContent xmlns:mc="http://schemas.openxmlformats.org/markup-compatibility/2006">
+    <mc:Choice xmlns:p14="http://schemas.microsoft.com/office/powerpoint/2010/main" Requires="p14">
+      <p:transition xmlns:mc="http://schemas.openxmlformats.org/markup-compatibility/2006" xmlns:p14="http://schemas.microsoft.com/office/powerpoint/2010/main" mc:Ignorable="p14" p14:dur="500"/>
+    </mc:Choice>
+    <mc:Fallback>
+      <p:transition/>
+    </mc:Fallback>
+  </mc:AlternateContent>
+</p:sld>
+</file>
+
+<file path=ppt/slides/slide24.xml><?xml version="1.0" encoding="utf-8"?>
 <p:sld xmlns:a="http://schemas.openxmlformats.org/drawingml/2006/main" xmlns:r="http://schemas.openxmlformats.org/officeDocument/2006/relationships" xmlns:p="http://schemas.openxmlformats.org/presentationml/2006/main">
   <p:cSld>
     <p:spTree>
@@ -9073,7 +10550,7 @@
 </p:sld>
 </file>
 
-<file path=ppt/slides/slide22.xml><?xml version="1.0" encoding="utf-8"?>
+<file path=ppt/slides/slide25.xml><?xml version="1.0" encoding="utf-8"?>
 <p:sld xmlns:a="http://schemas.openxmlformats.org/drawingml/2006/main" xmlns:r="http://schemas.openxmlformats.org/officeDocument/2006/relationships" xmlns:p="http://schemas.openxmlformats.org/presentationml/2006/main">
   <p:cSld>
     <p:spTree>
@@ -9171,7 +10648,7 @@
 </p:sld>
 </file>
 
-<file path=ppt/slides/slide23.xml><?xml version="1.0" encoding="utf-8"?>
+<file path=ppt/slides/slide26.xml><?xml version="1.0" encoding="utf-8"?>
 <p:sld xmlns:a="http://schemas.openxmlformats.org/drawingml/2006/main" xmlns:r="http://schemas.openxmlformats.org/officeDocument/2006/relationships" xmlns:p="http://schemas.openxmlformats.org/presentationml/2006/main">
   <p:cSld>
     <p:spTree>
@@ -9449,7 +10926,7 @@
 </p:sld>
 </file>
 
-<file path=ppt/slides/slide24.xml><?xml version="1.0" encoding="utf-8"?>
+<file path=ppt/slides/slide27.xml><?xml version="1.0" encoding="utf-8"?>
 <p:sld xmlns:a="http://schemas.openxmlformats.org/drawingml/2006/main" xmlns:r="http://schemas.openxmlformats.org/officeDocument/2006/relationships" xmlns:p="http://schemas.openxmlformats.org/presentationml/2006/main">
   <p:cSld>
     <p:spTree>
@@ -9547,7 +11024,7 @@
 </p:sld>
 </file>
 
-<file path=ppt/slides/slide25.xml><?xml version="1.0" encoding="utf-8"?>
+<file path=ppt/slides/slide28.xml><?xml version="1.0" encoding="utf-8"?>
 <p:sld xmlns:a="http://schemas.openxmlformats.org/drawingml/2006/main" xmlns:r="http://schemas.openxmlformats.org/officeDocument/2006/relationships" xmlns:p="http://schemas.openxmlformats.org/presentationml/2006/main">
   <p:cSld>
     <p:spTree>
@@ -9825,7 +11302,7 @@
 </p:sld>
 </file>
 
-<file path=ppt/slides/slide26.xml><?xml version="1.0" encoding="utf-8"?>
+<file path=ppt/slides/slide29.xml><?xml version="1.0" encoding="utf-8"?>
 <p:sld xmlns:a="http://schemas.openxmlformats.org/drawingml/2006/main" xmlns:r="http://schemas.openxmlformats.org/officeDocument/2006/relationships" xmlns:p="http://schemas.openxmlformats.org/presentationml/2006/main">
   <p:cSld>
     <p:spTree>
@@ -9904,386 +11381,6 @@
     <p:extLst>
       <p:ext uri="{BB962C8B-B14F-4D97-AF65-F5344CB8AC3E}">
         <p14:creationId xmlns:p14="http://schemas.microsoft.com/office/powerpoint/2010/main" val="1303733429"/>
-      </p:ext>
-    </p:extLst>
-  </p:cSld>
-  <p:clrMapOvr>
-    <a:masterClrMapping/>
-  </p:clrMapOvr>
-</p:sld>
-</file>
-
-<file path=ppt/slides/slide27.xml><?xml version="1.0" encoding="utf-8"?>
-<p:sld xmlns:a="http://schemas.openxmlformats.org/drawingml/2006/main" xmlns:r="http://schemas.openxmlformats.org/officeDocument/2006/relationships" xmlns:p="http://schemas.openxmlformats.org/presentationml/2006/main">
-  <p:cSld>
-    <p:spTree>
-      <p:nvGrpSpPr>
-        <p:cNvPr id="1" name=""/>
-        <p:cNvGrpSpPr/>
-        <p:nvPr/>
-      </p:nvGrpSpPr>
-      <p:grpSpPr>
-        <a:xfrm>
-          <a:off x="0" y="0"/>
-          <a:ext cx="0" cy="0"/>
-          <a:chOff x="0" y="0"/>
-          <a:chExt cx="0" cy="0"/>
-        </a:xfrm>
-      </p:grpSpPr>
-      <p:sp>
-        <p:nvSpPr>
-          <p:cNvPr id="10" name="직사각형 9"/>
-          <p:cNvSpPr/>
-          <p:nvPr/>
-        </p:nvSpPr>
-        <p:spPr>
-          <a:xfrm>
-            <a:off x="-1" y="2398426"/>
-            <a:ext cx="12192001" cy="1338109"/>
-          </a:xfrm>
-          <a:prstGeom prst="rect">
-            <a:avLst/>
-          </a:prstGeom>
-          <a:solidFill>
-            <a:schemeClr val="accent1">
-              <a:lumMod val="75000"/>
-            </a:schemeClr>
-          </a:solidFill>
-          <a:ln>
-            <a:noFill/>
-          </a:ln>
-        </p:spPr>
-        <p:style>
-          <a:lnRef idx="2">
-            <a:schemeClr val="accent1">
-              <a:shade val="50000"/>
-            </a:schemeClr>
-          </a:lnRef>
-          <a:fillRef idx="1">
-            <a:schemeClr val="accent1"/>
-          </a:fillRef>
-          <a:effectRef idx="0">
-            <a:schemeClr val="accent1"/>
-          </a:effectRef>
-          <a:fontRef idx="minor">
-            <a:schemeClr val="lt1"/>
-          </a:fontRef>
-        </p:style>
-        <p:txBody>
-          <a:bodyPr rtlCol="0" anchor="ctr"/>
-          <a:lstStyle/>
-          <a:p>
-            <a:pPr algn="ctr"/>
-            <a:endParaRPr kumimoji="1" lang="ko-KR" altLang="en-US" dirty="0"/>
-          </a:p>
-        </p:txBody>
-      </p:sp>
-      <p:sp>
-        <p:nvSpPr>
-          <p:cNvPr id="12" name="부제목 2"/>
-          <p:cNvSpPr txBox="1">
-            <a:spLocks/>
-          </p:cNvSpPr>
-          <p:nvPr/>
-        </p:nvSpPr>
-        <p:spPr>
-          <a:xfrm>
-            <a:off x="1" y="2608234"/>
-            <a:ext cx="12192000" cy="754314"/>
-          </a:xfrm>
-          <a:prstGeom prst="rect">
-            <a:avLst/>
-          </a:prstGeom>
-        </p:spPr>
-        <p:txBody>
-          <a:bodyPr vert="horz" lIns="91440" tIns="45720" rIns="91440" bIns="45720" rtlCol="0" anchor="ctr">
-            <a:noAutofit/>
-          </a:bodyPr>
-          <a:lstStyle>
-            <a:lvl1pPr marL="0" indent="0" algn="ctr" defTabSz="914423" rtl="0" eaLnBrk="1" latinLnBrk="1" hangingPunct="1">
-              <a:lnSpc>
-                <a:spcPct val="90000"/>
-              </a:lnSpc>
-              <a:spcBef>
-                <a:spcPts val="1001"/>
-              </a:spcBef>
-              <a:buFont typeface="Arial"/>
-              <a:buNone/>
-              <a:defRPr sz="2400" kern="1200">
-                <a:solidFill>
-                  <a:schemeClr val="tx1"/>
-                </a:solidFill>
-                <a:latin typeface="+mn-lt"/>
-                <a:ea typeface="+mn-ea"/>
-                <a:cs typeface="+mn-cs"/>
-              </a:defRPr>
-            </a:lvl1pPr>
-            <a:lvl2pPr marL="457211" indent="0" algn="ctr" defTabSz="914423" rtl="0" eaLnBrk="1" latinLnBrk="1" hangingPunct="1">
-              <a:lnSpc>
-                <a:spcPct val="90000"/>
-              </a:lnSpc>
-              <a:spcBef>
-                <a:spcPts val="500"/>
-              </a:spcBef>
-              <a:buFont typeface="Arial"/>
-              <a:buNone/>
-              <a:defRPr sz="2000" kern="1200">
-                <a:solidFill>
-                  <a:schemeClr val="tx1"/>
-                </a:solidFill>
-                <a:latin typeface="+mn-lt"/>
-                <a:ea typeface="+mn-ea"/>
-                <a:cs typeface="+mn-cs"/>
-              </a:defRPr>
-            </a:lvl2pPr>
-            <a:lvl3pPr marL="914423" indent="0" algn="ctr" defTabSz="914423" rtl="0" eaLnBrk="1" latinLnBrk="1" hangingPunct="1">
-              <a:lnSpc>
-                <a:spcPct val="90000"/>
-              </a:lnSpc>
-              <a:spcBef>
-                <a:spcPts val="500"/>
-              </a:spcBef>
-              <a:buFont typeface="Arial"/>
-              <a:buNone/>
-              <a:defRPr sz="1801" kern="1200">
-                <a:solidFill>
-                  <a:schemeClr val="tx1"/>
-                </a:solidFill>
-                <a:latin typeface="+mn-lt"/>
-                <a:ea typeface="+mn-ea"/>
-                <a:cs typeface="+mn-cs"/>
-              </a:defRPr>
-            </a:lvl3pPr>
-            <a:lvl4pPr marL="1371634" indent="0" algn="ctr" defTabSz="914423" rtl="0" eaLnBrk="1" latinLnBrk="1" hangingPunct="1">
-              <a:lnSpc>
-                <a:spcPct val="90000"/>
-              </a:lnSpc>
-              <a:spcBef>
-                <a:spcPts val="500"/>
-              </a:spcBef>
-              <a:buFont typeface="Arial"/>
-              <a:buNone/>
-              <a:defRPr sz="1600" kern="1200">
-                <a:solidFill>
-                  <a:schemeClr val="tx1"/>
-                </a:solidFill>
-                <a:latin typeface="+mn-lt"/>
-                <a:ea typeface="+mn-ea"/>
-                <a:cs typeface="+mn-cs"/>
-              </a:defRPr>
-            </a:lvl4pPr>
-            <a:lvl5pPr marL="1828846" indent="0" algn="ctr" defTabSz="914423" rtl="0" eaLnBrk="1" latinLnBrk="1" hangingPunct="1">
-              <a:lnSpc>
-                <a:spcPct val="90000"/>
-              </a:lnSpc>
-              <a:spcBef>
-                <a:spcPts val="500"/>
-              </a:spcBef>
-              <a:buFont typeface="Arial"/>
-              <a:buNone/>
-              <a:defRPr sz="1600" kern="1200">
-                <a:solidFill>
-                  <a:schemeClr val="tx1"/>
-                </a:solidFill>
-                <a:latin typeface="+mn-lt"/>
-                <a:ea typeface="+mn-ea"/>
-                <a:cs typeface="+mn-cs"/>
-              </a:defRPr>
-            </a:lvl5pPr>
-            <a:lvl6pPr marL="2286057" indent="0" algn="ctr" defTabSz="914423" rtl="0" eaLnBrk="1" latinLnBrk="1" hangingPunct="1">
-              <a:lnSpc>
-                <a:spcPct val="90000"/>
-              </a:lnSpc>
-              <a:spcBef>
-                <a:spcPts val="500"/>
-              </a:spcBef>
-              <a:buFont typeface="Arial"/>
-              <a:buNone/>
-              <a:defRPr sz="1600" kern="1200">
-                <a:solidFill>
-                  <a:schemeClr val="tx1"/>
-                </a:solidFill>
-                <a:latin typeface="+mn-lt"/>
-                <a:ea typeface="+mn-ea"/>
-                <a:cs typeface="+mn-cs"/>
-              </a:defRPr>
-            </a:lvl6pPr>
-            <a:lvl7pPr marL="2743269" indent="0" algn="ctr" defTabSz="914423" rtl="0" eaLnBrk="1" latinLnBrk="1" hangingPunct="1">
-              <a:lnSpc>
-                <a:spcPct val="90000"/>
-              </a:lnSpc>
-              <a:spcBef>
-                <a:spcPts val="500"/>
-              </a:spcBef>
-              <a:buFont typeface="Arial"/>
-              <a:buNone/>
-              <a:defRPr sz="1600" kern="1200">
-                <a:solidFill>
-                  <a:schemeClr val="tx1"/>
-                </a:solidFill>
-                <a:latin typeface="+mn-lt"/>
-                <a:ea typeface="+mn-ea"/>
-                <a:cs typeface="+mn-cs"/>
-              </a:defRPr>
-            </a:lvl7pPr>
-            <a:lvl8pPr marL="3200480" indent="0" algn="ctr" defTabSz="914423" rtl="0" eaLnBrk="1" latinLnBrk="1" hangingPunct="1">
-              <a:lnSpc>
-                <a:spcPct val="90000"/>
-              </a:lnSpc>
-              <a:spcBef>
-                <a:spcPts val="500"/>
-              </a:spcBef>
-              <a:buFont typeface="Arial"/>
-              <a:buNone/>
-              <a:defRPr sz="1600" kern="1200">
-                <a:solidFill>
-                  <a:schemeClr val="tx1"/>
-                </a:solidFill>
-                <a:latin typeface="+mn-lt"/>
-                <a:ea typeface="+mn-ea"/>
-                <a:cs typeface="+mn-cs"/>
-              </a:defRPr>
-            </a:lvl8pPr>
-            <a:lvl9pPr marL="3657691" indent="0" algn="ctr" defTabSz="914423" rtl="0" eaLnBrk="1" latinLnBrk="1" hangingPunct="1">
-              <a:lnSpc>
-                <a:spcPct val="90000"/>
-              </a:lnSpc>
-              <a:spcBef>
-                <a:spcPts val="500"/>
-              </a:spcBef>
-              <a:buFont typeface="Arial"/>
-              <a:buNone/>
-              <a:defRPr sz="1600" kern="1200">
-                <a:solidFill>
-                  <a:schemeClr val="tx1"/>
-                </a:solidFill>
-                <a:latin typeface="+mn-lt"/>
-                <a:ea typeface="+mn-ea"/>
-                <a:cs typeface="+mn-cs"/>
-              </a:defRPr>
-            </a:lvl9pPr>
-          </a:lstStyle>
-          <a:p>
-            <a:r>
-              <a:rPr lang="ko-KR" altLang="en-US" sz="4800" dirty="0">
-                <a:solidFill>
-                  <a:schemeClr val="bg1"/>
-                </a:solidFill>
-                <a:latin typeface="+mj-lt"/>
-                <a:ea typeface="맑은 고딕" charset="-127"/>
-                <a:cs typeface="맑은 고딕" charset="-127"/>
-              </a:rPr>
-              <a:t>제품 </a:t>
-            </a:r>
-            <a:r>
-              <a:rPr lang="en-US" altLang="ko-KR" sz="4800" dirty="0">
-                <a:solidFill>
-                  <a:schemeClr val="bg1"/>
-                </a:solidFill>
-                <a:latin typeface="+mj-lt"/>
-                <a:ea typeface="맑은 고딕" charset="-127"/>
-                <a:cs typeface="맑은 고딕" charset="-127"/>
-              </a:rPr>
-              <a:t>Review</a:t>
-            </a:r>
-            <a:endParaRPr lang="ko-KR" altLang="en-US" sz="4800" dirty="0">
-              <a:solidFill>
-                <a:schemeClr val="bg1"/>
-              </a:solidFill>
-              <a:latin typeface="+mj-lt"/>
-              <a:ea typeface="맑은 고딕" charset="-127"/>
-              <a:cs typeface="맑은 고딕" charset="-127"/>
-            </a:endParaRPr>
-          </a:p>
-        </p:txBody>
-      </p:sp>
-    </p:spTree>
-    <p:extLst>
-      <p:ext uri="{BB962C8B-B14F-4D97-AF65-F5344CB8AC3E}">
-        <p14:creationId xmlns:p14="http://schemas.microsoft.com/office/powerpoint/2010/main" val="3953577241"/>
-      </p:ext>
-    </p:extLst>
-  </p:cSld>
-  <p:clrMapOvr>
-    <a:masterClrMapping/>
-  </p:clrMapOvr>
-</p:sld>
-</file>
-
-<file path=ppt/slides/slide28.xml><?xml version="1.0" encoding="utf-8"?>
-<p:sld xmlns:a="http://schemas.openxmlformats.org/drawingml/2006/main" xmlns:r="http://schemas.openxmlformats.org/officeDocument/2006/relationships" xmlns:p="http://schemas.openxmlformats.org/presentationml/2006/main">
-  <p:cSld>
-    <p:spTree>
-      <p:nvGrpSpPr>
-        <p:cNvPr id="1" name=""/>
-        <p:cNvGrpSpPr/>
-        <p:nvPr/>
-      </p:nvGrpSpPr>
-      <p:grpSpPr>
-        <a:xfrm>
-          <a:off x="0" y="0"/>
-          <a:ext cx="0" cy="0"/>
-          <a:chOff x="0" y="0"/>
-          <a:chExt cx="0" cy="0"/>
-        </a:xfrm>
-      </p:grpSpPr>
-      <p:sp>
-        <p:nvSpPr>
-          <p:cNvPr id="2" name="제목 1">
-            <a:extLst>
-              <a:ext uri="{FF2B5EF4-FFF2-40B4-BE49-F238E27FC236}">
-                <a16:creationId xmlns:a16="http://schemas.microsoft.com/office/drawing/2014/main" id="{2135F92A-65F5-4C7A-8C04-BF5F199039F2}"/>
-              </a:ext>
-            </a:extLst>
-          </p:cNvPr>
-          <p:cNvSpPr>
-            <a:spLocks noGrp="1"/>
-          </p:cNvSpPr>
-          <p:nvPr>
-            <p:ph type="title"/>
-          </p:nvPr>
-        </p:nvSpPr>
-        <p:spPr/>
-        <p:txBody>
-          <a:bodyPr/>
-          <a:lstStyle/>
-          <a:p>
-            <a:endParaRPr lang="ko-KR" altLang="en-US"/>
-          </a:p>
-        </p:txBody>
-      </p:sp>
-      <p:sp>
-        <p:nvSpPr>
-          <p:cNvPr id="3" name="내용 개체 틀 2">
-            <a:extLst>
-              <a:ext uri="{FF2B5EF4-FFF2-40B4-BE49-F238E27FC236}">
-                <a16:creationId xmlns:a16="http://schemas.microsoft.com/office/drawing/2014/main" id="{FB21A4AE-E1C2-4042-9B9E-43F419C42235}"/>
-              </a:ext>
-            </a:extLst>
-          </p:cNvPr>
-          <p:cNvSpPr>
-            <a:spLocks noGrp="1"/>
-          </p:cNvSpPr>
-          <p:nvPr>
-            <p:ph idx="1"/>
-          </p:nvPr>
-        </p:nvSpPr>
-        <p:spPr/>
-        <p:txBody>
-          <a:bodyPr/>
-          <a:lstStyle/>
-          <a:p>
-            <a:r>
-              <a:rPr lang="ko-KR" altLang="en-US" dirty="0"/>
-              <a:t>목표한 제품이 맞는 검증한다</a:t>
-            </a:r>
-          </a:p>
-        </p:txBody>
-      </p:sp>
-    </p:spTree>
-    <p:extLst>
-      <p:ext uri="{BB962C8B-B14F-4D97-AF65-F5344CB8AC3E}">
-        <p14:creationId xmlns:p14="http://schemas.microsoft.com/office/powerpoint/2010/main" val="539587114"/>
       </p:ext>
     </p:extLst>
   </p:cSld>
@@ -10562,6 +11659,386 @@
     <p:extLst>
       <p:ext uri="{BB962C8B-B14F-4D97-AF65-F5344CB8AC3E}">
         <p14:creationId xmlns:p14="http://schemas.microsoft.com/office/powerpoint/2010/main" val="2800463732"/>
+      </p:ext>
+    </p:extLst>
+  </p:cSld>
+  <p:clrMapOvr>
+    <a:masterClrMapping/>
+  </p:clrMapOvr>
+</p:sld>
+</file>
+
+<file path=ppt/slides/slide30.xml><?xml version="1.0" encoding="utf-8"?>
+<p:sld xmlns:a="http://schemas.openxmlformats.org/drawingml/2006/main" xmlns:r="http://schemas.openxmlformats.org/officeDocument/2006/relationships" xmlns:p="http://schemas.openxmlformats.org/presentationml/2006/main">
+  <p:cSld>
+    <p:spTree>
+      <p:nvGrpSpPr>
+        <p:cNvPr id="1" name=""/>
+        <p:cNvGrpSpPr/>
+        <p:nvPr/>
+      </p:nvGrpSpPr>
+      <p:grpSpPr>
+        <a:xfrm>
+          <a:off x="0" y="0"/>
+          <a:ext cx="0" cy="0"/>
+          <a:chOff x="0" y="0"/>
+          <a:chExt cx="0" cy="0"/>
+        </a:xfrm>
+      </p:grpSpPr>
+      <p:sp>
+        <p:nvSpPr>
+          <p:cNvPr id="10" name="직사각형 9"/>
+          <p:cNvSpPr/>
+          <p:nvPr/>
+        </p:nvSpPr>
+        <p:spPr>
+          <a:xfrm>
+            <a:off x="-1" y="2398426"/>
+            <a:ext cx="12192001" cy="1338109"/>
+          </a:xfrm>
+          <a:prstGeom prst="rect">
+            <a:avLst/>
+          </a:prstGeom>
+          <a:solidFill>
+            <a:schemeClr val="accent1">
+              <a:lumMod val="75000"/>
+            </a:schemeClr>
+          </a:solidFill>
+          <a:ln>
+            <a:noFill/>
+          </a:ln>
+        </p:spPr>
+        <p:style>
+          <a:lnRef idx="2">
+            <a:schemeClr val="accent1">
+              <a:shade val="50000"/>
+            </a:schemeClr>
+          </a:lnRef>
+          <a:fillRef idx="1">
+            <a:schemeClr val="accent1"/>
+          </a:fillRef>
+          <a:effectRef idx="0">
+            <a:schemeClr val="accent1"/>
+          </a:effectRef>
+          <a:fontRef idx="minor">
+            <a:schemeClr val="lt1"/>
+          </a:fontRef>
+        </p:style>
+        <p:txBody>
+          <a:bodyPr rtlCol="0" anchor="ctr"/>
+          <a:lstStyle/>
+          <a:p>
+            <a:pPr algn="ctr"/>
+            <a:endParaRPr kumimoji="1" lang="ko-KR" altLang="en-US" dirty="0"/>
+          </a:p>
+        </p:txBody>
+      </p:sp>
+      <p:sp>
+        <p:nvSpPr>
+          <p:cNvPr id="12" name="부제목 2"/>
+          <p:cNvSpPr txBox="1">
+            <a:spLocks/>
+          </p:cNvSpPr>
+          <p:nvPr/>
+        </p:nvSpPr>
+        <p:spPr>
+          <a:xfrm>
+            <a:off x="1" y="2608234"/>
+            <a:ext cx="12192000" cy="754314"/>
+          </a:xfrm>
+          <a:prstGeom prst="rect">
+            <a:avLst/>
+          </a:prstGeom>
+        </p:spPr>
+        <p:txBody>
+          <a:bodyPr vert="horz" lIns="91440" tIns="45720" rIns="91440" bIns="45720" rtlCol="0" anchor="ctr">
+            <a:noAutofit/>
+          </a:bodyPr>
+          <a:lstStyle>
+            <a:lvl1pPr marL="0" indent="0" algn="ctr" defTabSz="914423" rtl="0" eaLnBrk="1" latinLnBrk="1" hangingPunct="1">
+              <a:lnSpc>
+                <a:spcPct val="90000"/>
+              </a:lnSpc>
+              <a:spcBef>
+                <a:spcPts val="1001"/>
+              </a:spcBef>
+              <a:buFont typeface="Arial"/>
+              <a:buNone/>
+              <a:defRPr sz="2400" kern="1200">
+                <a:solidFill>
+                  <a:schemeClr val="tx1"/>
+                </a:solidFill>
+                <a:latin typeface="+mn-lt"/>
+                <a:ea typeface="+mn-ea"/>
+                <a:cs typeface="+mn-cs"/>
+              </a:defRPr>
+            </a:lvl1pPr>
+            <a:lvl2pPr marL="457211" indent="0" algn="ctr" defTabSz="914423" rtl="0" eaLnBrk="1" latinLnBrk="1" hangingPunct="1">
+              <a:lnSpc>
+                <a:spcPct val="90000"/>
+              </a:lnSpc>
+              <a:spcBef>
+                <a:spcPts val="500"/>
+              </a:spcBef>
+              <a:buFont typeface="Arial"/>
+              <a:buNone/>
+              <a:defRPr sz="2000" kern="1200">
+                <a:solidFill>
+                  <a:schemeClr val="tx1"/>
+                </a:solidFill>
+                <a:latin typeface="+mn-lt"/>
+                <a:ea typeface="+mn-ea"/>
+                <a:cs typeface="+mn-cs"/>
+              </a:defRPr>
+            </a:lvl2pPr>
+            <a:lvl3pPr marL="914423" indent="0" algn="ctr" defTabSz="914423" rtl="0" eaLnBrk="1" latinLnBrk="1" hangingPunct="1">
+              <a:lnSpc>
+                <a:spcPct val="90000"/>
+              </a:lnSpc>
+              <a:spcBef>
+                <a:spcPts val="500"/>
+              </a:spcBef>
+              <a:buFont typeface="Arial"/>
+              <a:buNone/>
+              <a:defRPr sz="1801" kern="1200">
+                <a:solidFill>
+                  <a:schemeClr val="tx1"/>
+                </a:solidFill>
+                <a:latin typeface="+mn-lt"/>
+                <a:ea typeface="+mn-ea"/>
+                <a:cs typeface="+mn-cs"/>
+              </a:defRPr>
+            </a:lvl3pPr>
+            <a:lvl4pPr marL="1371634" indent="0" algn="ctr" defTabSz="914423" rtl="0" eaLnBrk="1" latinLnBrk="1" hangingPunct="1">
+              <a:lnSpc>
+                <a:spcPct val="90000"/>
+              </a:lnSpc>
+              <a:spcBef>
+                <a:spcPts val="500"/>
+              </a:spcBef>
+              <a:buFont typeface="Arial"/>
+              <a:buNone/>
+              <a:defRPr sz="1600" kern="1200">
+                <a:solidFill>
+                  <a:schemeClr val="tx1"/>
+                </a:solidFill>
+                <a:latin typeface="+mn-lt"/>
+                <a:ea typeface="+mn-ea"/>
+                <a:cs typeface="+mn-cs"/>
+              </a:defRPr>
+            </a:lvl4pPr>
+            <a:lvl5pPr marL="1828846" indent="0" algn="ctr" defTabSz="914423" rtl="0" eaLnBrk="1" latinLnBrk="1" hangingPunct="1">
+              <a:lnSpc>
+                <a:spcPct val="90000"/>
+              </a:lnSpc>
+              <a:spcBef>
+                <a:spcPts val="500"/>
+              </a:spcBef>
+              <a:buFont typeface="Arial"/>
+              <a:buNone/>
+              <a:defRPr sz="1600" kern="1200">
+                <a:solidFill>
+                  <a:schemeClr val="tx1"/>
+                </a:solidFill>
+                <a:latin typeface="+mn-lt"/>
+                <a:ea typeface="+mn-ea"/>
+                <a:cs typeface="+mn-cs"/>
+              </a:defRPr>
+            </a:lvl5pPr>
+            <a:lvl6pPr marL="2286057" indent="0" algn="ctr" defTabSz="914423" rtl="0" eaLnBrk="1" latinLnBrk="1" hangingPunct="1">
+              <a:lnSpc>
+                <a:spcPct val="90000"/>
+              </a:lnSpc>
+              <a:spcBef>
+                <a:spcPts val="500"/>
+              </a:spcBef>
+              <a:buFont typeface="Arial"/>
+              <a:buNone/>
+              <a:defRPr sz="1600" kern="1200">
+                <a:solidFill>
+                  <a:schemeClr val="tx1"/>
+                </a:solidFill>
+                <a:latin typeface="+mn-lt"/>
+                <a:ea typeface="+mn-ea"/>
+                <a:cs typeface="+mn-cs"/>
+              </a:defRPr>
+            </a:lvl6pPr>
+            <a:lvl7pPr marL="2743269" indent="0" algn="ctr" defTabSz="914423" rtl="0" eaLnBrk="1" latinLnBrk="1" hangingPunct="1">
+              <a:lnSpc>
+                <a:spcPct val="90000"/>
+              </a:lnSpc>
+              <a:spcBef>
+                <a:spcPts val="500"/>
+              </a:spcBef>
+              <a:buFont typeface="Arial"/>
+              <a:buNone/>
+              <a:defRPr sz="1600" kern="1200">
+                <a:solidFill>
+                  <a:schemeClr val="tx1"/>
+                </a:solidFill>
+                <a:latin typeface="+mn-lt"/>
+                <a:ea typeface="+mn-ea"/>
+                <a:cs typeface="+mn-cs"/>
+              </a:defRPr>
+            </a:lvl7pPr>
+            <a:lvl8pPr marL="3200480" indent="0" algn="ctr" defTabSz="914423" rtl="0" eaLnBrk="1" latinLnBrk="1" hangingPunct="1">
+              <a:lnSpc>
+                <a:spcPct val="90000"/>
+              </a:lnSpc>
+              <a:spcBef>
+                <a:spcPts val="500"/>
+              </a:spcBef>
+              <a:buFont typeface="Arial"/>
+              <a:buNone/>
+              <a:defRPr sz="1600" kern="1200">
+                <a:solidFill>
+                  <a:schemeClr val="tx1"/>
+                </a:solidFill>
+                <a:latin typeface="+mn-lt"/>
+                <a:ea typeface="+mn-ea"/>
+                <a:cs typeface="+mn-cs"/>
+              </a:defRPr>
+            </a:lvl8pPr>
+            <a:lvl9pPr marL="3657691" indent="0" algn="ctr" defTabSz="914423" rtl="0" eaLnBrk="1" latinLnBrk="1" hangingPunct="1">
+              <a:lnSpc>
+                <a:spcPct val="90000"/>
+              </a:lnSpc>
+              <a:spcBef>
+                <a:spcPts val="500"/>
+              </a:spcBef>
+              <a:buFont typeface="Arial"/>
+              <a:buNone/>
+              <a:defRPr sz="1600" kern="1200">
+                <a:solidFill>
+                  <a:schemeClr val="tx1"/>
+                </a:solidFill>
+                <a:latin typeface="+mn-lt"/>
+                <a:ea typeface="+mn-ea"/>
+                <a:cs typeface="+mn-cs"/>
+              </a:defRPr>
+            </a:lvl9pPr>
+          </a:lstStyle>
+          <a:p>
+            <a:r>
+              <a:rPr lang="ko-KR" altLang="en-US" sz="4800" dirty="0">
+                <a:solidFill>
+                  <a:schemeClr val="bg1"/>
+                </a:solidFill>
+                <a:latin typeface="+mj-lt"/>
+                <a:ea typeface="맑은 고딕" charset="-127"/>
+                <a:cs typeface="맑은 고딕" charset="-127"/>
+              </a:rPr>
+              <a:t>제품 </a:t>
+            </a:r>
+            <a:r>
+              <a:rPr lang="en-US" altLang="ko-KR" sz="4800" dirty="0">
+                <a:solidFill>
+                  <a:schemeClr val="bg1"/>
+                </a:solidFill>
+                <a:latin typeface="+mj-lt"/>
+                <a:ea typeface="맑은 고딕" charset="-127"/>
+                <a:cs typeface="맑은 고딕" charset="-127"/>
+              </a:rPr>
+              <a:t>Review</a:t>
+            </a:r>
+            <a:endParaRPr lang="ko-KR" altLang="en-US" sz="4800" dirty="0">
+              <a:solidFill>
+                <a:schemeClr val="bg1"/>
+              </a:solidFill>
+              <a:latin typeface="+mj-lt"/>
+              <a:ea typeface="맑은 고딕" charset="-127"/>
+              <a:cs typeface="맑은 고딕" charset="-127"/>
+            </a:endParaRPr>
+          </a:p>
+        </p:txBody>
+      </p:sp>
+    </p:spTree>
+    <p:extLst>
+      <p:ext uri="{BB962C8B-B14F-4D97-AF65-F5344CB8AC3E}">
+        <p14:creationId xmlns:p14="http://schemas.microsoft.com/office/powerpoint/2010/main" val="3953577241"/>
+      </p:ext>
+    </p:extLst>
+  </p:cSld>
+  <p:clrMapOvr>
+    <a:masterClrMapping/>
+  </p:clrMapOvr>
+</p:sld>
+</file>
+
+<file path=ppt/slides/slide31.xml><?xml version="1.0" encoding="utf-8"?>
+<p:sld xmlns:a="http://schemas.openxmlformats.org/drawingml/2006/main" xmlns:r="http://schemas.openxmlformats.org/officeDocument/2006/relationships" xmlns:p="http://schemas.openxmlformats.org/presentationml/2006/main">
+  <p:cSld>
+    <p:spTree>
+      <p:nvGrpSpPr>
+        <p:cNvPr id="1" name=""/>
+        <p:cNvGrpSpPr/>
+        <p:nvPr/>
+      </p:nvGrpSpPr>
+      <p:grpSpPr>
+        <a:xfrm>
+          <a:off x="0" y="0"/>
+          <a:ext cx="0" cy="0"/>
+          <a:chOff x="0" y="0"/>
+          <a:chExt cx="0" cy="0"/>
+        </a:xfrm>
+      </p:grpSpPr>
+      <p:sp>
+        <p:nvSpPr>
+          <p:cNvPr id="2" name="제목 1">
+            <a:extLst>
+              <a:ext uri="{FF2B5EF4-FFF2-40B4-BE49-F238E27FC236}">
+                <a16:creationId xmlns:a16="http://schemas.microsoft.com/office/drawing/2014/main" id="{2135F92A-65F5-4C7A-8C04-BF5F199039F2}"/>
+              </a:ext>
+            </a:extLst>
+          </p:cNvPr>
+          <p:cNvSpPr>
+            <a:spLocks noGrp="1"/>
+          </p:cNvSpPr>
+          <p:nvPr>
+            <p:ph type="title"/>
+          </p:nvPr>
+        </p:nvSpPr>
+        <p:spPr/>
+        <p:txBody>
+          <a:bodyPr/>
+          <a:lstStyle/>
+          <a:p>
+            <a:endParaRPr lang="ko-KR" altLang="en-US"/>
+          </a:p>
+        </p:txBody>
+      </p:sp>
+      <p:sp>
+        <p:nvSpPr>
+          <p:cNvPr id="3" name="내용 개체 틀 2">
+            <a:extLst>
+              <a:ext uri="{FF2B5EF4-FFF2-40B4-BE49-F238E27FC236}">
+                <a16:creationId xmlns:a16="http://schemas.microsoft.com/office/drawing/2014/main" id="{FB21A4AE-E1C2-4042-9B9E-43F419C42235}"/>
+              </a:ext>
+            </a:extLst>
+          </p:cNvPr>
+          <p:cNvSpPr>
+            <a:spLocks noGrp="1"/>
+          </p:cNvSpPr>
+          <p:nvPr>
+            <p:ph idx="1"/>
+          </p:nvPr>
+        </p:nvSpPr>
+        <p:spPr/>
+        <p:txBody>
+          <a:bodyPr/>
+          <a:lstStyle/>
+          <a:p>
+            <a:r>
+              <a:rPr lang="ko-KR" altLang="en-US" dirty="0"/>
+              <a:t>목표한 제품이 맞는 검증한다</a:t>
+            </a:r>
+          </a:p>
+        </p:txBody>
+      </p:sp>
+    </p:spTree>
+    <p:extLst>
+      <p:ext uri="{BB962C8B-B14F-4D97-AF65-F5344CB8AC3E}">
+        <p14:creationId xmlns:p14="http://schemas.microsoft.com/office/powerpoint/2010/main" val="539587114"/>
       </p:ext>
     </p:extLst>
   </p:cSld>

--- a/2021_Summer/jp.hong/Project_BnD_jph.pptx
+++ b/2021_Summer/jp.hong/Project_BnD_jph.pptx
@@ -2,7 +2,7 @@
 <file path=ppt/presentation.xml><?xml version="1.0" encoding="utf-8"?>
 <p:presentation xmlns:r="http://schemas.openxmlformats.org/officeDocument/2006/relationships" xmlns:c="http://schemas.openxmlformats.org/drawingml/2006/chart" xmlns:a="http://schemas.openxmlformats.org/drawingml/2006/main" xmlns:dgm="http://schemas.openxmlformats.org/drawingml/2006/diagram" xmlns:dsp="http://schemas.microsoft.com/office/drawing/2008/diagram" xmlns:p="http://schemas.openxmlformats.org/presentationml/2006/main">
   <p:sldMasterIdLst>
-    <p:sldMasterId id="2147483676" r:id="rId1"/>
+    <p:sldMasterId id="2147483665" r:id="rId1"/>
   </p:sldMasterIdLst>
   <p:sldIdLst>
     <p:sldId id="261" r:id="rId2"/>
@@ -17,17 +17,17 @@
     <p:sldId id="326" r:id="rId11"/>
     <p:sldId id="327" r:id="rId12"/>
     <p:sldId id="331" r:id="rId13"/>
-    <p:sldId id="332" r:id="rId14"/>
-    <p:sldId id="328" r:id="rId15"/>
-    <p:sldId id="329" r:id="rId16"/>
-    <p:sldId id="288" r:id="rId17"/>
-    <p:sldId id="325" r:id="rId18"/>
-    <p:sldId id="333" r:id="rId19"/>
-    <p:sldId id="289" r:id="rId20"/>
-    <p:sldId id="297" r:id="rId21"/>
-    <p:sldId id="290" r:id="rId22"/>
-    <p:sldId id="330" r:id="rId23"/>
-    <p:sldId id="298" r:id="rId24"/>
+    <p:sldId id="328" r:id="rId14"/>
+    <p:sldId id="329" r:id="rId15"/>
+    <p:sldId id="288" r:id="rId16"/>
+    <p:sldId id="325" r:id="rId17"/>
+    <p:sldId id="332" r:id="rId18"/>
+    <p:sldId id="289" r:id="rId19"/>
+    <p:sldId id="297" r:id="rId20"/>
+    <p:sldId id="290" r:id="rId21"/>
+    <p:sldId id="298" r:id="rId22"/>
+    <p:sldId id="333" r:id="rId23"/>
+    <p:sldId id="330" r:id="rId24"/>
     <p:sldId id="291" r:id="rId25"/>
     <p:sldId id="299" r:id="rId26"/>
     <p:sldId id="292" r:id="rId27"/>
@@ -4571,7 +4571,7 @@
         </p:spPr>
         <p:txBody>
           <a:bodyPr vert="horz" lIns="91440" tIns="45720" rIns="91440" bIns="45720">
-            <a:normAutofit fontScale="70000" lnSpcReduction="20000"/>
+            <a:normAutofit fontScale="62500" lnSpcReduction="20000"/>
           </a:bodyPr>
           <a:lstStyle/>
           <a:p>
@@ -4756,6 +4756,31 @@
                 <a:hlinkClick r:id="rId8"/>
               </a:rPr>
               <a:t>https://whackur.tistory.com/54</a:t>
+            </a:r>
+            <a:endParaRPr lang="en-US" altLang="ko-KR"/>
+          </a:p>
+          <a:p>
+            <a:pPr marL="0" lvl="0" indent="0">
+              <a:buNone/>
+              <a:defRPr/>
+            </a:pPr>
+            <a:r>
+              <a:rPr lang="ko-KR" altLang="en-US"/>
+              <a:t> </a:t>
+            </a:r>
+            <a:r>
+              <a:rPr lang="en-US" altLang="ko-KR"/>
+              <a:t>-</a:t>
+            </a:r>
+            <a:r>
+              <a:rPr lang="ko-KR" altLang="en-US"/>
+              <a:t> </a:t>
+            </a:r>
+            <a:r>
+              <a:rPr lang="en-US" altLang="ko-KR">
+                <a:hlinkClick r:id="rId9"/>
+              </a:rPr>
+              <a:t>https://m.blog.naver.com/PostView.naver?isHttpsRedirect=true&amp;blogId=elastica&amp;logNo=50071721556</a:t>
             </a:r>
             <a:endParaRPr lang="en-US" altLang="ko-KR"/>
           </a:p>
@@ -5073,93 +5098,6 @@
       </p:grpSpPr>
       <p:sp>
         <p:nvSpPr>
-          <p:cNvPr id="2" name="제목 1"/>
-          <p:cNvSpPr>
-            <a:spLocks noGrp="1"/>
-          </p:cNvSpPr>
-          <p:nvPr>
-            <p:ph type="title" idx="0"/>
-          </p:nvPr>
-        </p:nvSpPr>
-        <p:spPr/>
-        <p:txBody>
-          <a:bodyPr/>
-          <a:lstStyle/>
-          <a:p>
-            <a:pPr>
-              <a:defRPr/>
-            </a:pPr>
-            <a:r>
-              <a:rPr lang="ko-KR" altLang="en-US"/>
-              <a:t/>
-            </a:r>
-            <a:endParaRPr lang="ko-KR" altLang="en-US"/>
-          </a:p>
-        </p:txBody>
-      </p:sp>
-      <p:sp>
-        <p:nvSpPr>
-          <p:cNvPr id="3" name="내용 개체 틀 2"/>
-          <p:cNvSpPr>
-            <a:spLocks noGrp="1"/>
-          </p:cNvSpPr>
-          <p:nvPr>
-            <p:ph idx="1"/>
-          </p:nvPr>
-        </p:nvSpPr>
-        <p:spPr/>
-        <p:txBody>
-          <a:bodyPr>
-            <a:normAutofit lnSpcReduction="10000"/>
-          </a:bodyPr>
-          <a:lstStyle/>
-          <a:p>
-            <a:pPr>
-              <a:defRPr/>
-            </a:pPr>
-            <a:r>
-              <a:rPr lang="ko-KR" altLang="en-US"/>
-              <a:t/>
-            </a:r>
-            <a:endParaRPr lang="ko-KR" altLang="en-US"/>
-          </a:p>
-        </p:txBody>
-      </p:sp>
-    </p:spTree>
-  </p:cSld>
-  <p:clrMapOvr>
-    <a:masterClrMapping/>
-  </p:clrMapOvr>
-  <mc:AlternateContent xmlns:mc="http://schemas.openxmlformats.org/markup-compatibility/2006">
-    <mc:Choice xmlns:p14="http://schemas.microsoft.com/office/powerpoint/2010/main" Requires="p14">
-      <p:transition xmlns:mc="http://schemas.openxmlformats.org/markup-compatibility/2006" xmlns:p14="http://schemas.microsoft.com/office/powerpoint/2010/main" mc:Ignorable="p14" p14:dur="500"/>
-    </mc:Choice>
-    <mc:Fallback>
-      <p:transition/>
-    </mc:Fallback>
-  </mc:AlternateContent>
-</p:sld>
-</file>
-
-<file path=ppt/slides/slide14.xml><?xml version="1.0" encoding="utf-8"?>
-<p:sld xmlns:r="http://schemas.openxmlformats.org/officeDocument/2006/relationships" xmlns:c="http://schemas.openxmlformats.org/drawingml/2006/chart" xmlns:a="http://schemas.openxmlformats.org/drawingml/2006/main" xmlns:dgm="http://schemas.openxmlformats.org/drawingml/2006/diagram" xmlns:dsp="http://schemas.microsoft.com/office/drawing/2008/diagram" xmlns:p="http://schemas.openxmlformats.org/presentationml/2006/main">
-  <p:cSld>
-    <p:spTree>
-      <p:nvGrpSpPr>
-        <p:cNvPr id="1" name=""/>
-        <p:cNvGrpSpPr/>
-        <p:nvPr/>
-      </p:nvGrpSpPr>
-      <p:grpSpPr>
-        <a:xfrm>
-          <a:off x="0" y="0"/>
-          <a:ext cx="0" cy="0"/>
-          <a:chOff x="0" y="0"/>
-          <a:chExt cx="0" cy="0"/>
-        </a:xfrm>
-      </p:grpSpPr>
-      <p:sp>
-        <p:nvSpPr>
           <p:cNvPr id="6" name="직사각형 9"/>
           <p:cNvSpPr/>
           <p:nvPr/>
@@ -5256,7 +5194,7 @@
 </p:sld>
 </file>
 
-<file path=ppt/slides/slide15.xml><?xml version="1.0" encoding="utf-8"?>
+<file path=ppt/slides/slide14.xml><?xml version="1.0" encoding="utf-8"?>
 <p:sld xmlns:r="http://schemas.openxmlformats.org/officeDocument/2006/relationships" xmlns:c="http://schemas.openxmlformats.org/drawingml/2006/chart" xmlns:a="http://schemas.openxmlformats.org/drawingml/2006/main" xmlns:dgm="http://schemas.openxmlformats.org/drawingml/2006/diagram" xmlns:dsp="http://schemas.microsoft.com/office/drawing/2008/diagram" xmlns:p="http://schemas.openxmlformats.org/presentationml/2006/main">
   <p:cSld>
     <p:spTree>
@@ -5371,7 +5309,7 @@
 </p:sld>
 </file>
 
-<file path=ppt/slides/slide16.xml><?xml version="1.0" encoding="utf-8"?>
+<file path=ppt/slides/slide15.xml><?xml version="1.0" encoding="utf-8"?>
 <p:sld xmlns:r="http://schemas.openxmlformats.org/officeDocument/2006/relationships" xmlns:c="http://schemas.openxmlformats.org/drawingml/2006/chart" xmlns:a="http://schemas.openxmlformats.org/drawingml/2006/main" xmlns:dgm="http://schemas.openxmlformats.org/drawingml/2006/diagram" xmlns:dsp="http://schemas.microsoft.com/office/drawing/2008/diagram" xmlns:p="http://schemas.openxmlformats.org/presentationml/2006/main">
   <p:cSld>
     <p:spTree>
@@ -5644,6 +5582,307 @@
               <a:ea typeface="맑은 고딕"/>
               <a:cs typeface="맑은 고딕"/>
             </a:endParaRPr>
+          </a:p>
+        </p:txBody>
+      </p:sp>
+    </p:spTree>
+  </p:cSld>
+  <p:clrMapOvr>
+    <a:masterClrMapping/>
+  </p:clrMapOvr>
+  <mc:AlternateContent xmlns:mc="http://schemas.openxmlformats.org/markup-compatibility/2006">
+    <mc:Choice xmlns:p14="http://schemas.microsoft.com/office/powerpoint/2010/main" Requires="p14">
+      <p:transition xmlns:mc="http://schemas.openxmlformats.org/markup-compatibility/2006" xmlns:p14="http://schemas.microsoft.com/office/powerpoint/2010/main" mc:Ignorable="p14" p14:dur="500"/>
+    </mc:Choice>
+    <mc:Fallback>
+      <p:transition/>
+    </mc:Fallback>
+  </mc:AlternateContent>
+</p:sld>
+</file>
+
+<file path=ppt/slides/slide16.xml><?xml version="1.0" encoding="utf-8"?>
+<p:sld xmlns:r="http://schemas.openxmlformats.org/officeDocument/2006/relationships" xmlns:c="http://schemas.openxmlformats.org/drawingml/2006/chart" xmlns:a="http://schemas.openxmlformats.org/drawingml/2006/main" xmlns:dgm="http://schemas.openxmlformats.org/drawingml/2006/diagram" xmlns:dsp="http://schemas.microsoft.com/office/drawing/2008/diagram" xmlns:p="http://schemas.openxmlformats.org/presentationml/2006/main">
+  <p:cSld>
+    <p:spTree>
+      <p:nvGrpSpPr>
+        <p:cNvPr id="1" name=""/>
+        <p:cNvGrpSpPr/>
+        <p:nvPr/>
+      </p:nvGrpSpPr>
+      <p:grpSpPr>
+        <a:xfrm>
+          <a:off x="0" y="0"/>
+          <a:ext cx="0" cy="0"/>
+          <a:chOff x="0" y="0"/>
+          <a:chExt cx="0" cy="0"/>
+        </a:xfrm>
+      </p:grpSpPr>
+      <p:sp>
+        <p:nvSpPr>
+          <p:cNvPr id="4" name="직사각형 9"/>
+          <p:cNvSpPr/>
+          <p:nvPr/>
+        </p:nvSpPr>
+        <p:spPr>
+          <a:xfrm>
+            <a:off x="-1" y="0"/>
+            <a:ext cx="12192001" cy="1338109"/>
+          </a:xfrm>
+          <a:prstGeom prst="rect">
+            <a:avLst/>
+          </a:prstGeom>
+          <a:solidFill>
+            <a:schemeClr val="accent1">
+              <a:lumMod val="75000"/>
+            </a:schemeClr>
+          </a:solidFill>
+          <a:ln>
+            <a:noFill/>
+          </a:ln>
+        </p:spPr>
+        <p:style>
+          <a:lnRef idx="2">
+            <a:schemeClr val="accent1">
+              <a:shade val="50000"/>
+            </a:schemeClr>
+          </a:lnRef>
+          <a:fillRef idx="1">
+            <a:schemeClr val="accent1"/>
+          </a:fillRef>
+          <a:effectRef idx="0">
+            <a:schemeClr val="accent1"/>
+          </a:effectRef>
+          <a:fontRef idx="minor">
+            <a:schemeClr val="lt1"/>
+          </a:fontRef>
+        </p:style>
+        <p:txBody>
+          <a:bodyPr anchor="ctr"/>
+          <a:lstStyle/>
+          <a:p>
+            <a:pPr>
+              <a:defRPr/>
+            </a:pPr>
+            <a:r>
+              <a:rPr kumimoji="1" lang="en-US" altLang="ko-KR" sz="4800"/>
+              <a:t>2.</a:t>
+            </a:r>
+            <a:r>
+              <a:rPr kumimoji="1" lang="ko-KR" altLang="en-US" sz="4800"/>
+              <a:t> 요구사항 정의</a:t>
+            </a:r>
+            <a:endParaRPr kumimoji="1" lang="ko-KR" altLang="en-US" sz="4800"/>
+          </a:p>
+        </p:txBody>
+      </p:sp>
+      <p:sp>
+        <p:nvSpPr>
+          <p:cNvPr id="5" name="내용 개체 틀 4"/>
+          <p:cNvSpPr>
+            <a:spLocks noGrp="1"/>
+          </p:cNvSpPr>
+          <p:nvPr>
+            <p:ph idx="1"/>
+          </p:nvPr>
+        </p:nvSpPr>
+        <p:spPr>
+          <a:xfrm>
+            <a:off x="0" y="1561042"/>
+            <a:ext cx="12192000" cy="5296957"/>
+          </a:xfrm>
+        </p:spPr>
+        <p:txBody>
+          <a:bodyPr vert="horz" lIns="91440" tIns="45720" rIns="91440" bIns="45720">
+            <a:normAutofit lnSpcReduction="10000"/>
+          </a:bodyPr>
+          <a:lstStyle/>
+          <a:p>
+            <a:pPr lvl="0">
+              <a:defRPr/>
+            </a:pPr>
+            <a:r>
+              <a:rPr lang="ko-KR" altLang="en-US"/>
+              <a:t>사용자 기록 추적 프로그램 </a:t>
+            </a:r>
+            <a:r>
+              <a:rPr lang="en-US" altLang="ko-KR"/>
+              <a:t>(</a:t>
+            </a:r>
+            <a:r>
+              <a:rPr lang="ko-KR" altLang="en-US"/>
+              <a:t>레지스트리 이용</a:t>
+            </a:r>
+            <a:r>
+              <a:rPr lang="en-US" altLang="ko-KR"/>
+              <a:t>)</a:t>
+            </a:r>
+            <a:endParaRPr lang="en-US" altLang="ko-KR"/>
+          </a:p>
+          <a:p>
+            <a:pPr lvl="0">
+              <a:defRPr/>
+            </a:pPr>
+            <a:endParaRPr lang="en-US" altLang="ko-KR"/>
+          </a:p>
+          <a:p>
+            <a:pPr lvl="0">
+              <a:defRPr/>
+            </a:pPr>
+            <a:r>
+              <a:rPr lang="ko-KR" altLang="en-US"/>
+              <a:t>어떠한 매체의 기록을 분석할 지 선택해야 한다</a:t>
+            </a:r>
+            <a:r>
+              <a:rPr lang="en-US" altLang="ko-KR"/>
+              <a:t>.</a:t>
+            </a:r>
+            <a:endParaRPr lang="en-US" altLang="ko-KR"/>
+          </a:p>
+          <a:p>
+            <a:pPr marL="0" lvl="0" indent="0">
+              <a:buNone/>
+              <a:defRPr/>
+            </a:pPr>
+            <a:r>
+              <a:rPr lang="ko-KR" altLang="en-US"/>
+              <a:t> </a:t>
+            </a:r>
+            <a:r>
+              <a:rPr lang="en-US" altLang="ko-KR"/>
+              <a:t>-</a:t>
+            </a:r>
+            <a:r>
+              <a:rPr lang="ko-KR" altLang="en-US"/>
+              <a:t> 매체를 선택하는 명령어는 숫자로 표현한다</a:t>
+            </a:r>
+            <a:r>
+              <a:rPr lang="en-US" altLang="ko-KR"/>
+              <a:t>. ex)</a:t>
+            </a:r>
+            <a:r>
+              <a:rPr lang="ko-KR" altLang="en-US"/>
+              <a:t> </a:t>
+            </a:r>
+            <a:r>
+              <a:rPr lang="en-US" altLang="ko-KR"/>
+              <a:t>1.</a:t>
+            </a:r>
+            <a:r>
+              <a:rPr lang="ko-KR" altLang="en-US"/>
+              <a:t> </a:t>
+            </a:r>
+            <a:r>
+              <a:rPr lang="en-US" altLang="ko-KR"/>
+              <a:t>USB 2. hwp</a:t>
+            </a:r>
+            <a:r>
+              <a:rPr lang="ko-KR" altLang="en-US"/>
+              <a:t> </a:t>
+            </a:r>
+            <a:r>
+              <a:rPr lang="en-US" altLang="ko-KR"/>
+              <a:t>3. excel</a:t>
+            </a:r>
+            <a:r>
+              <a:rPr lang="ko-KR" altLang="en-US"/>
+              <a:t> </a:t>
+            </a:r>
+            <a:r>
+              <a:rPr lang="en-US" altLang="ko-KR"/>
+              <a:t>...</a:t>
+            </a:r>
+            <a:r>
+              <a:rPr lang="ko-KR" altLang="en-US"/>
+              <a:t> </a:t>
+            </a:r>
+            <a:endParaRPr lang="ko-KR" altLang="en-US"/>
+          </a:p>
+          <a:p>
+            <a:pPr marL="0" lvl="0" indent="0">
+              <a:buNone/>
+              <a:defRPr/>
+            </a:pPr>
+            <a:r>
+              <a:rPr lang="ko-KR" altLang="en-US"/>
+              <a:t> </a:t>
+            </a:r>
+            <a:r>
+              <a:rPr lang="en-US" altLang="ko-KR"/>
+              <a:t>-</a:t>
+            </a:r>
+            <a:r>
+              <a:rPr lang="ko-KR" altLang="en-US"/>
+              <a:t> 마지막 선택 항목에 </a:t>
+            </a:r>
+            <a:r>
+              <a:rPr lang="en-US" altLang="ko-KR"/>
+              <a:t>help</a:t>
+            </a:r>
+            <a:r>
+              <a:rPr lang="ko-KR" altLang="en-US"/>
+              <a:t>명령어를 둔다</a:t>
+            </a:r>
+            <a:r>
+              <a:rPr lang="en-US" altLang="ko-KR"/>
+              <a:t>.</a:t>
+            </a:r>
+            <a:endParaRPr lang="en-US" altLang="ko-KR"/>
+          </a:p>
+          <a:p>
+            <a:pPr marL="0" lvl="0" indent="0">
+              <a:buNone/>
+              <a:defRPr/>
+            </a:pPr>
+            <a:endParaRPr lang="en-US" altLang="ko-KR"/>
+          </a:p>
+          <a:p>
+            <a:pPr lvl="0">
+              <a:defRPr/>
+            </a:pPr>
+            <a:r>
+              <a:rPr lang="en-US" altLang="ko-KR"/>
+              <a:t>help</a:t>
+            </a:r>
+            <a:r>
+              <a:rPr lang="ko-KR" altLang="en-US"/>
+              <a:t>명령어가 있어야 한다</a:t>
+            </a:r>
+            <a:r>
+              <a:rPr lang="en-US" altLang="ko-KR"/>
+              <a:t>.</a:t>
+            </a:r>
+            <a:endParaRPr lang="en-US" altLang="ko-KR"/>
+          </a:p>
+          <a:p>
+            <a:pPr marL="0" lvl="0" indent="0">
+              <a:buNone/>
+              <a:defRPr/>
+            </a:pPr>
+            <a:r>
+              <a:rPr lang="ko-KR" altLang="en-US"/>
+              <a:t> </a:t>
+            </a:r>
+            <a:r>
+              <a:rPr lang="en-US" altLang="ko-KR"/>
+              <a:t>-</a:t>
+            </a:r>
+            <a:r>
+              <a:rPr lang="ko-KR" altLang="en-US"/>
+              <a:t> 사용자가 어떠한 종류의 명령어가 있는지 알려주어야 한다</a:t>
+            </a:r>
+            <a:r>
+              <a:rPr lang="en-US" altLang="ko-KR"/>
+              <a:t>.</a:t>
+            </a:r>
+            <a:endParaRPr lang="en-US" altLang="ko-KR"/>
+          </a:p>
+          <a:p>
+            <a:pPr marL="0" lvl="0" indent="0">
+              <a:buNone/>
+              <a:defRPr/>
+            </a:pPr>
+            <a:endParaRPr lang="ko-KR" altLang="en-US"/>
           </a:p>
         </p:txBody>
       </p:sp>
@@ -5756,7 +5995,7 @@
         </p:spPr>
         <p:txBody>
           <a:bodyPr vert="horz" lIns="91440" tIns="45720" rIns="91440" bIns="45720">
-            <a:normAutofit fontScale="77500" lnSpcReduction="20000"/>
+            <a:normAutofit fontScale="92500" lnSpcReduction="20000"/>
           </a:bodyPr>
           <a:lstStyle/>
           <a:p>
@@ -5788,12 +6027,38 @@
             <a:endParaRPr lang="en-US" altLang="ko-KR"/>
           </a:p>
           <a:p>
+            <a:pPr marL="0" lvl="0" indent="0">
+              <a:buNone/>
+              <a:defRPr/>
+            </a:pPr>
+            <a:endParaRPr lang="en-US" altLang="ko-KR"/>
+          </a:p>
+          <a:p>
             <a:pPr lvl="0">
               <a:defRPr/>
             </a:pPr>
             <a:r>
               <a:rPr lang="ko-KR" altLang="en-US"/>
-              <a:t>어떠한 매체의 기록을 분석할 지 선택해야 한다</a:t>
+              <a:t>분석</a:t>
+            </a:r>
+            <a:endParaRPr lang="ko-KR" altLang="en-US"/>
+          </a:p>
+          <a:p>
+            <a:pPr marL="0" lvl="0" indent="0">
+              <a:buNone/>
+              <a:defRPr/>
+            </a:pPr>
+            <a:r>
+              <a:rPr lang="ko-KR" altLang="en-US"/>
+              <a:t> </a:t>
+            </a:r>
+            <a:r>
+              <a:rPr lang="en-US" altLang="ko-KR"/>
+              <a:t>-</a:t>
+            </a:r>
+            <a:r>
+              <a:rPr lang="ko-KR" altLang="en-US"/>
+              <a:t> 올바른 위치의 레지스트리 데이터를 정확하게 분석해야 한다</a:t>
             </a:r>
             <a:r>
               <a:rPr lang="en-US" altLang="ko-KR"/>
@@ -5816,49 +6081,53 @@
             </a:r>
             <a:r>
               <a:rPr lang="ko-KR" altLang="en-US"/>
-              <a:t> 매체를 선택하는 명령어는 숫자로 표현한다</a:t>
+              <a:t> 파일이 손상되거나 분석할 수 없는 경우 실패 메세지를 보여주어야 한다</a:t>
             </a:r>
             <a:r>
               <a:rPr lang="en-US" altLang="ko-KR"/>
-              <a:t>. ex)</a:t>
-            </a:r>
+              <a:t>.</a:t>
+            </a:r>
+            <a:endParaRPr lang="en-US" altLang="ko-KR"/>
+          </a:p>
+          <a:p>
+            <a:pPr marL="0" lvl="0" indent="0">
+              <a:buNone/>
+              <a:defRPr/>
+            </a:pPr>
+            <a:r>
+              <a:rPr lang="en-US" altLang="ko-KR"/>
+              <a:t> -</a:t>
+            </a:r>
+            <a:r>
+              <a:rPr lang="ko-KR" altLang="en-US"/>
+              <a:t> 분석이 완료되면 완료 메세지를 보여주어야 한다</a:t>
+            </a:r>
+            <a:r>
+              <a:rPr lang="en-US" altLang="ko-KR"/>
+              <a:t>.</a:t>
+            </a:r>
+            <a:endParaRPr lang="en-US" altLang="ko-KR"/>
+          </a:p>
+          <a:p>
+            <a:pPr marL="0" lvl="0" indent="0">
+              <a:buNone/>
+              <a:defRPr/>
+            </a:pPr>
             <a:r>
               <a:rPr lang="ko-KR" altLang="en-US"/>
               <a:t> </a:t>
             </a:r>
-            <a:r>
-              <a:rPr lang="en-US" altLang="ko-KR"/>
-              <a:t>1.</a:t>
-            </a:r>
-            <a:r>
-              <a:rPr lang="ko-KR" altLang="en-US"/>
-              <a:t> </a:t>
-            </a:r>
-            <a:r>
-              <a:rPr lang="en-US" altLang="ko-KR"/>
-              <a:t>USB 2. hwp</a:t>
-            </a:r>
-            <a:r>
-              <a:rPr lang="ko-KR" altLang="en-US"/>
-              <a:t> </a:t>
-            </a:r>
-            <a:r>
-              <a:rPr lang="en-US" altLang="ko-KR"/>
-              <a:t>3. excel</a:t>
-            </a:r>
-            <a:r>
-              <a:rPr lang="ko-KR" altLang="en-US"/>
-              <a:t> </a:t>
-            </a:r>
-            <a:r>
-              <a:rPr lang="en-US" altLang="ko-KR"/>
-              <a:t>...</a:t>
-            </a:r>
-            <a:r>
-              <a:rPr lang="ko-KR" altLang="en-US"/>
-              <a:t> </a:t>
-            </a:r>
-            <a:endParaRPr lang="en-US" altLang="ko-KR"/>
+            <a:endParaRPr lang="ko-KR" altLang="en-US"/>
+          </a:p>
+          <a:p>
+            <a:pPr lvl="0">
+              <a:defRPr/>
+            </a:pPr>
+            <a:r>
+              <a:rPr lang="ko-KR" altLang="en-US"/>
+              <a:t>언어</a:t>
+            </a:r>
+            <a:endParaRPr lang="ko-KR" altLang="en-US"/>
           </a:p>
           <a:p>
             <a:pPr marL="0" lvl="0" indent="0">
@@ -5875,15 +6144,15 @@
             </a:r>
             <a:r>
               <a:rPr lang="ko-KR" altLang="en-US"/>
-              <a:t> 마지막 선택 항목에 </a:t>
+              <a:t> 구현을 위해 사용하는 언어는 </a:t>
             </a:r>
             <a:r>
               <a:rPr lang="en-US" altLang="ko-KR"/>
-              <a:t>help</a:t>
-            </a:r>
-            <a:r>
-              <a:rPr lang="ko-KR" altLang="en-US"/>
-              <a:t>명령어를 둔다</a:t>
+              <a:t>Python</a:t>
+            </a:r>
+            <a:r>
+              <a:rPr lang="ko-KR" altLang="en-US"/>
+              <a:t>으로 한다</a:t>
             </a:r>
             <a:r>
               <a:rPr lang="en-US" altLang="ko-KR"/>
@@ -5892,38 +6161,29 @@
             <a:endParaRPr lang="en-US" altLang="ko-KR"/>
           </a:p>
           <a:p>
+            <a:pPr lvl="0">
+              <a:defRPr/>
+            </a:pPr>
+            <a:endParaRPr lang="ko-KR" altLang="en-US"/>
+          </a:p>
+          <a:p>
+            <a:pPr lvl="0">
+              <a:defRPr/>
+            </a:pPr>
+            <a:r>
+              <a:rPr lang="ko-KR" altLang="en-US"/>
+              <a:t>한계점</a:t>
+            </a:r>
+            <a:endParaRPr lang="ko-KR" altLang="en-US"/>
+          </a:p>
+          <a:p>
             <a:pPr marL="0" lvl="0" indent="0">
               <a:buNone/>
               <a:defRPr/>
             </a:pPr>
-            <a:endParaRPr lang="en-US" altLang="ko-KR"/>
-          </a:p>
-          <a:p>
-            <a:pPr lvl="0">
-              <a:defRPr/>
-            </a:pPr>
-            <a:r>
-              <a:rPr lang="en-US" altLang="ko-KR"/>
-              <a:t>help</a:t>
-            </a:r>
-            <a:r>
-              <a:rPr lang="ko-KR" altLang="en-US"/>
-              <a:t>명령어가 있어야 한다</a:t>
-            </a:r>
-            <a:r>
-              <a:rPr lang="en-US" altLang="ko-KR"/>
-              <a:t>.</a:t>
-            </a:r>
-            <a:endParaRPr lang="en-US" altLang="ko-KR"/>
-          </a:p>
-          <a:p>
-            <a:pPr marL="0" lvl="0" indent="0">
-              <a:buNone/>
-              <a:defRPr/>
-            </a:pPr>
-            <a:r>
-              <a:rPr lang="ko-KR" altLang="en-US"/>
-              <a:t> </a:t>
+            <a:r>
+              <a:rPr lang="ko-KR" altLang="en-US"/>
+              <a:t>  </a:t>
             </a:r>
             <a:r>
               <a:rPr lang="en-US" altLang="ko-KR"/>
@@ -5931,113 +6191,28 @@
             </a:r>
             <a:r>
               <a:rPr lang="ko-KR" altLang="en-US"/>
-              <a:t> 사용자가 어떠한 종류의 명령어가 있는지 알려주어야 한다</a:t>
-            </a:r>
-            <a:r>
-              <a:rPr lang="en-US" altLang="ko-KR"/>
-              <a:t>.</a:t>
-            </a:r>
+              <a:t> 레지스트리 접근권한 해결 방안</a:t>
+            </a:r>
+            <a:endParaRPr lang="en-US" altLang="ko-KR"/>
+          </a:p>
+          <a:p>
+            <a:pPr marL="0" lvl="0" indent="0">
+              <a:buNone/>
+              <a:defRPr/>
+            </a:pPr>
             <a:endParaRPr lang="ko-KR" altLang="en-US"/>
           </a:p>
           <a:p>
-            <a:pPr marL="0" lvl="0" indent="0">
-              <a:buNone/>
-              <a:defRPr/>
-            </a:pPr>
-            <a:endParaRPr lang="en-US" altLang="ko-KR"/>
-          </a:p>
-          <a:p>
             <a:pPr lvl="0">
               <a:defRPr/>
             </a:pPr>
-            <a:r>
-              <a:rPr lang="ko-KR" altLang="en-US"/>
-              <a:t>분석</a:t>
-            </a:r>
             <a:endParaRPr lang="ko-KR" altLang="en-US"/>
           </a:p>
           <a:p>
-            <a:pPr marL="0" lvl="0" indent="0">
-              <a:buNone/>
-              <a:defRPr/>
-            </a:pPr>
-            <a:r>
-              <a:rPr lang="ko-KR" altLang="en-US"/>
-              <a:t> </a:t>
-            </a:r>
-            <a:r>
-              <a:rPr lang="en-US" altLang="ko-KR"/>
-              <a:t>-</a:t>
-            </a:r>
-            <a:r>
-              <a:rPr lang="ko-KR" altLang="en-US"/>
-              <a:t> 올바른 위치의 레지스트리 데이터를 정확하게 분석해야 한다</a:t>
-            </a:r>
-            <a:r>
-              <a:rPr lang="en-US" altLang="ko-KR"/>
-              <a:t>.</a:t>
-            </a:r>
-            <a:endParaRPr lang="en-US" altLang="ko-KR"/>
-          </a:p>
-          <a:p>
-            <a:pPr marL="0" lvl="0" indent="0">
-              <a:buNone/>
-              <a:defRPr/>
-            </a:pPr>
-            <a:r>
-              <a:rPr lang="ko-KR" altLang="en-US"/>
-              <a:t> </a:t>
-            </a:r>
-            <a:r>
-              <a:rPr lang="en-US" altLang="ko-KR"/>
-              <a:t>-</a:t>
-            </a:r>
-            <a:r>
-              <a:rPr lang="ko-KR" altLang="en-US"/>
-              <a:t> 파일이 손상되거나 분석할 수 없는 경우 실패 메세지를 보여주어야 한다</a:t>
-            </a:r>
-            <a:r>
-              <a:rPr lang="en-US" altLang="ko-KR"/>
-              <a:t>.</a:t>
-            </a:r>
-            <a:endParaRPr lang="en-US" altLang="ko-KR"/>
-          </a:p>
-          <a:p>
-            <a:pPr marL="0" lvl="0" indent="0">
-              <a:buNone/>
-              <a:defRPr/>
-            </a:pPr>
-            <a:r>
-              <a:rPr lang="en-US" altLang="ko-KR"/>
-              <a:t> -</a:t>
-            </a:r>
-            <a:r>
-              <a:rPr lang="ko-KR" altLang="en-US"/>
-              <a:t> 분석이 완료되면 완료 메세지를 보여주어야 한다</a:t>
-            </a:r>
-            <a:r>
-              <a:rPr lang="en-US" altLang="ko-KR"/>
-              <a:t>.</a:t>
-            </a:r>
-            <a:endParaRPr lang="en-US" altLang="ko-KR"/>
-          </a:p>
-          <a:p>
-            <a:pPr marL="0" lvl="0" indent="0">
-              <a:buNone/>
-              <a:defRPr/>
-            </a:pPr>
-            <a:r>
-              <a:rPr lang="ko-KR" altLang="en-US"/>
-              <a:t> </a:t>
-            </a:r>
+            <a:pPr lvl="0">
+              <a:defRPr/>
+            </a:pPr>
             <a:endParaRPr lang="ko-KR" altLang="en-US"/>
-          </a:p>
-          <a:p>
-            <a:pPr marL="0" lvl="0" indent="0">
-              <a:buNone/>
-              <a:defRPr/>
-            </a:pPr>
-            <a:endParaRPr lang="en-US" altLang="ko-KR"/>
           </a:p>
         </p:txBody>
       </p:sp>
@@ -6058,324 +6233,6 @@
 </file>
 
 <file path=ppt/slides/slide18.xml><?xml version="1.0" encoding="utf-8"?>
-<p:sld xmlns:r="http://schemas.openxmlformats.org/officeDocument/2006/relationships" xmlns:c="http://schemas.openxmlformats.org/drawingml/2006/chart" xmlns:a="http://schemas.openxmlformats.org/drawingml/2006/main" xmlns:dgm="http://schemas.openxmlformats.org/drawingml/2006/diagram" xmlns:dsp="http://schemas.microsoft.com/office/drawing/2008/diagram" xmlns:p="http://schemas.openxmlformats.org/presentationml/2006/main">
-  <p:cSld>
-    <p:spTree>
-      <p:nvGrpSpPr>
-        <p:cNvPr id="1" name=""/>
-        <p:cNvGrpSpPr/>
-        <p:nvPr/>
-      </p:nvGrpSpPr>
-      <p:grpSpPr>
-        <a:xfrm>
-          <a:off x="0" y="0"/>
-          <a:ext cx="0" cy="0"/>
-          <a:chOff x="0" y="0"/>
-          <a:chExt cx="0" cy="0"/>
-        </a:xfrm>
-      </p:grpSpPr>
-      <p:sp>
-        <p:nvSpPr>
-          <p:cNvPr id="4" name="직사각형 9"/>
-          <p:cNvSpPr/>
-          <p:nvPr/>
-        </p:nvSpPr>
-        <p:spPr>
-          <a:xfrm>
-            <a:off x="-1" y="0"/>
-            <a:ext cx="12192001" cy="1338109"/>
-          </a:xfrm>
-          <a:prstGeom prst="rect">
-            <a:avLst/>
-          </a:prstGeom>
-          <a:solidFill>
-            <a:schemeClr val="accent1">
-              <a:lumMod val="75000"/>
-            </a:schemeClr>
-          </a:solidFill>
-          <a:ln>
-            <a:noFill/>
-          </a:ln>
-        </p:spPr>
-        <p:style>
-          <a:lnRef idx="2">
-            <a:schemeClr val="accent1">
-              <a:shade val="50000"/>
-            </a:schemeClr>
-          </a:lnRef>
-          <a:fillRef idx="1">
-            <a:schemeClr val="accent1"/>
-          </a:fillRef>
-          <a:effectRef idx="0">
-            <a:schemeClr val="accent1"/>
-          </a:effectRef>
-          <a:fontRef idx="minor">
-            <a:schemeClr val="lt1"/>
-          </a:fontRef>
-        </p:style>
-        <p:txBody>
-          <a:bodyPr anchor="ctr"/>
-          <a:lstStyle/>
-          <a:p>
-            <a:pPr>
-              <a:defRPr/>
-            </a:pPr>
-            <a:r>
-              <a:rPr kumimoji="1" lang="en-US" altLang="ko-KR" sz="4800"/>
-              <a:t>2.</a:t>
-            </a:r>
-            <a:r>
-              <a:rPr kumimoji="1" lang="ko-KR" altLang="en-US" sz="4800"/>
-              <a:t> 요구사항 정의</a:t>
-            </a:r>
-            <a:endParaRPr kumimoji="1" lang="ko-KR" altLang="en-US" sz="4800"/>
-          </a:p>
-        </p:txBody>
-      </p:sp>
-      <p:sp>
-        <p:nvSpPr>
-          <p:cNvPr id="5" name="내용 개체 틀 4"/>
-          <p:cNvSpPr>
-            <a:spLocks noGrp="1"/>
-          </p:cNvSpPr>
-          <p:nvPr>
-            <p:ph idx="1"/>
-          </p:nvPr>
-        </p:nvSpPr>
-        <p:spPr>
-          <a:xfrm>
-            <a:off x="0" y="1561042"/>
-            <a:ext cx="12192000" cy="5296957"/>
-          </a:xfrm>
-        </p:spPr>
-        <p:txBody>
-          <a:bodyPr vert="horz" lIns="91440" tIns="45720" rIns="91440" bIns="45720">
-            <a:normAutofit fontScale="92500" lnSpcReduction="10000"/>
-          </a:bodyPr>
-          <a:lstStyle/>
-          <a:p>
-            <a:pPr lvl="0">
-              <a:defRPr/>
-            </a:pPr>
-            <a:r>
-              <a:rPr lang="ko-KR" altLang="en-US"/>
-              <a:t>사용자 기록 추적 프로그램 </a:t>
-            </a:r>
-            <a:r>
-              <a:rPr lang="en-US" altLang="ko-KR"/>
-              <a:t>(</a:t>
-            </a:r>
-            <a:r>
-              <a:rPr lang="ko-KR" altLang="en-US"/>
-              <a:t>레지스트리 이용</a:t>
-            </a:r>
-            <a:r>
-              <a:rPr lang="en-US" altLang="ko-KR"/>
-              <a:t>)</a:t>
-            </a:r>
-            <a:endParaRPr lang="en-US" altLang="ko-KR"/>
-          </a:p>
-          <a:p>
-            <a:pPr lvl="0">
-              <a:defRPr/>
-            </a:pPr>
-            <a:endParaRPr lang="en-US" altLang="ko-KR"/>
-          </a:p>
-          <a:p>
-            <a:pPr lvl="0">
-              <a:defRPr/>
-            </a:pPr>
-            <a:r>
-              <a:rPr lang="ko-KR" altLang="en-US"/>
-              <a:t>언어</a:t>
-            </a:r>
-            <a:endParaRPr lang="ko-KR" altLang="en-US"/>
-          </a:p>
-          <a:p>
-            <a:pPr marL="0" lvl="0" indent="0">
-              <a:buNone/>
-              <a:defRPr/>
-            </a:pPr>
-            <a:r>
-              <a:rPr lang="ko-KR" altLang="en-US"/>
-              <a:t> </a:t>
-            </a:r>
-            <a:r>
-              <a:rPr lang="en-US" altLang="ko-KR"/>
-              <a:t>-</a:t>
-            </a:r>
-            <a:r>
-              <a:rPr lang="ko-KR" altLang="en-US"/>
-              <a:t> 구현을 위해 사용하는 언어는 </a:t>
-            </a:r>
-            <a:r>
-              <a:rPr lang="en-US" altLang="ko-KR"/>
-              <a:t>Python</a:t>
-            </a:r>
-            <a:r>
-              <a:rPr lang="ko-KR" altLang="en-US"/>
-              <a:t>으로 한다</a:t>
-            </a:r>
-            <a:r>
-              <a:rPr lang="en-US" altLang="ko-KR"/>
-              <a:t>.</a:t>
-            </a:r>
-            <a:endParaRPr lang="en-US" altLang="ko-KR"/>
-          </a:p>
-          <a:p>
-            <a:pPr marL="0" lvl="0" indent="0">
-              <a:buNone/>
-              <a:defRPr/>
-            </a:pPr>
-            <a:endParaRPr lang="en-US" altLang="ko-KR"/>
-          </a:p>
-          <a:p>
-            <a:pPr marL="0" lvl="0" indent="0">
-              <a:buNone/>
-              <a:defRPr/>
-            </a:pPr>
-            <a:endParaRPr lang="en-US" altLang="ko-KR"/>
-          </a:p>
-          <a:p>
-            <a:pPr lvl="0">
-              <a:defRPr/>
-            </a:pPr>
-            <a:r>
-              <a:rPr lang="ko-KR" altLang="en-US"/>
-              <a:t>기타</a:t>
-            </a:r>
-            <a:endParaRPr lang="ko-KR" altLang="en-US"/>
-          </a:p>
-          <a:p>
-            <a:pPr marL="0" lvl="0" indent="0">
-              <a:buNone/>
-              <a:defRPr/>
-            </a:pPr>
-            <a:r>
-              <a:rPr lang="ko-KR" altLang="en-US"/>
-              <a:t> </a:t>
-            </a:r>
-            <a:r>
-              <a:rPr lang="en-US" altLang="ko-KR"/>
-              <a:t>-</a:t>
-            </a:r>
-            <a:r>
-              <a:rPr lang="ko-KR" altLang="en-US"/>
-              <a:t> </a:t>
-            </a:r>
-            <a:r>
-              <a:rPr lang="en-US" altLang="ko-KR"/>
-              <a:t>CLI</a:t>
-            </a:r>
-            <a:r>
-              <a:rPr lang="ko-KR" altLang="en-US"/>
-              <a:t>화면으로 구현되어야 한다</a:t>
-            </a:r>
-            <a:r>
-              <a:rPr lang="en-US" altLang="ko-KR"/>
-              <a:t>.</a:t>
-            </a:r>
-            <a:endParaRPr lang="en-US" altLang="ko-KR"/>
-          </a:p>
-          <a:p>
-            <a:pPr marL="0" lvl="0" indent="0">
-              <a:buNone/>
-              <a:defRPr/>
-            </a:pPr>
-            <a:r>
-              <a:rPr lang="ko-KR" altLang="en-US"/>
-              <a:t> </a:t>
-            </a:r>
-            <a:r>
-              <a:rPr lang="en-US" altLang="ko-KR"/>
-              <a:t>-</a:t>
-            </a:r>
-            <a:r>
-              <a:rPr lang="ko-KR" altLang="en-US"/>
-              <a:t> 분석한 정보들을 내보낼 수 있는</a:t>
-            </a:r>
-            <a:r>
-              <a:rPr lang="en-US" altLang="ko-KR"/>
-              <a:t>(excel</a:t>
-            </a:r>
-            <a:r>
-              <a:rPr lang="ko-KR" altLang="en-US"/>
-              <a:t> 파일로 저장</a:t>
-            </a:r>
-            <a:r>
-              <a:rPr lang="en-US" altLang="ko-KR"/>
-              <a:t>)</a:t>
-            </a:r>
-            <a:r>
-              <a:rPr lang="ko-KR" altLang="en-US"/>
-              <a:t> 명령어가 있어야 한다</a:t>
-            </a:r>
-            <a:r>
-              <a:rPr lang="en-US" altLang="ko-KR"/>
-              <a:t>.</a:t>
-            </a:r>
-            <a:endParaRPr lang="en-US" altLang="ko-KR"/>
-          </a:p>
-          <a:p>
-            <a:pPr marL="0" lvl="0" indent="0">
-              <a:buNone/>
-              <a:defRPr/>
-            </a:pPr>
-            <a:endParaRPr lang="ko-KR" altLang="en-US"/>
-          </a:p>
-          <a:p>
-            <a:pPr lvl="0">
-              <a:defRPr/>
-            </a:pPr>
-            <a:r>
-              <a:rPr lang="ko-KR" altLang="en-US"/>
-              <a:t>한계점</a:t>
-            </a:r>
-            <a:endParaRPr lang="ko-KR" altLang="en-US"/>
-          </a:p>
-          <a:p>
-            <a:pPr lvl="0">
-              <a:defRPr/>
-            </a:pPr>
-            <a:r>
-              <a:rPr lang="ko-KR" altLang="en-US"/>
-              <a:t> </a:t>
-            </a:r>
-            <a:r>
-              <a:rPr lang="en-US" altLang="ko-KR"/>
-              <a:t>-</a:t>
-            </a:r>
-            <a:r>
-              <a:rPr lang="ko-KR" altLang="en-US"/>
-              <a:t> 레지스트리 접근권한 해결 방안</a:t>
-            </a:r>
-            <a:endParaRPr lang="ko-KR" altLang="en-US"/>
-          </a:p>
-          <a:p>
-            <a:pPr lvl="0">
-              <a:defRPr/>
-            </a:pPr>
-            <a:endParaRPr lang="ko-KR" altLang="en-US"/>
-          </a:p>
-        </p:txBody>
-      </p:sp>
-    </p:spTree>
-  </p:cSld>
-  <p:clrMapOvr>
-    <a:masterClrMapping/>
-  </p:clrMapOvr>
-  <mc:AlternateContent xmlns:mc="http://schemas.openxmlformats.org/markup-compatibility/2006">
-    <mc:Choice xmlns:p14="http://schemas.microsoft.com/office/powerpoint/2010/main" Requires="p14">
-      <p:transition xmlns:mc="http://schemas.openxmlformats.org/markup-compatibility/2006" xmlns:p14="http://schemas.microsoft.com/office/powerpoint/2010/main" mc:Ignorable="p14" p14:dur="500"/>
-    </mc:Choice>
-    <mc:Fallback>
-      <p:transition/>
-    </mc:Fallback>
-  </mc:AlternateContent>
-</p:sld>
-</file>
-
-<file path=ppt/slides/slide19.xml><?xml version="1.0" encoding="utf-8"?>
 <p:sld xmlns:r="http://schemas.openxmlformats.org/officeDocument/2006/relationships" xmlns:c="http://schemas.openxmlformats.org/drawingml/2006/chart" xmlns:a="http://schemas.openxmlformats.org/drawingml/2006/main" xmlns:dgm="http://schemas.openxmlformats.org/drawingml/2006/diagram" xmlns:dsp="http://schemas.microsoft.com/office/drawing/2008/diagram" xmlns:p="http://schemas.openxmlformats.org/presentationml/2006/main">
   <p:cSld>
     <p:spTree>
@@ -6648,6 +6505,842 @@
               <a:ea typeface="맑은 고딕"/>
               <a:cs typeface="맑은 고딕"/>
             </a:endParaRPr>
+          </a:p>
+        </p:txBody>
+      </p:sp>
+    </p:spTree>
+  </p:cSld>
+  <p:clrMapOvr>
+    <a:masterClrMapping/>
+  </p:clrMapOvr>
+  <mc:AlternateContent xmlns:mc="http://schemas.openxmlformats.org/markup-compatibility/2006">
+    <mc:Choice xmlns:p14="http://schemas.microsoft.com/office/powerpoint/2010/main" Requires="p14">
+      <p:transition xmlns:mc="http://schemas.openxmlformats.org/markup-compatibility/2006" xmlns:p14="http://schemas.microsoft.com/office/powerpoint/2010/main" mc:Ignorable="p14" p14:dur="500"/>
+    </mc:Choice>
+    <mc:Fallback>
+      <p:transition/>
+    </mc:Fallback>
+  </mc:AlternateContent>
+</p:sld>
+</file>
+
+<file path=ppt/slides/slide19.xml><?xml version="1.0" encoding="utf-8"?>
+<p:sld xmlns:r="http://schemas.openxmlformats.org/officeDocument/2006/relationships" xmlns:c="http://schemas.openxmlformats.org/drawingml/2006/chart" xmlns:a="http://schemas.openxmlformats.org/drawingml/2006/main" xmlns:dgm="http://schemas.openxmlformats.org/drawingml/2006/diagram" xmlns:dsp="http://schemas.microsoft.com/office/drawing/2008/diagram" xmlns:p="http://schemas.openxmlformats.org/presentationml/2006/main">
+  <p:cSld>
+    <p:spTree>
+      <p:nvGrpSpPr>
+        <p:cNvPr id="1" name=""/>
+        <p:cNvGrpSpPr/>
+        <p:nvPr/>
+      </p:nvGrpSpPr>
+      <p:grpSpPr>
+        <a:xfrm>
+          <a:off x="0" y="0"/>
+          <a:ext cx="0" cy="0"/>
+          <a:chOff x="0" y="0"/>
+          <a:chExt cx="0" cy="0"/>
+        </a:xfrm>
+      </p:grpSpPr>
+      <p:graphicFrame>
+        <p:nvGraphicFramePr>
+          <p:cNvPr id="2" name="표 4"/>
+          <p:cNvGraphicFramePr>
+            <a:graphicFrameLocks noGrp="1"/>
+          </p:cNvGraphicFramePr>
+          <p:nvPr/>
+        </p:nvGraphicFramePr>
+        <p:xfrm>
+          <a:off x="520441" y="1418253"/>
+          <a:ext cx="10897591" cy="4954555"/>
+        </p:xfrm>
+        <a:graphic>
+          <a:graphicData uri="http://schemas.openxmlformats.org/drawingml/2006/table">
+            <a:tbl>
+              <a:tblPr firstRow="1" bandRow="1">
+                <a:tableStyle styleId="{5C22544A-7EE6-4342-B048-85BDC9FD1C3A}" styleName="보통 스타일 2 - 강조 1">
+                  <a:wholeTbl>
+                    <a:tcTxStyle>
+                      <a:fontRef idx="minor">
+                        <a:prstClr val="black"/>
+                      </a:fontRef>
+                      <a:schemeClr val="dk1"/>
+                    </a:tcTxStyle>
+                    <a:tcStyle>
+                      <a:tcBdr>
+                        <a:left>
+                          <a:ln w="12700" cmpd="sng">
+                            <a:solidFill>
+                              <a:schemeClr val="lt1"/>
+                            </a:solidFill>
+                          </a:ln>
+                        </a:left>
+                        <a:right>
+                          <a:ln w="12700" cmpd="sng">
+                            <a:solidFill>
+                              <a:schemeClr val="lt1"/>
+                            </a:solidFill>
+                          </a:ln>
+                        </a:right>
+                        <a:top>
+                          <a:ln w="12700" cmpd="sng">
+                            <a:solidFill>
+                              <a:schemeClr val="lt1"/>
+                            </a:solidFill>
+                          </a:ln>
+                        </a:top>
+                        <a:bottom>
+                          <a:ln w="12700" cmpd="sng">
+                            <a:solidFill>
+                              <a:schemeClr val="lt1"/>
+                            </a:solidFill>
+                          </a:ln>
+                        </a:bottom>
+                        <a:insideH>
+                          <a:ln w="12700" cmpd="sng">
+                            <a:solidFill>
+                              <a:schemeClr val="lt1"/>
+                            </a:solidFill>
+                          </a:ln>
+                        </a:insideH>
+                        <a:insideV>
+                          <a:ln w="12700" cmpd="sng">
+                            <a:solidFill>
+                              <a:schemeClr val="lt1"/>
+                            </a:solidFill>
+                          </a:ln>
+                        </a:insideV>
+                      </a:tcBdr>
+                      <a:fill>
+                        <a:solidFill>
+                          <a:schemeClr val="accent1">
+                            <a:tint val="20000"/>
+                          </a:schemeClr>
+                        </a:solidFill>
+                      </a:fill>
+                    </a:tcStyle>
+                  </a:wholeTbl>
+                  <a:band1H>
+                    <a:tcTxStyle/>
+                    <a:tcStyle>
+                      <a:tcBdr/>
+                      <a:fill>
+                        <a:solidFill>
+                          <a:schemeClr val="accent1">
+                            <a:tint val="40000"/>
+                          </a:schemeClr>
+                        </a:solidFill>
+                      </a:fill>
+                    </a:tcStyle>
+                  </a:band1H>
+                  <a:band2H>
+                    <a:tcTxStyle/>
+                    <a:tcStyle>
+                      <a:tcBdr/>
+                    </a:tcStyle>
+                  </a:band2H>
+                  <a:band1V>
+                    <a:tcTxStyle/>
+                    <a:tcStyle>
+                      <a:tcBdr/>
+                      <a:fill>
+                        <a:solidFill>
+                          <a:schemeClr val="accent1">
+                            <a:tint val="40000"/>
+                          </a:schemeClr>
+                        </a:solidFill>
+                      </a:fill>
+                    </a:tcStyle>
+                  </a:band1V>
+                  <a:band2V>
+                    <a:tcTxStyle/>
+                    <a:tcStyle>
+                      <a:tcBdr/>
+                    </a:tcStyle>
+                  </a:band2V>
+                  <a:lastCol>
+                    <a:tcTxStyle b="on">
+                      <a:fontRef idx="minor">
+                        <a:prstClr val="black"/>
+                      </a:fontRef>
+                      <a:schemeClr val="lt1"/>
+                    </a:tcTxStyle>
+                    <a:tcStyle>
+                      <a:tcBdr/>
+                      <a:fill>
+                        <a:solidFill>
+                          <a:schemeClr val="accent1"/>
+                        </a:solidFill>
+                      </a:fill>
+                    </a:tcStyle>
+                  </a:lastCol>
+                  <a:firstCol>
+                    <a:tcTxStyle b="on">
+                      <a:fontRef idx="minor">
+                        <a:prstClr val="black"/>
+                      </a:fontRef>
+                      <a:schemeClr val="lt1"/>
+                    </a:tcTxStyle>
+                    <a:tcStyle>
+                      <a:tcBdr/>
+                      <a:fill>
+                        <a:solidFill>
+                          <a:schemeClr val="accent1"/>
+                        </a:solidFill>
+                      </a:fill>
+                    </a:tcStyle>
+                  </a:firstCol>
+                  <a:lastRow>
+                    <a:tcTxStyle b="on">
+                      <a:fontRef idx="minor">
+                        <a:prstClr val="black"/>
+                      </a:fontRef>
+                      <a:schemeClr val="lt1"/>
+                    </a:tcTxStyle>
+                    <a:tcStyle>
+                      <a:tcBdr>
+                        <a:top>
+                          <a:ln w="38100" cmpd="sng">
+                            <a:solidFill>
+                              <a:schemeClr val="lt1"/>
+                            </a:solidFill>
+                          </a:ln>
+                        </a:top>
+                      </a:tcBdr>
+                      <a:fill>
+                        <a:solidFill>
+                          <a:schemeClr val="accent1"/>
+                        </a:solidFill>
+                      </a:fill>
+                    </a:tcStyle>
+                  </a:lastRow>
+                  <a:firstRow>
+                    <a:tcTxStyle b="on">
+                      <a:fontRef idx="minor">
+                        <a:prstClr val="black"/>
+                      </a:fontRef>
+                      <a:schemeClr val="lt1"/>
+                    </a:tcTxStyle>
+                    <a:tcStyle>
+                      <a:tcBdr>
+                        <a:bottom>
+                          <a:ln w="38100" cmpd="sng">
+                            <a:solidFill>
+                              <a:schemeClr val="lt1"/>
+                            </a:solidFill>
+                          </a:ln>
+                        </a:bottom>
+                      </a:tcBdr>
+                      <a:fill>
+                        <a:solidFill>
+                          <a:schemeClr val="accent1"/>
+                        </a:solidFill>
+                      </a:fill>
+                    </a:tcStyle>
+                  </a:firstRow>
+                </a:tableStyle>
+              </a:tblPr>
+              <a:tblGrid>
+                <a:gridCol w="2179518"/>
+                <a:gridCol w="2179518"/>
+                <a:gridCol w="2179518"/>
+                <a:gridCol w="2179518"/>
+                <a:gridCol w="2179518"/>
+              </a:tblGrid>
+              <a:tr h="379509">
+                <a:tc gridSpan="2">
+                  <a:txBody>
+                    <a:bodyPr vert="horz" lIns="91440" tIns="45720" rIns="91440" bIns="45720" anchor="t" anchorCtr="0"/>
+                    <a:p>
+                      <a:pPr algn="ctr" latinLnBrk="1">
+                        <a:defRPr/>
+                      </a:pPr>
+                      <a:r>
+                        <a:rPr lang="en-US" altLang="ko-KR"/>
+                        <a:t>7</a:t>
+                      </a:r>
+                      <a:r>
+                        <a:rPr lang="ko-KR" altLang="en-US"/>
+                        <a:t>월</a:t>
+                      </a:r>
+                      <a:endParaRPr lang="ko-KR" altLang="en-US"/>
+                    </a:p>
+                  </a:txBody>
+                  <a:tcPr marL="91440" marR="91440"/>
+                </a:tc>
+                <a:tc hMerge="1">
+                  <a:txBody>
+                    <a:bodyPr/>
+                    <a:p>
+                      <a:pPr latinLnBrk="1">
+                        <a:defRPr/>
+                      </a:pPr>
+                      <a:endParaRPr lang="ko-KR" altLang="en-US"/>
+                    </a:p>
+                  </a:txBody>
+                  <a:tcPr marL="91440" marR="91440"/>
+                </a:tc>
+                <a:tc gridSpan="3">
+                  <a:txBody>
+                    <a:bodyPr vert="horz" lIns="91440" tIns="45720" rIns="91440" bIns="45720" anchor="t" anchorCtr="0"/>
+                    <a:p>
+                      <a:pPr algn="ctr" latinLnBrk="1">
+                        <a:defRPr/>
+                      </a:pPr>
+                      <a:r>
+                        <a:rPr lang="en-US" altLang="ko-KR"/>
+                        <a:t>8</a:t>
+                      </a:r>
+                      <a:r>
+                        <a:rPr lang="ko-KR" altLang="en-US"/>
+                        <a:t>월</a:t>
+                      </a:r>
+                      <a:endParaRPr lang="ko-KR" altLang="en-US"/>
+                    </a:p>
+                  </a:txBody>
+                  <a:tcPr marL="91440" marR="91440"/>
+                </a:tc>
+                <a:tc hMerge="1">
+                  <a:txBody>
+                    <a:bodyPr/>
+                    <a:p>
+                      <a:pPr latinLnBrk="1">
+                        <a:defRPr/>
+                      </a:pPr>
+                      <a:endParaRPr lang="ko-KR" altLang="en-US"/>
+                    </a:p>
+                  </a:txBody>
+                  <a:tcPr marL="91440" marR="91440"/>
+                </a:tc>
+                <a:tc hMerge="1">
+                  <a:txBody>
+                    <a:bodyPr/>
+                    <a:p>
+                      <a:pPr latinLnBrk="1">
+                        <a:defRPr/>
+                      </a:pPr>
+                      <a:endParaRPr lang="ko-KR" altLang="en-US"/>
+                    </a:p>
+                  </a:txBody>
+                  <a:tcPr marL="91440" marR="91440"/>
+                </a:tc>
+              </a:tr>
+              <a:tr h="379509">
+                <a:tc>
+                  <a:txBody>
+                    <a:bodyPr vert="horz" lIns="91440" tIns="45720" rIns="91440" bIns="45720" anchor="t" anchorCtr="0"/>
+                    <a:p>
+                      <a:pPr algn="ctr" latinLnBrk="1">
+                        <a:defRPr/>
+                      </a:pPr>
+                      <a:r>
+                        <a:rPr lang="en-US" altLang="ko-KR"/>
+                        <a:t>4</a:t>
+                      </a:r>
+                      <a:r>
+                        <a:rPr lang="ko-KR" altLang="en-US"/>
+                        <a:t>주차</a:t>
+                      </a:r>
+                      <a:endParaRPr lang="ko-KR" altLang="en-US"/>
+                    </a:p>
+                  </a:txBody>
+                  <a:tcPr marL="91440" marR="91440"/>
+                </a:tc>
+                <a:tc>
+                  <a:txBody>
+                    <a:bodyPr vert="horz" lIns="91440" tIns="45720" rIns="91440" bIns="45720" anchor="t" anchorCtr="0"/>
+                    <a:p>
+                      <a:pPr algn="ctr" latinLnBrk="1">
+                        <a:defRPr/>
+                      </a:pPr>
+                      <a:r>
+                        <a:rPr lang="en-US" altLang="ko-KR"/>
+                        <a:t>5</a:t>
+                      </a:r>
+                      <a:r>
+                        <a:rPr lang="ko-KR" altLang="en-US"/>
+                        <a:t>주차</a:t>
+                      </a:r>
+                      <a:endParaRPr lang="ko-KR" altLang="en-US"/>
+                    </a:p>
+                  </a:txBody>
+                  <a:tcPr marL="91440" marR="91440"/>
+                </a:tc>
+                <a:tc>
+                  <a:txBody>
+                    <a:bodyPr vert="horz" lIns="91440" tIns="45720" rIns="91440" bIns="45720" anchor="t" anchorCtr="0"/>
+                    <a:p>
+                      <a:pPr algn="ctr" latinLnBrk="1">
+                        <a:defRPr/>
+                      </a:pPr>
+                      <a:r>
+                        <a:rPr lang="en-US" altLang="ko-KR"/>
+                        <a:t>1</a:t>
+                      </a:r>
+                      <a:r>
+                        <a:rPr lang="ko-KR" altLang="en-US"/>
+                        <a:t>주차</a:t>
+                      </a:r>
+                      <a:endParaRPr lang="ko-KR" altLang="en-US"/>
+                    </a:p>
+                  </a:txBody>
+                  <a:tcPr marL="91440" marR="91440"/>
+                </a:tc>
+                <a:tc>
+                  <a:txBody>
+                    <a:bodyPr vert="horz" lIns="91440" tIns="45720" rIns="91440" bIns="45720" anchor="t" anchorCtr="0"/>
+                    <a:p>
+                      <a:pPr algn="ctr" latinLnBrk="1">
+                        <a:defRPr/>
+                      </a:pPr>
+                      <a:r>
+                        <a:rPr lang="en-US" altLang="ko-KR"/>
+                        <a:t>2</a:t>
+                      </a:r>
+                      <a:r>
+                        <a:rPr lang="ko-KR" altLang="en-US"/>
+                        <a:t>주차</a:t>
+                      </a:r>
+                      <a:endParaRPr lang="ko-KR" altLang="en-US"/>
+                    </a:p>
+                  </a:txBody>
+                  <a:tcPr marL="91440" marR="91440"/>
+                </a:tc>
+                <a:tc>
+                  <a:txBody>
+                    <a:bodyPr vert="horz" lIns="91440" tIns="45720" rIns="91440" bIns="45720" anchor="t" anchorCtr="0"/>
+                    <a:p>
+                      <a:pPr algn="ctr" latinLnBrk="1">
+                        <a:defRPr/>
+                      </a:pPr>
+                      <a:r>
+                        <a:rPr lang="en-US" altLang="ko-KR"/>
+                        <a:t>3</a:t>
+                      </a:r>
+                      <a:r>
+                        <a:rPr lang="ko-KR" altLang="en-US"/>
+                        <a:t>주차</a:t>
+                      </a:r>
+                      <a:endParaRPr lang="ko-KR" altLang="en-US"/>
+                    </a:p>
+                  </a:txBody>
+                  <a:tcPr marL="91440" marR="91440"/>
+                </a:tc>
+              </a:tr>
+              <a:tr h="4195537">
+                <a:tc gridSpan="5">
+                  <a:txBody>
+                    <a:bodyPr vert="horz" lIns="91440" tIns="45720" rIns="91440" bIns="45720" anchor="t" anchorCtr="0"/>
+                    <a:p>
+                      <a:pPr algn="ctr" latinLnBrk="1">
+                        <a:defRPr/>
+                      </a:pPr>
+                      <a:endParaRPr lang="ko-KR" altLang="en-US"/>
+                    </a:p>
+                  </a:txBody>
+                  <a:tcPr marL="91440" marR="91440"/>
+                </a:tc>
+                <a:tc hMerge="1">
+                  <a:txBody>
+                    <a:bodyPr/>
+                    <a:p>
+                      <a:pPr algn="ctr" latinLnBrk="1">
+                        <a:defRPr/>
+                      </a:pPr>
+                      <a:endParaRPr lang="ko-KR" altLang="en-US"/>
+                    </a:p>
+                  </a:txBody>
+                  <a:tcPr marL="91440" marR="91440"/>
+                </a:tc>
+                <a:tc hMerge="1">
+                  <a:txBody>
+                    <a:bodyPr/>
+                    <a:p>
+                      <a:pPr algn="ctr" latinLnBrk="1">
+                        <a:defRPr/>
+                      </a:pPr>
+                      <a:endParaRPr lang="ko-KR" altLang="en-US"/>
+                    </a:p>
+                  </a:txBody>
+                  <a:tcPr marL="91440" marR="91440"/>
+                </a:tc>
+                <a:tc hMerge="1">
+                  <a:txBody>
+                    <a:bodyPr/>
+                    <a:p>
+                      <a:pPr algn="ctr" latinLnBrk="1">
+                        <a:defRPr/>
+                      </a:pPr>
+                      <a:endParaRPr lang="ko-KR" altLang="en-US"/>
+                    </a:p>
+                  </a:txBody>
+                  <a:tcPr marL="91440" marR="91440"/>
+                </a:tc>
+                <a:tc hMerge="1">
+                  <a:txBody>
+                    <a:bodyPr/>
+                    <a:p>
+                      <a:pPr algn="ctr" latinLnBrk="1">
+                        <a:defRPr/>
+                      </a:pPr>
+                      <a:endParaRPr lang="ko-KR" altLang="en-US"/>
+                    </a:p>
+                  </a:txBody>
+                  <a:tcPr marL="91440" marR="91440"/>
+                </a:tc>
+              </a:tr>
+            </a:tbl>
+          </a:graphicData>
+        </a:graphic>
+      </p:graphicFrame>
+      <p:sp>
+        <p:nvSpPr>
+          <p:cNvPr id="3" name="직사각형 6"/>
+          <p:cNvSpPr/>
+          <p:nvPr/>
+        </p:nvSpPr>
+        <p:spPr>
+          <a:xfrm>
+            <a:off x="547440" y="2225534"/>
+            <a:ext cx="2165208" cy="774559"/>
+          </a:xfrm>
+          <a:prstGeom prst="rect">
+            <a:avLst/>
+          </a:prstGeom>
+          <a:solidFill>
+            <a:srgbClr val="7a7cc4"/>
+          </a:solidFill>
+          <a:ln w="0">
+            <a:noFill/>
+          </a:ln>
+        </p:spPr>
+        <p:style>
+          <a:lnRef idx="2">
+            <a:schemeClr val="accent1">
+              <a:shade val="50000"/>
+            </a:schemeClr>
+          </a:lnRef>
+          <a:fillRef idx="1">
+            <a:schemeClr val="accent1"/>
+          </a:fillRef>
+          <a:effectRef idx="0">
+            <a:schemeClr val="accent1"/>
+          </a:effectRef>
+          <a:fontRef idx="minor">
+            <a:schemeClr val="lt1"/>
+          </a:fontRef>
+        </p:style>
+        <p:txBody>
+          <a:bodyPr vert="horz" wrap="square" lIns="91440" tIns="45720" rIns="91440" bIns="45720" anchor="ctr">
+            <a:noAutofit/>
+          </a:bodyPr>
+          <a:lstStyle/>
+          <a:p>
+            <a:pPr marL="0" indent="0" algn="ctr" defTabSz="508000">
+              <a:buFontTx/>
+              <a:buNone/>
+              <a:defRPr/>
+            </a:pPr>
+            <a:r>
+              <a:rPr lang="ko-KR" altLang="en-US" sz="1500"/>
+              <a:t>아이디어 도출</a:t>
+            </a:r>
+            <a:endParaRPr lang="ko-KR" altLang="en-US" sz="1500"/>
+          </a:p>
+          <a:p>
+            <a:pPr marL="0" indent="0" algn="ctr" defTabSz="508000">
+              <a:buFontTx/>
+              <a:buNone/>
+              <a:defRPr/>
+            </a:pPr>
+            <a:r>
+              <a:rPr lang="ko-KR" altLang="en-US" sz="1500"/>
+              <a:t>및 주제 선정</a:t>
+            </a:r>
+            <a:endParaRPr lang="ko-KR" altLang="en-US" sz="1500"/>
+          </a:p>
+        </p:txBody>
+      </p:sp>
+      <p:sp>
+        <p:nvSpPr>
+          <p:cNvPr id="4" name="직사각형 6"/>
+          <p:cNvSpPr/>
+          <p:nvPr/>
+        </p:nvSpPr>
+        <p:spPr>
+          <a:xfrm>
+            <a:off x="2721257" y="3041720"/>
+            <a:ext cx="2165208" cy="774559"/>
+          </a:xfrm>
+          <a:prstGeom prst="rect">
+            <a:avLst/>
+          </a:prstGeom>
+          <a:solidFill>
+            <a:srgbClr val="7a7cc4"/>
+          </a:solidFill>
+          <a:ln w="0">
+            <a:noFill/>
+          </a:ln>
+        </p:spPr>
+        <p:style>
+          <a:lnRef idx="2">
+            <a:schemeClr val="accent1">
+              <a:shade val="50000"/>
+            </a:schemeClr>
+          </a:lnRef>
+          <a:fillRef idx="1">
+            <a:schemeClr val="accent1"/>
+          </a:fillRef>
+          <a:effectRef idx="0">
+            <a:schemeClr val="accent1"/>
+          </a:effectRef>
+          <a:fontRef idx="minor">
+            <a:schemeClr val="lt1"/>
+          </a:fontRef>
+        </p:style>
+        <p:txBody>
+          <a:bodyPr vert="horz" wrap="square" lIns="91440" tIns="45720" rIns="91440" bIns="45720" anchor="ctr">
+            <a:noAutofit/>
+          </a:bodyPr>
+          <a:lstStyle/>
+          <a:p>
+            <a:pPr marL="0" indent="0" algn="ctr" defTabSz="508000">
+              <a:buFontTx/>
+              <a:buNone/>
+              <a:defRPr/>
+            </a:pPr>
+            <a:r>
+              <a:rPr lang="ko-KR" altLang="en-US" sz="1500"/>
+              <a:t>요구사항 수집 및 분석</a:t>
+            </a:r>
+            <a:endParaRPr lang="ko-KR" altLang="en-US" sz="1500"/>
+          </a:p>
+        </p:txBody>
+      </p:sp>
+      <p:sp>
+        <p:nvSpPr>
+          <p:cNvPr id="5" name="직사각형 6"/>
+          <p:cNvSpPr/>
+          <p:nvPr/>
+        </p:nvSpPr>
+        <p:spPr>
+          <a:xfrm>
+            <a:off x="2728313" y="3894878"/>
+            <a:ext cx="2165208" cy="774559"/>
+          </a:xfrm>
+          <a:prstGeom prst="rect">
+            <a:avLst/>
+          </a:prstGeom>
+          <a:solidFill>
+            <a:srgbClr val="7a7cc4"/>
+          </a:solidFill>
+          <a:ln w="0">
+            <a:noFill/>
+          </a:ln>
+        </p:spPr>
+        <p:style>
+          <a:lnRef idx="2">
+            <a:schemeClr val="accent1">
+              <a:shade val="50000"/>
+            </a:schemeClr>
+          </a:lnRef>
+          <a:fillRef idx="1">
+            <a:schemeClr val="accent1"/>
+          </a:fillRef>
+          <a:effectRef idx="0">
+            <a:schemeClr val="accent1"/>
+          </a:effectRef>
+          <a:fontRef idx="minor">
+            <a:schemeClr val="lt1"/>
+          </a:fontRef>
+        </p:style>
+        <p:txBody>
+          <a:bodyPr vert="horz" wrap="square" lIns="91440" tIns="45720" rIns="91440" bIns="45720" anchor="ctr">
+            <a:noAutofit/>
+          </a:bodyPr>
+          <a:lstStyle/>
+          <a:p>
+            <a:pPr marL="0" indent="0" algn="ctr" defTabSz="508000">
+              <a:buFontTx/>
+              <a:buNone/>
+              <a:defRPr/>
+            </a:pPr>
+            <a:r>
+              <a:rPr lang="ko-KR" altLang="en-US" sz="1500"/>
+              <a:t>관련 기술 자료 조사</a:t>
+            </a:r>
+            <a:endParaRPr lang="ko-KR" altLang="en-US" sz="1500"/>
+          </a:p>
+        </p:txBody>
+      </p:sp>
+      <p:sp>
+        <p:nvSpPr>
+          <p:cNvPr id="6" name="직사각형 6"/>
+          <p:cNvSpPr/>
+          <p:nvPr/>
+        </p:nvSpPr>
+        <p:spPr>
+          <a:xfrm>
+            <a:off x="4908620" y="2254461"/>
+            <a:ext cx="2165208" cy="774559"/>
+          </a:xfrm>
+          <a:prstGeom prst="rect">
+            <a:avLst/>
+          </a:prstGeom>
+          <a:solidFill>
+            <a:srgbClr val="7a7cc4"/>
+          </a:solidFill>
+          <a:ln w="0">
+            <a:noFill/>
+          </a:ln>
+        </p:spPr>
+        <p:style>
+          <a:lnRef idx="2">
+            <a:schemeClr val="accent1">
+              <a:shade val="50000"/>
+            </a:schemeClr>
+          </a:lnRef>
+          <a:fillRef idx="1">
+            <a:schemeClr val="accent1"/>
+          </a:fillRef>
+          <a:effectRef idx="0">
+            <a:schemeClr val="accent1"/>
+          </a:effectRef>
+          <a:fontRef idx="minor">
+            <a:schemeClr val="lt1"/>
+          </a:fontRef>
+        </p:style>
+        <p:txBody>
+          <a:bodyPr vert="horz" wrap="square" lIns="91440" tIns="45720" rIns="91440" bIns="45720" anchor="ctr">
+            <a:noAutofit/>
+          </a:bodyPr>
+          <a:lstStyle/>
+          <a:p>
+            <a:pPr marL="0" indent="0" algn="ctr" defTabSz="508000">
+              <a:buFontTx/>
+              <a:buNone/>
+              <a:defRPr/>
+            </a:pPr>
+            <a:r>
+              <a:rPr lang="ko-KR" altLang="en-US" sz="1500"/>
+              <a:t>계획 및 일정 수립</a:t>
+            </a:r>
+            <a:endParaRPr lang="ko-KR" altLang="en-US" sz="1500"/>
+          </a:p>
+        </p:txBody>
+      </p:sp>
+      <p:sp>
+        <p:nvSpPr>
+          <p:cNvPr id="7" name="직사각형 6"/>
+          <p:cNvSpPr/>
+          <p:nvPr/>
+        </p:nvSpPr>
+        <p:spPr>
+          <a:xfrm>
+            <a:off x="4946721" y="4692861"/>
+            <a:ext cx="4298809" cy="774559"/>
+          </a:xfrm>
+          <a:prstGeom prst="rect">
+            <a:avLst/>
+          </a:prstGeom>
+          <a:solidFill>
+            <a:srgbClr val="7a7cc4"/>
+          </a:solidFill>
+          <a:ln w="0">
+            <a:noFill/>
+          </a:ln>
+        </p:spPr>
+        <p:style>
+          <a:lnRef idx="2">
+            <a:schemeClr val="accent1">
+              <a:shade val="50000"/>
+            </a:schemeClr>
+          </a:lnRef>
+          <a:fillRef idx="1">
+            <a:schemeClr val="accent1"/>
+          </a:fillRef>
+          <a:effectRef idx="0">
+            <a:schemeClr val="accent1"/>
+          </a:effectRef>
+          <a:fontRef idx="minor">
+            <a:schemeClr val="lt1"/>
+          </a:fontRef>
+        </p:style>
+        <p:txBody>
+          <a:bodyPr vert="horz" wrap="square" lIns="91440" tIns="45720" rIns="91440" bIns="45720" anchor="ctr">
+            <a:noAutofit/>
+          </a:bodyPr>
+          <a:lstStyle/>
+          <a:p>
+            <a:pPr marL="0" indent="0" algn="ctr" defTabSz="508000">
+              <a:buFontTx/>
+              <a:buNone/>
+              <a:defRPr/>
+            </a:pPr>
+            <a:r>
+              <a:rPr lang="ko-KR" altLang="en-US" sz="1500"/>
+              <a:t>화면 구성 및 코드 작업</a:t>
+            </a:r>
+            <a:endParaRPr lang="ko-KR" altLang="en-US" sz="1500"/>
+          </a:p>
+        </p:txBody>
+      </p:sp>
+      <p:sp>
+        <p:nvSpPr>
+          <p:cNvPr id="8" name="직사각형 6"/>
+          <p:cNvSpPr/>
+          <p:nvPr/>
+        </p:nvSpPr>
+        <p:spPr>
+          <a:xfrm>
+            <a:off x="9261545" y="3816562"/>
+            <a:ext cx="2165208" cy="774559"/>
+          </a:xfrm>
+          <a:prstGeom prst="rect">
+            <a:avLst/>
+          </a:prstGeom>
+          <a:solidFill>
+            <a:srgbClr val="7a7cc4"/>
+          </a:solidFill>
+          <a:ln w="0">
+            <a:noFill/>
+          </a:ln>
+        </p:spPr>
+        <p:style>
+          <a:lnRef idx="2">
+            <a:schemeClr val="accent1">
+              <a:shade val="50000"/>
+            </a:schemeClr>
+          </a:lnRef>
+          <a:fillRef idx="1">
+            <a:schemeClr val="accent1"/>
+          </a:fillRef>
+          <a:effectRef idx="0">
+            <a:schemeClr val="accent1"/>
+          </a:effectRef>
+          <a:fontRef idx="minor">
+            <a:schemeClr val="lt1"/>
+          </a:fontRef>
+        </p:style>
+        <p:txBody>
+          <a:bodyPr vert="horz" wrap="square" lIns="91440" tIns="45720" rIns="91440" bIns="45720" anchor="ctr">
+            <a:noAutofit/>
+          </a:bodyPr>
+          <a:lstStyle/>
+          <a:p>
+            <a:pPr marL="0" indent="0" algn="ctr" defTabSz="508000">
+              <a:buFontTx/>
+              <a:buNone/>
+              <a:defRPr/>
+            </a:pPr>
+            <a:r>
+              <a:rPr lang="en-US" altLang="ko-KR" sz="1500"/>
+              <a:t>prototype</a:t>
+            </a:r>
+            <a:r>
+              <a:rPr lang="ko-KR" altLang="en-US" sz="1500"/>
+              <a:t> 검증</a:t>
+            </a:r>
+            <a:endParaRPr lang="ko-KR" altLang="en-US" sz="1500"/>
           </a:p>
         </p:txBody>
       </p:sp>
@@ -8913,782 +9606,6 @@
           <a:chExt cx="0" cy="0"/>
         </a:xfrm>
       </p:grpSpPr>
-      <p:graphicFrame>
-        <p:nvGraphicFramePr>
-          <p:cNvPr id="2" name="표 4"/>
-          <p:cNvGraphicFramePr>
-            <a:graphicFrameLocks noGrp="1"/>
-          </p:cNvGraphicFramePr>
-          <p:nvPr/>
-        </p:nvGraphicFramePr>
-        <p:xfrm>
-          <a:off x="520441" y="1418253"/>
-          <a:ext cx="10897591" cy="4954555"/>
-        </p:xfrm>
-        <a:graphic>
-          <a:graphicData uri="http://schemas.openxmlformats.org/drawingml/2006/table">
-            <a:tbl>
-              <a:tblPr firstRow="1" bandRow="1">
-                <a:tableStyle styleId="{5C22544A-7EE6-4342-B048-85BDC9FD1C3A}" styleName="보통 스타일 2 - 강조 1">
-                  <a:wholeTbl>
-                    <a:tcTxStyle>
-                      <a:fontRef idx="minor">
-                        <a:prstClr val="black"/>
-                      </a:fontRef>
-                      <a:schemeClr val="dk1"/>
-                    </a:tcTxStyle>
-                    <a:tcStyle>
-                      <a:tcBdr>
-                        <a:left>
-                          <a:ln w="12700" cmpd="sng">
-                            <a:solidFill>
-                              <a:schemeClr val="lt1"/>
-                            </a:solidFill>
-                          </a:ln>
-                        </a:left>
-                        <a:right>
-                          <a:ln w="12700" cmpd="sng">
-                            <a:solidFill>
-                              <a:schemeClr val="lt1"/>
-                            </a:solidFill>
-                          </a:ln>
-                        </a:right>
-                        <a:top>
-                          <a:ln w="12700" cmpd="sng">
-                            <a:solidFill>
-                              <a:schemeClr val="lt1"/>
-                            </a:solidFill>
-                          </a:ln>
-                        </a:top>
-                        <a:bottom>
-                          <a:ln w="12700" cmpd="sng">
-                            <a:solidFill>
-                              <a:schemeClr val="lt1"/>
-                            </a:solidFill>
-                          </a:ln>
-                        </a:bottom>
-                        <a:insideH>
-                          <a:ln w="12700" cmpd="sng">
-                            <a:solidFill>
-                              <a:schemeClr val="lt1"/>
-                            </a:solidFill>
-                          </a:ln>
-                        </a:insideH>
-                        <a:insideV>
-                          <a:ln w="12700" cmpd="sng">
-                            <a:solidFill>
-                              <a:schemeClr val="lt1"/>
-                            </a:solidFill>
-                          </a:ln>
-                        </a:insideV>
-                      </a:tcBdr>
-                      <a:fill>
-                        <a:solidFill>
-                          <a:schemeClr val="accent1">
-                            <a:tint val="20000"/>
-                          </a:schemeClr>
-                        </a:solidFill>
-                      </a:fill>
-                    </a:tcStyle>
-                  </a:wholeTbl>
-                  <a:band1H>
-                    <a:tcTxStyle/>
-                    <a:tcStyle>
-                      <a:tcBdr/>
-                      <a:fill>
-                        <a:solidFill>
-                          <a:schemeClr val="accent1">
-                            <a:tint val="40000"/>
-                          </a:schemeClr>
-                        </a:solidFill>
-                      </a:fill>
-                    </a:tcStyle>
-                  </a:band1H>
-                  <a:band2H>
-                    <a:tcTxStyle/>
-                    <a:tcStyle>
-                      <a:tcBdr/>
-                    </a:tcStyle>
-                  </a:band2H>
-                  <a:band1V>
-                    <a:tcTxStyle/>
-                    <a:tcStyle>
-                      <a:tcBdr/>
-                      <a:fill>
-                        <a:solidFill>
-                          <a:schemeClr val="accent1">
-                            <a:tint val="40000"/>
-                          </a:schemeClr>
-                        </a:solidFill>
-                      </a:fill>
-                    </a:tcStyle>
-                  </a:band1V>
-                  <a:band2V>
-                    <a:tcTxStyle/>
-                    <a:tcStyle>
-                      <a:tcBdr/>
-                    </a:tcStyle>
-                  </a:band2V>
-                  <a:lastCol>
-                    <a:tcTxStyle b="on">
-                      <a:fontRef idx="minor">
-                        <a:prstClr val="black"/>
-                      </a:fontRef>
-                      <a:schemeClr val="lt1"/>
-                    </a:tcTxStyle>
-                    <a:tcStyle>
-                      <a:tcBdr/>
-                      <a:fill>
-                        <a:solidFill>
-                          <a:schemeClr val="accent1"/>
-                        </a:solidFill>
-                      </a:fill>
-                    </a:tcStyle>
-                  </a:lastCol>
-                  <a:firstCol>
-                    <a:tcTxStyle b="on">
-                      <a:fontRef idx="minor">
-                        <a:prstClr val="black"/>
-                      </a:fontRef>
-                      <a:schemeClr val="lt1"/>
-                    </a:tcTxStyle>
-                    <a:tcStyle>
-                      <a:tcBdr/>
-                      <a:fill>
-                        <a:solidFill>
-                          <a:schemeClr val="accent1"/>
-                        </a:solidFill>
-                      </a:fill>
-                    </a:tcStyle>
-                  </a:firstCol>
-                  <a:lastRow>
-                    <a:tcTxStyle b="on">
-                      <a:fontRef idx="minor">
-                        <a:prstClr val="black"/>
-                      </a:fontRef>
-                      <a:schemeClr val="lt1"/>
-                    </a:tcTxStyle>
-                    <a:tcStyle>
-                      <a:tcBdr>
-                        <a:top>
-                          <a:ln w="38100" cmpd="sng">
-                            <a:solidFill>
-                              <a:schemeClr val="lt1"/>
-                            </a:solidFill>
-                          </a:ln>
-                        </a:top>
-                      </a:tcBdr>
-                      <a:fill>
-                        <a:solidFill>
-                          <a:schemeClr val="accent1"/>
-                        </a:solidFill>
-                      </a:fill>
-                    </a:tcStyle>
-                  </a:lastRow>
-                  <a:firstRow>
-                    <a:tcTxStyle b="on">
-                      <a:fontRef idx="minor">
-                        <a:prstClr val="black"/>
-                      </a:fontRef>
-                      <a:schemeClr val="lt1"/>
-                    </a:tcTxStyle>
-                    <a:tcStyle>
-                      <a:tcBdr>
-                        <a:bottom>
-                          <a:ln w="38100" cmpd="sng">
-                            <a:solidFill>
-                              <a:schemeClr val="lt1"/>
-                            </a:solidFill>
-                          </a:ln>
-                        </a:bottom>
-                      </a:tcBdr>
-                      <a:fill>
-                        <a:solidFill>
-                          <a:schemeClr val="accent1"/>
-                        </a:solidFill>
-                      </a:fill>
-                    </a:tcStyle>
-                  </a:firstRow>
-                </a:tableStyle>
-              </a:tblPr>
-              <a:tblGrid>
-                <a:gridCol w="2179518"/>
-                <a:gridCol w="2179518"/>
-                <a:gridCol w="2179518"/>
-                <a:gridCol w="2179518"/>
-                <a:gridCol w="2179518"/>
-              </a:tblGrid>
-              <a:tr h="379509">
-                <a:tc gridSpan="2">
-                  <a:txBody>
-                    <a:bodyPr vert="horz" lIns="91440" tIns="45720" rIns="91440" bIns="45720" anchor="t" anchorCtr="0"/>
-                    <a:p>
-                      <a:pPr algn="ctr" latinLnBrk="1">
-                        <a:defRPr/>
-                      </a:pPr>
-                      <a:r>
-                        <a:rPr lang="en-US" altLang="ko-KR"/>
-                        <a:t>7</a:t>
-                      </a:r>
-                      <a:r>
-                        <a:rPr lang="ko-KR" altLang="en-US"/>
-                        <a:t>월</a:t>
-                      </a:r>
-                      <a:endParaRPr lang="ko-KR" altLang="en-US"/>
-                    </a:p>
-                  </a:txBody>
-                  <a:tcPr marL="91440" marR="91440"/>
-                </a:tc>
-                <a:tc hMerge="1">
-                  <a:txBody>
-                    <a:bodyPr/>
-                    <a:p>
-                      <a:pPr latinLnBrk="1">
-                        <a:defRPr/>
-                      </a:pPr>
-                      <a:endParaRPr lang="ko-KR" altLang="en-US"/>
-                    </a:p>
-                  </a:txBody>
-                  <a:tcPr marL="91440" marR="91440"/>
-                </a:tc>
-                <a:tc gridSpan="3">
-                  <a:txBody>
-                    <a:bodyPr vert="horz" lIns="91440" tIns="45720" rIns="91440" bIns="45720" anchor="t" anchorCtr="0"/>
-                    <a:p>
-                      <a:pPr algn="ctr" latinLnBrk="1">
-                        <a:defRPr/>
-                      </a:pPr>
-                      <a:r>
-                        <a:rPr lang="en-US" altLang="ko-KR"/>
-                        <a:t>8</a:t>
-                      </a:r>
-                      <a:r>
-                        <a:rPr lang="ko-KR" altLang="en-US"/>
-                        <a:t>월</a:t>
-                      </a:r>
-                      <a:endParaRPr lang="ko-KR" altLang="en-US"/>
-                    </a:p>
-                  </a:txBody>
-                  <a:tcPr marL="91440" marR="91440"/>
-                </a:tc>
-                <a:tc hMerge="1">
-                  <a:txBody>
-                    <a:bodyPr/>
-                    <a:p>
-                      <a:pPr latinLnBrk="1">
-                        <a:defRPr/>
-                      </a:pPr>
-                      <a:endParaRPr lang="ko-KR" altLang="en-US"/>
-                    </a:p>
-                  </a:txBody>
-                  <a:tcPr marL="91440" marR="91440"/>
-                </a:tc>
-                <a:tc hMerge="1">
-                  <a:txBody>
-                    <a:bodyPr/>
-                    <a:p>
-                      <a:pPr latinLnBrk="1">
-                        <a:defRPr/>
-                      </a:pPr>
-                      <a:endParaRPr lang="ko-KR" altLang="en-US"/>
-                    </a:p>
-                  </a:txBody>
-                  <a:tcPr marL="91440" marR="91440"/>
-                </a:tc>
-              </a:tr>
-              <a:tr h="379509">
-                <a:tc>
-                  <a:txBody>
-                    <a:bodyPr vert="horz" lIns="91440" tIns="45720" rIns="91440" bIns="45720" anchor="t" anchorCtr="0"/>
-                    <a:p>
-                      <a:pPr algn="ctr" latinLnBrk="1">
-                        <a:defRPr/>
-                      </a:pPr>
-                      <a:r>
-                        <a:rPr lang="en-US" altLang="ko-KR"/>
-                        <a:t>4</a:t>
-                      </a:r>
-                      <a:r>
-                        <a:rPr lang="ko-KR" altLang="en-US"/>
-                        <a:t>주차</a:t>
-                      </a:r>
-                      <a:endParaRPr lang="ko-KR" altLang="en-US"/>
-                    </a:p>
-                  </a:txBody>
-                  <a:tcPr marL="91440" marR="91440"/>
-                </a:tc>
-                <a:tc>
-                  <a:txBody>
-                    <a:bodyPr vert="horz" lIns="91440" tIns="45720" rIns="91440" bIns="45720" anchor="t" anchorCtr="0"/>
-                    <a:p>
-                      <a:pPr algn="ctr" latinLnBrk="1">
-                        <a:defRPr/>
-                      </a:pPr>
-                      <a:r>
-                        <a:rPr lang="en-US" altLang="ko-KR"/>
-                        <a:t>5</a:t>
-                      </a:r>
-                      <a:r>
-                        <a:rPr lang="ko-KR" altLang="en-US"/>
-                        <a:t>주차</a:t>
-                      </a:r>
-                      <a:endParaRPr lang="ko-KR" altLang="en-US"/>
-                    </a:p>
-                  </a:txBody>
-                  <a:tcPr marL="91440" marR="91440"/>
-                </a:tc>
-                <a:tc>
-                  <a:txBody>
-                    <a:bodyPr vert="horz" lIns="91440" tIns="45720" rIns="91440" bIns="45720" anchor="t" anchorCtr="0"/>
-                    <a:p>
-                      <a:pPr algn="ctr" latinLnBrk="1">
-                        <a:defRPr/>
-                      </a:pPr>
-                      <a:r>
-                        <a:rPr lang="en-US" altLang="ko-KR"/>
-                        <a:t>1</a:t>
-                      </a:r>
-                      <a:r>
-                        <a:rPr lang="ko-KR" altLang="en-US"/>
-                        <a:t>주차</a:t>
-                      </a:r>
-                      <a:endParaRPr lang="ko-KR" altLang="en-US"/>
-                    </a:p>
-                  </a:txBody>
-                  <a:tcPr marL="91440" marR="91440"/>
-                </a:tc>
-                <a:tc>
-                  <a:txBody>
-                    <a:bodyPr vert="horz" lIns="91440" tIns="45720" rIns="91440" bIns="45720" anchor="t" anchorCtr="0"/>
-                    <a:p>
-                      <a:pPr algn="ctr" latinLnBrk="1">
-                        <a:defRPr/>
-                      </a:pPr>
-                      <a:r>
-                        <a:rPr lang="en-US" altLang="ko-KR"/>
-                        <a:t>2</a:t>
-                      </a:r>
-                      <a:r>
-                        <a:rPr lang="ko-KR" altLang="en-US"/>
-                        <a:t>주차</a:t>
-                      </a:r>
-                      <a:endParaRPr lang="ko-KR" altLang="en-US"/>
-                    </a:p>
-                  </a:txBody>
-                  <a:tcPr marL="91440" marR="91440"/>
-                </a:tc>
-                <a:tc>
-                  <a:txBody>
-                    <a:bodyPr vert="horz" lIns="91440" tIns="45720" rIns="91440" bIns="45720" anchor="t" anchorCtr="0"/>
-                    <a:p>
-                      <a:pPr algn="ctr" latinLnBrk="1">
-                        <a:defRPr/>
-                      </a:pPr>
-                      <a:r>
-                        <a:rPr lang="en-US" altLang="ko-KR"/>
-                        <a:t>3</a:t>
-                      </a:r>
-                      <a:r>
-                        <a:rPr lang="ko-KR" altLang="en-US"/>
-                        <a:t>주차</a:t>
-                      </a:r>
-                      <a:endParaRPr lang="ko-KR" altLang="en-US"/>
-                    </a:p>
-                  </a:txBody>
-                  <a:tcPr marL="91440" marR="91440"/>
-                </a:tc>
-              </a:tr>
-              <a:tr h="4195537">
-                <a:tc gridSpan="5">
-                  <a:txBody>
-                    <a:bodyPr vert="horz" lIns="91440" tIns="45720" rIns="91440" bIns="45720" anchor="t" anchorCtr="0"/>
-                    <a:p>
-                      <a:pPr algn="ctr" latinLnBrk="1">
-                        <a:defRPr/>
-                      </a:pPr>
-                      <a:endParaRPr lang="ko-KR" altLang="en-US"/>
-                    </a:p>
-                  </a:txBody>
-                  <a:tcPr marL="91440" marR="91440"/>
-                </a:tc>
-                <a:tc hMerge="1">
-                  <a:txBody>
-                    <a:bodyPr/>
-                    <a:p>
-                      <a:pPr algn="ctr" latinLnBrk="1">
-                        <a:defRPr/>
-                      </a:pPr>
-                      <a:endParaRPr lang="ko-KR" altLang="en-US"/>
-                    </a:p>
-                  </a:txBody>
-                  <a:tcPr marL="91440" marR="91440"/>
-                </a:tc>
-                <a:tc hMerge="1">
-                  <a:txBody>
-                    <a:bodyPr/>
-                    <a:p>
-                      <a:pPr algn="ctr" latinLnBrk="1">
-                        <a:defRPr/>
-                      </a:pPr>
-                      <a:endParaRPr lang="ko-KR" altLang="en-US"/>
-                    </a:p>
-                  </a:txBody>
-                  <a:tcPr marL="91440" marR="91440"/>
-                </a:tc>
-                <a:tc hMerge="1">
-                  <a:txBody>
-                    <a:bodyPr/>
-                    <a:p>
-                      <a:pPr algn="ctr" latinLnBrk="1">
-                        <a:defRPr/>
-                      </a:pPr>
-                      <a:endParaRPr lang="ko-KR" altLang="en-US"/>
-                    </a:p>
-                  </a:txBody>
-                  <a:tcPr marL="91440" marR="91440"/>
-                </a:tc>
-                <a:tc hMerge="1">
-                  <a:txBody>
-                    <a:bodyPr/>
-                    <a:p>
-                      <a:pPr algn="ctr" latinLnBrk="1">
-                        <a:defRPr/>
-                      </a:pPr>
-                      <a:endParaRPr lang="ko-KR" altLang="en-US"/>
-                    </a:p>
-                  </a:txBody>
-                  <a:tcPr marL="91440" marR="91440"/>
-                </a:tc>
-              </a:tr>
-            </a:tbl>
-          </a:graphicData>
-        </a:graphic>
-      </p:graphicFrame>
-      <p:sp>
-        <p:nvSpPr>
-          <p:cNvPr id="3" name="직사각형 6"/>
-          <p:cNvSpPr/>
-          <p:nvPr/>
-        </p:nvSpPr>
-        <p:spPr>
-          <a:xfrm>
-            <a:off x="547440" y="2225534"/>
-            <a:ext cx="2165208" cy="774559"/>
-          </a:xfrm>
-          <a:prstGeom prst="rect">
-            <a:avLst/>
-          </a:prstGeom>
-          <a:solidFill>
-            <a:srgbClr val="7a7cc4"/>
-          </a:solidFill>
-          <a:ln w="0">
-            <a:noFill/>
-          </a:ln>
-        </p:spPr>
-        <p:style>
-          <a:lnRef idx="2">
-            <a:schemeClr val="accent1">
-              <a:shade val="50000"/>
-            </a:schemeClr>
-          </a:lnRef>
-          <a:fillRef idx="1">
-            <a:schemeClr val="accent1"/>
-          </a:fillRef>
-          <a:effectRef idx="0">
-            <a:schemeClr val="accent1"/>
-          </a:effectRef>
-          <a:fontRef idx="minor">
-            <a:schemeClr val="lt1"/>
-          </a:fontRef>
-        </p:style>
-        <p:txBody>
-          <a:bodyPr vert="horz" wrap="square" lIns="91440" tIns="45720" rIns="91440" bIns="45720" anchor="ctr">
-            <a:noAutofit/>
-          </a:bodyPr>
-          <a:lstStyle/>
-          <a:p>
-            <a:pPr marL="0" indent="0" algn="ctr" defTabSz="508000">
-              <a:buFontTx/>
-              <a:buNone/>
-              <a:defRPr/>
-            </a:pPr>
-            <a:r>
-              <a:rPr lang="ko-KR" altLang="en-US" sz="1500"/>
-              <a:t>아이디어 도출</a:t>
-            </a:r>
-            <a:endParaRPr lang="ko-KR" altLang="en-US" sz="1500"/>
-          </a:p>
-          <a:p>
-            <a:pPr marL="0" indent="0" algn="ctr" defTabSz="508000">
-              <a:buFontTx/>
-              <a:buNone/>
-              <a:defRPr/>
-            </a:pPr>
-            <a:r>
-              <a:rPr lang="ko-KR" altLang="en-US" sz="1500"/>
-              <a:t>및 주제 선정</a:t>
-            </a:r>
-            <a:endParaRPr lang="ko-KR" altLang="en-US" sz="1500"/>
-          </a:p>
-        </p:txBody>
-      </p:sp>
-      <p:sp>
-        <p:nvSpPr>
-          <p:cNvPr id="4" name="직사각형 6"/>
-          <p:cNvSpPr/>
-          <p:nvPr/>
-        </p:nvSpPr>
-        <p:spPr>
-          <a:xfrm>
-            <a:off x="2721257" y="3041720"/>
-            <a:ext cx="2165208" cy="774559"/>
-          </a:xfrm>
-          <a:prstGeom prst="rect">
-            <a:avLst/>
-          </a:prstGeom>
-          <a:solidFill>
-            <a:srgbClr val="7a7cc4"/>
-          </a:solidFill>
-          <a:ln w="0">
-            <a:noFill/>
-          </a:ln>
-        </p:spPr>
-        <p:style>
-          <a:lnRef idx="2">
-            <a:schemeClr val="accent1">
-              <a:shade val="50000"/>
-            </a:schemeClr>
-          </a:lnRef>
-          <a:fillRef idx="1">
-            <a:schemeClr val="accent1"/>
-          </a:fillRef>
-          <a:effectRef idx="0">
-            <a:schemeClr val="accent1"/>
-          </a:effectRef>
-          <a:fontRef idx="minor">
-            <a:schemeClr val="lt1"/>
-          </a:fontRef>
-        </p:style>
-        <p:txBody>
-          <a:bodyPr vert="horz" wrap="square" lIns="91440" tIns="45720" rIns="91440" bIns="45720" anchor="ctr">
-            <a:noAutofit/>
-          </a:bodyPr>
-          <a:lstStyle/>
-          <a:p>
-            <a:pPr marL="0" indent="0" algn="ctr" defTabSz="508000">
-              <a:buFontTx/>
-              <a:buNone/>
-              <a:defRPr/>
-            </a:pPr>
-            <a:r>
-              <a:rPr lang="ko-KR" altLang="en-US" sz="1500"/>
-              <a:t>요구사항 수집 및 분석</a:t>
-            </a:r>
-            <a:endParaRPr lang="ko-KR" altLang="en-US" sz="1500"/>
-          </a:p>
-        </p:txBody>
-      </p:sp>
-      <p:sp>
-        <p:nvSpPr>
-          <p:cNvPr id="5" name="직사각형 6"/>
-          <p:cNvSpPr/>
-          <p:nvPr/>
-        </p:nvSpPr>
-        <p:spPr>
-          <a:xfrm>
-            <a:off x="2728313" y="3894878"/>
-            <a:ext cx="2165208" cy="774559"/>
-          </a:xfrm>
-          <a:prstGeom prst="rect">
-            <a:avLst/>
-          </a:prstGeom>
-          <a:solidFill>
-            <a:srgbClr val="7a7cc4"/>
-          </a:solidFill>
-          <a:ln w="0">
-            <a:noFill/>
-          </a:ln>
-        </p:spPr>
-        <p:style>
-          <a:lnRef idx="2">
-            <a:schemeClr val="accent1">
-              <a:shade val="50000"/>
-            </a:schemeClr>
-          </a:lnRef>
-          <a:fillRef idx="1">
-            <a:schemeClr val="accent1"/>
-          </a:fillRef>
-          <a:effectRef idx="0">
-            <a:schemeClr val="accent1"/>
-          </a:effectRef>
-          <a:fontRef idx="minor">
-            <a:schemeClr val="lt1"/>
-          </a:fontRef>
-        </p:style>
-        <p:txBody>
-          <a:bodyPr vert="horz" wrap="square" lIns="91440" tIns="45720" rIns="91440" bIns="45720" anchor="ctr">
-            <a:noAutofit/>
-          </a:bodyPr>
-          <a:lstStyle/>
-          <a:p>
-            <a:pPr marL="0" indent="0" algn="ctr" defTabSz="508000">
-              <a:buFontTx/>
-              <a:buNone/>
-              <a:defRPr/>
-            </a:pPr>
-            <a:r>
-              <a:rPr lang="ko-KR" altLang="en-US" sz="1500"/>
-              <a:t>관련 기술 자료 조사</a:t>
-            </a:r>
-            <a:endParaRPr lang="ko-KR" altLang="en-US" sz="1500"/>
-          </a:p>
-        </p:txBody>
-      </p:sp>
-      <p:sp>
-        <p:nvSpPr>
-          <p:cNvPr id="6" name="직사각형 6"/>
-          <p:cNvSpPr/>
-          <p:nvPr/>
-        </p:nvSpPr>
-        <p:spPr>
-          <a:xfrm>
-            <a:off x="4908620" y="2254461"/>
-            <a:ext cx="2165208" cy="774559"/>
-          </a:xfrm>
-          <a:prstGeom prst="rect">
-            <a:avLst/>
-          </a:prstGeom>
-          <a:solidFill>
-            <a:srgbClr val="7a7cc4"/>
-          </a:solidFill>
-          <a:ln w="0">
-            <a:noFill/>
-          </a:ln>
-        </p:spPr>
-        <p:style>
-          <a:lnRef idx="2">
-            <a:schemeClr val="accent1">
-              <a:shade val="50000"/>
-            </a:schemeClr>
-          </a:lnRef>
-          <a:fillRef idx="1">
-            <a:schemeClr val="accent1"/>
-          </a:fillRef>
-          <a:effectRef idx="0">
-            <a:schemeClr val="accent1"/>
-          </a:effectRef>
-          <a:fontRef idx="minor">
-            <a:schemeClr val="lt1"/>
-          </a:fontRef>
-        </p:style>
-        <p:txBody>
-          <a:bodyPr vert="horz" wrap="square" lIns="91440" tIns="45720" rIns="91440" bIns="45720" anchor="ctr">
-            <a:noAutofit/>
-          </a:bodyPr>
-          <a:lstStyle/>
-          <a:p>
-            <a:pPr marL="0" indent="0" algn="ctr" defTabSz="508000">
-              <a:buFontTx/>
-              <a:buNone/>
-              <a:defRPr/>
-            </a:pPr>
-            <a:r>
-              <a:rPr lang="ko-KR" altLang="en-US" sz="1500"/>
-              <a:t>계획 및 일정 수립</a:t>
-            </a:r>
-            <a:endParaRPr lang="ko-KR" altLang="en-US" sz="1500"/>
-          </a:p>
-        </p:txBody>
-      </p:sp>
-      <p:sp>
-        <p:nvSpPr>
-          <p:cNvPr id="7" name="직사각형 6"/>
-          <p:cNvSpPr/>
-          <p:nvPr/>
-        </p:nvSpPr>
-        <p:spPr>
-          <a:xfrm>
-            <a:off x="4946721" y="4692861"/>
-            <a:ext cx="4298809" cy="774559"/>
-          </a:xfrm>
-          <a:prstGeom prst="rect">
-            <a:avLst/>
-          </a:prstGeom>
-          <a:solidFill>
-            <a:srgbClr val="7a7cc4"/>
-          </a:solidFill>
-          <a:ln w="0">
-            <a:noFill/>
-          </a:ln>
-        </p:spPr>
-        <p:style>
-          <a:lnRef idx="2">
-            <a:schemeClr val="accent1">
-              <a:shade val="50000"/>
-            </a:schemeClr>
-          </a:lnRef>
-          <a:fillRef idx="1">
-            <a:schemeClr val="accent1"/>
-          </a:fillRef>
-          <a:effectRef idx="0">
-            <a:schemeClr val="accent1"/>
-          </a:effectRef>
-          <a:fontRef idx="minor">
-            <a:schemeClr val="lt1"/>
-          </a:fontRef>
-        </p:style>
-        <p:txBody>
-          <a:bodyPr vert="horz" wrap="square" lIns="91440" tIns="45720" rIns="91440" bIns="45720" anchor="ctr">
-            <a:noAutofit/>
-          </a:bodyPr>
-          <a:lstStyle/>
-          <a:p>
-            <a:pPr marL="0" indent="0" algn="ctr" defTabSz="508000">
-              <a:buFontTx/>
-              <a:buNone/>
-              <a:defRPr/>
-            </a:pPr>
-            <a:r>
-              <a:rPr lang="ko-KR" altLang="en-US" sz="1500"/>
-              <a:t>화면 구성 및 코드 작업</a:t>
-            </a:r>
-            <a:endParaRPr lang="ko-KR" altLang="en-US" sz="1500"/>
-          </a:p>
-        </p:txBody>
-      </p:sp>
-    </p:spTree>
-  </p:cSld>
-  <p:clrMapOvr>
-    <a:masterClrMapping/>
-  </p:clrMapOvr>
-  <mc:AlternateContent xmlns:mc="http://schemas.openxmlformats.org/markup-compatibility/2006">
-    <mc:Choice xmlns:p14="http://schemas.microsoft.com/office/powerpoint/2010/main" Requires="p14">
-      <p:transition xmlns:mc="http://schemas.openxmlformats.org/markup-compatibility/2006" xmlns:p14="http://schemas.microsoft.com/office/powerpoint/2010/main" mc:Ignorable="p14" p14:dur="500"/>
-    </mc:Choice>
-    <mc:Fallback>
-      <p:transition/>
-    </mc:Fallback>
-  </mc:AlternateContent>
-</p:sld>
-</file>
-
-<file path=ppt/slides/slide21.xml><?xml version="1.0" encoding="utf-8"?>
-<p:sld xmlns:r="http://schemas.openxmlformats.org/officeDocument/2006/relationships" xmlns:c="http://schemas.openxmlformats.org/drawingml/2006/chart" xmlns:a="http://schemas.openxmlformats.org/drawingml/2006/main" xmlns:dgm="http://schemas.openxmlformats.org/drawingml/2006/diagram" xmlns:dsp="http://schemas.microsoft.com/office/drawing/2008/diagram" xmlns:p="http://schemas.openxmlformats.org/presentationml/2006/main">
-  <p:cSld>
-    <p:spTree>
-      <p:nvGrpSpPr>
-        <p:cNvPr id="1" name=""/>
-        <p:cNvGrpSpPr/>
-        <p:nvPr/>
-      </p:nvGrpSpPr>
-      <p:grpSpPr>
-        <a:xfrm>
-          <a:off x="0" y="0"/>
-          <a:ext cx="0" cy="0"/>
-          <a:chOff x="0" y="0"/>
-          <a:chExt cx="0" cy="0"/>
-        </a:xfrm>
-      </p:grpSpPr>
       <p:sp>
         <p:nvSpPr>
           <p:cNvPr id="10" name="직사각형 9"/>
@@ -9945,6 +9862,113 @@
               <a:ea typeface="맑은 고딕"/>
               <a:cs typeface="맑은 고딕"/>
             </a:endParaRPr>
+          </a:p>
+        </p:txBody>
+      </p:sp>
+    </p:spTree>
+  </p:cSld>
+  <p:clrMapOvr>
+    <a:masterClrMapping/>
+  </p:clrMapOvr>
+  <mc:AlternateContent xmlns:mc="http://schemas.openxmlformats.org/markup-compatibility/2006">
+    <mc:Choice xmlns:p14="http://schemas.microsoft.com/office/powerpoint/2010/main" Requires="p14">
+      <p:transition xmlns:mc="http://schemas.openxmlformats.org/markup-compatibility/2006" xmlns:p14="http://schemas.microsoft.com/office/powerpoint/2010/main" mc:Ignorable="p14" p14:dur="500"/>
+    </mc:Choice>
+    <mc:Fallback>
+      <p:transition/>
+    </mc:Fallback>
+  </mc:AlternateContent>
+</p:sld>
+</file>
+
+<file path=ppt/slides/slide21.xml><?xml version="1.0" encoding="utf-8"?>
+<p:sld xmlns:r="http://schemas.openxmlformats.org/officeDocument/2006/relationships" xmlns:c="http://schemas.openxmlformats.org/drawingml/2006/chart" xmlns:a="http://schemas.openxmlformats.org/drawingml/2006/main" xmlns:dgm="http://schemas.openxmlformats.org/drawingml/2006/diagram" xmlns:dsp="http://schemas.microsoft.com/office/drawing/2008/diagram" xmlns:p="http://schemas.openxmlformats.org/presentationml/2006/main">
+  <p:cSld>
+    <p:spTree>
+      <p:nvGrpSpPr>
+        <p:cNvPr id="1" name=""/>
+        <p:cNvGrpSpPr/>
+        <p:nvPr/>
+      </p:nvGrpSpPr>
+      <p:grpSpPr>
+        <a:xfrm>
+          <a:off x="0" y="0"/>
+          <a:ext cx="0" cy="0"/>
+          <a:chOff x="0" y="0"/>
+          <a:chExt cx="0" cy="0"/>
+        </a:xfrm>
+      </p:grpSpPr>
+      <p:sp>
+        <p:nvSpPr>
+          <p:cNvPr id="2" name="제목 1"/>
+          <p:cNvSpPr>
+            <a:spLocks noGrp="1"/>
+          </p:cNvSpPr>
+          <p:nvPr>
+            <p:ph type="title" idx="0"/>
+          </p:nvPr>
+        </p:nvSpPr>
+        <p:spPr/>
+        <p:txBody>
+          <a:bodyPr/>
+          <a:lstStyle/>
+          <a:p>
+            <a:pPr lvl="0">
+              <a:defRPr/>
+            </a:pPr>
+            <a:r>
+              <a:rPr lang="ko-KR" altLang="en-US"/>
+              <a:t/>
+            </a:r>
+            <a:endParaRPr lang="ko-KR" altLang="en-US"/>
+          </a:p>
+        </p:txBody>
+      </p:sp>
+      <p:sp>
+        <p:nvSpPr>
+          <p:cNvPr id="3" name="내용 개체 틀 2"/>
+          <p:cNvSpPr>
+            <a:spLocks noGrp="1"/>
+          </p:cNvSpPr>
+          <p:nvPr>
+            <p:ph idx="1"/>
+          </p:nvPr>
+        </p:nvSpPr>
+        <p:spPr/>
+        <p:txBody>
+          <a:bodyPr/>
+          <a:lstStyle/>
+          <a:p>
+            <a:pPr lvl="0">
+              <a:defRPr/>
+            </a:pPr>
+            <a:r>
+              <a:rPr lang="ko-KR" altLang="en-US"/>
+              <a:t>기능정의를 한다</a:t>
+            </a:r>
+            <a:endParaRPr lang="ko-KR" altLang="en-US"/>
+          </a:p>
+          <a:p>
+            <a:pPr lvl="0">
+              <a:defRPr/>
+            </a:pPr>
+            <a:r>
+              <a:rPr lang="ko-KR" altLang="en-US"/>
+              <a:t>정의 한 기능에 대해 </a:t>
+            </a:r>
+            <a:r>
+              <a:rPr lang="en-US" altLang="ko-KR"/>
+              <a:t>Flow</a:t>
+            </a:r>
+            <a:r>
+              <a:rPr lang="ko-KR" altLang="en-US"/>
+              <a:t>를 작성한다</a:t>
+            </a:r>
+            <a:r>
+              <a:rPr lang="en-US" altLang="ko-KR"/>
+              <a:t>.</a:t>
+            </a:r>
+            <a:endParaRPr lang="ko-KR" altLang="en-US"/>
           </a:p>
         </p:txBody>
       </p:sp>
@@ -10051,8 +10075,8 @@
         </p:nvSpPr>
         <p:spPr>
           <a:xfrm>
-            <a:off x="6096000" y="1599143"/>
-            <a:ext cx="6096000" cy="5258856"/>
+            <a:off x="0" y="1599143"/>
+            <a:ext cx="12192000" cy="5258856"/>
           </a:xfrm>
         </p:spPr>
         <p:txBody>
@@ -10071,6 +10095,139 @@
             <a:endParaRPr lang="ko-KR" altLang="en-US"/>
           </a:p>
           <a:p>
+            <a:pPr marL="0" lvl="0" indent="0">
+              <a:buNone/>
+              <a:defRPr/>
+            </a:pPr>
+            <a:endParaRPr lang="en-US" altLang="ko-KR"/>
+          </a:p>
+          <a:p>
+            <a:pPr lvl="0">
+              <a:defRPr/>
+            </a:pPr>
+            <a:r>
+              <a:rPr lang="ko-KR" altLang="en-US"/>
+              <a:t>화면</a:t>
+            </a:r>
+            <a:endParaRPr lang="ko-KR" altLang="en-US"/>
+          </a:p>
+          <a:p>
+            <a:pPr marL="0" lvl="0" indent="0">
+              <a:buNone/>
+              <a:defRPr/>
+            </a:pPr>
+            <a:r>
+              <a:rPr lang="ko-KR" altLang="en-US"/>
+              <a:t> </a:t>
+            </a:r>
+            <a:r>
+              <a:rPr lang="en-US" altLang="ko-KR"/>
+              <a:t>-</a:t>
+            </a:r>
+            <a:r>
+              <a:rPr lang="ko-KR" altLang="en-US"/>
+              <a:t> </a:t>
+            </a:r>
+            <a:r>
+              <a:rPr lang="en-US" altLang="ko-KR"/>
+              <a:t>CLI</a:t>
+            </a:r>
+            <a:r>
+              <a:rPr lang="ko-KR" altLang="en-US"/>
+              <a:t>화면으로 구현한다</a:t>
+            </a:r>
+            <a:r>
+              <a:rPr lang="en-US" altLang="ko-KR"/>
+              <a:t>.</a:t>
+            </a:r>
+            <a:endParaRPr lang="en-US" altLang="ko-KR"/>
+          </a:p>
+          <a:p>
+            <a:pPr marL="0" lvl="0" indent="0">
+              <a:buNone/>
+              <a:defRPr/>
+            </a:pPr>
+            <a:endParaRPr lang="ko-KR" altLang="en-US"/>
+          </a:p>
+          <a:p>
+            <a:pPr lvl="0">
+              <a:defRPr/>
+            </a:pPr>
+            <a:r>
+              <a:rPr lang="ko-KR" altLang="en-US"/>
+              <a:t>기능</a:t>
+            </a:r>
+            <a:endParaRPr lang="ko-KR" altLang="en-US"/>
+          </a:p>
+          <a:p>
+            <a:pPr lvl="0">
+              <a:defRPr/>
+            </a:pPr>
+            <a:r>
+              <a:rPr lang="en-US" altLang="ko-KR"/>
+              <a:t>winreg</a:t>
+            </a:r>
+            <a:r>
+              <a:rPr lang="ko-KR" altLang="en-US"/>
+              <a:t>모듈을 사용하여 레지스트리 접근 및 제어</a:t>
+            </a:r>
+            <a:endParaRPr lang="ko-KR" altLang="en-US"/>
+          </a:p>
+          <a:p>
+            <a:pPr marL="0" lvl="0" indent="0">
+              <a:buNone/>
+              <a:defRPr/>
+            </a:pPr>
+            <a:r>
+              <a:rPr lang="ko-KR" altLang="en-US"/>
+              <a:t> </a:t>
+            </a:r>
+            <a:r>
+              <a:rPr lang="en-US" altLang="ko-KR"/>
+              <a:t>-</a:t>
+            </a:r>
+            <a:r>
+              <a:rPr lang="ko-KR" altLang="en-US"/>
+              <a:t> </a:t>
+            </a:r>
+            <a:r>
+              <a:rPr lang="en-US" altLang="ko-KR"/>
+              <a:t>python</a:t>
+            </a:r>
+            <a:r>
+              <a:rPr lang="ko-KR" altLang="en-US"/>
+              <a:t> 언어 사용</a:t>
+            </a:r>
+            <a:endParaRPr lang="ko-KR" altLang="en-US"/>
+          </a:p>
+          <a:p>
+            <a:pPr marL="0" lvl="0" indent="0">
+              <a:buNone/>
+              <a:defRPr/>
+            </a:pPr>
+            <a:r>
+              <a:rPr lang="ko-KR" altLang="en-US"/>
+              <a:t> </a:t>
+            </a:r>
+            <a:r>
+              <a:rPr lang="en-US" altLang="ko-KR"/>
+              <a:t>-</a:t>
+            </a:r>
+            <a:r>
+              <a:rPr lang="ko-KR" altLang="en-US"/>
+              <a:t> 분석한 정보들을 내보낼 수 있는 명령어를 만들어 </a:t>
+            </a:r>
+            <a:r>
+              <a:rPr lang="en-US" altLang="ko-KR"/>
+              <a:t>excel</a:t>
+            </a:r>
+            <a:r>
+              <a:rPr lang="ko-KR" altLang="en-US"/>
+              <a:t> 파일로 저장</a:t>
+            </a:r>
+            <a:endParaRPr lang="ko-KR" altLang="en-US"/>
+          </a:p>
+          <a:p>
             <a:pPr lvl="0">
               <a:defRPr/>
             </a:pPr>
@@ -10084,30 +10241,6 @@
           </a:p>
         </p:txBody>
       </p:sp>
-      <p:pic>
-        <p:nvPicPr>
-          <p:cNvPr id="8" name=""/>
-          <p:cNvPicPr>
-            <a:picLocks noChangeAspect="1"/>
-          </p:cNvPicPr>
-          <p:nvPr/>
-        </p:nvPicPr>
-        <p:blipFill rotWithShape="1">
-          <a:blip r:embed="rId2"/>
-          <a:stretch>
-            <a:fillRect/>
-          </a:stretch>
-        </p:blipFill>
-        <p:spPr>
-          <a:xfrm>
-            <a:off x="0" y="1366511"/>
-            <a:ext cx="5878831" cy="5491488"/>
-          </a:xfrm>
-          <a:prstGeom prst="rect">
-            <a:avLst/>
-          </a:prstGeom>
-        </p:spPr>
-      </p:pic>
     </p:spTree>
   </p:cSld>
   <p:clrMapOvr>
@@ -10143,33 +10276,65 @@
       </p:grpSpPr>
       <p:sp>
         <p:nvSpPr>
-          <p:cNvPr id="2" name="제목 1"/>
-          <p:cNvSpPr>
-            <a:spLocks noGrp="1"/>
-          </p:cNvSpPr>
-          <p:nvPr>
-            <p:ph type="title" idx="0"/>
-          </p:nvPr>
+          <p:cNvPr id="4" name="직사각형 9"/>
+          <p:cNvSpPr/>
+          <p:nvPr/>
         </p:nvSpPr>
-        <p:spPr/>
+        <p:spPr>
+          <a:xfrm>
+            <a:off x="-1" y="0"/>
+            <a:ext cx="12192001" cy="1338109"/>
+          </a:xfrm>
+          <a:prstGeom prst="rect">
+            <a:avLst/>
+          </a:prstGeom>
+          <a:solidFill>
+            <a:schemeClr val="accent1">
+              <a:lumMod val="75000"/>
+            </a:schemeClr>
+          </a:solidFill>
+          <a:ln>
+            <a:noFill/>
+          </a:ln>
+        </p:spPr>
+        <p:style>
+          <a:lnRef idx="2">
+            <a:schemeClr val="accent1">
+              <a:shade val="50000"/>
+            </a:schemeClr>
+          </a:lnRef>
+          <a:fillRef idx="1">
+            <a:schemeClr val="accent1"/>
+          </a:fillRef>
+          <a:effectRef idx="0">
+            <a:schemeClr val="accent1"/>
+          </a:effectRef>
+          <a:fontRef idx="minor">
+            <a:schemeClr val="lt1"/>
+          </a:fontRef>
+        </p:style>
         <p:txBody>
-          <a:bodyPr/>
+          <a:bodyPr anchor="ctr"/>
           <a:lstStyle/>
           <a:p>
-            <a:pPr lvl="0">
-              <a:defRPr/>
-            </a:pPr>
-            <a:r>
-              <a:rPr lang="ko-KR" altLang="en-US"/>
-              <a:t/>
-            </a:r>
-            <a:endParaRPr lang="ko-KR" altLang="en-US"/>
+            <a:pPr>
+              <a:defRPr/>
+            </a:pPr>
+            <a:r>
+              <a:rPr kumimoji="1" lang="en-US" altLang="ko-KR" sz="4800"/>
+              <a:t>3.</a:t>
+            </a:r>
+            <a:r>
+              <a:rPr kumimoji="1" lang="ko-KR" altLang="en-US" sz="4800"/>
+              <a:t> 기능정의</a:t>
+            </a:r>
+            <a:endParaRPr kumimoji="1" lang="ko-KR" altLang="en-US" sz="4800"/>
           </a:p>
         </p:txBody>
       </p:sp>
       <p:sp>
         <p:nvSpPr>
-          <p:cNvPr id="3" name="내용 개체 틀 2"/>
+          <p:cNvPr id="5" name="내용 개체 틀 4"/>
           <p:cNvSpPr>
             <a:spLocks noGrp="1"/>
           </p:cNvSpPr>
@@ -10177,9 +10342,16 @@
             <p:ph idx="1"/>
           </p:nvPr>
         </p:nvSpPr>
-        <p:spPr/>
+        <p:spPr>
+          <a:xfrm>
+            <a:off x="6096000" y="1599143"/>
+            <a:ext cx="6096000" cy="5258856"/>
+          </a:xfrm>
+        </p:spPr>
         <p:txBody>
-          <a:bodyPr/>
+          <a:bodyPr vert="horz" lIns="91440" tIns="45720" rIns="91440" bIns="45720">
+            <a:normAutofit lnSpcReduction="10000"/>
+          </a:bodyPr>
           <a:lstStyle/>
           <a:p>
             <a:pPr lvl="0">
@@ -10187,7 +10359,7 @@
             </a:pPr>
             <a:r>
               <a:rPr lang="ko-KR" altLang="en-US"/>
-              <a:t>기능정의를 한다</a:t>
+              <a:t>사용자 기록 추적 프로그램</a:t>
             </a:r>
             <a:endParaRPr lang="ko-KR" altLang="en-US"/>
           </a:p>
@@ -10195,26 +10367,40 @@
             <a:pPr lvl="0">
               <a:defRPr/>
             </a:pPr>
-            <a:r>
-              <a:rPr lang="ko-KR" altLang="en-US"/>
-              <a:t>정의 한 기능에 대해 </a:t>
-            </a:r>
-            <a:r>
-              <a:rPr lang="en-US" altLang="ko-KR"/>
-              <a:t>Flow</a:t>
-            </a:r>
-            <a:r>
-              <a:rPr lang="ko-KR" altLang="en-US"/>
-              <a:t>를 작성한다</a:t>
-            </a:r>
-            <a:r>
-              <a:rPr lang="en-US" altLang="ko-KR"/>
-              <a:t>.</a:t>
-            </a:r>
+            <a:endParaRPr lang="en-US" altLang="ko-KR"/>
+          </a:p>
+          <a:p>
+            <a:pPr lvl="0">
+              <a:defRPr/>
+            </a:pPr>
             <a:endParaRPr lang="ko-KR" altLang="en-US"/>
           </a:p>
         </p:txBody>
       </p:sp>
+      <p:pic>
+        <p:nvPicPr>
+          <p:cNvPr id="8" name=""/>
+          <p:cNvPicPr>
+            <a:picLocks noChangeAspect="1"/>
+          </p:cNvPicPr>
+          <p:nvPr/>
+        </p:nvPicPr>
+        <p:blipFill rotWithShape="1">
+          <a:blip r:embed="rId2"/>
+          <a:stretch>
+            <a:fillRect/>
+          </a:stretch>
+        </p:blipFill>
+        <p:spPr>
+          <a:xfrm>
+            <a:off x="0" y="1366511"/>
+            <a:ext cx="5878831" cy="5491488"/>
+          </a:xfrm>
+          <a:prstGeom prst="rect">
+            <a:avLst/>
+          </a:prstGeom>
+        </p:spPr>
+      </p:pic>
     </p:spTree>
   </p:cSld>
   <p:clrMapOvr>

--- a/2021_Summer/jp.hong/Project_BnD_jph.pptx
+++ b/2021_Summer/jp.hong/Project_BnD_jph.pptx
@@ -2,7 +2,7 @@
 <file path=ppt/presentation.xml><?xml version="1.0" encoding="utf-8"?>
 <p:presentation xmlns:r="http://schemas.openxmlformats.org/officeDocument/2006/relationships" xmlns:c="http://schemas.openxmlformats.org/drawingml/2006/chart" xmlns:a="http://schemas.openxmlformats.org/drawingml/2006/main" xmlns:dgm="http://schemas.openxmlformats.org/drawingml/2006/diagram" xmlns:dsp="http://schemas.microsoft.com/office/drawing/2008/diagram" xmlns:p="http://schemas.openxmlformats.org/presentationml/2006/main">
   <p:sldMasterIdLst>
-    <p:sldMasterId id="2147483665" r:id="rId1"/>
+    <p:sldMasterId id="2147483666" r:id="rId1"/>
   </p:sldMasterIdLst>
   <p:sldIdLst>
     <p:sldId id="261" r:id="rId2"/>
@@ -28,14 +28,15 @@
     <p:sldId id="298" r:id="rId22"/>
     <p:sldId id="333" r:id="rId23"/>
     <p:sldId id="330" r:id="rId24"/>
-    <p:sldId id="291" r:id="rId25"/>
-    <p:sldId id="299" r:id="rId26"/>
-    <p:sldId id="292" r:id="rId27"/>
-    <p:sldId id="300" r:id="rId28"/>
-    <p:sldId id="306" r:id="rId29"/>
-    <p:sldId id="307" r:id="rId30"/>
-    <p:sldId id="294" r:id="rId31"/>
-    <p:sldId id="302" r:id="rId32"/>
+    <p:sldId id="334" r:id="rId25"/>
+    <p:sldId id="291" r:id="rId26"/>
+    <p:sldId id="299" r:id="rId27"/>
+    <p:sldId id="292" r:id="rId28"/>
+    <p:sldId id="300" r:id="rId29"/>
+    <p:sldId id="306" r:id="rId30"/>
+    <p:sldId id="307" r:id="rId31"/>
+    <p:sldId id="294" r:id="rId32"/>
+    <p:sldId id="302" r:id="rId33"/>
   </p:sldIdLst>
   <p:sldSz cx="12192000" cy="6858000"/>
   <p:notesSz cx="7104063" cy="10234613"/>
@@ -5884,6 +5885,21 @@
             </a:pPr>
             <a:endParaRPr lang="ko-KR" altLang="en-US"/>
           </a:p>
+          <a:p>
+            <a:pPr marL="0" lvl="0" indent="0">
+              <a:buNone/>
+              <a:defRPr/>
+            </a:pPr>
+            <a:r>
+              <a:rPr lang="en-US" altLang="ko-KR"/>
+              <a:t>excel</a:t>
+            </a:r>
+            <a:r>
+              <a:rPr lang="ko-KR" altLang="en-US"/>
+              <a:t>파일로 기록을 내보낼 위치는 바탕화면</a:t>
+            </a:r>
+            <a:endParaRPr lang="ko-KR" altLang="en-US"/>
+          </a:p>
         </p:txBody>
       </p:sp>
     </p:spTree>
@@ -6550,194 +6566,14 @@
           <p:nvPr/>
         </p:nvGraphicFramePr>
         <p:xfrm>
-          <a:off x="520441" y="1418253"/>
-          <a:ext cx="10897591" cy="4954555"/>
+          <a:off x="520441" y="1629919"/>
+          <a:ext cx="10897590" cy="4954555"/>
         </p:xfrm>
         <a:graphic>
           <a:graphicData uri="http://schemas.openxmlformats.org/drawingml/2006/table">
             <a:tbl>
               <a:tblPr firstRow="1" bandRow="1">
-                <a:tableStyle styleId="{5C22544A-7EE6-4342-B048-85BDC9FD1C3A}" styleName="보통 스타일 2 - 강조 1">
-                  <a:wholeTbl>
-                    <a:tcTxStyle>
-                      <a:fontRef idx="minor">
-                        <a:prstClr val="black"/>
-                      </a:fontRef>
-                      <a:schemeClr val="dk1"/>
-                    </a:tcTxStyle>
-                    <a:tcStyle>
-                      <a:tcBdr>
-                        <a:left>
-                          <a:ln w="12700" cmpd="sng">
-                            <a:solidFill>
-                              <a:schemeClr val="lt1"/>
-                            </a:solidFill>
-                          </a:ln>
-                        </a:left>
-                        <a:right>
-                          <a:ln w="12700" cmpd="sng">
-                            <a:solidFill>
-                              <a:schemeClr val="lt1"/>
-                            </a:solidFill>
-                          </a:ln>
-                        </a:right>
-                        <a:top>
-                          <a:ln w="12700" cmpd="sng">
-                            <a:solidFill>
-                              <a:schemeClr val="lt1"/>
-                            </a:solidFill>
-                          </a:ln>
-                        </a:top>
-                        <a:bottom>
-                          <a:ln w="12700" cmpd="sng">
-                            <a:solidFill>
-                              <a:schemeClr val="lt1"/>
-                            </a:solidFill>
-                          </a:ln>
-                        </a:bottom>
-                        <a:insideH>
-                          <a:ln w="12700" cmpd="sng">
-                            <a:solidFill>
-                              <a:schemeClr val="lt1"/>
-                            </a:solidFill>
-                          </a:ln>
-                        </a:insideH>
-                        <a:insideV>
-                          <a:ln w="12700" cmpd="sng">
-                            <a:solidFill>
-                              <a:schemeClr val="lt1"/>
-                            </a:solidFill>
-                          </a:ln>
-                        </a:insideV>
-                      </a:tcBdr>
-                      <a:fill>
-                        <a:solidFill>
-                          <a:schemeClr val="accent1">
-                            <a:tint val="20000"/>
-                          </a:schemeClr>
-                        </a:solidFill>
-                      </a:fill>
-                    </a:tcStyle>
-                  </a:wholeTbl>
-                  <a:band1H>
-                    <a:tcTxStyle/>
-                    <a:tcStyle>
-                      <a:tcBdr/>
-                      <a:fill>
-                        <a:solidFill>
-                          <a:schemeClr val="accent1">
-                            <a:tint val="40000"/>
-                          </a:schemeClr>
-                        </a:solidFill>
-                      </a:fill>
-                    </a:tcStyle>
-                  </a:band1H>
-                  <a:band2H>
-                    <a:tcTxStyle/>
-                    <a:tcStyle>
-                      <a:tcBdr/>
-                    </a:tcStyle>
-                  </a:band2H>
-                  <a:band1V>
-                    <a:tcTxStyle/>
-                    <a:tcStyle>
-                      <a:tcBdr/>
-                      <a:fill>
-                        <a:solidFill>
-                          <a:schemeClr val="accent1">
-                            <a:tint val="40000"/>
-                          </a:schemeClr>
-                        </a:solidFill>
-                      </a:fill>
-                    </a:tcStyle>
-                  </a:band1V>
-                  <a:band2V>
-                    <a:tcTxStyle/>
-                    <a:tcStyle>
-                      <a:tcBdr/>
-                    </a:tcStyle>
-                  </a:band2V>
-                  <a:lastCol>
-                    <a:tcTxStyle b="on">
-                      <a:fontRef idx="minor">
-                        <a:prstClr val="black"/>
-                      </a:fontRef>
-                      <a:schemeClr val="lt1"/>
-                    </a:tcTxStyle>
-                    <a:tcStyle>
-                      <a:tcBdr/>
-                      <a:fill>
-                        <a:solidFill>
-                          <a:schemeClr val="accent1"/>
-                        </a:solidFill>
-                      </a:fill>
-                    </a:tcStyle>
-                  </a:lastCol>
-                  <a:firstCol>
-                    <a:tcTxStyle b="on">
-                      <a:fontRef idx="minor">
-                        <a:prstClr val="black"/>
-                      </a:fontRef>
-                      <a:schemeClr val="lt1"/>
-                    </a:tcTxStyle>
-                    <a:tcStyle>
-                      <a:tcBdr/>
-                      <a:fill>
-                        <a:solidFill>
-                          <a:schemeClr val="accent1"/>
-                        </a:solidFill>
-                      </a:fill>
-                    </a:tcStyle>
-                  </a:firstCol>
-                  <a:lastRow>
-                    <a:tcTxStyle b="on">
-                      <a:fontRef idx="minor">
-                        <a:prstClr val="black"/>
-                      </a:fontRef>
-                      <a:schemeClr val="lt1"/>
-                    </a:tcTxStyle>
-                    <a:tcStyle>
-                      <a:tcBdr>
-                        <a:top>
-                          <a:ln w="38100" cmpd="sng">
-                            <a:solidFill>
-                              <a:schemeClr val="lt1"/>
-                            </a:solidFill>
-                          </a:ln>
-                        </a:top>
-                      </a:tcBdr>
-                      <a:fill>
-                        <a:solidFill>
-                          <a:schemeClr val="accent1"/>
-                        </a:solidFill>
-                      </a:fill>
-                    </a:tcStyle>
-                  </a:lastRow>
-                  <a:firstRow>
-                    <a:tcTxStyle b="on">
-                      <a:fontRef idx="minor">
-                        <a:prstClr val="black"/>
-                      </a:fontRef>
-                      <a:schemeClr val="lt1"/>
-                    </a:tcTxStyle>
-                    <a:tcStyle>
-                      <a:tcBdr>
-                        <a:bottom>
-                          <a:ln w="38100" cmpd="sng">
-                            <a:solidFill>
-                              <a:schemeClr val="lt1"/>
-                            </a:solidFill>
-                          </a:ln>
-                        </a:bottom>
-                      </a:tcBdr>
-                      <a:fill>
-                        <a:solidFill>
-                          <a:schemeClr val="accent1"/>
-                        </a:solidFill>
-                      </a:fill>
-                    </a:tcStyle>
-                  </a:firstRow>
-                </a:tableStyle>
+                <a:tableStyleId>{5C22544A-7EE6-4342-B048-85BDC9FD1C3A}</a:tableStyleId>
               </a:tblPr>
               <a:tblGrid>
                 <a:gridCol w="2179518"/>
@@ -7000,7 +6836,7 @@
         </p:nvSpPr>
         <p:spPr>
           <a:xfrm>
-            <a:off x="547440" y="2225534"/>
+            <a:off x="547440" y="2412789"/>
             <a:ext cx="2165208" cy="774559"/>
           </a:xfrm>
           <a:prstGeom prst="rect">
@@ -7068,7 +6904,7 @@
         </p:nvSpPr>
         <p:spPr>
           <a:xfrm>
-            <a:off x="2721257" y="3041720"/>
+            <a:off x="2721257" y="3228975"/>
             <a:ext cx="2165208" cy="774559"/>
           </a:xfrm>
           <a:prstGeom prst="rect">
@@ -7124,7 +6960,7 @@
         </p:nvSpPr>
         <p:spPr>
           <a:xfrm>
-            <a:off x="2728313" y="3894878"/>
+            <a:off x="2728313" y="4082133"/>
             <a:ext cx="2165208" cy="774559"/>
           </a:xfrm>
           <a:prstGeom prst="rect">
@@ -7180,7 +7016,7 @@
         </p:nvSpPr>
         <p:spPr>
           <a:xfrm>
-            <a:off x="4908620" y="2254461"/>
+            <a:off x="4908620" y="2441716"/>
             <a:ext cx="2165208" cy="774559"/>
           </a:xfrm>
           <a:prstGeom prst="rect">
@@ -7236,7 +7072,7 @@
         </p:nvSpPr>
         <p:spPr>
           <a:xfrm>
-            <a:off x="4946721" y="4692861"/>
+            <a:off x="4946721" y="4880116"/>
             <a:ext cx="4298809" cy="774559"/>
           </a:xfrm>
           <a:prstGeom prst="rect">
@@ -7292,7 +7128,7 @@
         </p:nvSpPr>
         <p:spPr>
           <a:xfrm>
-            <a:off x="9261545" y="3816562"/>
+            <a:off x="9261545" y="4003817"/>
             <a:ext cx="2165208" cy="774559"/>
           </a:xfrm>
           <a:prstGeom prst="rect">
@@ -7341,6 +7177,64 @@
               <a:t> 검증</a:t>
             </a:r>
             <a:endParaRPr lang="ko-KR" altLang="en-US" sz="1500"/>
+          </a:p>
+        </p:txBody>
+      </p:sp>
+      <p:sp>
+        <p:nvSpPr>
+          <p:cNvPr id="9" name="직사각형 9"/>
+          <p:cNvSpPr/>
+          <p:nvPr/>
+        </p:nvSpPr>
+        <p:spPr>
+          <a:xfrm>
+            <a:off x="-1" y="0"/>
+            <a:ext cx="12192001" cy="1338109"/>
+          </a:xfrm>
+          <a:prstGeom prst="rect">
+            <a:avLst/>
+          </a:prstGeom>
+          <a:solidFill>
+            <a:schemeClr val="accent1">
+              <a:lumMod val="75000"/>
+            </a:schemeClr>
+          </a:solidFill>
+          <a:ln>
+            <a:noFill/>
+          </a:ln>
+        </p:spPr>
+        <p:style>
+          <a:lnRef idx="2">
+            <a:schemeClr val="accent1">
+              <a:shade val="50000"/>
+            </a:schemeClr>
+          </a:lnRef>
+          <a:fillRef idx="1">
+            <a:schemeClr val="accent1"/>
+          </a:fillRef>
+          <a:effectRef idx="0">
+            <a:schemeClr val="accent1"/>
+          </a:effectRef>
+          <a:fontRef idx="minor">
+            <a:schemeClr val="lt1"/>
+          </a:fontRef>
+        </p:style>
+        <p:txBody>
+          <a:bodyPr anchor="ctr"/>
+          <a:lstStyle/>
+          <a:p>
+            <a:pPr>
+              <a:defRPr/>
+            </a:pPr>
+            <a:r>
+              <a:rPr kumimoji="1" lang="en-US" altLang="ko-KR" sz="4800"/>
+              <a:t>3.</a:t>
+            </a:r>
+            <a:r>
+              <a:rPr kumimoji="1" lang="ko-KR" altLang="en-US" sz="4800"/>
+              <a:t> 계획 및 일정 수립</a:t>
+            </a:r>
+            <a:endParaRPr kumimoji="1" lang="ko-KR" altLang="en-US" sz="4800"/>
           </a:p>
         </p:txBody>
       </p:sp>
@@ -9900,32 +9794,6 @@
       </p:grpSpPr>
       <p:sp>
         <p:nvSpPr>
-          <p:cNvPr id="2" name="제목 1"/>
-          <p:cNvSpPr>
-            <a:spLocks noGrp="1"/>
-          </p:cNvSpPr>
-          <p:nvPr>
-            <p:ph type="title" idx="0"/>
-          </p:nvPr>
-        </p:nvSpPr>
-        <p:spPr/>
-        <p:txBody>
-          <a:bodyPr/>
-          <a:lstStyle/>
-          <a:p>
-            <a:pPr lvl="0">
-              <a:defRPr/>
-            </a:pPr>
-            <a:r>
-              <a:rPr lang="ko-KR" altLang="en-US"/>
-              <a:t/>
-            </a:r>
-            <a:endParaRPr lang="ko-KR" altLang="en-US"/>
-          </a:p>
-        </p:txBody>
-      </p:sp>
-      <p:sp>
-        <p:nvSpPr>
           <p:cNvPr id="3" name="내용 개체 틀 2"/>
           <p:cNvSpPr>
             <a:spLocks noGrp="1"/>
@@ -9943,18 +9811,46 @@
               <a:defRPr/>
             </a:pPr>
             <a:r>
-              <a:rPr lang="ko-KR" altLang="en-US"/>
-              <a:t>기능정의를 한다</a:t>
+              <a:rPr lang="ko-KR" altLang="en-US" sz="3500"/>
+              <a:t>목표</a:t>
+            </a:r>
+            <a:endParaRPr lang="ko-KR" altLang="en-US" sz="3500"/>
+          </a:p>
+          <a:p>
+            <a:pPr marL="0" lvl="0" indent="0">
+              <a:buNone/>
+              <a:defRPr/>
+            </a:pPr>
+            <a:r>
+              <a:rPr lang="ko-KR" altLang="en-US"/>
+              <a:t> </a:t>
+            </a:r>
+            <a:r>
+              <a:rPr lang="en-US" altLang="ko-KR"/>
+              <a:t>-</a:t>
+            </a:r>
+            <a:r>
+              <a:rPr lang="ko-KR" altLang="en-US"/>
+              <a:t> 기능정의를 한다</a:t>
             </a:r>
             <a:endParaRPr lang="ko-KR" altLang="en-US"/>
           </a:p>
           <a:p>
-            <a:pPr lvl="0">
-              <a:defRPr/>
-            </a:pPr>
-            <a:r>
-              <a:rPr lang="ko-KR" altLang="en-US"/>
-              <a:t>정의 한 기능에 대해 </a:t>
+            <a:pPr marL="0" lvl="0" indent="0">
+              <a:buNone/>
+              <a:defRPr/>
+            </a:pPr>
+            <a:r>
+              <a:rPr lang="ko-KR" altLang="en-US"/>
+              <a:t> </a:t>
+            </a:r>
+            <a:r>
+              <a:rPr lang="en-US" altLang="ko-KR"/>
+              <a:t>-</a:t>
+            </a:r>
+            <a:r>
+              <a:rPr lang="ko-KR" altLang="en-US"/>
+              <a:t> 정의 한 기능에 대해 </a:t>
             </a:r>
             <a:r>
               <a:rPr lang="en-US" altLang="ko-KR"/>
@@ -9968,7 +9864,65 @@
               <a:rPr lang="en-US" altLang="ko-KR"/>
               <a:t>.</a:t>
             </a:r>
-            <a:endParaRPr lang="ko-KR" altLang="en-US"/>
+            <a:endParaRPr lang="en-US" altLang="ko-KR"/>
+          </a:p>
+        </p:txBody>
+      </p:sp>
+      <p:sp>
+        <p:nvSpPr>
+          <p:cNvPr id="4" name="직사각형 9"/>
+          <p:cNvSpPr/>
+          <p:nvPr/>
+        </p:nvSpPr>
+        <p:spPr>
+          <a:xfrm>
+            <a:off x="-1" y="0"/>
+            <a:ext cx="12192001" cy="1338109"/>
+          </a:xfrm>
+          <a:prstGeom prst="rect">
+            <a:avLst/>
+          </a:prstGeom>
+          <a:solidFill>
+            <a:schemeClr val="accent1">
+              <a:lumMod val="75000"/>
+            </a:schemeClr>
+          </a:solidFill>
+          <a:ln>
+            <a:noFill/>
+          </a:ln>
+        </p:spPr>
+        <p:style>
+          <a:lnRef idx="2">
+            <a:schemeClr val="accent1">
+              <a:shade val="50000"/>
+            </a:schemeClr>
+          </a:lnRef>
+          <a:fillRef idx="1">
+            <a:schemeClr val="accent1"/>
+          </a:fillRef>
+          <a:effectRef idx="0">
+            <a:schemeClr val="accent1"/>
+          </a:effectRef>
+          <a:fontRef idx="minor">
+            <a:schemeClr val="lt1"/>
+          </a:fontRef>
+        </p:style>
+        <p:txBody>
+          <a:bodyPr anchor="ctr"/>
+          <a:lstStyle/>
+          <a:p>
+            <a:pPr>
+              <a:defRPr/>
+            </a:pPr>
+            <a:r>
+              <a:rPr kumimoji="1" lang="en-US" altLang="ko-KR" sz="4800"/>
+              <a:t>4.</a:t>
+            </a:r>
+            <a:r>
+              <a:rPr kumimoji="1" lang="ko-KR" altLang="en-US" sz="4800"/>
+              <a:t> 기능정의</a:t>
+            </a:r>
+            <a:endParaRPr kumimoji="1" lang="ko-KR" altLang="en-US" sz="4800"/>
           </a:p>
         </p:txBody>
       </p:sp>
@@ -10053,7 +10007,7 @@
             </a:pPr>
             <a:r>
               <a:rPr kumimoji="1" lang="en-US" altLang="ko-KR" sz="4800"/>
-              <a:t>3.</a:t>
+              <a:t>4.</a:t>
             </a:r>
             <a:r>
               <a:rPr kumimoji="1" lang="ko-KR" altLang="en-US" sz="4800"/>
@@ -10224,6 +10178,33 @@
             <a:r>
               <a:rPr lang="ko-KR" altLang="en-US"/>
               <a:t> 파일로 저장</a:t>
+            </a:r>
+            <a:endParaRPr lang="ko-KR" altLang="en-US"/>
+          </a:p>
+          <a:p>
+            <a:pPr marL="0" lvl="0" indent="0">
+              <a:buNone/>
+              <a:defRPr/>
+            </a:pPr>
+            <a:r>
+              <a:rPr lang="ko-KR" altLang="en-US"/>
+              <a:t> </a:t>
+            </a:r>
+            <a:r>
+              <a:rPr lang="en-US" altLang="ko-KR"/>
+              <a:t>-</a:t>
+            </a:r>
+            <a:r>
+              <a:rPr lang="ko-KR" altLang="en-US"/>
+              <a:t> </a:t>
+            </a:r>
+            <a:r>
+              <a:rPr lang="en-US" altLang="ko-KR"/>
+              <a:t>excel </a:t>
+            </a:r>
+            <a:r>
+              <a:rPr lang="ko-KR" altLang="en-US"/>
+              <a:t>파일이 저장되는 위치는 바탕화면</a:t>
             </a:r>
             <a:endParaRPr lang="ko-KR" altLang="en-US"/>
           </a:p>
@@ -10322,58 +10303,17 @@
             </a:pPr>
             <a:r>
               <a:rPr kumimoji="1" lang="en-US" altLang="ko-KR" sz="4800"/>
-              <a:t>3.</a:t>
+              <a:t>4.</a:t>
             </a:r>
             <a:r>
               <a:rPr kumimoji="1" lang="ko-KR" altLang="en-US" sz="4800"/>
-              <a:t> 기능정의</a:t>
-            </a:r>
-            <a:endParaRPr kumimoji="1" lang="ko-KR" altLang="en-US" sz="4800"/>
-          </a:p>
-        </p:txBody>
-      </p:sp>
-      <p:sp>
-        <p:nvSpPr>
-          <p:cNvPr id="5" name="내용 개체 틀 4"/>
-          <p:cNvSpPr>
-            <a:spLocks noGrp="1"/>
-          </p:cNvSpPr>
-          <p:nvPr>
-            <p:ph idx="1"/>
-          </p:nvPr>
-        </p:nvSpPr>
-        <p:spPr>
-          <a:xfrm>
-            <a:off x="6096000" y="1599143"/>
-            <a:ext cx="6096000" cy="5258856"/>
-          </a:xfrm>
-        </p:spPr>
-        <p:txBody>
-          <a:bodyPr vert="horz" lIns="91440" tIns="45720" rIns="91440" bIns="45720">
-            <a:normAutofit lnSpcReduction="10000"/>
-          </a:bodyPr>
-          <a:lstStyle/>
-          <a:p>
-            <a:pPr lvl="0">
-              <a:defRPr/>
-            </a:pPr>
-            <a:r>
-              <a:rPr lang="ko-KR" altLang="en-US"/>
-              <a:t>사용자 기록 추적 프로그램</a:t>
-            </a:r>
-            <a:endParaRPr lang="ko-KR" altLang="en-US"/>
-          </a:p>
-          <a:p>
-            <a:pPr lvl="0">
-              <a:defRPr/>
-            </a:pPr>
-            <a:endParaRPr lang="en-US" altLang="ko-KR"/>
-          </a:p>
-          <a:p>
-            <a:pPr lvl="0">
-              <a:defRPr/>
-            </a:pPr>
-            <a:endParaRPr lang="ko-KR" altLang="en-US"/>
+              <a:t> 기능정의 </a:t>
+            </a:r>
+            <a:r>
+              <a:rPr kumimoji="1" lang="en-US" altLang="ko-KR" sz="4800"/>
+              <a:t>(Flow_Chart)</a:t>
+            </a:r>
+            <a:endParaRPr kumimoji="1" lang="en-US" altLang="ko-KR" sz="4800"/>
           </a:p>
         </p:txBody>
       </p:sp>
@@ -10393,8 +10333,8 @@
         </p:blipFill>
         <p:spPr>
           <a:xfrm>
-            <a:off x="0" y="1366511"/>
-            <a:ext cx="5878831" cy="5491488"/>
+            <a:off x="0" y="1329210"/>
+            <a:ext cx="3538954" cy="5528789"/>
           </a:xfrm>
           <a:prstGeom prst="rect">
             <a:avLst/>
@@ -10418,6 +10358,125 @@
 </file>
 
 <file path=ppt/slides/slide24.xml><?xml version="1.0" encoding="utf-8"?>
+<p:sld xmlns:r="http://schemas.openxmlformats.org/officeDocument/2006/relationships" xmlns:c="http://schemas.openxmlformats.org/drawingml/2006/chart" xmlns:a="http://schemas.openxmlformats.org/drawingml/2006/main" xmlns:dgm="http://schemas.openxmlformats.org/drawingml/2006/diagram" xmlns:dsp="http://schemas.microsoft.com/office/drawing/2008/diagram" xmlns:p="http://schemas.openxmlformats.org/presentationml/2006/main">
+  <p:cSld>
+    <p:spTree>
+      <p:nvGrpSpPr>
+        <p:cNvPr id="1" name=""/>
+        <p:cNvGrpSpPr/>
+        <p:nvPr/>
+      </p:nvGrpSpPr>
+      <p:grpSpPr>
+        <a:xfrm>
+          <a:off x="0" y="0"/>
+          <a:ext cx="0" cy="0"/>
+          <a:chOff x="0" y="0"/>
+          <a:chExt cx="0" cy="0"/>
+        </a:xfrm>
+      </p:grpSpPr>
+      <p:sp>
+        <p:nvSpPr>
+          <p:cNvPr id="4" name="직사각형 9"/>
+          <p:cNvSpPr/>
+          <p:nvPr/>
+        </p:nvSpPr>
+        <p:spPr>
+          <a:xfrm>
+            <a:off x="-1" y="0"/>
+            <a:ext cx="12192001" cy="1338109"/>
+          </a:xfrm>
+          <a:prstGeom prst="rect">
+            <a:avLst/>
+          </a:prstGeom>
+          <a:solidFill>
+            <a:schemeClr val="accent1">
+              <a:lumMod val="75000"/>
+            </a:schemeClr>
+          </a:solidFill>
+          <a:ln>
+            <a:noFill/>
+          </a:ln>
+        </p:spPr>
+        <p:style>
+          <a:lnRef idx="2">
+            <a:schemeClr val="accent1">
+              <a:shade val="50000"/>
+            </a:schemeClr>
+          </a:lnRef>
+          <a:fillRef idx="1">
+            <a:schemeClr val="accent1"/>
+          </a:fillRef>
+          <a:effectRef idx="0">
+            <a:schemeClr val="accent1"/>
+          </a:effectRef>
+          <a:fontRef idx="minor">
+            <a:schemeClr val="lt1"/>
+          </a:fontRef>
+        </p:style>
+        <p:txBody>
+          <a:bodyPr anchor="ctr"/>
+          <a:lstStyle/>
+          <a:p>
+            <a:pPr>
+              <a:defRPr/>
+            </a:pPr>
+            <a:r>
+              <a:rPr kumimoji="1" lang="en-US" altLang="ko-KR" sz="4800"/>
+              <a:t>4.</a:t>
+            </a:r>
+            <a:r>
+              <a:rPr kumimoji="1" lang="ko-KR" altLang="en-US" sz="4800"/>
+              <a:t> 기능정의</a:t>
+            </a:r>
+            <a:r>
+              <a:rPr kumimoji="1" lang="en-US" altLang="ko-KR" sz="4800"/>
+              <a:t> (Menu_Tree)</a:t>
+            </a:r>
+            <a:endParaRPr kumimoji="1" lang="en-US" altLang="ko-KR" sz="4800"/>
+          </a:p>
+        </p:txBody>
+      </p:sp>
+      <p:pic>
+        <p:nvPicPr>
+          <p:cNvPr id="13" name=""/>
+          <p:cNvPicPr>
+            <a:picLocks noChangeAspect="1"/>
+          </p:cNvPicPr>
+          <p:nvPr/>
+        </p:nvPicPr>
+        <p:blipFill rotWithShape="1">
+          <a:blip r:embed="rId2"/>
+          <a:stretch>
+            <a:fillRect/>
+          </a:stretch>
+        </p:blipFill>
+        <p:spPr>
+          <a:xfrm>
+            <a:off x="17881" y="1633079"/>
+            <a:ext cx="12174118" cy="3591841"/>
+          </a:xfrm>
+          <a:prstGeom prst="rect">
+            <a:avLst/>
+          </a:prstGeom>
+        </p:spPr>
+      </p:pic>
+    </p:spTree>
+  </p:cSld>
+  <p:clrMapOvr>
+    <a:masterClrMapping/>
+  </p:clrMapOvr>
+  <mc:AlternateContent xmlns:mc="http://schemas.openxmlformats.org/markup-compatibility/2006">
+    <mc:Choice xmlns:p14="http://schemas.microsoft.com/office/powerpoint/2010/main" Requires="p14">
+      <p:transition xmlns:mc="http://schemas.openxmlformats.org/markup-compatibility/2006" xmlns:p14="http://schemas.microsoft.com/office/powerpoint/2010/main" mc:Ignorable="p14" p14:dur="500"/>
+    </mc:Choice>
+    <mc:Fallback>
+      <p:transition/>
+    </mc:Fallback>
+  </mc:AlternateContent>
+</p:sld>
+</file>
+
+<file path=ppt/slides/slide25.xml><?xml version="1.0" encoding="utf-8"?>
 <p:sld xmlns:a="http://schemas.openxmlformats.org/drawingml/2006/main" xmlns:r="http://schemas.openxmlformats.org/officeDocument/2006/relationships" xmlns:p="http://schemas.openxmlformats.org/presentationml/2006/main">
   <p:cSld>
     <p:spTree>
@@ -10736,7 +10795,7 @@
 </p:sld>
 </file>
 
-<file path=ppt/slides/slide25.xml><?xml version="1.0" encoding="utf-8"?>
+<file path=ppt/slides/slide26.xml><?xml version="1.0" encoding="utf-8"?>
 <p:sld xmlns:a="http://schemas.openxmlformats.org/drawingml/2006/main" xmlns:r="http://schemas.openxmlformats.org/officeDocument/2006/relationships" xmlns:p="http://schemas.openxmlformats.org/presentationml/2006/main">
   <p:cSld>
     <p:spTree>
@@ -10834,7 +10893,7 @@
 </p:sld>
 </file>
 
-<file path=ppt/slides/slide26.xml><?xml version="1.0" encoding="utf-8"?>
+<file path=ppt/slides/slide27.xml><?xml version="1.0" encoding="utf-8"?>
 <p:sld xmlns:a="http://schemas.openxmlformats.org/drawingml/2006/main" xmlns:r="http://schemas.openxmlformats.org/officeDocument/2006/relationships" xmlns:p="http://schemas.openxmlformats.org/presentationml/2006/main">
   <p:cSld>
     <p:spTree>
@@ -11112,7 +11171,7 @@
 </p:sld>
 </file>
 
-<file path=ppt/slides/slide27.xml><?xml version="1.0" encoding="utf-8"?>
+<file path=ppt/slides/slide28.xml><?xml version="1.0" encoding="utf-8"?>
 <p:sld xmlns:a="http://schemas.openxmlformats.org/drawingml/2006/main" xmlns:r="http://schemas.openxmlformats.org/officeDocument/2006/relationships" xmlns:p="http://schemas.openxmlformats.org/presentationml/2006/main">
   <p:cSld>
     <p:spTree>
@@ -11210,7 +11269,7 @@
 </p:sld>
 </file>
 
-<file path=ppt/slides/slide28.xml><?xml version="1.0" encoding="utf-8"?>
+<file path=ppt/slides/slide29.xml><?xml version="1.0" encoding="utf-8"?>
 <p:sld xmlns:a="http://schemas.openxmlformats.org/drawingml/2006/main" xmlns:r="http://schemas.openxmlformats.org/officeDocument/2006/relationships" xmlns:p="http://schemas.openxmlformats.org/presentationml/2006/main">
   <p:cSld>
     <p:spTree>
@@ -11479,94 +11538,6 @@
     <p:extLst>
       <p:ext uri="{BB962C8B-B14F-4D97-AF65-F5344CB8AC3E}">
         <p14:creationId xmlns:p14="http://schemas.microsoft.com/office/powerpoint/2010/main" val="1697315730"/>
-      </p:ext>
-    </p:extLst>
-  </p:cSld>
-  <p:clrMapOvr>
-    <a:masterClrMapping/>
-  </p:clrMapOvr>
-</p:sld>
-</file>
-
-<file path=ppt/slides/slide29.xml><?xml version="1.0" encoding="utf-8"?>
-<p:sld xmlns:a="http://schemas.openxmlformats.org/drawingml/2006/main" xmlns:r="http://schemas.openxmlformats.org/officeDocument/2006/relationships" xmlns:p="http://schemas.openxmlformats.org/presentationml/2006/main">
-  <p:cSld>
-    <p:spTree>
-      <p:nvGrpSpPr>
-        <p:cNvPr id="1" name=""/>
-        <p:cNvGrpSpPr/>
-        <p:nvPr/>
-      </p:nvGrpSpPr>
-      <p:grpSpPr>
-        <a:xfrm>
-          <a:off x="0" y="0"/>
-          <a:ext cx="0" cy="0"/>
-          <a:chOff x="0" y="0"/>
-          <a:chExt cx="0" cy="0"/>
-        </a:xfrm>
-      </p:grpSpPr>
-      <p:sp>
-        <p:nvSpPr>
-          <p:cNvPr id="2" name="제목 1">
-            <a:extLst>
-              <a:ext uri="{FF2B5EF4-FFF2-40B4-BE49-F238E27FC236}">
-                <a16:creationId xmlns:a16="http://schemas.microsoft.com/office/drawing/2014/main" id="{2135F92A-65F5-4C7A-8C04-BF5F199039F2}"/>
-              </a:ext>
-            </a:extLst>
-          </p:cNvPr>
-          <p:cNvSpPr>
-            <a:spLocks noGrp="1"/>
-          </p:cNvSpPr>
-          <p:nvPr>
-            <p:ph type="title"/>
-          </p:nvPr>
-        </p:nvSpPr>
-        <p:spPr/>
-        <p:txBody>
-          <a:bodyPr/>
-          <a:lstStyle/>
-          <a:p>
-            <a:endParaRPr lang="ko-KR" altLang="en-US"/>
-          </a:p>
-        </p:txBody>
-      </p:sp>
-      <p:sp>
-        <p:nvSpPr>
-          <p:cNvPr id="3" name="내용 개체 틀 2">
-            <a:extLst>
-              <a:ext uri="{FF2B5EF4-FFF2-40B4-BE49-F238E27FC236}">
-                <a16:creationId xmlns:a16="http://schemas.microsoft.com/office/drawing/2014/main" id="{FB21A4AE-E1C2-4042-9B9E-43F419C42235}"/>
-              </a:ext>
-            </a:extLst>
-          </p:cNvPr>
-          <p:cNvSpPr>
-            <a:spLocks noGrp="1"/>
-          </p:cNvSpPr>
-          <p:nvPr>
-            <p:ph idx="1"/>
-          </p:nvPr>
-        </p:nvSpPr>
-        <p:spPr/>
-        <p:txBody>
-          <a:bodyPr/>
-          <a:lstStyle/>
-          <a:p>
-            <a:r>
-              <a:rPr lang="ko-KR" altLang="en-US" dirty="0"/>
-              <a:t>코드를 작성하고 버그를 수정한다</a:t>
-            </a:r>
-            <a:r>
-              <a:rPr lang="en-US" altLang="ko-KR" dirty="0"/>
-              <a:t>.</a:t>
-            </a:r>
-            <a:endParaRPr lang="ko-KR" altLang="en-US" dirty="0"/>
-          </a:p>
-        </p:txBody>
-      </p:sp>
-    </p:spTree>
-    <p:extLst>
-      <p:ext uri="{BB962C8B-B14F-4D97-AF65-F5344CB8AC3E}">
-        <p14:creationId xmlns:p14="http://schemas.microsoft.com/office/powerpoint/2010/main" val="1303733429"/>
       </p:ext>
     </p:extLst>
   </p:cSld>
@@ -11873,6 +11844,94 @@
       </p:grpSpPr>
       <p:sp>
         <p:nvSpPr>
+          <p:cNvPr id="2" name="제목 1">
+            <a:extLst>
+              <a:ext uri="{FF2B5EF4-FFF2-40B4-BE49-F238E27FC236}">
+                <a16:creationId xmlns:a16="http://schemas.microsoft.com/office/drawing/2014/main" id="{2135F92A-65F5-4C7A-8C04-BF5F199039F2}"/>
+              </a:ext>
+            </a:extLst>
+          </p:cNvPr>
+          <p:cNvSpPr>
+            <a:spLocks noGrp="1"/>
+          </p:cNvSpPr>
+          <p:nvPr>
+            <p:ph type="title"/>
+          </p:nvPr>
+        </p:nvSpPr>
+        <p:spPr/>
+        <p:txBody>
+          <a:bodyPr/>
+          <a:lstStyle/>
+          <a:p>
+            <a:endParaRPr lang="ko-KR" altLang="en-US"/>
+          </a:p>
+        </p:txBody>
+      </p:sp>
+      <p:sp>
+        <p:nvSpPr>
+          <p:cNvPr id="3" name="내용 개체 틀 2">
+            <a:extLst>
+              <a:ext uri="{FF2B5EF4-FFF2-40B4-BE49-F238E27FC236}">
+                <a16:creationId xmlns:a16="http://schemas.microsoft.com/office/drawing/2014/main" id="{FB21A4AE-E1C2-4042-9B9E-43F419C42235}"/>
+              </a:ext>
+            </a:extLst>
+          </p:cNvPr>
+          <p:cNvSpPr>
+            <a:spLocks noGrp="1"/>
+          </p:cNvSpPr>
+          <p:nvPr>
+            <p:ph idx="1"/>
+          </p:nvPr>
+        </p:nvSpPr>
+        <p:spPr/>
+        <p:txBody>
+          <a:bodyPr/>
+          <a:lstStyle/>
+          <a:p>
+            <a:r>
+              <a:rPr lang="ko-KR" altLang="en-US" dirty="0"/>
+              <a:t>코드를 작성하고 버그를 수정한다</a:t>
+            </a:r>
+            <a:r>
+              <a:rPr lang="en-US" altLang="ko-KR" dirty="0"/>
+              <a:t>.</a:t>
+            </a:r>
+            <a:endParaRPr lang="ko-KR" altLang="en-US" dirty="0"/>
+          </a:p>
+        </p:txBody>
+      </p:sp>
+    </p:spTree>
+    <p:extLst>
+      <p:ext uri="{BB962C8B-B14F-4D97-AF65-F5344CB8AC3E}">
+        <p14:creationId xmlns:p14="http://schemas.microsoft.com/office/powerpoint/2010/main" val="1303733429"/>
+      </p:ext>
+    </p:extLst>
+  </p:cSld>
+  <p:clrMapOvr>
+    <a:masterClrMapping/>
+  </p:clrMapOvr>
+</p:sld>
+</file>
+
+<file path=ppt/slides/slide31.xml><?xml version="1.0" encoding="utf-8"?>
+<p:sld xmlns:a="http://schemas.openxmlformats.org/drawingml/2006/main" xmlns:r="http://schemas.openxmlformats.org/officeDocument/2006/relationships" xmlns:p="http://schemas.openxmlformats.org/presentationml/2006/main">
+  <p:cSld>
+    <p:spTree>
+      <p:nvGrpSpPr>
+        <p:cNvPr id="1" name=""/>
+        <p:cNvGrpSpPr/>
+        <p:nvPr/>
+      </p:nvGrpSpPr>
+      <p:grpSpPr>
+        <a:xfrm>
+          <a:off x="0" y="0"/>
+          <a:ext cx="0" cy="0"/>
+          <a:chOff x="0" y="0"/>
+          <a:chExt cx="0" cy="0"/>
+        </a:xfrm>
+      </p:grpSpPr>
+      <p:sp>
+        <p:nvSpPr>
           <p:cNvPr id="10" name="직사각형 9"/>
           <p:cNvSpPr/>
           <p:nvPr/>
@@ -12151,7 +12210,7 @@
 </p:sld>
 </file>
 
-<file path=ppt/slides/slide31.xml><?xml version="1.0" encoding="utf-8"?>
+<file path=ppt/slides/slide32.xml><?xml version="1.0" encoding="utf-8"?>
 <p:sld xmlns:a="http://schemas.openxmlformats.org/drawingml/2006/main" xmlns:r="http://schemas.openxmlformats.org/officeDocument/2006/relationships" xmlns:p="http://schemas.openxmlformats.org/presentationml/2006/main">
   <p:cSld>
     <p:spTree>

--- a/2021_Summer/jp.hong/Project_BnD_jph.pptx
+++ b/2021_Summer/jp.hong/Project_BnD_jph.pptx
@@ -2,7 +2,7 @@
 <file path=ppt/presentation.xml><?xml version="1.0" encoding="utf-8"?>
 <p:presentation xmlns:r="http://schemas.openxmlformats.org/officeDocument/2006/relationships" xmlns:c="http://schemas.openxmlformats.org/drawingml/2006/chart" xmlns:a="http://schemas.openxmlformats.org/drawingml/2006/main" xmlns:dgm="http://schemas.openxmlformats.org/drawingml/2006/diagram" xmlns:dsp="http://schemas.microsoft.com/office/drawing/2008/diagram" xmlns:p="http://schemas.openxmlformats.org/presentationml/2006/main">
   <p:sldMasterIdLst>
-    <p:sldMasterId id="2147483666" r:id="rId1"/>
+    <p:sldMasterId id="2147483670" r:id="rId1"/>
   </p:sldMasterIdLst>
   <p:sldIdLst>
     <p:sldId id="261" r:id="rId2"/>
@@ -31,12 +31,13 @@
     <p:sldId id="334" r:id="rId25"/>
     <p:sldId id="291" r:id="rId26"/>
     <p:sldId id="299" r:id="rId27"/>
-    <p:sldId id="292" r:id="rId28"/>
-    <p:sldId id="300" r:id="rId29"/>
-    <p:sldId id="306" r:id="rId30"/>
-    <p:sldId id="307" r:id="rId31"/>
-    <p:sldId id="294" r:id="rId32"/>
-    <p:sldId id="302" r:id="rId33"/>
+    <p:sldId id="335" r:id="rId28"/>
+    <p:sldId id="292" r:id="rId29"/>
+    <p:sldId id="300" r:id="rId30"/>
+    <p:sldId id="306" r:id="rId31"/>
+    <p:sldId id="307" r:id="rId32"/>
+    <p:sldId id="294" r:id="rId33"/>
+    <p:sldId id="302" r:id="rId34"/>
   </p:sldIdLst>
   <p:sldSz cx="12192000" cy="6858000"/>
   <p:notesSz cx="7104063" cy="10234613"/>
@@ -4358,7 +4359,15 @@
             </a:pPr>
             <a:r>
               <a:rPr lang="ko-KR" altLang="en-US"/>
-              <a:t>추출할 데이터 종류를 선별하여 엑셀 파일로 정보 출력</a:t>
+              <a:t>추출할 데이터 종류를 선별하여 </a:t>
+            </a:r>
+            <a:r>
+              <a:rPr lang="en-US" altLang="ko-KR"/>
+              <a:t>.xlsx</a:t>
+            </a:r>
+            <a:r>
+              <a:rPr lang="ko-KR" altLang="en-US"/>
+              <a:t>파일로 정보 출력</a:t>
             </a:r>
             <a:endParaRPr lang="ko-KR" altLang="en-US"/>
           </a:p>
@@ -4914,7 +4923,7 @@
         </p:spPr>
         <p:txBody>
           <a:bodyPr vert="horz" lIns="91440" tIns="45720" rIns="91440" bIns="45720">
-            <a:normAutofit fontScale="70000" lnSpcReduction="20000"/>
+            <a:normAutofit fontScale="47500" lnSpcReduction="20000"/>
           </a:bodyPr>
           <a:lstStyle/>
           <a:p>
@@ -5060,6 +5069,62 @@
               <a:rPr lang="ko-KR" altLang="en-US"/>
               <a:t>- 시스템에 있는 모든 계정과 그룹에 관한 정보를 저장</a:t>
             </a:r>
+            <a:endParaRPr lang="ko-KR" altLang="en-US"/>
+          </a:p>
+          <a:p>
+            <a:pPr>
+              <a:defRPr/>
+            </a:pPr>
+            <a:endParaRPr lang="ko-KR" altLang="en-US"/>
+          </a:p>
+          <a:p>
+            <a:pPr>
+              <a:defRPr/>
+            </a:pPr>
+            <a:r>
+              <a:rPr lang="en-US" altLang="ko-KR"/>
+              <a:t>regipy</a:t>
+            </a:r>
+            <a:endParaRPr lang="en-US" altLang="ko-KR"/>
+          </a:p>
+          <a:p>
+            <a:pPr>
+              <a:defRPr/>
+            </a:pPr>
+            <a:r>
+              <a:rPr lang="en-US" altLang="ko-KR">
+                <a:hlinkClick r:id="rId2"/>
+              </a:rPr>
+              <a:t>https://github.com/mkorman90/regipy</a:t>
+            </a:r>
+            <a:endParaRPr lang="en-US" altLang="ko-KR"/>
+          </a:p>
+          <a:p>
+            <a:pPr>
+              <a:defRPr/>
+            </a:pPr>
+            <a:r>
+              <a:rPr lang="en-US" altLang="ko-KR"/>
+              <a:t>code</a:t>
+            </a:r>
+            <a:endParaRPr lang="en-US" altLang="ko-KR"/>
+          </a:p>
+          <a:p>
+            <a:pPr>
+              <a:defRPr/>
+            </a:pPr>
+            <a:r>
+              <a:rPr lang="en-US" altLang="ko-KR">
+                <a:hlinkClick r:id="rId3"/>
+              </a:rPr>
+              <a:t>https://coblin.xyz/11</a:t>
+            </a:r>
+            <a:endParaRPr lang="en-US" altLang="ko-KR"/>
+          </a:p>
+          <a:p>
+            <a:pPr>
+              <a:defRPr/>
+            </a:pPr>
             <a:endParaRPr lang="en-US" altLang="ko-KR"/>
           </a:p>
         </p:txBody>
@@ -5892,7 +5957,7 @@
             </a:pPr>
             <a:r>
               <a:rPr lang="en-US" altLang="ko-KR"/>
-              <a:t>excel</a:t>
+              <a:t> - .xlsx</a:t>
             </a:r>
             <a:r>
               <a:rPr lang="ko-KR" altLang="en-US"/>
@@ -10101,7 +10166,7 @@
               <a:buNone/>
               <a:defRPr/>
             </a:pPr>
-            <a:endParaRPr lang="ko-KR" altLang="en-US"/>
+            <a:endParaRPr lang="en-US" altLang="ko-KR"/>
           </a:p>
           <a:p>
             <a:pPr lvl="0">
@@ -10173,11 +10238,11 @@
             </a:r>
             <a:r>
               <a:rPr lang="en-US" altLang="ko-KR"/>
-              <a:t>excel</a:t>
-            </a:r>
-            <a:r>
-              <a:rPr lang="ko-KR" altLang="en-US"/>
-              <a:t> 파일로 저장</a:t>
+              <a:t>.xlsx</a:t>
+            </a:r>
+            <a:r>
+              <a:rPr lang="ko-KR" altLang="en-US"/>
+              <a:t>파일로 저장</a:t>
             </a:r>
             <a:endParaRPr lang="ko-KR" altLang="en-US"/>
           </a:p>
@@ -10200,7 +10265,7 @@
             </a:r>
             <a:r>
               <a:rPr lang="en-US" altLang="ko-KR"/>
-              <a:t>excel </a:t>
+              <a:t>.xlsx</a:t>
             </a:r>
             <a:r>
               <a:rPr lang="ko-KR" altLang="en-US"/>
@@ -10796,7 +10861,7 @@
 </file>
 
 <file path=ppt/slides/slide26.xml><?xml version="1.0" encoding="utf-8"?>
-<p:sld xmlns:a="http://schemas.openxmlformats.org/drawingml/2006/main" xmlns:r="http://schemas.openxmlformats.org/officeDocument/2006/relationships" xmlns:p="http://schemas.openxmlformats.org/presentationml/2006/main">
+<p:sld xmlns:r="http://schemas.openxmlformats.org/officeDocument/2006/relationships" xmlns:c="http://schemas.openxmlformats.org/drawingml/2006/chart" xmlns:a="http://schemas.openxmlformats.org/drawingml/2006/main" xmlns:dgm="http://schemas.openxmlformats.org/drawingml/2006/diagram" xmlns:dsp="http://schemas.microsoft.com/office/drawing/2008/diagram" xmlns:p="http://schemas.openxmlformats.org/presentationml/2006/main">
   <p:cSld>
     <p:spTree>
       <p:nvGrpSpPr>
@@ -10814,18 +10879,12 @@
       </p:grpSpPr>
       <p:sp>
         <p:nvSpPr>
-          <p:cNvPr id="2" name="제목 1">
-            <a:extLst>
-              <a:ext uri="{FF2B5EF4-FFF2-40B4-BE49-F238E27FC236}">
-                <a16:creationId xmlns:a16="http://schemas.microsoft.com/office/drawing/2014/main" id="{CD32A4A8-C5FD-473F-A41F-A660400BC448}"/>
-              </a:ext>
-            </a:extLst>
-          </p:cNvPr>
+          <p:cNvPr id="2" name="제목 1"/>
           <p:cNvSpPr>
             <a:spLocks noGrp="1"/>
           </p:cNvSpPr>
           <p:nvPr>
-            <p:ph type="title"/>
+            <p:ph type="title" idx="0"/>
           </p:nvPr>
         </p:nvSpPr>
         <p:spPr/>
@@ -10833,19 +10892,20 @@
           <a:bodyPr/>
           <a:lstStyle/>
           <a:p>
+            <a:pPr lvl="0">
+              <a:defRPr/>
+            </a:pPr>
+            <a:r>
+              <a:rPr lang="ko-KR" altLang="en-US"/>
+              <a:t/>
+            </a:r>
             <a:endParaRPr lang="ko-KR" altLang="en-US"/>
           </a:p>
         </p:txBody>
       </p:sp>
       <p:sp>
         <p:nvSpPr>
-          <p:cNvPr id="3" name="내용 개체 틀 2">
-            <a:extLst>
-              <a:ext uri="{FF2B5EF4-FFF2-40B4-BE49-F238E27FC236}">
-                <a16:creationId xmlns:a16="http://schemas.microsoft.com/office/drawing/2014/main" id="{FC688E77-0112-474B-BD84-18F7FC4240C7}"/>
-              </a:ext>
-            </a:extLst>
-          </p:cNvPr>
+          <p:cNvPr id="3" name="내용 개체 틀 2"/>
           <p:cNvSpPr>
             <a:spLocks noGrp="1"/>
           </p:cNvSpPr>
@@ -10858,42 +10918,311 @@
           <a:bodyPr/>
           <a:lstStyle/>
           <a:p>
-            <a:r>
-              <a:rPr lang="ko-KR" altLang="en-US" dirty="0"/>
+            <a:pPr lvl="0">
+              <a:defRPr/>
+            </a:pPr>
+            <a:r>
+              <a:rPr lang="ko-KR" altLang="en-US"/>
               <a:t>기능 구현에 필요한 기술을 알아본다</a:t>
             </a:r>
-            <a:endParaRPr lang="en-US" altLang="ko-KR" dirty="0"/>
-          </a:p>
-          <a:p>
-            <a:endParaRPr lang="en-US" altLang="ko-KR" dirty="0"/>
-          </a:p>
-          <a:p>
-            <a:r>
-              <a:rPr lang="ko-KR" altLang="en-US" dirty="0"/>
+            <a:endParaRPr lang="ko-KR" altLang="en-US"/>
+          </a:p>
+          <a:p>
+            <a:pPr lvl="0">
+              <a:defRPr/>
+            </a:pPr>
+            <a:endParaRPr lang="en-US" altLang="ko-KR"/>
+          </a:p>
+          <a:p>
+            <a:pPr lvl="0">
+              <a:defRPr/>
+            </a:pPr>
+            <a:r>
+              <a:rPr lang="ko-KR" altLang="en-US"/>
               <a:t>샘플 코드를 수집한다</a:t>
             </a:r>
             <a:r>
-              <a:rPr lang="en-US" altLang="ko-KR" dirty="0"/>
+              <a:rPr lang="en-US" altLang="ko-KR"/>
               <a:t>.</a:t>
             </a:r>
-            <a:endParaRPr lang="ko-KR" altLang="en-US" dirty="0"/>
+            <a:endParaRPr lang="ko-KR" altLang="en-US"/>
           </a:p>
         </p:txBody>
       </p:sp>
     </p:spTree>
-    <p:extLst>
-      <p:ext uri="{BB962C8B-B14F-4D97-AF65-F5344CB8AC3E}">
-        <p14:creationId xmlns:p14="http://schemas.microsoft.com/office/powerpoint/2010/main" val="414149680"/>
-      </p:ext>
-    </p:extLst>
   </p:cSld>
   <p:clrMapOvr>
     <a:masterClrMapping/>
   </p:clrMapOvr>
+  <mc:AlternateContent xmlns:mc="http://schemas.openxmlformats.org/markup-compatibility/2006">
+    <mc:Choice xmlns:p14="http://schemas.microsoft.com/office/powerpoint/2010/main" Requires="p14">
+      <p:transition xmlns:mc="http://schemas.openxmlformats.org/markup-compatibility/2006" xmlns:p14="http://schemas.microsoft.com/office/powerpoint/2010/main" mc:Ignorable="p14" p14:dur="500"/>
+    </mc:Choice>
+    <mc:Fallback>
+      <p:transition/>
+    </mc:Fallback>
+  </mc:AlternateContent>
 </p:sld>
 </file>
 
 <file path=ppt/slides/slide27.xml><?xml version="1.0" encoding="utf-8"?>
+<p:sld xmlns:r="http://schemas.openxmlformats.org/officeDocument/2006/relationships" xmlns:c="http://schemas.openxmlformats.org/drawingml/2006/chart" xmlns:a="http://schemas.openxmlformats.org/drawingml/2006/main" xmlns:dgm="http://schemas.openxmlformats.org/drawingml/2006/diagram" xmlns:dsp="http://schemas.microsoft.com/office/drawing/2008/diagram" xmlns:p="http://schemas.openxmlformats.org/presentationml/2006/main">
+  <p:cSld>
+    <p:spTree>
+      <p:nvGrpSpPr>
+        <p:cNvPr id="1" name=""/>
+        <p:cNvGrpSpPr/>
+        <p:nvPr/>
+      </p:nvGrpSpPr>
+      <p:grpSpPr>
+        <a:xfrm>
+          <a:off x="0" y="0"/>
+          <a:ext cx="0" cy="0"/>
+          <a:chOff x="0" y="0"/>
+          <a:chExt cx="0" cy="0"/>
+        </a:xfrm>
+      </p:grpSpPr>
+      <p:sp>
+        <p:nvSpPr>
+          <p:cNvPr id="4" name="직사각형 9"/>
+          <p:cNvSpPr/>
+          <p:nvPr/>
+        </p:nvSpPr>
+        <p:spPr>
+          <a:xfrm>
+            <a:off x="-1" y="0"/>
+            <a:ext cx="12192001" cy="1338109"/>
+          </a:xfrm>
+          <a:prstGeom prst="rect">
+            <a:avLst/>
+          </a:prstGeom>
+          <a:solidFill>
+            <a:schemeClr val="accent1">
+              <a:lumMod val="75000"/>
+            </a:schemeClr>
+          </a:solidFill>
+          <a:ln>
+            <a:noFill/>
+          </a:ln>
+        </p:spPr>
+        <p:style>
+          <a:lnRef idx="2">
+            <a:schemeClr val="accent1">
+              <a:shade val="50000"/>
+            </a:schemeClr>
+          </a:lnRef>
+          <a:fillRef idx="1">
+            <a:schemeClr val="accent1"/>
+          </a:fillRef>
+          <a:effectRef idx="0">
+            <a:schemeClr val="accent1"/>
+          </a:effectRef>
+          <a:fontRef idx="minor">
+            <a:schemeClr val="lt1"/>
+          </a:fontRef>
+        </p:style>
+        <p:txBody>
+          <a:bodyPr anchor="ctr"/>
+          <a:lstStyle/>
+          <a:p>
+            <a:pPr>
+              <a:defRPr/>
+            </a:pPr>
+            <a:r>
+              <a:rPr kumimoji="1" lang="en-US" altLang="ko-KR" sz="4800"/>
+              <a:t>4.</a:t>
+            </a:r>
+            <a:r>
+              <a:rPr kumimoji="1" lang="ko-KR" altLang="en-US" sz="4800"/>
+              <a:t> 기능검토</a:t>
+            </a:r>
+            <a:endParaRPr kumimoji="1" lang="en-US" altLang="ko-KR" sz="4800"/>
+          </a:p>
+        </p:txBody>
+      </p:sp>
+      <p:sp>
+        <p:nvSpPr>
+          <p:cNvPr id="14" name="내용 개체 틀 4"/>
+          <p:cNvSpPr>
+            <a:spLocks noGrp="1"/>
+          </p:cNvSpPr>
+          <p:nvPr>
+            <p:ph idx="1"/>
+          </p:nvPr>
+        </p:nvSpPr>
+        <p:spPr>
+          <a:xfrm>
+            <a:off x="0" y="1561042"/>
+            <a:ext cx="12192000" cy="5296957"/>
+          </a:xfrm>
+        </p:spPr>
+        <p:txBody>
+          <a:bodyPr vert="horz" lIns="91440" tIns="45720" rIns="91440" bIns="45720">
+            <a:normAutofit lnSpcReduction="10000"/>
+          </a:bodyPr>
+          <a:lstStyle/>
+          <a:p>
+            <a:pPr lvl="0">
+              <a:defRPr/>
+            </a:pPr>
+            <a:r>
+              <a:rPr lang="ko-KR" altLang="en-US"/>
+              <a:t>필요 기술</a:t>
+            </a:r>
+            <a:endParaRPr lang="ko-KR" altLang="en-US"/>
+          </a:p>
+          <a:p>
+            <a:pPr marL="0" lvl="0" indent="0">
+              <a:buNone/>
+              <a:defRPr/>
+            </a:pPr>
+            <a:r>
+              <a:rPr lang="ko-KR" altLang="en-US"/>
+              <a:t> </a:t>
+            </a:r>
+            <a:r>
+              <a:rPr lang="en-US" altLang="ko-KR"/>
+              <a:t>-</a:t>
+            </a:r>
+            <a:r>
+              <a:rPr lang="ko-KR" altLang="en-US"/>
+              <a:t> 레지스트리 접근 및 읽어올 방법</a:t>
+            </a:r>
+            <a:endParaRPr lang="ko-KR" altLang="en-US"/>
+          </a:p>
+          <a:p>
+            <a:pPr marL="0" lvl="0" indent="0">
+              <a:buNone/>
+              <a:defRPr/>
+            </a:pPr>
+            <a:r>
+              <a:rPr lang="ko-KR" altLang="en-US"/>
+              <a:t>   </a:t>
+            </a:r>
+            <a:r>
+              <a:rPr lang="en-US" altLang="ko-KR"/>
+              <a:t>-</a:t>
+            </a:r>
+            <a:r>
+              <a:rPr lang="ko-KR" altLang="en-US"/>
+              <a:t> </a:t>
+            </a:r>
+            <a:r>
+              <a:rPr lang="en-US" altLang="ko-KR"/>
+              <a:t>python</a:t>
+            </a:r>
+            <a:r>
+              <a:rPr lang="ko-KR" altLang="en-US"/>
+              <a:t>의 </a:t>
+            </a:r>
+            <a:r>
+              <a:rPr lang="en-US" altLang="ko-KR"/>
+              <a:t>winreg</a:t>
+            </a:r>
+            <a:r>
+              <a:rPr lang="ko-KR" altLang="en-US"/>
+              <a:t>모듈 사용</a:t>
+            </a:r>
+            <a:endParaRPr lang="ko-KR" altLang="en-US"/>
+          </a:p>
+          <a:p>
+            <a:pPr marL="0" lvl="0" indent="0">
+              <a:buNone/>
+              <a:defRPr/>
+            </a:pPr>
+            <a:r>
+              <a:rPr lang="ko-KR" altLang="en-US"/>
+              <a:t>   </a:t>
+            </a:r>
+            <a:r>
+              <a:rPr lang="en-US" altLang="ko-KR"/>
+              <a:t>-</a:t>
+            </a:r>
+            <a:r>
+              <a:rPr lang="ko-KR" altLang="en-US"/>
+              <a:t> 샘플코드 有</a:t>
+            </a:r>
+            <a:endParaRPr lang="ko-KR" altLang="en-US"/>
+          </a:p>
+          <a:p>
+            <a:pPr lvl="0">
+              <a:defRPr/>
+            </a:pPr>
+            <a:endParaRPr lang="ko-KR" altLang="en-US"/>
+          </a:p>
+          <a:p>
+            <a:pPr lvl="0">
+              <a:defRPr/>
+            </a:pPr>
+            <a:r>
+              <a:rPr lang="en-US" altLang="ko-KR"/>
+              <a:t>cmd</a:t>
+            </a:r>
+            <a:r>
+              <a:rPr lang="ko-KR" altLang="en-US"/>
+              <a:t>에서 출력한 목록 </a:t>
+            </a:r>
+            <a:r>
+              <a:rPr lang="en-US" altLang="ko-KR"/>
+              <a:t>xlsx</a:t>
+            </a:r>
+            <a:r>
+              <a:rPr lang="ko-KR" altLang="en-US"/>
+              <a:t>로 저장하는 코드 필요</a:t>
+            </a:r>
+            <a:endParaRPr lang="ko-KR" altLang="en-US"/>
+          </a:p>
+          <a:p>
+            <a:pPr lvl="0">
+              <a:defRPr/>
+            </a:pPr>
+            <a:endParaRPr lang="ko-KR" altLang="en-US"/>
+          </a:p>
+          <a:p>
+            <a:pPr lvl="0">
+              <a:defRPr/>
+            </a:pPr>
+            <a:r>
+              <a:rPr lang="ko-KR" altLang="en-US"/>
+              <a:t>정보 종류에 따라 더 높은 레지스트리 접근 권한 필요</a:t>
+            </a:r>
+            <a:endParaRPr lang="ko-KR" altLang="en-US"/>
+          </a:p>
+          <a:p>
+            <a:pPr lvl="0">
+              <a:defRPr/>
+            </a:pPr>
+            <a:r>
+              <a:rPr lang="ko-KR" altLang="en-US"/>
+              <a:t>ㄴ 해결방안 찾는 중</a:t>
+            </a:r>
+            <a:endParaRPr lang="ko-KR" altLang="en-US"/>
+          </a:p>
+          <a:p>
+            <a:pPr lvl="0">
+              <a:defRPr/>
+            </a:pPr>
+            <a:endParaRPr lang="ko-KR" altLang="en-US"/>
+          </a:p>
+        </p:txBody>
+      </p:sp>
+    </p:spTree>
+  </p:cSld>
+  <p:clrMapOvr>
+    <a:masterClrMapping/>
+  </p:clrMapOvr>
+  <mc:AlternateContent xmlns:mc="http://schemas.openxmlformats.org/markup-compatibility/2006">
+    <mc:Choice xmlns:p14="http://schemas.microsoft.com/office/powerpoint/2010/main" Requires="p14">
+      <p:transition xmlns:mc="http://schemas.openxmlformats.org/markup-compatibility/2006" xmlns:p14="http://schemas.microsoft.com/office/powerpoint/2010/main" mc:Ignorable="p14" p14:dur="500"/>
+    </mc:Choice>
+    <mc:Fallback>
+      <p:transition/>
+    </mc:Fallback>
+  </mc:AlternateContent>
+</p:sld>
+</file>
+
+<file path=ppt/slides/slide28.xml><?xml version="1.0" encoding="utf-8"?>
 <p:sld xmlns:a="http://schemas.openxmlformats.org/drawingml/2006/main" xmlns:r="http://schemas.openxmlformats.org/officeDocument/2006/relationships" xmlns:p="http://schemas.openxmlformats.org/presentationml/2006/main">
   <p:cSld>
     <p:spTree>
@@ -11171,7 +11500,7 @@
 </p:sld>
 </file>
 
-<file path=ppt/slides/slide28.xml><?xml version="1.0" encoding="utf-8"?>
+<file path=ppt/slides/slide29.xml><?xml version="1.0" encoding="utf-8"?>
 <p:sld xmlns:a="http://schemas.openxmlformats.org/drawingml/2006/main" xmlns:r="http://schemas.openxmlformats.org/officeDocument/2006/relationships" xmlns:p="http://schemas.openxmlformats.org/presentationml/2006/main">
   <p:cSld>
     <p:spTree>
@@ -11260,284 +11589,6 @@
     <p:extLst>
       <p:ext uri="{BB962C8B-B14F-4D97-AF65-F5344CB8AC3E}">
         <p14:creationId xmlns:p14="http://schemas.microsoft.com/office/powerpoint/2010/main" val="1723942396"/>
-      </p:ext>
-    </p:extLst>
-  </p:cSld>
-  <p:clrMapOvr>
-    <a:masterClrMapping/>
-  </p:clrMapOvr>
-</p:sld>
-</file>
-
-<file path=ppt/slides/slide29.xml><?xml version="1.0" encoding="utf-8"?>
-<p:sld xmlns:a="http://schemas.openxmlformats.org/drawingml/2006/main" xmlns:r="http://schemas.openxmlformats.org/officeDocument/2006/relationships" xmlns:p="http://schemas.openxmlformats.org/presentationml/2006/main">
-  <p:cSld>
-    <p:spTree>
-      <p:nvGrpSpPr>
-        <p:cNvPr id="1" name=""/>
-        <p:cNvGrpSpPr/>
-        <p:nvPr/>
-      </p:nvGrpSpPr>
-      <p:grpSpPr>
-        <a:xfrm>
-          <a:off x="0" y="0"/>
-          <a:ext cx="0" cy="0"/>
-          <a:chOff x="0" y="0"/>
-          <a:chExt cx="0" cy="0"/>
-        </a:xfrm>
-      </p:grpSpPr>
-      <p:sp>
-        <p:nvSpPr>
-          <p:cNvPr id="10" name="직사각형 9"/>
-          <p:cNvSpPr/>
-          <p:nvPr/>
-        </p:nvSpPr>
-        <p:spPr>
-          <a:xfrm>
-            <a:off x="-1" y="2398426"/>
-            <a:ext cx="12192001" cy="1338109"/>
-          </a:xfrm>
-          <a:prstGeom prst="rect">
-            <a:avLst/>
-          </a:prstGeom>
-          <a:solidFill>
-            <a:schemeClr val="accent1">
-              <a:lumMod val="75000"/>
-            </a:schemeClr>
-          </a:solidFill>
-          <a:ln>
-            <a:noFill/>
-          </a:ln>
-        </p:spPr>
-        <p:style>
-          <a:lnRef idx="2">
-            <a:schemeClr val="accent1">
-              <a:shade val="50000"/>
-            </a:schemeClr>
-          </a:lnRef>
-          <a:fillRef idx="1">
-            <a:schemeClr val="accent1"/>
-          </a:fillRef>
-          <a:effectRef idx="0">
-            <a:schemeClr val="accent1"/>
-          </a:effectRef>
-          <a:fontRef idx="minor">
-            <a:schemeClr val="lt1"/>
-          </a:fontRef>
-        </p:style>
-        <p:txBody>
-          <a:bodyPr rtlCol="0" anchor="ctr"/>
-          <a:lstStyle/>
-          <a:p>
-            <a:pPr algn="ctr"/>
-            <a:endParaRPr kumimoji="1" lang="ko-KR" altLang="en-US" dirty="0"/>
-          </a:p>
-        </p:txBody>
-      </p:sp>
-      <p:sp>
-        <p:nvSpPr>
-          <p:cNvPr id="12" name="부제목 2"/>
-          <p:cNvSpPr txBox="1">
-            <a:spLocks/>
-          </p:cNvSpPr>
-          <p:nvPr/>
-        </p:nvSpPr>
-        <p:spPr>
-          <a:xfrm>
-            <a:off x="1" y="2608234"/>
-            <a:ext cx="12192000" cy="754314"/>
-          </a:xfrm>
-          <a:prstGeom prst="rect">
-            <a:avLst/>
-          </a:prstGeom>
-        </p:spPr>
-        <p:txBody>
-          <a:bodyPr vert="horz" lIns="91440" tIns="45720" rIns="91440" bIns="45720" rtlCol="0" anchor="ctr">
-            <a:noAutofit/>
-          </a:bodyPr>
-          <a:lstStyle>
-            <a:lvl1pPr marL="0" indent="0" algn="ctr" defTabSz="914423" rtl="0" eaLnBrk="1" latinLnBrk="1" hangingPunct="1">
-              <a:lnSpc>
-                <a:spcPct val="90000"/>
-              </a:lnSpc>
-              <a:spcBef>
-                <a:spcPts val="1001"/>
-              </a:spcBef>
-              <a:buFont typeface="Arial"/>
-              <a:buNone/>
-              <a:defRPr sz="2400" kern="1200">
-                <a:solidFill>
-                  <a:schemeClr val="tx1"/>
-                </a:solidFill>
-                <a:latin typeface="+mn-lt"/>
-                <a:ea typeface="+mn-ea"/>
-                <a:cs typeface="+mn-cs"/>
-              </a:defRPr>
-            </a:lvl1pPr>
-            <a:lvl2pPr marL="457211" indent="0" algn="ctr" defTabSz="914423" rtl="0" eaLnBrk="1" latinLnBrk="1" hangingPunct="1">
-              <a:lnSpc>
-                <a:spcPct val="90000"/>
-              </a:lnSpc>
-              <a:spcBef>
-                <a:spcPts val="500"/>
-              </a:spcBef>
-              <a:buFont typeface="Arial"/>
-              <a:buNone/>
-              <a:defRPr sz="2000" kern="1200">
-                <a:solidFill>
-                  <a:schemeClr val="tx1"/>
-                </a:solidFill>
-                <a:latin typeface="+mn-lt"/>
-                <a:ea typeface="+mn-ea"/>
-                <a:cs typeface="+mn-cs"/>
-              </a:defRPr>
-            </a:lvl2pPr>
-            <a:lvl3pPr marL="914423" indent="0" algn="ctr" defTabSz="914423" rtl="0" eaLnBrk="1" latinLnBrk="1" hangingPunct="1">
-              <a:lnSpc>
-                <a:spcPct val="90000"/>
-              </a:lnSpc>
-              <a:spcBef>
-                <a:spcPts val="500"/>
-              </a:spcBef>
-              <a:buFont typeface="Arial"/>
-              <a:buNone/>
-              <a:defRPr sz="1801" kern="1200">
-                <a:solidFill>
-                  <a:schemeClr val="tx1"/>
-                </a:solidFill>
-                <a:latin typeface="+mn-lt"/>
-                <a:ea typeface="+mn-ea"/>
-                <a:cs typeface="+mn-cs"/>
-              </a:defRPr>
-            </a:lvl3pPr>
-            <a:lvl4pPr marL="1371634" indent="0" algn="ctr" defTabSz="914423" rtl="0" eaLnBrk="1" latinLnBrk="1" hangingPunct="1">
-              <a:lnSpc>
-                <a:spcPct val="90000"/>
-              </a:lnSpc>
-              <a:spcBef>
-                <a:spcPts val="500"/>
-              </a:spcBef>
-              <a:buFont typeface="Arial"/>
-              <a:buNone/>
-              <a:defRPr sz="1600" kern="1200">
-                <a:solidFill>
-                  <a:schemeClr val="tx1"/>
-                </a:solidFill>
-                <a:latin typeface="+mn-lt"/>
-                <a:ea typeface="+mn-ea"/>
-                <a:cs typeface="+mn-cs"/>
-              </a:defRPr>
-            </a:lvl4pPr>
-            <a:lvl5pPr marL="1828846" indent="0" algn="ctr" defTabSz="914423" rtl="0" eaLnBrk="1" latinLnBrk="1" hangingPunct="1">
-              <a:lnSpc>
-                <a:spcPct val="90000"/>
-              </a:lnSpc>
-              <a:spcBef>
-                <a:spcPts val="500"/>
-              </a:spcBef>
-              <a:buFont typeface="Arial"/>
-              <a:buNone/>
-              <a:defRPr sz="1600" kern="1200">
-                <a:solidFill>
-                  <a:schemeClr val="tx1"/>
-                </a:solidFill>
-                <a:latin typeface="+mn-lt"/>
-                <a:ea typeface="+mn-ea"/>
-                <a:cs typeface="+mn-cs"/>
-              </a:defRPr>
-            </a:lvl5pPr>
-            <a:lvl6pPr marL="2286057" indent="0" algn="ctr" defTabSz="914423" rtl="0" eaLnBrk="1" latinLnBrk="1" hangingPunct="1">
-              <a:lnSpc>
-                <a:spcPct val="90000"/>
-              </a:lnSpc>
-              <a:spcBef>
-                <a:spcPts val="500"/>
-              </a:spcBef>
-              <a:buFont typeface="Arial"/>
-              <a:buNone/>
-              <a:defRPr sz="1600" kern="1200">
-                <a:solidFill>
-                  <a:schemeClr val="tx1"/>
-                </a:solidFill>
-                <a:latin typeface="+mn-lt"/>
-                <a:ea typeface="+mn-ea"/>
-                <a:cs typeface="+mn-cs"/>
-              </a:defRPr>
-            </a:lvl6pPr>
-            <a:lvl7pPr marL="2743269" indent="0" algn="ctr" defTabSz="914423" rtl="0" eaLnBrk="1" latinLnBrk="1" hangingPunct="1">
-              <a:lnSpc>
-                <a:spcPct val="90000"/>
-              </a:lnSpc>
-              <a:spcBef>
-                <a:spcPts val="500"/>
-              </a:spcBef>
-              <a:buFont typeface="Arial"/>
-              <a:buNone/>
-              <a:defRPr sz="1600" kern="1200">
-                <a:solidFill>
-                  <a:schemeClr val="tx1"/>
-                </a:solidFill>
-                <a:latin typeface="+mn-lt"/>
-                <a:ea typeface="+mn-ea"/>
-                <a:cs typeface="+mn-cs"/>
-              </a:defRPr>
-            </a:lvl7pPr>
-            <a:lvl8pPr marL="3200480" indent="0" algn="ctr" defTabSz="914423" rtl="0" eaLnBrk="1" latinLnBrk="1" hangingPunct="1">
-              <a:lnSpc>
-                <a:spcPct val="90000"/>
-              </a:lnSpc>
-              <a:spcBef>
-                <a:spcPts val="500"/>
-              </a:spcBef>
-              <a:buFont typeface="Arial"/>
-              <a:buNone/>
-              <a:defRPr sz="1600" kern="1200">
-                <a:solidFill>
-                  <a:schemeClr val="tx1"/>
-                </a:solidFill>
-                <a:latin typeface="+mn-lt"/>
-                <a:ea typeface="+mn-ea"/>
-                <a:cs typeface="+mn-cs"/>
-              </a:defRPr>
-            </a:lvl8pPr>
-            <a:lvl9pPr marL="3657691" indent="0" algn="ctr" defTabSz="914423" rtl="0" eaLnBrk="1" latinLnBrk="1" hangingPunct="1">
-              <a:lnSpc>
-                <a:spcPct val="90000"/>
-              </a:lnSpc>
-              <a:spcBef>
-                <a:spcPts val="500"/>
-              </a:spcBef>
-              <a:buFont typeface="Arial"/>
-              <a:buNone/>
-              <a:defRPr sz="1600" kern="1200">
-                <a:solidFill>
-                  <a:schemeClr val="tx1"/>
-                </a:solidFill>
-                <a:latin typeface="+mn-lt"/>
-                <a:ea typeface="+mn-ea"/>
-                <a:cs typeface="+mn-cs"/>
-              </a:defRPr>
-            </a:lvl9pPr>
-          </a:lstStyle>
-          <a:p>
-            <a:r>
-              <a:rPr lang="ko-KR" altLang="en-US" sz="4800" dirty="0">
-                <a:solidFill>
-                  <a:schemeClr val="bg1"/>
-                </a:solidFill>
-                <a:latin typeface="+mj-lt"/>
-                <a:ea typeface="맑은 고딕" charset="-127"/>
-                <a:cs typeface="맑은 고딕" charset="-127"/>
-              </a:rPr>
-              <a:t>구현</a:t>
-            </a:r>
-          </a:p>
-        </p:txBody>
-      </p:sp>
-    </p:spTree>
-    <p:extLst>
-      <p:ext uri="{BB962C8B-B14F-4D97-AF65-F5344CB8AC3E}">
-        <p14:creationId xmlns:p14="http://schemas.microsoft.com/office/powerpoint/2010/main" val="1697315730"/>
       </p:ext>
     </p:extLst>
   </p:cSld>
@@ -11844,6 +11895,284 @@
       </p:grpSpPr>
       <p:sp>
         <p:nvSpPr>
+          <p:cNvPr id="10" name="직사각형 9"/>
+          <p:cNvSpPr/>
+          <p:nvPr/>
+        </p:nvSpPr>
+        <p:spPr>
+          <a:xfrm>
+            <a:off x="-1" y="2398426"/>
+            <a:ext cx="12192001" cy="1338109"/>
+          </a:xfrm>
+          <a:prstGeom prst="rect">
+            <a:avLst/>
+          </a:prstGeom>
+          <a:solidFill>
+            <a:schemeClr val="accent1">
+              <a:lumMod val="75000"/>
+            </a:schemeClr>
+          </a:solidFill>
+          <a:ln>
+            <a:noFill/>
+          </a:ln>
+        </p:spPr>
+        <p:style>
+          <a:lnRef idx="2">
+            <a:schemeClr val="accent1">
+              <a:shade val="50000"/>
+            </a:schemeClr>
+          </a:lnRef>
+          <a:fillRef idx="1">
+            <a:schemeClr val="accent1"/>
+          </a:fillRef>
+          <a:effectRef idx="0">
+            <a:schemeClr val="accent1"/>
+          </a:effectRef>
+          <a:fontRef idx="minor">
+            <a:schemeClr val="lt1"/>
+          </a:fontRef>
+        </p:style>
+        <p:txBody>
+          <a:bodyPr rtlCol="0" anchor="ctr"/>
+          <a:lstStyle/>
+          <a:p>
+            <a:pPr algn="ctr"/>
+            <a:endParaRPr kumimoji="1" lang="ko-KR" altLang="en-US" dirty="0"/>
+          </a:p>
+        </p:txBody>
+      </p:sp>
+      <p:sp>
+        <p:nvSpPr>
+          <p:cNvPr id="12" name="부제목 2"/>
+          <p:cNvSpPr txBox="1">
+            <a:spLocks/>
+          </p:cNvSpPr>
+          <p:nvPr/>
+        </p:nvSpPr>
+        <p:spPr>
+          <a:xfrm>
+            <a:off x="1" y="2608234"/>
+            <a:ext cx="12192000" cy="754314"/>
+          </a:xfrm>
+          <a:prstGeom prst="rect">
+            <a:avLst/>
+          </a:prstGeom>
+        </p:spPr>
+        <p:txBody>
+          <a:bodyPr vert="horz" lIns="91440" tIns="45720" rIns="91440" bIns="45720" rtlCol="0" anchor="ctr">
+            <a:noAutofit/>
+          </a:bodyPr>
+          <a:lstStyle>
+            <a:lvl1pPr marL="0" indent="0" algn="ctr" defTabSz="914423" rtl="0" eaLnBrk="1" latinLnBrk="1" hangingPunct="1">
+              <a:lnSpc>
+                <a:spcPct val="90000"/>
+              </a:lnSpc>
+              <a:spcBef>
+                <a:spcPts val="1001"/>
+              </a:spcBef>
+              <a:buFont typeface="Arial"/>
+              <a:buNone/>
+              <a:defRPr sz="2400" kern="1200">
+                <a:solidFill>
+                  <a:schemeClr val="tx1"/>
+                </a:solidFill>
+                <a:latin typeface="+mn-lt"/>
+                <a:ea typeface="+mn-ea"/>
+                <a:cs typeface="+mn-cs"/>
+              </a:defRPr>
+            </a:lvl1pPr>
+            <a:lvl2pPr marL="457211" indent="0" algn="ctr" defTabSz="914423" rtl="0" eaLnBrk="1" latinLnBrk="1" hangingPunct="1">
+              <a:lnSpc>
+                <a:spcPct val="90000"/>
+              </a:lnSpc>
+              <a:spcBef>
+                <a:spcPts val="500"/>
+              </a:spcBef>
+              <a:buFont typeface="Arial"/>
+              <a:buNone/>
+              <a:defRPr sz="2000" kern="1200">
+                <a:solidFill>
+                  <a:schemeClr val="tx1"/>
+                </a:solidFill>
+                <a:latin typeface="+mn-lt"/>
+                <a:ea typeface="+mn-ea"/>
+                <a:cs typeface="+mn-cs"/>
+              </a:defRPr>
+            </a:lvl2pPr>
+            <a:lvl3pPr marL="914423" indent="0" algn="ctr" defTabSz="914423" rtl="0" eaLnBrk="1" latinLnBrk="1" hangingPunct="1">
+              <a:lnSpc>
+                <a:spcPct val="90000"/>
+              </a:lnSpc>
+              <a:spcBef>
+                <a:spcPts val="500"/>
+              </a:spcBef>
+              <a:buFont typeface="Arial"/>
+              <a:buNone/>
+              <a:defRPr sz="1801" kern="1200">
+                <a:solidFill>
+                  <a:schemeClr val="tx1"/>
+                </a:solidFill>
+                <a:latin typeface="+mn-lt"/>
+                <a:ea typeface="+mn-ea"/>
+                <a:cs typeface="+mn-cs"/>
+              </a:defRPr>
+            </a:lvl3pPr>
+            <a:lvl4pPr marL="1371634" indent="0" algn="ctr" defTabSz="914423" rtl="0" eaLnBrk="1" latinLnBrk="1" hangingPunct="1">
+              <a:lnSpc>
+                <a:spcPct val="90000"/>
+              </a:lnSpc>
+              <a:spcBef>
+                <a:spcPts val="500"/>
+              </a:spcBef>
+              <a:buFont typeface="Arial"/>
+              <a:buNone/>
+              <a:defRPr sz="1600" kern="1200">
+                <a:solidFill>
+                  <a:schemeClr val="tx1"/>
+                </a:solidFill>
+                <a:latin typeface="+mn-lt"/>
+                <a:ea typeface="+mn-ea"/>
+                <a:cs typeface="+mn-cs"/>
+              </a:defRPr>
+            </a:lvl4pPr>
+            <a:lvl5pPr marL="1828846" indent="0" algn="ctr" defTabSz="914423" rtl="0" eaLnBrk="1" latinLnBrk="1" hangingPunct="1">
+              <a:lnSpc>
+                <a:spcPct val="90000"/>
+              </a:lnSpc>
+              <a:spcBef>
+                <a:spcPts val="500"/>
+              </a:spcBef>
+              <a:buFont typeface="Arial"/>
+              <a:buNone/>
+              <a:defRPr sz="1600" kern="1200">
+                <a:solidFill>
+                  <a:schemeClr val="tx1"/>
+                </a:solidFill>
+                <a:latin typeface="+mn-lt"/>
+                <a:ea typeface="+mn-ea"/>
+                <a:cs typeface="+mn-cs"/>
+              </a:defRPr>
+            </a:lvl5pPr>
+            <a:lvl6pPr marL="2286057" indent="0" algn="ctr" defTabSz="914423" rtl="0" eaLnBrk="1" latinLnBrk="1" hangingPunct="1">
+              <a:lnSpc>
+                <a:spcPct val="90000"/>
+              </a:lnSpc>
+              <a:spcBef>
+                <a:spcPts val="500"/>
+              </a:spcBef>
+              <a:buFont typeface="Arial"/>
+              <a:buNone/>
+              <a:defRPr sz="1600" kern="1200">
+                <a:solidFill>
+                  <a:schemeClr val="tx1"/>
+                </a:solidFill>
+                <a:latin typeface="+mn-lt"/>
+                <a:ea typeface="+mn-ea"/>
+                <a:cs typeface="+mn-cs"/>
+              </a:defRPr>
+            </a:lvl6pPr>
+            <a:lvl7pPr marL="2743269" indent="0" algn="ctr" defTabSz="914423" rtl="0" eaLnBrk="1" latinLnBrk="1" hangingPunct="1">
+              <a:lnSpc>
+                <a:spcPct val="90000"/>
+              </a:lnSpc>
+              <a:spcBef>
+                <a:spcPts val="500"/>
+              </a:spcBef>
+              <a:buFont typeface="Arial"/>
+              <a:buNone/>
+              <a:defRPr sz="1600" kern="1200">
+                <a:solidFill>
+                  <a:schemeClr val="tx1"/>
+                </a:solidFill>
+                <a:latin typeface="+mn-lt"/>
+                <a:ea typeface="+mn-ea"/>
+                <a:cs typeface="+mn-cs"/>
+              </a:defRPr>
+            </a:lvl7pPr>
+            <a:lvl8pPr marL="3200480" indent="0" algn="ctr" defTabSz="914423" rtl="0" eaLnBrk="1" latinLnBrk="1" hangingPunct="1">
+              <a:lnSpc>
+                <a:spcPct val="90000"/>
+              </a:lnSpc>
+              <a:spcBef>
+                <a:spcPts val="500"/>
+              </a:spcBef>
+              <a:buFont typeface="Arial"/>
+              <a:buNone/>
+              <a:defRPr sz="1600" kern="1200">
+                <a:solidFill>
+                  <a:schemeClr val="tx1"/>
+                </a:solidFill>
+                <a:latin typeface="+mn-lt"/>
+                <a:ea typeface="+mn-ea"/>
+                <a:cs typeface="+mn-cs"/>
+              </a:defRPr>
+            </a:lvl8pPr>
+            <a:lvl9pPr marL="3657691" indent="0" algn="ctr" defTabSz="914423" rtl="0" eaLnBrk="1" latinLnBrk="1" hangingPunct="1">
+              <a:lnSpc>
+                <a:spcPct val="90000"/>
+              </a:lnSpc>
+              <a:spcBef>
+                <a:spcPts val="500"/>
+              </a:spcBef>
+              <a:buFont typeface="Arial"/>
+              <a:buNone/>
+              <a:defRPr sz="1600" kern="1200">
+                <a:solidFill>
+                  <a:schemeClr val="tx1"/>
+                </a:solidFill>
+                <a:latin typeface="+mn-lt"/>
+                <a:ea typeface="+mn-ea"/>
+                <a:cs typeface="+mn-cs"/>
+              </a:defRPr>
+            </a:lvl9pPr>
+          </a:lstStyle>
+          <a:p>
+            <a:r>
+              <a:rPr lang="ko-KR" altLang="en-US" sz="4800" dirty="0">
+                <a:solidFill>
+                  <a:schemeClr val="bg1"/>
+                </a:solidFill>
+                <a:latin typeface="+mj-lt"/>
+                <a:ea typeface="맑은 고딕" charset="-127"/>
+                <a:cs typeface="맑은 고딕" charset="-127"/>
+              </a:rPr>
+              <a:t>구현</a:t>
+            </a:r>
+          </a:p>
+        </p:txBody>
+      </p:sp>
+    </p:spTree>
+    <p:extLst>
+      <p:ext uri="{BB962C8B-B14F-4D97-AF65-F5344CB8AC3E}">
+        <p14:creationId xmlns:p14="http://schemas.microsoft.com/office/powerpoint/2010/main" val="1697315730"/>
+      </p:ext>
+    </p:extLst>
+  </p:cSld>
+  <p:clrMapOvr>
+    <a:masterClrMapping/>
+  </p:clrMapOvr>
+</p:sld>
+</file>
+
+<file path=ppt/slides/slide31.xml><?xml version="1.0" encoding="utf-8"?>
+<p:sld xmlns:a="http://schemas.openxmlformats.org/drawingml/2006/main" xmlns:r="http://schemas.openxmlformats.org/officeDocument/2006/relationships" xmlns:p="http://schemas.openxmlformats.org/presentationml/2006/main">
+  <p:cSld>
+    <p:spTree>
+      <p:nvGrpSpPr>
+        <p:cNvPr id="1" name=""/>
+        <p:cNvGrpSpPr/>
+        <p:nvPr/>
+      </p:nvGrpSpPr>
+      <p:grpSpPr>
+        <a:xfrm>
+          <a:off x="0" y="0"/>
+          <a:ext cx="0" cy="0"/>
+          <a:chOff x="0" y="0"/>
+          <a:chExt cx="0" cy="0"/>
+        </a:xfrm>
+      </p:grpSpPr>
+      <p:sp>
+        <p:nvSpPr>
           <p:cNvPr id="2" name="제목 1">
             <a:extLst>
               <a:ext uri="{FF2B5EF4-FFF2-40B4-BE49-F238E27FC236}">
@@ -11913,7 +12242,7 @@
 </p:sld>
 </file>
 
-<file path=ppt/slides/slide31.xml><?xml version="1.0" encoding="utf-8"?>
+<file path=ppt/slides/slide32.xml><?xml version="1.0" encoding="utf-8"?>
 <p:sld xmlns:a="http://schemas.openxmlformats.org/drawingml/2006/main" xmlns:r="http://schemas.openxmlformats.org/officeDocument/2006/relationships" xmlns:p="http://schemas.openxmlformats.org/presentationml/2006/main">
   <p:cSld>
     <p:spTree>
@@ -12210,7 +12539,7 @@
 </p:sld>
 </file>
 
-<file path=ppt/slides/slide32.xml><?xml version="1.0" encoding="utf-8"?>
+<file path=ppt/slides/slide33.xml><?xml version="1.0" encoding="utf-8"?>
 <p:sld xmlns:a="http://schemas.openxmlformats.org/drawingml/2006/main" xmlns:r="http://schemas.openxmlformats.org/officeDocument/2006/relationships" xmlns:p="http://schemas.openxmlformats.org/presentationml/2006/main">
   <p:cSld>
     <p:spTree>

--- a/2021_Summer/jp.hong/Project_BnD_jph.pptx
+++ b/2021_Summer/jp.hong/Project_BnD_jph.pptx
@@ -2,7 +2,7 @@
 <file path=ppt/presentation.xml><?xml version="1.0" encoding="utf-8"?>
 <p:presentation xmlns:r="http://schemas.openxmlformats.org/officeDocument/2006/relationships" xmlns:c="http://schemas.openxmlformats.org/drawingml/2006/chart" xmlns:a="http://schemas.openxmlformats.org/drawingml/2006/main" xmlns:dgm="http://schemas.openxmlformats.org/drawingml/2006/diagram" xmlns:dsp="http://schemas.microsoft.com/office/drawing/2008/diagram" xmlns:p="http://schemas.openxmlformats.org/presentationml/2006/main">
   <p:sldMasterIdLst>
-    <p:sldMasterId id="2147483670" r:id="rId1"/>
+    <p:sldMasterId id="2147483666" r:id="rId1"/>
   </p:sldMasterIdLst>
   <p:sldIdLst>
     <p:sldId id="261" r:id="rId2"/>
@@ -19,25 +19,26 @@
     <p:sldId id="331" r:id="rId13"/>
     <p:sldId id="328" r:id="rId14"/>
     <p:sldId id="329" r:id="rId15"/>
-    <p:sldId id="288" r:id="rId16"/>
-    <p:sldId id="325" r:id="rId17"/>
-    <p:sldId id="332" r:id="rId18"/>
-    <p:sldId id="289" r:id="rId19"/>
-    <p:sldId id="297" r:id="rId20"/>
-    <p:sldId id="290" r:id="rId21"/>
-    <p:sldId id="298" r:id="rId22"/>
-    <p:sldId id="333" r:id="rId23"/>
-    <p:sldId id="330" r:id="rId24"/>
-    <p:sldId id="334" r:id="rId25"/>
-    <p:sldId id="291" r:id="rId26"/>
-    <p:sldId id="299" r:id="rId27"/>
-    <p:sldId id="335" r:id="rId28"/>
-    <p:sldId id="292" r:id="rId29"/>
-    <p:sldId id="300" r:id="rId30"/>
-    <p:sldId id="306" r:id="rId31"/>
-    <p:sldId id="307" r:id="rId32"/>
-    <p:sldId id="294" r:id="rId33"/>
-    <p:sldId id="302" r:id="rId34"/>
+    <p:sldId id="336" r:id="rId16"/>
+    <p:sldId id="288" r:id="rId17"/>
+    <p:sldId id="325" r:id="rId18"/>
+    <p:sldId id="332" r:id="rId19"/>
+    <p:sldId id="289" r:id="rId20"/>
+    <p:sldId id="297" r:id="rId21"/>
+    <p:sldId id="290" r:id="rId22"/>
+    <p:sldId id="298" r:id="rId23"/>
+    <p:sldId id="333" r:id="rId24"/>
+    <p:sldId id="330" r:id="rId25"/>
+    <p:sldId id="334" r:id="rId26"/>
+    <p:sldId id="291" r:id="rId27"/>
+    <p:sldId id="299" r:id="rId28"/>
+    <p:sldId id="335" r:id="rId29"/>
+    <p:sldId id="292" r:id="rId30"/>
+    <p:sldId id="300" r:id="rId31"/>
+    <p:sldId id="306" r:id="rId32"/>
+    <p:sldId id="307" r:id="rId33"/>
+    <p:sldId id="294" r:id="rId34"/>
+    <p:sldId id="302" r:id="rId35"/>
   </p:sldIdLst>
   <p:sldSz cx="12192000" cy="6858000"/>
   <p:notesSz cx="7104063" cy="10234613"/>
@@ -4581,7 +4582,7 @@
         </p:spPr>
         <p:txBody>
           <a:bodyPr vert="horz" lIns="91440" tIns="45720" rIns="91440" bIns="45720">
-            <a:normAutofit fontScale="62500" lnSpcReduction="20000"/>
+            <a:normAutofit fontScale="55000" lnSpcReduction="20000"/>
           </a:bodyPr>
           <a:lstStyle/>
           <a:p>
@@ -4724,50 +4725,38 @@
               <a:buNone/>
               <a:defRPr/>
             </a:pPr>
-            <a:endParaRPr lang="ko-KR" altLang="en-US"/>
-          </a:p>
-          <a:p>
-            <a:pPr lvl="0">
-              <a:defRPr/>
-            </a:pPr>
-            <a:r>
-              <a:rPr lang="ko-KR" altLang="en-US"/>
-              <a:t>윈도우 </a:t>
-            </a:r>
-            <a:r>
-              <a:rPr lang="en-US" altLang="ko-KR"/>
-              <a:t>manifest</a:t>
-            </a:r>
-            <a:r>
-              <a:rPr lang="ko-KR" altLang="en-US"/>
-              <a:t> 파일 수정하여 관리자 권한 요구</a:t>
-            </a:r>
-            <a:endParaRPr lang="ko-KR" altLang="en-US"/>
-          </a:p>
-          <a:p>
-            <a:pPr marL="0" lvl="0" indent="0">
-              <a:buNone/>
-              <a:defRPr/>
-            </a:pPr>
-            <a:r>
-              <a:rPr lang="ko-KR" altLang="en-US"/>
-              <a:t> </a:t>
-            </a:r>
-            <a:r>
-              <a:rPr lang="en-US" altLang="ko-KR"/>
-              <a:t>-</a:t>
-            </a:r>
-            <a:r>
-              <a:rPr lang="ko-KR" altLang="en-US"/>
-              <a:t> </a:t>
-            </a:r>
             <a:r>
               <a:rPr lang="en-US" altLang="ko-KR">
                 <a:hlinkClick r:id="rId8"/>
               </a:rPr>
-              <a:t>https://whackur.tistory.com/54</a:t>
+              <a:t>https://blog.system32.kr/114</a:t>
             </a:r>
             <a:endParaRPr lang="en-US" altLang="ko-KR"/>
+          </a:p>
+          <a:p>
+            <a:pPr marL="0" lvl="0" indent="0">
+              <a:buNone/>
+              <a:defRPr/>
+            </a:pPr>
+            <a:endParaRPr lang="en-US" altLang="ko-KR"/>
+          </a:p>
+          <a:p>
+            <a:pPr lvl="0">
+              <a:defRPr/>
+            </a:pPr>
+            <a:r>
+              <a:rPr lang="ko-KR" altLang="en-US"/>
+              <a:t>윈도우 </a:t>
+            </a:r>
+            <a:r>
+              <a:rPr lang="en-US" altLang="ko-KR"/>
+              <a:t>manifest</a:t>
+            </a:r>
+            <a:r>
+              <a:rPr lang="ko-KR" altLang="en-US"/>
+              <a:t> 파일 수정하여 관리자 권한 요구</a:t>
+            </a:r>
+            <a:endParaRPr lang="ko-KR" altLang="en-US"/>
           </a:p>
           <a:p>
             <a:pPr marL="0" lvl="0" indent="0">
@@ -4789,6 +4778,31 @@
             <a:r>
               <a:rPr lang="en-US" altLang="ko-KR">
                 <a:hlinkClick r:id="rId9"/>
+              </a:rPr>
+              <a:t>https://whackur.tistory.com/54</a:t>
+            </a:r>
+            <a:endParaRPr lang="en-US" altLang="ko-KR"/>
+          </a:p>
+          <a:p>
+            <a:pPr marL="0" lvl="0" indent="0">
+              <a:buNone/>
+              <a:defRPr/>
+            </a:pPr>
+            <a:r>
+              <a:rPr lang="ko-KR" altLang="en-US"/>
+              <a:t> </a:t>
+            </a:r>
+            <a:r>
+              <a:rPr lang="en-US" altLang="ko-KR"/>
+              <a:t>-</a:t>
+            </a:r>
+            <a:r>
+              <a:rPr lang="ko-KR" altLang="en-US"/>
+              <a:t> </a:t>
+            </a:r>
+            <a:r>
+              <a:rPr lang="en-US" altLang="ko-KR">
+                <a:hlinkClick r:id="rId10"/>
               </a:rPr>
               <a:t>https://m.blog.naver.com/PostView.naver?isHttpsRedirect=true&amp;blogId=elastica&amp;logNo=50071721556</a:t>
             </a:r>
@@ -5394,6 +5408,121 @@
       </p:grpSpPr>
       <p:sp>
         <p:nvSpPr>
+          <p:cNvPr id="6" name="직사각형 9"/>
+          <p:cNvSpPr/>
+          <p:nvPr/>
+        </p:nvSpPr>
+        <p:spPr>
+          <a:xfrm>
+            <a:off x="-1" y="0"/>
+            <a:ext cx="12192001" cy="1338109"/>
+          </a:xfrm>
+          <a:prstGeom prst="rect">
+            <a:avLst/>
+          </a:prstGeom>
+          <a:solidFill>
+            <a:schemeClr val="accent1">
+              <a:lumMod val="75000"/>
+            </a:schemeClr>
+          </a:solidFill>
+          <a:ln>
+            <a:noFill/>
+          </a:ln>
+        </p:spPr>
+        <p:style>
+          <a:lnRef idx="2">
+            <a:schemeClr val="accent1">
+              <a:shade val="50000"/>
+            </a:schemeClr>
+          </a:lnRef>
+          <a:fillRef idx="1">
+            <a:schemeClr val="accent1"/>
+          </a:fillRef>
+          <a:effectRef idx="0">
+            <a:schemeClr val="accent1"/>
+          </a:effectRef>
+          <a:fontRef idx="minor">
+            <a:schemeClr val="lt1"/>
+          </a:fontRef>
+        </p:style>
+        <p:txBody>
+          <a:bodyPr anchor="ctr"/>
+          <a:lstStyle/>
+          <a:p>
+            <a:pPr>
+              <a:defRPr/>
+            </a:pPr>
+            <a:r>
+              <a:rPr kumimoji="1" lang="en-US" altLang="ko-KR" sz="4800"/>
+              <a:t>1.</a:t>
+            </a:r>
+            <a:r>
+              <a:rPr kumimoji="1" lang="ko-KR" altLang="en-US" sz="4800"/>
+              <a:t> 참고자료</a:t>
+            </a:r>
+            <a:endParaRPr kumimoji="1" lang="ko-KR" altLang="en-US" sz="4800"/>
+          </a:p>
+        </p:txBody>
+      </p:sp>
+      <p:pic>
+        <p:nvPicPr>
+          <p:cNvPr id="8" name=""/>
+          <p:cNvPicPr>
+            <a:picLocks noChangeAspect="1"/>
+          </p:cNvPicPr>
+          <p:nvPr/>
+        </p:nvPicPr>
+        <p:blipFill rotWithShape="1">
+          <a:blip r:embed="rId2"/>
+          <a:stretch>
+            <a:fillRect/>
+          </a:stretch>
+        </p:blipFill>
+        <p:spPr>
+          <a:xfrm>
+            <a:off x="-3932" y="2036921"/>
+            <a:ext cx="12195932" cy="3569970"/>
+          </a:xfrm>
+          <a:prstGeom prst="rect">
+            <a:avLst/>
+          </a:prstGeom>
+        </p:spPr>
+      </p:pic>
+    </p:spTree>
+  </p:cSld>
+  <p:clrMapOvr>
+    <a:masterClrMapping/>
+  </p:clrMapOvr>
+  <mc:AlternateContent xmlns:mc="http://schemas.openxmlformats.org/markup-compatibility/2006">
+    <mc:Choice xmlns:p14="http://schemas.microsoft.com/office/powerpoint/2010/main" Requires="p14">
+      <p:transition xmlns:mc="http://schemas.openxmlformats.org/markup-compatibility/2006" xmlns:p14="http://schemas.microsoft.com/office/powerpoint/2010/main" mc:Ignorable="p14" p14:dur="500"/>
+    </mc:Choice>
+    <mc:Fallback>
+      <p:transition/>
+    </mc:Fallback>
+  </mc:AlternateContent>
+</p:sld>
+</file>
+
+<file path=ppt/slides/slide16.xml><?xml version="1.0" encoding="utf-8"?>
+<p:sld xmlns:r="http://schemas.openxmlformats.org/officeDocument/2006/relationships" xmlns:c="http://schemas.openxmlformats.org/drawingml/2006/chart" xmlns:a="http://schemas.openxmlformats.org/drawingml/2006/main" xmlns:dgm="http://schemas.openxmlformats.org/drawingml/2006/diagram" xmlns:dsp="http://schemas.microsoft.com/office/drawing/2008/diagram" xmlns:p="http://schemas.openxmlformats.org/presentationml/2006/main">
+  <p:cSld>
+    <p:spTree>
+      <p:nvGrpSpPr>
+        <p:cNvPr id="1" name=""/>
+        <p:cNvGrpSpPr/>
+        <p:nvPr/>
+      </p:nvGrpSpPr>
+      <p:grpSpPr>
+        <a:xfrm>
+          <a:off x="0" y="0"/>
+          <a:ext cx="0" cy="0"/>
+          <a:chOff x="0" y="0"/>
+          <a:chExt cx="0" cy="0"/>
+        </a:xfrm>
+      </p:grpSpPr>
+      <p:sp>
+        <p:nvSpPr>
           <p:cNvPr id="10" name="직사각형 9"/>
           <p:cNvSpPr/>
           <p:nvPr/>
@@ -5648,322 +5777,6 @@
               <a:ea typeface="맑은 고딕"/>
               <a:cs typeface="맑은 고딕"/>
             </a:endParaRPr>
-          </a:p>
-        </p:txBody>
-      </p:sp>
-    </p:spTree>
-  </p:cSld>
-  <p:clrMapOvr>
-    <a:masterClrMapping/>
-  </p:clrMapOvr>
-  <mc:AlternateContent xmlns:mc="http://schemas.openxmlformats.org/markup-compatibility/2006">
-    <mc:Choice xmlns:p14="http://schemas.microsoft.com/office/powerpoint/2010/main" Requires="p14">
-      <p:transition xmlns:mc="http://schemas.openxmlformats.org/markup-compatibility/2006" xmlns:p14="http://schemas.microsoft.com/office/powerpoint/2010/main" mc:Ignorable="p14" p14:dur="500"/>
-    </mc:Choice>
-    <mc:Fallback>
-      <p:transition/>
-    </mc:Fallback>
-  </mc:AlternateContent>
-</p:sld>
-</file>
-
-<file path=ppt/slides/slide16.xml><?xml version="1.0" encoding="utf-8"?>
-<p:sld xmlns:r="http://schemas.openxmlformats.org/officeDocument/2006/relationships" xmlns:c="http://schemas.openxmlformats.org/drawingml/2006/chart" xmlns:a="http://schemas.openxmlformats.org/drawingml/2006/main" xmlns:dgm="http://schemas.openxmlformats.org/drawingml/2006/diagram" xmlns:dsp="http://schemas.microsoft.com/office/drawing/2008/diagram" xmlns:p="http://schemas.openxmlformats.org/presentationml/2006/main">
-  <p:cSld>
-    <p:spTree>
-      <p:nvGrpSpPr>
-        <p:cNvPr id="1" name=""/>
-        <p:cNvGrpSpPr/>
-        <p:nvPr/>
-      </p:nvGrpSpPr>
-      <p:grpSpPr>
-        <a:xfrm>
-          <a:off x="0" y="0"/>
-          <a:ext cx="0" cy="0"/>
-          <a:chOff x="0" y="0"/>
-          <a:chExt cx="0" cy="0"/>
-        </a:xfrm>
-      </p:grpSpPr>
-      <p:sp>
-        <p:nvSpPr>
-          <p:cNvPr id="4" name="직사각형 9"/>
-          <p:cNvSpPr/>
-          <p:nvPr/>
-        </p:nvSpPr>
-        <p:spPr>
-          <a:xfrm>
-            <a:off x="-1" y="0"/>
-            <a:ext cx="12192001" cy="1338109"/>
-          </a:xfrm>
-          <a:prstGeom prst="rect">
-            <a:avLst/>
-          </a:prstGeom>
-          <a:solidFill>
-            <a:schemeClr val="accent1">
-              <a:lumMod val="75000"/>
-            </a:schemeClr>
-          </a:solidFill>
-          <a:ln>
-            <a:noFill/>
-          </a:ln>
-        </p:spPr>
-        <p:style>
-          <a:lnRef idx="2">
-            <a:schemeClr val="accent1">
-              <a:shade val="50000"/>
-            </a:schemeClr>
-          </a:lnRef>
-          <a:fillRef idx="1">
-            <a:schemeClr val="accent1"/>
-          </a:fillRef>
-          <a:effectRef idx="0">
-            <a:schemeClr val="accent1"/>
-          </a:effectRef>
-          <a:fontRef idx="minor">
-            <a:schemeClr val="lt1"/>
-          </a:fontRef>
-        </p:style>
-        <p:txBody>
-          <a:bodyPr anchor="ctr"/>
-          <a:lstStyle/>
-          <a:p>
-            <a:pPr>
-              <a:defRPr/>
-            </a:pPr>
-            <a:r>
-              <a:rPr kumimoji="1" lang="en-US" altLang="ko-KR" sz="4800"/>
-              <a:t>2.</a:t>
-            </a:r>
-            <a:r>
-              <a:rPr kumimoji="1" lang="ko-KR" altLang="en-US" sz="4800"/>
-              <a:t> 요구사항 정의</a:t>
-            </a:r>
-            <a:endParaRPr kumimoji="1" lang="ko-KR" altLang="en-US" sz="4800"/>
-          </a:p>
-        </p:txBody>
-      </p:sp>
-      <p:sp>
-        <p:nvSpPr>
-          <p:cNvPr id="5" name="내용 개체 틀 4"/>
-          <p:cNvSpPr>
-            <a:spLocks noGrp="1"/>
-          </p:cNvSpPr>
-          <p:nvPr>
-            <p:ph idx="1"/>
-          </p:nvPr>
-        </p:nvSpPr>
-        <p:spPr>
-          <a:xfrm>
-            <a:off x="0" y="1561042"/>
-            <a:ext cx="12192000" cy="5296957"/>
-          </a:xfrm>
-        </p:spPr>
-        <p:txBody>
-          <a:bodyPr vert="horz" lIns="91440" tIns="45720" rIns="91440" bIns="45720">
-            <a:normAutofit lnSpcReduction="10000"/>
-          </a:bodyPr>
-          <a:lstStyle/>
-          <a:p>
-            <a:pPr lvl="0">
-              <a:defRPr/>
-            </a:pPr>
-            <a:r>
-              <a:rPr lang="ko-KR" altLang="en-US"/>
-              <a:t>사용자 기록 추적 프로그램 </a:t>
-            </a:r>
-            <a:r>
-              <a:rPr lang="en-US" altLang="ko-KR"/>
-              <a:t>(</a:t>
-            </a:r>
-            <a:r>
-              <a:rPr lang="ko-KR" altLang="en-US"/>
-              <a:t>레지스트리 이용</a:t>
-            </a:r>
-            <a:r>
-              <a:rPr lang="en-US" altLang="ko-KR"/>
-              <a:t>)</a:t>
-            </a:r>
-            <a:endParaRPr lang="en-US" altLang="ko-KR"/>
-          </a:p>
-          <a:p>
-            <a:pPr lvl="0">
-              <a:defRPr/>
-            </a:pPr>
-            <a:endParaRPr lang="en-US" altLang="ko-KR"/>
-          </a:p>
-          <a:p>
-            <a:pPr lvl="0">
-              <a:defRPr/>
-            </a:pPr>
-            <a:r>
-              <a:rPr lang="ko-KR" altLang="en-US"/>
-              <a:t>어떠한 매체의 기록을 분석할 지 선택해야 한다</a:t>
-            </a:r>
-            <a:r>
-              <a:rPr lang="en-US" altLang="ko-KR"/>
-              <a:t>.</a:t>
-            </a:r>
-            <a:endParaRPr lang="en-US" altLang="ko-KR"/>
-          </a:p>
-          <a:p>
-            <a:pPr marL="0" lvl="0" indent="0">
-              <a:buNone/>
-              <a:defRPr/>
-            </a:pPr>
-            <a:r>
-              <a:rPr lang="ko-KR" altLang="en-US"/>
-              <a:t> </a:t>
-            </a:r>
-            <a:r>
-              <a:rPr lang="en-US" altLang="ko-KR"/>
-              <a:t>-</a:t>
-            </a:r>
-            <a:r>
-              <a:rPr lang="ko-KR" altLang="en-US"/>
-              <a:t> 매체를 선택하는 명령어는 숫자로 표현한다</a:t>
-            </a:r>
-            <a:r>
-              <a:rPr lang="en-US" altLang="ko-KR"/>
-              <a:t>. ex)</a:t>
-            </a:r>
-            <a:r>
-              <a:rPr lang="ko-KR" altLang="en-US"/>
-              <a:t> </a:t>
-            </a:r>
-            <a:r>
-              <a:rPr lang="en-US" altLang="ko-KR"/>
-              <a:t>1.</a:t>
-            </a:r>
-            <a:r>
-              <a:rPr lang="ko-KR" altLang="en-US"/>
-              <a:t> </a:t>
-            </a:r>
-            <a:r>
-              <a:rPr lang="en-US" altLang="ko-KR"/>
-              <a:t>USB 2. hwp</a:t>
-            </a:r>
-            <a:r>
-              <a:rPr lang="ko-KR" altLang="en-US"/>
-              <a:t> </a:t>
-            </a:r>
-            <a:r>
-              <a:rPr lang="en-US" altLang="ko-KR"/>
-              <a:t>3. excel</a:t>
-            </a:r>
-            <a:r>
-              <a:rPr lang="ko-KR" altLang="en-US"/>
-              <a:t> </a:t>
-            </a:r>
-            <a:r>
-              <a:rPr lang="en-US" altLang="ko-KR"/>
-              <a:t>...</a:t>
-            </a:r>
-            <a:r>
-              <a:rPr lang="ko-KR" altLang="en-US"/>
-              <a:t> </a:t>
-            </a:r>
-            <a:endParaRPr lang="ko-KR" altLang="en-US"/>
-          </a:p>
-          <a:p>
-            <a:pPr marL="0" lvl="0" indent="0">
-              <a:buNone/>
-              <a:defRPr/>
-            </a:pPr>
-            <a:r>
-              <a:rPr lang="ko-KR" altLang="en-US"/>
-              <a:t> </a:t>
-            </a:r>
-            <a:r>
-              <a:rPr lang="en-US" altLang="ko-KR"/>
-              <a:t>-</a:t>
-            </a:r>
-            <a:r>
-              <a:rPr lang="ko-KR" altLang="en-US"/>
-              <a:t> 마지막 선택 항목에 </a:t>
-            </a:r>
-            <a:r>
-              <a:rPr lang="en-US" altLang="ko-KR"/>
-              <a:t>help</a:t>
-            </a:r>
-            <a:r>
-              <a:rPr lang="ko-KR" altLang="en-US"/>
-              <a:t>명령어를 둔다</a:t>
-            </a:r>
-            <a:r>
-              <a:rPr lang="en-US" altLang="ko-KR"/>
-              <a:t>.</a:t>
-            </a:r>
-            <a:endParaRPr lang="en-US" altLang="ko-KR"/>
-          </a:p>
-          <a:p>
-            <a:pPr marL="0" lvl="0" indent="0">
-              <a:buNone/>
-              <a:defRPr/>
-            </a:pPr>
-            <a:endParaRPr lang="en-US" altLang="ko-KR"/>
-          </a:p>
-          <a:p>
-            <a:pPr lvl="0">
-              <a:defRPr/>
-            </a:pPr>
-            <a:r>
-              <a:rPr lang="en-US" altLang="ko-KR"/>
-              <a:t>help</a:t>
-            </a:r>
-            <a:r>
-              <a:rPr lang="ko-KR" altLang="en-US"/>
-              <a:t>명령어가 있어야 한다</a:t>
-            </a:r>
-            <a:r>
-              <a:rPr lang="en-US" altLang="ko-KR"/>
-              <a:t>.</a:t>
-            </a:r>
-            <a:endParaRPr lang="en-US" altLang="ko-KR"/>
-          </a:p>
-          <a:p>
-            <a:pPr marL="0" lvl="0" indent="0">
-              <a:buNone/>
-              <a:defRPr/>
-            </a:pPr>
-            <a:r>
-              <a:rPr lang="ko-KR" altLang="en-US"/>
-              <a:t> </a:t>
-            </a:r>
-            <a:r>
-              <a:rPr lang="en-US" altLang="ko-KR"/>
-              <a:t>-</a:t>
-            </a:r>
-            <a:r>
-              <a:rPr lang="ko-KR" altLang="en-US"/>
-              <a:t> 사용자가 어떠한 종류의 명령어가 있는지 알려주어야 한다</a:t>
-            </a:r>
-            <a:r>
-              <a:rPr lang="en-US" altLang="ko-KR"/>
-              <a:t>.</a:t>
-            </a:r>
-            <a:endParaRPr lang="en-US" altLang="ko-KR"/>
-          </a:p>
-          <a:p>
-            <a:pPr marL="0" lvl="0" indent="0">
-              <a:buNone/>
-              <a:defRPr/>
-            </a:pPr>
-            <a:endParaRPr lang="ko-KR" altLang="en-US"/>
-          </a:p>
-          <a:p>
-            <a:pPr marL="0" lvl="0" indent="0">
-              <a:buNone/>
-              <a:defRPr/>
-            </a:pPr>
-            <a:r>
-              <a:rPr lang="en-US" altLang="ko-KR"/>
-              <a:t> - .xlsx</a:t>
-            </a:r>
-            <a:r>
-              <a:rPr lang="ko-KR" altLang="en-US"/>
-              <a:t>파일로 기록을 내보낼 위치는 바탕화면</a:t>
-            </a:r>
-            <a:endParaRPr lang="ko-KR" altLang="en-US"/>
           </a:p>
         </p:txBody>
       </p:sp>
@@ -6076,7 +5889,7 @@
         </p:spPr>
         <p:txBody>
           <a:bodyPr vert="horz" lIns="91440" tIns="45720" rIns="91440" bIns="45720">
-            <a:normAutofit fontScale="92500" lnSpcReduction="20000"/>
+            <a:normAutofit lnSpcReduction="10000"/>
           </a:bodyPr>
           <a:lstStyle/>
           <a:p>
@@ -6108,21 +5921,18 @@
             <a:endParaRPr lang="en-US" altLang="ko-KR"/>
           </a:p>
           <a:p>
-            <a:pPr marL="0" lvl="0" indent="0">
-              <a:buNone/>
-              <a:defRPr/>
-            </a:pPr>
+            <a:pPr lvl="0">
+              <a:defRPr/>
+            </a:pPr>
+            <a:r>
+              <a:rPr lang="ko-KR" altLang="en-US"/>
+              <a:t>어떠한 매체의 기록을 분석할 지 선택해야 한다</a:t>
+            </a:r>
+            <a:r>
+              <a:rPr lang="en-US" altLang="ko-KR"/>
+              <a:t>.</a:t>
+            </a:r>
             <a:endParaRPr lang="en-US" altLang="ko-KR"/>
-          </a:p>
-          <a:p>
-            <a:pPr lvl="0">
-              <a:defRPr/>
-            </a:pPr>
-            <a:r>
-              <a:rPr lang="ko-KR" altLang="en-US"/>
-              <a:t>분석</a:t>
-            </a:r>
-            <a:endParaRPr lang="ko-KR" altLang="en-US"/>
           </a:p>
           <a:p>
             <a:pPr marL="0" lvl="0" indent="0">
@@ -6139,7 +5949,74 @@
             </a:r>
             <a:r>
               <a:rPr lang="ko-KR" altLang="en-US"/>
-              <a:t> 올바른 위치의 레지스트리 데이터를 정확하게 분석해야 한다</a:t>
+              <a:t> 매체를 선택하는 명령어는 숫자로 표현한다</a:t>
+            </a:r>
+            <a:r>
+              <a:rPr lang="en-US" altLang="ko-KR"/>
+              <a:t>. ex)</a:t>
+            </a:r>
+            <a:r>
+              <a:rPr lang="ko-KR" altLang="en-US"/>
+              <a:t> </a:t>
+            </a:r>
+            <a:r>
+              <a:rPr lang="en-US" altLang="ko-KR"/>
+              <a:t>1.</a:t>
+            </a:r>
+            <a:r>
+              <a:rPr lang="ko-KR" altLang="en-US"/>
+              <a:t> </a:t>
+            </a:r>
+            <a:r>
+              <a:rPr lang="en-US" altLang="ko-KR"/>
+              <a:t>USB 2. hwp</a:t>
+            </a:r>
+            <a:r>
+              <a:rPr lang="ko-KR" altLang="en-US"/>
+              <a:t> </a:t>
+            </a:r>
+            <a:r>
+              <a:rPr lang="en-US" altLang="ko-KR"/>
+              <a:t>3. excel</a:t>
+            </a:r>
+            <a:r>
+              <a:rPr lang="ko-KR" altLang="en-US"/>
+              <a:t> </a:t>
+            </a:r>
+            <a:r>
+              <a:rPr lang="en-US" altLang="ko-KR"/>
+              <a:t>...</a:t>
+            </a:r>
+            <a:r>
+              <a:rPr lang="ko-KR" altLang="en-US"/>
+              <a:t> </a:t>
+            </a:r>
+            <a:endParaRPr lang="ko-KR" altLang="en-US"/>
+          </a:p>
+          <a:p>
+            <a:pPr marL="0" lvl="0" indent="0">
+              <a:buNone/>
+              <a:defRPr/>
+            </a:pPr>
+            <a:r>
+              <a:rPr lang="ko-KR" altLang="en-US"/>
+              <a:t> </a:t>
+            </a:r>
+            <a:r>
+              <a:rPr lang="en-US" altLang="ko-KR"/>
+              <a:t>-</a:t>
+            </a:r>
+            <a:r>
+              <a:rPr lang="ko-KR" altLang="en-US"/>
+              <a:t> 마지막 선택 항목에 </a:t>
+            </a:r>
+            <a:r>
+              <a:rPr lang="en-US" altLang="ko-KR"/>
+              <a:t>help</a:t>
+            </a:r>
+            <a:r>
+              <a:rPr lang="ko-KR" altLang="en-US"/>
+              <a:t>명령어를 둔다</a:t>
             </a:r>
             <a:r>
               <a:rPr lang="en-US" altLang="ko-KR"/>
@@ -6152,6 +6029,31 @@
               <a:buNone/>
               <a:defRPr/>
             </a:pPr>
+            <a:endParaRPr lang="en-US" altLang="ko-KR"/>
+          </a:p>
+          <a:p>
+            <a:pPr lvl="0">
+              <a:defRPr/>
+            </a:pPr>
+            <a:r>
+              <a:rPr lang="en-US" altLang="ko-KR"/>
+              <a:t>help</a:t>
+            </a:r>
+            <a:r>
+              <a:rPr lang="ko-KR" altLang="en-US"/>
+              <a:t>명령어가 있어야 한다</a:t>
+            </a:r>
+            <a:r>
+              <a:rPr lang="en-US" altLang="ko-KR"/>
+              <a:t>.</a:t>
+            </a:r>
+            <a:endParaRPr lang="en-US" altLang="ko-KR"/>
+          </a:p>
+          <a:p>
+            <a:pPr marL="0" lvl="0" indent="0">
+              <a:buNone/>
+              <a:defRPr/>
+            </a:pPr>
             <a:r>
               <a:rPr lang="ko-KR" altLang="en-US"/>
               <a:t> </a:t>
@@ -6162,7 +6064,7 @@
             </a:r>
             <a:r>
               <a:rPr lang="ko-KR" altLang="en-US"/>
-              <a:t> 파일이 손상되거나 분석할 수 없는 경우 실패 메세지를 보여주어야 한다</a:t>
+              <a:t> 사용자가 어떠한 종류의 명령어가 있는지 알려주어야 한다</a:t>
             </a:r>
             <a:r>
               <a:rPr lang="en-US" altLang="ko-KR"/>
@@ -6175,124 +6077,21 @@
               <a:buNone/>
               <a:defRPr/>
             </a:pPr>
+            <a:endParaRPr lang="ko-KR" altLang="en-US"/>
+          </a:p>
+          <a:p>
+            <a:pPr marL="0" lvl="0" indent="0">
+              <a:buNone/>
+              <a:defRPr/>
+            </a:pPr>
             <a:r>
               <a:rPr lang="en-US" altLang="ko-KR"/>
-              <a:t> -</a:t>
-            </a:r>
-            <a:r>
-              <a:rPr lang="ko-KR" altLang="en-US"/>
-              <a:t> 분석이 완료되면 완료 메세지를 보여주어야 한다</a:t>
-            </a:r>
-            <a:r>
-              <a:rPr lang="en-US" altLang="ko-KR"/>
-              <a:t>.</a:t>
-            </a:r>
-            <a:endParaRPr lang="en-US" altLang="ko-KR"/>
-          </a:p>
-          <a:p>
-            <a:pPr marL="0" lvl="0" indent="0">
-              <a:buNone/>
-              <a:defRPr/>
-            </a:pPr>
-            <a:r>
-              <a:rPr lang="ko-KR" altLang="en-US"/>
-              <a:t> </a:t>
-            </a:r>
-            <a:endParaRPr lang="ko-KR" altLang="en-US"/>
-          </a:p>
-          <a:p>
-            <a:pPr lvl="0">
-              <a:defRPr/>
-            </a:pPr>
-            <a:r>
-              <a:rPr lang="ko-KR" altLang="en-US"/>
-              <a:t>언어</a:t>
-            </a:r>
-            <a:endParaRPr lang="ko-KR" altLang="en-US"/>
-          </a:p>
-          <a:p>
-            <a:pPr marL="0" lvl="0" indent="0">
-              <a:buNone/>
-              <a:defRPr/>
-            </a:pPr>
-            <a:r>
-              <a:rPr lang="ko-KR" altLang="en-US"/>
-              <a:t> </a:t>
-            </a:r>
-            <a:r>
-              <a:rPr lang="en-US" altLang="ko-KR"/>
-              <a:t>-</a:t>
-            </a:r>
-            <a:r>
-              <a:rPr lang="ko-KR" altLang="en-US"/>
-              <a:t> 구현을 위해 사용하는 언어는 </a:t>
-            </a:r>
-            <a:r>
-              <a:rPr lang="en-US" altLang="ko-KR"/>
-              <a:t>Python</a:t>
-            </a:r>
-            <a:r>
-              <a:rPr lang="ko-KR" altLang="en-US"/>
-              <a:t>으로 한다</a:t>
-            </a:r>
-            <a:r>
-              <a:rPr lang="en-US" altLang="ko-KR"/>
-              <a:t>.</a:t>
-            </a:r>
-            <a:endParaRPr lang="en-US" altLang="ko-KR"/>
-          </a:p>
-          <a:p>
-            <a:pPr lvl="0">
-              <a:defRPr/>
-            </a:pPr>
-            <a:endParaRPr lang="ko-KR" altLang="en-US"/>
-          </a:p>
-          <a:p>
-            <a:pPr lvl="0">
-              <a:defRPr/>
-            </a:pPr>
-            <a:r>
-              <a:rPr lang="ko-KR" altLang="en-US"/>
-              <a:t>한계점</a:t>
-            </a:r>
-            <a:endParaRPr lang="ko-KR" altLang="en-US"/>
-          </a:p>
-          <a:p>
-            <a:pPr marL="0" lvl="0" indent="0">
-              <a:buNone/>
-              <a:defRPr/>
-            </a:pPr>
-            <a:r>
-              <a:rPr lang="ko-KR" altLang="en-US"/>
-              <a:t>  </a:t>
-            </a:r>
-            <a:r>
-              <a:rPr lang="en-US" altLang="ko-KR"/>
-              <a:t>-</a:t>
-            </a:r>
-            <a:r>
-              <a:rPr lang="ko-KR" altLang="en-US"/>
-              <a:t> 레지스트리 접근권한 해결 방안</a:t>
-            </a:r>
-            <a:endParaRPr lang="en-US" altLang="ko-KR"/>
-          </a:p>
-          <a:p>
-            <a:pPr marL="0" lvl="0" indent="0">
-              <a:buNone/>
-              <a:defRPr/>
-            </a:pPr>
-            <a:endParaRPr lang="ko-KR" altLang="en-US"/>
-          </a:p>
-          <a:p>
-            <a:pPr lvl="0">
-              <a:defRPr/>
-            </a:pPr>
-            <a:endParaRPr lang="ko-KR" altLang="en-US"/>
-          </a:p>
-          <a:p>
-            <a:pPr lvl="0">
-              <a:defRPr/>
-            </a:pPr>
+              <a:t> - .xlsx</a:t>
+            </a:r>
+            <a:r>
+              <a:rPr lang="ko-KR" altLang="en-US"/>
+              <a:t>파일로 기록을 내보낼 위치는 바탕화면</a:t>
+            </a:r>
             <a:endParaRPr lang="ko-KR" altLang="en-US"/>
           </a:p>
         </p:txBody>
@@ -6314,6 +6113,336 @@
 </file>
 
 <file path=ppt/slides/slide18.xml><?xml version="1.0" encoding="utf-8"?>
+<p:sld xmlns:r="http://schemas.openxmlformats.org/officeDocument/2006/relationships" xmlns:c="http://schemas.openxmlformats.org/drawingml/2006/chart" xmlns:a="http://schemas.openxmlformats.org/drawingml/2006/main" xmlns:dgm="http://schemas.openxmlformats.org/drawingml/2006/diagram" xmlns:dsp="http://schemas.microsoft.com/office/drawing/2008/diagram" xmlns:p="http://schemas.openxmlformats.org/presentationml/2006/main">
+  <p:cSld>
+    <p:spTree>
+      <p:nvGrpSpPr>
+        <p:cNvPr id="1" name=""/>
+        <p:cNvGrpSpPr/>
+        <p:nvPr/>
+      </p:nvGrpSpPr>
+      <p:grpSpPr>
+        <a:xfrm>
+          <a:off x="0" y="0"/>
+          <a:ext cx="0" cy="0"/>
+          <a:chOff x="0" y="0"/>
+          <a:chExt cx="0" cy="0"/>
+        </a:xfrm>
+      </p:grpSpPr>
+      <p:sp>
+        <p:nvSpPr>
+          <p:cNvPr id="4" name="직사각형 9"/>
+          <p:cNvSpPr/>
+          <p:nvPr/>
+        </p:nvSpPr>
+        <p:spPr>
+          <a:xfrm>
+            <a:off x="-1" y="0"/>
+            <a:ext cx="12192001" cy="1338109"/>
+          </a:xfrm>
+          <a:prstGeom prst="rect">
+            <a:avLst/>
+          </a:prstGeom>
+          <a:solidFill>
+            <a:schemeClr val="accent1">
+              <a:lumMod val="75000"/>
+            </a:schemeClr>
+          </a:solidFill>
+          <a:ln>
+            <a:noFill/>
+          </a:ln>
+        </p:spPr>
+        <p:style>
+          <a:lnRef idx="2">
+            <a:schemeClr val="accent1">
+              <a:shade val="50000"/>
+            </a:schemeClr>
+          </a:lnRef>
+          <a:fillRef idx="1">
+            <a:schemeClr val="accent1"/>
+          </a:fillRef>
+          <a:effectRef idx="0">
+            <a:schemeClr val="accent1"/>
+          </a:effectRef>
+          <a:fontRef idx="minor">
+            <a:schemeClr val="lt1"/>
+          </a:fontRef>
+        </p:style>
+        <p:txBody>
+          <a:bodyPr anchor="ctr"/>
+          <a:lstStyle/>
+          <a:p>
+            <a:pPr>
+              <a:defRPr/>
+            </a:pPr>
+            <a:r>
+              <a:rPr kumimoji="1" lang="en-US" altLang="ko-KR" sz="4800"/>
+              <a:t>2.</a:t>
+            </a:r>
+            <a:r>
+              <a:rPr kumimoji="1" lang="ko-KR" altLang="en-US" sz="4800"/>
+              <a:t> 요구사항 정의</a:t>
+            </a:r>
+            <a:endParaRPr kumimoji="1" lang="ko-KR" altLang="en-US" sz="4800"/>
+          </a:p>
+        </p:txBody>
+      </p:sp>
+      <p:sp>
+        <p:nvSpPr>
+          <p:cNvPr id="5" name="내용 개체 틀 4"/>
+          <p:cNvSpPr>
+            <a:spLocks noGrp="1"/>
+          </p:cNvSpPr>
+          <p:nvPr>
+            <p:ph idx="1"/>
+          </p:nvPr>
+        </p:nvSpPr>
+        <p:spPr>
+          <a:xfrm>
+            <a:off x="0" y="1561042"/>
+            <a:ext cx="12192000" cy="5296957"/>
+          </a:xfrm>
+        </p:spPr>
+        <p:txBody>
+          <a:bodyPr vert="horz" lIns="91440" tIns="45720" rIns="91440" bIns="45720">
+            <a:normAutofit fontScale="92500" lnSpcReduction="20000"/>
+          </a:bodyPr>
+          <a:lstStyle/>
+          <a:p>
+            <a:pPr lvl="0">
+              <a:defRPr/>
+            </a:pPr>
+            <a:r>
+              <a:rPr lang="ko-KR" altLang="en-US"/>
+              <a:t>사용자 기록 추적 프로그램 </a:t>
+            </a:r>
+            <a:r>
+              <a:rPr lang="en-US" altLang="ko-KR"/>
+              <a:t>(</a:t>
+            </a:r>
+            <a:r>
+              <a:rPr lang="ko-KR" altLang="en-US"/>
+              <a:t>레지스트리 이용</a:t>
+            </a:r>
+            <a:r>
+              <a:rPr lang="en-US" altLang="ko-KR"/>
+              <a:t>)</a:t>
+            </a:r>
+            <a:endParaRPr lang="en-US" altLang="ko-KR"/>
+          </a:p>
+          <a:p>
+            <a:pPr lvl="0">
+              <a:defRPr/>
+            </a:pPr>
+            <a:endParaRPr lang="en-US" altLang="ko-KR"/>
+          </a:p>
+          <a:p>
+            <a:pPr marL="0" lvl="0" indent="0">
+              <a:buNone/>
+              <a:defRPr/>
+            </a:pPr>
+            <a:endParaRPr lang="en-US" altLang="ko-KR"/>
+          </a:p>
+          <a:p>
+            <a:pPr lvl="0">
+              <a:defRPr/>
+            </a:pPr>
+            <a:r>
+              <a:rPr lang="ko-KR" altLang="en-US"/>
+              <a:t>분석</a:t>
+            </a:r>
+            <a:endParaRPr lang="ko-KR" altLang="en-US"/>
+          </a:p>
+          <a:p>
+            <a:pPr marL="0" lvl="0" indent="0">
+              <a:buNone/>
+              <a:defRPr/>
+            </a:pPr>
+            <a:r>
+              <a:rPr lang="ko-KR" altLang="en-US"/>
+              <a:t> </a:t>
+            </a:r>
+            <a:r>
+              <a:rPr lang="en-US" altLang="ko-KR"/>
+              <a:t>-</a:t>
+            </a:r>
+            <a:r>
+              <a:rPr lang="ko-KR" altLang="en-US"/>
+              <a:t> 올바른 위치의 레지스트리 데이터를 정확하게 분석해야 한다</a:t>
+            </a:r>
+            <a:r>
+              <a:rPr lang="en-US" altLang="ko-KR"/>
+              <a:t>.</a:t>
+            </a:r>
+            <a:endParaRPr lang="en-US" altLang="ko-KR"/>
+          </a:p>
+          <a:p>
+            <a:pPr marL="0" lvl="0" indent="0">
+              <a:buNone/>
+              <a:defRPr/>
+            </a:pPr>
+            <a:r>
+              <a:rPr lang="ko-KR" altLang="en-US"/>
+              <a:t> </a:t>
+            </a:r>
+            <a:r>
+              <a:rPr lang="en-US" altLang="ko-KR"/>
+              <a:t>-</a:t>
+            </a:r>
+            <a:r>
+              <a:rPr lang="ko-KR" altLang="en-US"/>
+              <a:t> 파일이 손상되거나 분석할 수 없는 경우 실패 메세지를 보여주어야 한다</a:t>
+            </a:r>
+            <a:r>
+              <a:rPr lang="en-US" altLang="ko-KR"/>
+              <a:t>.</a:t>
+            </a:r>
+            <a:endParaRPr lang="en-US" altLang="ko-KR"/>
+          </a:p>
+          <a:p>
+            <a:pPr marL="0" lvl="0" indent="0">
+              <a:buNone/>
+              <a:defRPr/>
+            </a:pPr>
+            <a:r>
+              <a:rPr lang="en-US" altLang="ko-KR"/>
+              <a:t> -</a:t>
+            </a:r>
+            <a:r>
+              <a:rPr lang="ko-KR" altLang="en-US"/>
+              <a:t> 분석이 완료되면 완료 메세지를 보여주어야 한다</a:t>
+            </a:r>
+            <a:r>
+              <a:rPr lang="en-US" altLang="ko-KR"/>
+              <a:t>.</a:t>
+            </a:r>
+            <a:endParaRPr lang="en-US" altLang="ko-KR"/>
+          </a:p>
+          <a:p>
+            <a:pPr marL="0" lvl="0" indent="0">
+              <a:buNone/>
+              <a:defRPr/>
+            </a:pPr>
+            <a:r>
+              <a:rPr lang="ko-KR" altLang="en-US"/>
+              <a:t> </a:t>
+            </a:r>
+            <a:endParaRPr lang="ko-KR" altLang="en-US"/>
+          </a:p>
+          <a:p>
+            <a:pPr lvl="0">
+              <a:defRPr/>
+            </a:pPr>
+            <a:r>
+              <a:rPr lang="ko-KR" altLang="en-US"/>
+              <a:t>언어</a:t>
+            </a:r>
+            <a:endParaRPr lang="ko-KR" altLang="en-US"/>
+          </a:p>
+          <a:p>
+            <a:pPr marL="0" lvl="0" indent="0">
+              <a:buNone/>
+              <a:defRPr/>
+            </a:pPr>
+            <a:r>
+              <a:rPr lang="ko-KR" altLang="en-US"/>
+              <a:t> </a:t>
+            </a:r>
+            <a:r>
+              <a:rPr lang="en-US" altLang="ko-KR"/>
+              <a:t>-</a:t>
+            </a:r>
+            <a:r>
+              <a:rPr lang="ko-KR" altLang="en-US"/>
+              <a:t> 구현을 위해 사용하는 언어는 </a:t>
+            </a:r>
+            <a:r>
+              <a:rPr lang="en-US" altLang="ko-KR"/>
+              <a:t>Python</a:t>
+            </a:r>
+            <a:r>
+              <a:rPr lang="ko-KR" altLang="en-US"/>
+              <a:t>으로 한다</a:t>
+            </a:r>
+            <a:r>
+              <a:rPr lang="en-US" altLang="ko-KR"/>
+              <a:t>.</a:t>
+            </a:r>
+            <a:endParaRPr lang="en-US" altLang="ko-KR"/>
+          </a:p>
+          <a:p>
+            <a:pPr lvl="0">
+              <a:defRPr/>
+            </a:pPr>
+            <a:endParaRPr lang="ko-KR" altLang="en-US"/>
+          </a:p>
+          <a:p>
+            <a:pPr lvl="0">
+              <a:defRPr/>
+            </a:pPr>
+            <a:r>
+              <a:rPr lang="ko-KR" altLang="en-US"/>
+              <a:t>한계점</a:t>
+            </a:r>
+            <a:endParaRPr lang="ko-KR" altLang="en-US"/>
+          </a:p>
+          <a:p>
+            <a:pPr marL="0" lvl="0" indent="0">
+              <a:buNone/>
+              <a:defRPr/>
+            </a:pPr>
+            <a:r>
+              <a:rPr lang="ko-KR" altLang="en-US"/>
+              <a:t>  </a:t>
+            </a:r>
+            <a:r>
+              <a:rPr lang="en-US" altLang="ko-KR"/>
+              <a:t>-</a:t>
+            </a:r>
+            <a:r>
+              <a:rPr lang="ko-KR" altLang="en-US"/>
+              <a:t> 레지스트리 접근권한 해결 방안</a:t>
+            </a:r>
+            <a:endParaRPr lang="en-US" altLang="ko-KR"/>
+          </a:p>
+          <a:p>
+            <a:pPr marL="0" lvl="0" indent="0">
+              <a:buNone/>
+              <a:defRPr/>
+            </a:pPr>
+            <a:endParaRPr lang="ko-KR" altLang="en-US"/>
+          </a:p>
+          <a:p>
+            <a:pPr lvl="0">
+              <a:defRPr/>
+            </a:pPr>
+            <a:endParaRPr lang="ko-KR" altLang="en-US"/>
+          </a:p>
+          <a:p>
+            <a:pPr lvl="0">
+              <a:defRPr/>
+            </a:pPr>
+            <a:endParaRPr lang="ko-KR" altLang="en-US"/>
+          </a:p>
+        </p:txBody>
+      </p:sp>
+    </p:spTree>
+  </p:cSld>
+  <p:clrMapOvr>
+    <a:masterClrMapping/>
+  </p:clrMapOvr>
+  <mc:AlternateContent xmlns:mc="http://schemas.openxmlformats.org/markup-compatibility/2006">
+    <mc:Choice xmlns:p14="http://schemas.microsoft.com/office/powerpoint/2010/main" Requires="p14">
+      <p:transition xmlns:mc="http://schemas.openxmlformats.org/markup-compatibility/2006" xmlns:p14="http://schemas.microsoft.com/office/powerpoint/2010/main" mc:Ignorable="p14" p14:dur="500"/>
+    </mc:Choice>
+    <mc:Fallback>
+      <p:transition/>
+    </mc:Fallback>
+  </mc:AlternateContent>
+</p:sld>
+</file>
+
+<file path=ppt/slides/slide19.xml><?xml version="1.0" encoding="utf-8"?>
 <p:sld xmlns:r="http://schemas.openxmlformats.org/officeDocument/2006/relationships" xmlns:c="http://schemas.openxmlformats.org/drawingml/2006/chart" xmlns:a="http://schemas.openxmlformats.org/drawingml/2006/main" xmlns:dgm="http://schemas.openxmlformats.org/drawingml/2006/diagram" xmlns:dsp="http://schemas.microsoft.com/office/drawing/2008/diagram" xmlns:p="http://schemas.openxmlformats.org/presentationml/2006/main">
   <p:cSld>
     <p:spTree>
@@ -6586,720 +6715,6 @@
               <a:ea typeface="맑은 고딕"/>
               <a:cs typeface="맑은 고딕"/>
             </a:endParaRPr>
-          </a:p>
-        </p:txBody>
-      </p:sp>
-    </p:spTree>
-  </p:cSld>
-  <p:clrMapOvr>
-    <a:masterClrMapping/>
-  </p:clrMapOvr>
-  <mc:AlternateContent xmlns:mc="http://schemas.openxmlformats.org/markup-compatibility/2006">
-    <mc:Choice xmlns:p14="http://schemas.microsoft.com/office/powerpoint/2010/main" Requires="p14">
-      <p:transition xmlns:mc="http://schemas.openxmlformats.org/markup-compatibility/2006" xmlns:p14="http://schemas.microsoft.com/office/powerpoint/2010/main" mc:Ignorable="p14" p14:dur="500"/>
-    </mc:Choice>
-    <mc:Fallback>
-      <p:transition/>
-    </mc:Fallback>
-  </mc:AlternateContent>
-</p:sld>
-</file>
-
-<file path=ppt/slides/slide19.xml><?xml version="1.0" encoding="utf-8"?>
-<p:sld xmlns:r="http://schemas.openxmlformats.org/officeDocument/2006/relationships" xmlns:c="http://schemas.openxmlformats.org/drawingml/2006/chart" xmlns:a="http://schemas.openxmlformats.org/drawingml/2006/main" xmlns:dgm="http://schemas.openxmlformats.org/drawingml/2006/diagram" xmlns:dsp="http://schemas.microsoft.com/office/drawing/2008/diagram" xmlns:p="http://schemas.openxmlformats.org/presentationml/2006/main">
-  <p:cSld>
-    <p:spTree>
-      <p:nvGrpSpPr>
-        <p:cNvPr id="1" name=""/>
-        <p:cNvGrpSpPr/>
-        <p:nvPr/>
-      </p:nvGrpSpPr>
-      <p:grpSpPr>
-        <a:xfrm>
-          <a:off x="0" y="0"/>
-          <a:ext cx="0" cy="0"/>
-          <a:chOff x="0" y="0"/>
-          <a:chExt cx="0" cy="0"/>
-        </a:xfrm>
-      </p:grpSpPr>
-      <p:graphicFrame>
-        <p:nvGraphicFramePr>
-          <p:cNvPr id="2" name="표 4"/>
-          <p:cNvGraphicFramePr>
-            <a:graphicFrameLocks noGrp="1"/>
-          </p:cNvGraphicFramePr>
-          <p:nvPr/>
-        </p:nvGraphicFramePr>
-        <p:xfrm>
-          <a:off x="520441" y="1629919"/>
-          <a:ext cx="10897590" cy="4954555"/>
-        </p:xfrm>
-        <a:graphic>
-          <a:graphicData uri="http://schemas.openxmlformats.org/drawingml/2006/table">
-            <a:tbl>
-              <a:tblPr firstRow="1" bandRow="1">
-                <a:tableStyleId>{5C22544A-7EE6-4342-B048-85BDC9FD1C3A}</a:tableStyleId>
-              </a:tblPr>
-              <a:tblGrid>
-                <a:gridCol w="2179518"/>
-                <a:gridCol w="2179518"/>
-                <a:gridCol w="2179518"/>
-                <a:gridCol w="2179518"/>
-                <a:gridCol w="2179518"/>
-              </a:tblGrid>
-              <a:tr h="379509">
-                <a:tc gridSpan="2">
-                  <a:txBody>
-                    <a:bodyPr vert="horz" lIns="91440" tIns="45720" rIns="91440" bIns="45720" anchor="t" anchorCtr="0"/>
-                    <a:p>
-                      <a:pPr algn="ctr" latinLnBrk="1">
-                        <a:defRPr/>
-                      </a:pPr>
-                      <a:r>
-                        <a:rPr lang="en-US" altLang="ko-KR"/>
-                        <a:t>7</a:t>
-                      </a:r>
-                      <a:r>
-                        <a:rPr lang="ko-KR" altLang="en-US"/>
-                        <a:t>월</a:t>
-                      </a:r>
-                      <a:endParaRPr lang="ko-KR" altLang="en-US"/>
-                    </a:p>
-                  </a:txBody>
-                  <a:tcPr marL="91440" marR="91440"/>
-                </a:tc>
-                <a:tc hMerge="1">
-                  <a:txBody>
-                    <a:bodyPr/>
-                    <a:p>
-                      <a:pPr latinLnBrk="1">
-                        <a:defRPr/>
-                      </a:pPr>
-                      <a:endParaRPr lang="ko-KR" altLang="en-US"/>
-                    </a:p>
-                  </a:txBody>
-                  <a:tcPr marL="91440" marR="91440"/>
-                </a:tc>
-                <a:tc gridSpan="3">
-                  <a:txBody>
-                    <a:bodyPr vert="horz" lIns="91440" tIns="45720" rIns="91440" bIns="45720" anchor="t" anchorCtr="0"/>
-                    <a:p>
-                      <a:pPr algn="ctr" latinLnBrk="1">
-                        <a:defRPr/>
-                      </a:pPr>
-                      <a:r>
-                        <a:rPr lang="en-US" altLang="ko-KR"/>
-                        <a:t>8</a:t>
-                      </a:r>
-                      <a:r>
-                        <a:rPr lang="ko-KR" altLang="en-US"/>
-                        <a:t>월</a:t>
-                      </a:r>
-                      <a:endParaRPr lang="ko-KR" altLang="en-US"/>
-                    </a:p>
-                  </a:txBody>
-                  <a:tcPr marL="91440" marR="91440"/>
-                </a:tc>
-                <a:tc hMerge="1">
-                  <a:txBody>
-                    <a:bodyPr/>
-                    <a:p>
-                      <a:pPr latinLnBrk="1">
-                        <a:defRPr/>
-                      </a:pPr>
-                      <a:endParaRPr lang="ko-KR" altLang="en-US"/>
-                    </a:p>
-                  </a:txBody>
-                  <a:tcPr marL="91440" marR="91440"/>
-                </a:tc>
-                <a:tc hMerge="1">
-                  <a:txBody>
-                    <a:bodyPr/>
-                    <a:p>
-                      <a:pPr latinLnBrk="1">
-                        <a:defRPr/>
-                      </a:pPr>
-                      <a:endParaRPr lang="ko-KR" altLang="en-US"/>
-                    </a:p>
-                  </a:txBody>
-                  <a:tcPr marL="91440" marR="91440"/>
-                </a:tc>
-              </a:tr>
-              <a:tr h="379509">
-                <a:tc>
-                  <a:txBody>
-                    <a:bodyPr vert="horz" lIns="91440" tIns="45720" rIns="91440" bIns="45720" anchor="t" anchorCtr="0"/>
-                    <a:p>
-                      <a:pPr algn="ctr" latinLnBrk="1">
-                        <a:defRPr/>
-                      </a:pPr>
-                      <a:r>
-                        <a:rPr lang="en-US" altLang="ko-KR"/>
-                        <a:t>4</a:t>
-                      </a:r>
-                      <a:r>
-                        <a:rPr lang="ko-KR" altLang="en-US"/>
-                        <a:t>주차</a:t>
-                      </a:r>
-                      <a:endParaRPr lang="ko-KR" altLang="en-US"/>
-                    </a:p>
-                  </a:txBody>
-                  <a:tcPr marL="91440" marR="91440"/>
-                </a:tc>
-                <a:tc>
-                  <a:txBody>
-                    <a:bodyPr vert="horz" lIns="91440" tIns="45720" rIns="91440" bIns="45720" anchor="t" anchorCtr="0"/>
-                    <a:p>
-                      <a:pPr algn="ctr" latinLnBrk="1">
-                        <a:defRPr/>
-                      </a:pPr>
-                      <a:r>
-                        <a:rPr lang="en-US" altLang="ko-KR"/>
-                        <a:t>5</a:t>
-                      </a:r>
-                      <a:r>
-                        <a:rPr lang="ko-KR" altLang="en-US"/>
-                        <a:t>주차</a:t>
-                      </a:r>
-                      <a:endParaRPr lang="ko-KR" altLang="en-US"/>
-                    </a:p>
-                  </a:txBody>
-                  <a:tcPr marL="91440" marR="91440"/>
-                </a:tc>
-                <a:tc>
-                  <a:txBody>
-                    <a:bodyPr vert="horz" lIns="91440" tIns="45720" rIns="91440" bIns="45720" anchor="t" anchorCtr="0"/>
-                    <a:p>
-                      <a:pPr algn="ctr" latinLnBrk="1">
-                        <a:defRPr/>
-                      </a:pPr>
-                      <a:r>
-                        <a:rPr lang="en-US" altLang="ko-KR"/>
-                        <a:t>1</a:t>
-                      </a:r>
-                      <a:r>
-                        <a:rPr lang="ko-KR" altLang="en-US"/>
-                        <a:t>주차</a:t>
-                      </a:r>
-                      <a:endParaRPr lang="ko-KR" altLang="en-US"/>
-                    </a:p>
-                  </a:txBody>
-                  <a:tcPr marL="91440" marR="91440"/>
-                </a:tc>
-                <a:tc>
-                  <a:txBody>
-                    <a:bodyPr vert="horz" lIns="91440" tIns="45720" rIns="91440" bIns="45720" anchor="t" anchorCtr="0"/>
-                    <a:p>
-                      <a:pPr algn="ctr" latinLnBrk="1">
-                        <a:defRPr/>
-                      </a:pPr>
-                      <a:r>
-                        <a:rPr lang="en-US" altLang="ko-KR"/>
-                        <a:t>2</a:t>
-                      </a:r>
-                      <a:r>
-                        <a:rPr lang="ko-KR" altLang="en-US"/>
-                        <a:t>주차</a:t>
-                      </a:r>
-                      <a:endParaRPr lang="ko-KR" altLang="en-US"/>
-                    </a:p>
-                  </a:txBody>
-                  <a:tcPr marL="91440" marR="91440"/>
-                </a:tc>
-                <a:tc>
-                  <a:txBody>
-                    <a:bodyPr vert="horz" lIns="91440" tIns="45720" rIns="91440" bIns="45720" anchor="t" anchorCtr="0"/>
-                    <a:p>
-                      <a:pPr algn="ctr" latinLnBrk="1">
-                        <a:defRPr/>
-                      </a:pPr>
-                      <a:r>
-                        <a:rPr lang="en-US" altLang="ko-KR"/>
-                        <a:t>3</a:t>
-                      </a:r>
-                      <a:r>
-                        <a:rPr lang="ko-KR" altLang="en-US"/>
-                        <a:t>주차</a:t>
-                      </a:r>
-                      <a:endParaRPr lang="ko-KR" altLang="en-US"/>
-                    </a:p>
-                  </a:txBody>
-                  <a:tcPr marL="91440" marR="91440"/>
-                </a:tc>
-              </a:tr>
-              <a:tr h="4195537">
-                <a:tc gridSpan="5">
-                  <a:txBody>
-                    <a:bodyPr vert="horz" lIns="91440" tIns="45720" rIns="91440" bIns="45720" anchor="t" anchorCtr="0"/>
-                    <a:p>
-                      <a:pPr algn="ctr" latinLnBrk="1">
-                        <a:defRPr/>
-                      </a:pPr>
-                      <a:endParaRPr lang="ko-KR" altLang="en-US"/>
-                    </a:p>
-                  </a:txBody>
-                  <a:tcPr marL="91440" marR="91440"/>
-                </a:tc>
-                <a:tc hMerge="1">
-                  <a:txBody>
-                    <a:bodyPr/>
-                    <a:p>
-                      <a:pPr algn="ctr" latinLnBrk="1">
-                        <a:defRPr/>
-                      </a:pPr>
-                      <a:endParaRPr lang="ko-KR" altLang="en-US"/>
-                    </a:p>
-                  </a:txBody>
-                  <a:tcPr marL="91440" marR="91440"/>
-                </a:tc>
-                <a:tc hMerge="1">
-                  <a:txBody>
-                    <a:bodyPr/>
-                    <a:p>
-                      <a:pPr algn="ctr" latinLnBrk="1">
-                        <a:defRPr/>
-                      </a:pPr>
-                      <a:endParaRPr lang="ko-KR" altLang="en-US"/>
-                    </a:p>
-                  </a:txBody>
-                  <a:tcPr marL="91440" marR="91440"/>
-                </a:tc>
-                <a:tc hMerge="1">
-                  <a:txBody>
-                    <a:bodyPr/>
-                    <a:p>
-                      <a:pPr algn="ctr" latinLnBrk="1">
-                        <a:defRPr/>
-                      </a:pPr>
-                      <a:endParaRPr lang="ko-KR" altLang="en-US"/>
-                    </a:p>
-                  </a:txBody>
-                  <a:tcPr marL="91440" marR="91440"/>
-                </a:tc>
-                <a:tc hMerge="1">
-                  <a:txBody>
-                    <a:bodyPr/>
-                    <a:p>
-                      <a:pPr algn="ctr" latinLnBrk="1">
-                        <a:defRPr/>
-                      </a:pPr>
-                      <a:endParaRPr lang="ko-KR" altLang="en-US"/>
-                    </a:p>
-                  </a:txBody>
-                  <a:tcPr marL="91440" marR="91440"/>
-                </a:tc>
-              </a:tr>
-            </a:tbl>
-          </a:graphicData>
-        </a:graphic>
-      </p:graphicFrame>
-      <p:sp>
-        <p:nvSpPr>
-          <p:cNvPr id="3" name="직사각형 6"/>
-          <p:cNvSpPr/>
-          <p:nvPr/>
-        </p:nvSpPr>
-        <p:spPr>
-          <a:xfrm>
-            <a:off x="547440" y="2412789"/>
-            <a:ext cx="2165208" cy="774559"/>
-          </a:xfrm>
-          <a:prstGeom prst="rect">
-            <a:avLst/>
-          </a:prstGeom>
-          <a:solidFill>
-            <a:srgbClr val="7a7cc4"/>
-          </a:solidFill>
-          <a:ln w="0">
-            <a:noFill/>
-          </a:ln>
-        </p:spPr>
-        <p:style>
-          <a:lnRef idx="2">
-            <a:schemeClr val="accent1">
-              <a:shade val="50000"/>
-            </a:schemeClr>
-          </a:lnRef>
-          <a:fillRef idx="1">
-            <a:schemeClr val="accent1"/>
-          </a:fillRef>
-          <a:effectRef idx="0">
-            <a:schemeClr val="accent1"/>
-          </a:effectRef>
-          <a:fontRef idx="minor">
-            <a:schemeClr val="lt1"/>
-          </a:fontRef>
-        </p:style>
-        <p:txBody>
-          <a:bodyPr vert="horz" wrap="square" lIns="91440" tIns="45720" rIns="91440" bIns="45720" anchor="ctr">
-            <a:noAutofit/>
-          </a:bodyPr>
-          <a:lstStyle/>
-          <a:p>
-            <a:pPr marL="0" indent="0" algn="ctr" defTabSz="508000">
-              <a:buFontTx/>
-              <a:buNone/>
-              <a:defRPr/>
-            </a:pPr>
-            <a:r>
-              <a:rPr lang="ko-KR" altLang="en-US" sz="1500"/>
-              <a:t>아이디어 도출</a:t>
-            </a:r>
-            <a:endParaRPr lang="ko-KR" altLang="en-US" sz="1500"/>
-          </a:p>
-          <a:p>
-            <a:pPr marL="0" indent="0" algn="ctr" defTabSz="508000">
-              <a:buFontTx/>
-              <a:buNone/>
-              <a:defRPr/>
-            </a:pPr>
-            <a:r>
-              <a:rPr lang="ko-KR" altLang="en-US" sz="1500"/>
-              <a:t>및 주제 선정</a:t>
-            </a:r>
-            <a:endParaRPr lang="ko-KR" altLang="en-US" sz="1500"/>
-          </a:p>
-        </p:txBody>
-      </p:sp>
-      <p:sp>
-        <p:nvSpPr>
-          <p:cNvPr id="4" name="직사각형 6"/>
-          <p:cNvSpPr/>
-          <p:nvPr/>
-        </p:nvSpPr>
-        <p:spPr>
-          <a:xfrm>
-            <a:off x="2721257" y="3228975"/>
-            <a:ext cx="2165208" cy="774559"/>
-          </a:xfrm>
-          <a:prstGeom prst="rect">
-            <a:avLst/>
-          </a:prstGeom>
-          <a:solidFill>
-            <a:srgbClr val="7a7cc4"/>
-          </a:solidFill>
-          <a:ln w="0">
-            <a:noFill/>
-          </a:ln>
-        </p:spPr>
-        <p:style>
-          <a:lnRef idx="2">
-            <a:schemeClr val="accent1">
-              <a:shade val="50000"/>
-            </a:schemeClr>
-          </a:lnRef>
-          <a:fillRef idx="1">
-            <a:schemeClr val="accent1"/>
-          </a:fillRef>
-          <a:effectRef idx="0">
-            <a:schemeClr val="accent1"/>
-          </a:effectRef>
-          <a:fontRef idx="minor">
-            <a:schemeClr val="lt1"/>
-          </a:fontRef>
-        </p:style>
-        <p:txBody>
-          <a:bodyPr vert="horz" wrap="square" lIns="91440" tIns="45720" rIns="91440" bIns="45720" anchor="ctr">
-            <a:noAutofit/>
-          </a:bodyPr>
-          <a:lstStyle/>
-          <a:p>
-            <a:pPr marL="0" indent="0" algn="ctr" defTabSz="508000">
-              <a:buFontTx/>
-              <a:buNone/>
-              <a:defRPr/>
-            </a:pPr>
-            <a:r>
-              <a:rPr lang="ko-KR" altLang="en-US" sz="1500"/>
-              <a:t>요구사항 수집 및 분석</a:t>
-            </a:r>
-            <a:endParaRPr lang="ko-KR" altLang="en-US" sz="1500"/>
-          </a:p>
-        </p:txBody>
-      </p:sp>
-      <p:sp>
-        <p:nvSpPr>
-          <p:cNvPr id="5" name="직사각형 6"/>
-          <p:cNvSpPr/>
-          <p:nvPr/>
-        </p:nvSpPr>
-        <p:spPr>
-          <a:xfrm>
-            <a:off x="2728313" y="4082133"/>
-            <a:ext cx="2165208" cy="774559"/>
-          </a:xfrm>
-          <a:prstGeom prst="rect">
-            <a:avLst/>
-          </a:prstGeom>
-          <a:solidFill>
-            <a:srgbClr val="7a7cc4"/>
-          </a:solidFill>
-          <a:ln w="0">
-            <a:noFill/>
-          </a:ln>
-        </p:spPr>
-        <p:style>
-          <a:lnRef idx="2">
-            <a:schemeClr val="accent1">
-              <a:shade val="50000"/>
-            </a:schemeClr>
-          </a:lnRef>
-          <a:fillRef idx="1">
-            <a:schemeClr val="accent1"/>
-          </a:fillRef>
-          <a:effectRef idx="0">
-            <a:schemeClr val="accent1"/>
-          </a:effectRef>
-          <a:fontRef idx="minor">
-            <a:schemeClr val="lt1"/>
-          </a:fontRef>
-        </p:style>
-        <p:txBody>
-          <a:bodyPr vert="horz" wrap="square" lIns="91440" tIns="45720" rIns="91440" bIns="45720" anchor="ctr">
-            <a:noAutofit/>
-          </a:bodyPr>
-          <a:lstStyle/>
-          <a:p>
-            <a:pPr marL="0" indent="0" algn="ctr" defTabSz="508000">
-              <a:buFontTx/>
-              <a:buNone/>
-              <a:defRPr/>
-            </a:pPr>
-            <a:r>
-              <a:rPr lang="ko-KR" altLang="en-US" sz="1500"/>
-              <a:t>관련 기술 자료 조사</a:t>
-            </a:r>
-            <a:endParaRPr lang="ko-KR" altLang="en-US" sz="1500"/>
-          </a:p>
-        </p:txBody>
-      </p:sp>
-      <p:sp>
-        <p:nvSpPr>
-          <p:cNvPr id="6" name="직사각형 6"/>
-          <p:cNvSpPr/>
-          <p:nvPr/>
-        </p:nvSpPr>
-        <p:spPr>
-          <a:xfrm>
-            <a:off x="4908620" y="2441716"/>
-            <a:ext cx="2165208" cy="774559"/>
-          </a:xfrm>
-          <a:prstGeom prst="rect">
-            <a:avLst/>
-          </a:prstGeom>
-          <a:solidFill>
-            <a:srgbClr val="7a7cc4"/>
-          </a:solidFill>
-          <a:ln w="0">
-            <a:noFill/>
-          </a:ln>
-        </p:spPr>
-        <p:style>
-          <a:lnRef idx="2">
-            <a:schemeClr val="accent1">
-              <a:shade val="50000"/>
-            </a:schemeClr>
-          </a:lnRef>
-          <a:fillRef idx="1">
-            <a:schemeClr val="accent1"/>
-          </a:fillRef>
-          <a:effectRef idx="0">
-            <a:schemeClr val="accent1"/>
-          </a:effectRef>
-          <a:fontRef idx="minor">
-            <a:schemeClr val="lt1"/>
-          </a:fontRef>
-        </p:style>
-        <p:txBody>
-          <a:bodyPr vert="horz" wrap="square" lIns="91440" tIns="45720" rIns="91440" bIns="45720" anchor="ctr">
-            <a:noAutofit/>
-          </a:bodyPr>
-          <a:lstStyle/>
-          <a:p>
-            <a:pPr marL="0" indent="0" algn="ctr" defTabSz="508000">
-              <a:buFontTx/>
-              <a:buNone/>
-              <a:defRPr/>
-            </a:pPr>
-            <a:r>
-              <a:rPr lang="ko-KR" altLang="en-US" sz="1500"/>
-              <a:t>계획 및 일정 수립</a:t>
-            </a:r>
-            <a:endParaRPr lang="ko-KR" altLang="en-US" sz="1500"/>
-          </a:p>
-        </p:txBody>
-      </p:sp>
-      <p:sp>
-        <p:nvSpPr>
-          <p:cNvPr id="7" name="직사각형 6"/>
-          <p:cNvSpPr/>
-          <p:nvPr/>
-        </p:nvSpPr>
-        <p:spPr>
-          <a:xfrm>
-            <a:off x="4946721" y="4880116"/>
-            <a:ext cx="4298809" cy="774559"/>
-          </a:xfrm>
-          <a:prstGeom prst="rect">
-            <a:avLst/>
-          </a:prstGeom>
-          <a:solidFill>
-            <a:srgbClr val="7a7cc4"/>
-          </a:solidFill>
-          <a:ln w="0">
-            <a:noFill/>
-          </a:ln>
-        </p:spPr>
-        <p:style>
-          <a:lnRef idx="2">
-            <a:schemeClr val="accent1">
-              <a:shade val="50000"/>
-            </a:schemeClr>
-          </a:lnRef>
-          <a:fillRef idx="1">
-            <a:schemeClr val="accent1"/>
-          </a:fillRef>
-          <a:effectRef idx="0">
-            <a:schemeClr val="accent1"/>
-          </a:effectRef>
-          <a:fontRef idx="minor">
-            <a:schemeClr val="lt1"/>
-          </a:fontRef>
-        </p:style>
-        <p:txBody>
-          <a:bodyPr vert="horz" wrap="square" lIns="91440" tIns="45720" rIns="91440" bIns="45720" anchor="ctr">
-            <a:noAutofit/>
-          </a:bodyPr>
-          <a:lstStyle/>
-          <a:p>
-            <a:pPr marL="0" indent="0" algn="ctr" defTabSz="508000">
-              <a:buFontTx/>
-              <a:buNone/>
-              <a:defRPr/>
-            </a:pPr>
-            <a:r>
-              <a:rPr lang="ko-KR" altLang="en-US" sz="1500"/>
-              <a:t>화면 구성 및 코드 작업</a:t>
-            </a:r>
-            <a:endParaRPr lang="ko-KR" altLang="en-US" sz="1500"/>
-          </a:p>
-        </p:txBody>
-      </p:sp>
-      <p:sp>
-        <p:nvSpPr>
-          <p:cNvPr id="8" name="직사각형 6"/>
-          <p:cNvSpPr/>
-          <p:nvPr/>
-        </p:nvSpPr>
-        <p:spPr>
-          <a:xfrm>
-            <a:off x="9261545" y="4003817"/>
-            <a:ext cx="2165208" cy="774559"/>
-          </a:xfrm>
-          <a:prstGeom prst="rect">
-            <a:avLst/>
-          </a:prstGeom>
-          <a:solidFill>
-            <a:srgbClr val="7a7cc4"/>
-          </a:solidFill>
-          <a:ln w="0">
-            <a:noFill/>
-          </a:ln>
-        </p:spPr>
-        <p:style>
-          <a:lnRef idx="2">
-            <a:schemeClr val="accent1">
-              <a:shade val="50000"/>
-            </a:schemeClr>
-          </a:lnRef>
-          <a:fillRef idx="1">
-            <a:schemeClr val="accent1"/>
-          </a:fillRef>
-          <a:effectRef idx="0">
-            <a:schemeClr val="accent1"/>
-          </a:effectRef>
-          <a:fontRef idx="minor">
-            <a:schemeClr val="lt1"/>
-          </a:fontRef>
-        </p:style>
-        <p:txBody>
-          <a:bodyPr vert="horz" wrap="square" lIns="91440" tIns="45720" rIns="91440" bIns="45720" anchor="ctr">
-            <a:noAutofit/>
-          </a:bodyPr>
-          <a:lstStyle/>
-          <a:p>
-            <a:pPr marL="0" indent="0" algn="ctr" defTabSz="508000">
-              <a:buFontTx/>
-              <a:buNone/>
-              <a:defRPr/>
-            </a:pPr>
-            <a:r>
-              <a:rPr lang="en-US" altLang="ko-KR" sz="1500"/>
-              <a:t>prototype</a:t>
-            </a:r>
-            <a:r>
-              <a:rPr lang="ko-KR" altLang="en-US" sz="1500"/>
-              <a:t> 검증</a:t>
-            </a:r>
-            <a:endParaRPr lang="ko-KR" altLang="en-US" sz="1500"/>
-          </a:p>
-        </p:txBody>
-      </p:sp>
-      <p:sp>
-        <p:nvSpPr>
-          <p:cNvPr id="9" name="직사각형 9"/>
-          <p:cNvSpPr/>
-          <p:nvPr/>
-        </p:nvSpPr>
-        <p:spPr>
-          <a:xfrm>
-            <a:off x="-1" y="0"/>
-            <a:ext cx="12192001" cy="1338109"/>
-          </a:xfrm>
-          <a:prstGeom prst="rect">
-            <a:avLst/>
-          </a:prstGeom>
-          <a:solidFill>
-            <a:schemeClr val="accent1">
-              <a:lumMod val="75000"/>
-            </a:schemeClr>
-          </a:solidFill>
-          <a:ln>
-            <a:noFill/>
-          </a:ln>
-        </p:spPr>
-        <p:style>
-          <a:lnRef idx="2">
-            <a:schemeClr val="accent1">
-              <a:shade val="50000"/>
-            </a:schemeClr>
-          </a:lnRef>
-          <a:fillRef idx="1">
-            <a:schemeClr val="accent1"/>
-          </a:fillRef>
-          <a:effectRef idx="0">
-            <a:schemeClr val="accent1"/>
-          </a:effectRef>
-          <a:fontRef idx="minor">
-            <a:schemeClr val="lt1"/>
-          </a:fontRef>
-        </p:style>
-        <p:txBody>
-          <a:bodyPr anchor="ctr"/>
-          <a:lstStyle/>
-          <a:p>
-            <a:pPr>
-              <a:defRPr/>
-            </a:pPr>
-            <a:r>
-              <a:rPr kumimoji="1" lang="en-US" altLang="ko-KR" sz="4800"/>
-              <a:t>3.</a:t>
-            </a:r>
-            <a:r>
-              <a:rPr kumimoji="1" lang="ko-KR" altLang="en-US" sz="4800"/>
-              <a:t> 계획 및 일정 수립</a:t>
-            </a:r>
-            <a:endParaRPr kumimoji="1" lang="ko-KR" altLang="en-US" sz="4800"/>
           </a:p>
         </p:txBody>
       </p:sp>
@@ -9565,6 +8980,720 @@
           <a:chExt cx="0" cy="0"/>
         </a:xfrm>
       </p:grpSpPr>
+      <p:graphicFrame>
+        <p:nvGraphicFramePr>
+          <p:cNvPr id="2" name="표 4"/>
+          <p:cNvGraphicFramePr>
+            <a:graphicFrameLocks noGrp="1"/>
+          </p:cNvGraphicFramePr>
+          <p:nvPr/>
+        </p:nvGraphicFramePr>
+        <p:xfrm>
+          <a:off x="520441" y="1629919"/>
+          <a:ext cx="10897590" cy="4954555"/>
+        </p:xfrm>
+        <a:graphic>
+          <a:graphicData uri="http://schemas.openxmlformats.org/drawingml/2006/table">
+            <a:tbl>
+              <a:tblPr firstRow="1" bandRow="1">
+                <a:tableStyleId>{5C22544A-7EE6-4342-B048-85BDC9FD1C3A}</a:tableStyleId>
+              </a:tblPr>
+              <a:tblGrid>
+                <a:gridCol w="2179518"/>
+                <a:gridCol w="2179518"/>
+                <a:gridCol w="2179518"/>
+                <a:gridCol w="2179518"/>
+                <a:gridCol w="2179518"/>
+              </a:tblGrid>
+              <a:tr h="379509">
+                <a:tc gridSpan="2">
+                  <a:txBody>
+                    <a:bodyPr vert="horz" lIns="91440" tIns="45720" rIns="91440" bIns="45720" anchor="t" anchorCtr="0"/>
+                    <a:p>
+                      <a:pPr algn="ctr" latinLnBrk="1">
+                        <a:defRPr/>
+                      </a:pPr>
+                      <a:r>
+                        <a:rPr lang="en-US" altLang="ko-KR"/>
+                        <a:t>7</a:t>
+                      </a:r>
+                      <a:r>
+                        <a:rPr lang="ko-KR" altLang="en-US"/>
+                        <a:t>월</a:t>
+                      </a:r>
+                      <a:endParaRPr lang="ko-KR" altLang="en-US"/>
+                    </a:p>
+                  </a:txBody>
+                  <a:tcPr marL="91440" marR="91440"/>
+                </a:tc>
+                <a:tc hMerge="1">
+                  <a:txBody>
+                    <a:bodyPr/>
+                    <a:p>
+                      <a:pPr latinLnBrk="1">
+                        <a:defRPr/>
+                      </a:pPr>
+                      <a:endParaRPr lang="ko-KR" altLang="en-US"/>
+                    </a:p>
+                  </a:txBody>
+                  <a:tcPr marL="91440" marR="91440"/>
+                </a:tc>
+                <a:tc gridSpan="3">
+                  <a:txBody>
+                    <a:bodyPr vert="horz" lIns="91440" tIns="45720" rIns="91440" bIns="45720" anchor="t" anchorCtr="0"/>
+                    <a:p>
+                      <a:pPr algn="ctr" latinLnBrk="1">
+                        <a:defRPr/>
+                      </a:pPr>
+                      <a:r>
+                        <a:rPr lang="en-US" altLang="ko-KR"/>
+                        <a:t>8</a:t>
+                      </a:r>
+                      <a:r>
+                        <a:rPr lang="ko-KR" altLang="en-US"/>
+                        <a:t>월</a:t>
+                      </a:r>
+                      <a:endParaRPr lang="ko-KR" altLang="en-US"/>
+                    </a:p>
+                  </a:txBody>
+                  <a:tcPr marL="91440" marR="91440"/>
+                </a:tc>
+                <a:tc hMerge="1">
+                  <a:txBody>
+                    <a:bodyPr/>
+                    <a:p>
+                      <a:pPr latinLnBrk="1">
+                        <a:defRPr/>
+                      </a:pPr>
+                      <a:endParaRPr lang="ko-KR" altLang="en-US"/>
+                    </a:p>
+                  </a:txBody>
+                  <a:tcPr marL="91440" marR="91440"/>
+                </a:tc>
+                <a:tc hMerge="1">
+                  <a:txBody>
+                    <a:bodyPr/>
+                    <a:p>
+                      <a:pPr latinLnBrk="1">
+                        <a:defRPr/>
+                      </a:pPr>
+                      <a:endParaRPr lang="ko-KR" altLang="en-US"/>
+                    </a:p>
+                  </a:txBody>
+                  <a:tcPr marL="91440" marR="91440"/>
+                </a:tc>
+              </a:tr>
+              <a:tr h="379509">
+                <a:tc>
+                  <a:txBody>
+                    <a:bodyPr vert="horz" lIns="91440" tIns="45720" rIns="91440" bIns="45720" anchor="t" anchorCtr="0"/>
+                    <a:p>
+                      <a:pPr algn="ctr" latinLnBrk="1">
+                        <a:defRPr/>
+                      </a:pPr>
+                      <a:r>
+                        <a:rPr lang="en-US" altLang="ko-KR"/>
+                        <a:t>4</a:t>
+                      </a:r>
+                      <a:r>
+                        <a:rPr lang="ko-KR" altLang="en-US"/>
+                        <a:t>주차</a:t>
+                      </a:r>
+                      <a:endParaRPr lang="ko-KR" altLang="en-US"/>
+                    </a:p>
+                  </a:txBody>
+                  <a:tcPr marL="91440" marR="91440"/>
+                </a:tc>
+                <a:tc>
+                  <a:txBody>
+                    <a:bodyPr vert="horz" lIns="91440" tIns="45720" rIns="91440" bIns="45720" anchor="t" anchorCtr="0"/>
+                    <a:p>
+                      <a:pPr algn="ctr" latinLnBrk="1">
+                        <a:defRPr/>
+                      </a:pPr>
+                      <a:r>
+                        <a:rPr lang="en-US" altLang="ko-KR"/>
+                        <a:t>5</a:t>
+                      </a:r>
+                      <a:r>
+                        <a:rPr lang="ko-KR" altLang="en-US"/>
+                        <a:t>주차</a:t>
+                      </a:r>
+                      <a:endParaRPr lang="ko-KR" altLang="en-US"/>
+                    </a:p>
+                  </a:txBody>
+                  <a:tcPr marL="91440" marR="91440"/>
+                </a:tc>
+                <a:tc>
+                  <a:txBody>
+                    <a:bodyPr vert="horz" lIns="91440" tIns="45720" rIns="91440" bIns="45720" anchor="t" anchorCtr="0"/>
+                    <a:p>
+                      <a:pPr algn="ctr" latinLnBrk="1">
+                        <a:defRPr/>
+                      </a:pPr>
+                      <a:r>
+                        <a:rPr lang="en-US" altLang="ko-KR"/>
+                        <a:t>1</a:t>
+                      </a:r>
+                      <a:r>
+                        <a:rPr lang="ko-KR" altLang="en-US"/>
+                        <a:t>주차</a:t>
+                      </a:r>
+                      <a:endParaRPr lang="ko-KR" altLang="en-US"/>
+                    </a:p>
+                  </a:txBody>
+                  <a:tcPr marL="91440" marR="91440"/>
+                </a:tc>
+                <a:tc>
+                  <a:txBody>
+                    <a:bodyPr vert="horz" lIns="91440" tIns="45720" rIns="91440" bIns="45720" anchor="t" anchorCtr="0"/>
+                    <a:p>
+                      <a:pPr algn="ctr" latinLnBrk="1">
+                        <a:defRPr/>
+                      </a:pPr>
+                      <a:r>
+                        <a:rPr lang="en-US" altLang="ko-KR"/>
+                        <a:t>2</a:t>
+                      </a:r>
+                      <a:r>
+                        <a:rPr lang="ko-KR" altLang="en-US"/>
+                        <a:t>주차</a:t>
+                      </a:r>
+                      <a:endParaRPr lang="ko-KR" altLang="en-US"/>
+                    </a:p>
+                  </a:txBody>
+                  <a:tcPr marL="91440" marR="91440"/>
+                </a:tc>
+                <a:tc>
+                  <a:txBody>
+                    <a:bodyPr vert="horz" lIns="91440" tIns="45720" rIns="91440" bIns="45720" anchor="t" anchorCtr="0"/>
+                    <a:p>
+                      <a:pPr algn="ctr" latinLnBrk="1">
+                        <a:defRPr/>
+                      </a:pPr>
+                      <a:r>
+                        <a:rPr lang="en-US" altLang="ko-KR"/>
+                        <a:t>3</a:t>
+                      </a:r>
+                      <a:r>
+                        <a:rPr lang="ko-KR" altLang="en-US"/>
+                        <a:t>주차</a:t>
+                      </a:r>
+                      <a:endParaRPr lang="ko-KR" altLang="en-US"/>
+                    </a:p>
+                  </a:txBody>
+                  <a:tcPr marL="91440" marR="91440"/>
+                </a:tc>
+              </a:tr>
+              <a:tr h="4195537">
+                <a:tc gridSpan="5">
+                  <a:txBody>
+                    <a:bodyPr vert="horz" lIns="91440" tIns="45720" rIns="91440" bIns="45720" anchor="t" anchorCtr="0"/>
+                    <a:p>
+                      <a:pPr algn="ctr" latinLnBrk="1">
+                        <a:defRPr/>
+                      </a:pPr>
+                      <a:endParaRPr lang="ko-KR" altLang="en-US"/>
+                    </a:p>
+                  </a:txBody>
+                  <a:tcPr marL="91440" marR="91440"/>
+                </a:tc>
+                <a:tc hMerge="1">
+                  <a:txBody>
+                    <a:bodyPr/>
+                    <a:p>
+                      <a:pPr algn="ctr" latinLnBrk="1">
+                        <a:defRPr/>
+                      </a:pPr>
+                      <a:endParaRPr lang="ko-KR" altLang="en-US"/>
+                    </a:p>
+                  </a:txBody>
+                  <a:tcPr marL="91440" marR="91440"/>
+                </a:tc>
+                <a:tc hMerge="1">
+                  <a:txBody>
+                    <a:bodyPr/>
+                    <a:p>
+                      <a:pPr algn="ctr" latinLnBrk="1">
+                        <a:defRPr/>
+                      </a:pPr>
+                      <a:endParaRPr lang="ko-KR" altLang="en-US"/>
+                    </a:p>
+                  </a:txBody>
+                  <a:tcPr marL="91440" marR="91440"/>
+                </a:tc>
+                <a:tc hMerge="1">
+                  <a:txBody>
+                    <a:bodyPr/>
+                    <a:p>
+                      <a:pPr algn="ctr" latinLnBrk="1">
+                        <a:defRPr/>
+                      </a:pPr>
+                      <a:endParaRPr lang="ko-KR" altLang="en-US"/>
+                    </a:p>
+                  </a:txBody>
+                  <a:tcPr marL="91440" marR="91440"/>
+                </a:tc>
+                <a:tc hMerge="1">
+                  <a:txBody>
+                    <a:bodyPr/>
+                    <a:p>
+                      <a:pPr algn="ctr" latinLnBrk="1">
+                        <a:defRPr/>
+                      </a:pPr>
+                      <a:endParaRPr lang="ko-KR" altLang="en-US"/>
+                    </a:p>
+                  </a:txBody>
+                  <a:tcPr marL="91440" marR="91440"/>
+                </a:tc>
+              </a:tr>
+            </a:tbl>
+          </a:graphicData>
+        </a:graphic>
+      </p:graphicFrame>
+      <p:sp>
+        <p:nvSpPr>
+          <p:cNvPr id="3" name="직사각형 6"/>
+          <p:cNvSpPr/>
+          <p:nvPr/>
+        </p:nvSpPr>
+        <p:spPr>
+          <a:xfrm>
+            <a:off x="547440" y="2412789"/>
+            <a:ext cx="2165208" cy="774559"/>
+          </a:xfrm>
+          <a:prstGeom prst="rect">
+            <a:avLst/>
+          </a:prstGeom>
+          <a:solidFill>
+            <a:srgbClr val="7a7cc4"/>
+          </a:solidFill>
+          <a:ln w="0">
+            <a:noFill/>
+          </a:ln>
+        </p:spPr>
+        <p:style>
+          <a:lnRef idx="2">
+            <a:schemeClr val="accent1">
+              <a:shade val="50000"/>
+            </a:schemeClr>
+          </a:lnRef>
+          <a:fillRef idx="1">
+            <a:schemeClr val="accent1"/>
+          </a:fillRef>
+          <a:effectRef idx="0">
+            <a:schemeClr val="accent1"/>
+          </a:effectRef>
+          <a:fontRef idx="minor">
+            <a:schemeClr val="lt1"/>
+          </a:fontRef>
+        </p:style>
+        <p:txBody>
+          <a:bodyPr vert="horz" wrap="square" lIns="91440" tIns="45720" rIns="91440" bIns="45720" anchor="ctr">
+            <a:noAutofit/>
+          </a:bodyPr>
+          <a:lstStyle/>
+          <a:p>
+            <a:pPr marL="0" indent="0" algn="ctr" defTabSz="508000">
+              <a:buFontTx/>
+              <a:buNone/>
+              <a:defRPr/>
+            </a:pPr>
+            <a:r>
+              <a:rPr lang="ko-KR" altLang="en-US" sz="1500"/>
+              <a:t>아이디어 도출</a:t>
+            </a:r>
+            <a:endParaRPr lang="ko-KR" altLang="en-US" sz="1500"/>
+          </a:p>
+          <a:p>
+            <a:pPr marL="0" indent="0" algn="ctr" defTabSz="508000">
+              <a:buFontTx/>
+              <a:buNone/>
+              <a:defRPr/>
+            </a:pPr>
+            <a:r>
+              <a:rPr lang="ko-KR" altLang="en-US" sz="1500"/>
+              <a:t>및 주제 선정</a:t>
+            </a:r>
+            <a:endParaRPr lang="ko-KR" altLang="en-US" sz="1500"/>
+          </a:p>
+        </p:txBody>
+      </p:sp>
+      <p:sp>
+        <p:nvSpPr>
+          <p:cNvPr id="4" name="직사각형 6"/>
+          <p:cNvSpPr/>
+          <p:nvPr/>
+        </p:nvSpPr>
+        <p:spPr>
+          <a:xfrm>
+            <a:off x="2721257" y="3228975"/>
+            <a:ext cx="2165208" cy="774559"/>
+          </a:xfrm>
+          <a:prstGeom prst="rect">
+            <a:avLst/>
+          </a:prstGeom>
+          <a:solidFill>
+            <a:srgbClr val="7a7cc4"/>
+          </a:solidFill>
+          <a:ln w="0">
+            <a:noFill/>
+          </a:ln>
+        </p:spPr>
+        <p:style>
+          <a:lnRef idx="2">
+            <a:schemeClr val="accent1">
+              <a:shade val="50000"/>
+            </a:schemeClr>
+          </a:lnRef>
+          <a:fillRef idx="1">
+            <a:schemeClr val="accent1"/>
+          </a:fillRef>
+          <a:effectRef idx="0">
+            <a:schemeClr val="accent1"/>
+          </a:effectRef>
+          <a:fontRef idx="minor">
+            <a:schemeClr val="lt1"/>
+          </a:fontRef>
+        </p:style>
+        <p:txBody>
+          <a:bodyPr vert="horz" wrap="square" lIns="91440" tIns="45720" rIns="91440" bIns="45720" anchor="ctr">
+            <a:noAutofit/>
+          </a:bodyPr>
+          <a:lstStyle/>
+          <a:p>
+            <a:pPr marL="0" indent="0" algn="ctr" defTabSz="508000">
+              <a:buFontTx/>
+              <a:buNone/>
+              <a:defRPr/>
+            </a:pPr>
+            <a:r>
+              <a:rPr lang="ko-KR" altLang="en-US" sz="1500"/>
+              <a:t>요구사항 수집 및 분석</a:t>
+            </a:r>
+            <a:endParaRPr lang="ko-KR" altLang="en-US" sz="1500"/>
+          </a:p>
+        </p:txBody>
+      </p:sp>
+      <p:sp>
+        <p:nvSpPr>
+          <p:cNvPr id="5" name="직사각형 6"/>
+          <p:cNvSpPr/>
+          <p:nvPr/>
+        </p:nvSpPr>
+        <p:spPr>
+          <a:xfrm>
+            <a:off x="2728313" y="4082133"/>
+            <a:ext cx="2165208" cy="774559"/>
+          </a:xfrm>
+          <a:prstGeom prst="rect">
+            <a:avLst/>
+          </a:prstGeom>
+          <a:solidFill>
+            <a:srgbClr val="7a7cc4"/>
+          </a:solidFill>
+          <a:ln w="0">
+            <a:noFill/>
+          </a:ln>
+        </p:spPr>
+        <p:style>
+          <a:lnRef idx="2">
+            <a:schemeClr val="accent1">
+              <a:shade val="50000"/>
+            </a:schemeClr>
+          </a:lnRef>
+          <a:fillRef idx="1">
+            <a:schemeClr val="accent1"/>
+          </a:fillRef>
+          <a:effectRef idx="0">
+            <a:schemeClr val="accent1"/>
+          </a:effectRef>
+          <a:fontRef idx="minor">
+            <a:schemeClr val="lt1"/>
+          </a:fontRef>
+        </p:style>
+        <p:txBody>
+          <a:bodyPr vert="horz" wrap="square" lIns="91440" tIns="45720" rIns="91440" bIns="45720" anchor="ctr">
+            <a:noAutofit/>
+          </a:bodyPr>
+          <a:lstStyle/>
+          <a:p>
+            <a:pPr marL="0" indent="0" algn="ctr" defTabSz="508000">
+              <a:buFontTx/>
+              <a:buNone/>
+              <a:defRPr/>
+            </a:pPr>
+            <a:r>
+              <a:rPr lang="ko-KR" altLang="en-US" sz="1500"/>
+              <a:t>관련 기술 자료 조사</a:t>
+            </a:r>
+            <a:endParaRPr lang="ko-KR" altLang="en-US" sz="1500"/>
+          </a:p>
+        </p:txBody>
+      </p:sp>
+      <p:sp>
+        <p:nvSpPr>
+          <p:cNvPr id="6" name="직사각형 6"/>
+          <p:cNvSpPr/>
+          <p:nvPr/>
+        </p:nvSpPr>
+        <p:spPr>
+          <a:xfrm>
+            <a:off x="4908620" y="2441716"/>
+            <a:ext cx="2165208" cy="774559"/>
+          </a:xfrm>
+          <a:prstGeom prst="rect">
+            <a:avLst/>
+          </a:prstGeom>
+          <a:solidFill>
+            <a:srgbClr val="7a7cc4"/>
+          </a:solidFill>
+          <a:ln w="0">
+            <a:noFill/>
+          </a:ln>
+        </p:spPr>
+        <p:style>
+          <a:lnRef idx="2">
+            <a:schemeClr val="accent1">
+              <a:shade val="50000"/>
+            </a:schemeClr>
+          </a:lnRef>
+          <a:fillRef idx="1">
+            <a:schemeClr val="accent1"/>
+          </a:fillRef>
+          <a:effectRef idx="0">
+            <a:schemeClr val="accent1"/>
+          </a:effectRef>
+          <a:fontRef idx="minor">
+            <a:schemeClr val="lt1"/>
+          </a:fontRef>
+        </p:style>
+        <p:txBody>
+          <a:bodyPr vert="horz" wrap="square" lIns="91440" tIns="45720" rIns="91440" bIns="45720" anchor="ctr">
+            <a:noAutofit/>
+          </a:bodyPr>
+          <a:lstStyle/>
+          <a:p>
+            <a:pPr marL="0" indent="0" algn="ctr" defTabSz="508000">
+              <a:buFontTx/>
+              <a:buNone/>
+              <a:defRPr/>
+            </a:pPr>
+            <a:r>
+              <a:rPr lang="ko-KR" altLang="en-US" sz="1500"/>
+              <a:t>계획 및 일정 수립</a:t>
+            </a:r>
+            <a:endParaRPr lang="ko-KR" altLang="en-US" sz="1500"/>
+          </a:p>
+        </p:txBody>
+      </p:sp>
+      <p:sp>
+        <p:nvSpPr>
+          <p:cNvPr id="7" name="직사각형 6"/>
+          <p:cNvSpPr/>
+          <p:nvPr/>
+        </p:nvSpPr>
+        <p:spPr>
+          <a:xfrm>
+            <a:off x="4946721" y="4880116"/>
+            <a:ext cx="4298809" cy="774559"/>
+          </a:xfrm>
+          <a:prstGeom prst="rect">
+            <a:avLst/>
+          </a:prstGeom>
+          <a:solidFill>
+            <a:srgbClr val="7a7cc4"/>
+          </a:solidFill>
+          <a:ln w="0">
+            <a:noFill/>
+          </a:ln>
+        </p:spPr>
+        <p:style>
+          <a:lnRef idx="2">
+            <a:schemeClr val="accent1">
+              <a:shade val="50000"/>
+            </a:schemeClr>
+          </a:lnRef>
+          <a:fillRef idx="1">
+            <a:schemeClr val="accent1"/>
+          </a:fillRef>
+          <a:effectRef idx="0">
+            <a:schemeClr val="accent1"/>
+          </a:effectRef>
+          <a:fontRef idx="minor">
+            <a:schemeClr val="lt1"/>
+          </a:fontRef>
+        </p:style>
+        <p:txBody>
+          <a:bodyPr vert="horz" wrap="square" lIns="91440" tIns="45720" rIns="91440" bIns="45720" anchor="ctr">
+            <a:noAutofit/>
+          </a:bodyPr>
+          <a:lstStyle/>
+          <a:p>
+            <a:pPr marL="0" indent="0" algn="ctr" defTabSz="508000">
+              <a:buFontTx/>
+              <a:buNone/>
+              <a:defRPr/>
+            </a:pPr>
+            <a:r>
+              <a:rPr lang="ko-KR" altLang="en-US" sz="1500"/>
+              <a:t>화면 구성 및 코드 작업</a:t>
+            </a:r>
+            <a:endParaRPr lang="ko-KR" altLang="en-US" sz="1500"/>
+          </a:p>
+        </p:txBody>
+      </p:sp>
+      <p:sp>
+        <p:nvSpPr>
+          <p:cNvPr id="8" name="직사각형 6"/>
+          <p:cNvSpPr/>
+          <p:nvPr/>
+        </p:nvSpPr>
+        <p:spPr>
+          <a:xfrm>
+            <a:off x="9261545" y="4003817"/>
+            <a:ext cx="2165208" cy="774559"/>
+          </a:xfrm>
+          <a:prstGeom prst="rect">
+            <a:avLst/>
+          </a:prstGeom>
+          <a:solidFill>
+            <a:srgbClr val="7a7cc4"/>
+          </a:solidFill>
+          <a:ln w="0">
+            <a:noFill/>
+          </a:ln>
+        </p:spPr>
+        <p:style>
+          <a:lnRef idx="2">
+            <a:schemeClr val="accent1">
+              <a:shade val="50000"/>
+            </a:schemeClr>
+          </a:lnRef>
+          <a:fillRef idx="1">
+            <a:schemeClr val="accent1"/>
+          </a:fillRef>
+          <a:effectRef idx="0">
+            <a:schemeClr val="accent1"/>
+          </a:effectRef>
+          <a:fontRef idx="minor">
+            <a:schemeClr val="lt1"/>
+          </a:fontRef>
+        </p:style>
+        <p:txBody>
+          <a:bodyPr vert="horz" wrap="square" lIns="91440" tIns="45720" rIns="91440" bIns="45720" anchor="ctr">
+            <a:noAutofit/>
+          </a:bodyPr>
+          <a:lstStyle/>
+          <a:p>
+            <a:pPr marL="0" indent="0" algn="ctr" defTabSz="508000">
+              <a:buFontTx/>
+              <a:buNone/>
+              <a:defRPr/>
+            </a:pPr>
+            <a:r>
+              <a:rPr lang="en-US" altLang="ko-KR" sz="1500"/>
+              <a:t>prototype</a:t>
+            </a:r>
+            <a:r>
+              <a:rPr lang="ko-KR" altLang="en-US" sz="1500"/>
+              <a:t> 검증</a:t>
+            </a:r>
+            <a:endParaRPr lang="ko-KR" altLang="en-US" sz="1500"/>
+          </a:p>
+        </p:txBody>
+      </p:sp>
+      <p:sp>
+        <p:nvSpPr>
+          <p:cNvPr id="9" name="직사각형 9"/>
+          <p:cNvSpPr/>
+          <p:nvPr/>
+        </p:nvSpPr>
+        <p:spPr>
+          <a:xfrm>
+            <a:off x="-1" y="0"/>
+            <a:ext cx="12192001" cy="1338109"/>
+          </a:xfrm>
+          <a:prstGeom prst="rect">
+            <a:avLst/>
+          </a:prstGeom>
+          <a:solidFill>
+            <a:schemeClr val="accent1">
+              <a:lumMod val="75000"/>
+            </a:schemeClr>
+          </a:solidFill>
+          <a:ln>
+            <a:noFill/>
+          </a:ln>
+        </p:spPr>
+        <p:style>
+          <a:lnRef idx="2">
+            <a:schemeClr val="accent1">
+              <a:shade val="50000"/>
+            </a:schemeClr>
+          </a:lnRef>
+          <a:fillRef idx="1">
+            <a:schemeClr val="accent1"/>
+          </a:fillRef>
+          <a:effectRef idx="0">
+            <a:schemeClr val="accent1"/>
+          </a:effectRef>
+          <a:fontRef idx="minor">
+            <a:schemeClr val="lt1"/>
+          </a:fontRef>
+        </p:style>
+        <p:txBody>
+          <a:bodyPr anchor="ctr"/>
+          <a:lstStyle/>
+          <a:p>
+            <a:pPr>
+              <a:defRPr/>
+            </a:pPr>
+            <a:r>
+              <a:rPr kumimoji="1" lang="en-US" altLang="ko-KR" sz="4800"/>
+              <a:t>3.</a:t>
+            </a:r>
+            <a:r>
+              <a:rPr kumimoji="1" lang="ko-KR" altLang="en-US" sz="4800"/>
+              <a:t> 계획 및 일정 수립</a:t>
+            </a:r>
+            <a:endParaRPr kumimoji="1" lang="ko-KR" altLang="en-US" sz="4800"/>
+          </a:p>
+        </p:txBody>
+      </p:sp>
+    </p:spTree>
+  </p:cSld>
+  <p:clrMapOvr>
+    <a:masterClrMapping/>
+  </p:clrMapOvr>
+  <mc:AlternateContent xmlns:mc="http://schemas.openxmlformats.org/markup-compatibility/2006">
+    <mc:Choice xmlns:p14="http://schemas.microsoft.com/office/powerpoint/2010/main" Requires="p14">
+      <p:transition xmlns:mc="http://schemas.openxmlformats.org/markup-compatibility/2006" xmlns:p14="http://schemas.microsoft.com/office/powerpoint/2010/main" mc:Ignorable="p14" p14:dur="500"/>
+    </mc:Choice>
+    <mc:Fallback>
+      <p:transition/>
+    </mc:Fallback>
+  </mc:AlternateContent>
+</p:sld>
+</file>
+
+<file path=ppt/slides/slide21.xml><?xml version="1.0" encoding="utf-8"?>
+<p:sld xmlns:r="http://schemas.openxmlformats.org/officeDocument/2006/relationships" xmlns:c="http://schemas.openxmlformats.org/drawingml/2006/chart" xmlns:a="http://schemas.openxmlformats.org/drawingml/2006/main" xmlns:dgm="http://schemas.openxmlformats.org/drawingml/2006/diagram" xmlns:dsp="http://schemas.microsoft.com/office/drawing/2008/diagram" xmlns:p="http://schemas.openxmlformats.org/presentationml/2006/main">
+  <p:cSld>
+    <p:spTree>
+      <p:nvGrpSpPr>
+        <p:cNvPr id="1" name=""/>
+        <p:cNvGrpSpPr/>
+        <p:nvPr/>
+      </p:nvGrpSpPr>
+      <p:grpSpPr>
+        <a:xfrm>
+          <a:off x="0" y="0"/>
+          <a:ext cx="0" cy="0"/>
+          <a:chOff x="0" y="0"/>
+          <a:chExt cx="0" cy="0"/>
+        </a:xfrm>
+      </p:grpSpPr>
       <p:sp>
         <p:nvSpPr>
           <p:cNvPr id="10" name="직사각형 9"/>
@@ -9840,7 +9969,7 @@
 </p:sld>
 </file>
 
-<file path=ppt/slides/slide21.xml><?xml version="1.0" encoding="utf-8"?>
+<file path=ppt/slides/slide22.xml><?xml version="1.0" encoding="utf-8"?>
 <p:sld xmlns:r="http://schemas.openxmlformats.org/officeDocument/2006/relationships" xmlns:c="http://schemas.openxmlformats.org/drawingml/2006/chart" xmlns:a="http://schemas.openxmlformats.org/drawingml/2006/main" xmlns:dgm="http://schemas.openxmlformats.org/drawingml/2006/diagram" xmlns:dsp="http://schemas.microsoft.com/office/drawing/2008/diagram" xmlns:p="http://schemas.openxmlformats.org/presentationml/2006/main">
   <p:cSld>
     <p:spTree>
@@ -9988,302 +10117,6 @@
               <a:t> 기능정의</a:t>
             </a:r>
             <a:endParaRPr kumimoji="1" lang="ko-KR" altLang="en-US" sz="4800"/>
-          </a:p>
-        </p:txBody>
-      </p:sp>
-    </p:spTree>
-  </p:cSld>
-  <p:clrMapOvr>
-    <a:masterClrMapping/>
-  </p:clrMapOvr>
-  <mc:AlternateContent xmlns:mc="http://schemas.openxmlformats.org/markup-compatibility/2006">
-    <mc:Choice xmlns:p14="http://schemas.microsoft.com/office/powerpoint/2010/main" Requires="p14">
-      <p:transition xmlns:mc="http://schemas.openxmlformats.org/markup-compatibility/2006" xmlns:p14="http://schemas.microsoft.com/office/powerpoint/2010/main" mc:Ignorable="p14" p14:dur="500"/>
-    </mc:Choice>
-    <mc:Fallback>
-      <p:transition/>
-    </mc:Fallback>
-  </mc:AlternateContent>
-</p:sld>
-</file>
-
-<file path=ppt/slides/slide22.xml><?xml version="1.0" encoding="utf-8"?>
-<p:sld xmlns:r="http://schemas.openxmlformats.org/officeDocument/2006/relationships" xmlns:c="http://schemas.openxmlformats.org/drawingml/2006/chart" xmlns:a="http://schemas.openxmlformats.org/drawingml/2006/main" xmlns:dgm="http://schemas.openxmlformats.org/drawingml/2006/diagram" xmlns:dsp="http://schemas.microsoft.com/office/drawing/2008/diagram" xmlns:p="http://schemas.openxmlformats.org/presentationml/2006/main">
-  <p:cSld>
-    <p:spTree>
-      <p:nvGrpSpPr>
-        <p:cNvPr id="1" name=""/>
-        <p:cNvGrpSpPr/>
-        <p:nvPr/>
-      </p:nvGrpSpPr>
-      <p:grpSpPr>
-        <a:xfrm>
-          <a:off x="0" y="0"/>
-          <a:ext cx="0" cy="0"/>
-          <a:chOff x="0" y="0"/>
-          <a:chExt cx="0" cy="0"/>
-        </a:xfrm>
-      </p:grpSpPr>
-      <p:sp>
-        <p:nvSpPr>
-          <p:cNvPr id="4" name="직사각형 9"/>
-          <p:cNvSpPr/>
-          <p:nvPr/>
-        </p:nvSpPr>
-        <p:spPr>
-          <a:xfrm>
-            <a:off x="-1" y="0"/>
-            <a:ext cx="12192001" cy="1338109"/>
-          </a:xfrm>
-          <a:prstGeom prst="rect">
-            <a:avLst/>
-          </a:prstGeom>
-          <a:solidFill>
-            <a:schemeClr val="accent1">
-              <a:lumMod val="75000"/>
-            </a:schemeClr>
-          </a:solidFill>
-          <a:ln>
-            <a:noFill/>
-          </a:ln>
-        </p:spPr>
-        <p:style>
-          <a:lnRef idx="2">
-            <a:schemeClr val="accent1">
-              <a:shade val="50000"/>
-            </a:schemeClr>
-          </a:lnRef>
-          <a:fillRef idx="1">
-            <a:schemeClr val="accent1"/>
-          </a:fillRef>
-          <a:effectRef idx="0">
-            <a:schemeClr val="accent1"/>
-          </a:effectRef>
-          <a:fontRef idx="minor">
-            <a:schemeClr val="lt1"/>
-          </a:fontRef>
-        </p:style>
-        <p:txBody>
-          <a:bodyPr anchor="ctr"/>
-          <a:lstStyle/>
-          <a:p>
-            <a:pPr>
-              <a:defRPr/>
-            </a:pPr>
-            <a:r>
-              <a:rPr kumimoji="1" lang="en-US" altLang="ko-KR" sz="4800"/>
-              <a:t>4.</a:t>
-            </a:r>
-            <a:r>
-              <a:rPr kumimoji="1" lang="ko-KR" altLang="en-US" sz="4800"/>
-              <a:t> 기능정의</a:t>
-            </a:r>
-            <a:endParaRPr kumimoji="1" lang="ko-KR" altLang="en-US" sz="4800"/>
-          </a:p>
-        </p:txBody>
-      </p:sp>
-      <p:sp>
-        <p:nvSpPr>
-          <p:cNvPr id="5" name="내용 개체 틀 4"/>
-          <p:cNvSpPr>
-            <a:spLocks noGrp="1"/>
-          </p:cNvSpPr>
-          <p:nvPr>
-            <p:ph idx="1"/>
-          </p:nvPr>
-        </p:nvSpPr>
-        <p:spPr>
-          <a:xfrm>
-            <a:off x="0" y="1599143"/>
-            <a:ext cx="12192000" cy="5258856"/>
-          </a:xfrm>
-        </p:spPr>
-        <p:txBody>
-          <a:bodyPr vert="horz" lIns="91440" tIns="45720" rIns="91440" bIns="45720">
-            <a:normAutofit lnSpcReduction="10000"/>
-          </a:bodyPr>
-          <a:lstStyle/>
-          <a:p>
-            <a:pPr lvl="0">
-              <a:defRPr/>
-            </a:pPr>
-            <a:r>
-              <a:rPr lang="ko-KR" altLang="en-US"/>
-              <a:t>사용자 기록 추적 프로그램</a:t>
-            </a:r>
-            <a:endParaRPr lang="ko-KR" altLang="en-US"/>
-          </a:p>
-          <a:p>
-            <a:pPr marL="0" lvl="0" indent="0">
-              <a:buNone/>
-              <a:defRPr/>
-            </a:pPr>
-            <a:endParaRPr lang="en-US" altLang="ko-KR"/>
-          </a:p>
-          <a:p>
-            <a:pPr lvl="0">
-              <a:defRPr/>
-            </a:pPr>
-            <a:r>
-              <a:rPr lang="ko-KR" altLang="en-US"/>
-              <a:t>화면</a:t>
-            </a:r>
-            <a:endParaRPr lang="ko-KR" altLang="en-US"/>
-          </a:p>
-          <a:p>
-            <a:pPr marL="0" lvl="0" indent="0">
-              <a:buNone/>
-              <a:defRPr/>
-            </a:pPr>
-            <a:r>
-              <a:rPr lang="ko-KR" altLang="en-US"/>
-              <a:t> </a:t>
-            </a:r>
-            <a:r>
-              <a:rPr lang="en-US" altLang="ko-KR"/>
-              <a:t>-</a:t>
-            </a:r>
-            <a:r>
-              <a:rPr lang="ko-KR" altLang="en-US"/>
-              <a:t> </a:t>
-            </a:r>
-            <a:r>
-              <a:rPr lang="en-US" altLang="ko-KR"/>
-              <a:t>CLI</a:t>
-            </a:r>
-            <a:r>
-              <a:rPr lang="ko-KR" altLang="en-US"/>
-              <a:t>화면으로 구현한다</a:t>
-            </a:r>
-            <a:r>
-              <a:rPr lang="en-US" altLang="ko-KR"/>
-              <a:t>.</a:t>
-            </a:r>
-            <a:endParaRPr lang="en-US" altLang="ko-KR"/>
-          </a:p>
-          <a:p>
-            <a:pPr marL="0" lvl="0" indent="0">
-              <a:buNone/>
-              <a:defRPr/>
-            </a:pPr>
-            <a:endParaRPr lang="en-US" altLang="ko-KR"/>
-          </a:p>
-          <a:p>
-            <a:pPr lvl="0">
-              <a:defRPr/>
-            </a:pPr>
-            <a:r>
-              <a:rPr lang="ko-KR" altLang="en-US"/>
-              <a:t>기능</a:t>
-            </a:r>
-            <a:endParaRPr lang="ko-KR" altLang="en-US"/>
-          </a:p>
-          <a:p>
-            <a:pPr lvl="0">
-              <a:defRPr/>
-            </a:pPr>
-            <a:r>
-              <a:rPr lang="en-US" altLang="ko-KR"/>
-              <a:t>winreg</a:t>
-            </a:r>
-            <a:r>
-              <a:rPr lang="ko-KR" altLang="en-US"/>
-              <a:t>모듈을 사용하여 레지스트리 접근 및 제어</a:t>
-            </a:r>
-            <a:endParaRPr lang="ko-KR" altLang="en-US"/>
-          </a:p>
-          <a:p>
-            <a:pPr marL="0" lvl="0" indent="0">
-              <a:buNone/>
-              <a:defRPr/>
-            </a:pPr>
-            <a:r>
-              <a:rPr lang="ko-KR" altLang="en-US"/>
-              <a:t> </a:t>
-            </a:r>
-            <a:r>
-              <a:rPr lang="en-US" altLang="ko-KR"/>
-              <a:t>-</a:t>
-            </a:r>
-            <a:r>
-              <a:rPr lang="ko-KR" altLang="en-US"/>
-              <a:t> </a:t>
-            </a:r>
-            <a:r>
-              <a:rPr lang="en-US" altLang="ko-KR"/>
-              <a:t>python</a:t>
-            </a:r>
-            <a:r>
-              <a:rPr lang="ko-KR" altLang="en-US"/>
-              <a:t> 언어 사용</a:t>
-            </a:r>
-            <a:endParaRPr lang="ko-KR" altLang="en-US"/>
-          </a:p>
-          <a:p>
-            <a:pPr marL="0" lvl="0" indent="0">
-              <a:buNone/>
-              <a:defRPr/>
-            </a:pPr>
-            <a:r>
-              <a:rPr lang="ko-KR" altLang="en-US"/>
-              <a:t> </a:t>
-            </a:r>
-            <a:r>
-              <a:rPr lang="en-US" altLang="ko-KR"/>
-              <a:t>-</a:t>
-            </a:r>
-            <a:r>
-              <a:rPr lang="ko-KR" altLang="en-US"/>
-              <a:t> 분석한 정보들을 내보낼 수 있는 명령어를 만들어 </a:t>
-            </a:r>
-            <a:r>
-              <a:rPr lang="en-US" altLang="ko-KR"/>
-              <a:t>.xlsx</a:t>
-            </a:r>
-            <a:r>
-              <a:rPr lang="ko-KR" altLang="en-US"/>
-              <a:t>파일로 저장</a:t>
-            </a:r>
-            <a:endParaRPr lang="ko-KR" altLang="en-US"/>
-          </a:p>
-          <a:p>
-            <a:pPr marL="0" lvl="0" indent="0">
-              <a:buNone/>
-              <a:defRPr/>
-            </a:pPr>
-            <a:r>
-              <a:rPr lang="ko-KR" altLang="en-US"/>
-              <a:t> </a:t>
-            </a:r>
-            <a:r>
-              <a:rPr lang="en-US" altLang="ko-KR"/>
-              <a:t>-</a:t>
-            </a:r>
-            <a:r>
-              <a:rPr lang="ko-KR" altLang="en-US"/>
-              <a:t> </a:t>
-            </a:r>
-            <a:r>
-              <a:rPr lang="en-US" altLang="ko-KR"/>
-              <a:t>.xlsx</a:t>
-            </a:r>
-            <a:r>
-              <a:rPr lang="ko-KR" altLang="en-US"/>
-              <a:t>파일이 저장되는 위치는 바탕화면</a:t>
-            </a:r>
-            <a:endParaRPr lang="ko-KR" altLang="en-US"/>
-          </a:p>
-          <a:p>
-            <a:pPr lvl="0">
-              <a:defRPr/>
-            </a:pPr>
-            <a:endParaRPr lang="en-US" altLang="ko-KR"/>
-          </a:p>
-          <a:p>
-            <a:pPr lvl="0">
-              <a:defRPr/>
-            </a:pPr>
-            <a:endParaRPr lang="ko-KR" altLang="en-US"/>
           </a:p>
         </p:txBody>
       </p:sp>
@@ -10372,40 +10205,217 @@
             </a:r>
             <a:r>
               <a:rPr kumimoji="1" lang="ko-KR" altLang="en-US" sz="4800"/>
-              <a:t> 기능정의 </a:t>
-            </a:r>
-            <a:r>
-              <a:rPr kumimoji="1" lang="en-US" altLang="ko-KR" sz="4800"/>
-              <a:t>(Flow_Chart)</a:t>
-            </a:r>
-            <a:endParaRPr kumimoji="1" lang="en-US" altLang="ko-KR" sz="4800"/>
+              <a:t> 기능정의</a:t>
+            </a:r>
+            <a:endParaRPr kumimoji="1" lang="ko-KR" altLang="en-US" sz="4800"/>
           </a:p>
         </p:txBody>
       </p:sp>
-      <p:pic>
-        <p:nvPicPr>
-          <p:cNvPr id="8" name=""/>
-          <p:cNvPicPr>
-            <a:picLocks noChangeAspect="1"/>
-          </p:cNvPicPr>
-          <p:nvPr/>
-        </p:nvPicPr>
-        <p:blipFill rotWithShape="1">
-          <a:blip r:embed="rId2"/>
-          <a:stretch>
-            <a:fillRect/>
-          </a:stretch>
-        </p:blipFill>
+      <p:sp>
+        <p:nvSpPr>
+          <p:cNvPr id="5" name="내용 개체 틀 4"/>
+          <p:cNvSpPr>
+            <a:spLocks noGrp="1"/>
+          </p:cNvSpPr>
+          <p:nvPr>
+            <p:ph idx="1"/>
+          </p:nvPr>
+        </p:nvSpPr>
         <p:spPr>
           <a:xfrm>
-            <a:off x="0" y="1329210"/>
-            <a:ext cx="3538954" cy="5528789"/>
+            <a:off x="0" y="1599143"/>
+            <a:ext cx="12192000" cy="5258856"/>
           </a:xfrm>
-          <a:prstGeom prst="rect">
-            <a:avLst/>
-          </a:prstGeom>
         </p:spPr>
-      </p:pic>
+        <p:txBody>
+          <a:bodyPr vert="horz" lIns="91440" tIns="45720" rIns="91440" bIns="45720">
+            <a:normAutofit lnSpcReduction="10000"/>
+          </a:bodyPr>
+          <a:lstStyle/>
+          <a:p>
+            <a:pPr lvl="0">
+              <a:defRPr/>
+            </a:pPr>
+            <a:r>
+              <a:rPr lang="ko-KR" altLang="en-US"/>
+              <a:t>사용자 기록 추적 프로그램</a:t>
+            </a:r>
+            <a:endParaRPr lang="ko-KR" altLang="en-US"/>
+          </a:p>
+          <a:p>
+            <a:pPr marL="0" lvl="0" indent="0">
+              <a:buNone/>
+              <a:defRPr/>
+            </a:pPr>
+            <a:endParaRPr lang="en-US" altLang="ko-KR"/>
+          </a:p>
+          <a:p>
+            <a:pPr lvl="0">
+              <a:defRPr/>
+            </a:pPr>
+            <a:r>
+              <a:rPr lang="ko-KR" altLang="en-US"/>
+              <a:t>화면</a:t>
+            </a:r>
+            <a:endParaRPr lang="ko-KR" altLang="en-US"/>
+          </a:p>
+          <a:p>
+            <a:pPr marL="0" lvl="0" indent="0">
+              <a:buNone/>
+              <a:defRPr/>
+            </a:pPr>
+            <a:r>
+              <a:rPr lang="ko-KR" altLang="en-US"/>
+              <a:t> </a:t>
+            </a:r>
+            <a:r>
+              <a:rPr lang="en-US" altLang="ko-KR"/>
+              <a:t>-</a:t>
+            </a:r>
+            <a:r>
+              <a:rPr lang="ko-KR" altLang="en-US"/>
+              <a:t> </a:t>
+            </a:r>
+            <a:r>
+              <a:rPr lang="en-US" altLang="ko-KR"/>
+              <a:t>CLI</a:t>
+            </a:r>
+            <a:r>
+              <a:rPr lang="ko-KR" altLang="en-US"/>
+              <a:t>화면으로 구현한다</a:t>
+            </a:r>
+            <a:r>
+              <a:rPr lang="en-US" altLang="ko-KR"/>
+              <a:t>.</a:t>
+            </a:r>
+            <a:endParaRPr lang="en-US" altLang="ko-KR"/>
+          </a:p>
+          <a:p>
+            <a:pPr marL="0" lvl="0" indent="0">
+              <a:buNone/>
+              <a:defRPr/>
+            </a:pPr>
+            <a:endParaRPr lang="en-US" altLang="ko-KR"/>
+          </a:p>
+          <a:p>
+            <a:pPr lvl="0">
+              <a:defRPr/>
+            </a:pPr>
+            <a:r>
+              <a:rPr lang="ko-KR" altLang="en-US"/>
+              <a:t>기능</a:t>
+            </a:r>
+            <a:endParaRPr lang="ko-KR" altLang="en-US"/>
+          </a:p>
+          <a:p>
+            <a:pPr lvl="0">
+              <a:defRPr/>
+            </a:pPr>
+            <a:r>
+              <a:rPr lang="en-US" altLang="ko-KR"/>
+              <a:t>winreg</a:t>
+            </a:r>
+            <a:r>
+              <a:rPr lang="ko-KR" altLang="en-US"/>
+              <a:t>모듈을 사용하여 레지스트리 접근 및 제어</a:t>
+            </a:r>
+            <a:endParaRPr lang="ko-KR" altLang="en-US"/>
+          </a:p>
+          <a:p>
+            <a:pPr marL="0" lvl="0" indent="0">
+              <a:buNone/>
+              <a:defRPr/>
+            </a:pPr>
+            <a:r>
+              <a:rPr lang="ko-KR" altLang="en-US"/>
+              <a:t> </a:t>
+            </a:r>
+            <a:r>
+              <a:rPr lang="en-US" altLang="ko-KR"/>
+              <a:t>-</a:t>
+            </a:r>
+            <a:r>
+              <a:rPr lang="ko-KR" altLang="en-US"/>
+              <a:t> </a:t>
+            </a:r>
+            <a:r>
+              <a:rPr lang="en-US" altLang="ko-KR"/>
+              <a:t>python</a:t>
+            </a:r>
+            <a:r>
+              <a:rPr lang="ko-KR" altLang="en-US"/>
+              <a:t> 언어 사용</a:t>
+            </a:r>
+            <a:endParaRPr lang="ko-KR" altLang="en-US"/>
+          </a:p>
+          <a:p>
+            <a:pPr marL="0" lvl="0" indent="0">
+              <a:buNone/>
+              <a:defRPr/>
+            </a:pPr>
+            <a:r>
+              <a:rPr lang="ko-KR" altLang="en-US"/>
+              <a:t> </a:t>
+            </a:r>
+            <a:r>
+              <a:rPr lang="en-US" altLang="ko-KR"/>
+              <a:t>-</a:t>
+            </a:r>
+            <a:r>
+              <a:rPr lang="ko-KR" altLang="en-US"/>
+              <a:t> 분석한 정보들을 내보낼 수 있는 명령어를 만들어 </a:t>
+            </a:r>
+            <a:r>
+              <a:rPr lang="en-US" altLang="ko-KR"/>
+              <a:t>.xlsx</a:t>
+            </a:r>
+            <a:r>
+              <a:rPr lang="ko-KR" altLang="en-US"/>
+              <a:t>파일로 저장</a:t>
+            </a:r>
+            <a:endParaRPr lang="ko-KR" altLang="en-US"/>
+          </a:p>
+          <a:p>
+            <a:pPr marL="0" lvl="0" indent="0">
+              <a:buNone/>
+              <a:defRPr/>
+            </a:pPr>
+            <a:r>
+              <a:rPr lang="ko-KR" altLang="en-US"/>
+              <a:t> </a:t>
+            </a:r>
+            <a:r>
+              <a:rPr lang="en-US" altLang="ko-KR"/>
+              <a:t>-</a:t>
+            </a:r>
+            <a:r>
+              <a:rPr lang="ko-KR" altLang="en-US"/>
+              <a:t> </a:t>
+            </a:r>
+            <a:r>
+              <a:rPr lang="en-US" altLang="ko-KR"/>
+              <a:t>.xlsx</a:t>
+            </a:r>
+            <a:r>
+              <a:rPr lang="ko-KR" altLang="en-US"/>
+              <a:t>파일이 저장되는 위치는 바탕화면</a:t>
+            </a:r>
+            <a:endParaRPr lang="ko-KR" altLang="en-US"/>
+          </a:p>
+          <a:p>
+            <a:pPr lvl="0">
+              <a:defRPr/>
+            </a:pPr>
+            <a:endParaRPr lang="en-US" altLang="ko-KR"/>
+          </a:p>
+          <a:p>
+            <a:pPr lvl="0">
+              <a:defRPr/>
+            </a:pPr>
+            <a:endParaRPr lang="ko-KR" altLang="en-US"/>
+          </a:p>
+        </p:txBody>
+      </p:sp>
     </p:spTree>
   </p:cSld>
   <p:clrMapOvr>
@@ -10491,6 +10501,125 @@
             </a:r>
             <a:r>
               <a:rPr kumimoji="1" lang="ko-KR" altLang="en-US" sz="4800"/>
+              <a:t> 기능정의 </a:t>
+            </a:r>
+            <a:r>
+              <a:rPr kumimoji="1" lang="en-US" altLang="ko-KR" sz="4800"/>
+              <a:t>(Flow_Chart)</a:t>
+            </a:r>
+            <a:endParaRPr kumimoji="1" lang="en-US" altLang="ko-KR" sz="4800"/>
+          </a:p>
+        </p:txBody>
+      </p:sp>
+      <p:pic>
+        <p:nvPicPr>
+          <p:cNvPr id="8" name=""/>
+          <p:cNvPicPr>
+            <a:picLocks noChangeAspect="1"/>
+          </p:cNvPicPr>
+          <p:nvPr/>
+        </p:nvPicPr>
+        <p:blipFill rotWithShape="1">
+          <a:blip r:embed="rId2"/>
+          <a:stretch>
+            <a:fillRect/>
+          </a:stretch>
+        </p:blipFill>
+        <p:spPr>
+          <a:xfrm>
+            <a:off x="0" y="1329210"/>
+            <a:ext cx="3538954" cy="5528789"/>
+          </a:xfrm>
+          <a:prstGeom prst="rect">
+            <a:avLst/>
+          </a:prstGeom>
+        </p:spPr>
+      </p:pic>
+    </p:spTree>
+  </p:cSld>
+  <p:clrMapOvr>
+    <a:masterClrMapping/>
+  </p:clrMapOvr>
+  <mc:AlternateContent xmlns:mc="http://schemas.openxmlformats.org/markup-compatibility/2006">
+    <mc:Choice xmlns:p14="http://schemas.microsoft.com/office/powerpoint/2010/main" Requires="p14">
+      <p:transition xmlns:mc="http://schemas.openxmlformats.org/markup-compatibility/2006" xmlns:p14="http://schemas.microsoft.com/office/powerpoint/2010/main" mc:Ignorable="p14" p14:dur="500"/>
+    </mc:Choice>
+    <mc:Fallback>
+      <p:transition/>
+    </mc:Fallback>
+  </mc:AlternateContent>
+</p:sld>
+</file>
+
+<file path=ppt/slides/slide25.xml><?xml version="1.0" encoding="utf-8"?>
+<p:sld xmlns:r="http://schemas.openxmlformats.org/officeDocument/2006/relationships" xmlns:c="http://schemas.openxmlformats.org/drawingml/2006/chart" xmlns:a="http://schemas.openxmlformats.org/drawingml/2006/main" xmlns:dgm="http://schemas.openxmlformats.org/drawingml/2006/diagram" xmlns:dsp="http://schemas.microsoft.com/office/drawing/2008/diagram" xmlns:p="http://schemas.openxmlformats.org/presentationml/2006/main">
+  <p:cSld>
+    <p:spTree>
+      <p:nvGrpSpPr>
+        <p:cNvPr id="1" name=""/>
+        <p:cNvGrpSpPr/>
+        <p:nvPr/>
+      </p:nvGrpSpPr>
+      <p:grpSpPr>
+        <a:xfrm>
+          <a:off x="0" y="0"/>
+          <a:ext cx="0" cy="0"/>
+          <a:chOff x="0" y="0"/>
+          <a:chExt cx="0" cy="0"/>
+        </a:xfrm>
+      </p:grpSpPr>
+      <p:sp>
+        <p:nvSpPr>
+          <p:cNvPr id="4" name="직사각형 9"/>
+          <p:cNvSpPr/>
+          <p:nvPr/>
+        </p:nvSpPr>
+        <p:spPr>
+          <a:xfrm>
+            <a:off x="-1" y="0"/>
+            <a:ext cx="12192001" cy="1338109"/>
+          </a:xfrm>
+          <a:prstGeom prst="rect">
+            <a:avLst/>
+          </a:prstGeom>
+          <a:solidFill>
+            <a:schemeClr val="accent1">
+              <a:lumMod val="75000"/>
+            </a:schemeClr>
+          </a:solidFill>
+          <a:ln>
+            <a:noFill/>
+          </a:ln>
+        </p:spPr>
+        <p:style>
+          <a:lnRef idx="2">
+            <a:schemeClr val="accent1">
+              <a:shade val="50000"/>
+            </a:schemeClr>
+          </a:lnRef>
+          <a:fillRef idx="1">
+            <a:schemeClr val="accent1"/>
+          </a:fillRef>
+          <a:effectRef idx="0">
+            <a:schemeClr val="accent1"/>
+          </a:effectRef>
+          <a:fontRef idx="minor">
+            <a:schemeClr val="lt1"/>
+          </a:fontRef>
+        </p:style>
+        <p:txBody>
+          <a:bodyPr anchor="ctr"/>
+          <a:lstStyle/>
+          <a:p>
+            <a:pPr>
+              <a:defRPr/>
+            </a:pPr>
+            <a:r>
+              <a:rPr kumimoji="1" lang="en-US" altLang="ko-KR" sz="4800"/>
+              <a:t>4.</a:t>
+            </a:r>
+            <a:r>
+              <a:rPr kumimoji="1" lang="ko-KR" altLang="en-US" sz="4800"/>
               <a:t> 기능정의</a:t>
             </a:r>
             <a:r>
@@ -10541,7 +10670,7 @@
 </p:sld>
 </file>
 
-<file path=ppt/slides/slide25.xml><?xml version="1.0" encoding="utf-8"?>
+<file path=ppt/slides/slide26.xml><?xml version="1.0" encoding="utf-8"?>
 <p:sld xmlns:a="http://schemas.openxmlformats.org/drawingml/2006/main" xmlns:r="http://schemas.openxmlformats.org/officeDocument/2006/relationships" xmlns:p="http://schemas.openxmlformats.org/presentationml/2006/main">
   <p:cSld>
     <p:spTree>
@@ -10860,7 +10989,7 @@
 </p:sld>
 </file>
 
-<file path=ppt/slides/slide26.xml><?xml version="1.0" encoding="utf-8"?>
+<file path=ppt/slides/slide27.xml><?xml version="1.0" encoding="utf-8"?>
 <p:sld xmlns:r="http://schemas.openxmlformats.org/officeDocument/2006/relationships" xmlns:c="http://schemas.openxmlformats.org/drawingml/2006/chart" xmlns:a="http://schemas.openxmlformats.org/drawingml/2006/main" xmlns:dgm="http://schemas.openxmlformats.org/drawingml/2006/diagram" xmlns:dsp="http://schemas.microsoft.com/office/drawing/2008/diagram" xmlns:p="http://schemas.openxmlformats.org/presentationml/2006/main">
   <p:cSld>
     <p:spTree>
@@ -10965,7 +11094,7 @@
 </p:sld>
 </file>
 
-<file path=ppt/slides/slide27.xml><?xml version="1.0" encoding="utf-8"?>
+<file path=ppt/slides/slide28.xml><?xml version="1.0" encoding="utf-8"?>
 <p:sld xmlns:r="http://schemas.openxmlformats.org/officeDocument/2006/relationships" xmlns:c="http://schemas.openxmlformats.org/drawingml/2006/chart" xmlns:a="http://schemas.openxmlformats.org/drawingml/2006/main" xmlns:dgm="http://schemas.openxmlformats.org/drawingml/2006/diagram" xmlns:dsp="http://schemas.microsoft.com/office/drawing/2008/diagram" xmlns:p="http://schemas.openxmlformats.org/presentationml/2006/main">
   <p:cSld>
     <p:spTree>
@@ -11058,7 +11187,7 @@
         </p:spPr>
         <p:txBody>
           <a:bodyPr vert="horz" lIns="91440" tIns="45720" rIns="91440" bIns="45720">
-            <a:normAutofit lnSpcReduction="10000"/>
+            <a:normAutofit fontScale="92500" lnSpcReduction="20000"/>
           </a:bodyPr>
           <a:lstStyle/>
           <a:p>
@@ -11197,6 +11326,43 @@
               <a:t>ㄴ 해결방안 찾는 중</a:t>
             </a:r>
             <a:endParaRPr lang="ko-KR" altLang="en-US"/>
+          </a:p>
+          <a:p>
+            <a:pPr lvl="0">
+              <a:defRPr/>
+            </a:pPr>
+            <a:r>
+              <a:rPr lang="en-US" altLang="ko-KR">
+                <a:hlinkClick r:id="rId2"/>
+              </a:rPr>
+              <a:t>https://docs.python.org/ko/3/library/winreg.html</a:t>
+            </a:r>
+            <a:endParaRPr lang="en-US" altLang="ko-KR"/>
+          </a:p>
+          <a:p>
+            <a:pPr lvl="0">
+              <a:defRPr/>
+            </a:pPr>
+            <a:r>
+              <a:rPr lang="en-US" altLang="ko-KR">
+                <a:hlinkClick r:id="rId3"/>
+              </a:rPr>
+              <a:t>https://www.tutorialexample.com/python-read-and-write-windows-registry-a-step-guide-python-tutorial/</a:t>
+            </a:r>
+            <a:endParaRPr lang="en-US" altLang="ko-KR"/>
+          </a:p>
+          <a:p>
+            <a:pPr lvl="0">
+              <a:defRPr/>
+            </a:pPr>
+            <a:endParaRPr lang="en-US" altLang="ko-KR"/>
+          </a:p>
+          <a:p>
+            <a:pPr marL="0" lvl="0" indent="0">
+              <a:buNone/>
+              <a:defRPr/>
+            </a:pPr>
+            <a:endParaRPr lang="en-US" altLang="ko-KR"/>
           </a:p>
           <a:p>
             <a:pPr lvl="0">
@@ -11222,7 +11388,7 @@
 </p:sld>
 </file>
 
-<file path=ppt/slides/slide28.xml><?xml version="1.0" encoding="utf-8"?>
+<file path=ppt/slides/slide29.xml><?xml version="1.0" encoding="utf-8"?>
 <p:sld xmlns:a="http://schemas.openxmlformats.org/drawingml/2006/main" xmlns:r="http://schemas.openxmlformats.org/officeDocument/2006/relationships" xmlns:p="http://schemas.openxmlformats.org/presentationml/2006/main">
   <p:cSld>
     <p:spTree>
@@ -11491,104 +11657,6 @@
     <p:extLst>
       <p:ext uri="{BB962C8B-B14F-4D97-AF65-F5344CB8AC3E}">
         <p14:creationId xmlns:p14="http://schemas.microsoft.com/office/powerpoint/2010/main" val="4131486605"/>
-      </p:ext>
-    </p:extLst>
-  </p:cSld>
-  <p:clrMapOvr>
-    <a:masterClrMapping/>
-  </p:clrMapOvr>
-</p:sld>
-</file>
-
-<file path=ppt/slides/slide29.xml><?xml version="1.0" encoding="utf-8"?>
-<p:sld xmlns:a="http://schemas.openxmlformats.org/drawingml/2006/main" xmlns:r="http://schemas.openxmlformats.org/officeDocument/2006/relationships" xmlns:p="http://schemas.openxmlformats.org/presentationml/2006/main">
-  <p:cSld>
-    <p:spTree>
-      <p:nvGrpSpPr>
-        <p:cNvPr id="1" name=""/>
-        <p:cNvGrpSpPr/>
-        <p:nvPr/>
-      </p:nvGrpSpPr>
-      <p:grpSpPr>
-        <a:xfrm>
-          <a:off x="0" y="0"/>
-          <a:ext cx="0" cy="0"/>
-          <a:chOff x="0" y="0"/>
-          <a:chExt cx="0" cy="0"/>
-        </a:xfrm>
-      </p:grpSpPr>
-      <p:sp>
-        <p:nvSpPr>
-          <p:cNvPr id="2" name="제목 1">
-            <a:extLst>
-              <a:ext uri="{FF2B5EF4-FFF2-40B4-BE49-F238E27FC236}">
-                <a16:creationId xmlns:a16="http://schemas.microsoft.com/office/drawing/2014/main" id="{FEF97B69-9031-4A28-901F-246C46549083}"/>
-              </a:ext>
-            </a:extLst>
-          </p:cNvPr>
-          <p:cNvSpPr>
-            <a:spLocks noGrp="1"/>
-          </p:cNvSpPr>
-          <p:nvPr>
-            <p:ph type="title"/>
-          </p:nvPr>
-        </p:nvSpPr>
-        <p:spPr/>
-        <p:txBody>
-          <a:bodyPr/>
-          <a:lstStyle/>
-          <a:p>
-            <a:endParaRPr lang="ko-KR" altLang="en-US"/>
-          </a:p>
-        </p:txBody>
-      </p:sp>
-      <p:sp>
-        <p:nvSpPr>
-          <p:cNvPr id="3" name="내용 개체 틀 2">
-            <a:extLst>
-              <a:ext uri="{FF2B5EF4-FFF2-40B4-BE49-F238E27FC236}">
-                <a16:creationId xmlns:a16="http://schemas.microsoft.com/office/drawing/2014/main" id="{7B537D8F-5982-4653-B96A-BB8B9CAB7064}"/>
-              </a:ext>
-            </a:extLst>
-          </p:cNvPr>
-          <p:cNvSpPr>
-            <a:spLocks noGrp="1"/>
-          </p:cNvSpPr>
-          <p:nvPr>
-            <p:ph idx="1"/>
-          </p:nvPr>
-        </p:nvSpPr>
-        <p:spPr/>
-        <p:txBody>
-          <a:bodyPr/>
-          <a:lstStyle/>
-          <a:p>
-            <a:r>
-              <a:rPr lang="ko-KR" altLang="en-US" dirty="0"/>
-              <a:t>기능 구현에 대한 디자인 구상</a:t>
-            </a:r>
-            <a:endParaRPr lang="en-US" altLang="ko-KR" dirty="0"/>
-          </a:p>
-          <a:p>
-            <a:endParaRPr lang="en-US" altLang="ko-KR" dirty="0"/>
-          </a:p>
-          <a:p>
-            <a:r>
-              <a:rPr lang="ko-KR" altLang="en-US" dirty="0"/>
-              <a:t>디자인에 따른 동작을 기술하고 연계 한다</a:t>
-            </a:r>
-            <a:r>
-              <a:rPr lang="en-US" altLang="ko-KR" dirty="0"/>
-              <a:t>.</a:t>
-            </a:r>
-            <a:endParaRPr lang="ko-KR" altLang="en-US" dirty="0"/>
-          </a:p>
-        </p:txBody>
-      </p:sp>
-    </p:spTree>
-    <p:extLst>
-      <p:ext uri="{BB962C8B-B14F-4D97-AF65-F5344CB8AC3E}">
-        <p14:creationId xmlns:p14="http://schemas.microsoft.com/office/powerpoint/2010/main" val="1723942396"/>
       </p:ext>
     </p:extLst>
   </p:cSld>
@@ -11895,288 +11963,10 @@
       </p:grpSpPr>
       <p:sp>
         <p:nvSpPr>
-          <p:cNvPr id="10" name="직사각형 9"/>
-          <p:cNvSpPr/>
-          <p:nvPr/>
-        </p:nvSpPr>
-        <p:spPr>
-          <a:xfrm>
-            <a:off x="-1" y="2398426"/>
-            <a:ext cx="12192001" cy="1338109"/>
-          </a:xfrm>
-          <a:prstGeom prst="rect">
-            <a:avLst/>
-          </a:prstGeom>
-          <a:solidFill>
-            <a:schemeClr val="accent1">
-              <a:lumMod val="75000"/>
-            </a:schemeClr>
-          </a:solidFill>
-          <a:ln>
-            <a:noFill/>
-          </a:ln>
-        </p:spPr>
-        <p:style>
-          <a:lnRef idx="2">
-            <a:schemeClr val="accent1">
-              <a:shade val="50000"/>
-            </a:schemeClr>
-          </a:lnRef>
-          <a:fillRef idx="1">
-            <a:schemeClr val="accent1"/>
-          </a:fillRef>
-          <a:effectRef idx="0">
-            <a:schemeClr val="accent1"/>
-          </a:effectRef>
-          <a:fontRef idx="minor">
-            <a:schemeClr val="lt1"/>
-          </a:fontRef>
-        </p:style>
-        <p:txBody>
-          <a:bodyPr rtlCol="0" anchor="ctr"/>
-          <a:lstStyle/>
-          <a:p>
-            <a:pPr algn="ctr"/>
-            <a:endParaRPr kumimoji="1" lang="ko-KR" altLang="en-US" dirty="0"/>
-          </a:p>
-        </p:txBody>
-      </p:sp>
-      <p:sp>
-        <p:nvSpPr>
-          <p:cNvPr id="12" name="부제목 2"/>
-          <p:cNvSpPr txBox="1">
-            <a:spLocks/>
-          </p:cNvSpPr>
-          <p:nvPr/>
-        </p:nvSpPr>
-        <p:spPr>
-          <a:xfrm>
-            <a:off x="1" y="2608234"/>
-            <a:ext cx="12192000" cy="754314"/>
-          </a:xfrm>
-          <a:prstGeom prst="rect">
-            <a:avLst/>
-          </a:prstGeom>
-        </p:spPr>
-        <p:txBody>
-          <a:bodyPr vert="horz" lIns="91440" tIns="45720" rIns="91440" bIns="45720" rtlCol="0" anchor="ctr">
-            <a:noAutofit/>
-          </a:bodyPr>
-          <a:lstStyle>
-            <a:lvl1pPr marL="0" indent="0" algn="ctr" defTabSz="914423" rtl="0" eaLnBrk="1" latinLnBrk="1" hangingPunct="1">
-              <a:lnSpc>
-                <a:spcPct val="90000"/>
-              </a:lnSpc>
-              <a:spcBef>
-                <a:spcPts val="1001"/>
-              </a:spcBef>
-              <a:buFont typeface="Arial"/>
-              <a:buNone/>
-              <a:defRPr sz="2400" kern="1200">
-                <a:solidFill>
-                  <a:schemeClr val="tx1"/>
-                </a:solidFill>
-                <a:latin typeface="+mn-lt"/>
-                <a:ea typeface="+mn-ea"/>
-                <a:cs typeface="+mn-cs"/>
-              </a:defRPr>
-            </a:lvl1pPr>
-            <a:lvl2pPr marL="457211" indent="0" algn="ctr" defTabSz="914423" rtl="0" eaLnBrk="1" latinLnBrk="1" hangingPunct="1">
-              <a:lnSpc>
-                <a:spcPct val="90000"/>
-              </a:lnSpc>
-              <a:spcBef>
-                <a:spcPts val="500"/>
-              </a:spcBef>
-              <a:buFont typeface="Arial"/>
-              <a:buNone/>
-              <a:defRPr sz="2000" kern="1200">
-                <a:solidFill>
-                  <a:schemeClr val="tx1"/>
-                </a:solidFill>
-                <a:latin typeface="+mn-lt"/>
-                <a:ea typeface="+mn-ea"/>
-                <a:cs typeface="+mn-cs"/>
-              </a:defRPr>
-            </a:lvl2pPr>
-            <a:lvl3pPr marL="914423" indent="0" algn="ctr" defTabSz="914423" rtl="0" eaLnBrk="1" latinLnBrk="1" hangingPunct="1">
-              <a:lnSpc>
-                <a:spcPct val="90000"/>
-              </a:lnSpc>
-              <a:spcBef>
-                <a:spcPts val="500"/>
-              </a:spcBef>
-              <a:buFont typeface="Arial"/>
-              <a:buNone/>
-              <a:defRPr sz="1801" kern="1200">
-                <a:solidFill>
-                  <a:schemeClr val="tx1"/>
-                </a:solidFill>
-                <a:latin typeface="+mn-lt"/>
-                <a:ea typeface="+mn-ea"/>
-                <a:cs typeface="+mn-cs"/>
-              </a:defRPr>
-            </a:lvl3pPr>
-            <a:lvl4pPr marL="1371634" indent="0" algn="ctr" defTabSz="914423" rtl="0" eaLnBrk="1" latinLnBrk="1" hangingPunct="1">
-              <a:lnSpc>
-                <a:spcPct val="90000"/>
-              </a:lnSpc>
-              <a:spcBef>
-                <a:spcPts val="500"/>
-              </a:spcBef>
-              <a:buFont typeface="Arial"/>
-              <a:buNone/>
-              <a:defRPr sz="1600" kern="1200">
-                <a:solidFill>
-                  <a:schemeClr val="tx1"/>
-                </a:solidFill>
-                <a:latin typeface="+mn-lt"/>
-                <a:ea typeface="+mn-ea"/>
-                <a:cs typeface="+mn-cs"/>
-              </a:defRPr>
-            </a:lvl4pPr>
-            <a:lvl5pPr marL="1828846" indent="0" algn="ctr" defTabSz="914423" rtl="0" eaLnBrk="1" latinLnBrk="1" hangingPunct="1">
-              <a:lnSpc>
-                <a:spcPct val="90000"/>
-              </a:lnSpc>
-              <a:spcBef>
-                <a:spcPts val="500"/>
-              </a:spcBef>
-              <a:buFont typeface="Arial"/>
-              <a:buNone/>
-              <a:defRPr sz="1600" kern="1200">
-                <a:solidFill>
-                  <a:schemeClr val="tx1"/>
-                </a:solidFill>
-                <a:latin typeface="+mn-lt"/>
-                <a:ea typeface="+mn-ea"/>
-                <a:cs typeface="+mn-cs"/>
-              </a:defRPr>
-            </a:lvl5pPr>
-            <a:lvl6pPr marL="2286057" indent="0" algn="ctr" defTabSz="914423" rtl="0" eaLnBrk="1" latinLnBrk="1" hangingPunct="1">
-              <a:lnSpc>
-                <a:spcPct val="90000"/>
-              </a:lnSpc>
-              <a:spcBef>
-                <a:spcPts val="500"/>
-              </a:spcBef>
-              <a:buFont typeface="Arial"/>
-              <a:buNone/>
-              <a:defRPr sz="1600" kern="1200">
-                <a:solidFill>
-                  <a:schemeClr val="tx1"/>
-                </a:solidFill>
-                <a:latin typeface="+mn-lt"/>
-                <a:ea typeface="+mn-ea"/>
-                <a:cs typeface="+mn-cs"/>
-              </a:defRPr>
-            </a:lvl6pPr>
-            <a:lvl7pPr marL="2743269" indent="0" algn="ctr" defTabSz="914423" rtl="0" eaLnBrk="1" latinLnBrk="1" hangingPunct="1">
-              <a:lnSpc>
-                <a:spcPct val="90000"/>
-              </a:lnSpc>
-              <a:spcBef>
-                <a:spcPts val="500"/>
-              </a:spcBef>
-              <a:buFont typeface="Arial"/>
-              <a:buNone/>
-              <a:defRPr sz="1600" kern="1200">
-                <a:solidFill>
-                  <a:schemeClr val="tx1"/>
-                </a:solidFill>
-                <a:latin typeface="+mn-lt"/>
-                <a:ea typeface="+mn-ea"/>
-                <a:cs typeface="+mn-cs"/>
-              </a:defRPr>
-            </a:lvl7pPr>
-            <a:lvl8pPr marL="3200480" indent="0" algn="ctr" defTabSz="914423" rtl="0" eaLnBrk="1" latinLnBrk="1" hangingPunct="1">
-              <a:lnSpc>
-                <a:spcPct val="90000"/>
-              </a:lnSpc>
-              <a:spcBef>
-                <a:spcPts val="500"/>
-              </a:spcBef>
-              <a:buFont typeface="Arial"/>
-              <a:buNone/>
-              <a:defRPr sz="1600" kern="1200">
-                <a:solidFill>
-                  <a:schemeClr val="tx1"/>
-                </a:solidFill>
-                <a:latin typeface="+mn-lt"/>
-                <a:ea typeface="+mn-ea"/>
-                <a:cs typeface="+mn-cs"/>
-              </a:defRPr>
-            </a:lvl8pPr>
-            <a:lvl9pPr marL="3657691" indent="0" algn="ctr" defTabSz="914423" rtl="0" eaLnBrk="1" latinLnBrk="1" hangingPunct="1">
-              <a:lnSpc>
-                <a:spcPct val="90000"/>
-              </a:lnSpc>
-              <a:spcBef>
-                <a:spcPts val="500"/>
-              </a:spcBef>
-              <a:buFont typeface="Arial"/>
-              <a:buNone/>
-              <a:defRPr sz="1600" kern="1200">
-                <a:solidFill>
-                  <a:schemeClr val="tx1"/>
-                </a:solidFill>
-                <a:latin typeface="+mn-lt"/>
-                <a:ea typeface="+mn-ea"/>
-                <a:cs typeface="+mn-cs"/>
-              </a:defRPr>
-            </a:lvl9pPr>
-          </a:lstStyle>
-          <a:p>
-            <a:r>
-              <a:rPr lang="ko-KR" altLang="en-US" sz="4800" dirty="0">
-                <a:solidFill>
-                  <a:schemeClr val="bg1"/>
-                </a:solidFill>
-                <a:latin typeface="+mj-lt"/>
-                <a:ea typeface="맑은 고딕" charset="-127"/>
-                <a:cs typeface="맑은 고딕" charset="-127"/>
-              </a:rPr>
-              <a:t>구현</a:t>
-            </a:r>
-          </a:p>
-        </p:txBody>
-      </p:sp>
-    </p:spTree>
-    <p:extLst>
-      <p:ext uri="{BB962C8B-B14F-4D97-AF65-F5344CB8AC3E}">
-        <p14:creationId xmlns:p14="http://schemas.microsoft.com/office/powerpoint/2010/main" val="1697315730"/>
-      </p:ext>
-    </p:extLst>
-  </p:cSld>
-  <p:clrMapOvr>
-    <a:masterClrMapping/>
-  </p:clrMapOvr>
-</p:sld>
-</file>
-
-<file path=ppt/slides/slide31.xml><?xml version="1.0" encoding="utf-8"?>
-<p:sld xmlns:a="http://schemas.openxmlformats.org/drawingml/2006/main" xmlns:r="http://schemas.openxmlformats.org/officeDocument/2006/relationships" xmlns:p="http://schemas.openxmlformats.org/presentationml/2006/main">
-  <p:cSld>
-    <p:spTree>
-      <p:nvGrpSpPr>
-        <p:cNvPr id="1" name=""/>
-        <p:cNvGrpSpPr/>
-        <p:nvPr/>
-      </p:nvGrpSpPr>
-      <p:grpSpPr>
-        <a:xfrm>
-          <a:off x="0" y="0"/>
-          <a:ext cx="0" cy="0"/>
-          <a:chOff x="0" y="0"/>
-          <a:chExt cx="0" cy="0"/>
-        </a:xfrm>
-      </p:grpSpPr>
-      <p:sp>
-        <p:nvSpPr>
           <p:cNvPr id="2" name="제목 1">
             <a:extLst>
               <a:ext uri="{FF2B5EF4-FFF2-40B4-BE49-F238E27FC236}">
-                <a16:creationId xmlns:a16="http://schemas.microsoft.com/office/drawing/2014/main" id="{2135F92A-65F5-4C7A-8C04-BF5F199039F2}"/>
+                <a16:creationId xmlns:a16="http://schemas.microsoft.com/office/drawing/2014/main" id="{FEF97B69-9031-4A28-901F-246C46549083}"/>
               </a:ext>
             </a:extLst>
           </p:cNvPr>
@@ -12201,7 +11991,7 @@
           <p:cNvPr id="3" name="내용 개체 틀 2">
             <a:extLst>
               <a:ext uri="{FF2B5EF4-FFF2-40B4-BE49-F238E27FC236}">
-                <a16:creationId xmlns:a16="http://schemas.microsoft.com/office/drawing/2014/main" id="{FB21A4AE-E1C2-4042-9B9E-43F419C42235}"/>
+                <a16:creationId xmlns:a16="http://schemas.microsoft.com/office/drawing/2014/main" id="{7B537D8F-5982-4653-B96A-BB8B9CAB7064}"/>
               </a:ext>
             </a:extLst>
           </p:cNvPr>
@@ -12219,7 +12009,17 @@
           <a:p>
             <a:r>
               <a:rPr lang="ko-KR" altLang="en-US" dirty="0"/>
-              <a:t>코드를 작성하고 버그를 수정한다</a:t>
+              <a:t>기능 구현에 대한 디자인 구상</a:t>
+            </a:r>
+            <a:endParaRPr lang="en-US" altLang="ko-KR" dirty="0"/>
+          </a:p>
+          <a:p>
+            <a:endParaRPr lang="en-US" altLang="ko-KR" dirty="0"/>
+          </a:p>
+          <a:p>
+            <a:r>
+              <a:rPr lang="ko-KR" altLang="en-US" dirty="0"/>
+              <a:t>디자인에 따른 동작을 기술하고 연계 한다</a:t>
             </a:r>
             <a:r>
               <a:rPr lang="en-US" altLang="ko-KR" dirty="0"/>
@@ -12232,7 +12032,7 @@
     </p:spTree>
     <p:extLst>
       <p:ext uri="{BB962C8B-B14F-4D97-AF65-F5344CB8AC3E}">
-        <p14:creationId xmlns:p14="http://schemas.microsoft.com/office/powerpoint/2010/main" val="1303733429"/>
+        <p14:creationId xmlns:p14="http://schemas.microsoft.com/office/powerpoint/2010/main" val="1723942396"/>
       </p:ext>
     </p:extLst>
   </p:cSld>
@@ -12242,7 +12042,7 @@
 </p:sld>
 </file>
 
-<file path=ppt/slides/slide32.xml><?xml version="1.0" encoding="utf-8"?>
+<file path=ppt/slides/slide31.xml><?xml version="1.0" encoding="utf-8"?>
 <p:sld xmlns:a="http://schemas.openxmlformats.org/drawingml/2006/main" xmlns:r="http://schemas.openxmlformats.org/officeDocument/2006/relationships" xmlns:p="http://schemas.openxmlformats.org/presentationml/2006/main">
   <p:cSld>
     <p:spTree>
@@ -12502,6 +12302,372 @@
                 <a:ea typeface="맑은 고딕" charset="-127"/>
                 <a:cs typeface="맑은 고딕" charset="-127"/>
               </a:rPr>
+              <a:t>구현</a:t>
+            </a:r>
+          </a:p>
+        </p:txBody>
+      </p:sp>
+    </p:spTree>
+    <p:extLst>
+      <p:ext uri="{BB962C8B-B14F-4D97-AF65-F5344CB8AC3E}">
+        <p14:creationId xmlns:p14="http://schemas.microsoft.com/office/powerpoint/2010/main" val="1697315730"/>
+      </p:ext>
+    </p:extLst>
+  </p:cSld>
+  <p:clrMapOvr>
+    <a:masterClrMapping/>
+  </p:clrMapOvr>
+</p:sld>
+</file>
+
+<file path=ppt/slides/slide32.xml><?xml version="1.0" encoding="utf-8"?>
+<p:sld xmlns:a="http://schemas.openxmlformats.org/drawingml/2006/main" xmlns:r="http://schemas.openxmlformats.org/officeDocument/2006/relationships" xmlns:p="http://schemas.openxmlformats.org/presentationml/2006/main">
+  <p:cSld>
+    <p:spTree>
+      <p:nvGrpSpPr>
+        <p:cNvPr id="1" name=""/>
+        <p:cNvGrpSpPr/>
+        <p:nvPr/>
+      </p:nvGrpSpPr>
+      <p:grpSpPr>
+        <a:xfrm>
+          <a:off x="0" y="0"/>
+          <a:ext cx="0" cy="0"/>
+          <a:chOff x="0" y="0"/>
+          <a:chExt cx="0" cy="0"/>
+        </a:xfrm>
+      </p:grpSpPr>
+      <p:sp>
+        <p:nvSpPr>
+          <p:cNvPr id="2" name="제목 1">
+            <a:extLst>
+              <a:ext uri="{FF2B5EF4-FFF2-40B4-BE49-F238E27FC236}">
+                <a16:creationId xmlns:a16="http://schemas.microsoft.com/office/drawing/2014/main" id="{2135F92A-65F5-4C7A-8C04-BF5F199039F2}"/>
+              </a:ext>
+            </a:extLst>
+          </p:cNvPr>
+          <p:cNvSpPr>
+            <a:spLocks noGrp="1"/>
+          </p:cNvSpPr>
+          <p:nvPr>
+            <p:ph type="title"/>
+          </p:nvPr>
+        </p:nvSpPr>
+        <p:spPr/>
+        <p:txBody>
+          <a:bodyPr/>
+          <a:lstStyle/>
+          <a:p>
+            <a:endParaRPr lang="ko-KR" altLang="en-US"/>
+          </a:p>
+        </p:txBody>
+      </p:sp>
+      <p:sp>
+        <p:nvSpPr>
+          <p:cNvPr id="3" name="내용 개체 틀 2">
+            <a:extLst>
+              <a:ext uri="{FF2B5EF4-FFF2-40B4-BE49-F238E27FC236}">
+                <a16:creationId xmlns:a16="http://schemas.microsoft.com/office/drawing/2014/main" id="{FB21A4AE-E1C2-4042-9B9E-43F419C42235}"/>
+              </a:ext>
+            </a:extLst>
+          </p:cNvPr>
+          <p:cNvSpPr>
+            <a:spLocks noGrp="1"/>
+          </p:cNvSpPr>
+          <p:nvPr>
+            <p:ph idx="1"/>
+          </p:nvPr>
+        </p:nvSpPr>
+        <p:spPr/>
+        <p:txBody>
+          <a:bodyPr/>
+          <a:lstStyle/>
+          <a:p>
+            <a:r>
+              <a:rPr lang="ko-KR" altLang="en-US" dirty="0"/>
+              <a:t>코드를 작성하고 버그를 수정한다</a:t>
+            </a:r>
+            <a:r>
+              <a:rPr lang="en-US" altLang="ko-KR" dirty="0"/>
+              <a:t>.</a:t>
+            </a:r>
+            <a:endParaRPr lang="ko-KR" altLang="en-US" dirty="0"/>
+          </a:p>
+        </p:txBody>
+      </p:sp>
+    </p:spTree>
+    <p:extLst>
+      <p:ext uri="{BB962C8B-B14F-4D97-AF65-F5344CB8AC3E}">
+        <p14:creationId xmlns:p14="http://schemas.microsoft.com/office/powerpoint/2010/main" val="1303733429"/>
+      </p:ext>
+    </p:extLst>
+  </p:cSld>
+  <p:clrMapOvr>
+    <a:masterClrMapping/>
+  </p:clrMapOvr>
+</p:sld>
+</file>
+
+<file path=ppt/slides/slide33.xml><?xml version="1.0" encoding="utf-8"?>
+<p:sld xmlns:a="http://schemas.openxmlformats.org/drawingml/2006/main" xmlns:r="http://schemas.openxmlformats.org/officeDocument/2006/relationships" xmlns:p="http://schemas.openxmlformats.org/presentationml/2006/main">
+  <p:cSld>
+    <p:spTree>
+      <p:nvGrpSpPr>
+        <p:cNvPr id="1" name=""/>
+        <p:cNvGrpSpPr/>
+        <p:nvPr/>
+      </p:nvGrpSpPr>
+      <p:grpSpPr>
+        <a:xfrm>
+          <a:off x="0" y="0"/>
+          <a:ext cx="0" cy="0"/>
+          <a:chOff x="0" y="0"/>
+          <a:chExt cx="0" cy="0"/>
+        </a:xfrm>
+      </p:grpSpPr>
+      <p:sp>
+        <p:nvSpPr>
+          <p:cNvPr id="10" name="직사각형 9"/>
+          <p:cNvSpPr/>
+          <p:nvPr/>
+        </p:nvSpPr>
+        <p:spPr>
+          <a:xfrm>
+            <a:off x="-1" y="2398426"/>
+            <a:ext cx="12192001" cy="1338109"/>
+          </a:xfrm>
+          <a:prstGeom prst="rect">
+            <a:avLst/>
+          </a:prstGeom>
+          <a:solidFill>
+            <a:schemeClr val="accent1">
+              <a:lumMod val="75000"/>
+            </a:schemeClr>
+          </a:solidFill>
+          <a:ln>
+            <a:noFill/>
+          </a:ln>
+        </p:spPr>
+        <p:style>
+          <a:lnRef idx="2">
+            <a:schemeClr val="accent1">
+              <a:shade val="50000"/>
+            </a:schemeClr>
+          </a:lnRef>
+          <a:fillRef idx="1">
+            <a:schemeClr val="accent1"/>
+          </a:fillRef>
+          <a:effectRef idx="0">
+            <a:schemeClr val="accent1"/>
+          </a:effectRef>
+          <a:fontRef idx="minor">
+            <a:schemeClr val="lt1"/>
+          </a:fontRef>
+        </p:style>
+        <p:txBody>
+          <a:bodyPr rtlCol="0" anchor="ctr"/>
+          <a:lstStyle/>
+          <a:p>
+            <a:pPr algn="ctr"/>
+            <a:endParaRPr kumimoji="1" lang="ko-KR" altLang="en-US" dirty="0"/>
+          </a:p>
+        </p:txBody>
+      </p:sp>
+      <p:sp>
+        <p:nvSpPr>
+          <p:cNvPr id="12" name="부제목 2"/>
+          <p:cNvSpPr txBox="1">
+            <a:spLocks/>
+          </p:cNvSpPr>
+          <p:nvPr/>
+        </p:nvSpPr>
+        <p:spPr>
+          <a:xfrm>
+            <a:off x="1" y="2608234"/>
+            <a:ext cx="12192000" cy="754314"/>
+          </a:xfrm>
+          <a:prstGeom prst="rect">
+            <a:avLst/>
+          </a:prstGeom>
+        </p:spPr>
+        <p:txBody>
+          <a:bodyPr vert="horz" lIns="91440" tIns="45720" rIns="91440" bIns="45720" rtlCol="0" anchor="ctr">
+            <a:noAutofit/>
+          </a:bodyPr>
+          <a:lstStyle>
+            <a:lvl1pPr marL="0" indent="0" algn="ctr" defTabSz="914423" rtl="0" eaLnBrk="1" latinLnBrk="1" hangingPunct="1">
+              <a:lnSpc>
+                <a:spcPct val="90000"/>
+              </a:lnSpc>
+              <a:spcBef>
+                <a:spcPts val="1001"/>
+              </a:spcBef>
+              <a:buFont typeface="Arial"/>
+              <a:buNone/>
+              <a:defRPr sz="2400" kern="1200">
+                <a:solidFill>
+                  <a:schemeClr val="tx1"/>
+                </a:solidFill>
+                <a:latin typeface="+mn-lt"/>
+                <a:ea typeface="+mn-ea"/>
+                <a:cs typeface="+mn-cs"/>
+              </a:defRPr>
+            </a:lvl1pPr>
+            <a:lvl2pPr marL="457211" indent="0" algn="ctr" defTabSz="914423" rtl="0" eaLnBrk="1" latinLnBrk="1" hangingPunct="1">
+              <a:lnSpc>
+                <a:spcPct val="90000"/>
+              </a:lnSpc>
+              <a:spcBef>
+                <a:spcPts val="500"/>
+              </a:spcBef>
+              <a:buFont typeface="Arial"/>
+              <a:buNone/>
+              <a:defRPr sz="2000" kern="1200">
+                <a:solidFill>
+                  <a:schemeClr val="tx1"/>
+                </a:solidFill>
+                <a:latin typeface="+mn-lt"/>
+                <a:ea typeface="+mn-ea"/>
+                <a:cs typeface="+mn-cs"/>
+              </a:defRPr>
+            </a:lvl2pPr>
+            <a:lvl3pPr marL="914423" indent="0" algn="ctr" defTabSz="914423" rtl="0" eaLnBrk="1" latinLnBrk="1" hangingPunct="1">
+              <a:lnSpc>
+                <a:spcPct val="90000"/>
+              </a:lnSpc>
+              <a:spcBef>
+                <a:spcPts val="500"/>
+              </a:spcBef>
+              <a:buFont typeface="Arial"/>
+              <a:buNone/>
+              <a:defRPr sz="1801" kern="1200">
+                <a:solidFill>
+                  <a:schemeClr val="tx1"/>
+                </a:solidFill>
+                <a:latin typeface="+mn-lt"/>
+                <a:ea typeface="+mn-ea"/>
+                <a:cs typeface="+mn-cs"/>
+              </a:defRPr>
+            </a:lvl3pPr>
+            <a:lvl4pPr marL="1371634" indent="0" algn="ctr" defTabSz="914423" rtl="0" eaLnBrk="1" latinLnBrk="1" hangingPunct="1">
+              <a:lnSpc>
+                <a:spcPct val="90000"/>
+              </a:lnSpc>
+              <a:spcBef>
+                <a:spcPts val="500"/>
+              </a:spcBef>
+              <a:buFont typeface="Arial"/>
+              <a:buNone/>
+              <a:defRPr sz="1600" kern="1200">
+                <a:solidFill>
+                  <a:schemeClr val="tx1"/>
+                </a:solidFill>
+                <a:latin typeface="+mn-lt"/>
+                <a:ea typeface="+mn-ea"/>
+                <a:cs typeface="+mn-cs"/>
+              </a:defRPr>
+            </a:lvl4pPr>
+            <a:lvl5pPr marL="1828846" indent="0" algn="ctr" defTabSz="914423" rtl="0" eaLnBrk="1" latinLnBrk="1" hangingPunct="1">
+              <a:lnSpc>
+                <a:spcPct val="90000"/>
+              </a:lnSpc>
+              <a:spcBef>
+                <a:spcPts val="500"/>
+              </a:spcBef>
+              <a:buFont typeface="Arial"/>
+              <a:buNone/>
+              <a:defRPr sz="1600" kern="1200">
+                <a:solidFill>
+                  <a:schemeClr val="tx1"/>
+                </a:solidFill>
+                <a:latin typeface="+mn-lt"/>
+                <a:ea typeface="+mn-ea"/>
+                <a:cs typeface="+mn-cs"/>
+              </a:defRPr>
+            </a:lvl5pPr>
+            <a:lvl6pPr marL="2286057" indent="0" algn="ctr" defTabSz="914423" rtl="0" eaLnBrk="1" latinLnBrk="1" hangingPunct="1">
+              <a:lnSpc>
+                <a:spcPct val="90000"/>
+              </a:lnSpc>
+              <a:spcBef>
+                <a:spcPts val="500"/>
+              </a:spcBef>
+              <a:buFont typeface="Arial"/>
+              <a:buNone/>
+              <a:defRPr sz="1600" kern="1200">
+                <a:solidFill>
+                  <a:schemeClr val="tx1"/>
+                </a:solidFill>
+                <a:latin typeface="+mn-lt"/>
+                <a:ea typeface="+mn-ea"/>
+                <a:cs typeface="+mn-cs"/>
+              </a:defRPr>
+            </a:lvl6pPr>
+            <a:lvl7pPr marL="2743269" indent="0" algn="ctr" defTabSz="914423" rtl="0" eaLnBrk="1" latinLnBrk="1" hangingPunct="1">
+              <a:lnSpc>
+                <a:spcPct val="90000"/>
+              </a:lnSpc>
+              <a:spcBef>
+                <a:spcPts val="500"/>
+              </a:spcBef>
+              <a:buFont typeface="Arial"/>
+              <a:buNone/>
+              <a:defRPr sz="1600" kern="1200">
+                <a:solidFill>
+                  <a:schemeClr val="tx1"/>
+                </a:solidFill>
+                <a:latin typeface="+mn-lt"/>
+                <a:ea typeface="+mn-ea"/>
+                <a:cs typeface="+mn-cs"/>
+              </a:defRPr>
+            </a:lvl7pPr>
+            <a:lvl8pPr marL="3200480" indent="0" algn="ctr" defTabSz="914423" rtl="0" eaLnBrk="1" latinLnBrk="1" hangingPunct="1">
+              <a:lnSpc>
+                <a:spcPct val="90000"/>
+              </a:lnSpc>
+              <a:spcBef>
+                <a:spcPts val="500"/>
+              </a:spcBef>
+              <a:buFont typeface="Arial"/>
+              <a:buNone/>
+              <a:defRPr sz="1600" kern="1200">
+                <a:solidFill>
+                  <a:schemeClr val="tx1"/>
+                </a:solidFill>
+                <a:latin typeface="+mn-lt"/>
+                <a:ea typeface="+mn-ea"/>
+                <a:cs typeface="+mn-cs"/>
+              </a:defRPr>
+            </a:lvl8pPr>
+            <a:lvl9pPr marL="3657691" indent="0" algn="ctr" defTabSz="914423" rtl="0" eaLnBrk="1" latinLnBrk="1" hangingPunct="1">
+              <a:lnSpc>
+                <a:spcPct val="90000"/>
+              </a:lnSpc>
+              <a:spcBef>
+                <a:spcPts val="500"/>
+              </a:spcBef>
+              <a:buFont typeface="Arial"/>
+              <a:buNone/>
+              <a:defRPr sz="1600" kern="1200">
+                <a:solidFill>
+                  <a:schemeClr val="tx1"/>
+                </a:solidFill>
+                <a:latin typeface="+mn-lt"/>
+                <a:ea typeface="+mn-ea"/>
+                <a:cs typeface="+mn-cs"/>
+              </a:defRPr>
+            </a:lvl9pPr>
+          </a:lstStyle>
+          <a:p>
+            <a:r>
+              <a:rPr lang="ko-KR" altLang="en-US" sz="4800" dirty="0">
+                <a:solidFill>
+                  <a:schemeClr val="bg1"/>
+                </a:solidFill>
+                <a:latin typeface="+mj-lt"/>
+                <a:ea typeface="맑은 고딕" charset="-127"/>
+                <a:cs typeface="맑은 고딕" charset="-127"/>
+              </a:rPr>
               <a:t>제품 </a:t>
             </a:r>
             <a:r>
@@ -12539,7 +12705,7 @@
 </p:sld>
 </file>
 
-<file path=ppt/slides/slide33.xml><?xml version="1.0" encoding="utf-8"?>
+<file path=ppt/slides/slide34.xml><?xml version="1.0" encoding="utf-8"?>
 <p:sld xmlns:a="http://schemas.openxmlformats.org/drawingml/2006/main" xmlns:r="http://schemas.openxmlformats.org/officeDocument/2006/relationships" xmlns:p="http://schemas.openxmlformats.org/presentationml/2006/main">
   <p:cSld>
     <p:spTree>

--- a/2021_Summer/jp.hong/Project_BnD_jph.pptx
+++ b/2021_Summer/jp.hong/Project_BnD_jph.pptx
@@ -2,7 +2,7 @@
 <file path=ppt/presentation.xml><?xml version="1.0" encoding="utf-8"?>
 <p:presentation xmlns:r="http://schemas.openxmlformats.org/officeDocument/2006/relationships" xmlns:c="http://schemas.openxmlformats.org/drawingml/2006/chart" xmlns:a="http://schemas.openxmlformats.org/drawingml/2006/main" xmlns:dgm="http://schemas.openxmlformats.org/drawingml/2006/diagram" xmlns:dsp="http://schemas.microsoft.com/office/drawing/2008/diagram" xmlns:p="http://schemas.openxmlformats.org/presentationml/2006/main">
   <p:sldMasterIdLst>
-    <p:sldMasterId id="2147483666" r:id="rId1"/>
+    <p:sldMasterId id="2147483676" r:id="rId1"/>
   </p:sldMasterIdLst>
   <p:sldIdLst>
     <p:sldId id="261" r:id="rId2"/>
@@ -35,10 +35,18 @@
     <p:sldId id="335" r:id="rId29"/>
     <p:sldId id="292" r:id="rId30"/>
     <p:sldId id="300" r:id="rId31"/>
-    <p:sldId id="306" r:id="rId32"/>
-    <p:sldId id="307" r:id="rId33"/>
-    <p:sldId id="294" r:id="rId34"/>
-    <p:sldId id="302" r:id="rId35"/>
+    <p:sldId id="337" r:id="rId32"/>
+    <p:sldId id="338" r:id="rId33"/>
+    <p:sldId id="339" r:id="rId34"/>
+    <p:sldId id="340" r:id="rId35"/>
+    <p:sldId id="341" r:id="rId36"/>
+    <p:sldId id="342" r:id="rId37"/>
+    <p:sldId id="343" r:id="rId38"/>
+    <p:sldId id="344" r:id="rId39"/>
+    <p:sldId id="306" r:id="rId40"/>
+    <p:sldId id="307" r:id="rId41"/>
+    <p:sldId id="294" r:id="rId42"/>
+    <p:sldId id="302" r:id="rId43"/>
   </p:sldIdLst>
   <p:sldSz cx="12192000" cy="6858000"/>
   <p:notesSz cx="7104063" cy="10234613"/>
@@ -11159,13 +11167,13 @@
             </a:pPr>
             <a:r>
               <a:rPr kumimoji="1" lang="en-US" altLang="ko-KR" sz="4800"/>
-              <a:t>4.</a:t>
+              <a:t>5.</a:t>
             </a:r>
             <a:r>
               <a:rPr kumimoji="1" lang="ko-KR" altLang="en-US" sz="4800"/>
               <a:t> 기능검토</a:t>
             </a:r>
-            <a:endParaRPr kumimoji="1" lang="en-US" altLang="ko-KR" sz="4800"/>
+            <a:endParaRPr kumimoji="1" lang="ko-KR" altLang="en-US" sz="4800"/>
           </a:p>
         </p:txBody>
       </p:sp>
@@ -11187,7 +11195,7 @@
         </p:spPr>
         <p:txBody>
           <a:bodyPr vert="horz" lIns="91440" tIns="45720" rIns="91440" bIns="45720">
-            <a:normAutofit fontScale="92500" lnSpcReduction="20000"/>
+            <a:normAutofit fontScale="92500" lnSpcReduction="10000"/>
           </a:bodyPr>
           <a:lstStyle/>
           <a:p>
@@ -12043,6 +12051,6282 @@
 </file>
 
 <file path=ppt/slides/slide31.xml><?xml version="1.0" encoding="utf-8"?>
+<p:sld xmlns:r="http://schemas.openxmlformats.org/officeDocument/2006/relationships" xmlns:c="http://schemas.openxmlformats.org/drawingml/2006/chart" xmlns:a="http://schemas.openxmlformats.org/drawingml/2006/main" xmlns:dgm="http://schemas.openxmlformats.org/drawingml/2006/diagram" xmlns:dsp="http://schemas.microsoft.com/office/drawing/2008/diagram" xmlns:p="http://schemas.openxmlformats.org/presentationml/2006/main">
+  <p:cSld>
+    <p:spTree>
+      <p:nvGrpSpPr>
+        <p:cNvPr id="1" name=""/>
+        <p:cNvGrpSpPr/>
+        <p:nvPr/>
+      </p:nvGrpSpPr>
+      <p:grpSpPr>
+        <a:xfrm>
+          <a:off x="0" y="0"/>
+          <a:ext cx="0" cy="0"/>
+          <a:chOff x="0" y="0"/>
+          <a:chExt cx="0" cy="0"/>
+        </a:xfrm>
+      </p:grpSpPr>
+      <p:sp>
+        <p:nvSpPr>
+          <p:cNvPr id="4" name="직사각형 9"/>
+          <p:cNvSpPr/>
+          <p:nvPr/>
+        </p:nvSpPr>
+        <p:spPr>
+          <a:xfrm>
+            <a:off x="-1" y="0"/>
+            <a:ext cx="12192001" cy="1338109"/>
+          </a:xfrm>
+          <a:prstGeom prst="rect">
+            <a:avLst/>
+          </a:prstGeom>
+          <a:solidFill>
+            <a:schemeClr val="accent1">
+              <a:lumMod val="75000"/>
+            </a:schemeClr>
+          </a:solidFill>
+          <a:ln>
+            <a:noFill/>
+          </a:ln>
+        </p:spPr>
+        <p:style>
+          <a:lnRef idx="2">
+            <a:schemeClr val="accent1">
+              <a:shade val="50000"/>
+            </a:schemeClr>
+          </a:lnRef>
+          <a:fillRef idx="1">
+            <a:schemeClr val="accent1"/>
+          </a:fillRef>
+          <a:effectRef idx="0">
+            <a:schemeClr val="accent1"/>
+          </a:effectRef>
+          <a:fontRef idx="minor">
+            <a:schemeClr val="lt1"/>
+          </a:fontRef>
+        </p:style>
+        <p:txBody>
+          <a:bodyPr anchor="ctr"/>
+          <a:lstStyle/>
+          <a:p>
+            <a:pPr>
+              <a:defRPr/>
+            </a:pPr>
+            <a:r>
+              <a:rPr kumimoji="1" lang="en-US" altLang="ko-KR" sz="4800"/>
+              <a:t>6.</a:t>
+            </a:r>
+            <a:r>
+              <a:rPr kumimoji="1" lang="ko-KR" altLang="en-US" sz="4800"/>
+              <a:t> 스토리보드</a:t>
+            </a:r>
+            <a:endParaRPr kumimoji="1" lang="ko-KR" altLang="en-US" sz="4800"/>
+          </a:p>
+        </p:txBody>
+      </p:sp>
+      <p:sp>
+        <p:nvSpPr>
+          <p:cNvPr id="21" name=""/>
+          <p:cNvSpPr/>
+          <p:nvPr/>
+        </p:nvSpPr>
+        <p:spPr>
+          <a:xfrm>
+            <a:off x="0" y="1360609"/>
+            <a:ext cx="5051505" cy="5497389"/>
+          </a:xfrm>
+          <a:prstGeom prst="rect">
+            <a:avLst/>
+          </a:prstGeom>
+          <a:solidFill>
+            <a:srgbClr val="f2f2f2"/>
+          </a:solidFill>
+          <a:ln>
+            <a:noFill/>
+          </a:ln>
+        </p:spPr>
+        <p:style>
+          <a:lnRef idx="2">
+            <a:schemeClr val="accent1">
+              <a:shade val="20000"/>
+            </a:schemeClr>
+          </a:lnRef>
+          <a:fillRef idx="1">
+            <a:schemeClr val="accent1"/>
+          </a:fillRef>
+          <a:effectRef idx="0">
+            <a:schemeClr val="accent1"/>
+          </a:effectRef>
+          <a:fontRef idx="minor">
+            <a:schemeClr val="lt1"/>
+          </a:fontRef>
+        </p:style>
+        <p:txBody>
+          <a:bodyPr anchor="ctr"/>
+          <a:lstStyle/>
+          <a:p>
+            <a:pPr>
+              <a:defRPr/>
+            </a:pPr>
+            <a:r>
+              <a:rPr lang="en-US" altLang="ko-KR">
+                <a:solidFill>
+                  <a:schemeClr val="dk1"/>
+                </a:solidFill>
+              </a:rPr>
+              <a:t>C:\USERS\ &gt;&gt; python tool.py</a:t>
+            </a:r>
+            <a:endParaRPr lang="en-US" altLang="ko-KR">
+              <a:solidFill>
+                <a:schemeClr val="dk1"/>
+              </a:solidFill>
+            </a:endParaRPr>
+          </a:p>
+          <a:p>
+            <a:pPr>
+              <a:defRPr/>
+            </a:pPr>
+            <a:endParaRPr lang="en-US" altLang="ko-KR">
+              <a:solidFill>
+                <a:schemeClr val="dk1"/>
+              </a:solidFill>
+            </a:endParaRPr>
+          </a:p>
+          <a:p>
+            <a:pPr>
+              <a:defRPr/>
+            </a:pPr>
+            <a:r>
+              <a:rPr lang="ko-KR" altLang="en-US">
+                <a:solidFill>
+                  <a:schemeClr val="dk1"/>
+                </a:solidFill>
+              </a:rPr>
+              <a:t>정보를 확인할 프로그램의 옵션을 선택하세요</a:t>
+            </a:r>
+            <a:endParaRPr lang="ko-KR" altLang="en-US">
+              <a:solidFill>
+                <a:schemeClr val="dk1"/>
+              </a:solidFill>
+            </a:endParaRPr>
+          </a:p>
+          <a:p>
+            <a:pPr>
+              <a:defRPr/>
+            </a:pPr>
+            <a:r>
+              <a:rPr lang="en-US" altLang="ko-KR">
+                <a:solidFill>
+                  <a:schemeClr val="dk1"/>
+                </a:solidFill>
+              </a:rPr>
+              <a:t>1. USB</a:t>
+            </a:r>
+            <a:endParaRPr lang="en-US" altLang="ko-KR">
+              <a:solidFill>
+                <a:schemeClr val="dk1"/>
+              </a:solidFill>
+            </a:endParaRPr>
+          </a:p>
+          <a:p>
+            <a:pPr>
+              <a:defRPr/>
+            </a:pPr>
+            <a:r>
+              <a:rPr lang="en-US" altLang="ko-KR">
+                <a:solidFill>
+                  <a:schemeClr val="dk1"/>
+                </a:solidFill>
+              </a:rPr>
+              <a:t>2. .excel</a:t>
+            </a:r>
+            <a:endParaRPr lang="en-US" altLang="ko-KR">
+              <a:solidFill>
+                <a:schemeClr val="dk1"/>
+              </a:solidFill>
+            </a:endParaRPr>
+          </a:p>
+          <a:p>
+            <a:pPr>
+              <a:defRPr/>
+            </a:pPr>
+            <a:r>
+              <a:rPr lang="en-US" altLang="ko-KR">
+                <a:solidFill>
+                  <a:schemeClr val="dk1"/>
+                </a:solidFill>
+              </a:rPr>
+              <a:t>3. .hwp,</a:t>
+            </a:r>
+            <a:r>
+              <a:rPr lang="ko-KR" altLang="en-US">
+                <a:solidFill>
+                  <a:schemeClr val="dk1"/>
+                </a:solidFill>
+              </a:rPr>
+              <a:t> </a:t>
+            </a:r>
+            <a:r>
+              <a:rPr lang="en-US" altLang="ko-KR">
+                <a:solidFill>
+                  <a:schemeClr val="dk1"/>
+                </a:solidFill>
+              </a:rPr>
+              <a:t>word</a:t>
+            </a:r>
+            <a:endParaRPr lang="en-US" altLang="ko-KR">
+              <a:solidFill>
+                <a:schemeClr val="dk1"/>
+              </a:solidFill>
+            </a:endParaRPr>
+          </a:p>
+          <a:p>
+            <a:pPr>
+              <a:defRPr/>
+            </a:pPr>
+            <a:r>
+              <a:rPr lang="en-US" altLang="ko-KR">
+                <a:solidFill>
+                  <a:schemeClr val="dk1"/>
+                </a:solidFill>
+              </a:rPr>
+              <a:t>4. .DD</a:t>
+            </a:r>
+            <a:endParaRPr lang="en-US" altLang="ko-KR">
+              <a:solidFill>
+                <a:schemeClr val="dk1"/>
+              </a:solidFill>
+            </a:endParaRPr>
+          </a:p>
+          <a:p>
+            <a:pPr>
+              <a:defRPr/>
+            </a:pPr>
+            <a:r>
+              <a:rPr lang="en-US" altLang="ko-KR">
+                <a:solidFill>
+                  <a:schemeClr val="dk1"/>
+                </a:solidFill>
+              </a:rPr>
+              <a:t>5.</a:t>
+            </a:r>
+            <a:r>
+              <a:rPr lang="ko-KR" altLang="en-US">
+                <a:solidFill>
+                  <a:schemeClr val="dk1"/>
+                </a:solidFill>
+              </a:rPr>
+              <a:t> </a:t>
+            </a:r>
+            <a:r>
+              <a:rPr lang="en-US" altLang="ko-KR">
+                <a:solidFill>
+                  <a:schemeClr val="dk1"/>
+                </a:solidFill>
+              </a:rPr>
+              <a:t>.exe</a:t>
+            </a:r>
+            <a:endParaRPr lang="en-US" altLang="ko-KR">
+              <a:solidFill>
+                <a:schemeClr val="dk1"/>
+              </a:solidFill>
+            </a:endParaRPr>
+          </a:p>
+          <a:p>
+            <a:pPr>
+              <a:defRPr/>
+            </a:pPr>
+            <a:r>
+              <a:rPr lang="en-US" altLang="ko-KR">
+                <a:solidFill>
+                  <a:schemeClr val="dk1"/>
+                </a:solidFill>
+              </a:rPr>
+              <a:t>6. .txt</a:t>
+            </a:r>
+            <a:endParaRPr lang="en-US" altLang="ko-KR">
+              <a:solidFill>
+                <a:schemeClr val="dk1"/>
+              </a:solidFill>
+            </a:endParaRPr>
+          </a:p>
+          <a:p>
+            <a:pPr>
+              <a:defRPr/>
+            </a:pPr>
+            <a:r>
+              <a:rPr lang="en-US" altLang="ko-KR">
+                <a:solidFill>
+                  <a:schemeClr val="dk1"/>
+                </a:solidFill>
+              </a:rPr>
+              <a:t>7.  help</a:t>
+            </a:r>
+            <a:endParaRPr lang="en-US" altLang="ko-KR">
+              <a:solidFill>
+                <a:schemeClr val="dk1"/>
+              </a:solidFill>
+            </a:endParaRPr>
+          </a:p>
+          <a:p>
+            <a:pPr>
+              <a:defRPr/>
+            </a:pPr>
+            <a:endParaRPr lang="en-US" altLang="ko-KR">
+              <a:solidFill>
+                <a:schemeClr val="dk1"/>
+              </a:solidFill>
+            </a:endParaRPr>
+          </a:p>
+          <a:p>
+            <a:pPr>
+              <a:defRPr/>
+            </a:pPr>
+            <a:endParaRPr lang="en-US" altLang="ko-KR">
+              <a:solidFill>
+                <a:schemeClr val="dk1"/>
+              </a:solidFill>
+            </a:endParaRPr>
+          </a:p>
+          <a:p>
+            <a:pPr>
+              <a:defRPr/>
+            </a:pPr>
+            <a:r>
+              <a:rPr lang="en-US" altLang="ko-KR">
+                <a:solidFill>
+                  <a:schemeClr val="dk1"/>
+                </a:solidFill>
+              </a:rPr>
+              <a:t>C:\UESRS\ &gt;&gt;</a:t>
+            </a:r>
+            <a:endParaRPr lang="en-US" altLang="ko-KR">
+              <a:solidFill>
+                <a:schemeClr val="dk1"/>
+              </a:solidFill>
+            </a:endParaRPr>
+          </a:p>
+          <a:p>
+            <a:pPr>
+              <a:defRPr/>
+            </a:pPr>
+            <a:endParaRPr lang="en-US" altLang="ko-KR">
+              <a:solidFill>
+                <a:schemeClr val="dk1"/>
+              </a:solidFill>
+            </a:endParaRPr>
+          </a:p>
+          <a:p>
+            <a:pPr>
+              <a:defRPr/>
+            </a:pPr>
+            <a:endParaRPr lang="en-US" altLang="ko-KR">
+              <a:solidFill>
+                <a:schemeClr val="dk1"/>
+              </a:solidFill>
+            </a:endParaRPr>
+          </a:p>
+          <a:p>
+            <a:pPr>
+              <a:defRPr/>
+            </a:pPr>
+            <a:endParaRPr lang="en-US" altLang="ko-KR">
+              <a:solidFill>
+                <a:schemeClr val="dk1"/>
+              </a:solidFill>
+            </a:endParaRPr>
+          </a:p>
+          <a:p>
+            <a:pPr>
+              <a:defRPr/>
+            </a:pPr>
+            <a:endParaRPr lang="en-US" altLang="ko-KR">
+              <a:solidFill>
+                <a:schemeClr val="dk1"/>
+              </a:solidFill>
+            </a:endParaRPr>
+          </a:p>
+          <a:p>
+            <a:pPr>
+              <a:defRPr/>
+            </a:pPr>
+            <a:endParaRPr lang="en-US" altLang="ko-KR">
+              <a:solidFill>
+                <a:schemeClr val="dk1"/>
+              </a:solidFill>
+            </a:endParaRPr>
+          </a:p>
+          <a:p>
+            <a:pPr>
+              <a:defRPr/>
+            </a:pPr>
+            <a:endParaRPr lang="en-US" altLang="ko-KR">
+              <a:solidFill>
+                <a:schemeClr val="dk1"/>
+              </a:solidFill>
+            </a:endParaRPr>
+          </a:p>
+          <a:p>
+            <a:pPr>
+              <a:defRPr/>
+            </a:pPr>
+            <a:endParaRPr lang="en-US" altLang="ko-KR">
+              <a:solidFill>
+                <a:schemeClr val="dk1"/>
+              </a:solidFill>
+            </a:endParaRPr>
+          </a:p>
+        </p:txBody>
+      </p:sp>
+    </p:spTree>
+  </p:cSld>
+  <p:clrMapOvr>
+    <a:masterClrMapping/>
+  </p:clrMapOvr>
+  <mc:AlternateContent xmlns:mc="http://schemas.openxmlformats.org/markup-compatibility/2006">
+    <mc:Choice xmlns:p14="http://schemas.microsoft.com/office/powerpoint/2010/main" Requires="p14">
+      <p:transition xmlns:mc="http://schemas.openxmlformats.org/markup-compatibility/2006" xmlns:p14="http://schemas.microsoft.com/office/powerpoint/2010/main" mc:Ignorable="p14" p14:dur="500"/>
+    </mc:Choice>
+    <mc:Fallback>
+      <p:transition/>
+    </mc:Fallback>
+  </mc:AlternateContent>
+</p:sld>
+</file>
+
+<file path=ppt/slides/slide32.xml><?xml version="1.0" encoding="utf-8"?>
+<p:sld xmlns:r="http://schemas.openxmlformats.org/officeDocument/2006/relationships" xmlns:c="http://schemas.openxmlformats.org/drawingml/2006/chart" xmlns:a="http://schemas.openxmlformats.org/drawingml/2006/main" xmlns:dgm="http://schemas.openxmlformats.org/drawingml/2006/diagram" xmlns:dsp="http://schemas.microsoft.com/office/drawing/2008/diagram" xmlns:p="http://schemas.openxmlformats.org/presentationml/2006/main">
+  <p:cSld>
+    <p:spTree>
+      <p:nvGrpSpPr>
+        <p:cNvPr id="1" name=""/>
+        <p:cNvGrpSpPr/>
+        <p:nvPr/>
+      </p:nvGrpSpPr>
+      <p:grpSpPr>
+        <a:xfrm>
+          <a:off x="0" y="0"/>
+          <a:ext cx="0" cy="0"/>
+          <a:chOff x="0" y="0"/>
+          <a:chExt cx="0" cy="0"/>
+        </a:xfrm>
+      </p:grpSpPr>
+      <p:sp>
+        <p:nvSpPr>
+          <p:cNvPr id="4" name="직사각형 9"/>
+          <p:cNvSpPr/>
+          <p:nvPr/>
+        </p:nvSpPr>
+        <p:spPr>
+          <a:xfrm>
+            <a:off x="-1" y="0"/>
+            <a:ext cx="12192001" cy="1338109"/>
+          </a:xfrm>
+          <a:prstGeom prst="rect">
+            <a:avLst/>
+          </a:prstGeom>
+          <a:solidFill>
+            <a:schemeClr val="accent1">
+              <a:lumMod val="75000"/>
+            </a:schemeClr>
+          </a:solidFill>
+          <a:ln>
+            <a:noFill/>
+          </a:ln>
+        </p:spPr>
+        <p:style>
+          <a:lnRef idx="2">
+            <a:schemeClr val="accent1">
+              <a:shade val="50000"/>
+            </a:schemeClr>
+          </a:lnRef>
+          <a:fillRef idx="1">
+            <a:schemeClr val="accent1"/>
+          </a:fillRef>
+          <a:effectRef idx="0">
+            <a:schemeClr val="accent1"/>
+          </a:effectRef>
+          <a:fontRef idx="minor">
+            <a:schemeClr val="lt1"/>
+          </a:fontRef>
+        </p:style>
+        <p:txBody>
+          <a:bodyPr anchor="ctr"/>
+          <a:lstStyle/>
+          <a:p>
+            <a:pPr>
+              <a:defRPr/>
+            </a:pPr>
+            <a:r>
+              <a:rPr kumimoji="1" lang="en-US" altLang="ko-KR" sz="4800"/>
+              <a:t>6.</a:t>
+            </a:r>
+            <a:r>
+              <a:rPr kumimoji="1" lang="ko-KR" altLang="en-US" sz="4800"/>
+              <a:t> 스토리보드</a:t>
+            </a:r>
+            <a:endParaRPr kumimoji="1" lang="ko-KR" altLang="en-US" sz="4800"/>
+          </a:p>
+        </p:txBody>
+      </p:sp>
+      <p:sp>
+        <p:nvSpPr>
+          <p:cNvPr id="11" name=""/>
+          <p:cNvSpPr/>
+          <p:nvPr/>
+        </p:nvSpPr>
+        <p:spPr>
+          <a:xfrm>
+            <a:off x="0" y="1342292"/>
+            <a:ext cx="9539247" cy="5515706"/>
+          </a:xfrm>
+          <a:prstGeom prst="rect">
+            <a:avLst/>
+          </a:prstGeom>
+          <a:solidFill>
+            <a:srgbClr val="f2f2f2"/>
+          </a:solidFill>
+          <a:ln>
+            <a:noFill/>
+          </a:ln>
+        </p:spPr>
+        <p:style>
+          <a:lnRef idx="2">
+            <a:schemeClr val="accent1">
+              <a:shade val="20000"/>
+            </a:schemeClr>
+          </a:lnRef>
+          <a:fillRef idx="1">
+            <a:schemeClr val="accent1"/>
+          </a:fillRef>
+          <a:effectRef idx="0">
+            <a:schemeClr val="accent1"/>
+          </a:effectRef>
+          <a:fontRef idx="minor">
+            <a:schemeClr val="lt1"/>
+          </a:fontRef>
+        </p:style>
+        <p:txBody>
+          <a:bodyPr anchor="ctr"/>
+          <a:lstStyle/>
+          <a:p>
+            <a:pPr>
+              <a:defRPr/>
+            </a:pPr>
+            <a:endParaRPr lang="en-US" altLang="ko-KR">
+              <a:solidFill>
+                <a:schemeClr val="dk1"/>
+              </a:solidFill>
+            </a:endParaRPr>
+          </a:p>
+          <a:p>
+            <a:pPr>
+              <a:defRPr/>
+            </a:pPr>
+            <a:r>
+              <a:rPr lang="en-US" altLang="ko-KR">
+                <a:solidFill>
+                  <a:schemeClr val="dk1"/>
+                </a:solidFill>
+              </a:rPr>
+              <a:t>C:\UESRS\ &gt;&gt; 1</a:t>
+            </a:r>
+            <a:endParaRPr lang="en-US" altLang="ko-KR">
+              <a:solidFill>
+                <a:schemeClr val="dk1"/>
+              </a:solidFill>
+            </a:endParaRPr>
+          </a:p>
+          <a:p>
+            <a:pPr>
+              <a:defRPr/>
+            </a:pPr>
+            <a:endParaRPr lang="en-US" altLang="ko-KR">
+              <a:solidFill>
+                <a:schemeClr val="dk1"/>
+              </a:solidFill>
+            </a:endParaRPr>
+          </a:p>
+          <a:p>
+            <a:pPr>
+              <a:defRPr/>
+            </a:pPr>
+            <a:r>
+              <a:rPr lang="en-US" altLang="ko-KR">
+                <a:solidFill>
+                  <a:schemeClr val="dk1"/>
+                </a:solidFill>
+              </a:rPr>
+              <a:t>USB</a:t>
+            </a:r>
+            <a:r>
+              <a:rPr lang="ko-KR" altLang="en-US">
+                <a:solidFill>
+                  <a:schemeClr val="dk1"/>
+                </a:solidFill>
+              </a:rPr>
+              <a:t>를 선택했습니다</a:t>
+            </a:r>
+            <a:endParaRPr lang="ko-KR" altLang="en-US">
+              <a:solidFill>
+                <a:schemeClr val="dk1"/>
+              </a:solidFill>
+            </a:endParaRPr>
+          </a:p>
+          <a:p>
+            <a:pPr>
+              <a:defRPr/>
+            </a:pPr>
+            <a:endParaRPr lang="ko-KR" altLang="en-US">
+              <a:solidFill>
+                <a:schemeClr val="dk1"/>
+              </a:solidFill>
+            </a:endParaRPr>
+          </a:p>
+          <a:p>
+            <a:pPr>
+              <a:defRPr/>
+            </a:pPr>
+            <a:endParaRPr lang="en-US" altLang="ko-KR">
+              <a:solidFill>
+                <a:schemeClr val="dk1"/>
+              </a:solidFill>
+            </a:endParaRPr>
+          </a:p>
+          <a:p>
+            <a:pPr>
+              <a:defRPr/>
+            </a:pPr>
+            <a:endParaRPr lang="en-US" altLang="ko-KR">
+              <a:solidFill>
+                <a:schemeClr val="dk1"/>
+              </a:solidFill>
+            </a:endParaRPr>
+          </a:p>
+          <a:p>
+            <a:pPr>
+              <a:defRPr/>
+            </a:pPr>
+            <a:endParaRPr lang="en-US" altLang="ko-KR">
+              <a:solidFill>
+                <a:schemeClr val="dk1"/>
+              </a:solidFill>
+            </a:endParaRPr>
+          </a:p>
+          <a:p>
+            <a:pPr>
+              <a:defRPr/>
+            </a:pPr>
+            <a:endParaRPr lang="en-US" altLang="ko-KR">
+              <a:solidFill>
+                <a:schemeClr val="dk1"/>
+              </a:solidFill>
+            </a:endParaRPr>
+          </a:p>
+          <a:p>
+            <a:pPr>
+              <a:defRPr/>
+            </a:pPr>
+            <a:endParaRPr lang="en-US" altLang="ko-KR">
+              <a:solidFill>
+                <a:schemeClr val="dk1"/>
+              </a:solidFill>
+            </a:endParaRPr>
+          </a:p>
+          <a:p>
+            <a:pPr>
+              <a:defRPr/>
+            </a:pPr>
+            <a:r>
+              <a:rPr lang="ko-KR" altLang="en-US">
+                <a:solidFill>
+                  <a:schemeClr val="dk1"/>
+                </a:solidFill>
+              </a:rPr>
+              <a:t>결과를 내보내시겠습니까</a:t>
+            </a:r>
+            <a:r>
+              <a:rPr lang="en-US" altLang="ko-KR">
+                <a:solidFill>
+                  <a:schemeClr val="dk1"/>
+                </a:solidFill>
+              </a:rPr>
+              <a:t>?</a:t>
+            </a:r>
+            <a:r>
+              <a:rPr lang="ko-KR" altLang="en-US">
+                <a:solidFill>
+                  <a:schemeClr val="dk1"/>
+                </a:solidFill>
+              </a:rPr>
+              <a:t> </a:t>
+            </a:r>
+            <a:r>
+              <a:rPr lang="en-US" altLang="ko-KR">
+                <a:solidFill>
+                  <a:schemeClr val="dk1"/>
+                </a:solidFill>
+              </a:rPr>
+              <a:t>(Y/N)</a:t>
+            </a:r>
+            <a:endParaRPr lang="en-US" altLang="ko-KR">
+              <a:solidFill>
+                <a:schemeClr val="dk1"/>
+              </a:solidFill>
+            </a:endParaRPr>
+          </a:p>
+          <a:p>
+            <a:pPr>
+              <a:defRPr/>
+            </a:pPr>
+            <a:endParaRPr lang="en-US" altLang="ko-KR">
+              <a:solidFill>
+                <a:schemeClr val="dk1"/>
+              </a:solidFill>
+            </a:endParaRPr>
+          </a:p>
+          <a:p>
+            <a:pPr>
+              <a:defRPr/>
+            </a:pPr>
+            <a:r>
+              <a:rPr lang="en-US" altLang="ko-KR">
+                <a:solidFill>
+                  <a:schemeClr val="dk1"/>
+                </a:solidFill>
+              </a:rPr>
+              <a:t>C:\USERS\</a:t>
+            </a:r>
+            <a:r>
+              <a:rPr lang="ko-KR" altLang="en-US">
+                <a:solidFill>
+                  <a:schemeClr val="dk1"/>
+                </a:solidFill>
+              </a:rPr>
+              <a:t> </a:t>
+            </a:r>
+            <a:r>
+              <a:rPr lang="en-US" altLang="ko-KR">
+                <a:solidFill>
+                  <a:schemeClr val="dk1"/>
+                </a:solidFill>
+              </a:rPr>
+              <a:t>&gt;&gt;</a:t>
+            </a:r>
+            <a:r>
+              <a:rPr lang="ko-KR" altLang="en-US">
+                <a:solidFill>
+                  <a:schemeClr val="dk1"/>
+                </a:solidFill>
+              </a:rPr>
+              <a:t> </a:t>
+            </a:r>
+            <a:r>
+              <a:rPr lang="en-US" altLang="ko-KR">
+                <a:solidFill>
+                  <a:schemeClr val="dk1"/>
+                </a:solidFill>
+              </a:rPr>
+              <a:t>Y</a:t>
+            </a:r>
+            <a:endParaRPr lang="en-US" altLang="ko-KR">
+              <a:solidFill>
+                <a:schemeClr val="dk1"/>
+              </a:solidFill>
+            </a:endParaRPr>
+          </a:p>
+          <a:p>
+            <a:pPr>
+              <a:defRPr/>
+            </a:pPr>
+            <a:endParaRPr lang="en-US" altLang="ko-KR">
+              <a:solidFill>
+                <a:schemeClr val="dk1"/>
+              </a:solidFill>
+            </a:endParaRPr>
+          </a:p>
+          <a:p>
+            <a:pPr>
+              <a:defRPr/>
+            </a:pPr>
+            <a:r>
+              <a:rPr lang="ko-KR" altLang="en-US">
+                <a:solidFill>
+                  <a:schemeClr val="dk1"/>
+                </a:solidFill>
+              </a:rPr>
+              <a:t>파일명을 입력하세요</a:t>
+            </a:r>
+            <a:endParaRPr lang="ko-KR" altLang="en-US">
+              <a:solidFill>
+                <a:schemeClr val="dk1"/>
+              </a:solidFill>
+            </a:endParaRPr>
+          </a:p>
+          <a:p>
+            <a:pPr>
+              <a:defRPr/>
+            </a:pPr>
+            <a:r>
+              <a:rPr lang="en-US" altLang="ko-KR">
+                <a:solidFill>
+                  <a:schemeClr val="dk1"/>
+                </a:solidFill>
+              </a:rPr>
+              <a:t>C:\USERS\ &gt;&gt;</a:t>
+            </a:r>
+            <a:r>
+              <a:rPr lang="ko-KR" altLang="en-US">
+                <a:solidFill>
+                  <a:schemeClr val="dk1"/>
+                </a:solidFill>
+              </a:rPr>
+              <a:t> </a:t>
+            </a:r>
+            <a:r>
+              <a:rPr lang="en-US" altLang="ko-KR">
+                <a:solidFill>
+                  <a:schemeClr val="dk1"/>
+                </a:solidFill>
+              </a:rPr>
+              <a:t>TEST1</a:t>
+            </a:r>
+            <a:endParaRPr lang="en-US" altLang="ko-KR">
+              <a:solidFill>
+                <a:schemeClr val="dk1"/>
+              </a:solidFill>
+            </a:endParaRPr>
+          </a:p>
+          <a:p>
+            <a:pPr>
+              <a:defRPr/>
+            </a:pPr>
+            <a:endParaRPr lang="en-US" altLang="ko-KR">
+              <a:solidFill>
+                <a:schemeClr val="dk1"/>
+              </a:solidFill>
+            </a:endParaRPr>
+          </a:p>
+          <a:p>
+            <a:pPr>
+              <a:defRPr/>
+            </a:pPr>
+            <a:r>
+              <a:rPr lang="en-US" altLang="ko-KR">
+                <a:solidFill>
+                  <a:schemeClr val="dk1"/>
+                </a:solidFill>
+              </a:rPr>
+              <a:t>TEST1.xlsx</a:t>
+            </a:r>
+            <a:r>
+              <a:rPr lang="ko-KR" altLang="en-US">
+                <a:solidFill>
+                  <a:schemeClr val="dk1"/>
+                </a:solidFill>
+              </a:rPr>
+              <a:t>로 저장합니다</a:t>
+            </a:r>
+            <a:endParaRPr lang="ko-KR" altLang="en-US">
+              <a:solidFill>
+                <a:schemeClr val="dk1"/>
+              </a:solidFill>
+            </a:endParaRPr>
+          </a:p>
+        </p:txBody>
+      </p:sp>
+      <p:graphicFrame>
+        <p:nvGraphicFramePr>
+          <p:cNvPr id="21" name=""/>
+          <p:cNvGraphicFramePr>
+            <a:graphicFrameLocks noGrp="1"/>
+          </p:cNvGraphicFramePr>
+          <p:nvPr/>
+        </p:nvGraphicFramePr>
+        <p:xfrm>
+          <a:off x="19050" y="2844165"/>
+          <a:ext cx="9482455" cy="1379220"/>
+        </p:xfrm>
+        <a:graphic>
+          <a:graphicData uri="http://schemas.openxmlformats.org/drawingml/2006/table">
+            <a:tbl>
+              <a:tblPr firstRow="1" bandRow="1">
+                <a:tableStyleId>{01A66EDD-3DAB-4C5B-A090-DC80EC1FD486}</a:tableStyleId>
+              </a:tblPr>
+              <a:tblGrid>
+                <a:gridCol w="1354666"/>
+                <a:gridCol w="1354666"/>
+                <a:gridCol w="1354666"/>
+                <a:gridCol w="1354666"/>
+                <a:gridCol w="1354455"/>
+                <a:gridCol w="1354666"/>
+                <a:gridCol w="1354666"/>
+              </a:tblGrid>
+              <a:tr h="194945">
+                <a:tc>
+                  <a:txBody>
+                    <a:bodyPr vert="horz" wrap="square" lIns="91440" tIns="45720" rIns="91440" bIns="45720" anchor="t" anchorCtr="0">
+                      <a:spAutoFit/>
+                    </a:bodyPr>
+                    <a:p>
+                      <a:pPr>
+                        <a:defRPr/>
+                      </a:pPr>
+                      <a:r>
+                        <a:rPr lang="en-US" altLang="ko-KR"/>
+                        <a:t>Device ID</a:t>
+                      </a:r>
+                      <a:endParaRPr lang="en-US" altLang="ko-KR"/>
+                    </a:p>
+                  </a:txBody>
+                  <a:tcPr marL="91440" marR="91440"/>
+                </a:tc>
+                <a:tc>
+                  <a:txBody>
+                    <a:bodyPr vert="horz" wrap="square" lIns="91440" tIns="45720" rIns="91440" bIns="45720" anchor="t" anchorCtr="0">
+                      <a:spAutoFit/>
+                    </a:bodyPr>
+                    <a:p>
+                      <a:pPr>
+                        <a:defRPr/>
+                      </a:pPr>
+                      <a:r>
+                        <a:rPr lang="en-US" altLang="ko-KR"/>
+                        <a:t>Serial num</a:t>
+                      </a:r>
+                      <a:endParaRPr lang="en-US" altLang="ko-KR"/>
+                    </a:p>
+                  </a:txBody>
+                  <a:tcPr marL="91440" marR="91440"/>
+                </a:tc>
+                <a:tc>
+                  <a:txBody>
+                    <a:bodyPr vert="horz" wrap="square" lIns="91440" tIns="45720" rIns="91440" bIns="45720" anchor="t" anchorCtr="0">
+                      <a:spAutoFit/>
+                    </a:bodyPr>
+                    <a:p>
+                      <a:pPr>
+                        <a:defRPr/>
+                      </a:pPr>
+                      <a:r>
+                        <a:rPr lang="en-US" altLang="ko-KR"/>
+                        <a:t>Size</a:t>
+                      </a:r>
+                      <a:endParaRPr lang="en-US" altLang="ko-KR"/>
+                    </a:p>
+                  </a:txBody>
+                  <a:tcPr marL="91440" marR="91440"/>
+                </a:tc>
+                <a:tc>
+                  <a:txBody>
+                    <a:bodyPr vert="horz" wrap="square" lIns="91440" tIns="45720" rIns="91440" bIns="45720" anchor="t" anchorCtr="0">
+                      <a:spAutoFit/>
+                    </a:bodyPr>
+                    <a:p>
+                      <a:pPr>
+                        <a:defRPr/>
+                      </a:pPr>
+                      <a:r>
+                        <a:rPr lang="ko-KR" altLang="en-US"/>
+                        <a:t>볼륨명</a:t>
+                      </a:r>
+                      <a:endParaRPr lang="ko-KR" altLang="en-US"/>
+                    </a:p>
+                  </a:txBody>
+                  <a:tcPr marL="91440" marR="91440"/>
+                </a:tc>
+                <a:tc>
+                  <a:txBody>
+                    <a:bodyPr vert="horz" wrap="square" lIns="91440" tIns="45720" rIns="91440" bIns="45720" anchor="t" anchorCtr="0">
+                      <a:spAutoFit/>
+                    </a:bodyPr>
+                    <a:p>
+                      <a:pPr>
+                        <a:defRPr/>
+                      </a:pPr>
+                      <a:r>
+                        <a:rPr lang="en-US" altLang="ko-KR"/>
+                        <a:t>mount</a:t>
+                      </a:r>
+                      <a:r>
+                        <a:rPr lang="ko-KR" altLang="en-US"/>
+                        <a:t>된 </a:t>
+                      </a:r>
+                      <a:r>
+                        <a:rPr lang="en-US" altLang="ko-KR"/>
+                        <a:t>volume</a:t>
+                      </a:r>
+                      <a:endParaRPr lang="en-US" altLang="ko-KR"/>
+                    </a:p>
+                  </a:txBody>
+                  <a:tcPr marL="91440" marR="91440"/>
+                </a:tc>
+                <a:tc>
+                  <a:txBody>
+                    <a:bodyPr vert="horz" wrap="square" lIns="91440" tIns="45720" rIns="91440" bIns="45720" anchor="t" anchorCtr="0">
+                      <a:spAutoFit/>
+                    </a:bodyPr>
+                    <a:p>
+                      <a:pPr>
+                        <a:defRPr/>
+                      </a:pPr>
+                      <a:r>
+                        <a:rPr lang="ko-KR" altLang="en-US"/>
+                        <a:t>최초 연결 시각</a:t>
+                      </a:r>
+                      <a:endParaRPr lang="ko-KR" altLang="en-US"/>
+                    </a:p>
+                  </a:txBody>
+                  <a:tcPr marL="91440" marR="91440"/>
+                </a:tc>
+                <a:tc>
+                  <a:txBody>
+                    <a:bodyPr vert="horz" wrap="square" lIns="91440" tIns="45720" rIns="91440" bIns="45720" anchor="t" anchorCtr="0">
+                      <a:spAutoFit/>
+                    </a:bodyPr>
+                    <a:p>
+                      <a:pPr>
+                        <a:defRPr/>
+                      </a:pPr>
+                      <a:r>
+                        <a:rPr lang="ko-KR" altLang="en-US"/>
+                        <a:t>마지막 연결 시각</a:t>
+                      </a:r>
+                      <a:endParaRPr lang="ko-KR" altLang="en-US"/>
+                    </a:p>
+                  </a:txBody>
+                  <a:tcPr marL="91440" marR="91440"/>
+                </a:tc>
+              </a:tr>
+              <a:tr h="116840">
+                <a:tc>
+                  <a:txBody>
+                    <a:bodyPr vert="horz" wrap="square" lIns="91440" tIns="45720" rIns="91440" bIns="45720" anchor="t" anchorCtr="0">
+                      <a:spAutoFit/>
+                    </a:bodyPr>
+                    <a:p>
+                      <a:pPr>
+                        <a:defRPr/>
+                      </a:pPr>
+                      <a:endParaRPr lang="en-US" altLang="ko-KR"/>
+                    </a:p>
+                  </a:txBody>
+                  <a:tcPr marL="91440" marR="91440"/>
+                </a:tc>
+                <a:tc>
+                  <a:txBody>
+                    <a:bodyPr vert="horz" wrap="square" lIns="91440" tIns="45720" rIns="91440" bIns="45720" anchor="t" anchorCtr="0">
+                      <a:spAutoFit/>
+                    </a:bodyPr>
+                    <a:p>
+                      <a:pPr>
+                        <a:defRPr/>
+                      </a:pPr>
+                      <a:endParaRPr lang="en-US" altLang="ko-KR"/>
+                    </a:p>
+                  </a:txBody>
+                  <a:tcPr marL="91440" marR="91440"/>
+                </a:tc>
+                <a:tc>
+                  <a:txBody>
+                    <a:bodyPr vert="horz" wrap="square" lIns="91440" tIns="45720" rIns="91440" bIns="45720" anchor="t" anchorCtr="0">
+                      <a:spAutoFit/>
+                    </a:bodyPr>
+                    <a:p>
+                      <a:pPr>
+                        <a:defRPr/>
+                      </a:pPr>
+                      <a:endParaRPr lang="en-US" altLang="ko-KR"/>
+                    </a:p>
+                  </a:txBody>
+                  <a:tcPr marL="91440" marR="91440"/>
+                </a:tc>
+                <a:tc>
+                  <a:txBody>
+                    <a:bodyPr vert="horz" wrap="square" lIns="91440" tIns="45720" rIns="91440" bIns="45720" anchor="t" anchorCtr="0">
+                      <a:spAutoFit/>
+                    </a:bodyPr>
+                    <a:p>
+                      <a:pPr>
+                        <a:defRPr/>
+                      </a:pPr>
+                      <a:endParaRPr lang="ko-KR" altLang="en-US"/>
+                    </a:p>
+                  </a:txBody>
+                  <a:tcPr marL="91440" marR="91440"/>
+                </a:tc>
+                <a:tc>
+                  <a:txBody>
+                    <a:bodyPr vert="horz" wrap="square" lIns="91440" tIns="45720" rIns="91440" bIns="45720" anchor="t" anchorCtr="0">
+                      <a:spAutoFit/>
+                    </a:bodyPr>
+                    <a:p>
+                      <a:pPr>
+                        <a:defRPr/>
+                      </a:pPr>
+                      <a:endParaRPr lang="en-US" altLang="ko-KR"/>
+                    </a:p>
+                  </a:txBody>
+                  <a:tcPr marL="91440" marR="91440"/>
+                </a:tc>
+                <a:tc>
+                  <a:txBody>
+                    <a:bodyPr vert="horz" wrap="square" lIns="91440" tIns="45720" rIns="91440" bIns="45720" anchor="t" anchorCtr="0">
+                      <a:spAutoFit/>
+                    </a:bodyPr>
+                    <a:p>
+                      <a:pPr>
+                        <a:defRPr/>
+                      </a:pPr>
+                      <a:endParaRPr lang="ko-KR" altLang="en-US"/>
+                    </a:p>
+                  </a:txBody>
+                  <a:tcPr marL="91440" marR="91440"/>
+                </a:tc>
+                <a:tc>
+                  <a:txBody>
+                    <a:bodyPr vert="horz" wrap="square" lIns="91440" tIns="45720" rIns="91440" bIns="45720" anchor="t" anchorCtr="0">
+                      <a:spAutoFit/>
+                    </a:bodyPr>
+                    <a:p>
+                      <a:pPr>
+                        <a:defRPr/>
+                      </a:pPr>
+                      <a:endParaRPr lang="ko-KR" altLang="en-US"/>
+                    </a:p>
+                  </a:txBody>
+                  <a:tcPr marL="91440" marR="91440"/>
+                </a:tc>
+              </a:tr>
+              <a:tr h="116840">
+                <a:tc>
+                  <a:txBody>
+                    <a:bodyPr vert="horz" wrap="square" lIns="91440" tIns="45720" rIns="91440" bIns="45720" anchor="t" anchorCtr="0">
+                      <a:spAutoFit/>
+                    </a:bodyPr>
+                    <a:p>
+                      <a:pPr>
+                        <a:defRPr/>
+                      </a:pPr>
+                      <a:endParaRPr lang="en-US" altLang="ko-KR"/>
+                    </a:p>
+                  </a:txBody>
+                  <a:tcPr marL="91440" marR="91440"/>
+                </a:tc>
+                <a:tc>
+                  <a:txBody>
+                    <a:bodyPr vert="horz" wrap="square" lIns="91440" tIns="45720" rIns="91440" bIns="45720" anchor="t" anchorCtr="0">
+                      <a:spAutoFit/>
+                    </a:bodyPr>
+                    <a:p>
+                      <a:pPr>
+                        <a:defRPr/>
+                      </a:pPr>
+                      <a:endParaRPr lang="en-US" altLang="ko-KR"/>
+                    </a:p>
+                  </a:txBody>
+                  <a:tcPr marL="91440" marR="91440"/>
+                </a:tc>
+                <a:tc>
+                  <a:txBody>
+                    <a:bodyPr vert="horz" wrap="square" lIns="91440" tIns="45720" rIns="91440" bIns="45720" anchor="t" anchorCtr="0">
+                      <a:spAutoFit/>
+                    </a:bodyPr>
+                    <a:p>
+                      <a:pPr>
+                        <a:defRPr/>
+                      </a:pPr>
+                      <a:endParaRPr lang="en-US" altLang="ko-KR"/>
+                    </a:p>
+                  </a:txBody>
+                  <a:tcPr marL="91440" marR="91440"/>
+                </a:tc>
+                <a:tc>
+                  <a:txBody>
+                    <a:bodyPr vert="horz" wrap="square" lIns="91440" tIns="45720" rIns="91440" bIns="45720" anchor="t" anchorCtr="0">
+                      <a:spAutoFit/>
+                    </a:bodyPr>
+                    <a:p>
+                      <a:pPr>
+                        <a:defRPr/>
+                      </a:pPr>
+                      <a:endParaRPr lang="en-US" altLang="ko-KR"/>
+                    </a:p>
+                  </a:txBody>
+                  <a:tcPr marL="91440" marR="91440"/>
+                </a:tc>
+                <a:tc>
+                  <a:txBody>
+                    <a:bodyPr vert="horz" wrap="square" lIns="91440" tIns="45720" rIns="91440" bIns="45720" anchor="t" anchorCtr="0">
+                      <a:spAutoFit/>
+                    </a:bodyPr>
+                    <a:p>
+                      <a:pPr>
+                        <a:defRPr/>
+                      </a:pPr>
+                      <a:endParaRPr lang="en-US" altLang="ko-KR"/>
+                    </a:p>
+                  </a:txBody>
+                  <a:tcPr marL="91440" marR="91440"/>
+                </a:tc>
+                <a:tc>
+                  <a:txBody>
+                    <a:bodyPr vert="horz" wrap="square" lIns="91440" tIns="45720" rIns="91440" bIns="45720" anchor="t" anchorCtr="0">
+                      <a:spAutoFit/>
+                    </a:bodyPr>
+                    <a:p>
+                      <a:pPr>
+                        <a:defRPr/>
+                      </a:pPr>
+                      <a:endParaRPr lang="en-US" altLang="ko-KR"/>
+                    </a:p>
+                  </a:txBody>
+                  <a:tcPr marL="91440" marR="91440"/>
+                </a:tc>
+                <a:tc>
+                  <a:txBody>
+                    <a:bodyPr vert="horz" wrap="square" lIns="91440" tIns="45720" rIns="91440" bIns="45720" anchor="t" anchorCtr="0">
+                      <a:spAutoFit/>
+                    </a:bodyPr>
+                    <a:p>
+                      <a:pPr>
+                        <a:defRPr/>
+                      </a:pPr>
+                      <a:endParaRPr lang="en-US" altLang="ko-KR"/>
+                    </a:p>
+                  </a:txBody>
+                  <a:tcPr marL="91440" marR="91440"/>
+                </a:tc>
+              </a:tr>
+            </a:tbl>
+          </a:graphicData>
+        </a:graphic>
+      </p:graphicFrame>
+    </p:spTree>
+  </p:cSld>
+  <p:clrMapOvr>
+    <a:masterClrMapping/>
+  </p:clrMapOvr>
+  <mc:AlternateContent xmlns:mc="http://schemas.openxmlformats.org/markup-compatibility/2006">
+    <mc:Choice xmlns:p14="http://schemas.microsoft.com/office/powerpoint/2010/main" Requires="p14">
+      <p:transition xmlns:mc="http://schemas.openxmlformats.org/markup-compatibility/2006" xmlns:p14="http://schemas.microsoft.com/office/powerpoint/2010/main" mc:Ignorable="p14" p14:dur="500"/>
+    </mc:Choice>
+    <mc:Fallback>
+      <p:transition/>
+    </mc:Fallback>
+  </mc:AlternateContent>
+</p:sld>
+</file>
+
+<file path=ppt/slides/slide33.xml><?xml version="1.0" encoding="utf-8"?>
+<p:sld xmlns:r="http://schemas.openxmlformats.org/officeDocument/2006/relationships" xmlns:c="http://schemas.openxmlformats.org/drawingml/2006/chart" xmlns:a="http://schemas.openxmlformats.org/drawingml/2006/main" xmlns:dgm="http://schemas.openxmlformats.org/drawingml/2006/diagram" xmlns:dsp="http://schemas.microsoft.com/office/drawing/2008/diagram" xmlns:p="http://schemas.openxmlformats.org/presentationml/2006/main">
+  <p:cSld>
+    <p:spTree>
+      <p:nvGrpSpPr>
+        <p:cNvPr id="1" name=""/>
+        <p:cNvGrpSpPr/>
+        <p:nvPr/>
+      </p:nvGrpSpPr>
+      <p:grpSpPr>
+        <a:xfrm>
+          <a:off x="0" y="0"/>
+          <a:ext cx="0" cy="0"/>
+          <a:chOff x="0" y="0"/>
+          <a:chExt cx="0" cy="0"/>
+        </a:xfrm>
+      </p:grpSpPr>
+      <p:sp>
+        <p:nvSpPr>
+          <p:cNvPr id="4" name="직사각형 9"/>
+          <p:cNvSpPr/>
+          <p:nvPr/>
+        </p:nvSpPr>
+        <p:spPr>
+          <a:xfrm>
+            <a:off x="-1" y="0"/>
+            <a:ext cx="12192001" cy="1338109"/>
+          </a:xfrm>
+          <a:prstGeom prst="rect">
+            <a:avLst/>
+          </a:prstGeom>
+          <a:solidFill>
+            <a:schemeClr val="accent1">
+              <a:lumMod val="75000"/>
+            </a:schemeClr>
+          </a:solidFill>
+          <a:ln>
+            <a:noFill/>
+          </a:ln>
+        </p:spPr>
+        <p:style>
+          <a:lnRef idx="2">
+            <a:schemeClr val="accent1">
+              <a:shade val="50000"/>
+            </a:schemeClr>
+          </a:lnRef>
+          <a:fillRef idx="1">
+            <a:schemeClr val="accent1"/>
+          </a:fillRef>
+          <a:effectRef idx="0">
+            <a:schemeClr val="accent1"/>
+          </a:effectRef>
+          <a:fontRef idx="minor">
+            <a:schemeClr val="lt1"/>
+          </a:fontRef>
+        </p:style>
+        <p:txBody>
+          <a:bodyPr anchor="ctr"/>
+          <a:lstStyle/>
+          <a:p>
+            <a:pPr>
+              <a:defRPr/>
+            </a:pPr>
+            <a:r>
+              <a:rPr kumimoji="1" lang="en-US" altLang="ko-KR" sz="4800"/>
+              <a:t>6.</a:t>
+            </a:r>
+            <a:r>
+              <a:rPr kumimoji="1" lang="ko-KR" altLang="en-US" sz="4800"/>
+              <a:t> 스토리보드</a:t>
+            </a:r>
+            <a:endParaRPr kumimoji="1" lang="ko-KR" altLang="en-US" sz="4800"/>
+          </a:p>
+        </p:txBody>
+      </p:sp>
+      <p:sp>
+        <p:nvSpPr>
+          <p:cNvPr id="11" name=""/>
+          <p:cNvSpPr/>
+          <p:nvPr/>
+        </p:nvSpPr>
+        <p:spPr>
+          <a:xfrm>
+            <a:off x="0" y="1342292"/>
+            <a:ext cx="9539247" cy="5515706"/>
+          </a:xfrm>
+          <a:prstGeom prst="rect">
+            <a:avLst/>
+          </a:prstGeom>
+          <a:solidFill>
+            <a:srgbClr val="f2f2f2"/>
+          </a:solidFill>
+          <a:ln>
+            <a:noFill/>
+          </a:ln>
+        </p:spPr>
+        <p:style>
+          <a:lnRef idx="2">
+            <a:schemeClr val="accent1">
+              <a:shade val="20000"/>
+            </a:schemeClr>
+          </a:lnRef>
+          <a:fillRef idx="1">
+            <a:schemeClr val="accent1"/>
+          </a:fillRef>
+          <a:effectRef idx="0">
+            <a:schemeClr val="accent1"/>
+          </a:effectRef>
+          <a:fontRef idx="minor">
+            <a:schemeClr val="lt1"/>
+          </a:fontRef>
+        </p:style>
+        <p:txBody>
+          <a:bodyPr anchor="ctr"/>
+          <a:lstStyle/>
+          <a:p>
+            <a:pPr>
+              <a:defRPr/>
+            </a:pPr>
+            <a:endParaRPr lang="en-US" altLang="ko-KR">
+              <a:solidFill>
+                <a:schemeClr val="dk1"/>
+              </a:solidFill>
+            </a:endParaRPr>
+          </a:p>
+          <a:p>
+            <a:pPr>
+              <a:defRPr/>
+            </a:pPr>
+            <a:r>
+              <a:rPr lang="en-US" altLang="ko-KR">
+                <a:solidFill>
+                  <a:schemeClr val="dk1"/>
+                </a:solidFill>
+              </a:rPr>
+              <a:t>C:\UESRS\ &gt;&gt; 2</a:t>
+            </a:r>
+            <a:endParaRPr lang="en-US" altLang="ko-KR">
+              <a:solidFill>
+                <a:schemeClr val="dk1"/>
+              </a:solidFill>
+            </a:endParaRPr>
+          </a:p>
+          <a:p>
+            <a:pPr>
+              <a:defRPr/>
+            </a:pPr>
+            <a:endParaRPr lang="en-US" altLang="ko-KR">
+              <a:solidFill>
+                <a:schemeClr val="dk1"/>
+              </a:solidFill>
+            </a:endParaRPr>
+          </a:p>
+          <a:p>
+            <a:pPr>
+              <a:defRPr/>
+            </a:pPr>
+            <a:r>
+              <a:rPr lang="en-US" altLang="ko-KR">
+                <a:solidFill>
+                  <a:schemeClr val="dk1"/>
+                </a:solidFill>
+              </a:rPr>
+              <a:t>excel</a:t>
+            </a:r>
+            <a:r>
+              <a:rPr lang="ko-KR" altLang="en-US">
+                <a:solidFill>
+                  <a:schemeClr val="dk1"/>
+                </a:solidFill>
+              </a:rPr>
+              <a:t>를 선택했습니다</a:t>
+            </a:r>
+            <a:endParaRPr lang="ko-KR" altLang="en-US">
+              <a:solidFill>
+                <a:schemeClr val="dk1"/>
+              </a:solidFill>
+            </a:endParaRPr>
+          </a:p>
+          <a:p>
+            <a:pPr>
+              <a:defRPr/>
+            </a:pPr>
+            <a:endParaRPr lang="ko-KR" altLang="en-US">
+              <a:solidFill>
+                <a:schemeClr val="dk1"/>
+              </a:solidFill>
+            </a:endParaRPr>
+          </a:p>
+          <a:p>
+            <a:pPr>
+              <a:defRPr/>
+            </a:pPr>
+            <a:endParaRPr lang="en-US" altLang="ko-KR">
+              <a:solidFill>
+                <a:schemeClr val="dk1"/>
+              </a:solidFill>
+            </a:endParaRPr>
+          </a:p>
+          <a:p>
+            <a:pPr>
+              <a:defRPr/>
+            </a:pPr>
+            <a:endParaRPr lang="en-US" altLang="ko-KR">
+              <a:solidFill>
+                <a:schemeClr val="dk1"/>
+              </a:solidFill>
+            </a:endParaRPr>
+          </a:p>
+          <a:p>
+            <a:pPr>
+              <a:defRPr/>
+            </a:pPr>
+            <a:endParaRPr lang="en-US" altLang="ko-KR">
+              <a:solidFill>
+                <a:schemeClr val="dk1"/>
+              </a:solidFill>
+            </a:endParaRPr>
+          </a:p>
+          <a:p>
+            <a:pPr>
+              <a:defRPr/>
+            </a:pPr>
+            <a:endParaRPr lang="en-US" altLang="ko-KR">
+              <a:solidFill>
+                <a:schemeClr val="dk1"/>
+              </a:solidFill>
+            </a:endParaRPr>
+          </a:p>
+          <a:p>
+            <a:pPr>
+              <a:defRPr/>
+            </a:pPr>
+            <a:endParaRPr lang="en-US" altLang="ko-KR">
+              <a:solidFill>
+                <a:schemeClr val="dk1"/>
+              </a:solidFill>
+            </a:endParaRPr>
+          </a:p>
+          <a:p>
+            <a:pPr>
+              <a:defRPr/>
+            </a:pPr>
+            <a:r>
+              <a:rPr lang="ko-KR" altLang="en-US">
+                <a:solidFill>
+                  <a:schemeClr val="dk1"/>
+                </a:solidFill>
+              </a:rPr>
+              <a:t>결과를 내보내시겠습니까</a:t>
+            </a:r>
+            <a:r>
+              <a:rPr lang="en-US" altLang="ko-KR">
+                <a:solidFill>
+                  <a:schemeClr val="dk1"/>
+                </a:solidFill>
+              </a:rPr>
+              <a:t>?</a:t>
+            </a:r>
+            <a:r>
+              <a:rPr lang="ko-KR" altLang="en-US">
+                <a:solidFill>
+                  <a:schemeClr val="dk1"/>
+                </a:solidFill>
+              </a:rPr>
+              <a:t> </a:t>
+            </a:r>
+            <a:r>
+              <a:rPr lang="en-US" altLang="ko-KR">
+                <a:solidFill>
+                  <a:schemeClr val="dk1"/>
+                </a:solidFill>
+              </a:rPr>
+              <a:t>(Y/N)</a:t>
+            </a:r>
+            <a:endParaRPr lang="en-US" altLang="ko-KR">
+              <a:solidFill>
+                <a:schemeClr val="dk1"/>
+              </a:solidFill>
+            </a:endParaRPr>
+          </a:p>
+          <a:p>
+            <a:pPr>
+              <a:defRPr/>
+            </a:pPr>
+            <a:endParaRPr lang="en-US" altLang="ko-KR">
+              <a:solidFill>
+                <a:schemeClr val="dk1"/>
+              </a:solidFill>
+            </a:endParaRPr>
+          </a:p>
+          <a:p>
+            <a:pPr>
+              <a:defRPr/>
+            </a:pPr>
+            <a:r>
+              <a:rPr lang="en-US" altLang="ko-KR">
+                <a:solidFill>
+                  <a:schemeClr val="dk1"/>
+                </a:solidFill>
+              </a:rPr>
+              <a:t>C:\USERS\</a:t>
+            </a:r>
+            <a:r>
+              <a:rPr lang="ko-KR" altLang="en-US">
+                <a:solidFill>
+                  <a:schemeClr val="dk1"/>
+                </a:solidFill>
+              </a:rPr>
+              <a:t> </a:t>
+            </a:r>
+            <a:r>
+              <a:rPr lang="en-US" altLang="ko-KR">
+                <a:solidFill>
+                  <a:schemeClr val="dk1"/>
+                </a:solidFill>
+              </a:rPr>
+              <a:t>&gt;&gt;</a:t>
+            </a:r>
+            <a:r>
+              <a:rPr lang="ko-KR" altLang="en-US">
+                <a:solidFill>
+                  <a:schemeClr val="dk1"/>
+                </a:solidFill>
+              </a:rPr>
+              <a:t> </a:t>
+            </a:r>
+            <a:r>
+              <a:rPr lang="en-US" altLang="ko-KR">
+                <a:solidFill>
+                  <a:schemeClr val="dk1"/>
+                </a:solidFill>
+              </a:rPr>
+              <a:t>Y</a:t>
+            </a:r>
+            <a:endParaRPr lang="en-US" altLang="ko-KR">
+              <a:solidFill>
+                <a:schemeClr val="dk1"/>
+              </a:solidFill>
+            </a:endParaRPr>
+          </a:p>
+          <a:p>
+            <a:pPr>
+              <a:defRPr/>
+            </a:pPr>
+            <a:endParaRPr lang="en-US" altLang="ko-KR">
+              <a:solidFill>
+                <a:schemeClr val="dk1"/>
+              </a:solidFill>
+            </a:endParaRPr>
+          </a:p>
+          <a:p>
+            <a:pPr>
+              <a:defRPr/>
+            </a:pPr>
+            <a:r>
+              <a:rPr lang="ko-KR" altLang="en-US">
+                <a:solidFill>
+                  <a:schemeClr val="dk1"/>
+                </a:solidFill>
+              </a:rPr>
+              <a:t>파일명을 입력하세요</a:t>
+            </a:r>
+            <a:endParaRPr lang="ko-KR" altLang="en-US">
+              <a:solidFill>
+                <a:schemeClr val="dk1"/>
+              </a:solidFill>
+            </a:endParaRPr>
+          </a:p>
+          <a:p>
+            <a:pPr>
+              <a:defRPr/>
+            </a:pPr>
+            <a:r>
+              <a:rPr lang="en-US" altLang="ko-KR">
+                <a:solidFill>
+                  <a:schemeClr val="dk1"/>
+                </a:solidFill>
+              </a:rPr>
+              <a:t>C:\USERS\ &gt;&gt;</a:t>
+            </a:r>
+            <a:r>
+              <a:rPr lang="ko-KR" altLang="en-US">
+                <a:solidFill>
+                  <a:schemeClr val="dk1"/>
+                </a:solidFill>
+              </a:rPr>
+              <a:t> </a:t>
+            </a:r>
+            <a:r>
+              <a:rPr lang="en-US" altLang="ko-KR">
+                <a:solidFill>
+                  <a:schemeClr val="dk1"/>
+                </a:solidFill>
+              </a:rPr>
+              <a:t>TEST2</a:t>
+            </a:r>
+            <a:endParaRPr lang="en-US" altLang="ko-KR">
+              <a:solidFill>
+                <a:schemeClr val="dk1"/>
+              </a:solidFill>
+            </a:endParaRPr>
+          </a:p>
+          <a:p>
+            <a:pPr>
+              <a:defRPr/>
+            </a:pPr>
+            <a:endParaRPr lang="en-US" altLang="ko-KR">
+              <a:solidFill>
+                <a:schemeClr val="dk1"/>
+              </a:solidFill>
+            </a:endParaRPr>
+          </a:p>
+          <a:p>
+            <a:pPr>
+              <a:defRPr/>
+            </a:pPr>
+            <a:r>
+              <a:rPr lang="en-US" altLang="ko-KR">
+                <a:solidFill>
+                  <a:schemeClr val="dk1"/>
+                </a:solidFill>
+              </a:rPr>
+              <a:t>TEST2.xlsx</a:t>
+            </a:r>
+            <a:r>
+              <a:rPr lang="ko-KR" altLang="en-US">
+                <a:solidFill>
+                  <a:schemeClr val="dk1"/>
+                </a:solidFill>
+              </a:rPr>
+              <a:t>로 저장합니다</a:t>
+            </a:r>
+            <a:endParaRPr lang="ko-KR" altLang="en-US">
+              <a:solidFill>
+                <a:schemeClr val="dk1"/>
+              </a:solidFill>
+            </a:endParaRPr>
+          </a:p>
+        </p:txBody>
+      </p:sp>
+      <p:graphicFrame>
+        <p:nvGraphicFramePr>
+          <p:cNvPr id="21" name=""/>
+          <p:cNvGraphicFramePr>
+            <a:graphicFrameLocks noGrp="1"/>
+          </p:cNvGraphicFramePr>
+          <p:nvPr/>
+        </p:nvGraphicFramePr>
+        <p:xfrm>
+          <a:off x="19050" y="2844165"/>
+          <a:ext cx="9481820" cy="1379220"/>
+        </p:xfrm>
+        <a:graphic>
+          <a:graphicData uri="http://schemas.openxmlformats.org/drawingml/2006/table">
+            <a:tbl>
+              <a:tblPr firstRow="1" bandRow="1">
+                <a:tableStyleId>{01A66EDD-3DAB-4C5B-A090-DC80EC1FD486}</a:tableStyleId>
+              </a:tblPr>
+              <a:tblGrid>
+                <a:gridCol w="1354455"/>
+                <a:gridCol w="1354666"/>
+                <a:gridCol w="1354666"/>
+                <a:gridCol w="1354666"/>
+                <a:gridCol w="1354455"/>
+                <a:gridCol w="1354455"/>
+                <a:gridCol w="1354455"/>
+              </a:tblGrid>
+              <a:tr h="194945">
+                <a:tc>
+                  <a:txBody>
+                    <a:bodyPr vert="horz" wrap="square" lIns="91440" tIns="45720" rIns="91440" bIns="45720" anchor="t" anchorCtr="0">
+                      <a:spAutoFit/>
+                    </a:bodyPr>
+                    <a:p>
+                      <a:pPr>
+                        <a:defRPr/>
+                      </a:pPr>
+                      <a:r>
+                        <a:rPr lang="ko-KR" altLang="en-US"/>
+                        <a:t>최근 열린 폴더</a:t>
+                      </a:r>
+                      <a:endParaRPr lang="ko-KR" altLang="en-US"/>
+                    </a:p>
+                  </a:txBody>
+                  <a:tcPr marL="91440" marR="91440"/>
+                </a:tc>
+                <a:tc>
+                  <a:txBody>
+                    <a:bodyPr vert="horz" wrap="square" lIns="91440" tIns="45720" rIns="91440" bIns="45720" anchor="t" anchorCtr="0">
+                      <a:spAutoFit/>
+                    </a:bodyPr>
+                    <a:p>
+                      <a:pPr>
+                        <a:defRPr/>
+                      </a:pPr>
+                      <a:r>
+                        <a:rPr lang="ko-KR" altLang="en-US"/>
+                        <a:t>최근 사용한 파일</a:t>
+                      </a:r>
+                      <a:endParaRPr lang="ko-KR" altLang="en-US"/>
+                    </a:p>
+                  </a:txBody>
+                  <a:tcPr marL="91440" marR="91440"/>
+                </a:tc>
+                <a:tc>
+                  <a:txBody>
+                    <a:bodyPr vert="horz" wrap="square" lIns="91440" tIns="45720" rIns="91440" bIns="45720" anchor="t" anchorCtr="0">
+                      <a:spAutoFit/>
+                    </a:bodyPr>
+                    <a:p>
+                      <a:pPr>
+                        <a:defRPr/>
+                      </a:pPr>
+                      <a:r>
+                        <a:rPr lang="ko-KR" altLang="en-US"/>
+                        <a:t>최근 사용한 페이지</a:t>
+                      </a:r>
+                      <a:endParaRPr lang="ko-KR" altLang="en-US"/>
+                    </a:p>
+                  </a:txBody>
+                  <a:tcPr marL="91440" marR="91440"/>
+                </a:tc>
+                <a:tc>
+                  <a:txBody>
+                    <a:bodyPr vert="horz" wrap="square" lIns="91440" tIns="45720" rIns="91440" bIns="45720" anchor="t" anchorCtr="0">
+                      <a:spAutoFit/>
+                    </a:bodyPr>
+                    <a:p>
+                      <a:pPr>
+                        <a:defRPr/>
+                      </a:pPr>
+                      <a:r>
+                        <a:rPr lang="ko-KR" altLang="en-US"/>
+                        <a:t>최근 접근한 </a:t>
+                      </a:r>
+                      <a:r>
+                        <a:rPr lang="en-US" altLang="ko-KR"/>
+                        <a:t>URL</a:t>
+                      </a:r>
+                      <a:endParaRPr lang="en-US" altLang="ko-KR"/>
+                    </a:p>
+                  </a:txBody>
+                  <a:tcPr marL="91440" marR="91440"/>
+                </a:tc>
+                <a:tc>
+                  <a:txBody>
+                    <a:bodyPr vert="horz" wrap="square" lIns="91440" tIns="45720" rIns="91440" bIns="45720" anchor="t" anchorCtr="0">
+                      <a:spAutoFit/>
+                    </a:bodyPr>
+                    <a:p>
+                      <a:pPr>
+                        <a:defRPr/>
+                      </a:pPr>
+                      <a:endParaRPr lang="ko-KR" altLang="en-US"/>
+                    </a:p>
+                  </a:txBody>
+                  <a:tcPr marL="91440" marR="91440"/>
+                </a:tc>
+                <a:tc>
+                  <a:txBody>
+                    <a:bodyPr vert="horz" wrap="square" lIns="91440" tIns="45720" rIns="91440" bIns="45720" anchor="t" anchorCtr="0">
+                      <a:spAutoFit/>
+                    </a:bodyPr>
+                    <a:p>
+                      <a:pPr>
+                        <a:defRPr/>
+                      </a:pPr>
+                      <a:endParaRPr lang="ko-KR" altLang="en-US"/>
+                    </a:p>
+                  </a:txBody>
+                  <a:tcPr marL="91440" marR="91440"/>
+                </a:tc>
+                <a:tc>
+                  <a:txBody>
+                    <a:bodyPr vert="horz" wrap="square" lIns="91440" tIns="45720" rIns="91440" bIns="45720" anchor="t" anchorCtr="0">
+                      <a:spAutoFit/>
+                    </a:bodyPr>
+                    <a:p>
+                      <a:pPr>
+                        <a:defRPr/>
+                      </a:pPr>
+                      <a:endParaRPr lang="ko-KR" altLang="en-US"/>
+                    </a:p>
+                  </a:txBody>
+                  <a:tcPr marL="91440" marR="91440"/>
+                </a:tc>
+              </a:tr>
+              <a:tr h="116840">
+                <a:tc>
+                  <a:txBody>
+                    <a:bodyPr vert="horz" wrap="square" lIns="91440" tIns="45720" rIns="91440" bIns="45720" anchor="t" anchorCtr="0">
+                      <a:spAutoFit/>
+                    </a:bodyPr>
+                    <a:p>
+                      <a:pPr>
+                        <a:defRPr/>
+                      </a:pPr>
+                      <a:endParaRPr lang="en-US" altLang="ko-KR"/>
+                    </a:p>
+                  </a:txBody>
+                  <a:tcPr marL="91440" marR="91440"/>
+                </a:tc>
+                <a:tc>
+                  <a:txBody>
+                    <a:bodyPr vert="horz" wrap="square" lIns="91440" tIns="45720" rIns="91440" bIns="45720" anchor="t" anchorCtr="0">
+                      <a:spAutoFit/>
+                    </a:bodyPr>
+                    <a:p>
+                      <a:pPr>
+                        <a:defRPr/>
+                      </a:pPr>
+                      <a:endParaRPr lang="en-US" altLang="ko-KR"/>
+                    </a:p>
+                  </a:txBody>
+                  <a:tcPr marL="91440" marR="91440"/>
+                </a:tc>
+                <a:tc>
+                  <a:txBody>
+                    <a:bodyPr vert="horz" wrap="square" lIns="91440" tIns="45720" rIns="91440" bIns="45720" anchor="t" anchorCtr="0">
+                      <a:spAutoFit/>
+                    </a:bodyPr>
+                    <a:p>
+                      <a:pPr>
+                        <a:defRPr/>
+                      </a:pPr>
+                      <a:endParaRPr lang="en-US" altLang="ko-KR"/>
+                    </a:p>
+                  </a:txBody>
+                  <a:tcPr marL="91440" marR="91440"/>
+                </a:tc>
+                <a:tc>
+                  <a:txBody>
+                    <a:bodyPr vert="horz" wrap="square" lIns="91440" tIns="45720" rIns="91440" bIns="45720" anchor="t" anchorCtr="0">
+                      <a:spAutoFit/>
+                    </a:bodyPr>
+                    <a:p>
+                      <a:pPr>
+                        <a:defRPr/>
+                      </a:pPr>
+                      <a:endParaRPr lang="ko-KR" altLang="en-US"/>
+                    </a:p>
+                  </a:txBody>
+                  <a:tcPr marL="91440" marR="91440"/>
+                </a:tc>
+                <a:tc>
+                  <a:txBody>
+                    <a:bodyPr vert="horz" wrap="square" lIns="91440" tIns="45720" rIns="91440" bIns="45720" anchor="t" anchorCtr="0">
+                      <a:spAutoFit/>
+                    </a:bodyPr>
+                    <a:p>
+                      <a:pPr>
+                        <a:defRPr/>
+                      </a:pPr>
+                      <a:endParaRPr lang="en-US" altLang="ko-KR"/>
+                    </a:p>
+                  </a:txBody>
+                  <a:tcPr marL="91440" marR="91440"/>
+                </a:tc>
+                <a:tc>
+                  <a:txBody>
+                    <a:bodyPr vert="horz" wrap="square" lIns="91440" tIns="45720" rIns="91440" bIns="45720" anchor="t" anchorCtr="0">
+                      <a:spAutoFit/>
+                    </a:bodyPr>
+                    <a:p>
+                      <a:pPr>
+                        <a:defRPr/>
+                      </a:pPr>
+                      <a:endParaRPr lang="ko-KR" altLang="en-US"/>
+                    </a:p>
+                  </a:txBody>
+                  <a:tcPr marL="91440" marR="91440"/>
+                </a:tc>
+                <a:tc>
+                  <a:txBody>
+                    <a:bodyPr vert="horz" wrap="square" lIns="91440" tIns="45720" rIns="91440" bIns="45720" anchor="t" anchorCtr="0">
+                      <a:spAutoFit/>
+                    </a:bodyPr>
+                    <a:p>
+                      <a:pPr>
+                        <a:defRPr/>
+                      </a:pPr>
+                      <a:endParaRPr lang="ko-KR" altLang="en-US"/>
+                    </a:p>
+                  </a:txBody>
+                  <a:tcPr marL="91440" marR="91440"/>
+                </a:tc>
+              </a:tr>
+              <a:tr h="116840">
+                <a:tc>
+                  <a:txBody>
+                    <a:bodyPr vert="horz" wrap="square" lIns="91440" tIns="45720" rIns="91440" bIns="45720" anchor="t" anchorCtr="0">
+                      <a:spAutoFit/>
+                    </a:bodyPr>
+                    <a:p>
+                      <a:pPr>
+                        <a:defRPr/>
+                      </a:pPr>
+                      <a:endParaRPr lang="en-US" altLang="ko-KR"/>
+                    </a:p>
+                  </a:txBody>
+                  <a:tcPr marL="91440" marR="91440"/>
+                </a:tc>
+                <a:tc>
+                  <a:txBody>
+                    <a:bodyPr vert="horz" wrap="square" lIns="91440" tIns="45720" rIns="91440" bIns="45720" anchor="t" anchorCtr="0">
+                      <a:spAutoFit/>
+                    </a:bodyPr>
+                    <a:p>
+                      <a:pPr>
+                        <a:defRPr/>
+                      </a:pPr>
+                      <a:endParaRPr lang="en-US" altLang="ko-KR"/>
+                    </a:p>
+                  </a:txBody>
+                  <a:tcPr marL="91440" marR="91440"/>
+                </a:tc>
+                <a:tc>
+                  <a:txBody>
+                    <a:bodyPr vert="horz" wrap="square" lIns="91440" tIns="45720" rIns="91440" bIns="45720" anchor="t" anchorCtr="0">
+                      <a:spAutoFit/>
+                    </a:bodyPr>
+                    <a:p>
+                      <a:pPr>
+                        <a:defRPr/>
+                      </a:pPr>
+                      <a:endParaRPr lang="en-US" altLang="ko-KR"/>
+                    </a:p>
+                  </a:txBody>
+                  <a:tcPr marL="91440" marR="91440"/>
+                </a:tc>
+                <a:tc>
+                  <a:txBody>
+                    <a:bodyPr vert="horz" wrap="square" lIns="91440" tIns="45720" rIns="91440" bIns="45720" anchor="t" anchorCtr="0">
+                      <a:spAutoFit/>
+                    </a:bodyPr>
+                    <a:p>
+                      <a:pPr>
+                        <a:defRPr/>
+                      </a:pPr>
+                      <a:endParaRPr lang="en-US" altLang="ko-KR"/>
+                    </a:p>
+                  </a:txBody>
+                  <a:tcPr marL="91440" marR="91440"/>
+                </a:tc>
+                <a:tc>
+                  <a:txBody>
+                    <a:bodyPr vert="horz" wrap="square" lIns="91440" tIns="45720" rIns="91440" bIns="45720" anchor="t" anchorCtr="0">
+                      <a:spAutoFit/>
+                    </a:bodyPr>
+                    <a:p>
+                      <a:pPr>
+                        <a:defRPr/>
+                      </a:pPr>
+                      <a:endParaRPr lang="en-US" altLang="ko-KR"/>
+                    </a:p>
+                  </a:txBody>
+                  <a:tcPr marL="91440" marR="91440"/>
+                </a:tc>
+                <a:tc>
+                  <a:txBody>
+                    <a:bodyPr vert="horz" wrap="square" lIns="91440" tIns="45720" rIns="91440" bIns="45720" anchor="t" anchorCtr="0">
+                      <a:spAutoFit/>
+                    </a:bodyPr>
+                    <a:p>
+                      <a:pPr>
+                        <a:defRPr/>
+                      </a:pPr>
+                      <a:endParaRPr lang="en-US" altLang="ko-KR"/>
+                    </a:p>
+                  </a:txBody>
+                  <a:tcPr marL="91440" marR="91440"/>
+                </a:tc>
+                <a:tc>
+                  <a:txBody>
+                    <a:bodyPr vert="horz" wrap="square" lIns="91440" tIns="45720" rIns="91440" bIns="45720" anchor="t" anchorCtr="0">
+                      <a:spAutoFit/>
+                    </a:bodyPr>
+                    <a:p>
+                      <a:pPr>
+                        <a:defRPr/>
+                      </a:pPr>
+                      <a:endParaRPr lang="en-US" altLang="ko-KR"/>
+                    </a:p>
+                  </a:txBody>
+                  <a:tcPr marL="91440" marR="91440"/>
+                </a:tc>
+              </a:tr>
+            </a:tbl>
+          </a:graphicData>
+        </a:graphic>
+      </p:graphicFrame>
+    </p:spTree>
+  </p:cSld>
+  <p:clrMapOvr>
+    <a:masterClrMapping/>
+  </p:clrMapOvr>
+  <mc:AlternateContent xmlns:mc="http://schemas.openxmlformats.org/markup-compatibility/2006">
+    <mc:Choice xmlns:p14="http://schemas.microsoft.com/office/powerpoint/2010/main" Requires="p14">
+      <p:transition xmlns:mc="http://schemas.openxmlformats.org/markup-compatibility/2006" xmlns:p14="http://schemas.microsoft.com/office/powerpoint/2010/main" mc:Ignorable="p14" p14:dur="500"/>
+    </mc:Choice>
+    <mc:Fallback>
+      <p:transition/>
+    </mc:Fallback>
+  </mc:AlternateContent>
+</p:sld>
+</file>
+
+<file path=ppt/slides/slide34.xml><?xml version="1.0" encoding="utf-8"?>
+<p:sld xmlns:r="http://schemas.openxmlformats.org/officeDocument/2006/relationships" xmlns:c="http://schemas.openxmlformats.org/drawingml/2006/chart" xmlns:a="http://schemas.openxmlformats.org/drawingml/2006/main" xmlns:dgm="http://schemas.openxmlformats.org/drawingml/2006/diagram" xmlns:dsp="http://schemas.microsoft.com/office/drawing/2008/diagram" xmlns:p="http://schemas.openxmlformats.org/presentationml/2006/main">
+  <p:cSld>
+    <p:spTree>
+      <p:nvGrpSpPr>
+        <p:cNvPr id="1" name=""/>
+        <p:cNvGrpSpPr/>
+        <p:nvPr/>
+      </p:nvGrpSpPr>
+      <p:grpSpPr>
+        <a:xfrm>
+          <a:off x="0" y="0"/>
+          <a:ext cx="0" cy="0"/>
+          <a:chOff x="0" y="0"/>
+          <a:chExt cx="0" cy="0"/>
+        </a:xfrm>
+      </p:grpSpPr>
+      <p:sp>
+        <p:nvSpPr>
+          <p:cNvPr id="4" name="직사각형 9"/>
+          <p:cNvSpPr/>
+          <p:nvPr/>
+        </p:nvSpPr>
+        <p:spPr>
+          <a:xfrm>
+            <a:off x="-1" y="0"/>
+            <a:ext cx="12192001" cy="1338109"/>
+          </a:xfrm>
+          <a:prstGeom prst="rect">
+            <a:avLst/>
+          </a:prstGeom>
+          <a:solidFill>
+            <a:schemeClr val="accent1">
+              <a:lumMod val="75000"/>
+            </a:schemeClr>
+          </a:solidFill>
+          <a:ln>
+            <a:noFill/>
+          </a:ln>
+        </p:spPr>
+        <p:style>
+          <a:lnRef idx="2">
+            <a:schemeClr val="accent1">
+              <a:shade val="50000"/>
+            </a:schemeClr>
+          </a:lnRef>
+          <a:fillRef idx="1">
+            <a:schemeClr val="accent1"/>
+          </a:fillRef>
+          <a:effectRef idx="0">
+            <a:schemeClr val="accent1"/>
+          </a:effectRef>
+          <a:fontRef idx="minor">
+            <a:schemeClr val="lt1"/>
+          </a:fontRef>
+        </p:style>
+        <p:txBody>
+          <a:bodyPr anchor="ctr"/>
+          <a:lstStyle/>
+          <a:p>
+            <a:pPr>
+              <a:defRPr/>
+            </a:pPr>
+            <a:r>
+              <a:rPr kumimoji="1" lang="en-US" altLang="ko-KR" sz="4800"/>
+              <a:t>6.</a:t>
+            </a:r>
+            <a:r>
+              <a:rPr kumimoji="1" lang="ko-KR" altLang="en-US" sz="4800"/>
+              <a:t> 스토리보드</a:t>
+            </a:r>
+            <a:endParaRPr kumimoji="1" lang="ko-KR" altLang="en-US" sz="4800"/>
+          </a:p>
+        </p:txBody>
+      </p:sp>
+      <p:sp>
+        <p:nvSpPr>
+          <p:cNvPr id="11" name=""/>
+          <p:cNvSpPr/>
+          <p:nvPr/>
+        </p:nvSpPr>
+        <p:spPr>
+          <a:xfrm>
+            <a:off x="0" y="1342292"/>
+            <a:ext cx="9539247" cy="5515706"/>
+          </a:xfrm>
+          <a:prstGeom prst="rect">
+            <a:avLst/>
+          </a:prstGeom>
+          <a:solidFill>
+            <a:srgbClr val="f2f2f2"/>
+          </a:solidFill>
+          <a:ln>
+            <a:noFill/>
+          </a:ln>
+        </p:spPr>
+        <p:style>
+          <a:lnRef idx="2">
+            <a:schemeClr val="accent1">
+              <a:shade val="20000"/>
+            </a:schemeClr>
+          </a:lnRef>
+          <a:fillRef idx="1">
+            <a:schemeClr val="accent1"/>
+          </a:fillRef>
+          <a:effectRef idx="0">
+            <a:schemeClr val="accent1"/>
+          </a:effectRef>
+          <a:fontRef idx="minor">
+            <a:schemeClr val="lt1"/>
+          </a:fontRef>
+        </p:style>
+        <p:txBody>
+          <a:bodyPr anchor="ctr"/>
+          <a:lstStyle/>
+          <a:p>
+            <a:pPr>
+              <a:defRPr/>
+            </a:pPr>
+            <a:endParaRPr lang="en-US" altLang="ko-KR">
+              <a:solidFill>
+                <a:schemeClr val="dk1"/>
+              </a:solidFill>
+            </a:endParaRPr>
+          </a:p>
+          <a:p>
+            <a:pPr>
+              <a:defRPr/>
+            </a:pPr>
+            <a:r>
+              <a:rPr lang="en-US" altLang="ko-KR">
+                <a:solidFill>
+                  <a:schemeClr val="dk1"/>
+                </a:solidFill>
+              </a:rPr>
+              <a:t>C:\UESRS\ &gt;&gt; 3</a:t>
+            </a:r>
+            <a:endParaRPr lang="en-US" altLang="ko-KR">
+              <a:solidFill>
+                <a:schemeClr val="dk1"/>
+              </a:solidFill>
+            </a:endParaRPr>
+          </a:p>
+          <a:p>
+            <a:pPr>
+              <a:defRPr/>
+            </a:pPr>
+            <a:endParaRPr lang="en-US" altLang="ko-KR">
+              <a:solidFill>
+                <a:schemeClr val="dk1"/>
+              </a:solidFill>
+            </a:endParaRPr>
+          </a:p>
+          <a:p>
+            <a:pPr>
+              <a:defRPr/>
+            </a:pPr>
+            <a:r>
+              <a:rPr lang="en-US" altLang="ko-KR">
+                <a:solidFill>
+                  <a:schemeClr val="dk1"/>
+                </a:solidFill>
+              </a:rPr>
+              <a:t>hwp, word </a:t>
+            </a:r>
+            <a:r>
+              <a:rPr lang="ko-KR" altLang="en-US">
+                <a:solidFill>
+                  <a:schemeClr val="dk1"/>
+                </a:solidFill>
+              </a:rPr>
+              <a:t>를 선택했습니다</a:t>
+            </a:r>
+            <a:endParaRPr lang="ko-KR" altLang="en-US">
+              <a:solidFill>
+                <a:schemeClr val="dk1"/>
+              </a:solidFill>
+            </a:endParaRPr>
+          </a:p>
+          <a:p>
+            <a:pPr>
+              <a:defRPr/>
+            </a:pPr>
+            <a:endParaRPr lang="ko-KR" altLang="en-US">
+              <a:solidFill>
+                <a:schemeClr val="dk1"/>
+              </a:solidFill>
+            </a:endParaRPr>
+          </a:p>
+          <a:p>
+            <a:pPr>
+              <a:defRPr/>
+            </a:pPr>
+            <a:endParaRPr lang="en-US" altLang="ko-KR">
+              <a:solidFill>
+                <a:schemeClr val="dk1"/>
+              </a:solidFill>
+            </a:endParaRPr>
+          </a:p>
+          <a:p>
+            <a:pPr>
+              <a:defRPr/>
+            </a:pPr>
+            <a:endParaRPr lang="en-US" altLang="ko-KR">
+              <a:solidFill>
+                <a:schemeClr val="dk1"/>
+              </a:solidFill>
+            </a:endParaRPr>
+          </a:p>
+          <a:p>
+            <a:pPr>
+              <a:defRPr/>
+            </a:pPr>
+            <a:endParaRPr lang="en-US" altLang="ko-KR">
+              <a:solidFill>
+                <a:schemeClr val="dk1"/>
+              </a:solidFill>
+            </a:endParaRPr>
+          </a:p>
+          <a:p>
+            <a:pPr>
+              <a:defRPr/>
+            </a:pPr>
+            <a:endParaRPr lang="en-US" altLang="ko-KR">
+              <a:solidFill>
+                <a:schemeClr val="dk1"/>
+              </a:solidFill>
+            </a:endParaRPr>
+          </a:p>
+          <a:p>
+            <a:pPr>
+              <a:defRPr/>
+            </a:pPr>
+            <a:endParaRPr lang="en-US" altLang="ko-KR">
+              <a:solidFill>
+                <a:schemeClr val="dk1"/>
+              </a:solidFill>
+            </a:endParaRPr>
+          </a:p>
+          <a:p>
+            <a:pPr>
+              <a:defRPr/>
+            </a:pPr>
+            <a:r>
+              <a:rPr lang="ko-KR" altLang="en-US">
+                <a:solidFill>
+                  <a:schemeClr val="dk1"/>
+                </a:solidFill>
+              </a:rPr>
+              <a:t>결과를 내보내시겠습니까</a:t>
+            </a:r>
+            <a:r>
+              <a:rPr lang="en-US" altLang="ko-KR">
+                <a:solidFill>
+                  <a:schemeClr val="dk1"/>
+                </a:solidFill>
+              </a:rPr>
+              <a:t>?</a:t>
+            </a:r>
+            <a:r>
+              <a:rPr lang="ko-KR" altLang="en-US">
+                <a:solidFill>
+                  <a:schemeClr val="dk1"/>
+                </a:solidFill>
+              </a:rPr>
+              <a:t> </a:t>
+            </a:r>
+            <a:r>
+              <a:rPr lang="en-US" altLang="ko-KR">
+                <a:solidFill>
+                  <a:schemeClr val="dk1"/>
+                </a:solidFill>
+              </a:rPr>
+              <a:t>(Y/N)</a:t>
+            </a:r>
+            <a:endParaRPr lang="en-US" altLang="ko-KR">
+              <a:solidFill>
+                <a:schemeClr val="dk1"/>
+              </a:solidFill>
+            </a:endParaRPr>
+          </a:p>
+          <a:p>
+            <a:pPr>
+              <a:defRPr/>
+            </a:pPr>
+            <a:endParaRPr lang="en-US" altLang="ko-KR">
+              <a:solidFill>
+                <a:schemeClr val="dk1"/>
+              </a:solidFill>
+            </a:endParaRPr>
+          </a:p>
+          <a:p>
+            <a:pPr>
+              <a:defRPr/>
+            </a:pPr>
+            <a:r>
+              <a:rPr lang="en-US" altLang="ko-KR">
+                <a:solidFill>
+                  <a:schemeClr val="dk1"/>
+                </a:solidFill>
+              </a:rPr>
+              <a:t>C:\USERS\</a:t>
+            </a:r>
+            <a:r>
+              <a:rPr lang="ko-KR" altLang="en-US">
+                <a:solidFill>
+                  <a:schemeClr val="dk1"/>
+                </a:solidFill>
+              </a:rPr>
+              <a:t> </a:t>
+            </a:r>
+            <a:r>
+              <a:rPr lang="en-US" altLang="ko-KR">
+                <a:solidFill>
+                  <a:schemeClr val="dk1"/>
+                </a:solidFill>
+              </a:rPr>
+              <a:t>&gt;&gt;</a:t>
+            </a:r>
+            <a:r>
+              <a:rPr lang="ko-KR" altLang="en-US">
+                <a:solidFill>
+                  <a:schemeClr val="dk1"/>
+                </a:solidFill>
+              </a:rPr>
+              <a:t> </a:t>
+            </a:r>
+            <a:r>
+              <a:rPr lang="en-US" altLang="ko-KR">
+                <a:solidFill>
+                  <a:schemeClr val="dk1"/>
+                </a:solidFill>
+              </a:rPr>
+              <a:t>Y</a:t>
+            </a:r>
+            <a:endParaRPr lang="en-US" altLang="ko-KR">
+              <a:solidFill>
+                <a:schemeClr val="dk1"/>
+              </a:solidFill>
+            </a:endParaRPr>
+          </a:p>
+          <a:p>
+            <a:pPr>
+              <a:defRPr/>
+            </a:pPr>
+            <a:endParaRPr lang="en-US" altLang="ko-KR">
+              <a:solidFill>
+                <a:schemeClr val="dk1"/>
+              </a:solidFill>
+            </a:endParaRPr>
+          </a:p>
+          <a:p>
+            <a:pPr>
+              <a:defRPr/>
+            </a:pPr>
+            <a:r>
+              <a:rPr lang="ko-KR" altLang="en-US">
+                <a:solidFill>
+                  <a:schemeClr val="dk1"/>
+                </a:solidFill>
+              </a:rPr>
+              <a:t>파일명을 입력하세요</a:t>
+            </a:r>
+            <a:endParaRPr lang="ko-KR" altLang="en-US">
+              <a:solidFill>
+                <a:schemeClr val="dk1"/>
+              </a:solidFill>
+            </a:endParaRPr>
+          </a:p>
+          <a:p>
+            <a:pPr>
+              <a:defRPr/>
+            </a:pPr>
+            <a:r>
+              <a:rPr lang="en-US" altLang="ko-KR">
+                <a:solidFill>
+                  <a:schemeClr val="dk1"/>
+                </a:solidFill>
+              </a:rPr>
+              <a:t>C:\USERS\ &gt;&gt;</a:t>
+            </a:r>
+            <a:r>
+              <a:rPr lang="ko-KR" altLang="en-US">
+                <a:solidFill>
+                  <a:schemeClr val="dk1"/>
+                </a:solidFill>
+              </a:rPr>
+              <a:t> </a:t>
+            </a:r>
+            <a:r>
+              <a:rPr lang="en-US" altLang="ko-KR">
+                <a:solidFill>
+                  <a:schemeClr val="dk1"/>
+                </a:solidFill>
+              </a:rPr>
+              <a:t>TEST3</a:t>
+            </a:r>
+            <a:endParaRPr lang="en-US" altLang="ko-KR">
+              <a:solidFill>
+                <a:schemeClr val="dk1"/>
+              </a:solidFill>
+            </a:endParaRPr>
+          </a:p>
+          <a:p>
+            <a:pPr>
+              <a:defRPr/>
+            </a:pPr>
+            <a:endParaRPr lang="en-US" altLang="ko-KR">
+              <a:solidFill>
+                <a:schemeClr val="dk1"/>
+              </a:solidFill>
+            </a:endParaRPr>
+          </a:p>
+          <a:p>
+            <a:pPr>
+              <a:defRPr/>
+            </a:pPr>
+            <a:r>
+              <a:rPr lang="en-US" altLang="ko-KR">
+                <a:solidFill>
+                  <a:schemeClr val="dk1"/>
+                </a:solidFill>
+              </a:rPr>
+              <a:t>TEST3.xlsx</a:t>
+            </a:r>
+            <a:r>
+              <a:rPr lang="ko-KR" altLang="en-US">
+                <a:solidFill>
+                  <a:schemeClr val="dk1"/>
+                </a:solidFill>
+              </a:rPr>
+              <a:t>로 저장합니다</a:t>
+            </a:r>
+            <a:endParaRPr lang="ko-KR" altLang="en-US">
+              <a:solidFill>
+                <a:schemeClr val="dk1"/>
+              </a:solidFill>
+            </a:endParaRPr>
+          </a:p>
+        </p:txBody>
+      </p:sp>
+      <p:graphicFrame>
+        <p:nvGraphicFramePr>
+          <p:cNvPr id="21" name=""/>
+          <p:cNvGraphicFramePr>
+            <a:graphicFrameLocks noGrp="1"/>
+          </p:cNvGraphicFramePr>
+          <p:nvPr/>
+        </p:nvGraphicFramePr>
+        <p:xfrm>
+          <a:off x="19050" y="2844165"/>
+          <a:ext cx="9482032" cy="1102995"/>
+        </p:xfrm>
+        <a:graphic>
+          <a:graphicData uri="http://schemas.openxmlformats.org/drawingml/2006/table">
+            <a:tbl>
+              <a:tblPr firstRow="1" bandRow="1">
+                <a:tableStyleId>{01A66EDD-3DAB-4C5B-A090-DC80EC1FD486}</a:tableStyleId>
+              </a:tblPr>
+              <a:tblGrid>
+                <a:gridCol w="1354666"/>
+                <a:gridCol w="1354666"/>
+                <a:gridCol w="1354666"/>
+                <a:gridCol w="1354666"/>
+                <a:gridCol w="1354455"/>
+                <a:gridCol w="1354455"/>
+                <a:gridCol w="1354455"/>
+              </a:tblGrid>
+              <a:tr h="194945">
+                <a:tc>
+                  <a:txBody>
+                    <a:bodyPr vert="horz" wrap="square" lIns="91440" tIns="45720" rIns="91440" bIns="45720" anchor="t" anchorCtr="0">
+                      <a:spAutoFit/>
+                    </a:bodyPr>
+                    <a:p>
+                      <a:pPr>
+                        <a:defRPr/>
+                      </a:pPr>
+                      <a:endParaRPr lang="ko-KR" altLang="en-US"/>
+                    </a:p>
+                  </a:txBody>
+                  <a:tcPr marL="91440" marR="91440"/>
+                </a:tc>
+                <a:tc>
+                  <a:txBody>
+                    <a:bodyPr vert="horz" wrap="square" lIns="91440" tIns="45720" rIns="91440" bIns="45720" anchor="t" anchorCtr="0">
+                      <a:spAutoFit/>
+                    </a:bodyPr>
+                    <a:p>
+                      <a:pPr>
+                        <a:defRPr/>
+                      </a:pPr>
+                      <a:endParaRPr lang="ko-KR" altLang="en-US"/>
+                    </a:p>
+                  </a:txBody>
+                  <a:tcPr marL="91440" marR="91440"/>
+                </a:tc>
+                <a:tc>
+                  <a:txBody>
+                    <a:bodyPr vert="horz" wrap="square" lIns="91440" tIns="45720" rIns="91440" bIns="45720" anchor="t" anchorCtr="0">
+                      <a:spAutoFit/>
+                    </a:bodyPr>
+                    <a:p>
+                      <a:pPr>
+                        <a:defRPr/>
+                      </a:pPr>
+                      <a:endParaRPr lang="ko-KR" altLang="en-US"/>
+                    </a:p>
+                  </a:txBody>
+                  <a:tcPr marL="91440" marR="91440"/>
+                </a:tc>
+                <a:tc>
+                  <a:txBody>
+                    <a:bodyPr vert="horz" wrap="square" lIns="91440" tIns="45720" rIns="91440" bIns="45720" anchor="t" anchorCtr="0">
+                      <a:spAutoFit/>
+                    </a:bodyPr>
+                    <a:p>
+                      <a:pPr>
+                        <a:defRPr/>
+                      </a:pPr>
+                      <a:endParaRPr lang="ko-KR" altLang="en-US"/>
+                    </a:p>
+                  </a:txBody>
+                  <a:tcPr marL="91440" marR="91440"/>
+                </a:tc>
+                <a:tc>
+                  <a:txBody>
+                    <a:bodyPr vert="horz" wrap="square" lIns="91440" tIns="45720" rIns="91440" bIns="45720" anchor="t" anchorCtr="0">
+                      <a:spAutoFit/>
+                    </a:bodyPr>
+                    <a:p>
+                      <a:pPr>
+                        <a:defRPr/>
+                      </a:pPr>
+                      <a:endParaRPr lang="ko-KR" altLang="en-US"/>
+                    </a:p>
+                  </a:txBody>
+                  <a:tcPr marL="91440" marR="91440"/>
+                </a:tc>
+                <a:tc>
+                  <a:txBody>
+                    <a:bodyPr vert="horz" wrap="square" lIns="91440" tIns="45720" rIns="91440" bIns="45720" anchor="t" anchorCtr="0">
+                      <a:spAutoFit/>
+                    </a:bodyPr>
+                    <a:p>
+                      <a:pPr>
+                        <a:defRPr/>
+                      </a:pPr>
+                      <a:endParaRPr lang="ko-KR" altLang="en-US"/>
+                    </a:p>
+                  </a:txBody>
+                  <a:tcPr marL="91440" marR="91440"/>
+                </a:tc>
+                <a:tc>
+                  <a:txBody>
+                    <a:bodyPr vert="horz" wrap="square" lIns="91440" tIns="45720" rIns="91440" bIns="45720" anchor="t" anchorCtr="0">
+                      <a:spAutoFit/>
+                    </a:bodyPr>
+                    <a:p>
+                      <a:pPr>
+                        <a:defRPr/>
+                      </a:pPr>
+                      <a:endParaRPr lang="ko-KR" altLang="en-US"/>
+                    </a:p>
+                  </a:txBody>
+                  <a:tcPr marL="91440" marR="91440"/>
+                </a:tc>
+              </a:tr>
+              <a:tr h="116840">
+                <a:tc>
+                  <a:txBody>
+                    <a:bodyPr vert="horz" wrap="square" lIns="91440" tIns="45720" rIns="91440" bIns="45720" anchor="t" anchorCtr="0">
+                      <a:spAutoFit/>
+                    </a:bodyPr>
+                    <a:p>
+                      <a:pPr>
+                        <a:defRPr/>
+                      </a:pPr>
+                      <a:endParaRPr lang="en-US" altLang="ko-KR"/>
+                    </a:p>
+                  </a:txBody>
+                  <a:tcPr marL="91440" marR="91440"/>
+                </a:tc>
+                <a:tc>
+                  <a:txBody>
+                    <a:bodyPr vert="horz" wrap="square" lIns="91440" tIns="45720" rIns="91440" bIns="45720" anchor="t" anchorCtr="0">
+                      <a:spAutoFit/>
+                    </a:bodyPr>
+                    <a:p>
+                      <a:pPr>
+                        <a:defRPr/>
+                      </a:pPr>
+                      <a:endParaRPr lang="en-US" altLang="ko-KR"/>
+                    </a:p>
+                  </a:txBody>
+                  <a:tcPr marL="91440" marR="91440"/>
+                </a:tc>
+                <a:tc>
+                  <a:txBody>
+                    <a:bodyPr vert="horz" wrap="square" lIns="91440" tIns="45720" rIns="91440" bIns="45720" anchor="t" anchorCtr="0">
+                      <a:spAutoFit/>
+                    </a:bodyPr>
+                    <a:p>
+                      <a:pPr>
+                        <a:defRPr/>
+                      </a:pPr>
+                      <a:endParaRPr lang="en-US" altLang="ko-KR"/>
+                    </a:p>
+                  </a:txBody>
+                  <a:tcPr marL="91440" marR="91440"/>
+                </a:tc>
+                <a:tc>
+                  <a:txBody>
+                    <a:bodyPr vert="horz" wrap="square" lIns="91440" tIns="45720" rIns="91440" bIns="45720" anchor="t" anchorCtr="0">
+                      <a:spAutoFit/>
+                    </a:bodyPr>
+                    <a:p>
+                      <a:pPr>
+                        <a:defRPr/>
+                      </a:pPr>
+                      <a:endParaRPr lang="ko-KR" altLang="en-US"/>
+                    </a:p>
+                  </a:txBody>
+                  <a:tcPr marL="91440" marR="91440"/>
+                </a:tc>
+                <a:tc>
+                  <a:txBody>
+                    <a:bodyPr vert="horz" wrap="square" lIns="91440" tIns="45720" rIns="91440" bIns="45720" anchor="t" anchorCtr="0">
+                      <a:spAutoFit/>
+                    </a:bodyPr>
+                    <a:p>
+                      <a:pPr>
+                        <a:defRPr/>
+                      </a:pPr>
+                      <a:endParaRPr lang="en-US" altLang="ko-KR"/>
+                    </a:p>
+                  </a:txBody>
+                  <a:tcPr marL="91440" marR="91440"/>
+                </a:tc>
+                <a:tc>
+                  <a:txBody>
+                    <a:bodyPr vert="horz" wrap="square" lIns="91440" tIns="45720" rIns="91440" bIns="45720" anchor="t" anchorCtr="0">
+                      <a:spAutoFit/>
+                    </a:bodyPr>
+                    <a:p>
+                      <a:pPr>
+                        <a:defRPr/>
+                      </a:pPr>
+                      <a:endParaRPr lang="ko-KR" altLang="en-US"/>
+                    </a:p>
+                  </a:txBody>
+                  <a:tcPr marL="91440" marR="91440"/>
+                </a:tc>
+                <a:tc>
+                  <a:txBody>
+                    <a:bodyPr vert="horz" wrap="square" lIns="91440" tIns="45720" rIns="91440" bIns="45720" anchor="t" anchorCtr="0">
+                      <a:spAutoFit/>
+                    </a:bodyPr>
+                    <a:p>
+                      <a:pPr>
+                        <a:defRPr/>
+                      </a:pPr>
+                      <a:endParaRPr lang="ko-KR" altLang="en-US"/>
+                    </a:p>
+                  </a:txBody>
+                  <a:tcPr marL="91440" marR="91440"/>
+                </a:tc>
+              </a:tr>
+              <a:tr h="116840">
+                <a:tc>
+                  <a:txBody>
+                    <a:bodyPr vert="horz" wrap="square" lIns="91440" tIns="45720" rIns="91440" bIns="45720" anchor="t" anchorCtr="0">
+                      <a:spAutoFit/>
+                    </a:bodyPr>
+                    <a:p>
+                      <a:pPr>
+                        <a:defRPr/>
+                      </a:pPr>
+                      <a:endParaRPr lang="en-US" altLang="ko-KR"/>
+                    </a:p>
+                  </a:txBody>
+                  <a:tcPr marL="91440" marR="91440"/>
+                </a:tc>
+                <a:tc>
+                  <a:txBody>
+                    <a:bodyPr vert="horz" wrap="square" lIns="91440" tIns="45720" rIns="91440" bIns="45720" anchor="t" anchorCtr="0">
+                      <a:spAutoFit/>
+                    </a:bodyPr>
+                    <a:p>
+                      <a:pPr>
+                        <a:defRPr/>
+                      </a:pPr>
+                      <a:endParaRPr lang="en-US" altLang="ko-KR"/>
+                    </a:p>
+                  </a:txBody>
+                  <a:tcPr marL="91440" marR="91440"/>
+                </a:tc>
+                <a:tc>
+                  <a:txBody>
+                    <a:bodyPr vert="horz" wrap="square" lIns="91440" tIns="45720" rIns="91440" bIns="45720" anchor="t" anchorCtr="0">
+                      <a:spAutoFit/>
+                    </a:bodyPr>
+                    <a:p>
+                      <a:pPr>
+                        <a:defRPr/>
+                      </a:pPr>
+                      <a:endParaRPr lang="en-US" altLang="ko-KR"/>
+                    </a:p>
+                  </a:txBody>
+                  <a:tcPr marL="91440" marR="91440"/>
+                </a:tc>
+                <a:tc>
+                  <a:txBody>
+                    <a:bodyPr vert="horz" wrap="square" lIns="91440" tIns="45720" rIns="91440" bIns="45720" anchor="t" anchorCtr="0">
+                      <a:spAutoFit/>
+                    </a:bodyPr>
+                    <a:p>
+                      <a:pPr>
+                        <a:defRPr/>
+                      </a:pPr>
+                      <a:endParaRPr lang="en-US" altLang="ko-KR"/>
+                    </a:p>
+                  </a:txBody>
+                  <a:tcPr marL="91440" marR="91440"/>
+                </a:tc>
+                <a:tc>
+                  <a:txBody>
+                    <a:bodyPr vert="horz" wrap="square" lIns="91440" tIns="45720" rIns="91440" bIns="45720" anchor="t" anchorCtr="0">
+                      <a:spAutoFit/>
+                    </a:bodyPr>
+                    <a:p>
+                      <a:pPr>
+                        <a:defRPr/>
+                      </a:pPr>
+                      <a:endParaRPr lang="en-US" altLang="ko-KR"/>
+                    </a:p>
+                  </a:txBody>
+                  <a:tcPr marL="91440" marR="91440"/>
+                </a:tc>
+                <a:tc>
+                  <a:txBody>
+                    <a:bodyPr vert="horz" wrap="square" lIns="91440" tIns="45720" rIns="91440" bIns="45720" anchor="t" anchorCtr="0">
+                      <a:spAutoFit/>
+                    </a:bodyPr>
+                    <a:p>
+                      <a:pPr>
+                        <a:defRPr/>
+                      </a:pPr>
+                      <a:endParaRPr lang="en-US" altLang="ko-KR"/>
+                    </a:p>
+                  </a:txBody>
+                  <a:tcPr marL="91440" marR="91440"/>
+                </a:tc>
+                <a:tc>
+                  <a:txBody>
+                    <a:bodyPr vert="horz" wrap="square" lIns="91440" tIns="45720" rIns="91440" bIns="45720" anchor="t" anchorCtr="0">
+                      <a:spAutoFit/>
+                    </a:bodyPr>
+                    <a:p>
+                      <a:pPr>
+                        <a:defRPr/>
+                      </a:pPr>
+                      <a:endParaRPr lang="en-US" altLang="ko-KR"/>
+                    </a:p>
+                  </a:txBody>
+                  <a:tcPr marL="91440" marR="91440"/>
+                </a:tc>
+              </a:tr>
+            </a:tbl>
+          </a:graphicData>
+        </a:graphic>
+      </p:graphicFrame>
+    </p:spTree>
+  </p:cSld>
+  <p:clrMapOvr>
+    <a:masterClrMapping/>
+  </p:clrMapOvr>
+  <mc:AlternateContent xmlns:mc="http://schemas.openxmlformats.org/markup-compatibility/2006">
+    <mc:Choice xmlns:p14="http://schemas.microsoft.com/office/powerpoint/2010/main" Requires="p14">
+      <p:transition xmlns:mc="http://schemas.openxmlformats.org/markup-compatibility/2006" xmlns:p14="http://schemas.microsoft.com/office/powerpoint/2010/main" mc:Ignorable="p14" p14:dur="500"/>
+    </mc:Choice>
+    <mc:Fallback>
+      <p:transition/>
+    </mc:Fallback>
+  </mc:AlternateContent>
+</p:sld>
+</file>
+
+<file path=ppt/slides/slide35.xml><?xml version="1.0" encoding="utf-8"?>
+<p:sld xmlns:r="http://schemas.openxmlformats.org/officeDocument/2006/relationships" xmlns:c="http://schemas.openxmlformats.org/drawingml/2006/chart" xmlns:a="http://schemas.openxmlformats.org/drawingml/2006/main" xmlns:dgm="http://schemas.openxmlformats.org/drawingml/2006/diagram" xmlns:dsp="http://schemas.microsoft.com/office/drawing/2008/diagram" xmlns:p="http://schemas.openxmlformats.org/presentationml/2006/main">
+  <p:cSld>
+    <p:spTree>
+      <p:nvGrpSpPr>
+        <p:cNvPr id="1" name=""/>
+        <p:cNvGrpSpPr/>
+        <p:nvPr/>
+      </p:nvGrpSpPr>
+      <p:grpSpPr>
+        <a:xfrm>
+          <a:off x="0" y="0"/>
+          <a:ext cx="0" cy="0"/>
+          <a:chOff x="0" y="0"/>
+          <a:chExt cx="0" cy="0"/>
+        </a:xfrm>
+      </p:grpSpPr>
+      <p:sp>
+        <p:nvSpPr>
+          <p:cNvPr id="4" name="직사각형 9"/>
+          <p:cNvSpPr/>
+          <p:nvPr/>
+        </p:nvSpPr>
+        <p:spPr>
+          <a:xfrm>
+            <a:off x="-1" y="0"/>
+            <a:ext cx="12192001" cy="1338109"/>
+          </a:xfrm>
+          <a:prstGeom prst="rect">
+            <a:avLst/>
+          </a:prstGeom>
+          <a:solidFill>
+            <a:schemeClr val="accent1">
+              <a:lumMod val="75000"/>
+            </a:schemeClr>
+          </a:solidFill>
+          <a:ln>
+            <a:noFill/>
+          </a:ln>
+        </p:spPr>
+        <p:style>
+          <a:lnRef idx="2">
+            <a:schemeClr val="accent1">
+              <a:shade val="50000"/>
+            </a:schemeClr>
+          </a:lnRef>
+          <a:fillRef idx="1">
+            <a:schemeClr val="accent1"/>
+          </a:fillRef>
+          <a:effectRef idx="0">
+            <a:schemeClr val="accent1"/>
+          </a:effectRef>
+          <a:fontRef idx="minor">
+            <a:schemeClr val="lt1"/>
+          </a:fontRef>
+        </p:style>
+        <p:txBody>
+          <a:bodyPr anchor="ctr"/>
+          <a:lstStyle/>
+          <a:p>
+            <a:pPr>
+              <a:defRPr/>
+            </a:pPr>
+            <a:r>
+              <a:rPr kumimoji="1" lang="en-US" altLang="ko-KR" sz="4800"/>
+              <a:t>6.</a:t>
+            </a:r>
+            <a:r>
+              <a:rPr kumimoji="1" lang="ko-KR" altLang="en-US" sz="4800"/>
+              <a:t> 스토리보드</a:t>
+            </a:r>
+            <a:endParaRPr kumimoji="1" lang="ko-KR" altLang="en-US" sz="4800"/>
+          </a:p>
+        </p:txBody>
+      </p:sp>
+      <p:sp>
+        <p:nvSpPr>
+          <p:cNvPr id="11" name=""/>
+          <p:cNvSpPr/>
+          <p:nvPr/>
+        </p:nvSpPr>
+        <p:spPr>
+          <a:xfrm>
+            <a:off x="0" y="1342292"/>
+            <a:ext cx="9539247" cy="5515706"/>
+          </a:xfrm>
+          <a:prstGeom prst="rect">
+            <a:avLst/>
+          </a:prstGeom>
+          <a:solidFill>
+            <a:srgbClr val="f2f2f2"/>
+          </a:solidFill>
+          <a:ln>
+            <a:noFill/>
+          </a:ln>
+        </p:spPr>
+        <p:style>
+          <a:lnRef idx="2">
+            <a:schemeClr val="accent1">
+              <a:shade val="20000"/>
+            </a:schemeClr>
+          </a:lnRef>
+          <a:fillRef idx="1">
+            <a:schemeClr val="accent1"/>
+          </a:fillRef>
+          <a:effectRef idx="0">
+            <a:schemeClr val="accent1"/>
+          </a:effectRef>
+          <a:fontRef idx="minor">
+            <a:schemeClr val="lt1"/>
+          </a:fontRef>
+        </p:style>
+        <p:txBody>
+          <a:bodyPr anchor="ctr"/>
+          <a:lstStyle/>
+          <a:p>
+            <a:pPr>
+              <a:defRPr/>
+            </a:pPr>
+            <a:endParaRPr lang="en-US" altLang="ko-KR">
+              <a:solidFill>
+                <a:schemeClr val="dk1"/>
+              </a:solidFill>
+            </a:endParaRPr>
+          </a:p>
+          <a:p>
+            <a:pPr>
+              <a:defRPr/>
+            </a:pPr>
+            <a:r>
+              <a:rPr lang="en-US" altLang="ko-KR">
+                <a:solidFill>
+                  <a:schemeClr val="dk1"/>
+                </a:solidFill>
+              </a:rPr>
+              <a:t>C:\UESRS\ &gt;&gt; 4</a:t>
+            </a:r>
+            <a:endParaRPr lang="en-US" altLang="ko-KR">
+              <a:solidFill>
+                <a:schemeClr val="dk1"/>
+              </a:solidFill>
+            </a:endParaRPr>
+          </a:p>
+          <a:p>
+            <a:pPr>
+              <a:defRPr/>
+            </a:pPr>
+            <a:endParaRPr lang="en-US" altLang="ko-KR">
+              <a:solidFill>
+                <a:schemeClr val="dk1"/>
+              </a:solidFill>
+            </a:endParaRPr>
+          </a:p>
+          <a:p>
+            <a:pPr>
+              <a:defRPr/>
+            </a:pPr>
+            <a:r>
+              <a:rPr lang="en-US" altLang="ko-KR">
+                <a:solidFill>
+                  <a:schemeClr val="dk1"/>
+                </a:solidFill>
+              </a:rPr>
+              <a:t>DD</a:t>
+            </a:r>
+            <a:r>
+              <a:rPr lang="ko-KR" altLang="en-US">
+                <a:solidFill>
+                  <a:schemeClr val="dk1"/>
+                </a:solidFill>
+              </a:rPr>
+              <a:t>를 선택했습니다</a:t>
+            </a:r>
+            <a:endParaRPr lang="ko-KR" altLang="en-US">
+              <a:solidFill>
+                <a:schemeClr val="dk1"/>
+              </a:solidFill>
+            </a:endParaRPr>
+          </a:p>
+          <a:p>
+            <a:pPr>
+              <a:defRPr/>
+            </a:pPr>
+            <a:endParaRPr lang="ko-KR" altLang="en-US">
+              <a:solidFill>
+                <a:schemeClr val="dk1"/>
+              </a:solidFill>
+            </a:endParaRPr>
+          </a:p>
+          <a:p>
+            <a:pPr>
+              <a:defRPr/>
+            </a:pPr>
+            <a:endParaRPr lang="en-US" altLang="ko-KR">
+              <a:solidFill>
+                <a:schemeClr val="dk1"/>
+              </a:solidFill>
+            </a:endParaRPr>
+          </a:p>
+          <a:p>
+            <a:pPr>
+              <a:defRPr/>
+            </a:pPr>
+            <a:endParaRPr lang="en-US" altLang="ko-KR">
+              <a:solidFill>
+                <a:schemeClr val="dk1"/>
+              </a:solidFill>
+            </a:endParaRPr>
+          </a:p>
+          <a:p>
+            <a:pPr>
+              <a:defRPr/>
+            </a:pPr>
+            <a:endParaRPr lang="en-US" altLang="ko-KR">
+              <a:solidFill>
+                <a:schemeClr val="dk1"/>
+              </a:solidFill>
+            </a:endParaRPr>
+          </a:p>
+          <a:p>
+            <a:pPr>
+              <a:defRPr/>
+            </a:pPr>
+            <a:endParaRPr lang="en-US" altLang="ko-KR">
+              <a:solidFill>
+                <a:schemeClr val="dk1"/>
+              </a:solidFill>
+            </a:endParaRPr>
+          </a:p>
+          <a:p>
+            <a:pPr>
+              <a:defRPr/>
+            </a:pPr>
+            <a:endParaRPr lang="en-US" altLang="ko-KR">
+              <a:solidFill>
+                <a:schemeClr val="dk1"/>
+              </a:solidFill>
+            </a:endParaRPr>
+          </a:p>
+          <a:p>
+            <a:pPr>
+              <a:defRPr/>
+            </a:pPr>
+            <a:r>
+              <a:rPr lang="ko-KR" altLang="en-US">
+                <a:solidFill>
+                  <a:schemeClr val="dk1"/>
+                </a:solidFill>
+              </a:rPr>
+              <a:t>결과를 내보내시겠습니까</a:t>
+            </a:r>
+            <a:r>
+              <a:rPr lang="en-US" altLang="ko-KR">
+                <a:solidFill>
+                  <a:schemeClr val="dk1"/>
+                </a:solidFill>
+              </a:rPr>
+              <a:t>?</a:t>
+            </a:r>
+            <a:r>
+              <a:rPr lang="ko-KR" altLang="en-US">
+                <a:solidFill>
+                  <a:schemeClr val="dk1"/>
+                </a:solidFill>
+              </a:rPr>
+              <a:t> </a:t>
+            </a:r>
+            <a:r>
+              <a:rPr lang="en-US" altLang="ko-KR">
+                <a:solidFill>
+                  <a:schemeClr val="dk1"/>
+                </a:solidFill>
+              </a:rPr>
+              <a:t>(Y/N)</a:t>
+            </a:r>
+            <a:endParaRPr lang="en-US" altLang="ko-KR">
+              <a:solidFill>
+                <a:schemeClr val="dk1"/>
+              </a:solidFill>
+            </a:endParaRPr>
+          </a:p>
+          <a:p>
+            <a:pPr>
+              <a:defRPr/>
+            </a:pPr>
+            <a:endParaRPr lang="en-US" altLang="ko-KR">
+              <a:solidFill>
+                <a:schemeClr val="dk1"/>
+              </a:solidFill>
+            </a:endParaRPr>
+          </a:p>
+          <a:p>
+            <a:pPr>
+              <a:defRPr/>
+            </a:pPr>
+            <a:r>
+              <a:rPr lang="en-US" altLang="ko-KR">
+                <a:solidFill>
+                  <a:schemeClr val="dk1"/>
+                </a:solidFill>
+              </a:rPr>
+              <a:t>C:\USERS\</a:t>
+            </a:r>
+            <a:r>
+              <a:rPr lang="ko-KR" altLang="en-US">
+                <a:solidFill>
+                  <a:schemeClr val="dk1"/>
+                </a:solidFill>
+              </a:rPr>
+              <a:t> </a:t>
+            </a:r>
+            <a:r>
+              <a:rPr lang="en-US" altLang="ko-KR">
+                <a:solidFill>
+                  <a:schemeClr val="dk1"/>
+                </a:solidFill>
+              </a:rPr>
+              <a:t>&gt;&gt;</a:t>
+            </a:r>
+            <a:r>
+              <a:rPr lang="ko-KR" altLang="en-US">
+                <a:solidFill>
+                  <a:schemeClr val="dk1"/>
+                </a:solidFill>
+              </a:rPr>
+              <a:t> </a:t>
+            </a:r>
+            <a:r>
+              <a:rPr lang="en-US" altLang="ko-KR">
+                <a:solidFill>
+                  <a:schemeClr val="dk1"/>
+                </a:solidFill>
+              </a:rPr>
+              <a:t>Y</a:t>
+            </a:r>
+            <a:endParaRPr lang="en-US" altLang="ko-KR">
+              <a:solidFill>
+                <a:schemeClr val="dk1"/>
+              </a:solidFill>
+            </a:endParaRPr>
+          </a:p>
+          <a:p>
+            <a:pPr>
+              <a:defRPr/>
+            </a:pPr>
+            <a:endParaRPr lang="en-US" altLang="ko-KR">
+              <a:solidFill>
+                <a:schemeClr val="dk1"/>
+              </a:solidFill>
+            </a:endParaRPr>
+          </a:p>
+          <a:p>
+            <a:pPr>
+              <a:defRPr/>
+            </a:pPr>
+            <a:r>
+              <a:rPr lang="ko-KR" altLang="en-US">
+                <a:solidFill>
+                  <a:schemeClr val="dk1"/>
+                </a:solidFill>
+              </a:rPr>
+              <a:t>파일명을 입력하세요</a:t>
+            </a:r>
+            <a:endParaRPr lang="ko-KR" altLang="en-US">
+              <a:solidFill>
+                <a:schemeClr val="dk1"/>
+              </a:solidFill>
+            </a:endParaRPr>
+          </a:p>
+          <a:p>
+            <a:pPr>
+              <a:defRPr/>
+            </a:pPr>
+            <a:r>
+              <a:rPr lang="en-US" altLang="ko-KR">
+                <a:solidFill>
+                  <a:schemeClr val="dk1"/>
+                </a:solidFill>
+              </a:rPr>
+              <a:t>C:\USERS\ &gt;&gt;</a:t>
+            </a:r>
+            <a:r>
+              <a:rPr lang="ko-KR" altLang="en-US">
+                <a:solidFill>
+                  <a:schemeClr val="dk1"/>
+                </a:solidFill>
+              </a:rPr>
+              <a:t> </a:t>
+            </a:r>
+            <a:r>
+              <a:rPr lang="en-US" altLang="ko-KR">
+                <a:solidFill>
+                  <a:schemeClr val="dk1"/>
+                </a:solidFill>
+              </a:rPr>
+              <a:t>TEST4</a:t>
+            </a:r>
+            <a:endParaRPr lang="en-US" altLang="ko-KR">
+              <a:solidFill>
+                <a:schemeClr val="dk1"/>
+              </a:solidFill>
+            </a:endParaRPr>
+          </a:p>
+          <a:p>
+            <a:pPr>
+              <a:defRPr/>
+            </a:pPr>
+            <a:endParaRPr lang="en-US" altLang="ko-KR">
+              <a:solidFill>
+                <a:schemeClr val="dk1"/>
+              </a:solidFill>
+            </a:endParaRPr>
+          </a:p>
+          <a:p>
+            <a:pPr>
+              <a:defRPr/>
+            </a:pPr>
+            <a:r>
+              <a:rPr lang="en-US" altLang="ko-KR">
+                <a:solidFill>
+                  <a:schemeClr val="dk1"/>
+                </a:solidFill>
+              </a:rPr>
+              <a:t>TEST4.xlsx</a:t>
+            </a:r>
+            <a:r>
+              <a:rPr lang="ko-KR" altLang="en-US">
+                <a:solidFill>
+                  <a:schemeClr val="dk1"/>
+                </a:solidFill>
+              </a:rPr>
+              <a:t>로 저장합니다</a:t>
+            </a:r>
+            <a:endParaRPr lang="ko-KR" altLang="en-US">
+              <a:solidFill>
+                <a:schemeClr val="dk1"/>
+              </a:solidFill>
+            </a:endParaRPr>
+          </a:p>
+        </p:txBody>
+      </p:sp>
+      <p:graphicFrame>
+        <p:nvGraphicFramePr>
+          <p:cNvPr id="22" name=""/>
+          <p:cNvGraphicFramePr>
+            <a:graphicFrameLocks noGrp="1"/>
+          </p:cNvGraphicFramePr>
+          <p:nvPr/>
+        </p:nvGraphicFramePr>
+        <p:xfrm>
+          <a:off x="19050" y="2844165"/>
+          <a:ext cx="9482032" cy="1102995"/>
+        </p:xfrm>
+        <a:graphic>
+          <a:graphicData uri="http://schemas.openxmlformats.org/drawingml/2006/table">
+            <a:tbl>
+              <a:tblPr firstRow="1" bandRow="1">
+                <a:tableStyle styleId="{01A66EDD-3DAB-4C5B-A090-DC80EC1FD486}" styleName="Normal Style 1 - Accent 1">
+                  <a:wholeTbl>
+                    <a:tcTxStyle>
+                      <a:fontRef idx="minor">
+                        <a:prstClr val="black"/>
+                      </a:fontRef>
+                      <a:schemeClr val="dk1"/>
+                    </a:tcTxStyle>
+                    <a:tcStyle>
+                      <a:tcBdr>
+                        <a:left>
+                          <a:ln w="12700" cmpd="sng">
+                            <a:solidFill>
+                              <a:schemeClr val="lt1"/>
+                            </a:solidFill>
+                          </a:ln>
+                        </a:left>
+                        <a:right>
+                          <a:ln w="12700" cmpd="sng">
+                            <a:solidFill>
+                              <a:schemeClr val="lt1"/>
+                            </a:solidFill>
+                          </a:ln>
+                        </a:right>
+                        <a:top>
+                          <a:ln w="12700" cmpd="sng">
+                            <a:solidFill>
+                              <a:schemeClr val="lt1"/>
+                            </a:solidFill>
+                          </a:ln>
+                        </a:top>
+                        <a:bottom>
+                          <a:ln w="12700" cmpd="sng">
+                            <a:solidFill>
+                              <a:schemeClr val="lt1"/>
+                            </a:solidFill>
+                          </a:ln>
+                        </a:bottom>
+                        <a:insideH>
+                          <a:ln w="12700" cmpd="sng">
+                            <a:solidFill>
+                              <a:schemeClr val="lt1"/>
+                            </a:solidFill>
+                          </a:ln>
+                        </a:insideH>
+                        <a:insideV>
+                          <a:ln w="12700" cmpd="sng">
+                            <a:solidFill>
+                              <a:schemeClr val="lt1"/>
+                            </a:solidFill>
+                          </a:ln>
+                        </a:insideV>
+                      </a:tcBdr>
+                      <a:fill>
+                        <a:solidFill>
+                          <a:schemeClr val="accent1">
+                            <a:lum val="90000"/>
+                          </a:schemeClr>
+                        </a:solidFill>
+                      </a:fill>
+                    </a:tcStyle>
+                  </a:wholeTbl>
+                  <a:band1H>
+                    <a:tcTxStyle/>
+                    <a:tcStyle>
+                      <a:tcBdr/>
+                      <a:fill>
+                        <a:solidFill>
+                          <a:schemeClr val="accent1">
+                            <a:lum val="80000"/>
+                          </a:schemeClr>
+                        </a:solidFill>
+                      </a:fill>
+                    </a:tcStyle>
+                  </a:band1H>
+                  <a:band2H>
+                    <a:tcTxStyle/>
+                    <a:tcStyle>
+                      <a:tcBdr/>
+                    </a:tcStyle>
+                  </a:band2H>
+                  <a:band1V>
+                    <a:tcTxStyle/>
+                    <a:tcStyle>
+                      <a:tcBdr/>
+                      <a:fill>
+                        <a:solidFill>
+                          <a:schemeClr val="accent1">
+                            <a:lum val="80000"/>
+                          </a:schemeClr>
+                        </a:solidFill>
+                      </a:fill>
+                    </a:tcStyle>
+                  </a:band1V>
+                  <a:band2V>
+                    <a:tcTxStyle/>
+                    <a:tcStyle>
+                      <a:tcBdr/>
+                    </a:tcStyle>
+                  </a:band2V>
+                  <a:lastCol>
+                    <a:tcTxStyle b="on">
+                      <a:fontRef idx="minor">
+                        <a:prstClr val="black"/>
+                      </a:fontRef>
+                      <a:schemeClr val="lt1"/>
+                    </a:tcTxStyle>
+                    <a:tcStyle>
+                      <a:tcBdr/>
+                      <a:fill>
+                        <a:solidFill>
+                          <a:schemeClr val="accent1"/>
+                        </a:solidFill>
+                      </a:fill>
+                    </a:tcStyle>
+                  </a:lastCol>
+                  <a:firstCol>
+                    <a:tcTxStyle b="on">
+                      <a:fontRef idx="minor">
+                        <a:prstClr val="black"/>
+                      </a:fontRef>
+                      <a:schemeClr val="lt1"/>
+                    </a:tcTxStyle>
+                    <a:tcStyle>
+                      <a:tcBdr/>
+                      <a:fill>
+                        <a:solidFill>
+                          <a:schemeClr val="accent1"/>
+                        </a:solidFill>
+                      </a:fill>
+                    </a:tcStyle>
+                  </a:firstCol>
+                  <a:lastRow>
+                    <a:tcTxStyle b="on">
+                      <a:fontRef idx="minor">
+                        <a:prstClr val="black"/>
+                      </a:fontRef>
+                      <a:schemeClr val="lt1"/>
+                    </a:tcTxStyle>
+                    <a:tcStyle>
+                      <a:tcBdr>
+                        <a:top>
+                          <a:ln w="38100" cmpd="sng">
+                            <a:solidFill>
+                              <a:schemeClr val="lt1"/>
+                            </a:solidFill>
+                          </a:ln>
+                        </a:top>
+                      </a:tcBdr>
+                      <a:fill>
+                        <a:solidFill>
+                          <a:schemeClr val="accent1"/>
+                        </a:solidFill>
+                      </a:fill>
+                    </a:tcStyle>
+                  </a:lastRow>
+                  <a:firstRow>
+                    <a:tcTxStyle b="on">
+                      <a:fontRef idx="minor">
+                        <a:prstClr val="black"/>
+                      </a:fontRef>
+                      <a:schemeClr val="lt1"/>
+                    </a:tcTxStyle>
+                    <a:tcStyle>
+                      <a:tcBdr>
+                        <a:bottom>
+                          <a:ln w="38100" cmpd="sng">
+                            <a:solidFill>
+                              <a:schemeClr val="lt1"/>
+                            </a:solidFill>
+                          </a:ln>
+                        </a:bottom>
+                      </a:tcBdr>
+                      <a:fill>
+                        <a:solidFill>
+                          <a:schemeClr val="accent1"/>
+                        </a:solidFill>
+                      </a:fill>
+                    </a:tcStyle>
+                  </a:firstRow>
+                </a:tableStyle>
+              </a:tblPr>
+              <a:tblGrid>
+                <a:gridCol w="1354666"/>
+                <a:gridCol w="1354666"/>
+                <a:gridCol w="1354666"/>
+                <a:gridCol w="1354666"/>
+                <a:gridCol w="1354455"/>
+                <a:gridCol w="1354455"/>
+                <a:gridCol w="1354455"/>
+              </a:tblGrid>
+              <a:tr h="194945">
+                <a:tc>
+                  <a:txBody>
+                    <a:bodyPr vert="horz" wrap="square" lIns="91440" tIns="45720" rIns="91440" bIns="45720" anchor="t" anchorCtr="0">
+                      <a:spAutoFit/>
+                    </a:bodyPr>
+                    <a:p>
+                      <a:pPr>
+                        <a:defRPr/>
+                      </a:pPr>
+                      <a:endParaRPr lang="ko-KR" altLang="en-US"/>
+                    </a:p>
+                  </a:txBody>
+                  <a:tcPr marL="91440" marR="91440"/>
+                </a:tc>
+                <a:tc>
+                  <a:txBody>
+                    <a:bodyPr vert="horz" wrap="square" lIns="91440" tIns="45720" rIns="91440" bIns="45720" anchor="t" anchorCtr="0">
+                      <a:spAutoFit/>
+                    </a:bodyPr>
+                    <a:p>
+                      <a:pPr>
+                        <a:defRPr/>
+                      </a:pPr>
+                      <a:endParaRPr lang="en-US" altLang="ko-KR"/>
+                    </a:p>
+                  </a:txBody>
+                  <a:tcPr marL="91440" marR="91440"/>
+                </a:tc>
+                <a:tc>
+                  <a:txBody>
+                    <a:bodyPr vert="horz" wrap="square" lIns="91440" tIns="45720" rIns="91440" bIns="45720" anchor="t" anchorCtr="0">
+                      <a:spAutoFit/>
+                    </a:bodyPr>
+                    <a:p>
+                      <a:pPr>
+                        <a:defRPr/>
+                      </a:pPr>
+                      <a:endParaRPr lang="ko-KR" altLang="en-US"/>
+                    </a:p>
+                  </a:txBody>
+                  <a:tcPr marL="91440" marR="91440"/>
+                </a:tc>
+                <a:tc>
+                  <a:txBody>
+                    <a:bodyPr vert="horz" wrap="square" lIns="91440" tIns="45720" rIns="91440" bIns="45720" anchor="t" anchorCtr="0">
+                      <a:spAutoFit/>
+                    </a:bodyPr>
+                    <a:p>
+                      <a:pPr>
+                        <a:defRPr/>
+                      </a:pPr>
+                      <a:endParaRPr lang="ko-KR" altLang="en-US"/>
+                    </a:p>
+                  </a:txBody>
+                  <a:tcPr marL="91440" marR="91440"/>
+                </a:tc>
+                <a:tc>
+                  <a:txBody>
+                    <a:bodyPr vert="horz" wrap="square" lIns="91440" tIns="45720" rIns="91440" bIns="45720" anchor="t" anchorCtr="0">
+                      <a:spAutoFit/>
+                    </a:bodyPr>
+                    <a:p>
+                      <a:pPr>
+                        <a:defRPr/>
+                      </a:pPr>
+                      <a:endParaRPr lang="ko-KR" altLang="en-US"/>
+                    </a:p>
+                  </a:txBody>
+                  <a:tcPr marL="91440" marR="91440"/>
+                </a:tc>
+                <a:tc>
+                  <a:txBody>
+                    <a:bodyPr vert="horz" wrap="square" lIns="91440" tIns="45720" rIns="91440" bIns="45720" anchor="t" anchorCtr="0">
+                      <a:spAutoFit/>
+                    </a:bodyPr>
+                    <a:p>
+                      <a:pPr>
+                        <a:defRPr/>
+                      </a:pPr>
+                      <a:endParaRPr lang="ko-KR" altLang="en-US"/>
+                    </a:p>
+                  </a:txBody>
+                  <a:tcPr marL="91440" marR="91440"/>
+                </a:tc>
+                <a:tc>
+                  <a:txBody>
+                    <a:bodyPr vert="horz" wrap="square" lIns="91440" tIns="45720" rIns="91440" bIns="45720" anchor="t" anchorCtr="0">
+                      <a:spAutoFit/>
+                    </a:bodyPr>
+                    <a:p>
+                      <a:pPr>
+                        <a:defRPr/>
+                      </a:pPr>
+                      <a:endParaRPr lang="ko-KR" altLang="en-US"/>
+                    </a:p>
+                  </a:txBody>
+                  <a:tcPr marL="91440" marR="91440"/>
+                </a:tc>
+              </a:tr>
+              <a:tr h="116840">
+                <a:tc>
+                  <a:txBody>
+                    <a:bodyPr vert="horz" wrap="square" lIns="91440" tIns="45720" rIns="91440" bIns="45720" anchor="t" anchorCtr="0">
+                      <a:spAutoFit/>
+                    </a:bodyPr>
+                    <a:p>
+                      <a:pPr>
+                        <a:defRPr/>
+                      </a:pPr>
+                      <a:endParaRPr lang="en-US" altLang="ko-KR"/>
+                    </a:p>
+                  </a:txBody>
+                  <a:tcPr marL="91440" marR="91440"/>
+                </a:tc>
+                <a:tc>
+                  <a:txBody>
+                    <a:bodyPr vert="horz" wrap="square" lIns="91440" tIns="45720" rIns="91440" bIns="45720" anchor="t" anchorCtr="0">
+                      <a:spAutoFit/>
+                    </a:bodyPr>
+                    <a:p>
+                      <a:pPr>
+                        <a:defRPr/>
+                      </a:pPr>
+                      <a:endParaRPr lang="en-US" altLang="ko-KR"/>
+                    </a:p>
+                  </a:txBody>
+                  <a:tcPr marL="91440" marR="91440"/>
+                </a:tc>
+                <a:tc>
+                  <a:txBody>
+                    <a:bodyPr vert="horz" wrap="square" lIns="91440" tIns="45720" rIns="91440" bIns="45720" anchor="t" anchorCtr="0">
+                      <a:spAutoFit/>
+                    </a:bodyPr>
+                    <a:p>
+                      <a:pPr>
+                        <a:defRPr/>
+                      </a:pPr>
+                      <a:endParaRPr lang="en-US" altLang="ko-KR"/>
+                    </a:p>
+                  </a:txBody>
+                  <a:tcPr marL="91440" marR="91440"/>
+                </a:tc>
+                <a:tc>
+                  <a:txBody>
+                    <a:bodyPr vert="horz" wrap="square" lIns="91440" tIns="45720" rIns="91440" bIns="45720" anchor="t" anchorCtr="0">
+                      <a:spAutoFit/>
+                    </a:bodyPr>
+                    <a:p>
+                      <a:pPr>
+                        <a:defRPr/>
+                      </a:pPr>
+                      <a:endParaRPr lang="ko-KR" altLang="en-US"/>
+                    </a:p>
+                  </a:txBody>
+                  <a:tcPr marL="91440" marR="91440"/>
+                </a:tc>
+                <a:tc>
+                  <a:txBody>
+                    <a:bodyPr vert="horz" wrap="square" lIns="91440" tIns="45720" rIns="91440" bIns="45720" anchor="t" anchorCtr="0">
+                      <a:spAutoFit/>
+                    </a:bodyPr>
+                    <a:p>
+                      <a:pPr>
+                        <a:defRPr/>
+                      </a:pPr>
+                      <a:endParaRPr lang="en-US" altLang="ko-KR"/>
+                    </a:p>
+                  </a:txBody>
+                  <a:tcPr marL="91440" marR="91440"/>
+                </a:tc>
+                <a:tc>
+                  <a:txBody>
+                    <a:bodyPr vert="horz" wrap="square" lIns="91440" tIns="45720" rIns="91440" bIns="45720" anchor="t" anchorCtr="0">
+                      <a:spAutoFit/>
+                    </a:bodyPr>
+                    <a:p>
+                      <a:pPr>
+                        <a:defRPr/>
+                      </a:pPr>
+                      <a:endParaRPr lang="ko-KR" altLang="en-US"/>
+                    </a:p>
+                  </a:txBody>
+                  <a:tcPr marL="91440" marR="91440"/>
+                </a:tc>
+                <a:tc>
+                  <a:txBody>
+                    <a:bodyPr vert="horz" wrap="square" lIns="91440" tIns="45720" rIns="91440" bIns="45720" anchor="t" anchorCtr="0">
+                      <a:spAutoFit/>
+                    </a:bodyPr>
+                    <a:p>
+                      <a:pPr>
+                        <a:defRPr/>
+                      </a:pPr>
+                      <a:endParaRPr lang="ko-KR" altLang="en-US"/>
+                    </a:p>
+                  </a:txBody>
+                  <a:tcPr marL="91440" marR="91440"/>
+                </a:tc>
+              </a:tr>
+              <a:tr h="116840">
+                <a:tc>
+                  <a:txBody>
+                    <a:bodyPr vert="horz" wrap="square" lIns="91440" tIns="45720" rIns="91440" bIns="45720" anchor="t" anchorCtr="0">
+                      <a:spAutoFit/>
+                    </a:bodyPr>
+                    <a:p>
+                      <a:pPr>
+                        <a:defRPr/>
+                      </a:pPr>
+                      <a:endParaRPr lang="en-US" altLang="ko-KR"/>
+                    </a:p>
+                  </a:txBody>
+                  <a:tcPr marL="91440" marR="91440"/>
+                </a:tc>
+                <a:tc>
+                  <a:txBody>
+                    <a:bodyPr vert="horz" wrap="square" lIns="91440" tIns="45720" rIns="91440" bIns="45720" anchor="t" anchorCtr="0">
+                      <a:spAutoFit/>
+                    </a:bodyPr>
+                    <a:p>
+                      <a:pPr>
+                        <a:defRPr/>
+                      </a:pPr>
+                      <a:endParaRPr lang="en-US" altLang="ko-KR"/>
+                    </a:p>
+                  </a:txBody>
+                  <a:tcPr marL="91440" marR="91440"/>
+                </a:tc>
+                <a:tc>
+                  <a:txBody>
+                    <a:bodyPr vert="horz" wrap="square" lIns="91440" tIns="45720" rIns="91440" bIns="45720" anchor="t" anchorCtr="0">
+                      <a:spAutoFit/>
+                    </a:bodyPr>
+                    <a:p>
+                      <a:pPr>
+                        <a:defRPr/>
+                      </a:pPr>
+                      <a:endParaRPr lang="en-US" altLang="ko-KR"/>
+                    </a:p>
+                  </a:txBody>
+                  <a:tcPr marL="91440" marR="91440"/>
+                </a:tc>
+                <a:tc>
+                  <a:txBody>
+                    <a:bodyPr vert="horz" wrap="square" lIns="91440" tIns="45720" rIns="91440" bIns="45720" anchor="t" anchorCtr="0">
+                      <a:spAutoFit/>
+                    </a:bodyPr>
+                    <a:p>
+                      <a:pPr>
+                        <a:defRPr/>
+                      </a:pPr>
+                      <a:endParaRPr lang="en-US" altLang="ko-KR"/>
+                    </a:p>
+                  </a:txBody>
+                  <a:tcPr marL="91440" marR="91440"/>
+                </a:tc>
+                <a:tc>
+                  <a:txBody>
+                    <a:bodyPr vert="horz" wrap="square" lIns="91440" tIns="45720" rIns="91440" bIns="45720" anchor="t" anchorCtr="0">
+                      <a:spAutoFit/>
+                    </a:bodyPr>
+                    <a:p>
+                      <a:pPr>
+                        <a:defRPr/>
+                      </a:pPr>
+                      <a:endParaRPr lang="en-US" altLang="ko-KR"/>
+                    </a:p>
+                  </a:txBody>
+                  <a:tcPr marL="91440" marR="91440"/>
+                </a:tc>
+                <a:tc>
+                  <a:txBody>
+                    <a:bodyPr vert="horz" wrap="square" lIns="91440" tIns="45720" rIns="91440" bIns="45720" anchor="t" anchorCtr="0">
+                      <a:spAutoFit/>
+                    </a:bodyPr>
+                    <a:p>
+                      <a:pPr>
+                        <a:defRPr/>
+                      </a:pPr>
+                      <a:endParaRPr lang="en-US" altLang="ko-KR"/>
+                    </a:p>
+                  </a:txBody>
+                  <a:tcPr marL="91440" marR="91440"/>
+                </a:tc>
+                <a:tc>
+                  <a:txBody>
+                    <a:bodyPr vert="horz" wrap="square" lIns="91440" tIns="45720" rIns="91440" bIns="45720" anchor="t" anchorCtr="0">
+                      <a:spAutoFit/>
+                    </a:bodyPr>
+                    <a:p>
+                      <a:pPr>
+                        <a:defRPr/>
+                      </a:pPr>
+                      <a:endParaRPr lang="en-US" altLang="ko-KR"/>
+                    </a:p>
+                  </a:txBody>
+                  <a:tcPr marL="91440" marR="91440"/>
+                </a:tc>
+              </a:tr>
+            </a:tbl>
+          </a:graphicData>
+        </a:graphic>
+      </p:graphicFrame>
+    </p:spTree>
+  </p:cSld>
+  <p:clrMapOvr>
+    <a:masterClrMapping/>
+  </p:clrMapOvr>
+  <mc:AlternateContent xmlns:mc="http://schemas.openxmlformats.org/markup-compatibility/2006">
+    <mc:Choice xmlns:p14="http://schemas.microsoft.com/office/powerpoint/2010/main" Requires="p14">
+      <p:transition xmlns:mc="http://schemas.openxmlformats.org/markup-compatibility/2006" xmlns:p14="http://schemas.microsoft.com/office/powerpoint/2010/main" mc:Ignorable="p14" p14:dur="500"/>
+    </mc:Choice>
+    <mc:Fallback>
+      <p:transition/>
+    </mc:Fallback>
+  </mc:AlternateContent>
+</p:sld>
+</file>
+
+<file path=ppt/slides/slide36.xml><?xml version="1.0" encoding="utf-8"?>
+<p:sld xmlns:r="http://schemas.openxmlformats.org/officeDocument/2006/relationships" xmlns:c="http://schemas.openxmlformats.org/drawingml/2006/chart" xmlns:a="http://schemas.openxmlformats.org/drawingml/2006/main" xmlns:dgm="http://schemas.openxmlformats.org/drawingml/2006/diagram" xmlns:dsp="http://schemas.microsoft.com/office/drawing/2008/diagram" xmlns:p="http://schemas.openxmlformats.org/presentationml/2006/main">
+  <p:cSld>
+    <p:spTree>
+      <p:nvGrpSpPr>
+        <p:cNvPr id="1" name=""/>
+        <p:cNvGrpSpPr/>
+        <p:nvPr/>
+      </p:nvGrpSpPr>
+      <p:grpSpPr>
+        <a:xfrm>
+          <a:off x="0" y="0"/>
+          <a:ext cx="0" cy="0"/>
+          <a:chOff x="0" y="0"/>
+          <a:chExt cx="0" cy="0"/>
+        </a:xfrm>
+      </p:grpSpPr>
+      <p:sp>
+        <p:nvSpPr>
+          <p:cNvPr id="4" name="직사각형 9"/>
+          <p:cNvSpPr/>
+          <p:nvPr/>
+        </p:nvSpPr>
+        <p:spPr>
+          <a:xfrm>
+            <a:off x="-1" y="0"/>
+            <a:ext cx="12192001" cy="1338109"/>
+          </a:xfrm>
+          <a:prstGeom prst="rect">
+            <a:avLst/>
+          </a:prstGeom>
+          <a:solidFill>
+            <a:schemeClr val="accent1">
+              <a:lumMod val="75000"/>
+            </a:schemeClr>
+          </a:solidFill>
+          <a:ln>
+            <a:noFill/>
+          </a:ln>
+        </p:spPr>
+        <p:style>
+          <a:lnRef idx="2">
+            <a:schemeClr val="accent1">
+              <a:shade val="50000"/>
+            </a:schemeClr>
+          </a:lnRef>
+          <a:fillRef idx="1">
+            <a:schemeClr val="accent1"/>
+          </a:fillRef>
+          <a:effectRef idx="0">
+            <a:schemeClr val="accent1"/>
+          </a:effectRef>
+          <a:fontRef idx="minor">
+            <a:schemeClr val="lt1"/>
+          </a:fontRef>
+        </p:style>
+        <p:txBody>
+          <a:bodyPr anchor="ctr"/>
+          <a:lstStyle/>
+          <a:p>
+            <a:pPr>
+              <a:defRPr/>
+            </a:pPr>
+            <a:r>
+              <a:rPr kumimoji="1" lang="en-US" altLang="ko-KR" sz="4800"/>
+              <a:t>6.</a:t>
+            </a:r>
+            <a:r>
+              <a:rPr kumimoji="1" lang="ko-KR" altLang="en-US" sz="4800"/>
+              <a:t> 스토리보드</a:t>
+            </a:r>
+            <a:endParaRPr kumimoji="1" lang="ko-KR" altLang="en-US" sz="4800"/>
+          </a:p>
+        </p:txBody>
+      </p:sp>
+      <p:sp>
+        <p:nvSpPr>
+          <p:cNvPr id="11" name=""/>
+          <p:cNvSpPr/>
+          <p:nvPr/>
+        </p:nvSpPr>
+        <p:spPr>
+          <a:xfrm>
+            <a:off x="0" y="1342292"/>
+            <a:ext cx="9539247" cy="5515706"/>
+          </a:xfrm>
+          <a:prstGeom prst="rect">
+            <a:avLst/>
+          </a:prstGeom>
+          <a:solidFill>
+            <a:srgbClr val="f2f2f2"/>
+          </a:solidFill>
+          <a:ln>
+            <a:noFill/>
+          </a:ln>
+        </p:spPr>
+        <p:style>
+          <a:lnRef idx="2">
+            <a:schemeClr val="accent1">
+              <a:shade val="20000"/>
+            </a:schemeClr>
+          </a:lnRef>
+          <a:fillRef idx="1">
+            <a:schemeClr val="accent1"/>
+          </a:fillRef>
+          <a:effectRef idx="0">
+            <a:schemeClr val="accent1"/>
+          </a:effectRef>
+          <a:fontRef idx="minor">
+            <a:schemeClr val="lt1"/>
+          </a:fontRef>
+        </p:style>
+        <p:txBody>
+          <a:bodyPr anchor="ctr"/>
+          <a:lstStyle/>
+          <a:p>
+            <a:pPr>
+              <a:defRPr/>
+            </a:pPr>
+            <a:endParaRPr lang="en-US" altLang="ko-KR">
+              <a:solidFill>
+                <a:schemeClr val="dk1"/>
+              </a:solidFill>
+            </a:endParaRPr>
+          </a:p>
+          <a:p>
+            <a:pPr>
+              <a:defRPr/>
+            </a:pPr>
+            <a:r>
+              <a:rPr lang="en-US" altLang="ko-KR">
+                <a:solidFill>
+                  <a:schemeClr val="dk1"/>
+                </a:solidFill>
+              </a:rPr>
+              <a:t>C:\UESRS\ &gt;&gt; 5</a:t>
+            </a:r>
+            <a:endParaRPr lang="en-US" altLang="ko-KR">
+              <a:solidFill>
+                <a:schemeClr val="dk1"/>
+              </a:solidFill>
+            </a:endParaRPr>
+          </a:p>
+          <a:p>
+            <a:pPr>
+              <a:defRPr/>
+            </a:pPr>
+            <a:endParaRPr lang="en-US" altLang="ko-KR">
+              <a:solidFill>
+                <a:schemeClr val="dk1"/>
+              </a:solidFill>
+            </a:endParaRPr>
+          </a:p>
+          <a:p>
+            <a:pPr>
+              <a:defRPr/>
+            </a:pPr>
+            <a:r>
+              <a:rPr lang="en-US" altLang="ko-KR">
+                <a:solidFill>
+                  <a:schemeClr val="dk1"/>
+                </a:solidFill>
+              </a:rPr>
+              <a:t>.exe</a:t>
+            </a:r>
+            <a:r>
+              <a:rPr lang="ko-KR" altLang="en-US">
+                <a:solidFill>
+                  <a:schemeClr val="dk1"/>
+                </a:solidFill>
+              </a:rPr>
+              <a:t>를 선택했습니다</a:t>
+            </a:r>
+            <a:endParaRPr lang="ko-KR" altLang="en-US">
+              <a:solidFill>
+                <a:schemeClr val="dk1"/>
+              </a:solidFill>
+            </a:endParaRPr>
+          </a:p>
+          <a:p>
+            <a:pPr>
+              <a:defRPr/>
+            </a:pPr>
+            <a:endParaRPr lang="ko-KR" altLang="en-US">
+              <a:solidFill>
+                <a:schemeClr val="dk1"/>
+              </a:solidFill>
+            </a:endParaRPr>
+          </a:p>
+          <a:p>
+            <a:pPr>
+              <a:defRPr/>
+            </a:pPr>
+            <a:endParaRPr lang="en-US" altLang="ko-KR">
+              <a:solidFill>
+                <a:schemeClr val="dk1"/>
+              </a:solidFill>
+            </a:endParaRPr>
+          </a:p>
+          <a:p>
+            <a:pPr>
+              <a:defRPr/>
+            </a:pPr>
+            <a:endParaRPr lang="en-US" altLang="ko-KR">
+              <a:solidFill>
+                <a:schemeClr val="dk1"/>
+              </a:solidFill>
+            </a:endParaRPr>
+          </a:p>
+          <a:p>
+            <a:pPr>
+              <a:defRPr/>
+            </a:pPr>
+            <a:endParaRPr lang="en-US" altLang="ko-KR">
+              <a:solidFill>
+                <a:schemeClr val="dk1"/>
+              </a:solidFill>
+            </a:endParaRPr>
+          </a:p>
+          <a:p>
+            <a:pPr>
+              <a:defRPr/>
+            </a:pPr>
+            <a:endParaRPr lang="en-US" altLang="ko-KR">
+              <a:solidFill>
+                <a:schemeClr val="dk1"/>
+              </a:solidFill>
+            </a:endParaRPr>
+          </a:p>
+          <a:p>
+            <a:pPr>
+              <a:defRPr/>
+            </a:pPr>
+            <a:endParaRPr lang="en-US" altLang="ko-KR">
+              <a:solidFill>
+                <a:schemeClr val="dk1"/>
+              </a:solidFill>
+            </a:endParaRPr>
+          </a:p>
+          <a:p>
+            <a:pPr>
+              <a:defRPr/>
+            </a:pPr>
+            <a:r>
+              <a:rPr lang="ko-KR" altLang="en-US">
+                <a:solidFill>
+                  <a:schemeClr val="dk1"/>
+                </a:solidFill>
+              </a:rPr>
+              <a:t>결과를 내보내시겠습니까</a:t>
+            </a:r>
+            <a:r>
+              <a:rPr lang="en-US" altLang="ko-KR">
+                <a:solidFill>
+                  <a:schemeClr val="dk1"/>
+                </a:solidFill>
+              </a:rPr>
+              <a:t>?</a:t>
+            </a:r>
+            <a:r>
+              <a:rPr lang="ko-KR" altLang="en-US">
+                <a:solidFill>
+                  <a:schemeClr val="dk1"/>
+                </a:solidFill>
+              </a:rPr>
+              <a:t> </a:t>
+            </a:r>
+            <a:r>
+              <a:rPr lang="en-US" altLang="ko-KR">
+                <a:solidFill>
+                  <a:schemeClr val="dk1"/>
+                </a:solidFill>
+              </a:rPr>
+              <a:t>(Y/N)</a:t>
+            </a:r>
+            <a:endParaRPr lang="en-US" altLang="ko-KR">
+              <a:solidFill>
+                <a:schemeClr val="dk1"/>
+              </a:solidFill>
+            </a:endParaRPr>
+          </a:p>
+          <a:p>
+            <a:pPr>
+              <a:defRPr/>
+            </a:pPr>
+            <a:endParaRPr lang="en-US" altLang="ko-KR">
+              <a:solidFill>
+                <a:schemeClr val="dk1"/>
+              </a:solidFill>
+            </a:endParaRPr>
+          </a:p>
+          <a:p>
+            <a:pPr>
+              <a:defRPr/>
+            </a:pPr>
+            <a:r>
+              <a:rPr lang="en-US" altLang="ko-KR">
+                <a:solidFill>
+                  <a:schemeClr val="dk1"/>
+                </a:solidFill>
+              </a:rPr>
+              <a:t>C:\USERS\</a:t>
+            </a:r>
+            <a:r>
+              <a:rPr lang="ko-KR" altLang="en-US">
+                <a:solidFill>
+                  <a:schemeClr val="dk1"/>
+                </a:solidFill>
+              </a:rPr>
+              <a:t> </a:t>
+            </a:r>
+            <a:r>
+              <a:rPr lang="en-US" altLang="ko-KR">
+                <a:solidFill>
+                  <a:schemeClr val="dk1"/>
+                </a:solidFill>
+              </a:rPr>
+              <a:t>&gt;&gt;</a:t>
+            </a:r>
+            <a:r>
+              <a:rPr lang="ko-KR" altLang="en-US">
+                <a:solidFill>
+                  <a:schemeClr val="dk1"/>
+                </a:solidFill>
+              </a:rPr>
+              <a:t> </a:t>
+            </a:r>
+            <a:r>
+              <a:rPr lang="en-US" altLang="ko-KR">
+                <a:solidFill>
+                  <a:schemeClr val="dk1"/>
+                </a:solidFill>
+              </a:rPr>
+              <a:t>Y</a:t>
+            </a:r>
+            <a:endParaRPr lang="en-US" altLang="ko-KR">
+              <a:solidFill>
+                <a:schemeClr val="dk1"/>
+              </a:solidFill>
+            </a:endParaRPr>
+          </a:p>
+          <a:p>
+            <a:pPr>
+              <a:defRPr/>
+            </a:pPr>
+            <a:endParaRPr lang="en-US" altLang="ko-KR">
+              <a:solidFill>
+                <a:schemeClr val="dk1"/>
+              </a:solidFill>
+            </a:endParaRPr>
+          </a:p>
+          <a:p>
+            <a:pPr>
+              <a:defRPr/>
+            </a:pPr>
+            <a:r>
+              <a:rPr lang="ko-KR" altLang="en-US">
+                <a:solidFill>
+                  <a:schemeClr val="dk1"/>
+                </a:solidFill>
+              </a:rPr>
+              <a:t>파일명을 입력하세요</a:t>
+            </a:r>
+            <a:endParaRPr lang="ko-KR" altLang="en-US">
+              <a:solidFill>
+                <a:schemeClr val="dk1"/>
+              </a:solidFill>
+            </a:endParaRPr>
+          </a:p>
+          <a:p>
+            <a:pPr>
+              <a:defRPr/>
+            </a:pPr>
+            <a:r>
+              <a:rPr lang="en-US" altLang="ko-KR">
+                <a:solidFill>
+                  <a:schemeClr val="dk1"/>
+                </a:solidFill>
+              </a:rPr>
+              <a:t>C:\USERS\ &gt;&gt;</a:t>
+            </a:r>
+            <a:r>
+              <a:rPr lang="ko-KR" altLang="en-US">
+                <a:solidFill>
+                  <a:schemeClr val="dk1"/>
+                </a:solidFill>
+              </a:rPr>
+              <a:t> </a:t>
+            </a:r>
+            <a:r>
+              <a:rPr lang="en-US" altLang="ko-KR">
+                <a:solidFill>
+                  <a:schemeClr val="dk1"/>
+                </a:solidFill>
+              </a:rPr>
+              <a:t>TEST5</a:t>
+            </a:r>
+            <a:endParaRPr lang="en-US" altLang="ko-KR">
+              <a:solidFill>
+                <a:schemeClr val="dk1"/>
+              </a:solidFill>
+            </a:endParaRPr>
+          </a:p>
+          <a:p>
+            <a:pPr>
+              <a:defRPr/>
+            </a:pPr>
+            <a:endParaRPr lang="en-US" altLang="ko-KR">
+              <a:solidFill>
+                <a:schemeClr val="dk1"/>
+              </a:solidFill>
+            </a:endParaRPr>
+          </a:p>
+          <a:p>
+            <a:pPr>
+              <a:defRPr/>
+            </a:pPr>
+            <a:r>
+              <a:rPr lang="en-US" altLang="ko-KR">
+                <a:solidFill>
+                  <a:schemeClr val="dk1"/>
+                </a:solidFill>
+              </a:rPr>
+              <a:t>TEST5.xlsx</a:t>
+            </a:r>
+            <a:r>
+              <a:rPr lang="ko-KR" altLang="en-US">
+                <a:solidFill>
+                  <a:schemeClr val="dk1"/>
+                </a:solidFill>
+              </a:rPr>
+              <a:t>로 저장합니다</a:t>
+            </a:r>
+            <a:endParaRPr lang="ko-KR" altLang="en-US">
+              <a:solidFill>
+                <a:schemeClr val="dk1"/>
+              </a:solidFill>
+            </a:endParaRPr>
+          </a:p>
+        </p:txBody>
+      </p:sp>
+      <p:graphicFrame>
+        <p:nvGraphicFramePr>
+          <p:cNvPr id="22" name=""/>
+          <p:cNvGraphicFramePr>
+            <a:graphicFrameLocks noGrp="1"/>
+          </p:cNvGraphicFramePr>
+          <p:nvPr/>
+        </p:nvGraphicFramePr>
+        <p:xfrm>
+          <a:off x="19050" y="2844165"/>
+          <a:ext cx="9482032" cy="1102995"/>
+        </p:xfrm>
+        <a:graphic>
+          <a:graphicData uri="http://schemas.openxmlformats.org/drawingml/2006/table">
+            <a:tbl>
+              <a:tblPr firstRow="1" bandRow="1">
+                <a:tableStyle styleId="{01A66EDD-3DAB-4C5B-A090-DC80EC1FD486}" styleName="Normal Style 1 - Accent 1">
+                  <a:wholeTbl>
+                    <a:tcTxStyle>
+                      <a:fontRef idx="minor">
+                        <a:prstClr val="black"/>
+                      </a:fontRef>
+                      <a:schemeClr val="dk1"/>
+                    </a:tcTxStyle>
+                    <a:tcStyle>
+                      <a:tcBdr>
+                        <a:left>
+                          <a:ln w="12700" cmpd="sng">
+                            <a:solidFill>
+                              <a:schemeClr val="lt1"/>
+                            </a:solidFill>
+                          </a:ln>
+                        </a:left>
+                        <a:right>
+                          <a:ln w="12700" cmpd="sng">
+                            <a:solidFill>
+                              <a:schemeClr val="lt1"/>
+                            </a:solidFill>
+                          </a:ln>
+                        </a:right>
+                        <a:top>
+                          <a:ln w="12700" cmpd="sng">
+                            <a:solidFill>
+                              <a:schemeClr val="lt1"/>
+                            </a:solidFill>
+                          </a:ln>
+                        </a:top>
+                        <a:bottom>
+                          <a:ln w="12700" cmpd="sng">
+                            <a:solidFill>
+                              <a:schemeClr val="lt1"/>
+                            </a:solidFill>
+                          </a:ln>
+                        </a:bottom>
+                        <a:insideH>
+                          <a:ln w="12700" cmpd="sng">
+                            <a:solidFill>
+                              <a:schemeClr val="lt1"/>
+                            </a:solidFill>
+                          </a:ln>
+                        </a:insideH>
+                        <a:insideV>
+                          <a:ln w="12700" cmpd="sng">
+                            <a:solidFill>
+                              <a:schemeClr val="lt1"/>
+                            </a:solidFill>
+                          </a:ln>
+                        </a:insideV>
+                      </a:tcBdr>
+                      <a:fill>
+                        <a:solidFill>
+                          <a:schemeClr val="accent1">
+                            <a:lum val="90000"/>
+                          </a:schemeClr>
+                        </a:solidFill>
+                      </a:fill>
+                    </a:tcStyle>
+                  </a:wholeTbl>
+                  <a:band1H>
+                    <a:tcTxStyle/>
+                    <a:tcStyle>
+                      <a:tcBdr/>
+                      <a:fill>
+                        <a:solidFill>
+                          <a:schemeClr val="accent1">
+                            <a:lum val="80000"/>
+                          </a:schemeClr>
+                        </a:solidFill>
+                      </a:fill>
+                    </a:tcStyle>
+                  </a:band1H>
+                  <a:band2H>
+                    <a:tcTxStyle/>
+                    <a:tcStyle>
+                      <a:tcBdr/>
+                    </a:tcStyle>
+                  </a:band2H>
+                  <a:band1V>
+                    <a:tcTxStyle/>
+                    <a:tcStyle>
+                      <a:tcBdr/>
+                      <a:fill>
+                        <a:solidFill>
+                          <a:schemeClr val="accent1">
+                            <a:lum val="80000"/>
+                          </a:schemeClr>
+                        </a:solidFill>
+                      </a:fill>
+                    </a:tcStyle>
+                  </a:band1V>
+                  <a:band2V>
+                    <a:tcTxStyle/>
+                    <a:tcStyle>
+                      <a:tcBdr/>
+                    </a:tcStyle>
+                  </a:band2V>
+                  <a:lastCol>
+                    <a:tcTxStyle b="on">
+                      <a:fontRef idx="minor">
+                        <a:prstClr val="black"/>
+                      </a:fontRef>
+                      <a:schemeClr val="lt1"/>
+                    </a:tcTxStyle>
+                    <a:tcStyle>
+                      <a:tcBdr/>
+                      <a:fill>
+                        <a:solidFill>
+                          <a:schemeClr val="accent1"/>
+                        </a:solidFill>
+                      </a:fill>
+                    </a:tcStyle>
+                  </a:lastCol>
+                  <a:firstCol>
+                    <a:tcTxStyle b="on">
+                      <a:fontRef idx="minor">
+                        <a:prstClr val="black"/>
+                      </a:fontRef>
+                      <a:schemeClr val="lt1"/>
+                    </a:tcTxStyle>
+                    <a:tcStyle>
+                      <a:tcBdr/>
+                      <a:fill>
+                        <a:solidFill>
+                          <a:schemeClr val="accent1"/>
+                        </a:solidFill>
+                      </a:fill>
+                    </a:tcStyle>
+                  </a:firstCol>
+                  <a:lastRow>
+                    <a:tcTxStyle b="on">
+                      <a:fontRef idx="minor">
+                        <a:prstClr val="black"/>
+                      </a:fontRef>
+                      <a:schemeClr val="lt1"/>
+                    </a:tcTxStyle>
+                    <a:tcStyle>
+                      <a:tcBdr>
+                        <a:top>
+                          <a:ln w="38100" cmpd="sng">
+                            <a:solidFill>
+                              <a:schemeClr val="lt1"/>
+                            </a:solidFill>
+                          </a:ln>
+                        </a:top>
+                      </a:tcBdr>
+                      <a:fill>
+                        <a:solidFill>
+                          <a:schemeClr val="accent1"/>
+                        </a:solidFill>
+                      </a:fill>
+                    </a:tcStyle>
+                  </a:lastRow>
+                  <a:firstRow>
+                    <a:tcTxStyle b="on">
+                      <a:fontRef idx="minor">
+                        <a:prstClr val="black"/>
+                      </a:fontRef>
+                      <a:schemeClr val="lt1"/>
+                    </a:tcTxStyle>
+                    <a:tcStyle>
+                      <a:tcBdr>
+                        <a:bottom>
+                          <a:ln w="38100" cmpd="sng">
+                            <a:solidFill>
+                              <a:schemeClr val="lt1"/>
+                            </a:solidFill>
+                          </a:ln>
+                        </a:bottom>
+                      </a:tcBdr>
+                      <a:fill>
+                        <a:solidFill>
+                          <a:schemeClr val="accent1"/>
+                        </a:solidFill>
+                      </a:fill>
+                    </a:tcStyle>
+                  </a:firstRow>
+                </a:tableStyle>
+              </a:tblPr>
+              <a:tblGrid>
+                <a:gridCol w="1354666"/>
+                <a:gridCol w="1354666"/>
+                <a:gridCol w="1354666"/>
+                <a:gridCol w="1354666"/>
+                <a:gridCol w="1354455"/>
+                <a:gridCol w="1354455"/>
+                <a:gridCol w="1354455"/>
+              </a:tblGrid>
+              <a:tr h="194945">
+                <a:tc>
+                  <a:txBody>
+                    <a:bodyPr vert="horz" wrap="square" lIns="91440" tIns="45720" rIns="91440" bIns="45720" anchor="t" anchorCtr="0">
+                      <a:spAutoFit/>
+                    </a:bodyPr>
+                    <a:p>
+                      <a:pPr>
+                        <a:defRPr/>
+                      </a:pPr>
+                      <a:endParaRPr lang="ko-KR" altLang="en-US"/>
+                    </a:p>
+                  </a:txBody>
+                  <a:tcPr marL="91440" marR="91440"/>
+                </a:tc>
+                <a:tc>
+                  <a:txBody>
+                    <a:bodyPr vert="horz" wrap="square" lIns="91440" tIns="45720" rIns="91440" bIns="45720" anchor="t" anchorCtr="0">
+                      <a:spAutoFit/>
+                    </a:bodyPr>
+                    <a:p>
+                      <a:pPr>
+                        <a:defRPr/>
+                      </a:pPr>
+                      <a:endParaRPr lang="en-US" altLang="ko-KR"/>
+                    </a:p>
+                  </a:txBody>
+                  <a:tcPr marL="91440" marR="91440"/>
+                </a:tc>
+                <a:tc>
+                  <a:txBody>
+                    <a:bodyPr vert="horz" wrap="square" lIns="91440" tIns="45720" rIns="91440" bIns="45720" anchor="t" anchorCtr="0">
+                      <a:spAutoFit/>
+                    </a:bodyPr>
+                    <a:p>
+                      <a:pPr>
+                        <a:defRPr/>
+                      </a:pPr>
+                      <a:endParaRPr lang="ko-KR" altLang="en-US"/>
+                    </a:p>
+                  </a:txBody>
+                  <a:tcPr marL="91440" marR="91440"/>
+                </a:tc>
+                <a:tc>
+                  <a:txBody>
+                    <a:bodyPr vert="horz" wrap="square" lIns="91440" tIns="45720" rIns="91440" bIns="45720" anchor="t" anchorCtr="0">
+                      <a:spAutoFit/>
+                    </a:bodyPr>
+                    <a:p>
+                      <a:pPr>
+                        <a:defRPr/>
+                      </a:pPr>
+                      <a:endParaRPr lang="ko-KR" altLang="en-US"/>
+                    </a:p>
+                  </a:txBody>
+                  <a:tcPr marL="91440" marR="91440"/>
+                </a:tc>
+                <a:tc>
+                  <a:txBody>
+                    <a:bodyPr vert="horz" wrap="square" lIns="91440" tIns="45720" rIns="91440" bIns="45720" anchor="t" anchorCtr="0">
+                      <a:spAutoFit/>
+                    </a:bodyPr>
+                    <a:p>
+                      <a:pPr>
+                        <a:defRPr/>
+                      </a:pPr>
+                      <a:endParaRPr lang="ko-KR" altLang="en-US"/>
+                    </a:p>
+                  </a:txBody>
+                  <a:tcPr marL="91440" marR="91440"/>
+                </a:tc>
+                <a:tc>
+                  <a:txBody>
+                    <a:bodyPr vert="horz" wrap="square" lIns="91440" tIns="45720" rIns="91440" bIns="45720" anchor="t" anchorCtr="0">
+                      <a:spAutoFit/>
+                    </a:bodyPr>
+                    <a:p>
+                      <a:pPr>
+                        <a:defRPr/>
+                      </a:pPr>
+                      <a:endParaRPr lang="ko-KR" altLang="en-US"/>
+                    </a:p>
+                  </a:txBody>
+                  <a:tcPr marL="91440" marR="91440"/>
+                </a:tc>
+                <a:tc>
+                  <a:txBody>
+                    <a:bodyPr vert="horz" wrap="square" lIns="91440" tIns="45720" rIns="91440" bIns="45720" anchor="t" anchorCtr="0">
+                      <a:spAutoFit/>
+                    </a:bodyPr>
+                    <a:p>
+                      <a:pPr>
+                        <a:defRPr/>
+                      </a:pPr>
+                      <a:endParaRPr lang="ko-KR" altLang="en-US"/>
+                    </a:p>
+                  </a:txBody>
+                  <a:tcPr marL="91440" marR="91440"/>
+                </a:tc>
+              </a:tr>
+              <a:tr h="116840">
+                <a:tc>
+                  <a:txBody>
+                    <a:bodyPr vert="horz" wrap="square" lIns="91440" tIns="45720" rIns="91440" bIns="45720" anchor="t" anchorCtr="0">
+                      <a:spAutoFit/>
+                    </a:bodyPr>
+                    <a:p>
+                      <a:pPr>
+                        <a:defRPr/>
+                      </a:pPr>
+                      <a:endParaRPr lang="en-US" altLang="ko-KR"/>
+                    </a:p>
+                  </a:txBody>
+                  <a:tcPr marL="91440" marR="91440"/>
+                </a:tc>
+                <a:tc>
+                  <a:txBody>
+                    <a:bodyPr vert="horz" wrap="square" lIns="91440" tIns="45720" rIns="91440" bIns="45720" anchor="t" anchorCtr="0">
+                      <a:spAutoFit/>
+                    </a:bodyPr>
+                    <a:p>
+                      <a:pPr>
+                        <a:defRPr/>
+                      </a:pPr>
+                      <a:endParaRPr lang="en-US" altLang="ko-KR"/>
+                    </a:p>
+                  </a:txBody>
+                  <a:tcPr marL="91440" marR="91440"/>
+                </a:tc>
+                <a:tc>
+                  <a:txBody>
+                    <a:bodyPr vert="horz" wrap="square" lIns="91440" tIns="45720" rIns="91440" bIns="45720" anchor="t" anchorCtr="0">
+                      <a:spAutoFit/>
+                    </a:bodyPr>
+                    <a:p>
+                      <a:pPr>
+                        <a:defRPr/>
+                      </a:pPr>
+                      <a:endParaRPr lang="en-US" altLang="ko-KR"/>
+                    </a:p>
+                  </a:txBody>
+                  <a:tcPr marL="91440" marR="91440"/>
+                </a:tc>
+                <a:tc>
+                  <a:txBody>
+                    <a:bodyPr vert="horz" wrap="square" lIns="91440" tIns="45720" rIns="91440" bIns="45720" anchor="t" anchorCtr="0">
+                      <a:spAutoFit/>
+                    </a:bodyPr>
+                    <a:p>
+                      <a:pPr>
+                        <a:defRPr/>
+                      </a:pPr>
+                      <a:endParaRPr lang="ko-KR" altLang="en-US"/>
+                    </a:p>
+                  </a:txBody>
+                  <a:tcPr marL="91440" marR="91440"/>
+                </a:tc>
+                <a:tc>
+                  <a:txBody>
+                    <a:bodyPr vert="horz" wrap="square" lIns="91440" tIns="45720" rIns="91440" bIns="45720" anchor="t" anchorCtr="0">
+                      <a:spAutoFit/>
+                    </a:bodyPr>
+                    <a:p>
+                      <a:pPr>
+                        <a:defRPr/>
+                      </a:pPr>
+                      <a:endParaRPr lang="en-US" altLang="ko-KR"/>
+                    </a:p>
+                  </a:txBody>
+                  <a:tcPr marL="91440" marR="91440"/>
+                </a:tc>
+                <a:tc>
+                  <a:txBody>
+                    <a:bodyPr vert="horz" wrap="square" lIns="91440" tIns="45720" rIns="91440" bIns="45720" anchor="t" anchorCtr="0">
+                      <a:spAutoFit/>
+                    </a:bodyPr>
+                    <a:p>
+                      <a:pPr>
+                        <a:defRPr/>
+                      </a:pPr>
+                      <a:endParaRPr lang="ko-KR" altLang="en-US"/>
+                    </a:p>
+                  </a:txBody>
+                  <a:tcPr marL="91440" marR="91440"/>
+                </a:tc>
+                <a:tc>
+                  <a:txBody>
+                    <a:bodyPr vert="horz" wrap="square" lIns="91440" tIns="45720" rIns="91440" bIns="45720" anchor="t" anchorCtr="0">
+                      <a:spAutoFit/>
+                    </a:bodyPr>
+                    <a:p>
+                      <a:pPr>
+                        <a:defRPr/>
+                      </a:pPr>
+                      <a:endParaRPr lang="ko-KR" altLang="en-US"/>
+                    </a:p>
+                  </a:txBody>
+                  <a:tcPr marL="91440" marR="91440"/>
+                </a:tc>
+              </a:tr>
+              <a:tr h="116840">
+                <a:tc>
+                  <a:txBody>
+                    <a:bodyPr vert="horz" wrap="square" lIns="91440" tIns="45720" rIns="91440" bIns="45720" anchor="t" anchorCtr="0">
+                      <a:spAutoFit/>
+                    </a:bodyPr>
+                    <a:p>
+                      <a:pPr>
+                        <a:defRPr/>
+                      </a:pPr>
+                      <a:endParaRPr lang="en-US" altLang="ko-KR"/>
+                    </a:p>
+                  </a:txBody>
+                  <a:tcPr marL="91440" marR="91440"/>
+                </a:tc>
+                <a:tc>
+                  <a:txBody>
+                    <a:bodyPr vert="horz" wrap="square" lIns="91440" tIns="45720" rIns="91440" bIns="45720" anchor="t" anchorCtr="0">
+                      <a:spAutoFit/>
+                    </a:bodyPr>
+                    <a:p>
+                      <a:pPr>
+                        <a:defRPr/>
+                      </a:pPr>
+                      <a:endParaRPr lang="en-US" altLang="ko-KR"/>
+                    </a:p>
+                  </a:txBody>
+                  <a:tcPr marL="91440" marR="91440"/>
+                </a:tc>
+                <a:tc>
+                  <a:txBody>
+                    <a:bodyPr vert="horz" wrap="square" lIns="91440" tIns="45720" rIns="91440" bIns="45720" anchor="t" anchorCtr="0">
+                      <a:spAutoFit/>
+                    </a:bodyPr>
+                    <a:p>
+                      <a:pPr>
+                        <a:defRPr/>
+                      </a:pPr>
+                      <a:endParaRPr lang="en-US" altLang="ko-KR"/>
+                    </a:p>
+                  </a:txBody>
+                  <a:tcPr marL="91440" marR="91440"/>
+                </a:tc>
+                <a:tc>
+                  <a:txBody>
+                    <a:bodyPr vert="horz" wrap="square" lIns="91440" tIns="45720" rIns="91440" bIns="45720" anchor="t" anchorCtr="0">
+                      <a:spAutoFit/>
+                    </a:bodyPr>
+                    <a:p>
+                      <a:pPr>
+                        <a:defRPr/>
+                      </a:pPr>
+                      <a:endParaRPr lang="en-US" altLang="ko-KR"/>
+                    </a:p>
+                  </a:txBody>
+                  <a:tcPr marL="91440" marR="91440"/>
+                </a:tc>
+                <a:tc>
+                  <a:txBody>
+                    <a:bodyPr vert="horz" wrap="square" lIns="91440" tIns="45720" rIns="91440" bIns="45720" anchor="t" anchorCtr="0">
+                      <a:spAutoFit/>
+                    </a:bodyPr>
+                    <a:p>
+                      <a:pPr>
+                        <a:defRPr/>
+                      </a:pPr>
+                      <a:endParaRPr lang="en-US" altLang="ko-KR"/>
+                    </a:p>
+                  </a:txBody>
+                  <a:tcPr marL="91440" marR="91440"/>
+                </a:tc>
+                <a:tc>
+                  <a:txBody>
+                    <a:bodyPr vert="horz" wrap="square" lIns="91440" tIns="45720" rIns="91440" bIns="45720" anchor="t" anchorCtr="0">
+                      <a:spAutoFit/>
+                    </a:bodyPr>
+                    <a:p>
+                      <a:pPr>
+                        <a:defRPr/>
+                      </a:pPr>
+                      <a:endParaRPr lang="en-US" altLang="ko-KR"/>
+                    </a:p>
+                  </a:txBody>
+                  <a:tcPr marL="91440" marR="91440"/>
+                </a:tc>
+                <a:tc>
+                  <a:txBody>
+                    <a:bodyPr vert="horz" wrap="square" lIns="91440" tIns="45720" rIns="91440" bIns="45720" anchor="t" anchorCtr="0">
+                      <a:spAutoFit/>
+                    </a:bodyPr>
+                    <a:p>
+                      <a:pPr>
+                        <a:defRPr/>
+                      </a:pPr>
+                      <a:endParaRPr lang="en-US" altLang="ko-KR"/>
+                    </a:p>
+                  </a:txBody>
+                  <a:tcPr marL="91440" marR="91440"/>
+                </a:tc>
+              </a:tr>
+            </a:tbl>
+          </a:graphicData>
+        </a:graphic>
+      </p:graphicFrame>
+    </p:spTree>
+  </p:cSld>
+  <p:clrMapOvr>
+    <a:masterClrMapping/>
+  </p:clrMapOvr>
+  <mc:AlternateContent xmlns:mc="http://schemas.openxmlformats.org/markup-compatibility/2006">
+    <mc:Choice xmlns:p14="http://schemas.microsoft.com/office/powerpoint/2010/main" Requires="p14">
+      <p:transition xmlns:mc="http://schemas.openxmlformats.org/markup-compatibility/2006" xmlns:p14="http://schemas.microsoft.com/office/powerpoint/2010/main" mc:Ignorable="p14" p14:dur="500"/>
+    </mc:Choice>
+    <mc:Fallback>
+      <p:transition/>
+    </mc:Fallback>
+  </mc:AlternateContent>
+</p:sld>
+</file>
+
+<file path=ppt/slides/slide37.xml><?xml version="1.0" encoding="utf-8"?>
+<p:sld xmlns:r="http://schemas.openxmlformats.org/officeDocument/2006/relationships" xmlns:c="http://schemas.openxmlformats.org/drawingml/2006/chart" xmlns:a="http://schemas.openxmlformats.org/drawingml/2006/main" xmlns:dgm="http://schemas.openxmlformats.org/drawingml/2006/diagram" xmlns:dsp="http://schemas.microsoft.com/office/drawing/2008/diagram" xmlns:p="http://schemas.openxmlformats.org/presentationml/2006/main">
+  <p:cSld>
+    <p:spTree>
+      <p:nvGrpSpPr>
+        <p:cNvPr id="1" name=""/>
+        <p:cNvGrpSpPr/>
+        <p:nvPr/>
+      </p:nvGrpSpPr>
+      <p:grpSpPr>
+        <a:xfrm>
+          <a:off x="0" y="0"/>
+          <a:ext cx="0" cy="0"/>
+          <a:chOff x="0" y="0"/>
+          <a:chExt cx="0" cy="0"/>
+        </a:xfrm>
+      </p:grpSpPr>
+      <p:sp>
+        <p:nvSpPr>
+          <p:cNvPr id="4" name="직사각형 9"/>
+          <p:cNvSpPr/>
+          <p:nvPr/>
+        </p:nvSpPr>
+        <p:spPr>
+          <a:xfrm>
+            <a:off x="-1" y="0"/>
+            <a:ext cx="12192001" cy="1338109"/>
+          </a:xfrm>
+          <a:prstGeom prst="rect">
+            <a:avLst/>
+          </a:prstGeom>
+          <a:solidFill>
+            <a:schemeClr val="accent1">
+              <a:lumMod val="75000"/>
+            </a:schemeClr>
+          </a:solidFill>
+          <a:ln>
+            <a:noFill/>
+          </a:ln>
+        </p:spPr>
+        <p:style>
+          <a:lnRef idx="2">
+            <a:schemeClr val="accent1">
+              <a:shade val="50000"/>
+            </a:schemeClr>
+          </a:lnRef>
+          <a:fillRef idx="1">
+            <a:schemeClr val="accent1"/>
+          </a:fillRef>
+          <a:effectRef idx="0">
+            <a:schemeClr val="accent1"/>
+          </a:effectRef>
+          <a:fontRef idx="minor">
+            <a:schemeClr val="lt1"/>
+          </a:fontRef>
+        </p:style>
+        <p:txBody>
+          <a:bodyPr anchor="ctr"/>
+          <a:lstStyle/>
+          <a:p>
+            <a:pPr>
+              <a:defRPr/>
+            </a:pPr>
+            <a:r>
+              <a:rPr kumimoji="1" lang="en-US" altLang="ko-KR" sz="4800"/>
+              <a:t>6.</a:t>
+            </a:r>
+            <a:r>
+              <a:rPr kumimoji="1" lang="ko-KR" altLang="en-US" sz="4800"/>
+              <a:t> 스토리보드</a:t>
+            </a:r>
+            <a:endParaRPr kumimoji="1" lang="ko-KR" altLang="en-US" sz="4800"/>
+          </a:p>
+        </p:txBody>
+      </p:sp>
+      <p:sp>
+        <p:nvSpPr>
+          <p:cNvPr id="11" name=""/>
+          <p:cNvSpPr/>
+          <p:nvPr/>
+        </p:nvSpPr>
+        <p:spPr>
+          <a:xfrm>
+            <a:off x="0" y="1342292"/>
+            <a:ext cx="9539247" cy="5515706"/>
+          </a:xfrm>
+          <a:prstGeom prst="rect">
+            <a:avLst/>
+          </a:prstGeom>
+          <a:solidFill>
+            <a:srgbClr val="f2f2f2"/>
+          </a:solidFill>
+          <a:ln>
+            <a:noFill/>
+          </a:ln>
+        </p:spPr>
+        <p:style>
+          <a:lnRef idx="2">
+            <a:schemeClr val="accent1">
+              <a:shade val="20000"/>
+            </a:schemeClr>
+          </a:lnRef>
+          <a:fillRef idx="1">
+            <a:schemeClr val="accent1"/>
+          </a:fillRef>
+          <a:effectRef idx="0">
+            <a:schemeClr val="accent1"/>
+          </a:effectRef>
+          <a:fontRef idx="minor">
+            <a:schemeClr val="lt1"/>
+          </a:fontRef>
+        </p:style>
+        <p:txBody>
+          <a:bodyPr anchor="ctr"/>
+          <a:lstStyle/>
+          <a:p>
+            <a:pPr>
+              <a:defRPr/>
+            </a:pPr>
+            <a:endParaRPr lang="en-US" altLang="ko-KR">
+              <a:solidFill>
+                <a:schemeClr val="dk1"/>
+              </a:solidFill>
+            </a:endParaRPr>
+          </a:p>
+          <a:p>
+            <a:pPr>
+              <a:defRPr/>
+            </a:pPr>
+            <a:r>
+              <a:rPr lang="en-US" altLang="ko-KR">
+                <a:solidFill>
+                  <a:schemeClr val="dk1"/>
+                </a:solidFill>
+              </a:rPr>
+              <a:t>C:\UESRS\ &gt;&gt; 6</a:t>
+            </a:r>
+            <a:endParaRPr lang="en-US" altLang="ko-KR">
+              <a:solidFill>
+                <a:schemeClr val="dk1"/>
+              </a:solidFill>
+            </a:endParaRPr>
+          </a:p>
+          <a:p>
+            <a:pPr>
+              <a:defRPr/>
+            </a:pPr>
+            <a:endParaRPr lang="en-US" altLang="ko-KR">
+              <a:solidFill>
+                <a:schemeClr val="dk1"/>
+              </a:solidFill>
+            </a:endParaRPr>
+          </a:p>
+          <a:p>
+            <a:pPr>
+              <a:defRPr/>
+            </a:pPr>
+            <a:r>
+              <a:rPr lang="en-US" altLang="ko-KR">
+                <a:solidFill>
+                  <a:schemeClr val="dk1"/>
+                </a:solidFill>
+              </a:rPr>
+              <a:t>.txt</a:t>
+            </a:r>
+            <a:r>
+              <a:rPr lang="ko-KR" altLang="en-US">
+                <a:solidFill>
+                  <a:schemeClr val="dk1"/>
+                </a:solidFill>
+              </a:rPr>
+              <a:t>를 선택했습니다</a:t>
+            </a:r>
+            <a:endParaRPr lang="ko-KR" altLang="en-US">
+              <a:solidFill>
+                <a:schemeClr val="dk1"/>
+              </a:solidFill>
+            </a:endParaRPr>
+          </a:p>
+          <a:p>
+            <a:pPr>
+              <a:defRPr/>
+            </a:pPr>
+            <a:endParaRPr lang="ko-KR" altLang="en-US">
+              <a:solidFill>
+                <a:schemeClr val="dk1"/>
+              </a:solidFill>
+            </a:endParaRPr>
+          </a:p>
+          <a:p>
+            <a:pPr>
+              <a:defRPr/>
+            </a:pPr>
+            <a:endParaRPr lang="en-US" altLang="ko-KR">
+              <a:solidFill>
+                <a:schemeClr val="dk1"/>
+              </a:solidFill>
+            </a:endParaRPr>
+          </a:p>
+          <a:p>
+            <a:pPr>
+              <a:defRPr/>
+            </a:pPr>
+            <a:endParaRPr lang="en-US" altLang="ko-KR">
+              <a:solidFill>
+                <a:schemeClr val="dk1"/>
+              </a:solidFill>
+            </a:endParaRPr>
+          </a:p>
+          <a:p>
+            <a:pPr>
+              <a:defRPr/>
+            </a:pPr>
+            <a:endParaRPr lang="en-US" altLang="ko-KR">
+              <a:solidFill>
+                <a:schemeClr val="dk1"/>
+              </a:solidFill>
+            </a:endParaRPr>
+          </a:p>
+          <a:p>
+            <a:pPr>
+              <a:defRPr/>
+            </a:pPr>
+            <a:endParaRPr lang="en-US" altLang="ko-KR">
+              <a:solidFill>
+                <a:schemeClr val="dk1"/>
+              </a:solidFill>
+            </a:endParaRPr>
+          </a:p>
+          <a:p>
+            <a:pPr>
+              <a:defRPr/>
+            </a:pPr>
+            <a:endParaRPr lang="en-US" altLang="ko-KR">
+              <a:solidFill>
+                <a:schemeClr val="dk1"/>
+              </a:solidFill>
+            </a:endParaRPr>
+          </a:p>
+          <a:p>
+            <a:pPr>
+              <a:defRPr/>
+            </a:pPr>
+            <a:r>
+              <a:rPr lang="ko-KR" altLang="en-US">
+                <a:solidFill>
+                  <a:schemeClr val="dk1"/>
+                </a:solidFill>
+              </a:rPr>
+              <a:t>결과를 내보내시겠습니까</a:t>
+            </a:r>
+            <a:r>
+              <a:rPr lang="en-US" altLang="ko-KR">
+                <a:solidFill>
+                  <a:schemeClr val="dk1"/>
+                </a:solidFill>
+              </a:rPr>
+              <a:t>?</a:t>
+            </a:r>
+            <a:r>
+              <a:rPr lang="ko-KR" altLang="en-US">
+                <a:solidFill>
+                  <a:schemeClr val="dk1"/>
+                </a:solidFill>
+              </a:rPr>
+              <a:t> </a:t>
+            </a:r>
+            <a:r>
+              <a:rPr lang="en-US" altLang="ko-KR">
+                <a:solidFill>
+                  <a:schemeClr val="dk1"/>
+                </a:solidFill>
+              </a:rPr>
+              <a:t>(Y/N)</a:t>
+            </a:r>
+            <a:endParaRPr lang="en-US" altLang="ko-KR">
+              <a:solidFill>
+                <a:schemeClr val="dk1"/>
+              </a:solidFill>
+            </a:endParaRPr>
+          </a:p>
+          <a:p>
+            <a:pPr>
+              <a:defRPr/>
+            </a:pPr>
+            <a:endParaRPr lang="en-US" altLang="ko-KR">
+              <a:solidFill>
+                <a:schemeClr val="dk1"/>
+              </a:solidFill>
+            </a:endParaRPr>
+          </a:p>
+          <a:p>
+            <a:pPr>
+              <a:defRPr/>
+            </a:pPr>
+            <a:r>
+              <a:rPr lang="en-US" altLang="ko-KR">
+                <a:solidFill>
+                  <a:schemeClr val="dk1"/>
+                </a:solidFill>
+              </a:rPr>
+              <a:t>C:\USERS\</a:t>
+            </a:r>
+            <a:r>
+              <a:rPr lang="ko-KR" altLang="en-US">
+                <a:solidFill>
+                  <a:schemeClr val="dk1"/>
+                </a:solidFill>
+              </a:rPr>
+              <a:t> </a:t>
+            </a:r>
+            <a:r>
+              <a:rPr lang="en-US" altLang="ko-KR">
+                <a:solidFill>
+                  <a:schemeClr val="dk1"/>
+                </a:solidFill>
+              </a:rPr>
+              <a:t>&gt;&gt;</a:t>
+            </a:r>
+            <a:r>
+              <a:rPr lang="ko-KR" altLang="en-US">
+                <a:solidFill>
+                  <a:schemeClr val="dk1"/>
+                </a:solidFill>
+              </a:rPr>
+              <a:t> </a:t>
+            </a:r>
+            <a:r>
+              <a:rPr lang="en-US" altLang="ko-KR">
+                <a:solidFill>
+                  <a:schemeClr val="dk1"/>
+                </a:solidFill>
+              </a:rPr>
+              <a:t>Y</a:t>
+            </a:r>
+            <a:endParaRPr lang="en-US" altLang="ko-KR">
+              <a:solidFill>
+                <a:schemeClr val="dk1"/>
+              </a:solidFill>
+            </a:endParaRPr>
+          </a:p>
+          <a:p>
+            <a:pPr>
+              <a:defRPr/>
+            </a:pPr>
+            <a:endParaRPr lang="en-US" altLang="ko-KR">
+              <a:solidFill>
+                <a:schemeClr val="dk1"/>
+              </a:solidFill>
+            </a:endParaRPr>
+          </a:p>
+          <a:p>
+            <a:pPr>
+              <a:defRPr/>
+            </a:pPr>
+            <a:r>
+              <a:rPr lang="ko-KR" altLang="en-US">
+                <a:solidFill>
+                  <a:schemeClr val="dk1"/>
+                </a:solidFill>
+              </a:rPr>
+              <a:t>파일명을 입력하세요</a:t>
+            </a:r>
+            <a:endParaRPr lang="ko-KR" altLang="en-US">
+              <a:solidFill>
+                <a:schemeClr val="dk1"/>
+              </a:solidFill>
+            </a:endParaRPr>
+          </a:p>
+          <a:p>
+            <a:pPr>
+              <a:defRPr/>
+            </a:pPr>
+            <a:r>
+              <a:rPr lang="en-US" altLang="ko-KR">
+                <a:solidFill>
+                  <a:schemeClr val="dk1"/>
+                </a:solidFill>
+              </a:rPr>
+              <a:t>C:\USERS\ &gt;&gt;</a:t>
+            </a:r>
+            <a:r>
+              <a:rPr lang="ko-KR" altLang="en-US">
+                <a:solidFill>
+                  <a:schemeClr val="dk1"/>
+                </a:solidFill>
+              </a:rPr>
+              <a:t> </a:t>
+            </a:r>
+            <a:r>
+              <a:rPr lang="en-US" altLang="ko-KR">
+                <a:solidFill>
+                  <a:schemeClr val="dk1"/>
+                </a:solidFill>
+              </a:rPr>
+              <a:t>TEST6</a:t>
+            </a:r>
+            <a:endParaRPr lang="en-US" altLang="ko-KR">
+              <a:solidFill>
+                <a:schemeClr val="dk1"/>
+              </a:solidFill>
+            </a:endParaRPr>
+          </a:p>
+          <a:p>
+            <a:pPr>
+              <a:defRPr/>
+            </a:pPr>
+            <a:endParaRPr lang="en-US" altLang="ko-KR">
+              <a:solidFill>
+                <a:schemeClr val="dk1"/>
+              </a:solidFill>
+            </a:endParaRPr>
+          </a:p>
+          <a:p>
+            <a:pPr>
+              <a:defRPr/>
+            </a:pPr>
+            <a:r>
+              <a:rPr lang="en-US" altLang="ko-KR">
+                <a:solidFill>
+                  <a:schemeClr val="dk1"/>
+                </a:solidFill>
+              </a:rPr>
+              <a:t>TEST6.xlsx</a:t>
+            </a:r>
+            <a:r>
+              <a:rPr lang="ko-KR" altLang="en-US">
+                <a:solidFill>
+                  <a:schemeClr val="dk1"/>
+                </a:solidFill>
+              </a:rPr>
+              <a:t>로 저장합니다</a:t>
+            </a:r>
+            <a:endParaRPr lang="ko-KR" altLang="en-US">
+              <a:solidFill>
+                <a:schemeClr val="dk1"/>
+              </a:solidFill>
+            </a:endParaRPr>
+          </a:p>
+        </p:txBody>
+      </p:sp>
+      <p:graphicFrame>
+        <p:nvGraphicFramePr>
+          <p:cNvPr id="22" name=""/>
+          <p:cNvGraphicFramePr>
+            <a:graphicFrameLocks noGrp="1"/>
+          </p:cNvGraphicFramePr>
+          <p:nvPr/>
+        </p:nvGraphicFramePr>
+        <p:xfrm>
+          <a:off x="19050" y="2844165"/>
+          <a:ext cx="9482032" cy="1102995"/>
+        </p:xfrm>
+        <a:graphic>
+          <a:graphicData uri="http://schemas.openxmlformats.org/drawingml/2006/table">
+            <a:tbl>
+              <a:tblPr firstRow="1" bandRow="1">
+                <a:tableStyle styleId="{01A66EDD-3DAB-4C5B-A090-DC80EC1FD486}" styleName="Normal Style 1 - Accent 1">
+                  <a:wholeTbl>
+                    <a:tcTxStyle>
+                      <a:fontRef idx="minor">
+                        <a:prstClr val="black"/>
+                      </a:fontRef>
+                      <a:schemeClr val="dk1"/>
+                    </a:tcTxStyle>
+                    <a:tcStyle>
+                      <a:tcBdr>
+                        <a:left>
+                          <a:ln w="12700" cmpd="sng">
+                            <a:solidFill>
+                              <a:schemeClr val="lt1"/>
+                            </a:solidFill>
+                          </a:ln>
+                        </a:left>
+                        <a:right>
+                          <a:ln w="12700" cmpd="sng">
+                            <a:solidFill>
+                              <a:schemeClr val="lt1"/>
+                            </a:solidFill>
+                          </a:ln>
+                        </a:right>
+                        <a:top>
+                          <a:ln w="12700" cmpd="sng">
+                            <a:solidFill>
+                              <a:schemeClr val="lt1"/>
+                            </a:solidFill>
+                          </a:ln>
+                        </a:top>
+                        <a:bottom>
+                          <a:ln w="12700" cmpd="sng">
+                            <a:solidFill>
+                              <a:schemeClr val="lt1"/>
+                            </a:solidFill>
+                          </a:ln>
+                        </a:bottom>
+                        <a:insideH>
+                          <a:ln w="12700" cmpd="sng">
+                            <a:solidFill>
+                              <a:schemeClr val="lt1"/>
+                            </a:solidFill>
+                          </a:ln>
+                        </a:insideH>
+                        <a:insideV>
+                          <a:ln w="12700" cmpd="sng">
+                            <a:solidFill>
+                              <a:schemeClr val="lt1"/>
+                            </a:solidFill>
+                          </a:ln>
+                        </a:insideV>
+                      </a:tcBdr>
+                      <a:fill>
+                        <a:solidFill>
+                          <a:schemeClr val="accent1">
+                            <a:lum val="90000"/>
+                          </a:schemeClr>
+                        </a:solidFill>
+                      </a:fill>
+                    </a:tcStyle>
+                  </a:wholeTbl>
+                  <a:band1H>
+                    <a:tcTxStyle/>
+                    <a:tcStyle>
+                      <a:tcBdr/>
+                      <a:fill>
+                        <a:solidFill>
+                          <a:schemeClr val="accent1">
+                            <a:lum val="80000"/>
+                          </a:schemeClr>
+                        </a:solidFill>
+                      </a:fill>
+                    </a:tcStyle>
+                  </a:band1H>
+                  <a:band2H>
+                    <a:tcTxStyle/>
+                    <a:tcStyle>
+                      <a:tcBdr/>
+                    </a:tcStyle>
+                  </a:band2H>
+                  <a:band1V>
+                    <a:tcTxStyle/>
+                    <a:tcStyle>
+                      <a:tcBdr/>
+                      <a:fill>
+                        <a:solidFill>
+                          <a:schemeClr val="accent1">
+                            <a:lum val="80000"/>
+                          </a:schemeClr>
+                        </a:solidFill>
+                      </a:fill>
+                    </a:tcStyle>
+                  </a:band1V>
+                  <a:band2V>
+                    <a:tcTxStyle/>
+                    <a:tcStyle>
+                      <a:tcBdr/>
+                    </a:tcStyle>
+                  </a:band2V>
+                  <a:lastCol>
+                    <a:tcTxStyle b="on">
+                      <a:fontRef idx="minor">
+                        <a:prstClr val="black"/>
+                      </a:fontRef>
+                      <a:schemeClr val="lt1"/>
+                    </a:tcTxStyle>
+                    <a:tcStyle>
+                      <a:tcBdr/>
+                      <a:fill>
+                        <a:solidFill>
+                          <a:schemeClr val="accent1"/>
+                        </a:solidFill>
+                      </a:fill>
+                    </a:tcStyle>
+                  </a:lastCol>
+                  <a:firstCol>
+                    <a:tcTxStyle b="on">
+                      <a:fontRef idx="minor">
+                        <a:prstClr val="black"/>
+                      </a:fontRef>
+                      <a:schemeClr val="lt1"/>
+                    </a:tcTxStyle>
+                    <a:tcStyle>
+                      <a:tcBdr/>
+                      <a:fill>
+                        <a:solidFill>
+                          <a:schemeClr val="accent1"/>
+                        </a:solidFill>
+                      </a:fill>
+                    </a:tcStyle>
+                  </a:firstCol>
+                  <a:lastRow>
+                    <a:tcTxStyle b="on">
+                      <a:fontRef idx="minor">
+                        <a:prstClr val="black"/>
+                      </a:fontRef>
+                      <a:schemeClr val="lt1"/>
+                    </a:tcTxStyle>
+                    <a:tcStyle>
+                      <a:tcBdr>
+                        <a:top>
+                          <a:ln w="38100" cmpd="sng">
+                            <a:solidFill>
+                              <a:schemeClr val="lt1"/>
+                            </a:solidFill>
+                          </a:ln>
+                        </a:top>
+                      </a:tcBdr>
+                      <a:fill>
+                        <a:solidFill>
+                          <a:schemeClr val="accent1"/>
+                        </a:solidFill>
+                      </a:fill>
+                    </a:tcStyle>
+                  </a:lastRow>
+                  <a:firstRow>
+                    <a:tcTxStyle b="on">
+                      <a:fontRef idx="minor">
+                        <a:prstClr val="black"/>
+                      </a:fontRef>
+                      <a:schemeClr val="lt1"/>
+                    </a:tcTxStyle>
+                    <a:tcStyle>
+                      <a:tcBdr>
+                        <a:bottom>
+                          <a:ln w="38100" cmpd="sng">
+                            <a:solidFill>
+                              <a:schemeClr val="lt1"/>
+                            </a:solidFill>
+                          </a:ln>
+                        </a:bottom>
+                      </a:tcBdr>
+                      <a:fill>
+                        <a:solidFill>
+                          <a:schemeClr val="accent1"/>
+                        </a:solidFill>
+                      </a:fill>
+                    </a:tcStyle>
+                  </a:firstRow>
+                </a:tableStyle>
+              </a:tblPr>
+              <a:tblGrid>
+                <a:gridCol w="1354666"/>
+                <a:gridCol w="1354666"/>
+                <a:gridCol w="1354666"/>
+                <a:gridCol w="1354666"/>
+                <a:gridCol w="1354455"/>
+                <a:gridCol w="1354455"/>
+                <a:gridCol w="1354455"/>
+              </a:tblGrid>
+              <a:tr h="194945">
+                <a:tc>
+                  <a:txBody>
+                    <a:bodyPr vert="horz" wrap="square" lIns="91440" tIns="45720" rIns="91440" bIns="45720" anchor="t" anchorCtr="0">
+                      <a:spAutoFit/>
+                    </a:bodyPr>
+                    <a:p>
+                      <a:pPr>
+                        <a:defRPr/>
+                      </a:pPr>
+                      <a:endParaRPr lang="ko-KR" altLang="en-US"/>
+                    </a:p>
+                  </a:txBody>
+                  <a:tcPr marL="91440" marR="91440"/>
+                </a:tc>
+                <a:tc>
+                  <a:txBody>
+                    <a:bodyPr vert="horz" wrap="square" lIns="91440" tIns="45720" rIns="91440" bIns="45720" anchor="t" anchorCtr="0">
+                      <a:spAutoFit/>
+                    </a:bodyPr>
+                    <a:p>
+                      <a:pPr>
+                        <a:defRPr/>
+                      </a:pPr>
+                      <a:endParaRPr lang="en-US" altLang="ko-KR"/>
+                    </a:p>
+                  </a:txBody>
+                  <a:tcPr marL="91440" marR="91440"/>
+                </a:tc>
+                <a:tc>
+                  <a:txBody>
+                    <a:bodyPr vert="horz" wrap="square" lIns="91440" tIns="45720" rIns="91440" bIns="45720" anchor="t" anchorCtr="0">
+                      <a:spAutoFit/>
+                    </a:bodyPr>
+                    <a:p>
+                      <a:pPr>
+                        <a:defRPr/>
+                      </a:pPr>
+                      <a:endParaRPr lang="ko-KR" altLang="en-US"/>
+                    </a:p>
+                  </a:txBody>
+                  <a:tcPr marL="91440" marR="91440"/>
+                </a:tc>
+                <a:tc>
+                  <a:txBody>
+                    <a:bodyPr vert="horz" wrap="square" lIns="91440" tIns="45720" rIns="91440" bIns="45720" anchor="t" anchorCtr="0">
+                      <a:spAutoFit/>
+                    </a:bodyPr>
+                    <a:p>
+                      <a:pPr>
+                        <a:defRPr/>
+                      </a:pPr>
+                      <a:endParaRPr lang="ko-KR" altLang="en-US"/>
+                    </a:p>
+                  </a:txBody>
+                  <a:tcPr marL="91440" marR="91440"/>
+                </a:tc>
+                <a:tc>
+                  <a:txBody>
+                    <a:bodyPr vert="horz" wrap="square" lIns="91440" tIns="45720" rIns="91440" bIns="45720" anchor="t" anchorCtr="0">
+                      <a:spAutoFit/>
+                    </a:bodyPr>
+                    <a:p>
+                      <a:pPr>
+                        <a:defRPr/>
+                      </a:pPr>
+                      <a:endParaRPr lang="ko-KR" altLang="en-US"/>
+                    </a:p>
+                  </a:txBody>
+                  <a:tcPr marL="91440" marR="91440"/>
+                </a:tc>
+                <a:tc>
+                  <a:txBody>
+                    <a:bodyPr vert="horz" wrap="square" lIns="91440" tIns="45720" rIns="91440" bIns="45720" anchor="t" anchorCtr="0">
+                      <a:spAutoFit/>
+                    </a:bodyPr>
+                    <a:p>
+                      <a:pPr>
+                        <a:defRPr/>
+                      </a:pPr>
+                      <a:endParaRPr lang="ko-KR" altLang="en-US"/>
+                    </a:p>
+                  </a:txBody>
+                  <a:tcPr marL="91440" marR="91440"/>
+                </a:tc>
+                <a:tc>
+                  <a:txBody>
+                    <a:bodyPr vert="horz" wrap="square" lIns="91440" tIns="45720" rIns="91440" bIns="45720" anchor="t" anchorCtr="0">
+                      <a:spAutoFit/>
+                    </a:bodyPr>
+                    <a:p>
+                      <a:pPr>
+                        <a:defRPr/>
+                      </a:pPr>
+                      <a:endParaRPr lang="ko-KR" altLang="en-US"/>
+                    </a:p>
+                  </a:txBody>
+                  <a:tcPr marL="91440" marR="91440"/>
+                </a:tc>
+              </a:tr>
+              <a:tr h="116840">
+                <a:tc>
+                  <a:txBody>
+                    <a:bodyPr vert="horz" wrap="square" lIns="91440" tIns="45720" rIns="91440" bIns="45720" anchor="t" anchorCtr="0">
+                      <a:spAutoFit/>
+                    </a:bodyPr>
+                    <a:p>
+                      <a:pPr>
+                        <a:defRPr/>
+                      </a:pPr>
+                      <a:endParaRPr lang="en-US" altLang="ko-KR"/>
+                    </a:p>
+                  </a:txBody>
+                  <a:tcPr marL="91440" marR="91440"/>
+                </a:tc>
+                <a:tc>
+                  <a:txBody>
+                    <a:bodyPr vert="horz" wrap="square" lIns="91440" tIns="45720" rIns="91440" bIns="45720" anchor="t" anchorCtr="0">
+                      <a:spAutoFit/>
+                    </a:bodyPr>
+                    <a:p>
+                      <a:pPr>
+                        <a:defRPr/>
+                      </a:pPr>
+                      <a:endParaRPr lang="en-US" altLang="ko-KR"/>
+                    </a:p>
+                  </a:txBody>
+                  <a:tcPr marL="91440" marR="91440"/>
+                </a:tc>
+                <a:tc>
+                  <a:txBody>
+                    <a:bodyPr vert="horz" wrap="square" lIns="91440" tIns="45720" rIns="91440" bIns="45720" anchor="t" anchorCtr="0">
+                      <a:spAutoFit/>
+                    </a:bodyPr>
+                    <a:p>
+                      <a:pPr>
+                        <a:defRPr/>
+                      </a:pPr>
+                      <a:endParaRPr lang="en-US" altLang="ko-KR"/>
+                    </a:p>
+                  </a:txBody>
+                  <a:tcPr marL="91440" marR="91440"/>
+                </a:tc>
+                <a:tc>
+                  <a:txBody>
+                    <a:bodyPr vert="horz" wrap="square" lIns="91440" tIns="45720" rIns="91440" bIns="45720" anchor="t" anchorCtr="0">
+                      <a:spAutoFit/>
+                    </a:bodyPr>
+                    <a:p>
+                      <a:pPr>
+                        <a:defRPr/>
+                      </a:pPr>
+                      <a:endParaRPr lang="ko-KR" altLang="en-US"/>
+                    </a:p>
+                  </a:txBody>
+                  <a:tcPr marL="91440" marR="91440"/>
+                </a:tc>
+                <a:tc>
+                  <a:txBody>
+                    <a:bodyPr vert="horz" wrap="square" lIns="91440" tIns="45720" rIns="91440" bIns="45720" anchor="t" anchorCtr="0">
+                      <a:spAutoFit/>
+                    </a:bodyPr>
+                    <a:p>
+                      <a:pPr>
+                        <a:defRPr/>
+                      </a:pPr>
+                      <a:endParaRPr lang="en-US" altLang="ko-KR"/>
+                    </a:p>
+                  </a:txBody>
+                  <a:tcPr marL="91440" marR="91440"/>
+                </a:tc>
+                <a:tc>
+                  <a:txBody>
+                    <a:bodyPr vert="horz" wrap="square" lIns="91440" tIns="45720" rIns="91440" bIns="45720" anchor="t" anchorCtr="0">
+                      <a:spAutoFit/>
+                    </a:bodyPr>
+                    <a:p>
+                      <a:pPr>
+                        <a:defRPr/>
+                      </a:pPr>
+                      <a:endParaRPr lang="ko-KR" altLang="en-US"/>
+                    </a:p>
+                  </a:txBody>
+                  <a:tcPr marL="91440" marR="91440"/>
+                </a:tc>
+                <a:tc>
+                  <a:txBody>
+                    <a:bodyPr vert="horz" wrap="square" lIns="91440" tIns="45720" rIns="91440" bIns="45720" anchor="t" anchorCtr="0">
+                      <a:spAutoFit/>
+                    </a:bodyPr>
+                    <a:p>
+                      <a:pPr>
+                        <a:defRPr/>
+                      </a:pPr>
+                      <a:endParaRPr lang="ko-KR" altLang="en-US"/>
+                    </a:p>
+                  </a:txBody>
+                  <a:tcPr marL="91440" marR="91440"/>
+                </a:tc>
+              </a:tr>
+              <a:tr h="116840">
+                <a:tc>
+                  <a:txBody>
+                    <a:bodyPr vert="horz" wrap="square" lIns="91440" tIns="45720" rIns="91440" bIns="45720" anchor="t" anchorCtr="0">
+                      <a:spAutoFit/>
+                    </a:bodyPr>
+                    <a:p>
+                      <a:pPr>
+                        <a:defRPr/>
+                      </a:pPr>
+                      <a:endParaRPr lang="en-US" altLang="ko-KR"/>
+                    </a:p>
+                  </a:txBody>
+                  <a:tcPr marL="91440" marR="91440"/>
+                </a:tc>
+                <a:tc>
+                  <a:txBody>
+                    <a:bodyPr vert="horz" wrap="square" lIns="91440" tIns="45720" rIns="91440" bIns="45720" anchor="t" anchorCtr="0">
+                      <a:spAutoFit/>
+                    </a:bodyPr>
+                    <a:p>
+                      <a:pPr>
+                        <a:defRPr/>
+                      </a:pPr>
+                      <a:endParaRPr lang="en-US" altLang="ko-KR"/>
+                    </a:p>
+                  </a:txBody>
+                  <a:tcPr marL="91440" marR="91440"/>
+                </a:tc>
+                <a:tc>
+                  <a:txBody>
+                    <a:bodyPr vert="horz" wrap="square" lIns="91440" tIns="45720" rIns="91440" bIns="45720" anchor="t" anchorCtr="0">
+                      <a:spAutoFit/>
+                    </a:bodyPr>
+                    <a:p>
+                      <a:pPr>
+                        <a:defRPr/>
+                      </a:pPr>
+                      <a:endParaRPr lang="en-US" altLang="ko-KR"/>
+                    </a:p>
+                  </a:txBody>
+                  <a:tcPr marL="91440" marR="91440"/>
+                </a:tc>
+                <a:tc>
+                  <a:txBody>
+                    <a:bodyPr vert="horz" wrap="square" lIns="91440" tIns="45720" rIns="91440" bIns="45720" anchor="t" anchorCtr="0">
+                      <a:spAutoFit/>
+                    </a:bodyPr>
+                    <a:p>
+                      <a:pPr>
+                        <a:defRPr/>
+                      </a:pPr>
+                      <a:endParaRPr lang="en-US" altLang="ko-KR"/>
+                    </a:p>
+                  </a:txBody>
+                  <a:tcPr marL="91440" marR="91440"/>
+                </a:tc>
+                <a:tc>
+                  <a:txBody>
+                    <a:bodyPr vert="horz" wrap="square" lIns="91440" tIns="45720" rIns="91440" bIns="45720" anchor="t" anchorCtr="0">
+                      <a:spAutoFit/>
+                    </a:bodyPr>
+                    <a:p>
+                      <a:pPr>
+                        <a:defRPr/>
+                      </a:pPr>
+                      <a:endParaRPr lang="en-US" altLang="ko-KR"/>
+                    </a:p>
+                  </a:txBody>
+                  <a:tcPr marL="91440" marR="91440"/>
+                </a:tc>
+                <a:tc>
+                  <a:txBody>
+                    <a:bodyPr vert="horz" wrap="square" lIns="91440" tIns="45720" rIns="91440" bIns="45720" anchor="t" anchorCtr="0">
+                      <a:spAutoFit/>
+                    </a:bodyPr>
+                    <a:p>
+                      <a:pPr>
+                        <a:defRPr/>
+                      </a:pPr>
+                      <a:endParaRPr lang="en-US" altLang="ko-KR"/>
+                    </a:p>
+                  </a:txBody>
+                  <a:tcPr marL="91440" marR="91440"/>
+                </a:tc>
+                <a:tc>
+                  <a:txBody>
+                    <a:bodyPr vert="horz" wrap="square" lIns="91440" tIns="45720" rIns="91440" bIns="45720" anchor="t" anchorCtr="0">
+                      <a:spAutoFit/>
+                    </a:bodyPr>
+                    <a:p>
+                      <a:pPr>
+                        <a:defRPr/>
+                      </a:pPr>
+                      <a:endParaRPr lang="en-US" altLang="ko-KR"/>
+                    </a:p>
+                  </a:txBody>
+                  <a:tcPr marL="91440" marR="91440"/>
+                </a:tc>
+              </a:tr>
+            </a:tbl>
+          </a:graphicData>
+        </a:graphic>
+      </p:graphicFrame>
+    </p:spTree>
+  </p:cSld>
+  <p:clrMapOvr>
+    <a:masterClrMapping/>
+  </p:clrMapOvr>
+  <mc:AlternateContent xmlns:mc="http://schemas.openxmlformats.org/markup-compatibility/2006">
+    <mc:Choice xmlns:p14="http://schemas.microsoft.com/office/powerpoint/2010/main" Requires="p14">
+      <p:transition xmlns:mc="http://schemas.openxmlformats.org/markup-compatibility/2006" xmlns:p14="http://schemas.microsoft.com/office/powerpoint/2010/main" mc:Ignorable="p14" p14:dur="500"/>
+    </mc:Choice>
+    <mc:Fallback>
+      <p:transition/>
+    </mc:Fallback>
+  </mc:AlternateContent>
+</p:sld>
+</file>
+
+<file path=ppt/slides/slide38.xml><?xml version="1.0" encoding="utf-8"?>
+<p:sld xmlns:r="http://schemas.openxmlformats.org/officeDocument/2006/relationships" xmlns:c="http://schemas.openxmlformats.org/drawingml/2006/chart" xmlns:a="http://schemas.openxmlformats.org/drawingml/2006/main" xmlns:dgm="http://schemas.openxmlformats.org/drawingml/2006/diagram" xmlns:dsp="http://schemas.microsoft.com/office/drawing/2008/diagram" xmlns:p="http://schemas.openxmlformats.org/presentationml/2006/main">
+  <p:cSld>
+    <p:spTree>
+      <p:nvGrpSpPr>
+        <p:cNvPr id="1" name=""/>
+        <p:cNvGrpSpPr/>
+        <p:nvPr/>
+      </p:nvGrpSpPr>
+      <p:grpSpPr>
+        <a:xfrm>
+          <a:off x="0" y="0"/>
+          <a:ext cx="0" cy="0"/>
+          <a:chOff x="0" y="0"/>
+          <a:chExt cx="0" cy="0"/>
+        </a:xfrm>
+      </p:grpSpPr>
+      <p:sp>
+        <p:nvSpPr>
+          <p:cNvPr id="4" name="직사각형 9"/>
+          <p:cNvSpPr/>
+          <p:nvPr/>
+        </p:nvSpPr>
+        <p:spPr>
+          <a:xfrm>
+            <a:off x="-1" y="0"/>
+            <a:ext cx="12192001" cy="1338109"/>
+          </a:xfrm>
+          <a:prstGeom prst="rect">
+            <a:avLst/>
+          </a:prstGeom>
+          <a:solidFill>
+            <a:schemeClr val="accent1">
+              <a:lumMod val="75000"/>
+            </a:schemeClr>
+          </a:solidFill>
+          <a:ln>
+            <a:noFill/>
+          </a:ln>
+        </p:spPr>
+        <p:style>
+          <a:lnRef idx="2">
+            <a:schemeClr val="accent1">
+              <a:shade val="50000"/>
+            </a:schemeClr>
+          </a:lnRef>
+          <a:fillRef idx="1">
+            <a:schemeClr val="accent1"/>
+          </a:fillRef>
+          <a:effectRef idx="0">
+            <a:schemeClr val="accent1"/>
+          </a:effectRef>
+          <a:fontRef idx="minor">
+            <a:schemeClr val="lt1"/>
+          </a:fontRef>
+        </p:style>
+        <p:txBody>
+          <a:bodyPr anchor="ctr"/>
+          <a:lstStyle/>
+          <a:p>
+            <a:pPr>
+              <a:defRPr/>
+            </a:pPr>
+            <a:r>
+              <a:rPr kumimoji="1" lang="en-US" altLang="ko-KR" sz="4800"/>
+              <a:t>6.</a:t>
+            </a:r>
+            <a:r>
+              <a:rPr kumimoji="1" lang="ko-KR" altLang="en-US" sz="4800"/>
+              <a:t> 스토리보드</a:t>
+            </a:r>
+            <a:endParaRPr kumimoji="1" lang="ko-KR" altLang="en-US" sz="4800"/>
+          </a:p>
+        </p:txBody>
+      </p:sp>
+      <p:sp>
+        <p:nvSpPr>
+          <p:cNvPr id="11" name=""/>
+          <p:cNvSpPr/>
+          <p:nvPr/>
+        </p:nvSpPr>
+        <p:spPr>
+          <a:xfrm>
+            <a:off x="0" y="1342292"/>
+            <a:ext cx="9539247" cy="5515706"/>
+          </a:xfrm>
+          <a:prstGeom prst="rect">
+            <a:avLst/>
+          </a:prstGeom>
+          <a:solidFill>
+            <a:srgbClr val="f2f2f2"/>
+          </a:solidFill>
+          <a:ln>
+            <a:noFill/>
+          </a:ln>
+        </p:spPr>
+        <p:style>
+          <a:lnRef idx="2">
+            <a:schemeClr val="accent1">
+              <a:shade val="20000"/>
+            </a:schemeClr>
+          </a:lnRef>
+          <a:fillRef idx="1">
+            <a:schemeClr val="accent1"/>
+          </a:fillRef>
+          <a:effectRef idx="0">
+            <a:schemeClr val="accent1"/>
+          </a:effectRef>
+          <a:fontRef idx="minor">
+            <a:schemeClr val="lt1"/>
+          </a:fontRef>
+        </p:style>
+        <p:txBody>
+          <a:bodyPr anchor="ctr"/>
+          <a:lstStyle/>
+          <a:p>
+            <a:pPr>
+              <a:defRPr/>
+            </a:pPr>
+            <a:endParaRPr lang="en-US" altLang="ko-KR">
+              <a:solidFill>
+                <a:schemeClr val="dk1"/>
+              </a:solidFill>
+            </a:endParaRPr>
+          </a:p>
+          <a:p>
+            <a:pPr>
+              <a:defRPr/>
+            </a:pPr>
+            <a:r>
+              <a:rPr lang="en-US" altLang="ko-KR">
+                <a:solidFill>
+                  <a:schemeClr val="dk1"/>
+                </a:solidFill>
+              </a:rPr>
+              <a:t>C:\UESRS\ &gt;&gt; 7</a:t>
+            </a:r>
+            <a:endParaRPr lang="en-US" altLang="ko-KR">
+              <a:solidFill>
+                <a:schemeClr val="dk1"/>
+              </a:solidFill>
+            </a:endParaRPr>
+          </a:p>
+          <a:p>
+            <a:pPr>
+              <a:defRPr/>
+            </a:pPr>
+            <a:endParaRPr lang="en-US" altLang="ko-KR">
+              <a:solidFill>
+                <a:schemeClr val="dk1"/>
+              </a:solidFill>
+            </a:endParaRPr>
+          </a:p>
+          <a:p>
+            <a:pPr>
+              <a:defRPr/>
+            </a:pPr>
+            <a:r>
+              <a:rPr lang="en-US" altLang="ko-KR">
+                <a:solidFill>
+                  <a:schemeClr val="dk1"/>
+                </a:solidFill>
+              </a:rPr>
+              <a:t>Help</a:t>
+            </a:r>
+            <a:endParaRPr lang="en-US" altLang="ko-KR">
+              <a:solidFill>
+                <a:schemeClr val="dk1"/>
+              </a:solidFill>
+            </a:endParaRPr>
+          </a:p>
+          <a:p>
+            <a:pPr>
+              <a:defRPr/>
+            </a:pPr>
+            <a:endParaRPr lang="en-US" altLang="ko-KR">
+              <a:solidFill>
+                <a:schemeClr val="dk1"/>
+              </a:solidFill>
+            </a:endParaRPr>
+          </a:p>
+          <a:p>
+            <a:pPr>
+              <a:defRPr/>
+            </a:pPr>
+            <a:r>
+              <a:rPr lang="en-US" altLang="ko-KR">
+                <a:solidFill>
+                  <a:schemeClr val="dk1"/>
+                </a:solidFill>
+              </a:rPr>
+              <a:t>USB - </a:t>
+            </a:r>
+            <a:r>
+              <a:rPr lang="ko-KR" altLang="en-US">
+                <a:solidFill>
+                  <a:schemeClr val="dk1"/>
+                </a:solidFill>
+              </a:rPr>
+              <a:t>장치의 이름</a:t>
+            </a:r>
+            <a:r>
+              <a:rPr lang="en-US" altLang="ko-KR">
+                <a:solidFill>
+                  <a:schemeClr val="dk1"/>
+                </a:solidFill>
+              </a:rPr>
+              <a:t>,</a:t>
+            </a:r>
+            <a:r>
+              <a:rPr lang="ko-KR" altLang="en-US">
+                <a:solidFill>
+                  <a:schemeClr val="dk1"/>
+                </a:solidFill>
+              </a:rPr>
+              <a:t> 시리얼 번호</a:t>
+            </a:r>
+            <a:r>
+              <a:rPr lang="en-US" altLang="ko-KR">
+                <a:solidFill>
+                  <a:schemeClr val="dk1"/>
+                </a:solidFill>
+              </a:rPr>
+              <a:t>,</a:t>
+            </a:r>
+            <a:r>
+              <a:rPr lang="ko-KR" altLang="en-US">
+                <a:solidFill>
+                  <a:schemeClr val="dk1"/>
+                </a:solidFill>
+              </a:rPr>
+              <a:t> 크기</a:t>
+            </a:r>
+            <a:r>
+              <a:rPr lang="en-US" altLang="ko-KR">
+                <a:solidFill>
+                  <a:schemeClr val="dk1"/>
+                </a:solidFill>
+              </a:rPr>
+              <a:t>,</a:t>
+            </a:r>
+            <a:r>
+              <a:rPr lang="ko-KR" altLang="en-US">
+                <a:solidFill>
+                  <a:schemeClr val="dk1"/>
+                </a:solidFill>
+              </a:rPr>
+              <a:t> 볼륨명</a:t>
+            </a:r>
+            <a:r>
+              <a:rPr lang="en-US" altLang="ko-KR">
+                <a:solidFill>
+                  <a:schemeClr val="dk1"/>
+                </a:solidFill>
+              </a:rPr>
+              <a:t>,</a:t>
+            </a:r>
+            <a:r>
+              <a:rPr lang="ko-KR" altLang="en-US">
+                <a:solidFill>
+                  <a:schemeClr val="dk1"/>
+                </a:solidFill>
+              </a:rPr>
+              <a:t> 최초</a:t>
+            </a:r>
+            <a:r>
+              <a:rPr lang="en-US" altLang="ko-KR">
+                <a:solidFill>
+                  <a:schemeClr val="dk1"/>
+                </a:solidFill>
+              </a:rPr>
+              <a:t>,</a:t>
+            </a:r>
+            <a:r>
+              <a:rPr lang="ko-KR" altLang="en-US">
+                <a:solidFill>
+                  <a:schemeClr val="dk1"/>
+                </a:solidFill>
+              </a:rPr>
+              <a:t> 마지막 연결시각 등의 정보를 보여줍니다</a:t>
+            </a:r>
+            <a:r>
+              <a:rPr lang="en-US" altLang="ko-KR">
+                <a:solidFill>
+                  <a:schemeClr val="dk1"/>
+                </a:solidFill>
+              </a:rPr>
+              <a:t>.</a:t>
+            </a:r>
+            <a:endParaRPr lang="en-US" altLang="ko-KR">
+              <a:solidFill>
+                <a:schemeClr val="dk1"/>
+              </a:solidFill>
+            </a:endParaRPr>
+          </a:p>
+          <a:p>
+            <a:pPr>
+              <a:defRPr/>
+            </a:pPr>
+            <a:endParaRPr lang="en-US" altLang="ko-KR">
+              <a:solidFill>
+                <a:schemeClr val="dk1"/>
+              </a:solidFill>
+            </a:endParaRPr>
+          </a:p>
+          <a:p>
+            <a:pPr>
+              <a:defRPr/>
+            </a:pPr>
+            <a:r>
+              <a:rPr lang="en-US" altLang="ko-KR">
+                <a:solidFill>
+                  <a:schemeClr val="dk1"/>
+                </a:solidFill>
+              </a:rPr>
+              <a:t>excel - </a:t>
+            </a:r>
+            <a:endParaRPr lang="en-US" altLang="ko-KR">
+              <a:solidFill>
+                <a:schemeClr val="dk1"/>
+              </a:solidFill>
+            </a:endParaRPr>
+          </a:p>
+          <a:p>
+            <a:pPr>
+              <a:defRPr/>
+            </a:pPr>
+            <a:endParaRPr lang="en-US" altLang="ko-KR">
+              <a:solidFill>
+                <a:schemeClr val="dk1"/>
+              </a:solidFill>
+            </a:endParaRPr>
+          </a:p>
+          <a:p>
+            <a:pPr>
+              <a:defRPr/>
+            </a:pPr>
+            <a:r>
+              <a:rPr lang="en-US" altLang="ko-KR">
+                <a:solidFill>
+                  <a:schemeClr val="dk1"/>
+                </a:solidFill>
+              </a:rPr>
+              <a:t>hwp, word</a:t>
+            </a:r>
+            <a:endParaRPr lang="en-US" altLang="ko-KR">
+              <a:solidFill>
+                <a:schemeClr val="dk1"/>
+              </a:solidFill>
+            </a:endParaRPr>
+          </a:p>
+          <a:p>
+            <a:pPr>
+              <a:defRPr/>
+            </a:pPr>
+            <a:endParaRPr lang="en-US" altLang="ko-KR">
+              <a:solidFill>
+                <a:schemeClr val="dk1"/>
+              </a:solidFill>
+            </a:endParaRPr>
+          </a:p>
+          <a:p>
+            <a:pPr>
+              <a:defRPr/>
+            </a:pPr>
+            <a:r>
+              <a:rPr lang="en-US" altLang="ko-KR">
+                <a:solidFill>
+                  <a:schemeClr val="dk1"/>
+                </a:solidFill>
+              </a:rPr>
+              <a:t>.DD - </a:t>
+            </a:r>
+            <a:endParaRPr lang="en-US" altLang="ko-KR">
+              <a:solidFill>
+                <a:schemeClr val="dk1"/>
+              </a:solidFill>
+            </a:endParaRPr>
+          </a:p>
+          <a:p>
+            <a:pPr>
+              <a:defRPr/>
+            </a:pPr>
+            <a:endParaRPr lang="en-US" altLang="ko-KR">
+              <a:solidFill>
+                <a:schemeClr val="dk1"/>
+              </a:solidFill>
+            </a:endParaRPr>
+          </a:p>
+          <a:p>
+            <a:pPr>
+              <a:defRPr/>
+            </a:pPr>
+            <a:r>
+              <a:rPr lang="en-US" altLang="ko-KR">
+                <a:solidFill>
+                  <a:schemeClr val="dk1"/>
+                </a:solidFill>
+              </a:rPr>
+              <a:t>.exe - </a:t>
+            </a:r>
+            <a:endParaRPr lang="en-US" altLang="ko-KR">
+              <a:solidFill>
+                <a:schemeClr val="dk1"/>
+              </a:solidFill>
+            </a:endParaRPr>
+          </a:p>
+          <a:p>
+            <a:pPr>
+              <a:defRPr/>
+            </a:pPr>
+            <a:endParaRPr lang="en-US" altLang="ko-KR">
+              <a:solidFill>
+                <a:schemeClr val="dk1"/>
+              </a:solidFill>
+            </a:endParaRPr>
+          </a:p>
+          <a:p>
+            <a:pPr>
+              <a:defRPr/>
+            </a:pPr>
+            <a:r>
+              <a:rPr lang="en-US" altLang="ko-KR">
+                <a:solidFill>
+                  <a:schemeClr val="dk1"/>
+                </a:solidFill>
+              </a:rPr>
+              <a:t>.txt - </a:t>
+            </a:r>
+            <a:endParaRPr lang="en-US" altLang="ko-KR">
+              <a:solidFill>
+                <a:schemeClr val="dk1"/>
+              </a:solidFill>
+            </a:endParaRPr>
+          </a:p>
+          <a:p>
+            <a:pPr>
+              <a:defRPr/>
+            </a:pPr>
+            <a:endParaRPr lang="en-US" altLang="ko-KR">
+              <a:solidFill>
+                <a:schemeClr val="dk1"/>
+              </a:solidFill>
+            </a:endParaRPr>
+          </a:p>
+          <a:p>
+            <a:pPr>
+              <a:defRPr/>
+            </a:pPr>
+            <a:endParaRPr lang="en-US" altLang="ko-KR">
+              <a:solidFill>
+                <a:schemeClr val="dk1"/>
+              </a:solidFill>
+            </a:endParaRPr>
+          </a:p>
+          <a:p>
+            <a:pPr>
+              <a:defRPr/>
+            </a:pPr>
+            <a:r>
+              <a:rPr lang="en-US" altLang="ko-KR">
+                <a:solidFill>
+                  <a:schemeClr val="dk1"/>
+                </a:solidFill>
+              </a:rPr>
+              <a:t>C:\USERS\</a:t>
+            </a:r>
+            <a:r>
+              <a:rPr lang="ko-KR" altLang="en-US">
+                <a:solidFill>
+                  <a:schemeClr val="dk1"/>
+                </a:solidFill>
+              </a:rPr>
+              <a:t> </a:t>
+            </a:r>
+            <a:r>
+              <a:rPr lang="en-US" altLang="ko-KR">
+                <a:solidFill>
+                  <a:schemeClr val="dk1"/>
+                </a:solidFill>
+              </a:rPr>
+              <a:t>&gt;&gt;</a:t>
+            </a:r>
+            <a:endParaRPr lang="en-US" altLang="ko-KR">
+              <a:solidFill>
+                <a:schemeClr val="dk1"/>
+              </a:solidFill>
+            </a:endParaRPr>
+          </a:p>
+        </p:txBody>
+      </p:sp>
+    </p:spTree>
+  </p:cSld>
+  <p:clrMapOvr>
+    <a:masterClrMapping/>
+  </p:clrMapOvr>
+  <mc:AlternateContent xmlns:mc="http://schemas.openxmlformats.org/markup-compatibility/2006">
+    <mc:Choice xmlns:p14="http://schemas.microsoft.com/office/powerpoint/2010/main" Requires="p14">
+      <p:transition xmlns:mc="http://schemas.openxmlformats.org/markup-compatibility/2006" xmlns:p14="http://schemas.microsoft.com/office/powerpoint/2010/main" mc:Ignorable="p14" p14:dur="500"/>
+    </mc:Choice>
+    <mc:Fallback>
+      <p:transition/>
+    </mc:Fallback>
+  </mc:AlternateContent>
+</p:sld>
+</file>
+
+<file path=ppt/slides/slide39.xml><?xml version="1.0" encoding="utf-8"?>
 <p:sld xmlns:a="http://schemas.openxmlformats.org/drawingml/2006/main" xmlns:r="http://schemas.openxmlformats.org/officeDocument/2006/relationships" xmlns:p="http://schemas.openxmlformats.org/presentationml/2006/main">
   <p:cSld>
     <p:spTree>
@@ -12311,474 +18595,6 @@
     <p:extLst>
       <p:ext uri="{BB962C8B-B14F-4D97-AF65-F5344CB8AC3E}">
         <p14:creationId xmlns:p14="http://schemas.microsoft.com/office/powerpoint/2010/main" val="1697315730"/>
-      </p:ext>
-    </p:extLst>
-  </p:cSld>
-  <p:clrMapOvr>
-    <a:masterClrMapping/>
-  </p:clrMapOvr>
-</p:sld>
-</file>
-
-<file path=ppt/slides/slide32.xml><?xml version="1.0" encoding="utf-8"?>
-<p:sld xmlns:a="http://schemas.openxmlformats.org/drawingml/2006/main" xmlns:r="http://schemas.openxmlformats.org/officeDocument/2006/relationships" xmlns:p="http://schemas.openxmlformats.org/presentationml/2006/main">
-  <p:cSld>
-    <p:spTree>
-      <p:nvGrpSpPr>
-        <p:cNvPr id="1" name=""/>
-        <p:cNvGrpSpPr/>
-        <p:nvPr/>
-      </p:nvGrpSpPr>
-      <p:grpSpPr>
-        <a:xfrm>
-          <a:off x="0" y="0"/>
-          <a:ext cx="0" cy="0"/>
-          <a:chOff x="0" y="0"/>
-          <a:chExt cx="0" cy="0"/>
-        </a:xfrm>
-      </p:grpSpPr>
-      <p:sp>
-        <p:nvSpPr>
-          <p:cNvPr id="2" name="제목 1">
-            <a:extLst>
-              <a:ext uri="{FF2B5EF4-FFF2-40B4-BE49-F238E27FC236}">
-                <a16:creationId xmlns:a16="http://schemas.microsoft.com/office/drawing/2014/main" id="{2135F92A-65F5-4C7A-8C04-BF5F199039F2}"/>
-              </a:ext>
-            </a:extLst>
-          </p:cNvPr>
-          <p:cNvSpPr>
-            <a:spLocks noGrp="1"/>
-          </p:cNvSpPr>
-          <p:nvPr>
-            <p:ph type="title"/>
-          </p:nvPr>
-        </p:nvSpPr>
-        <p:spPr/>
-        <p:txBody>
-          <a:bodyPr/>
-          <a:lstStyle/>
-          <a:p>
-            <a:endParaRPr lang="ko-KR" altLang="en-US"/>
-          </a:p>
-        </p:txBody>
-      </p:sp>
-      <p:sp>
-        <p:nvSpPr>
-          <p:cNvPr id="3" name="내용 개체 틀 2">
-            <a:extLst>
-              <a:ext uri="{FF2B5EF4-FFF2-40B4-BE49-F238E27FC236}">
-                <a16:creationId xmlns:a16="http://schemas.microsoft.com/office/drawing/2014/main" id="{FB21A4AE-E1C2-4042-9B9E-43F419C42235}"/>
-              </a:ext>
-            </a:extLst>
-          </p:cNvPr>
-          <p:cNvSpPr>
-            <a:spLocks noGrp="1"/>
-          </p:cNvSpPr>
-          <p:nvPr>
-            <p:ph idx="1"/>
-          </p:nvPr>
-        </p:nvSpPr>
-        <p:spPr/>
-        <p:txBody>
-          <a:bodyPr/>
-          <a:lstStyle/>
-          <a:p>
-            <a:r>
-              <a:rPr lang="ko-KR" altLang="en-US" dirty="0"/>
-              <a:t>코드를 작성하고 버그를 수정한다</a:t>
-            </a:r>
-            <a:r>
-              <a:rPr lang="en-US" altLang="ko-KR" dirty="0"/>
-              <a:t>.</a:t>
-            </a:r>
-            <a:endParaRPr lang="ko-KR" altLang="en-US" dirty="0"/>
-          </a:p>
-        </p:txBody>
-      </p:sp>
-    </p:spTree>
-    <p:extLst>
-      <p:ext uri="{BB962C8B-B14F-4D97-AF65-F5344CB8AC3E}">
-        <p14:creationId xmlns:p14="http://schemas.microsoft.com/office/powerpoint/2010/main" val="1303733429"/>
-      </p:ext>
-    </p:extLst>
-  </p:cSld>
-  <p:clrMapOvr>
-    <a:masterClrMapping/>
-  </p:clrMapOvr>
-</p:sld>
-</file>
-
-<file path=ppt/slides/slide33.xml><?xml version="1.0" encoding="utf-8"?>
-<p:sld xmlns:a="http://schemas.openxmlformats.org/drawingml/2006/main" xmlns:r="http://schemas.openxmlformats.org/officeDocument/2006/relationships" xmlns:p="http://schemas.openxmlformats.org/presentationml/2006/main">
-  <p:cSld>
-    <p:spTree>
-      <p:nvGrpSpPr>
-        <p:cNvPr id="1" name=""/>
-        <p:cNvGrpSpPr/>
-        <p:nvPr/>
-      </p:nvGrpSpPr>
-      <p:grpSpPr>
-        <a:xfrm>
-          <a:off x="0" y="0"/>
-          <a:ext cx="0" cy="0"/>
-          <a:chOff x="0" y="0"/>
-          <a:chExt cx="0" cy="0"/>
-        </a:xfrm>
-      </p:grpSpPr>
-      <p:sp>
-        <p:nvSpPr>
-          <p:cNvPr id="10" name="직사각형 9"/>
-          <p:cNvSpPr/>
-          <p:nvPr/>
-        </p:nvSpPr>
-        <p:spPr>
-          <a:xfrm>
-            <a:off x="-1" y="2398426"/>
-            <a:ext cx="12192001" cy="1338109"/>
-          </a:xfrm>
-          <a:prstGeom prst="rect">
-            <a:avLst/>
-          </a:prstGeom>
-          <a:solidFill>
-            <a:schemeClr val="accent1">
-              <a:lumMod val="75000"/>
-            </a:schemeClr>
-          </a:solidFill>
-          <a:ln>
-            <a:noFill/>
-          </a:ln>
-        </p:spPr>
-        <p:style>
-          <a:lnRef idx="2">
-            <a:schemeClr val="accent1">
-              <a:shade val="50000"/>
-            </a:schemeClr>
-          </a:lnRef>
-          <a:fillRef idx="1">
-            <a:schemeClr val="accent1"/>
-          </a:fillRef>
-          <a:effectRef idx="0">
-            <a:schemeClr val="accent1"/>
-          </a:effectRef>
-          <a:fontRef idx="minor">
-            <a:schemeClr val="lt1"/>
-          </a:fontRef>
-        </p:style>
-        <p:txBody>
-          <a:bodyPr rtlCol="0" anchor="ctr"/>
-          <a:lstStyle/>
-          <a:p>
-            <a:pPr algn="ctr"/>
-            <a:endParaRPr kumimoji="1" lang="ko-KR" altLang="en-US" dirty="0"/>
-          </a:p>
-        </p:txBody>
-      </p:sp>
-      <p:sp>
-        <p:nvSpPr>
-          <p:cNvPr id="12" name="부제목 2"/>
-          <p:cNvSpPr txBox="1">
-            <a:spLocks/>
-          </p:cNvSpPr>
-          <p:nvPr/>
-        </p:nvSpPr>
-        <p:spPr>
-          <a:xfrm>
-            <a:off x="1" y="2608234"/>
-            <a:ext cx="12192000" cy="754314"/>
-          </a:xfrm>
-          <a:prstGeom prst="rect">
-            <a:avLst/>
-          </a:prstGeom>
-        </p:spPr>
-        <p:txBody>
-          <a:bodyPr vert="horz" lIns="91440" tIns="45720" rIns="91440" bIns="45720" rtlCol="0" anchor="ctr">
-            <a:noAutofit/>
-          </a:bodyPr>
-          <a:lstStyle>
-            <a:lvl1pPr marL="0" indent="0" algn="ctr" defTabSz="914423" rtl="0" eaLnBrk="1" latinLnBrk="1" hangingPunct="1">
-              <a:lnSpc>
-                <a:spcPct val="90000"/>
-              </a:lnSpc>
-              <a:spcBef>
-                <a:spcPts val="1001"/>
-              </a:spcBef>
-              <a:buFont typeface="Arial"/>
-              <a:buNone/>
-              <a:defRPr sz="2400" kern="1200">
-                <a:solidFill>
-                  <a:schemeClr val="tx1"/>
-                </a:solidFill>
-                <a:latin typeface="+mn-lt"/>
-                <a:ea typeface="+mn-ea"/>
-                <a:cs typeface="+mn-cs"/>
-              </a:defRPr>
-            </a:lvl1pPr>
-            <a:lvl2pPr marL="457211" indent="0" algn="ctr" defTabSz="914423" rtl="0" eaLnBrk="1" latinLnBrk="1" hangingPunct="1">
-              <a:lnSpc>
-                <a:spcPct val="90000"/>
-              </a:lnSpc>
-              <a:spcBef>
-                <a:spcPts val="500"/>
-              </a:spcBef>
-              <a:buFont typeface="Arial"/>
-              <a:buNone/>
-              <a:defRPr sz="2000" kern="1200">
-                <a:solidFill>
-                  <a:schemeClr val="tx1"/>
-                </a:solidFill>
-                <a:latin typeface="+mn-lt"/>
-                <a:ea typeface="+mn-ea"/>
-                <a:cs typeface="+mn-cs"/>
-              </a:defRPr>
-            </a:lvl2pPr>
-            <a:lvl3pPr marL="914423" indent="0" algn="ctr" defTabSz="914423" rtl="0" eaLnBrk="1" latinLnBrk="1" hangingPunct="1">
-              <a:lnSpc>
-                <a:spcPct val="90000"/>
-              </a:lnSpc>
-              <a:spcBef>
-                <a:spcPts val="500"/>
-              </a:spcBef>
-              <a:buFont typeface="Arial"/>
-              <a:buNone/>
-              <a:defRPr sz="1801" kern="1200">
-                <a:solidFill>
-                  <a:schemeClr val="tx1"/>
-                </a:solidFill>
-                <a:latin typeface="+mn-lt"/>
-                <a:ea typeface="+mn-ea"/>
-                <a:cs typeface="+mn-cs"/>
-              </a:defRPr>
-            </a:lvl3pPr>
-            <a:lvl4pPr marL="1371634" indent="0" algn="ctr" defTabSz="914423" rtl="0" eaLnBrk="1" latinLnBrk="1" hangingPunct="1">
-              <a:lnSpc>
-                <a:spcPct val="90000"/>
-              </a:lnSpc>
-              <a:spcBef>
-                <a:spcPts val="500"/>
-              </a:spcBef>
-              <a:buFont typeface="Arial"/>
-              <a:buNone/>
-              <a:defRPr sz="1600" kern="1200">
-                <a:solidFill>
-                  <a:schemeClr val="tx1"/>
-                </a:solidFill>
-                <a:latin typeface="+mn-lt"/>
-                <a:ea typeface="+mn-ea"/>
-                <a:cs typeface="+mn-cs"/>
-              </a:defRPr>
-            </a:lvl4pPr>
-            <a:lvl5pPr marL="1828846" indent="0" algn="ctr" defTabSz="914423" rtl="0" eaLnBrk="1" latinLnBrk="1" hangingPunct="1">
-              <a:lnSpc>
-                <a:spcPct val="90000"/>
-              </a:lnSpc>
-              <a:spcBef>
-                <a:spcPts val="500"/>
-              </a:spcBef>
-              <a:buFont typeface="Arial"/>
-              <a:buNone/>
-              <a:defRPr sz="1600" kern="1200">
-                <a:solidFill>
-                  <a:schemeClr val="tx1"/>
-                </a:solidFill>
-                <a:latin typeface="+mn-lt"/>
-                <a:ea typeface="+mn-ea"/>
-                <a:cs typeface="+mn-cs"/>
-              </a:defRPr>
-            </a:lvl5pPr>
-            <a:lvl6pPr marL="2286057" indent="0" algn="ctr" defTabSz="914423" rtl="0" eaLnBrk="1" latinLnBrk="1" hangingPunct="1">
-              <a:lnSpc>
-                <a:spcPct val="90000"/>
-              </a:lnSpc>
-              <a:spcBef>
-                <a:spcPts val="500"/>
-              </a:spcBef>
-              <a:buFont typeface="Arial"/>
-              <a:buNone/>
-              <a:defRPr sz="1600" kern="1200">
-                <a:solidFill>
-                  <a:schemeClr val="tx1"/>
-                </a:solidFill>
-                <a:latin typeface="+mn-lt"/>
-                <a:ea typeface="+mn-ea"/>
-                <a:cs typeface="+mn-cs"/>
-              </a:defRPr>
-            </a:lvl6pPr>
-            <a:lvl7pPr marL="2743269" indent="0" algn="ctr" defTabSz="914423" rtl="0" eaLnBrk="1" latinLnBrk="1" hangingPunct="1">
-              <a:lnSpc>
-                <a:spcPct val="90000"/>
-              </a:lnSpc>
-              <a:spcBef>
-                <a:spcPts val="500"/>
-              </a:spcBef>
-              <a:buFont typeface="Arial"/>
-              <a:buNone/>
-              <a:defRPr sz="1600" kern="1200">
-                <a:solidFill>
-                  <a:schemeClr val="tx1"/>
-                </a:solidFill>
-                <a:latin typeface="+mn-lt"/>
-                <a:ea typeface="+mn-ea"/>
-                <a:cs typeface="+mn-cs"/>
-              </a:defRPr>
-            </a:lvl7pPr>
-            <a:lvl8pPr marL="3200480" indent="0" algn="ctr" defTabSz="914423" rtl="0" eaLnBrk="1" latinLnBrk="1" hangingPunct="1">
-              <a:lnSpc>
-                <a:spcPct val="90000"/>
-              </a:lnSpc>
-              <a:spcBef>
-                <a:spcPts val="500"/>
-              </a:spcBef>
-              <a:buFont typeface="Arial"/>
-              <a:buNone/>
-              <a:defRPr sz="1600" kern="1200">
-                <a:solidFill>
-                  <a:schemeClr val="tx1"/>
-                </a:solidFill>
-                <a:latin typeface="+mn-lt"/>
-                <a:ea typeface="+mn-ea"/>
-                <a:cs typeface="+mn-cs"/>
-              </a:defRPr>
-            </a:lvl8pPr>
-            <a:lvl9pPr marL="3657691" indent="0" algn="ctr" defTabSz="914423" rtl="0" eaLnBrk="1" latinLnBrk="1" hangingPunct="1">
-              <a:lnSpc>
-                <a:spcPct val="90000"/>
-              </a:lnSpc>
-              <a:spcBef>
-                <a:spcPts val="500"/>
-              </a:spcBef>
-              <a:buFont typeface="Arial"/>
-              <a:buNone/>
-              <a:defRPr sz="1600" kern="1200">
-                <a:solidFill>
-                  <a:schemeClr val="tx1"/>
-                </a:solidFill>
-                <a:latin typeface="+mn-lt"/>
-                <a:ea typeface="+mn-ea"/>
-                <a:cs typeface="+mn-cs"/>
-              </a:defRPr>
-            </a:lvl9pPr>
-          </a:lstStyle>
-          <a:p>
-            <a:r>
-              <a:rPr lang="ko-KR" altLang="en-US" sz="4800" dirty="0">
-                <a:solidFill>
-                  <a:schemeClr val="bg1"/>
-                </a:solidFill>
-                <a:latin typeface="+mj-lt"/>
-                <a:ea typeface="맑은 고딕" charset="-127"/>
-                <a:cs typeface="맑은 고딕" charset="-127"/>
-              </a:rPr>
-              <a:t>제품 </a:t>
-            </a:r>
-            <a:r>
-              <a:rPr lang="en-US" altLang="ko-KR" sz="4800" dirty="0">
-                <a:solidFill>
-                  <a:schemeClr val="bg1"/>
-                </a:solidFill>
-                <a:latin typeface="+mj-lt"/>
-                <a:ea typeface="맑은 고딕" charset="-127"/>
-                <a:cs typeface="맑은 고딕" charset="-127"/>
-              </a:rPr>
-              <a:t>Review</a:t>
-            </a:r>
-            <a:endParaRPr lang="ko-KR" altLang="en-US" sz="4800" dirty="0">
-              <a:solidFill>
-                <a:schemeClr val="bg1"/>
-              </a:solidFill>
-              <a:latin typeface="+mj-lt"/>
-              <a:ea typeface="맑은 고딕" charset="-127"/>
-              <a:cs typeface="맑은 고딕" charset="-127"/>
-            </a:endParaRPr>
-          </a:p>
-        </p:txBody>
-      </p:sp>
-    </p:spTree>
-    <p:extLst>
-      <p:ext uri="{BB962C8B-B14F-4D97-AF65-F5344CB8AC3E}">
-        <p14:creationId xmlns:p14="http://schemas.microsoft.com/office/powerpoint/2010/main" val="3953577241"/>
-      </p:ext>
-    </p:extLst>
-  </p:cSld>
-  <p:clrMapOvr>
-    <a:masterClrMapping/>
-  </p:clrMapOvr>
-</p:sld>
-</file>
-
-<file path=ppt/slides/slide34.xml><?xml version="1.0" encoding="utf-8"?>
-<p:sld xmlns:a="http://schemas.openxmlformats.org/drawingml/2006/main" xmlns:r="http://schemas.openxmlformats.org/officeDocument/2006/relationships" xmlns:p="http://schemas.openxmlformats.org/presentationml/2006/main">
-  <p:cSld>
-    <p:spTree>
-      <p:nvGrpSpPr>
-        <p:cNvPr id="1" name=""/>
-        <p:cNvGrpSpPr/>
-        <p:nvPr/>
-      </p:nvGrpSpPr>
-      <p:grpSpPr>
-        <a:xfrm>
-          <a:off x="0" y="0"/>
-          <a:ext cx="0" cy="0"/>
-          <a:chOff x="0" y="0"/>
-          <a:chExt cx="0" cy="0"/>
-        </a:xfrm>
-      </p:grpSpPr>
-      <p:sp>
-        <p:nvSpPr>
-          <p:cNvPr id="2" name="제목 1">
-            <a:extLst>
-              <a:ext uri="{FF2B5EF4-FFF2-40B4-BE49-F238E27FC236}">
-                <a16:creationId xmlns:a16="http://schemas.microsoft.com/office/drawing/2014/main" id="{2135F92A-65F5-4C7A-8C04-BF5F199039F2}"/>
-              </a:ext>
-            </a:extLst>
-          </p:cNvPr>
-          <p:cNvSpPr>
-            <a:spLocks noGrp="1"/>
-          </p:cNvSpPr>
-          <p:nvPr>
-            <p:ph type="title"/>
-          </p:nvPr>
-        </p:nvSpPr>
-        <p:spPr/>
-        <p:txBody>
-          <a:bodyPr/>
-          <a:lstStyle/>
-          <a:p>
-            <a:endParaRPr lang="ko-KR" altLang="en-US"/>
-          </a:p>
-        </p:txBody>
-      </p:sp>
-      <p:sp>
-        <p:nvSpPr>
-          <p:cNvPr id="3" name="내용 개체 틀 2">
-            <a:extLst>
-              <a:ext uri="{FF2B5EF4-FFF2-40B4-BE49-F238E27FC236}">
-                <a16:creationId xmlns:a16="http://schemas.microsoft.com/office/drawing/2014/main" id="{FB21A4AE-E1C2-4042-9B9E-43F419C42235}"/>
-              </a:ext>
-            </a:extLst>
-          </p:cNvPr>
-          <p:cNvSpPr>
-            <a:spLocks noGrp="1"/>
-          </p:cNvSpPr>
-          <p:nvPr>
-            <p:ph idx="1"/>
-          </p:nvPr>
-        </p:nvSpPr>
-        <p:spPr/>
-        <p:txBody>
-          <a:bodyPr/>
-          <a:lstStyle/>
-          <a:p>
-            <a:r>
-              <a:rPr lang="ko-KR" altLang="en-US" dirty="0"/>
-              <a:t>목표한 제품이 맞는 검증한다</a:t>
-            </a:r>
-          </a:p>
-        </p:txBody>
-      </p:sp>
-    </p:spTree>
-    <p:extLst>
-      <p:ext uri="{BB962C8B-B14F-4D97-AF65-F5344CB8AC3E}">
-        <p14:creationId xmlns:p14="http://schemas.microsoft.com/office/powerpoint/2010/main" val="539587114"/>
       </p:ext>
     </p:extLst>
   </p:cSld>
@@ -13470,6 +19286,474 @@
 </p:sld>
 </file>
 
+<file path=ppt/slides/slide40.xml><?xml version="1.0" encoding="utf-8"?>
+<p:sld xmlns:a="http://schemas.openxmlformats.org/drawingml/2006/main" xmlns:r="http://schemas.openxmlformats.org/officeDocument/2006/relationships" xmlns:p="http://schemas.openxmlformats.org/presentationml/2006/main">
+  <p:cSld>
+    <p:spTree>
+      <p:nvGrpSpPr>
+        <p:cNvPr id="1" name=""/>
+        <p:cNvGrpSpPr/>
+        <p:nvPr/>
+      </p:nvGrpSpPr>
+      <p:grpSpPr>
+        <a:xfrm>
+          <a:off x="0" y="0"/>
+          <a:ext cx="0" cy="0"/>
+          <a:chOff x="0" y="0"/>
+          <a:chExt cx="0" cy="0"/>
+        </a:xfrm>
+      </p:grpSpPr>
+      <p:sp>
+        <p:nvSpPr>
+          <p:cNvPr id="2" name="제목 1">
+            <a:extLst>
+              <a:ext uri="{FF2B5EF4-FFF2-40B4-BE49-F238E27FC236}">
+                <a16:creationId xmlns:a16="http://schemas.microsoft.com/office/drawing/2014/main" id="{2135F92A-65F5-4C7A-8C04-BF5F199039F2}"/>
+              </a:ext>
+            </a:extLst>
+          </p:cNvPr>
+          <p:cNvSpPr>
+            <a:spLocks noGrp="1"/>
+          </p:cNvSpPr>
+          <p:nvPr>
+            <p:ph type="title"/>
+          </p:nvPr>
+        </p:nvSpPr>
+        <p:spPr/>
+        <p:txBody>
+          <a:bodyPr/>
+          <a:lstStyle/>
+          <a:p>
+            <a:endParaRPr lang="ko-KR" altLang="en-US"/>
+          </a:p>
+        </p:txBody>
+      </p:sp>
+      <p:sp>
+        <p:nvSpPr>
+          <p:cNvPr id="3" name="내용 개체 틀 2">
+            <a:extLst>
+              <a:ext uri="{FF2B5EF4-FFF2-40B4-BE49-F238E27FC236}">
+                <a16:creationId xmlns:a16="http://schemas.microsoft.com/office/drawing/2014/main" id="{FB21A4AE-E1C2-4042-9B9E-43F419C42235}"/>
+              </a:ext>
+            </a:extLst>
+          </p:cNvPr>
+          <p:cNvSpPr>
+            <a:spLocks noGrp="1"/>
+          </p:cNvSpPr>
+          <p:nvPr>
+            <p:ph idx="1"/>
+          </p:nvPr>
+        </p:nvSpPr>
+        <p:spPr/>
+        <p:txBody>
+          <a:bodyPr/>
+          <a:lstStyle/>
+          <a:p>
+            <a:r>
+              <a:rPr lang="ko-KR" altLang="en-US" dirty="0"/>
+              <a:t>코드를 작성하고 버그를 수정한다</a:t>
+            </a:r>
+            <a:r>
+              <a:rPr lang="en-US" altLang="ko-KR" dirty="0"/>
+              <a:t>.</a:t>
+            </a:r>
+            <a:endParaRPr lang="ko-KR" altLang="en-US" dirty="0"/>
+          </a:p>
+        </p:txBody>
+      </p:sp>
+    </p:spTree>
+    <p:extLst>
+      <p:ext uri="{BB962C8B-B14F-4D97-AF65-F5344CB8AC3E}">
+        <p14:creationId xmlns:p14="http://schemas.microsoft.com/office/powerpoint/2010/main" val="1303733429"/>
+      </p:ext>
+    </p:extLst>
+  </p:cSld>
+  <p:clrMapOvr>
+    <a:masterClrMapping/>
+  </p:clrMapOvr>
+</p:sld>
+</file>
+
+<file path=ppt/slides/slide41.xml><?xml version="1.0" encoding="utf-8"?>
+<p:sld xmlns:a="http://schemas.openxmlformats.org/drawingml/2006/main" xmlns:r="http://schemas.openxmlformats.org/officeDocument/2006/relationships" xmlns:p="http://schemas.openxmlformats.org/presentationml/2006/main">
+  <p:cSld>
+    <p:spTree>
+      <p:nvGrpSpPr>
+        <p:cNvPr id="1" name=""/>
+        <p:cNvGrpSpPr/>
+        <p:nvPr/>
+      </p:nvGrpSpPr>
+      <p:grpSpPr>
+        <a:xfrm>
+          <a:off x="0" y="0"/>
+          <a:ext cx="0" cy="0"/>
+          <a:chOff x="0" y="0"/>
+          <a:chExt cx="0" cy="0"/>
+        </a:xfrm>
+      </p:grpSpPr>
+      <p:sp>
+        <p:nvSpPr>
+          <p:cNvPr id="10" name="직사각형 9"/>
+          <p:cNvSpPr/>
+          <p:nvPr/>
+        </p:nvSpPr>
+        <p:spPr>
+          <a:xfrm>
+            <a:off x="-1" y="2398426"/>
+            <a:ext cx="12192001" cy="1338109"/>
+          </a:xfrm>
+          <a:prstGeom prst="rect">
+            <a:avLst/>
+          </a:prstGeom>
+          <a:solidFill>
+            <a:schemeClr val="accent1">
+              <a:lumMod val="75000"/>
+            </a:schemeClr>
+          </a:solidFill>
+          <a:ln>
+            <a:noFill/>
+          </a:ln>
+        </p:spPr>
+        <p:style>
+          <a:lnRef idx="2">
+            <a:schemeClr val="accent1">
+              <a:shade val="50000"/>
+            </a:schemeClr>
+          </a:lnRef>
+          <a:fillRef idx="1">
+            <a:schemeClr val="accent1"/>
+          </a:fillRef>
+          <a:effectRef idx="0">
+            <a:schemeClr val="accent1"/>
+          </a:effectRef>
+          <a:fontRef idx="minor">
+            <a:schemeClr val="lt1"/>
+          </a:fontRef>
+        </p:style>
+        <p:txBody>
+          <a:bodyPr rtlCol="0" anchor="ctr"/>
+          <a:lstStyle/>
+          <a:p>
+            <a:pPr algn="ctr"/>
+            <a:endParaRPr kumimoji="1" lang="ko-KR" altLang="en-US" dirty="0"/>
+          </a:p>
+        </p:txBody>
+      </p:sp>
+      <p:sp>
+        <p:nvSpPr>
+          <p:cNvPr id="12" name="부제목 2"/>
+          <p:cNvSpPr txBox="1">
+            <a:spLocks/>
+          </p:cNvSpPr>
+          <p:nvPr/>
+        </p:nvSpPr>
+        <p:spPr>
+          <a:xfrm>
+            <a:off x="1" y="2608234"/>
+            <a:ext cx="12192000" cy="754314"/>
+          </a:xfrm>
+          <a:prstGeom prst="rect">
+            <a:avLst/>
+          </a:prstGeom>
+        </p:spPr>
+        <p:txBody>
+          <a:bodyPr vert="horz" lIns="91440" tIns="45720" rIns="91440" bIns="45720" rtlCol="0" anchor="ctr">
+            <a:noAutofit/>
+          </a:bodyPr>
+          <a:lstStyle>
+            <a:lvl1pPr marL="0" indent="0" algn="ctr" defTabSz="914423" rtl="0" eaLnBrk="1" latinLnBrk="1" hangingPunct="1">
+              <a:lnSpc>
+                <a:spcPct val="90000"/>
+              </a:lnSpc>
+              <a:spcBef>
+                <a:spcPts val="1001"/>
+              </a:spcBef>
+              <a:buFont typeface="Arial"/>
+              <a:buNone/>
+              <a:defRPr sz="2400" kern="1200">
+                <a:solidFill>
+                  <a:schemeClr val="tx1"/>
+                </a:solidFill>
+                <a:latin typeface="+mn-lt"/>
+                <a:ea typeface="+mn-ea"/>
+                <a:cs typeface="+mn-cs"/>
+              </a:defRPr>
+            </a:lvl1pPr>
+            <a:lvl2pPr marL="457211" indent="0" algn="ctr" defTabSz="914423" rtl="0" eaLnBrk="1" latinLnBrk="1" hangingPunct="1">
+              <a:lnSpc>
+                <a:spcPct val="90000"/>
+              </a:lnSpc>
+              <a:spcBef>
+                <a:spcPts val="500"/>
+              </a:spcBef>
+              <a:buFont typeface="Arial"/>
+              <a:buNone/>
+              <a:defRPr sz="2000" kern="1200">
+                <a:solidFill>
+                  <a:schemeClr val="tx1"/>
+                </a:solidFill>
+                <a:latin typeface="+mn-lt"/>
+                <a:ea typeface="+mn-ea"/>
+                <a:cs typeface="+mn-cs"/>
+              </a:defRPr>
+            </a:lvl2pPr>
+            <a:lvl3pPr marL="914423" indent="0" algn="ctr" defTabSz="914423" rtl="0" eaLnBrk="1" latinLnBrk="1" hangingPunct="1">
+              <a:lnSpc>
+                <a:spcPct val="90000"/>
+              </a:lnSpc>
+              <a:spcBef>
+                <a:spcPts val="500"/>
+              </a:spcBef>
+              <a:buFont typeface="Arial"/>
+              <a:buNone/>
+              <a:defRPr sz="1801" kern="1200">
+                <a:solidFill>
+                  <a:schemeClr val="tx1"/>
+                </a:solidFill>
+                <a:latin typeface="+mn-lt"/>
+                <a:ea typeface="+mn-ea"/>
+                <a:cs typeface="+mn-cs"/>
+              </a:defRPr>
+            </a:lvl3pPr>
+            <a:lvl4pPr marL="1371634" indent="0" algn="ctr" defTabSz="914423" rtl="0" eaLnBrk="1" latinLnBrk="1" hangingPunct="1">
+              <a:lnSpc>
+                <a:spcPct val="90000"/>
+              </a:lnSpc>
+              <a:spcBef>
+                <a:spcPts val="500"/>
+              </a:spcBef>
+              <a:buFont typeface="Arial"/>
+              <a:buNone/>
+              <a:defRPr sz="1600" kern="1200">
+                <a:solidFill>
+                  <a:schemeClr val="tx1"/>
+                </a:solidFill>
+                <a:latin typeface="+mn-lt"/>
+                <a:ea typeface="+mn-ea"/>
+                <a:cs typeface="+mn-cs"/>
+              </a:defRPr>
+            </a:lvl4pPr>
+            <a:lvl5pPr marL="1828846" indent="0" algn="ctr" defTabSz="914423" rtl="0" eaLnBrk="1" latinLnBrk="1" hangingPunct="1">
+              <a:lnSpc>
+                <a:spcPct val="90000"/>
+              </a:lnSpc>
+              <a:spcBef>
+                <a:spcPts val="500"/>
+              </a:spcBef>
+              <a:buFont typeface="Arial"/>
+              <a:buNone/>
+              <a:defRPr sz="1600" kern="1200">
+                <a:solidFill>
+                  <a:schemeClr val="tx1"/>
+                </a:solidFill>
+                <a:latin typeface="+mn-lt"/>
+                <a:ea typeface="+mn-ea"/>
+                <a:cs typeface="+mn-cs"/>
+              </a:defRPr>
+            </a:lvl5pPr>
+            <a:lvl6pPr marL="2286057" indent="0" algn="ctr" defTabSz="914423" rtl="0" eaLnBrk="1" latinLnBrk="1" hangingPunct="1">
+              <a:lnSpc>
+                <a:spcPct val="90000"/>
+              </a:lnSpc>
+              <a:spcBef>
+                <a:spcPts val="500"/>
+              </a:spcBef>
+              <a:buFont typeface="Arial"/>
+              <a:buNone/>
+              <a:defRPr sz="1600" kern="1200">
+                <a:solidFill>
+                  <a:schemeClr val="tx1"/>
+                </a:solidFill>
+                <a:latin typeface="+mn-lt"/>
+                <a:ea typeface="+mn-ea"/>
+                <a:cs typeface="+mn-cs"/>
+              </a:defRPr>
+            </a:lvl6pPr>
+            <a:lvl7pPr marL="2743269" indent="0" algn="ctr" defTabSz="914423" rtl="0" eaLnBrk="1" latinLnBrk="1" hangingPunct="1">
+              <a:lnSpc>
+                <a:spcPct val="90000"/>
+              </a:lnSpc>
+              <a:spcBef>
+                <a:spcPts val="500"/>
+              </a:spcBef>
+              <a:buFont typeface="Arial"/>
+              <a:buNone/>
+              <a:defRPr sz="1600" kern="1200">
+                <a:solidFill>
+                  <a:schemeClr val="tx1"/>
+                </a:solidFill>
+                <a:latin typeface="+mn-lt"/>
+                <a:ea typeface="+mn-ea"/>
+                <a:cs typeface="+mn-cs"/>
+              </a:defRPr>
+            </a:lvl7pPr>
+            <a:lvl8pPr marL="3200480" indent="0" algn="ctr" defTabSz="914423" rtl="0" eaLnBrk="1" latinLnBrk="1" hangingPunct="1">
+              <a:lnSpc>
+                <a:spcPct val="90000"/>
+              </a:lnSpc>
+              <a:spcBef>
+                <a:spcPts val="500"/>
+              </a:spcBef>
+              <a:buFont typeface="Arial"/>
+              <a:buNone/>
+              <a:defRPr sz="1600" kern="1200">
+                <a:solidFill>
+                  <a:schemeClr val="tx1"/>
+                </a:solidFill>
+                <a:latin typeface="+mn-lt"/>
+                <a:ea typeface="+mn-ea"/>
+                <a:cs typeface="+mn-cs"/>
+              </a:defRPr>
+            </a:lvl8pPr>
+            <a:lvl9pPr marL="3657691" indent="0" algn="ctr" defTabSz="914423" rtl="0" eaLnBrk="1" latinLnBrk="1" hangingPunct="1">
+              <a:lnSpc>
+                <a:spcPct val="90000"/>
+              </a:lnSpc>
+              <a:spcBef>
+                <a:spcPts val="500"/>
+              </a:spcBef>
+              <a:buFont typeface="Arial"/>
+              <a:buNone/>
+              <a:defRPr sz="1600" kern="1200">
+                <a:solidFill>
+                  <a:schemeClr val="tx1"/>
+                </a:solidFill>
+                <a:latin typeface="+mn-lt"/>
+                <a:ea typeface="+mn-ea"/>
+                <a:cs typeface="+mn-cs"/>
+              </a:defRPr>
+            </a:lvl9pPr>
+          </a:lstStyle>
+          <a:p>
+            <a:r>
+              <a:rPr lang="ko-KR" altLang="en-US" sz="4800" dirty="0">
+                <a:solidFill>
+                  <a:schemeClr val="bg1"/>
+                </a:solidFill>
+                <a:latin typeface="+mj-lt"/>
+                <a:ea typeface="맑은 고딕" charset="-127"/>
+                <a:cs typeface="맑은 고딕" charset="-127"/>
+              </a:rPr>
+              <a:t>제품 </a:t>
+            </a:r>
+            <a:r>
+              <a:rPr lang="en-US" altLang="ko-KR" sz="4800" dirty="0">
+                <a:solidFill>
+                  <a:schemeClr val="bg1"/>
+                </a:solidFill>
+                <a:latin typeface="+mj-lt"/>
+                <a:ea typeface="맑은 고딕" charset="-127"/>
+                <a:cs typeface="맑은 고딕" charset="-127"/>
+              </a:rPr>
+              <a:t>Review</a:t>
+            </a:r>
+            <a:endParaRPr lang="ko-KR" altLang="en-US" sz="4800" dirty="0">
+              <a:solidFill>
+                <a:schemeClr val="bg1"/>
+              </a:solidFill>
+              <a:latin typeface="+mj-lt"/>
+              <a:ea typeface="맑은 고딕" charset="-127"/>
+              <a:cs typeface="맑은 고딕" charset="-127"/>
+            </a:endParaRPr>
+          </a:p>
+        </p:txBody>
+      </p:sp>
+    </p:spTree>
+    <p:extLst>
+      <p:ext uri="{BB962C8B-B14F-4D97-AF65-F5344CB8AC3E}">
+        <p14:creationId xmlns:p14="http://schemas.microsoft.com/office/powerpoint/2010/main" val="3953577241"/>
+      </p:ext>
+    </p:extLst>
+  </p:cSld>
+  <p:clrMapOvr>
+    <a:masterClrMapping/>
+  </p:clrMapOvr>
+</p:sld>
+</file>
+
+<file path=ppt/slides/slide42.xml><?xml version="1.0" encoding="utf-8"?>
+<p:sld xmlns:a="http://schemas.openxmlformats.org/drawingml/2006/main" xmlns:r="http://schemas.openxmlformats.org/officeDocument/2006/relationships" xmlns:p="http://schemas.openxmlformats.org/presentationml/2006/main">
+  <p:cSld>
+    <p:spTree>
+      <p:nvGrpSpPr>
+        <p:cNvPr id="1" name=""/>
+        <p:cNvGrpSpPr/>
+        <p:nvPr/>
+      </p:nvGrpSpPr>
+      <p:grpSpPr>
+        <a:xfrm>
+          <a:off x="0" y="0"/>
+          <a:ext cx="0" cy="0"/>
+          <a:chOff x="0" y="0"/>
+          <a:chExt cx="0" cy="0"/>
+        </a:xfrm>
+      </p:grpSpPr>
+      <p:sp>
+        <p:nvSpPr>
+          <p:cNvPr id="2" name="제목 1">
+            <a:extLst>
+              <a:ext uri="{FF2B5EF4-FFF2-40B4-BE49-F238E27FC236}">
+                <a16:creationId xmlns:a16="http://schemas.microsoft.com/office/drawing/2014/main" id="{2135F92A-65F5-4C7A-8C04-BF5F199039F2}"/>
+              </a:ext>
+            </a:extLst>
+          </p:cNvPr>
+          <p:cNvSpPr>
+            <a:spLocks noGrp="1"/>
+          </p:cNvSpPr>
+          <p:nvPr>
+            <p:ph type="title"/>
+          </p:nvPr>
+        </p:nvSpPr>
+        <p:spPr/>
+        <p:txBody>
+          <a:bodyPr/>
+          <a:lstStyle/>
+          <a:p>
+            <a:endParaRPr lang="ko-KR" altLang="en-US"/>
+          </a:p>
+        </p:txBody>
+      </p:sp>
+      <p:sp>
+        <p:nvSpPr>
+          <p:cNvPr id="3" name="내용 개체 틀 2">
+            <a:extLst>
+              <a:ext uri="{FF2B5EF4-FFF2-40B4-BE49-F238E27FC236}">
+                <a16:creationId xmlns:a16="http://schemas.microsoft.com/office/drawing/2014/main" id="{FB21A4AE-E1C2-4042-9B9E-43F419C42235}"/>
+              </a:ext>
+            </a:extLst>
+          </p:cNvPr>
+          <p:cNvSpPr>
+            <a:spLocks noGrp="1"/>
+          </p:cNvSpPr>
+          <p:nvPr>
+            <p:ph idx="1"/>
+          </p:nvPr>
+        </p:nvSpPr>
+        <p:spPr/>
+        <p:txBody>
+          <a:bodyPr/>
+          <a:lstStyle/>
+          <a:p>
+            <a:r>
+              <a:rPr lang="ko-KR" altLang="en-US" dirty="0"/>
+              <a:t>목표한 제품이 맞는 검증한다</a:t>
+            </a:r>
+          </a:p>
+        </p:txBody>
+      </p:sp>
+    </p:spTree>
+    <p:extLst>
+      <p:ext uri="{BB962C8B-B14F-4D97-AF65-F5344CB8AC3E}">
+        <p14:creationId xmlns:p14="http://schemas.microsoft.com/office/powerpoint/2010/main" val="539587114"/>
+      </p:ext>
+    </p:extLst>
+  </p:cSld>
+  <p:clrMapOvr>
+    <a:masterClrMapping/>
+  </p:clrMapOvr>
+</p:sld>
+</file>
+
 <file path=ppt/slides/slide5.xml><?xml version="1.0" encoding="utf-8"?>
 <p:sld xmlns:r="http://schemas.openxmlformats.org/officeDocument/2006/relationships" xmlns:c="http://schemas.openxmlformats.org/drawingml/2006/chart" xmlns:a="http://schemas.openxmlformats.org/drawingml/2006/main" xmlns:dgm="http://schemas.openxmlformats.org/drawingml/2006/diagram" xmlns:dsp="http://schemas.microsoft.com/office/drawing/2008/diagram" xmlns:p="http://schemas.openxmlformats.org/presentationml/2006/main">
   <p:cSld>

--- a/2021_Summer/jp.hong/Project_BnD_jph.pptx
+++ b/2021_Summer/jp.hong/Project_BnD_jph.pptx
@@ -2,7 +2,7 @@
 <file path=ppt/presentation.xml><?xml version="1.0" encoding="utf-8"?>
 <p:presentation xmlns:r="http://schemas.openxmlformats.org/officeDocument/2006/relationships" xmlns:c="http://schemas.openxmlformats.org/drawingml/2006/chart" xmlns:a="http://schemas.openxmlformats.org/drawingml/2006/main" xmlns:dgm="http://schemas.openxmlformats.org/drawingml/2006/diagram" xmlns:dsp="http://schemas.microsoft.com/office/drawing/2008/diagram" xmlns:p="http://schemas.openxmlformats.org/presentationml/2006/main">
   <p:sldMasterIdLst>
-    <p:sldMasterId id="2147483676" r:id="rId1"/>
+    <p:sldMasterId id="2147483679" r:id="rId1"/>
   </p:sldMasterIdLst>
   <p:sldIdLst>
     <p:sldId id="261" r:id="rId2"/>
@@ -12399,7 +12399,7 @@
                   <a:schemeClr val="dk1"/>
                 </a:solidFill>
               </a:rPr>
-              <a:t>C:\UESRS\ &gt;&gt;</a:t>
+              <a:t>C:\UESRS\ &gt;&gt; 1</a:t>
             </a:r>
             <a:endParaRPr lang="en-US" altLang="ko-KR">
               <a:solidFill>
@@ -12421,6 +12421,22 @@
             <a:pPr>
               <a:defRPr/>
             </a:pPr>
+            <a:r>
+              <a:rPr lang="en-US" altLang="ko-KR">
+                <a:solidFill>
+                  <a:schemeClr val="dk1"/>
+                </a:solidFill>
+              </a:rPr>
+              <a:t>USB</a:t>
+            </a:r>
+            <a:r>
+              <a:rPr lang="ko-KR" altLang="en-US">
+                <a:solidFill>
+                  <a:schemeClr val="dk1"/>
+                </a:solidFill>
+              </a:rPr>
+              <a:t>를 선택했습니다</a:t>
+            </a:r>
             <a:endParaRPr lang="en-US" altLang="ko-KR">
               <a:solidFill>
                 <a:schemeClr val="dk1"/>
@@ -12479,6 +12495,272 @@
           </a:p>
         </p:txBody>
       </p:sp>
+      <p:sp>
+        <p:nvSpPr>
+          <p:cNvPr id="22" name=""/>
+          <p:cNvSpPr/>
+          <p:nvPr/>
+        </p:nvSpPr>
+        <p:spPr>
+          <a:xfrm>
+            <a:off x="7607177" y="3777028"/>
+            <a:ext cx="2679823" cy="914400"/>
+          </a:xfrm>
+          <a:prstGeom prst="rect">
+            <a:avLst/>
+          </a:prstGeom>
+          <a:solidFill>
+            <a:schemeClr val="accent3"/>
+          </a:solidFill>
+        </p:spPr>
+        <p:style>
+          <a:lnRef idx="2">
+            <a:schemeClr val="accent1">
+              <a:shade val="20000"/>
+            </a:schemeClr>
+          </a:lnRef>
+          <a:fillRef idx="1">
+            <a:schemeClr val="accent1"/>
+          </a:fillRef>
+          <a:effectRef idx="0">
+            <a:schemeClr val="accent1"/>
+          </a:effectRef>
+          <a:fontRef idx="minor">
+            <a:schemeClr val="lt1"/>
+          </a:fontRef>
+        </p:style>
+        <p:txBody>
+          <a:bodyPr anchor="ctr"/>
+          <a:lstStyle/>
+          <a:p>
+            <a:pPr algn="ctr">
+              <a:defRPr/>
+            </a:pPr>
+            <a:r>
+              <a:rPr lang="ko-KR" altLang="en-US"/>
+              <a:t>명령어를 숫자로 받아 입력받은 매체의 종류 선택</a:t>
+            </a:r>
+            <a:endParaRPr lang="ko-KR" altLang="en-US"/>
+          </a:p>
+        </p:txBody>
+      </p:sp>
+      <p:cxnSp>
+        <p:nvCxnSpPr>
+          <p:cNvPr id="23" name=""/>
+          <p:cNvCxnSpPr>
+            <a:endCxn id="22" idx="1"/>
+          </p:cNvCxnSpPr>
+          <p:nvPr/>
+        </p:nvCxnSpPr>
+        <p:spPr>
+          <a:xfrm flipV="1">
+            <a:off x="1910494" y="4234228"/>
+            <a:ext cx="5696683" cy="550253"/>
+          </a:xfrm>
+          <a:prstGeom prst="straightConnector1">
+            <a:avLst/>
+          </a:prstGeom>
+          <a:ln>
+            <a:tailEnd type="arrow"/>
+          </a:ln>
+        </p:spPr>
+        <p:style>
+          <a:lnRef idx="1">
+            <a:schemeClr val="accent1"/>
+          </a:lnRef>
+          <a:fillRef idx="0">
+            <a:schemeClr val="accent1"/>
+          </a:fillRef>
+          <a:effectRef idx="0">
+            <a:schemeClr val="accent1"/>
+          </a:effectRef>
+          <a:fontRef idx="minor">
+            <a:schemeClr val="tx1"/>
+          </a:fontRef>
+        </p:style>
+      </p:cxnSp>
+      <p:sp>
+        <p:nvSpPr>
+          <p:cNvPr id="24" name=""/>
+          <p:cNvSpPr/>
+          <p:nvPr/>
+        </p:nvSpPr>
+        <p:spPr>
+          <a:xfrm>
+            <a:off x="7608643" y="1560634"/>
+            <a:ext cx="2679823" cy="1868365"/>
+          </a:xfrm>
+          <a:prstGeom prst="rect">
+            <a:avLst/>
+          </a:prstGeom>
+          <a:solidFill>
+            <a:schemeClr val="accent3"/>
+          </a:solidFill>
+        </p:spPr>
+        <p:style>
+          <a:lnRef idx="2">
+            <a:schemeClr val="accent1">
+              <a:shade val="20000"/>
+            </a:schemeClr>
+          </a:lnRef>
+          <a:fillRef idx="1">
+            <a:schemeClr val="accent1"/>
+          </a:fillRef>
+          <a:effectRef idx="0">
+            <a:schemeClr val="accent1"/>
+          </a:effectRef>
+          <a:fontRef idx="minor">
+            <a:schemeClr val="lt1"/>
+          </a:fontRef>
+        </p:style>
+        <p:txBody>
+          <a:bodyPr anchor="ctr"/>
+          <a:lstStyle/>
+          <a:p>
+            <a:pPr algn="ctr">
+              <a:defRPr/>
+            </a:pPr>
+            <a:r>
+              <a:rPr lang="ko-KR" altLang="en-US"/>
+              <a:t>정보를 보고싶은 매체의 종류 출력</a:t>
+            </a:r>
+            <a:endParaRPr lang="ko-KR" altLang="en-US"/>
+          </a:p>
+          <a:p>
+            <a:pPr algn="ctr">
+              <a:defRPr/>
+            </a:pPr>
+            <a:r>
+              <a:rPr lang="en-US" altLang="ko-KR"/>
+              <a:t>help</a:t>
+            </a:r>
+            <a:r>
+              <a:rPr lang="ko-KR" altLang="en-US"/>
+              <a:t>의 경우 각 매체들의 어떤 정보를 볼 수 있는지 안내 메시지 출력</a:t>
+            </a:r>
+            <a:endParaRPr lang="ko-KR" altLang="en-US"/>
+          </a:p>
+        </p:txBody>
+      </p:sp>
+      <p:cxnSp>
+        <p:nvCxnSpPr>
+          <p:cNvPr id="25" name=""/>
+          <p:cNvCxnSpPr>
+            <a:endCxn id="24" idx="1"/>
+          </p:cNvCxnSpPr>
+          <p:nvPr/>
+        </p:nvCxnSpPr>
+        <p:spPr>
+          <a:xfrm flipV="1">
+            <a:off x="1654052" y="2494817"/>
+            <a:ext cx="5954593" cy="274759"/>
+          </a:xfrm>
+          <a:prstGeom prst="straightConnector1">
+            <a:avLst/>
+          </a:prstGeom>
+          <a:ln>
+            <a:tailEnd type="arrow"/>
+          </a:ln>
+        </p:spPr>
+        <p:style>
+          <a:lnRef idx="1">
+            <a:schemeClr val="accent1"/>
+          </a:lnRef>
+          <a:fillRef idx="0">
+            <a:schemeClr val="accent1"/>
+          </a:fillRef>
+          <a:effectRef idx="0">
+            <a:schemeClr val="accent1"/>
+          </a:effectRef>
+          <a:fontRef idx="minor">
+            <a:schemeClr val="tx1"/>
+          </a:fontRef>
+        </p:style>
+      </p:cxnSp>
+      <p:sp>
+        <p:nvSpPr>
+          <p:cNvPr id="27" name=""/>
+          <p:cNvSpPr/>
+          <p:nvPr/>
+        </p:nvSpPr>
+        <p:spPr>
+          <a:xfrm>
+            <a:off x="7629890" y="5943600"/>
+            <a:ext cx="2679823" cy="914400"/>
+          </a:xfrm>
+          <a:prstGeom prst="rect">
+            <a:avLst/>
+          </a:prstGeom>
+          <a:solidFill>
+            <a:schemeClr val="accent3"/>
+          </a:solidFill>
+        </p:spPr>
+        <p:style>
+          <a:lnRef idx="2">
+            <a:schemeClr val="accent1">
+              <a:shade val="20000"/>
+            </a:schemeClr>
+          </a:lnRef>
+          <a:fillRef idx="1">
+            <a:schemeClr val="accent1"/>
+          </a:fillRef>
+          <a:effectRef idx="0">
+            <a:schemeClr val="accent1"/>
+          </a:effectRef>
+          <a:fontRef idx="minor">
+            <a:schemeClr val="lt1"/>
+          </a:fontRef>
+        </p:style>
+        <p:txBody>
+          <a:bodyPr anchor="ctr"/>
+          <a:lstStyle/>
+          <a:p>
+            <a:pPr algn="ctr">
+              <a:defRPr/>
+            </a:pPr>
+            <a:r>
+              <a:rPr lang="ko-KR" altLang="en-US"/>
+              <a:t>선택 받은 매체 확인 문구 출력</a:t>
+            </a:r>
+            <a:endParaRPr lang="ko-KR" altLang="en-US"/>
+          </a:p>
+        </p:txBody>
+      </p:sp>
+      <p:cxnSp>
+        <p:nvCxnSpPr>
+          <p:cNvPr id="28" name=""/>
+          <p:cNvCxnSpPr>
+            <a:endCxn id="27" idx="1"/>
+          </p:cNvCxnSpPr>
+          <p:nvPr/>
+        </p:nvCxnSpPr>
+        <p:spPr>
+          <a:xfrm>
+            <a:off x="2203571" y="5370635"/>
+            <a:ext cx="5426320" cy="1030165"/>
+          </a:xfrm>
+          <a:prstGeom prst="straightConnector1">
+            <a:avLst/>
+          </a:prstGeom>
+          <a:ln>
+            <a:tailEnd type="arrow"/>
+          </a:ln>
+        </p:spPr>
+        <p:style>
+          <a:lnRef idx="1">
+            <a:schemeClr val="accent1"/>
+          </a:lnRef>
+          <a:fillRef idx="0">
+            <a:schemeClr val="accent1"/>
+          </a:fillRef>
+          <a:effectRef idx="0">
+            <a:schemeClr val="accent1"/>
+          </a:effectRef>
+          <a:fontRef idx="minor">
+            <a:schemeClr val="tx1"/>
+          </a:fontRef>
+        </p:style>
+      </p:cxnSp>
     </p:spTree>
   </p:cSld>
   <p:clrMapOvr>
@@ -12858,6 +13140,16 @@
               </a:rPr>
               <a:t>파일명을 입력하세요</a:t>
             </a:r>
+            <a:endParaRPr lang="ko-KR" altLang="en-US">
+              <a:solidFill>
+                <a:schemeClr val="dk1"/>
+              </a:solidFill>
+            </a:endParaRPr>
+          </a:p>
+          <a:p>
+            <a:pPr>
+              <a:defRPr/>
+            </a:pPr>
             <a:endParaRPr lang="ko-KR" altLang="en-US">
               <a:solidFill>
                 <a:schemeClr val="dk1"/>
@@ -13303,6 +13595,305 @@
           </a:graphicData>
         </a:graphic>
       </p:graphicFrame>
+      <p:sp>
+        <p:nvSpPr>
+          <p:cNvPr id="23" name=""/>
+          <p:cNvSpPr/>
+          <p:nvPr/>
+        </p:nvSpPr>
+        <p:spPr>
+          <a:xfrm>
+            <a:off x="9512178" y="1560634"/>
+            <a:ext cx="2679823" cy="914400"/>
+          </a:xfrm>
+          <a:prstGeom prst="rect">
+            <a:avLst/>
+          </a:prstGeom>
+          <a:solidFill>
+            <a:schemeClr val="accent3"/>
+          </a:solidFill>
+        </p:spPr>
+        <p:style>
+          <a:lnRef idx="2">
+            <a:schemeClr val="accent1">
+              <a:shade val="20000"/>
+            </a:schemeClr>
+          </a:lnRef>
+          <a:fillRef idx="1">
+            <a:schemeClr val="accent1"/>
+          </a:fillRef>
+          <a:effectRef idx="0">
+            <a:schemeClr val="accent1"/>
+          </a:effectRef>
+          <a:fontRef idx="minor">
+            <a:schemeClr val="lt1"/>
+          </a:fontRef>
+        </p:style>
+        <p:txBody>
+          <a:bodyPr anchor="ctr"/>
+          <a:p>
+            <a:pPr algn="ctr">
+              <a:defRPr/>
+            </a:pPr>
+            <a:r>
+              <a:rPr lang="ko-KR" altLang="en-US"/>
+              <a:t>레지스트리 정보를 받아 배열로 출력</a:t>
+            </a:r>
+            <a:endParaRPr lang="ko-KR" altLang="en-US"/>
+          </a:p>
+        </p:txBody>
+      </p:sp>
+      <p:cxnSp>
+        <p:nvCxnSpPr>
+          <p:cNvPr id="25" name=""/>
+          <p:cNvCxnSpPr>
+            <a:stCxn id="21" idx="0"/>
+            <a:endCxn id="23" idx="1"/>
+          </p:cNvCxnSpPr>
+          <p:nvPr/>
+        </p:nvCxnSpPr>
+        <p:spPr>
+          <a:xfrm flipV="1">
+            <a:off x="4760278" y="2017834"/>
+            <a:ext cx="4751900" cy="826330"/>
+          </a:xfrm>
+          <a:prstGeom prst="straightConnector1">
+            <a:avLst/>
+          </a:prstGeom>
+          <a:ln>
+            <a:tailEnd type="arrow"/>
+          </a:ln>
+        </p:spPr>
+        <p:style>
+          <a:lnRef idx="1">
+            <a:schemeClr val="accent1"/>
+          </a:lnRef>
+          <a:fillRef idx="0">
+            <a:schemeClr val="accent1"/>
+          </a:fillRef>
+          <a:effectRef idx="0">
+            <a:schemeClr val="accent1"/>
+          </a:effectRef>
+          <a:fontRef idx="minor">
+            <a:schemeClr val="tx1"/>
+          </a:fontRef>
+        </p:style>
+      </p:cxnSp>
+      <p:sp>
+        <p:nvSpPr>
+          <p:cNvPr id="26" name=""/>
+          <p:cNvSpPr/>
+          <p:nvPr/>
+        </p:nvSpPr>
+        <p:spPr>
+          <a:xfrm>
+            <a:off x="9512177" y="4130919"/>
+            <a:ext cx="2679823" cy="914400"/>
+          </a:xfrm>
+          <a:prstGeom prst="rect">
+            <a:avLst/>
+          </a:prstGeom>
+          <a:solidFill>
+            <a:schemeClr val="accent3"/>
+          </a:solidFill>
+        </p:spPr>
+        <p:style>
+          <a:lnRef idx="2">
+            <a:schemeClr val="accent1">
+              <a:shade val="20000"/>
+            </a:schemeClr>
+          </a:lnRef>
+          <a:fillRef idx="1">
+            <a:schemeClr val="accent1"/>
+          </a:fillRef>
+          <a:effectRef idx="0">
+            <a:schemeClr val="accent1"/>
+          </a:effectRef>
+          <a:fontRef idx="minor">
+            <a:schemeClr val="lt1"/>
+          </a:fontRef>
+        </p:style>
+        <p:txBody>
+          <a:bodyPr anchor="ctr"/>
+          <a:lstStyle/>
+          <a:p>
+            <a:pPr algn="ctr">
+              <a:defRPr/>
+            </a:pPr>
+            <a:r>
+              <a:rPr lang="en-US" altLang="ko-KR"/>
+              <a:t>Yes/No</a:t>
+            </a:r>
+            <a:r>
+              <a:rPr lang="ko-KR" altLang="en-US"/>
+              <a:t>로 명령어를 입력 받아 파일로 출력할 지 결정</a:t>
+            </a:r>
+            <a:endParaRPr lang="ko-KR" altLang="en-US"/>
+          </a:p>
+        </p:txBody>
+      </p:sp>
+      <p:cxnSp>
+        <p:nvCxnSpPr>
+          <p:cNvPr id="27" name=""/>
+          <p:cNvCxnSpPr>
+            <a:endCxn id="26" idx="1"/>
+          </p:cNvCxnSpPr>
+          <p:nvPr/>
+        </p:nvCxnSpPr>
+        <p:spPr>
+          <a:xfrm>
+            <a:off x="3485783" y="4344865"/>
+            <a:ext cx="6026393" cy="243254"/>
+          </a:xfrm>
+          <a:prstGeom prst="straightConnector1">
+            <a:avLst/>
+          </a:prstGeom>
+          <a:ln>
+            <a:tailEnd type="arrow"/>
+          </a:ln>
+        </p:spPr>
+        <p:style>
+          <a:lnRef idx="1">
+            <a:schemeClr val="accent1"/>
+          </a:lnRef>
+          <a:fillRef idx="0">
+            <a:schemeClr val="accent1"/>
+          </a:fillRef>
+          <a:effectRef idx="0">
+            <a:schemeClr val="accent1"/>
+          </a:effectRef>
+          <a:fontRef idx="minor">
+            <a:schemeClr val="tx1"/>
+          </a:fontRef>
+        </p:style>
+      </p:cxnSp>
+      <p:sp>
+        <p:nvSpPr>
+          <p:cNvPr id="28" name=""/>
+          <p:cNvSpPr/>
+          <p:nvPr/>
+        </p:nvSpPr>
+        <p:spPr>
+          <a:xfrm>
+            <a:off x="9512177" y="5437310"/>
+            <a:ext cx="2679823" cy="914400"/>
+          </a:xfrm>
+          <a:prstGeom prst="rect">
+            <a:avLst/>
+          </a:prstGeom>
+          <a:solidFill>
+            <a:schemeClr val="accent3"/>
+          </a:solidFill>
+        </p:spPr>
+        <p:style>
+          <a:lnRef idx="2">
+            <a:schemeClr val="accent1">
+              <a:shade val="20000"/>
+            </a:schemeClr>
+          </a:lnRef>
+          <a:fillRef idx="1">
+            <a:schemeClr val="accent1"/>
+          </a:fillRef>
+          <a:effectRef idx="0">
+            <a:schemeClr val="accent1"/>
+          </a:effectRef>
+          <a:fontRef idx="minor">
+            <a:schemeClr val="lt1"/>
+          </a:fontRef>
+        </p:style>
+        <p:txBody>
+          <a:bodyPr anchor="ctr"/>
+          <a:lstStyle/>
+          <a:p>
+            <a:pPr algn="ctr">
+              <a:defRPr/>
+            </a:pPr>
+            <a:r>
+              <a:rPr lang="ko-KR" altLang="en-US"/>
+              <a:t>파일명을 입력 받아 출력된 정보 </a:t>
+            </a:r>
+            <a:r>
+              <a:rPr lang="en-US" altLang="ko-KR"/>
+              <a:t>xlsx</a:t>
+            </a:r>
+            <a:r>
+              <a:rPr lang="ko-KR" altLang="en-US"/>
+              <a:t>파일 생성</a:t>
+            </a:r>
+            <a:endParaRPr lang="ko-KR" altLang="en-US"/>
+          </a:p>
+        </p:txBody>
+      </p:sp>
+      <p:cxnSp>
+        <p:nvCxnSpPr>
+          <p:cNvPr id="29" name=""/>
+          <p:cNvCxnSpPr>
+            <a:endCxn id="28" idx="1"/>
+          </p:cNvCxnSpPr>
+          <p:nvPr/>
+        </p:nvCxnSpPr>
+        <p:spPr>
+          <a:xfrm>
+            <a:off x="2368427" y="5498856"/>
+            <a:ext cx="7143749" cy="395654"/>
+          </a:xfrm>
+          <a:prstGeom prst="straightConnector1">
+            <a:avLst/>
+          </a:prstGeom>
+          <a:ln>
+            <a:tailEnd type="arrow"/>
+          </a:ln>
+        </p:spPr>
+        <p:style>
+          <a:lnRef idx="1">
+            <a:schemeClr val="accent1"/>
+          </a:lnRef>
+          <a:fillRef idx="0">
+            <a:schemeClr val="accent1"/>
+          </a:fillRef>
+          <a:effectRef idx="0">
+            <a:schemeClr val="accent1"/>
+          </a:effectRef>
+          <a:fontRef idx="minor">
+            <a:schemeClr val="tx1"/>
+          </a:fontRef>
+        </p:style>
+      </p:cxnSp>
+      <p:cxnSp>
+        <p:nvCxnSpPr>
+          <p:cNvPr id="30" name=""/>
+          <p:cNvCxnSpPr>
+            <a:endCxn id="28" idx="1"/>
+          </p:cNvCxnSpPr>
+          <p:nvPr/>
+        </p:nvCxnSpPr>
+        <p:spPr>
+          <a:xfrm flipV="1">
+            <a:off x="2716456" y="5894510"/>
+            <a:ext cx="6795720" cy="685065"/>
+          </a:xfrm>
+          <a:prstGeom prst="straightConnector1">
+            <a:avLst/>
+          </a:prstGeom>
+          <a:ln>
+            <a:tailEnd type="arrow"/>
+          </a:ln>
+        </p:spPr>
+        <p:style>
+          <a:lnRef idx="1">
+            <a:schemeClr val="accent1"/>
+          </a:lnRef>
+          <a:fillRef idx="0">
+            <a:schemeClr val="accent1"/>
+          </a:fillRef>
+          <a:effectRef idx="0">
+            <a:schemeClr val="accent1"/>
+          </a:effectRef>
+          <a:fontRef idx="minor">
+            <a:schemeClr val="tx1"/>
+          </a:fontRef>
+        </p:style>
+      </p:cxnSp>
     </p:spTree>
   </p:cSld>
   <p:clrMapOvr>
@@ -14111,6 +14702,305 @@
           </a:graphicData>
         </a:graphic>
       </p:graphicFrame>
+      <p:sp>
+        <p:nvSpPr>
+          <p:cNvPr id="22" name=""/>
+          <p:cNvSpPr/>
+          <p:nvPr/>
+        </p:nvSpPr>
+        <p:spPr>
+          <a:xfrm>
+            <a:off x="9512177" y="4130919"/>
+            <a:ext cx="2679823" cy="914400"/>
+          </a:xfrm>
+          <a:prstGeom prst="rect">
+            <a:avLst/>
+          </a:prstGeom>
+          <a:solidFill>
+            <a:schemeClr val="accent3"/>
+          </a:solidFill>
+        </p:spPr>
+        <p:style>
+          <a:lnRef idx="2">
+            <a:schemeClr val="accent1">
+              <a:shade val="20000"/>
+            </a:schemeClr>
+          </a:lnRef>
+          <a:fillRef idx="1">
+            <a:schemeClr val="accent1"/>
+          </a:fillRef>
+          <a:effectRef idx="0">
+            <a:schemeClr val="accent1"/>
+          </a:effectRef>
+          <a:fontRef idx="minor">
+            <a:schemeClr val="lt1"/>
+          </a:fontRef>
+        </p:style>
+        <p:txBody>
+          <a:bodyPr anchor="ctr"/>
+          <a:lstStyle/>
+          <a:p>
+            <a:pPr algn="ctr">
+              <a:defRPr/>
+            </a:pPr>
+            <a:r>
+              <a:rPr lang="en-US" altLang="ko-KR"/>
+              <a:t>Yes/No</a:t>
+            </a:r>
+            <a:r>
+              <a:rPr lang="ko-KR" altLang="en-US"/>
+              <a:t>로 명령어를 입력 받아 파일로 출력할 지 결정</a:t>
+            </a:r>
+            <a:endParaRPr lang="ko-KR" altLang="en-US"/>
+          </a:p>
+        </p:txBody>
+      </p:sp>
+      <p:cxnSp>
+        <p:nvCxnSpPr>
+          <p:cNvPr id="23" name=""/>
+          <p:cNvCxnSpPr>
+            <a:endCxn id="22" idx="1"/>
+          </p:cNvCxnSpPr>
+          <p:nvPr/>
+        </p:nvCxnSpPr>
+        <p:spPr>
+          <a:xfrm>
+            <a:off x="3467465" y="4509721"/>
+            <a:ext cx="6044710" cy="78398"/>
+          </a:xfrm>
+          <a:prstGeom prst="straightConnector1">
+            <a:avLst/>
+          </a:prstGeom>
+          <a:ln>
+            <a:tailEnd type="arrow"/>
+          </a:ln>
+        </p:spPr>
+        <p:style>
+          <a:lnRef idx="1">
+            <a:schemeClr val="accent1"/>
+          </a:lnRef>
+          <a:fillRef idx="0">
+            <a:schemeClr val="accent1"/>
+          </a:fillRef>
+          <a:effectRef idx="0">
+            <a:schemeClr val="accent1"/>
+          </a:effectRef>
+          <a:fontRef idx="minor">
+            <a:schemeClr val="tx1"/>
+          </a:fontRef>
+        </p:style>
+      </p:cxnSp>
+      <p:sp>
+        <p:nvSpPr>
+          <p:cNvPr id="24" name=""/>
+          <p:cNvSpPr/>
+          <p:nvPr/>
+        </p:nvSpPr>
+        <p:spPr>
+          <a:xfrm>
+            <a:off x="9512177" y="5437310"/>
+            <a:ext cx="2679823" cy="914400"/>
+          </a:xfrm>
+          <a:prstGeom prst="rect">
+            <a:avLst/>
+          </a:prstGeom>
+          <a:solidFill>
+            <a:schemeClr val="accent3"/>
+          </a:solidFill>
+        </p:spPr>
+        <p:style>
+          <a:lnRef idx="2">
+            <a:schemeClr val="accent1">
+              <a:shade val="20000"/>
+            </a:schemeClr>
+          </a:lnRef>
+          <a:fillRef idx="1">
+            <a:schemeClr val="accent1"/>
+          </a:fillRef>
+          <a:effectRef idx="0">
+            <a:schemeClr val="accent1"/>
+          </a:effectRef>
+          <a:fontRef idx="minor">
+            <a:schemeClr val="lt1"/>
+          </a:fontRef>
+        </p:style>
+        <p:txBody>
+          <a:bodyPr anchor="ctr"/>
+          <a:lstStyle/>
+          <a:p>
+            <a:pPr algn="ctr">
+              <a:defRPr/>
+            </a:pPr>
+            <a:r>
+              <a:rPr lang="ko-KR" altLang="en-US"/>
+              <a:t>파일명을 입력 받아 출력된 정보 </a:t>
+            </a:r>
+            <a:r>
+              <a:rPr lang="en-US" altLang="ko-KR"/>
+              <a:t>xlsx</a:t>
+            </a:r>
+            <a:r>
+              <a:rPr lang="ko-KR" altLang="en-US"/>
+              <a:t>파일 생성</a:t>
+            </a:r>
+            <a:endParaRPr lang="ko-KR" altLang="en-US"/>
+          </a:p>
+        </p:txBody>
+      </p:sp>
+      <p:cxnSp>
+        <p:nvCxnSpPr>
+          <p:cNvPr id="25" name=""/>
+          <p:cNvCxnSpPr>
+            <a:endCxn id="24" idx="1"/>
+          </p:cNvCxnSpPr>
+          <p:nvPr/>
+        </p:nvCxnSpPr>
+        <p:spPr>
+          <a:xfrm>
+            <a:off x="2350109" y="5590442"/>
+            <a:ext cx="7162066" cy="304068"/>
+          </a:xfrm>
+          <a:prstGeom prst="straightConnector1">
+            <a:avLst/>
+          </a:prstGeom>
+          <a:ln>
+            <a:tailEnd type="arrow"/>
+          </a:ln>
+        </p:spPr>
+        <p:style>
+          <a:lnRef idx="1">
+            <a:schemeClr val="accent1"/>
+          </a:lnRef>
+          <a:fillRef idx="0">
+            <a:schemeClr val="accent1"/>
+          </a:fillRef>
+          <a:effectRef idx="0">
+            <a:schemeClr val="accent1"/>
+          </a:effectRef>
+          <a:fontRef idx="minor">
+            <a:schemeClr val="tx1"/>
+          </a:fontRef>
+        </p:style>
+      </p:cxnSp>
+      <p:cxnSp>
+        <p:nvCxnSpPr>
+          <p:cNvPr id="26" name=""/>
+          <p:cNvCxnSpPr>
+            <a:endCxn id="24" idx="1"/>
+          </p:cNvCxnSpPr>
+          <p:nvPr/>
+        </p:nvCxnSpPr>
+        <p:spPr>
+          <a:xfrm flipV="1">
+            <a:off x="2514966" y="5894510"/>
+            <a:ext cx="6997210" cy="520211"/>
+          </a:xfrm>
+          <a:prstGeom prst="straightConnector1">
+            <a:avLst/>
+          </a:prstGeom>
+          <a:ln>
+            <a:tailEnd type="arrow"/>
+          </a:ln>
+        </p:spPr>
+        <p:style>
+          <a:lnRef idx="1">
+            <a:schemeClr val="accent1"/>
+          </a:lnRef>
+          <a:fillRef idx="0">
+            <a:schemeClr val="accent1"/>
+          </a:fillRef>
+          <a:effectRef idx="0">
+            <a:schemeClr val="accent1"/>
+          </a:effectRef>
+          <a:fontRef idx="minor">
+            <a:schemeClr val="tx1"/>
+          </a:fontRef>
+        </p:style>
+      </p:cxnSp>
+      <p:sp>
+        <p:nvSpPr>
+          <p:cNvPr id="27" name=""/>
+          <p:cNvSpPr/>
+          <p:nvPr/>
+        </p:nvSpPr>
+        <p:spPr>
+          <a:xfrm>
+            <a:off x="9512178" y="1560634"/>
+            <a:ext cx="2679823" cy="914400"/>
+          </a:xfrm>
+          <a:prstGeom prst="rect">
+            <a:avLst/>
+          </a:prstGeom>
+          <a:solidFill>
+            <a:schemeClr val="accent3"/>
+          </a:solidFill>
+        </p:spPr>
+        <p:style>
+          <a:lnRef idx="2">
+            <a:schemeClr val="accent1">
+              <a:shade val="20000"/>
+            </a:schemeClr>
+          </a:lnRef>
+          <a:fillRef idx="1">
+            <a:schemeClr val="accent1"/>
+          </a:fillRef>
+          <a:effectRef idx="0">
+            <a:schemeClr val="accent1"/>
+          </a:effectRef>
+          <a:fontRef idx="minor">
+            <a:schemeClr val="lt1"/>
+          </a:fontRef>
+        </p:style>
+        <p:txBody>
+          <a:bodyPr anchor="ctr"/>
+          <a:lstStyle/>
+          <a:p>
+            <a:pPr algn="ctr">
+              <a:defRPr/>
+            </a:pPr>
+            <a:r>
+              <a:rPr lang="ko-KR" altLang="en-US"/>
+              <a:t>레지스트리 정보를 받아 배열로 출력</a:t>
+            </a:r>
+            <a:endParaRPr lang="ko-KR" altLang="en-US"/>
+          </a:p>
+        </p:txBody>
+      </p:sp>
+      <p:cxnSp>
+        <p:nvCxnSpPr>
+          <p:cNvPr id="28" name=""/>
+          <p:cNvCxnSpPr>
+            <a:endCxn id="27" idx="1"/>
+          </p:cNvCxnSpPr>
+          <p:nvPr/>
+        </p:nvCxnSpPr>
+        <p:spPr>
+          <a:xfrm flipV="1">
+            <a:off x="4760278" y="2017834"/>
+            <a:ext cx="4751900" cy="826330"/>
+          </a:xfrm>
+          <a:prstGeom prst="straightConnector1">
+            <a:avLst/>
+          </a:prstGeom>
+          <a:ln>
+            <a:tailEnd type="arrow"/>
+          </a:ln>
+        </p:spPr>
+        <p:style>
+          <a:lnRef idx="1">
+            <a:schemeClr val="accent1"/>
+          </a:lnRef>
+          <a:fillRef idx="0">
+            <a:schemeClr val="accent1"/>
+          </a:fillRef>
+          <a:effectRef idx="0">
+            <a:schemeClr val="accent1"/>
+          </a:effectRef>
+          <a:fontRef idx="minor">
+            <a:schemeClr val="tx1"/>
+          </a:fontRef>
+        </p:style>
+      </p:cxnSp>
     </p:spTree>
   </p:cSld>
   <p:clrMapOvr>
@@ -14899,6 +15789,305 @@
           </a:graphicData>
         </a:graphic>
       </p:graphicFrame>
+      <p:sp>
+        <p:nvSpPr>
+          <p:cNvPr id="22" name=""/>
+          <p:cNvSpPr/>
+          <p:nvPr/>
+        </p:nvSpPr>
+        <p:spPr>
+          <a:xfrm>
+            <a:off x="9512177" y="4130919"/>
+            <a:ext cx="2679823" cy="914400"/>
+          </a:xfrm>
+          <a:prstGeom prst="rect">
+            <a:avLst/>
+          </a:prstGeom>
+          <a:solidFill>
+            <a:schemeClr val="accent3"/>
+          </a:solidFill>
+        </p:spPr>
+        <p:style>
+          <a:lnRef idx="2">
+            <a:schemeClr val="accent1">
+              <a:shade val="20000"/>
+            </a:schemeClr>
+          </a:lnRef>
+          <a:fillRef idx="1">
+            <a:schemeClr val="accent1"/>
+          </a:fillRef>
+          <a:effectRef idx="0">
+            <a:schemeClr val="accent1"/>
+          </a:effectRef>
+          <a:fontRef idx="minor">
+            <a:schemeClr val="lt1"/>
+          </a:fontRef>
+        </p:style>
+        <p:txBody>
+          <a:bodyPr anchor="ctr"/>
+          <a:lstStyle/>
+          <a:p>
+            <a:pPr algn="ctr">
+              <a:defRPr/>
+            </a:pPr>
+            <a:r>
+              <a:rPr lang="en-US" altLang="ko-KR"/>
+              <a:t>Yes/No</a:t>
+            </a:r>
+            <a:r>
+              <a:rPr lang="ko-KR" altLang="en-US"/>
+              <a:t>로 명령어를 입력 받아 파일로 출력할 지 결정</a:t>
+            </a:r>
+            <a:endParaRPr lang="ko-KR" altLang="en-US"/>
+          </a:p>
+        </p:txBody>
+      </p:sp>
+      <p:cxnSp>
+        <p:nvCxnSpPr>
+          <p:cNvPr id="23" name=""/>
+          <p:cNvCxnSpPr>
+            <a:endCxn id="22" idx="1"/>
+          </p:cNvCxnSpPr>
+          <p:nvPr/>
+        </p:nvCxnSpPr>
+        <p:spPr>
+          <a:xfrm>
+            <a:off x="3467465" y="4509721"/>
+            <a:ext cx="6044710" cy="78398"/>
+          </a:xfrm>
+          <a:prstGeom prst="straightConnector1">
+            <a:avLst/>
+          </a:prstGeom>
+          <a:ln>
+            <a:tailEnd type="arrow"/>
+          </a:ln>
+        </p:spPr>
+        <p:style>
+          <a:lnRef idx="1">
+            <a:schemeClr val="accent1"/>
+          </a:lnRef>
+          <a:fillRef idx="0">
+            <a:schemeClr val="accent1"/>
+          </a:fillRef>
+          <a:effectRef idx="0">
+            <a:schemeClr val="accent1"/>
+          </a:effectRef>
+          <a:fontRef idx="minor">
+            <a:schemeClr val="tx1"/>
+          </a:fontRef>
+        </p:style>
+      </p:cxnSp>
+      <p:sp>
+        <p:nvSpPr>
+          <p:cNvPr id="24" name=""/>
+          <p:cNvSpPr/>
+          <p:nvPr/>
+        </p:nvSpPr>
+        <p:spPr>
+          <a:xfrm>
+            <a:off x="9512177" y="5437310"/>
+            <a:ext cx="2679823" cy="914400"/>
+          </a:xfrm>
+          <a:prstGeom prst="rect">
+            <a:avLst/>
+          </a:prstGeom>
+          <a:solidFill>
+            <a:schemeClr val="accent3"/>
+          </a:solidFill>
+        </p:spPr>
+        <p:style>
+          <a:lnRef idx="2">
+            <a:schemeClr val="accent1">
+              <a:shade val="20000"/>
+            </a:schemeClr>
+          </a:lnRef>
+          <a:fillRef idx="1">
+            <a:schemeClr val="accent1"/>
+          </a:fillRef>
+          <a:effectRef idx="0">
+            <a:schemeClr val="accent1"/>
+          </a:effectRef>
+          <a:fontRef idx="minor">
+            <a:schemeClr val="lt1"/>
+          </a:fontRef>
+        </p:style>
+        <p:txBody>
+          <a:bodyPr anchor="ctr"/>
+          <a:lstStyle/>
+          <a:p>
+            <a:pPr algn="ctr">
+              <a:defRPr/>
+            </a:pPr>
+            <a:r>
+              <a:rPr lang="ko-KR" altLang="en-US"/>
+              <a:t>파일명을 입력 받아 출력된 정보 </a:t>
+            </a:r>
+            <a:r>
+              <a:rPr lang="en-US" altLang="ko-KR"/>
+              <a:t>xlsx</a:t>
+            </a:r>
+            <a:r>
+              <a:rPr lang="ko-KR" altLang="en-US"/>
+              <a:t>파일 생성</a:t>
+            </a:r>
+            <a:endParaRPr lang="ko-KR" altLang="en-US"/>
+          </a:p>
+        </p:txBody>
+      </p:sp>
+      <p:cxnSp>
+        <p:nvCxnSpPr>
+          <p:cNvPr id="25" name=""/>
+          <p:cNvCxnSpPr>
+            <a:endCxn id="24" idx="1"/>
+          </p:cNvCxnSpPr>
+          <p:nvPr/>
+        </p:nvCxnSpPr>
+        <p:spPr>
+          <a:xfrm>
+            <a:off x="2350109" y="5590442"/>
+            <a:ext cx="7162066" cy="304068"/>
+          </a:xfrm>
+          <a:prstGeom prst="straightConnector1">
+            <a:avLst/>
+          </a:prstGeom>
+          <a:ln>
+            <a:tailEnd type="arrow"/>
+          </a:ln>
+        </p:spPr>
+        <p:style>
+          <a:lnRef idx="1">
+            <a:schemeClr val="accent1"/>
+          </a:lnRef>
+          <a:fillRef idx="0">
+            <a:schemeClr val="accent1"/>
+          </a:fillRef>
+          <a:effectRef idx="0">
+            <a:schemeClr val="accent1"/>
+          </a:effectRef>
+          <a:fontRef idx="minor">
+            <a:schemeClr val="tx1"/>
+          </a:fontRef>
+        </p:style>
+      </p:cxnSp>
+      <p:cxnSp>
+        <p:nvCxnSpPr>
+          <p:cNvPr id="26" name=""/>
+          <p:cNvCxnSpPr>
+            <a:endCxn id="24" idx="1"/>
+          </p:cNvCxnSpPr>
+          <p:nvPr/>
+        </p:nvCxnSpPr>
+        <p:spPr>
+          <a:xfrm flipV="1">
+            <a:off x="2514966" y="5894510"/>
+            <a:ext cx="6997210" cy="520211"/>
+          </a:xfrm>
+          <a:prstGeom prst="straightConnector1">
+            <a:avLst/>
+          </a:prstGeom>
+          <a:ln>
+            <a:tailEnd type="arrow"/>
+          </a:ln>
+        </p:spPr>
+        <p:style>
+          <a:lnRef idx="1">
+            <a:schemeClr val="accent1"/>
+          </a:lnRef>
+          <a:fillRef idx="0">
+            <a:schemeClr val="accent1"/>
+          </a:fillRef>
+          <a:effectRef idx="0">
+            <a:schemeClr val="accent1"/>
+          </a:effectRef>
+          <a:fontRef idx="minor">
+            <a:schemeClr val="tx1"/>
+          </a:fontRef>
+        </p:style>
+      </p:cxnSp>
+      <p:sp>
+        <p:nvSpPr>
+          <p:cNvPr id="27" name=""/>
+          <p:cNvSpPr/>
+          <p:nvPr/>
+        </p:nvSpPr>
+        <p:spPr>
+          <a:xfrm>
+            <a:off x="9512178" y="1560634"/>
+            <a:ext cx="2679823" cy="914400"/>
+          </a:xfrm>
+          <a:prstGeom prst="rect">
+            <a:avLst/>
+          </a:prstGeom>
+          <a:solidFill>
+            <a:schemeClr val="accent3"/>
+          </a:solidFill>
+        </p:spPr>
+        <p:style>
+          <a:lnRef idx="2">
+            <a:schemeClr val="accent1">
+              <a:shade val="20000"/>
+            </a:schemeClr>
+          </a:lnRef>
+          <a:fillRef idx="1">
+            <a:schemeClr val="accent1"/>
+          </a:fillRef>
+          <a:effectRef idx="0">
+            <a:schemeClr val="accent1"/>
+          </a:effectRef>
+          <a:fontRef idx="minor">
+            <a:schemeClr val="lt1"/>
+          </a:fontRef>
+        </p:style>
+        <p:txBody>
+          <a:bodyPr anchor="ctr"/>
+          <a:lstStyle/>
+          <a:p>
+            <a:pPr algn="ctr">
+              <a:defRPr/>
+            </a:pPr>
+            <a:r>
+              <a:rPr lang="ko-KR" altLang="en-US"/>
+              <a:t>레지스트리 정보를 받아 배열로 출력</a:t>
+            </a:r>
+            <a:endParaRPr lang="ko-KR" altLang="en-US"/>
+          </a:p>
+        </p:txBody>
+      </p:sp>
+      <p:cxnSp>
+        <p:nvCxnSpPr>
+          <p:cNvPr id="28" name=""/>
+          <p:cNvCxnSpPr>
+            <a:endCxn id="27" idx="1"/>
+          </p:cNvCxnSpPr>
+          <p:nvPr/>
+        </p:nvCxnSpPr>
+        <p:spPr>
+          <a:xfrm flipV="1">
+            <a:off x="4760278" y="2017834"/>
+            <a:ext cx="4751900" cy="826330"/>
+          </a:xfrm>
+          <a:prstGeom prst="straightConnector1">
+            <a:avLst/>
+          </a:prstGeom>
+          <a:ln>
+            <a:tailEnd type="arrow"/>
+          </a:ln>
+        </p:spPr>
+        <p:style>
+          <a:lnRef idx="1">
+            <a:schemeClr val="accent1"/>
+          </a:lnRef>
+          <a:fillRef idx="0">
+            <a:schemeClr val="accent1"/>
+          </a:fillRef>
+          <a:effectRef idx="0">
+            <a:schemeClr val="accent1"/>
+          </a:effectRef>
+          <a:fontRef idx="minor">
+            <a:schemeClr val="tx1"/>
+          </a:fontRef>
+        </p:style>
+      </p:cxnSp>
     </p:spTree>
   </p:cSld>
   <p:clrMapOvr>
@@ -15867,6 +17056,305 @@
           </a:graphicData>
         </a:graphic>
       </p:graphicFrame>
+      <p:sp>
+        <p:nvSpPr>
+          <p:cNvPr id="23" name=""/>
+          <p:cNvSpPr/>
+          <p:nvPr/>
+        </p:nvSpPr>
+        <p:spPr>
+          <a:xfrm>
+            <a:off x="9512177" y="4130919"/>
+            <a:ext cx="2679823" cy="914400"/>
+          </a:xfrm>
+          <a:prstGeom prst="rect">
+            <a:avLst/>
+          </a:prstGeom>
+          <a:solidFill>
+            <a:schemeClr val="accent3"/>
+          </a:solidFill>
+        </p:spPr>
+        <p:style>
+          <a:lnRef idx="2">
+            <a:schemeClr val="accent1">
+              <a:shade val="20000"/>
+            </a:schemeClr>
+          </a:lnRef>
+          <a:fillRef idx="1">
+            <a:schemeClr val="accent1"/>
+          </a:fillRef>
+          <a:effectRef idx="0">
+            <a:schemeClr val="accent1"/>
+          </a:effectRef>
+          <a:fontRef idx="minor">
+            <a:schemeClr val="lt1"/>
+          </a:fontRef>
+        </p:style>
+        <p:txBody>
+          <a:bodyPr anchor="ctr"/>
+          <a:lstStyle/>
+          <a:p>
+            <a:pPr algn="ctr">
+              <a:defRPr/>
+            </a:pPr>
+            <a:r>
+              <a:rPr lang="en-US" altLang="ko-KR"/>
+              <a:t>Yes/No</a:t>
+            </a:r>
+            <a:r>
+              <a:rPr lang="ko-KR" altLang="en-US"/>
+              <a:t>로 명령어를 입력 받아 파일로 출력할 지 결정</a:t>
+            </a:r>
+            <a:endParaRPr lang="ko-KR" altLang="en-US"/>
+          </a:p>
+        </p:txBody>
+      </p:sp>
+      <p:cxnSp>
+        <p:nvCxnSpPr>
+          <p:cNvPr id="24" name=""/>
+          <p:cNvCxnSpPr>
+            <a:endCxn id="23" idx="1"/>
+          </p:cNvCxnSpPr>
+          <p:nvPr/>
+        </p:nvCxnSpPr>
+        <p:spPr>
+          <a:xfrm>
+            <a:off x="3467465" y="4509721"/>
+            <a:ext cx="6044710" cy="78398"/>
+          </a:xfrm>
+          <a:prstGeom prst="straightConnector1">
+            <a:avLst/>
+          </a:prstGeom>
+          <a:ln>
+            <a:tailEnd type="arrow"/>
+          </a:ln>
+        </p:spPr>
+        <p:style>
+          <a:lnRef idx="1">
+            <a:schemeClr val="accent1"/>
+          </a:lnRef>
+          <a:fillRef idx="0">
+            <a:schemeClr val="accent1"/>
+          </a:fillRef>
+          <a:effectRef idx="0">
+            <a:schemeClr val="accent1"/>
+          </a:effectRef>
+          <a:fontRef idx="minor">
+            <a:schemeClr val="tx1"/>
+          </a:fontRef>
+        </p:style>
+      </p:cxnSp>
+      <p:sp>
+        <p:nvSpPr>
+          <p:cNvPr id="25" name=""/>
+          <p:cNvSpPr/>
+          <p:nvPr/>
+        </p:nvSpPr>
+        <p:spPr>
+          <a:xfrm>
+            <a:off x="9512177" y="5437310"/>
+            <a:ext cx="2679823" cy="914400"/>
+          </a:xfrm>
+          <a:prstGeom prst="rect">
+            <a:avLst/>
+          </a:prstGeom>
+          <a:solidFill>
+            <a:schemeClr val="accent3"/>
+          </a:solidFill>
+        </p:spPr>
+        <p:style>
+          <a:lnRef idx="2">
+            <a:schemeClr val="accent1">
+              <a:shade val="20000"/>
+            </a:schemeClr>
+          </a:lnRef>
+          <a:fillRef idx="1">
+            <a:schemeClr val="accent1"/>
+          </a:fillRef>
+          <a:effectRef idx="0">
+            <a:schemeClr val="accent1"/>
+          </a:effectRef>
+          <a:fontRef idx="minor">
+            <a:schemeClr val="lt1"/>
+          </a:fontRef>
+        </p:style>
+        <p:txBody>
+          <a:bodyPr anchor="ctr"/>
+          <a:lstStyle/>
+          <a:p>
+            <a:pPr algn="ctr">
+              <a:defRPr/>
+            </a:pPr>
+            <a:r>
+              <a:rPr lang="ko-KR" altLang="en-US"/>
+              <a:t>파일명을 입력 받아 출력된 정보 </a:t>
+            </a:r>
+            <a:r>
+              <a:rPr lang="en-US" altLang="ko-KR"/>
+              <a:t>xlsx</a:t>
+            </a:r>
+            <a:r>
+              <a:rPr lang="ko-KR" altLang="en-US"/>
+              <a:t>파일 생성</a:t>
+            </a:r>
+            <a:endParaRPr lang="ko-KR" altLang="en-US"/>
+          </a:p>
+        </p:txBody>
+      </p:sp>
+      <p:cxnSp>
+        <p:nvCxnSpPr>
+          <p:cNvPr id="26" name=""/>
+          <p:cNvCxnSpPr>
+            <a:endCxn id="25" idx="1"/>
+          </p:cNvCxnSpPr>
+          <p:nvPr/>
+        </p:nvCxnSpPr>
+        <p:spPr>
+          <a:xfrm>
+            <a:off x="2350109" y="5590442"/>
+            <a:ext cx="7162066" cy="304068"/>
+          </a:xfrm>
+          <a:prstGeom prst="straightConnector1">
+            <a:avLst/>
+          </a:prstGeom>
+          <a:ln>
+            <a:tailEnd type="arrow"/>
+          </a:ln>
+        </p:spPr>
+        <p:style>
+          <a:lnRef idx="1">
+            <a:schemeClr val="accent1"/>
+          </a:lnRef>
+          <a:fillRef idx="0">
+            <a:schemeClr val="accent1"/>
+          </a:fillRef>
+          <a:effectRef idx="0">
+            <a:schemeClr val="accent1"/>
+          </a:effectRef>
+          <a:fontRef idx="minor">
+            <a:schemeClr val="tx1"/>
+          </a:fontRef>
+        </p:style>
+      </p:cxnSp>
+      <p:cxnSp>
+        <p:nvCxnSpPr>
+          <p:cNvPr id="27" name=""/>
+          <p:cNvCxnSpPr>
+            <a:endCxn id="25" idx="1"/>
+          </p:cNvCxnSpPr>
+          <p:nvPr/>
+        </p:nvCxnSpPr>
+        <p:spPr>
+          <a:xfrm flipV="1">
+            <a:off x="2514966" y="5894510"/>
+            <a:ext cx="6997210" cy="520211"/>
+          </a:xfrm>
+          <a:prstGeom prst="straightConnector1">
+            <a:avLst/>
+          </a:prstGeom>
+          <a:ln>
+            <a:tailEnd type="arrow"/>
+          </a:ln>
+        </p:spPr>
+        <p:style>
+          <a:lnRef idx="1">
+            <a:schemeClr val="accent1"/>
+          </a:lnRef>
+          <a:fillRef idx="0">
+            <a:schemeClr val="accent1"/>
+          </a:fillRef>
+          <a:effectRef idx="0">
+            <a:schemeClr val="accent1"/>
+          </a:effectRef>
+          <a:fontRef idx="minor">
+            <a:schemeClr val="tx1"/>
+          </a:fontRef>
+        </p:style>
+      </p:cxnSp>
+      <p:sp>
+        <p:nvSpPr>
+          <p:cNvPr id="28" name=""/>
+          <p:cNvSpPr/>
+          <p:nvPr/>
+        </p:nvSpPr>
+        <p:spPr>
+          <a:xfrm>
+            <a:off x="9512178" y="1560634"/>
+            <a:ext cx="2679823" cy="914400"/>
+          </a:xfrm>
+          <a:prstGeom prst="rect">
+            <a:avLst/>
+          </a:prstGeom>
+          <a:solidFill>
+            <a:schemeClr val="accent3"/>
+          </a:solidFill>
+        </p:spPr>
+        <p:style>
+          <a:lnRef idx="2">
+            <a:schemeClr val="accent1">
+              <a:shade val="20000"/>
+            </a:schemeClr>
+          </a:lnRef>
+          <a:fillRef idx="1">
+            <a:schemeClr val="accent1"/>
+          </a:fillRef>
+          <a:effectRef idx="0">
+            <a:schemeClr val="accent1"/>
+          </a:effectRef>
+          <a:fontRef idx="minor">
+            <a:schemeClr val="lt1"/>
+          </a:fontRef>
+        </p:style>
+        <p:txBody>
+          <a:bodyPr anchor="ctr"/>
+          <a:lstStyle/>
+          <a:p>
+            <a:pPr algn="ctr">
+              <a:defRPr/>
+            </a:pPr>
+            <a:r>
+              <a:rPr lang="ko-KR" altLang="en-US"/>
+              <a:t>레지스트리 정보를 받아 배열로 출력</a:t>
+            </a:r>
+            <a:endParaRPr lang="ko-KR" altLang="en-US"/>
+          </a:p>
+        </p:txBody>
+      </p:sp>
+      <p:cxnSp>
+        <p:nvCxnSpPr>
+          <p:cNvPr id="29" name=""/>
+          <p:cNvCxnSpPr>
+            <a:endCxn id="28" idx="1"/>
+          </p:cNvCxnSpPr>
+          <p:nvPr/>
+        </p:nvCxnSpPr>
+        <p:spPr>
+          <a:xfrm flipV="1">
+            <a:off x="4760278" y="2017834"/>
+            <a:ext cx="4751900" cy="826330"/>
+          </a:xfrm>
+          <a:prstGeom prst="straightConnector1">
+            <a:avLst/>
+          </a:prstGeom>
+          <a:ln>
+            <a:tailEnd type="arrow"/>
+          </a:ln>
+        </p:spPr>
+        <p:style>
+          <a:lnRef idx="1">
+            <a:schemeClr val="accent1"/>
+          </a:lnRef>
+          <a:fillRef idx="0">
+            <a:schemeClr val="accent1"/>
+          </a:fillRef>
+          <a:effectRef idx="0">
+            <a:schemeClr val="accent1"/>
+          </a:effectRef>
+          <a:fontRef idx="minor">
+            <a:schemeClr val="tx1"/>
+          </a:fontRef>
+        </p:style>
+      </p:cxnSp>
     </p:spTree>
   </p:cSld>
   <p:clrMapOvr>
@@ -16835,6 +18323,305 @@
           </a:graphicData>
         </a:graphic>
       </p:graphicFrame>
+      <p:sp>
+        <p:nvSpPr>
+          <p:cNvPr id="23" name=""/>
+          <p:cNvSpPr/>
+          <p:nvPr/>
+        </p:nvSpPr>
+        <p:spPr>
+          <a:xfrm>
+            <a:off x="9512177" y="4130919"/>
+            <a:ext cx="2679823" cy="914400"/>
+          </a:xfrm>
+          <a:prstGeom prst="rect">
+            <a:avLst/>
+          </a:prstGeom>
+          <a:solidFill>
+            <a:schemeClr val="accent3"/>
+          </a:solidFill>
+        </p:spPr>
+        <p:style>
+          <a:lnRef idx="2">
+            <a:schemeClr val="accent1">
+              <a:shade val="20000"/>
+            </a:schemeClr>
+          </a:lnRef>
+          <a:fillRef idx="1">
+            <a:schemeClr val="accent1"/>
+          </a:fillRef>
+          <a:effectRef idx="0">
+            <a:schemeClr val="accent1"/>
+          </a:effectRef>
+          <a:fontRef idx="minor">
+            <a:schemeClr val="lt1"/>
+          </a:fontRef>
+        </p:style>
+        <p:txBody>
+          <a:bodyPr anchor="ctr"/>
+          <a:lstStyle/>
+          <a:p>
+            <a:pPr algn="ctr">
+              <a:defRPr/>
+            </a:pPr>
+            <a:r>
+              <a:rPr lang="en-US" altLang="ko-KR"/>
+              <a:t>Yes/No</a:t>
+            </a:r>
+            <a:r>
+              <a:rPr lang="ko-KR" altLang="en-US"/>
+              <a:t>로 명령어를 입력 받아 파일로 출력할 지 결정</a:t>
+            </a:r>
+            <a:endParaRPr lang="ko-KR" altLang="en-US"/>
+          </a:p>
+        </p:txBody>
+      </p:sp>
+      <p:cxnSp>
+        <p:nvCxnSpPr>
+          <p:cNvPr id="24" name=""/>
+          <p:cNvCxnSpPr>
+            <a:endCxn id="23" idx="1"/>
+          </p:cNvCxnSpPr>
+          <p:nvPr/>
+        </p:nvCxnSpPr>
+        <p:spPr>
+          <a:xfrm>
+            <a:off x="3467465" y="4509721"/>
+            <a:ext cx="6044710" cy="78398"/>
+          </a:xfrm>
+          <a:prstGeom prst="straightConnector1">
+            <a:avLst/>
+          </a:prstGeom>
+          <a:ln>
+            <a:tailEnd type="arrow"/>
+          </a:ln>
+        </p:spPr>
+        <p:style>
+          <a:lnRef idx="1">
+            <a:schemeClr val="accent1"/>
+          </a:lnRef>
+          <a:fillRef idx="0">
+            <a:schemeClr val="accent1"/>
+          </a:fillRef>
+          <a:effectRef idx="0">
+            <a:schemeClr val="accent1"/>
+          </a:effectRef>
+          <a:fontRef idx="minor">
+            <a:schemeClr val="tx1"/>
+          </a:fontRef>
+        </p:style>
+      </p:cxnSp>
+      <p:sp>
+        <p:nvSpPr>
+          <p:cNvPr id="25" name=""/>
+          <p:cNvSpPr/>
+          <p:nvPr/>
+        </p:nvSpPr>
+        <p:spPr>
+          <a:xfrm>
+            <a:off x="9512177" y="5437310"/>
+            <a:ext cx="2679823" cy="914400"/>
+          </a:xfrm>
+          <a:prstGeom prst="rect">
+            <a:avLst/>
+          </a:prstGeom>
+          <a:solidFill>
+            <a:schemeClr val="accent3"/>
+          </a:solidFill>
+        </p:spPr>
+        <p:style>
+          <a:lnRef idx="2">
+            <a:schemeClr val="accent1">
+              <a:shade val="20000"/>
+            </a:schemeClr>
+          </a:lnRef>
+          <a:fillRef idx="1">
+            <a:schemeClr val="accent1"/>
+          </a:fillRef>
+          <a:effectRef idx="0">
+            <a:schemeClr val="accent1"/>
+          </a:effectRef>
+          <a:fontRef idx="minor">
+            <a:schemeClr val="lt1"/>
+          </a:fontRef>
+        </p:style>
+        <p:txBody>
+          <a:bodyPr anchor="ctr"/>
+          <a:lstStyle/>
+          <a:p>
+            <a:pPr algn="ctr">
+              <a:defRPr/>
+            </a:pPr>
+            <a:r>
+              <a:rPr lang="ko-KR" altLang="en-US"/>
+              <a:t>파일명을 입력 받아 출력된 정보 </a:t>
+            </a:r>
+            <a:r>
+              <a:rPr lang="en-US" altLang="ko-KR"/>
+              <a:t>xlsx</a:t>
+            </a:r>
+            <a:r>
+              <a:rPr lang="ko-KR" altLang="en-US"/>
+              <a:t>파일 생성</a:t>
+            </a:r>
+            <a:endParaRPr lang="ko-KR" altLang="en-US"/>
+          </a:p>
+        </p:txBody>
+      </p:sp>
+      <p:cxnSp>
+        <p:nvCxnSpPr>
+          <p:cNvPr id="26" name=""/>
+          <p:cNvCxnSpPr>
+            <a:endCxn id="25" idx="1"/>
+          </p:cNvCxnSpPr>
+          <p:nvPr/>
+        </p:nvCxnSpPr>
+        <p:spPr>
+          <a:xfrm>
+            <a:off x="2350109" y="5590442"/>
+            <a:ext cx="7162066" cy="304068"/>
+          </a:xfrm>
+          <a:prstGeom prst="straightConnector1">
+            <a:avLst/>
+          </a:prstGeom>
+          <a:ln>
+            <a:tailEnd type="arrow"/>
+          </a:ln>
+        </p:spPr>
+        <p:style>
+          <a:lnRef idx="1">
+            <a:schemeClr val="accent1"/>
+          </a:lnRef>
+          <a:fillRef idx="0">
+            <a:schemeClr val="accent1"/>
+          </a:fillRef>
+          <a:effectRef idx="0">
+            <a:schemeClr val="accent1"/>
+          </a:effectRef>
+          <a:fontRef idx="minor">
+            <a:schemeClr val="tx1"/>
+          </a:fontRef>
+        </p:style>
+      </p:cxnSp>
+      <p:cxnSp>
+        <p:nvCxnSpPr>
+          <p:cNvPr id="27" name=""/>
+          <p:cNvCxnSpPr>
+            <a:endCxn id="25" idx="1"/>
+          </p:cNvCxnSpPr>
+          <p:nvPr/>
+        </p:nvCxnSpPr>
+        <p:spPr>
+          <a:xfrm flipV="1">
+            <a:off x="2514966" y="5894510"/>
+            <a:ext cx="6997210" cy="520211"/>
+          </a:xfrm>
+          <a:prstGeom prst="straightConnector1">
+            <a:avLst/>
+          </a:prstGeom>
+          <a:ln>
+            <a:tailEnd type="arrow"/>
+          </a:ln>
+        </p:spPr>
+        <p:style>
+          <a:lnRef idx="1">
+            <a:schemeClr val="accent1"/>
+          </a:lnRef>
+          <a:fillRef idx="0">
+            <a:schemeClr val="accent1"/>
+          </a:fillRef>
+          <a:effectRef idx="0">
+            <a:schemeClr val="accent1"/>
+          </a:effectRef>
+          <a:fontRef idx="minor">
+            <a:schemeClr val="tx1"/>
+          </a:fontRef>
+        </p:style>
+      </p:cxnSp>
+      <p:sp>
+        <p:nvSpPr>
+          <p:cNvPr id="28" name=""/>
+          <p:cNvSpPr/>
+          <p:nvPr/>
+        </p:nvSpPr>
+        <p:spPr>
+          <a:xfrm>
+            <a:off x="9512178" y="1560634"/>
+            <a:ext cx="2679823" cy="914400"/>
+          </a:xfrm>
+          <a:prstGeom prst="rect">
+            <a:avLst/>
+          </a:prstGeom>
+          <a:solidFill>
+            <a:schemeClr val="accent3"/>
+          </a:solidFill>
+        </p:spPr>
+        <p:style>
+          <a:lnRef idx="2">
+            <a:schemeClr val="accent1">
+              <a:shade val="20000"/>
+            </a:schemeClr>
+          </a:lnRef>
+          <a:fillRef idx="1">
+            <a:schemeClr val="accent1"/>
+          </a:fillRef>
+          <a:effectRef idx="0">
+            <a:schemeClr val="accent1"/>
+          </a:effectRef>
+          <a:fontRef idx="minor">
+            <a:schemeClr val="lt1"/>
+          </a:fontRef>
+        </p:style>
+        <p:txBody>
+          <a:bodyPr anchor="ctr"/>
+          <a:lstStyle/>
+          <a:p>
+            <a:pPr algn="ctr">
+              <a:defRPr/>
+            </a:pPr>
+            <a:r>
+              <a:rPr lang="ko-KR" altLang="en-US"/>
+              <a:t>레지스트리 정보를 받아 배열로 출력</a:t>
+            </a:r>
+            <a:endParaRPr lang="ko-KR" altLang="en-US"/>
+          </a:p>
+        </p:txBody>
+      </p:sp>
+      <p:cxnSp>
+        <p:nvCxnSpPr>
+          <p:cNvPr id="29" name=""/>
+          <p:cNvCxnSpPr>
+            <a:endCxn id="28" idx="1"/>
+          </p:cNvCxnSpPr>
+          <p:nvPr/>
+        </p:nvCxnSpPr>
+        <p:spPr>
+          <a:xfrm flipV="1">
+            <a:off x="4760278" y="2017834"/>
+            <a:ext cx="4751900" cy="826330"/>
+          </a:xfrm>
+          <a:prstGeom prst="straightConnector1">
+            <a:avLst/>
+          </a:prstGeom>
+          <a:ln>
+            <a:tailEnd type="arrow"/>
+          </a:ln>
+        </p:spPr>
+        <p:style>
+          <a:lnRef idx="1">
+            <a:schemeClr val="accent1"/>
+          </a:lnRef>
+          <a:fillRef idx="0">
+            <a:schemeClr val="accent1"/>
+          </a:fillRef>
+          <a:effectRef idx="0">
+            <a:schemeClr val="accent1"/>
+          </a:effectRef>
+          <a:fontRef idx="minor">
+            <a:schemeClr val="tx1"/>
+          </a:fontRef>
+        </p:style>
+      </p:cxnSp>
     </p:spTree>
   </p:cSld>
   <p:clrMapOvr>
@@ -17803,6 +19590,305 @@
           </a:graphicData>
         </a:graphic>
       </p:graphicFrame>
+      <p:sp>
+        <p:nvSpPr>
+          <p:cNvPr id="23" name=""/>
+          <p:cNvSpPr/>
+          <p:nvPr/>
+        </p:nvSpPr>
+        <p:spPr>
+          <a:xfrm>
+            <a:off x="9512177" y="4130919"/>
+            <a:ext cx="2679823" cy="914400"/>
+          </a:xfrm>
+          <a:prstGeom prst="rect">
+            <a:avLst/>
+          </a:prstGeom>
+          <a:solidFill>
+            <a:schemeClr val="accent3"/>
+          </a:solidFill>
+        </p:spPr>
+        <p:style>
+          <a:lnRef idx="2">
+            <a:schemeClr val="accent1">
+              <a:shade val="20000"/>
+            </a:schemeClr>
+          </a:lnRef>
+          <a:fillRef idx="1">
+            <a:schemeClr val="accent1"/>
+          </a:fillRef>
+          <a:effectRef idx="0">
+            <a:schemeClr val="accent1"/>
+          </a:effectRef>
+          <a:fontRef idx="minor">
+            <a:schemeClr val="lt1"/>
+          </a:fontRef>
+        </p:style>
+        <p:txBody>
+          <a:bodyPr anchor="ctr"/>
+          <a:lstStyle/>
+          <a:p>
+            <a:pPr algn="ctr">
+              <a:defRPr/>
+            </a:pPr>
+            <a:r>
+              <a:rPr lang="en-US" altLang="ko-KR"/>
+              <a:t>Yes/No</a:t>
+            </a:r>
+            <a:r>
+              <a:rPr lang="ko-KR" altLang="en-US"/>
+              <a:t>로 명령어를 입력 받아 파일로 출력할 지 결정</a:t>
+            </a:r>
+            <a:endParaRPr lang="ko-KR" altLang="en-US"/>
+          </a:p>
+        </p:txBody>
+      </p:sp>
+      <p:cxnSp>
+        <p:nvCxnSpPr>
+          <p:cNvPr id="24" name=""/>
+          <p:cNvCxnSpPr>
+            <a:endCxn id="23" idx="1"/>
+          </p:cNvCxnSpPr>
+          <p:nvPr/>
+        </p:nvCxnSpPr>
+        <p:spPr>
+          <a:xfrm>
+            <a:off x="3467465" y="4509721"/>
+            <a:ext cx="6044710" cy="78398"/>
+          </a:xfrm>
+          <a:prstGeom prst="straightConnector1">
+            <a:avLst/>
+          </a:prstGeom>
+          <a:ln>
+            <a:tailEnd type="arrow"/>
+          </a:ln>
+        </p:spPr>
+        <p:style>
+          <a:lnRef idx="1">
+            <a:schemeClr val="accent1"/>
+          </a:lnRef>
+          <a:fillRef idx="0">
+            <a:schemeClr val="accent1"/>
+          </a:fillRef>
+          <a:effectRef idx="0">
+            <a:schemeClr val="accent1"/>
+          </a:effectRef>
+          <a:fontRef idx="minor">
+            <a:schemeClr val="tx1"/>
+          </a:fontRef>
+        </p:style>
+      </p:cxnSp>
+      <p:sp>
+        <p:nvSpPr>
+          <p:cNvPr id="25" name=""/>
+          <p:cNvSpPr/>
+          <p:nvPr/>
+        </p:nvSpPr>
+        <p:spPr>
+          <a:xfrm>
+            <a:off x="9512177" y="5437310"/>
+            <a:ext cx="2679823" cy="914400"/>
+          </a:xfrm>
+          <a:prstGeom prst="rect">
+            <a:avLst/>
+          </a:prstGeom>
+          <a:solidFill>
+            <a:schemeClr val="accent3"/>
+          </a:solidFill>
+        </p:spPr>
+        <p:style>
+          <a:lnRef idx="2">
+            <a:schemeClr val="accent1">
+              <a:shade val="20000"/>
+            </a:schemeClr>
+          </a:lnRef>
+          <a:fillRef idx="1">
+            <a:schemeClr val="accent1"/>
+          </a:fillRef>
+          <a:effectRef idx="0">
+            <a:schemeClr val="accent1"/>
+          </a:effectRef>
+          <a:fontRef idx="minor">
+            <a:schemeClr val="lt1"/>
+          </a:fontRef>
+        </p:style>
+        <p:txBody>
+          <a:bodyPr anchor="ctr"/>
+          <a:lstStyle/>
+          <a:p>
+            <a:pPr algn="ctr">
+              <a:defRPr/>
+            </a:pPr>
+            <a:r>
+              <a:rPr lang="ko-KR" altLang="en-US"/>
+              <a:t>파일명을 입력 받아 출력된 정보 </a:t>
+            </a:r>
+            <a:r>
+              <a:rPr lang="en-US" altLang="ko-KR"/>
+              <a:t>xlsx</a:t>
+            </a:r>
+            <a:r>
+              <a:rPr lang="ko-KR" altLang="en-US"/>
+              <a:t>파일 생성</a:t>
+            </a:r>
+            <a:endParaRPr lang="ko-KR" altLang="en-US"/>
+          </a:p>
+        </p:txBody>
+      </p:sp>
+      <p:cxnSp>
+        <p:nvCxnSpPr>
+          <p:cNvPr id="26" name=""/>
+          <p:cNvCxnSpPr>
+            <a:endCxn id="25" idx="1"/>
+          </p:cNvCxnSpPr>
+          <p:nvPr/>
+        </p:nvCxnSpPr>
+        <p:spPr>
+          <a:xfrm>
+            <a:off x="2350109" y="5590442"/>
+            <a:ext cx="7162066" cy="304068"/>
+          </a:xfrm>
+          <a:prstGeom prst="straightConnector1">
+            <a:avLst/>
+          </a:prstGeom>
+          <a:ln>
+            <a:tailEnd type="arrow"/>
+          </a:ln>
+        </p:spPr>
+        <p:style>
+          <a:lnRef idx="1">
+            <a:schemeClr val="accent1"/>
+          </a:lnRef>
+          <a:fillRef idx="0">
+            <a:schemeClr val="accent1"/>
+          </a:fillRef>
+          <a:effectRef idx="0">
+            <a:schemeClr val="accent1"/>
+          </a:effectRef>
+          <a:fontRef idx="minor">
+            <a:schemeClr val="tx1"/>
+          </a:fontRef>
+        </p:style>
+      </p:cxnSp>
+      <p:cxnSp>
+        <p:nvCxnSpPr>
+          <p:cNvPr id="27" name=""/>
+          <p:cNvCxnSpPr>
+            <a:endCxn id="25" idx="1"/>
+          </p:cNvCxnSpPr>
+          <p:nvPr/>
+        </p:nvCxnSpPr>
+        <p:spPr>
+          <a:xfrm flipV="1">
+            <a:off x="2514966" y="5894510"/>
+            <a:ext cx="6997210" cy="520211"/>
+          </a:xfrm>
+          <a:prstGeom prst="straightConnector1">
+            <a:avLst/>
+          </a:prstGeom>
+          <a:ln>
+            <a:tailEnd type="arrow"/>
+          </a:ln>
+        </p:spPr>
+        <p:style>
+          <a:lnRef idx="1">
+            <a:schemeClr val="accent1"/>
+          </a:lnRef>
+          <a:fillRef idx="0">
+            <a:schemeClr val="accent1"/>
+          </a:fillRef>
+          <a:effectRef idx="0">
+            <a:schemeClr val="accent1"/>
+          </a:effectRef>
+          <a:fontRef idx="minor">
+            <a:schemeClr val="tx1"/>
+          </a:fontRef>
+        </p:style>
+      </p:cxnSp>
+      <p:sp>
+        <p:nvSpPr>
+          <p:cNvPr id="28" name=""/>
+          <p:cNvSpPr/>
+          <p:nvPr/>
+        </p:nvSpPr>
+        <p:spPr>
+          <a:xfrm>
+            <a:off x="9512178" y="1560634"/>
+            <a:ext cx="2679823" cy="914400"/>
+          </a:xfrm>
+          <a:prstGeom prst="rect">
+            <a:avLst/>
+          </a:prstGeom>
+          <a:solidFill>
+            <a:schemeClr val="accent3"/>
+          </a:solidFill>
+        </p:spPr>
+        <p:style>
+          <a:lnRef idx="2">
+            <a:schemeClr val="accent1">
+              <a:shade val="20000"/>
+            </a:schemeClr>
+          </a:lnRef>
+          <a:fillRef idx="1">
+            <a:schemeClr val="accent1"/>
+          </a:fillRef>
+          <a:effectRef idx="0">
+            <a:schemeClr val="accent1"/>
+          </a:effectRef>
+          <a:fontRef idx="minor">
+            <a:schemeClr val="lt1"/>
+          </a:fontRef>
+        </p:style>
+        <p:txBody>
+          <a:bodyPr anchor="ctr"/>
+          <a:lstStyle/>
+          <a:p>
+            <a:pPr algn="ctr">
+              <a:defRPr/>
+            </a:pPr>
+            <a:r>
+              <a:rPr lang="ko-KR" altLang="en-US"/>
+              <a:t>레지스트리 정보를 받아 배열로 출력</a:t>
+            </a:r>
+            <a:endParaRPr lang="ko-KR" altLang="en-US"/>
+          </a:p>
+        </p:txBody>
+      </p:sp>
+      <p:cxnSp>
+        <p:nvCxnSpPr>
+          <p:cNvPr id="29" name=""/>
+          <p:cNvCxnSpPr>
+            <a:endCxn id="28" idx="1"/>
+          </p:cNvCxnSpPr>
+          <p:nvPr/>
+        </p:nvCxnSpPr>
+        <p:spPr>
+          <a:xfrm flipV="1">
+            <a:off x="4760278" y="2017834"/>
+            <a:ext cx="4751900" cy="826330"/>
+          </a:xfrm>
+          <a:prstGeom prst="straightConnector1">
+            <a:avLst/>
+          </a:prstGeom>
+          <a:ln>
+            <a:tailEnd type="arrow"/>
+          </a:ln>
+        </p:spPr>
+        <p:style>
+          <a:lnRef idx="1">
+            <a:schemeClr val="accent1"/>
+          </a:lnRef>
+          <a:fillRef idx="0">
+            <a:schemeClr val="accent1"/>
+          </a:fillRef>
+          <a:effectRef idx="0">
+            <a:schemeClr val="accent1"/>
+          </a:effectRef>
+          <a:fontRef idx="minor">
+            <a:schemeClr val="tx1"/>
+          </a:fontRef>
+        </p:style>
+      </p:cxnSp>
     </p:spTree>
   </p:cSld>
   <p:clrMapOvr>

--- a/2021_Summer/jp.hong/Project_BnD_jph.pptx
+++ b/2021_Summer/jp.hong/Project_BnD_jph.pptx
@@ -2,7 +2,7 @@
 <file path=ppt/presentation.xml><?xml version="1.0" encoding="utf-8"?>
 <p:presentation xmlns:r="http://schemas.openxmlformats.org/officeDocument/2006/relationships" xmlns:c="http://schemas.openxmlformats.org/drawingml/2006/chart" xmlns:a="http://schemas.openxmlformats.org/drawingml/2006/main" xmlns:dgm="http://schemas.openxmlformats.org/drawingml/2006/diagram" xmlns:dsp="http://schemas.microsoft.com/office/drawing/2008/diagram" xmlns:p="http://schemas.openxmlformats.org/presentationml/2006/main">
   <p:sldMasterIdLst>
-    <p:sldMasterId id="2147483679" r:id="rId1"/>
+    <p:sldMasterId id="2147483672" r:id="rId1"/>
   </p:sldMasterIdLst>
   <p:sldIdLst>
     <p:sldId id="261" r:id="rId2"/>
@@ -39,14 +39,13 @@
     <p:sldId id="338" r:id="rId33"/>
     <p:sldId id="339" r:id="rId34"/>
     <p:sldId id="340" r:id="rId35"/>
-    <p:sldId id="341" r:id="rId36"/>
-    <p:sldId id="342" r:id="rId37"/>
-    <p:sldId id="343" r:id="rId38"/>
-    <p:sldId id="344" r:id="rId39"/>
-    <p:sldId id="306" r:id="rId40"/>
-    <p:sldId id="307" r:id="rId41"/>
-    <p:sldId id="294" r:id="rId42"/>
-    <p:sldId id="302" r:id="rId43"/>
+    <p:sldId id="342" r:id="rId36"/>
+    <p:sldId id="343" r:id="rId37"/>
+    <p:sldId id="344" r:id="rId38"/>
+    <p:sldId id="306" r:id="rId39"/>
+    <p:sldId id="307" r:id="rId40"/>
+    <p:sldId id="294" r:id="rId41"/>
+    <p:sldId id="302" r:id="rId42"/>
   </p:sldIdLst>
   <p:sldSz cx="12192000" cy="6858000"/>
   <p:notesSz cx="7104063" cy="10234613"/>
@@ -10640,7 +10639,7 @@
       </p:sp>
       <p:pic>
         <p:nvPicPr>
-          <p:cNvPr id="13" name=""/>
+          <p:cNvPr id="14" name=""/>
           <p:cNvPicPr>
             <a:picLocks noChangeAspect="1"/>
           </p:cNvPicPr>
@@ -10654,8 +10653,8 @@
         </p:blipFill>
         <p:spPr>
           <a:xfrm>
-            <a:off x="17881" y="1633079"/>
-            <a:ext cx="12174118" cy="3591841"/>
+            <a:off x="0" y="1655618"/>
+            <a:ext cx="12192000" cy="3546763"/>
           </a:xfrm>
           <a:prstGeom prst="rect">
             <a:avLst/>
@@ -12239,7 +12238,127 @@
                   <a:schemeClr val="dk1"/>
                 </a:solidFill>
               </a:rPr>
-              <a:t>2. .excel</a:t>
+              <a:t>2. </a:t>
+            </a:r>
+            <a:r>
+              <a:rPr lang="ko-KR" altLang="en-US">
+                <a:solidFill>
+                  <a:schemeClr val="dk1"/>
+                </a:solidFill>
+              </a:rPr>
+              <a:t>실행한 명령어 목록</a:t>
+            </a:r>
+            <a:endParaRPr lang="ko-KR" altLang="en-US">
+              <a:solidFill>
+                <a:schemeClr val="dk1"/>
+              </a:solidFill>
+            </a:endParaRPr>
+          </a:p>
+          <a:p>
+            <a:pPr>
+              <a:defRPr/>
+            </a:pPr>
+            <a:r>
+              <a:rPr lang="en-US" altLang="ko-KR">
+                <a:solidFill>
+                  <a:schemeClr val="dk1"/>
+                </a:solidFill>
+              </a:rPr>
+              <a:t>3. </a:t>
+            </a:r>
+            <a:r>
+              <a:rPr lang="ko-KR" altLang="en-US">
+                <a:solidFill>
+                  <a:schemeClr val="dk1"/>
+                </a:solidFill>
+              </a:rPr>
+              <a:t>접속한 인터넷 </a:t>
+            </a:r>
+            <a:r>
+              <a:rPr lang="en-US" altLang="ko-KR">
+                <a:solidFill>
+                  <a:schemeClr val="dk1"/>
+                </a:solidFill>
+              </a:rPr>
+              <a:t>URL</a:t>
+            </a:r>
+            <a:r>
+              <a:rPr lang="ko-KR" altLang="en-US">
+                <a:solidFill>
+                  <a:schemeClr val="dk1"/>
+                </a:solidFill>
+              </a:rPr>
+              <a:t> 목록</a:t>
+            </a:r>
+            <a:endParaRPr lang="ko-KR" altLang="en-US">
+              <a:solidFill>
+                <a:schemeClr val="dk1"/>
+              </a:solidFill>
+            </a:endParaRPr>
+          </a:p>
+          <a:p>
+            <a:pPr>
+              <a:defRPr/>
+            </a:pPr>
+            <a:r>
+              <a:rPr lang="en-US" altLang="ko-KR">
+                <a:solidFill>
+                  <a:schemeClr val="dk1"/>
+                </a:solidFill>
+              </a:rPr>
+              <a:t>4.</a:t>
+            </a:r>
+            <a:r>
+              <a:rPr lang="ko-KR" altLang="en-US">
+                <a:solidFill>
+                  <a:schemeClr val="dk1"/>
+                </a:solidFill>
+              </a:rPr>
+              <a:t> 최근 실행한 프로그램</a:t>
+            </a:r>
+            <a:endParaRPr lang="ko-KR" altLang="en-US">
+              <a:solidFill>
+                <a:schemeClr val="dk1"/>
+              </a:solidFill>
+            </a:endParaRPr>
+          </a:p>
+          <a:p>
+            <a:pPr>
+              <a:defRPr/>
+            </a:pPr>
+            <a:r>
+              <a:rPr lang="en-US" altLang="ko-KR">
+                <a:solidFill>
+                  <a:schemeClr val="dk1"/>
+                </a:solidFill>
+              </a:rPr>
+              <a:t>5. </a:t>
+            </a:r>
+            <a:r>
+              <a:rPr lang="ko-KR" altLang="en-US">
+                <a:solidFill>
+                  <a:schemeClr val="dk1"/>
+                </a:solidFill>
+              </a:rPr>
+              <a:t>설치된 프로그램 목록</a:t>
+            </a:r>
+            <a:endParaRPr lang="ko-KR" altLang="en-US">
+              <a:solidFill>
+                <a:schemeClr val="dk1"/>
+              </a:solidFill>
+            </a:endParaRPr>
+          </a:p>
+          <a:p>
+            <a:pPr>
+              <a:defRPr/>
+            </a:pPr>
+            <a:r>
+              <a:rPr lang="en-US" altLang="ko-KR">
+                <a:solidFill>
+                  <a:schemeClr val="dk1"/>
+                </a:solidFill>
+              </a:rPr>
+              <a:t>6.  help</a:t>
             </a:r>
             <a:endParaRPr lang="en-US" altLang="ko-KR">
               <a:solidFill>
@@ -12251,30 +12370,6 @@
             <a:pPr>
               <a:defRPr/>
             </a:pPr>
-            <a:r>
-              <a:rPr lang="en-US" altLang="ko-KR">
-                <a:solidFill>
-                  <a:schemeClr val="dk1"/>
-                </a:solidFill>
-              </a:rPr>
-              <a:t>3. .hwp,</a:t>
-            </a:r>
-            <a:r>
-              <a:rPr lang="ko-KR" altLang="en-US">
-                <a:solidFill>
-                  <a:schemeClr val="dk1"/>
-                </a:solidFill>
-              </a:rPr>
-              <a:t> </a:t>
-            </a:r>
-            <a:r>
-              <a:rPr lang="en-US" altLang="ko-KR">
-                <a:solidFill>
-                  <a:schemeClr val="dk1"/>
-                </a:solidFill>
-              </a:rPr>
-              <a:t>word</a:t>
-            </a:r>
             <a:endParaRPr lang="en-US" altLang="ko-KR">
               <a:solidFill>
                 <a:schemeClr val="dk1"/>
@@ -12285,14 +12380,6 @@
             <a:pPr>
               <a:defRPr/>
             </a:pPr>
-            <a:r>
-              <a:rPr lang="en-US" altLang="ko-KR">
-                <a:solidFill>
-                  <a:schemeClr val="dk1"/>
-                </a:solidFill>
-              </a:rPr>
-              <a:t>4. .DD</a:t>
-            </a:r>
             <a:endParaRPr lang="en-US" altLang="ko-KR">
               <a:solidFill>
                 <a:schemeClr val="dk1"/>
@@ -12309,23 +12396,7 @@
                   <a:schemeClr val="dk1"/>
                 </a:solidFill>
               </a:rPr>
-              <a:t>5.</a:t>
-            </a:r>
-            <a:r>
-              <a:rPr lang="ko-KR" altLang="en-US">
-                <a:solidFill>
-                  <a:schemeClr val="dk1"/>
-                </a:solidFill>
-              </a:rPr>
-              <a:t> </a:t>
-            </a:r>
-            <a:r>
-              <a:rPr lang="en-US" altLang="ko-KR">
-                <a:solidFill>
-                  <a:schemeClr val="dk1"/>
-                </a:solidFill>
-              </a:rPr>
-              <a:t>.exe</a:t>
+              <a:t>C:\UESRS\ &gt;&gt; 1</a:t>
             </a:r>
             <a:endParaRPr lang="en-US" altLang="ko-KR">
               <a:solidFill>
@@ -12337,14 +12408,6 @@
             <a:pPr>
               <a:defRPr/>
             </a:pPr>
-            <a:r>
-              <a:rPr lang="en-US" altLang="ko-KR">
-                <a:solidFill>
-                  <a:schemeClr val="dk1"/>
-                </a:solidFill>
-              </a:rPr>
-              <a:t>6. .txt</a:t>
-            </a:r>
             <a:endParaRPr lang="en-US" altLang="ko-KR">
               <a:solidFill>
                 <a:schemeClr val="dk1"/>
@@ -12361,72 +12424,6 @@
                   <a:schemeClr val="dk1"/>
                 </a:solidFill>
               </a:rPr>
-              <a:t>7.  help</a:t>
-            </a:r>
-            <a:endParaRPr lang="en-US" altLang="ko-KR">
-              <a:solidFill>
-                <a:schemeClr val="dk1"/>
-              </a:solidFill>
-            </a:endParaRPr>
-          </a:p>
-          <a:p>
-            <a:pPr>
-              <a:defRPr/>
-            </a:pPr>
-            <a:endParaRPr lang="en-US" altLang="ko-KR">
-              <a:solidFill>
-                <a:schemeClr val="dk1"/>
-              </a:solidFill>
-            </a:endParaRPr>
-          </a:p>
-          <a:p>
-            <a:pPr>
-              <a:defRPr/>
-            </a:pPr>
-            <a:endParaRPr lang="en-US" altLang="ko-KR">
-              <a:solidFill>
-                <a:schemeClr val="dk1"/>
-              </a:solidFill>
-            </a:endParaRPr>
-          </a:p>
-          <a:p>
-            <a:pPr>
-              <a:defRPr/>
-            </a:pPr>
-            <a:r>
-              <a:rPr lang="en-US" altLang="ko-KR">
-                <a:solidFill>
-                  <a:schemeClr val="dk1"/>
-                </a:solidFill>
-              </a:rPr>
-              <a:t>C:\UESRS\ &gt;&gt; 1</a:t>
-            </a:r>
-            <a:endParaRPr lang="en-US" altLang="ko-KR">
-              <a:solidFill>
-                <a:schemeClr val="dk1"/>
-              </a:solidFill>
-            </a:endParaRPr>
-          </a:p>
-          <a:p>
-            <a:pPr>
-              <a:defRPr/>
-            </a:pPr>
-            <a:endParaRPr lang="en-US" altLang="ko-KR">
-              <a:solidFill>
-                <a:schemeClr val="dk1"/>
-              </a:solidFill>
-            </a:endParaRPr>
-          </a:p>
-          <a:p>
-            <a:pPr>
-              <a:defRPr/>
-            </a:pPr>
-            <a:r>
-              <a:rPr lang="en-US" altLang="ko-KR">
-                <a:solidFill>
-                  <a:schemeClr val="dk1"/>
-                </a:solidFill>
-              </a:rPr>
               <a:t>USB</a:t>
             </a:r>
             <a:r>
@@ -12437,7 +12434,7 @@
               </a:rPr>
               <a:t>를 선택했습니다</a:t>
             </a:r>
-            <a:endParaRPr lang="en-US" altLang="ko-KR">
+            <a:endParaRPr lang="ko-KR" altLang="en-US">
               <a:solidFill>
                 <a:schemeClr val="dk1"/>
               </a:solidFill>
@@ -12622,7 +12619,7 @@
             </a:pPr>
             <a:r>
               <a:rPr lang="ko-KR" altLang="en-US"/>
-              <a:t>정보를 보고싶은 매체의 종류 출력</a:t>
+              <a:t>정보를 보고싶은 옵션의 종류 출력</a:t>
             </a:r>
             <a:endParaRPr lang="ko-KR" altLang="en-US"/>
           </a:p>
@@ -12636,7 +12633,7 @@
             </a:r>
             <a:r>
               <a:rPr lang="ko-KR" altLang="en-US"/>
-              <a:t>의 경우 각 매체들의 어떤 정보를 볼 수 있는지 안내 메시지 출력</a:t>
+              <a:t>의 경우 각 옵션들의 어떤 정보를 볼 수 있는지 안내 메시지 출력</a:t>
             </a:r>
             <a:endParaRPr lang="ko-KR" altLang="en-US"/>
           </a:p>
@@ -14068,20 +14065,12 @@
               <a:defRPr/>
             </a:pPr>
             <a:r>
-              <a:rPr lang="en-US" altLang="ko-KR">
+              <a:rPr lang="ko-KR" altLang="en-US">
                 <a:solidFill>
                   <a:schemeClr val="dk1"/>
                 </a:solidFill>
               </a:rPr>
-              <a:t>excel</a:t>
-            </a:r>
-            <a:r>
-              <a:rPr lang="ko-KR" altLang="en-US">
-                <a:solidFill>
-                  <a:schemeClr val="dk1"/>
-                </a:solidFill>
-              </a:rPr>
-              <a:t>를 선택했습니다</a:t>
+              <a:t>실행한 명령어 목록을 선택했습니다</a:t>
             </a:r>
             <a:endParaRPr lang="ko-KR" altLang="en-US">
               <a:solidFill>
@@ -14351,357 +14340,6 @@
           </a:p>
         </p:txBody>
       </p:sp>
-      <p:graphicFrame>
-        <p:nvGraphicFramePr>
-          <p:cNvPr id="21" name=""/>
-          <p:cNvGraphicFramePr>
-            <a:graphicFrameLocks noGrp="1"/>
-          </p:cNvGraphicFramePr>
-          <p:nvPr/>
-        </p:nvGraphicFramePr>
-        <p:xfrm>
-          <a:off x="19050" y="2844165"/>
-          <a:ext cx="9481820" cy="1379220"/>
-        </p:xfrm>
-        <a:graphic>
-          <a:graphicData uri="http://schemas.openxmlformats.org/drawingml/2006/table">
-            <a:tbl>
-              <a:tblPr firstRow="1" bandRow="1">
-                <a:tableStyleId>{01A66EDD-3DAB-4C5B-A090-DC80EC1FD486}</a:tableStyleId>
-              </a:tblPr>
-              <a:tblGrid>
-                <a:gridCol w="1354455"/>
-                <a:gridCol w="1354666"/>
-                <a:gridCol w="1354666"/>
-                <a:gridCol w="1354666"/>
-                <a:gridCol w="1354455"/>
-                <a:gridCol w="1354455"/>
-                <a:gridCol w="1354455"/>
-              </a:tblGrid>
-              <a:tr h="194945">
-                <a:tc>
-                  <a:txBody>
-                    <a:bodyPr vert="horz" wrap="square" lIns="91440" tIns="45720" rIns="91440" bIns="45720" anchor="t" anchorCtr="0">
-                      <a:spAutoFit/>
-                    </a:bodyPr>
-                    <a:p>
-                      <a:pPr>
-                        <a:defRPr/>
-                      </a:pPr>
-                      <a:r>
-                        <a:rPr lang="ko-KR" altLang="en-US"/>
-                        <a:t>최근 열린 폴더</a:t>
-                      </a:r>
-                      <a:endParaRPr lang="ko-KR" altLang="en-US"/>
-                    </a:p>
-                  </a:txBody>
-                  <a:tcPr marL="91440" marR="91440"/>
-                </a:tc>
-                <a:tc>
-                  <a:txBody>
-                    <a:bodyPr vert="horz" wrap="square" lIns="91440" tIns="45720" rIns="91440" bIns="45720" anchor="t" anchorCtr="0">
-                      <a:spAutoFit/>
-                    </a:bodyPr>
-                    <a:p>
-                      <a:pPr>
-                        <a:defRPr/>
-                      </a:pPr>
-                      <a:r>
-                        <a:rPr lang="ko-KR" altLang="en-US"/>
-                        <a:t>최근 사용한 파일</a:t>
-                      </a:r>
-                      <a:endParaRPr lang="ko-KR" altLang="en-US"/>
-                    </a:p>
-                  </a:txBody>
-                  <a:tcPr marL="91440" marR="91440"/>
-                </a:tc>
-                <a:tc>
-                  <a:txBody>
-                    <a:bodyPr vert="horz" wrap="square" lIns="91440" tIns="45720" rIns="91440" bIns="45720" anchor="t" anchorCtr="0">
-                      <a:spAutoFit/>
-                    </a:bodyPr>
-                    <a:p>
-                      <a:pPr>
-                        <a:defRPr/>
-                      </a:pPr>
-                      <a:r>
-                        <a:rPr lang="ko-KR" altLang="en-US"/>
-                        <a:t>최근 사용한 페이지</a:t>
-                      </a:r>
-                      <a:endParaRPr lang="ko-KR" altLang="en-US"/>
-                    </a:p>
-                  </a:txBody>
-                  <a:tcPr marL="91440" marR="91440"/>
-                </a:tc>
-                <a:tc>
-                  <a:txBody>
-                    <a:bodyPr vert="horz" wrap="square" lIns="91440" tIns="45720" rIns="91440" bIns="45720" anchor="t" anchorCtr="0">
-                      <a:spAutoFit/>
-                    </a:bodyPr>
-                    <a:p>
-                      <a:pPr>
-                        <a:defRPr/>
-                      </a:pPr>
-                      <a:r>
-                        <a:rPr lang="ko-KR" altLang="en-US"/>
-                        <a:t>최근 접근한 </a:t>
-                      </a:r>
-                      <a:r>
-                        <a:rPr lang="en-US" altLang="ko-KR"/>
-                        <a:t>URL</a:t>
-                      </a:r>
-                      <a:endParaRPr lang="en-US" altLang="ko-KR"/>
-                    </a:p>
-                  </a:txBody>
-                  <a:tcPr marL="91440" marR="91440"/>
-                </a:tc>
-                <a:tc>
-                  <a:txBody>
-                    <a:bodyPr vert="horz" wrap="square" lIns="91440" tIns="45720" rIns="91440" bIns="45720" anchor="t" anchorCtr="0">
-                      <a:spAutoFit/>
-                    </a:bodyPr>
-                    <a:p>
-                      <a:pPr>
-                        <a:defRPr/>
-                      </a:pPr>
-                      <a:endParaRPr lang="ko-KR" altLang="en-US"/>
-                    </a:p>
-                  </a:txBody>
-                  <a:tcPr marL="91440" marR="91440"/>
-                </a:tc>
-                <a:tc>
-                  <a:txBody>
-                    <a:bodyPr vert="horz" wrap="square" lIns="91440" tIns="45720" rIns="91440" bIns="45720" anchor="t" anchorCtr="0">
-                      <a:spAutoFit/>
-                    </a:bodyPr>
-                    <a:p>
-                      <a:pPr>
-                        <a:defRPr/>
-                      </a:pPr>
-                      <a:endParaRPr lang="ko-KR" altLang="en-US"/>
-                    </a:p>
-                  </a:txBody>
-                  <a:tcPr marL="91440" marR="91440"/>
-                </a:tc>
-                <a:tc>
-                  <a:txBody>
-                    <a:bodyPr vert="horz" wrap="square" lIns="91440" tIns="45720" rIns="91440" bIns="45720" anchor="t" anchorCtr="0">
-                      <a:spAutoFit/>
-                    </a:bodyPr>
-                    <a:p>
-                      <a:pPr>
-                        <a:defRPr/>
-                      </a:pPr>
-                      <a:endParaRPr lang="ko-KR" altLang="en-US"/>
-                    </a:p>
-                  </a:txBody>
-                  <a:tcPr marL="91440" marR="91440"/>
-                </a:tc>
-              </a:tr>
-              <a:tr h="116840">
-                <a:tc>
-                  <a:txBody>
-                    <a:bodyPr vert="horz" wrap="square" lIns="91440" tIns="45720" rIns="91440" bIns="45720" anchor="t" anchorCtr="0">
-                      <a:spAutoFit/>
-                    </a:bodyPr>
-                    <a:p>
-                      <a:pPr>
-                        <a:defRPr/>
-                      </a:pPr>
-                      <a:endParaRPr lang="en-US" altLang="ko-KR"/>
-                    </a:p>
-                  </a:txBody>
-                  <a:tcPr marL="91440" marR="91440"/>
-                </a:tc>
-                <a:tc>
-                  <a:txBody>
-                    <a:bodyPr vert="horz" wrap="square" lIns="91440" tIns="45720" rIns="91440" bIns="45720" anchor="t" anchorCtr="0">
-                      <a:spAutoFit/>
-                    </a:bodyPr>
-                    <a:p>
-                      <a:pPr>
-                        <a:defRPr/>
-                      </a:pPr>
-                      <a:endParaRPr lang="en-US" altLang="ko-KR"/>
-                    </a:p>
-                  </a:txBody>
-                  <a:tcPr marL="91440" marR="91440"/>
-                </a:tc>
-                <a:tc>
-                  <a:txBody>
-                    <a:bodyPr vert="horz" wrap="square" lIns="91440" tIns="45720" rIns="91440" bIns="45720" anchor="t" anchorCtr="0">
-                      <a:spAutoFit/>
-                    </a:bodyPr>
-                    <a:p>
-                      <a:pPr>
-                        <a:defRPr/>
-                      </a:pPr>
-                      <a:endParaRPr lang="en-US" altLang="ko-KR"/>
-                    </a:p>
-                  </a:txBody>
-                  <a:tcPr marL="91440" marR="91440"/>
-                </a:tc>
-                <a:tc>
-                  <a:txBody>
-                    <a:bodyPr vert="horz" wrap="square" lIns="91440" tIns="45720" rIns="91440" bIns="45720" anchor="t" anchorCtr="0">
-                      <a:spAutoFit/>
-                    </a:bodyPr>
-                    <a:p>
-                      <a:pPr>
-                        <a:defRPr/>
-                      </a:pPr>
-                      <a:endParaRPr lang="ko-KR" altLang="en-US"/>
-                    </a:p>
-                  </a:txBody>
-                  <a:tcPr marL="91440" marR="91440"/>
-                </a:tc>
-                <a:tc>
-                  <a:txBody>
-                    <a:bodyPr vert="horz" wrap="square" lIns="91440" tIns="45720" rIns="91440" bIns="45720" anchor="t" anchorCtr="0">
-                      <a:spAutoFit/>
-                    </a:bodyPr>
-                    <a:p>
-                      <a:pPr>
-                        <a:defRPr/>
-                      </a:pPr>
-                      <a:endParaRPr lang="en-US" altLang="ko-KR"/>
-                    </a:p>
-                  </a:txBody>
-                  <a:tcPr marL="91440" marR="91440"/>
-                </a:tc>
-                <a:tc>
-                  <a:txBody>
-                    <a:bodyPr vert="horz" wrap="square" lIns="91440" tIns="45720" rIns="91440" bIns="45720" anchor="t" anchorCtr="0">
-                      <a:spAutoFit/>
-                    </a:bodyPr>
-                    <a:p>
-                      <a:pPr>
-                        <a:defRPr/>
-                      </a:pPr>
-                      <a:endParaRPr lang="ko-KR" altLang="en-US"/>
-                    </a:p>
-                  </a:txBody>
-                  <a:tcPr marL="91440" marR="91440"/>
-                </a:tc>
-                <a:tc>
-                  <a:txBody>
-                    <a:bodyPr vert="horz" wrap="square" lIns="91440" tIns="45720" rIns="91440" bIns="45720" anchor="t" anchorCtr="0">
-                      <a:spAutoFit/>
-                    </a:bodyPr>
-                    <a:p>
-                      <a:pPr>
-                        <a:defRPr/>
-                      </a:pPr>
-                      <a:endParaRPr lang="ko-KR" altLang="en-US"/>
-                    </a:p>
-                  </a:txBody>
-                  <a:tcPr marL="91440" marR="91440"/>
-                </a:tc>
-              </a:tr>
-              <a:tr h="116840">
-                <a:tc>
-                  <a:txBody>
-                    <a:bodyPr vert="horz" wrap="square" lIns="91440" tIns="45720" rIns="91440" bIns="45720" anchor="t" anchorCtr="0">
-                      <a:spAutoFit/>
-                    </a:bodyPr>
-                    <a:p>
-                      <a:pPr>
-                        <a:defRPr/>
-                      </a:pPr>
-                      <a:endParaRPr lang="en-US" altLang="ko-KR"/>
-                    </a:p>
-                  </a:txBody>
-                  <a:tcPr marL="91440" marR="91440"/>
-                </a:tc>
-                <a:tc>
-                  <a:txBody>
-                    <a:bodyPr vert="horz" wrap="square" lIns="91440" tIns="45720" rIns="91440" bIns="45720" anchor="t" anchorCtr="0">
-                      <a:spAutoFit/>
-                    </a:bodyPr>
-                    <a:p>
-                      <a:pPr>
-                        <a:defRPr/>
-                      </a:pPr>
-                      <a:endParaRPr lang="en-US" altLang="ko-KR"/>
-                    </a:p>
-                  </a:txBody>
-                  <a:tcPr marL="91440" marR="91440"/>
-                </a:tc>
-                <a:tc>
-                  <a:txBody>
-                    <a:bodyPr vert="horz" wrap="square" lIns="91440" tIns="45720" rIns="91440" bIns="45720" anchor="t" anchorCtr="0">
-                      <a:spAutoFit/>
-                    </a:bodyPr>
-                    <a:p>
-                      <a:pPr>
-                        <a:defRPr/>
-                      </a:pPr>
-                      <a:endParaRPr lang="en-US" altLang="ko-KR"/>
-                    </a:p>
-                  </a:txBody>
-                  <a:tcPr marL="91440" marR="91440"/>
-                </a:tc>
-                <a:tc>
-                  <a:txBody>
-                    <a:bodyPr vert="horz" wrap="square" lIns="91440" tIns="45720" rIns="91440" bIns="45720" anchor="t" anchorCtr="0">
-                      <a:spAutoFit/>
-                    </a:bodyPr>
-                    <a:p>
-                      <a:pPr>
-                        <a:defRPr/>
-                      </a:pPr>
-                      <a:endParaRPr lang="en-US" altLang="ko-KR"/>
-                    </a:p>
-                  </a:txBody>
-                  <a:tcPr marL="91440" marR="91440"/>
-                </a:tc>
-                <a:tc>
-                  <a:txBody>
-                    <a:bodyPr vert="horz" wrap="square" lIns="91440" tIns="45720" rIns="91440" bIns="45720" anchor="t" anchorCtr="0">
-                      <a:spAutoFit/>
-                    </a:bodyPr>
-                    <a:p>
-                      <a:pPr>
-                        <a:defRPr/>
-                      </a:pPr>
-                      <a:endParaRPr lang="en-US" altLang="ko-KR"/>
-                    </a:p>
-                  </a:txBody>
-                  <a:tcPr marL="91440" marR="91440"/>
-                </a:tc>
-                <a:tc>
-                  <a:txBody>
-                    <a:bodyPr vert="horz" wrap="square" lIns="91440" tIns="45720" rIns="91440" bIns="45720" anchor="t" anchorCtr="0">
-                      <a:spAutoFit/>
-                    </a:bodyPr>
-                    <a:p>
-                      <a:pPr>
-                        <a:defRPr/>
-                      </a:pPr>
-                      <a:endParaRPr lang="en-US" altLang="ko-KR"/>
-                    </a:p>
-                  </a:txBody>
-                  <a:tcPr marL="91440" marR="91440"/>
-                </a:tc>
-                <a:tc>
-                  <a:txBody>
-                    <a:bodyPr vert="horz" wrap="square" lIns="91440" tIns="45720" rIns="91440" bIns="45720" anchor="t" anchorCtr="0">
-                      <a:spAutoFit/>
-                    </a:bodyPr>
-                    <a:p>
-                      <a:pPr>
-                        <a:defRPr/>
-                      </a:pPr>
-                      <a:endParaRPr lang="en-US" altLang="ko-KR"/>
-                    </a:p>
-                  </a:txBody>
-                  <a:tcPr marL="91440" marR="91440"/>
-                </a:tc>
-              </a:tr>
-            </a:tbl>
-          </a:graphicData>
-        </a:graphic>
-      </p:graphicFrame>
       <p:sp>
         <p:nvSpPr>
           <p:cNvPr id="22" name=""/>
@@ -15001,6 +14639,245 @@
           </a:fontRef>
         </p:style>
       </p:cxnSp>
+      <p:graphicFrame>
+        <p:nvGraphicFramePr>
+          <p:cNvPr id="29" name=""/>
+          <p:cNvGraphicFramePr>
+            <a:graphicFrameLocks noGrp="1"/>
+          </p:cNvGraphicFramePr>
+          <p:nvPr/>
+        </p:nvGraphicFramePr>
+        <p:xfrm>
+          <a:off x="0" y="2734945"/>
+          <a:ext cx="7301278" cy="1483360"/>
+        </p:xfrm>
+        <a:graphic>
+          <a:graphicData uri="http://schemas.openxmlformats.org/drawingml/2006/table">
+            <a:tbl>
+              <a:tblPr firstRow="1" bandRow="1">
+                <a:tableStyleId>{01A66EDD-3DAB-4C5B-A090-DC80EC1FD486}</a:tableStyleId>
+              </a:tblPr>
+              <a:tblGrid>
+                <a:gridCol w="2433759"/>
+                <a:gridCol w="2433759"/>
+                <a:gridCol w="2433759"/>
+              </a:tblGrid>
+              <a:tr h="370840">
+                <a:tc>
+                  <a:txBody>
+                    <a:bodyPr vert="horz" wrap="square" lIns="91440" tIns="45720" rIns="91440" bIns="45720" anchor="t" anchorCtr="0">
+                      <a:spAutoFit/>
+                    </a:bodyPr>
+                    <a:p>
+                      <a:pPr>
+                        <a:defRPr/>
+                      </a:pPr>
+                      <a:r>
+                        <a:rPr lang="ko-KR" altLang="en-US"/>
+                        <a:t>실행 명령어</a:t>
+                      </a:r>
+                      <a:endParaRPr lang="ko-KR" altLang="en-US"/>
+                    </a:p>
+                  </a:txBody>
+                  <a:tcPr marL="91440" marR="91440"/>
+                </a:tc>
+                <a:tc>
+                  <a:txBody>
+                    <a:bodyPr vert="horz" wrap="square" lIns="91440" tIns="45720" rIns="91440" bIns="45720" anchor="t" anchorCtr="0">
+                      <a:spAutoFit/>
+                    </a:bodyPr>
+                    <a:p>
+                      <a:pPr>
+                        <a:defRPr/>
+                      </a:pPr>
+                      <a:r>
+                        <a:rPr lang="ko-KR" altLang="en-US"/>
+                        <a:t>실행 시각</a:t>
+                      </a:r>
+                      <a:endParaRPr lang="ko-KR" altLang="en-US"/>
+                    </a:p>
+                  </a:txBody>
+                  <a:tcPr marL="91440" marR="91440"/>
+                </a:tc>
+                <a:tc>
+                  <a:txBody>
+                    <a:bodyPr vert="horz" wrap="square" lIns="91440" tIns="45720" rIns="91440" bIns="45720" anchor="t" anchorCtr="0">
+                      <a:spAutoFit/>
+                    </a:bodyPr>
+                    <a:p>
+                      <a:pPr>
+                        <a:defRPr/>
+                      </a:pPr>
+                      <a:r>
+                        <a:rPr lang="ko-KR" altLang="en-US"/>
+                        <a:t>비고</a:t>
+                      </a:r>
+                      <a:endParaRPr lang="ko-KR" altLang="en-US"/>
+                    </a:p>
+                  </a:txBody>
+                  <a:tcPr marL="91440" marR="91440"/>
+                </a:tc>
+              </a:tr>
+              <a:tr h="370840">
+                <a:tc>
+                  <a:txBody>
+                    <a:bodyPr vert="horz" wrap="square" lIns="91440" tIns="45720" rIns="91440" bIns="45720" anchor="t" anchorCtr="0">
+                      <a:spAutoFit/>
+                    </a:bodyPr>
+                    <a:p>
+                      <a:pPr>
+                        <a:defRPr/>
+                      </a:pPr>
+                      <a:r>
+                        <a:rPr lang="en-US" altLang="ko-KR"/>
+                        <a:t>cmd</a:t>
+                      </a:r>
+                      <a:endParaRPr lang="en-US" altLang="ko-KR"/>
+                    </a:p>
+                  </a:txBody>
+                  <a:tcPr marL="91440" marR="91440"/>
+                </a:tc>
+                <a:tc>
+                  <a:txBody>
+                    <a:bodyPr vert="horz" wrap="square" lIns="91440" tIns="45720" rIns="91440" bIns="45720" anchor="t" anchorCtr="0">
+                      <a:spAutoFit/>
+                    </a:bodyPr>
+                    <a:p>
+                      <a:pPr>
+                        <a:defRPr/>
+                      </a:pPr>
+                      <a:r>
+                        <a:rPr lang="en-US" altLang="ko-KR"/>
+                        <a:t>2021-07-12-19:24:54</a:t>
+                      </a:r>
+                      <a:endParaRPr lang="en-US" altLang="ko-KR"/>
+                    </a:p>
+                  </a:txBody>
+                  <a:tcPr marL="91440" marR="91440"/>
+                </a:tc>
+                <a:tc>
+                  <a:txBody>
+                    <a:bodyPr vert="horz" wrap="square" lIns="91440" tIns="45720" rIns="91440" bIns="45720" anchor="t" anchorCtr="0">
+                      <a:spAutoFit/>
+                    </a:bodyPr>
+                    <a:p>
+                      <a:pPr>
+                        <a:defRPr/>
+                      </a:pPr>
+                      <a:endParaRPr lang="en-US" altLang="ko-KR"/>
+                    </a:p>
+                  </a:txBody>
+                  <a:tcPr marL="91440" marR="91440"/>
+                </a:tc>
+              </a:tr>
+              <a:tr h="370840">
+                <a:tc>
+                  <a:txBody>
+                    <a:bodyPr vert="horz" wrap="square" lIns="91440" tIns="45720" rIns="91440" bIns="45720" anchor="t" anchorCtr="0">
+                      <a:spAutoFit/>
+                    </a:bodyPr>
+                    <a:p>
+                      <a:pPr>
+                        <a:defRPr/>
+                      </a:pPr>
+                      <a:r>
+                        <a:rPr lang="en-US" altLang="ko-KR"/>
+                        <a:t>winver</a:t>
+                      </a:r>
+                      <a:endParaRPr lang="en-US" altLang="ko-KR"/>
+                    </a:p>
+                  </a:txBody>
+                  <a:tcPr marL="91440" marR="91440"/>
+                </a:tc>
+                <a:tc>
+                  <a:txBody>
+                    <a:bodyPr vert="horz" wrap="square" lIns="91440" tIns="45720" rIns="91440" bIns="45720" anchor="t" anchorCtr="0">
+                      <a:spAutoFit/>
+                    </a:bodyPr>
+                    <a:p>
+                      <a:pPr>
+                        <a:defRPr/>
+                      </a:pPr>
+                      <a:r>
+                        <a:rPr lang="en-US" altLang="ko-KR"/>
+                        <a:t>2021-07-15-20:34:51</a:t>
+                      </a:r>
+                      <a:endParaRPr lang="en-US" altLang="ko-KR"/>
+                    </a:p>
+                  </a:txBody>
+                  <a:tcPr marL="91440" marR="91440"/>
+                </a:tc>
+                <a:tc>
+                  <a:txBody>
+                    <a:bodyPr vert="horz" wrap="square" lIns="91440" tIns="45720" rIns="91440" bIns="45720" anchor="t" anchorCtr="0">
+                      <a:spAutoFit/>
+                    </a:bodyPr>
+                    <a:p>
+                      <a:pPr>
+                        <a:defRPr/>
+                      </a:pPr>
+                      <a:endParaRPr lang="en-US" altLang="ko-KR"/>
+                    </a:p>
+                  </a:txBody>
+                  <a:tcPr marL="91440" marR="91440"/>
+                </a:tc>
+              </a:tr>
+              <a:tr h="370840">
+                <a:tc>
+                  <a:txBody>
+                    <a:bodyPr vert="horz" wrap="square" lIns="91440" tIns="45720" rIns="91440" bIns="45720" anchor="t" anchorCtr="0">
+                      <a:spAutoFit/>
+                    </a:bodyPr>
+                    <a:p>
+                      <a:pPr>
+                        <a:defRPr/>
+                      </a:pPr>
+                      <a:r>
+                        <a:rPr lang="en-US" altLang="ko-KR"/>
+                        <a:t>sysdm.cpl</a:t>
+                      </a:r>
+                      <a:endParaRPr lang="en-US" altLang="ko-KR"/>
+                    </a:p>
+                  </a:txBody>
+                  <a:tcPr marL="91440" marR="91440"/>
+                </a:tc>
+                <a:tc>
+                  <a:txBody>
+                    <a:bodyPr vert="horz" wrap="square" lIns="91440" tIns="45720" rIns="91440" bIns="45720" anchor="t" anchorCtr="0">
+                      <a:spAutoFit/>
+                    </a:bodyPr>
+                    <a:p>
+                      <a:pPr>
+                        <a:defRPr/>
+                      </a:pPr>
+                      <a:r>
+                        <a:rPr lang="en-US" altLang="ko-KR"/>
+                        <a:t>2021-07-15-21:15:19</a:t>
+                      </a:r>
+                      <a:endParaRPr lang="en-US" altLang="ko-KR"/>
+                    </a:p>
+                  </a:txBody>
+                  <a:tcPr marL="91440" marR="91440"/>
+                </a:tc>
+                <a:tc>
+                  <a:txBody>
+                    <a:bodyPr vert="horz" wrap="square" lIns="91440" tIns="45720" rIns="91440" bIns="45720" anchor="t" anchorCtr="0">
+                      <a:spAutoFit/>
+                    </a:bodyPr>
+                    <a:p>
+                      <a:pPr>
+                        <a:defRPr/>
+                      </a:pPr>
+                      <a:endParaRPr lang="en-US" altLang="ko-KR"/>
+                    </a:p>
+                  </a:txBody>
+                  <a:tcPr marL="91440" marR="91440"/>
+                </a:tc>
+              </a:tr>
+            </a:tbl>
+          </a:graphicData>
+        </a:graphic>
+      </p:graphicFrame>
     </p:spTree>
   </p:cSld>
   <p:clrMapOvr>
@@ -15175,12 +15052,20 @@
               <a:defRPr/>
             </a:pPr>
             <a:r>
+              <a:rPr lang="ko-KR" altLang="en-US">
+                <a:solidFill>
+                  <a:schemeClr val="dk1"/>
+                </a:solidFill>
+              </a:rPr>
+              <a:t>접속한 인터넷 </a:t>
+            </a:r>
+            <a:r>
               <a:rPr lang="en-US" altLang="ko-KR">
                 <a:solidFill>
                   <a:schemeClr val="dk1"/>
                 </a:solidFill>
               </a:rPr>
-              <a:t>hwp, word </a:t>
+              <a:t>URL</a:t>
             </a:r>
             <a:r>
               <a:rPr lang="ko-KR" altLang="en-US">
@@ -15188,7 +15073,7 @@
                   <a:schemeClr val="dk1"/>
                 </a:solidFill>
               </a:rPr>
-              <a:t>를 선택했습니다</a:t>
+              <a:t> 목록을 선택했습니다</a:t>
             </a:r>
             <a:endParaRPr lang="ko-KR" altLang="en-US">
               <a:solidFill>
@@ -15458,337 +15343,6 @@
           </a:p>
         </p:txBody>
       </p:sp>
-      <p:graphicFrame>
-        <p:nvGraphicFramePr>
-          <p:cNvPr id="21" name=""/>
-          <p:cNvGraphicFramePr>
-            <a:graphicFrameLocks noGrp="1"/>
-          </p:cNvGraphicFramePr>
-          <p:nvPr/>
-        </p:nvGraphicFramePr>
-        <p:xfrm>
-          <a:off x="19050" y="2844165"/>
-          <a:ext cx="9482032" cy="1102995"/>
-        </p:xfrm>
-        <a:graphic>
-          <a:graphicData uri="http://schemas.openxmlformats.org/drawingml/2006/table">
-            <a:tbl>
-              <a:tblPr firstRow="1" bandRow="1">
-                <a:tableStyleId>{01A66EDD-3DAB-4C5B-A090-DC80EC1FD486}</a:tableStyleId>
-              </a:tblPr>
-              <a:tblGrid>
-                <a:gridCol w="1354666"/>
-                <a:gridCol w="1354666"/>
-                <a:gridCol w="1354666"/>
-                <a:gridCol w="1354666"/>
-                <a:gridCol w="1354455"/>
-                <a:gridCol w="1354455"/>
-                <a:gridCol w="1354455"/>
-              </a:tblGrid>
-              <a:tr h="194945">
-                <a:tc>
-                  <a:txBody>
-                    <a:bodyPr vert="horz" wrap="square" lIns="91440" tIns="45720" rIns="91440" bIns="45720" anchor="t" anchorCtr="0">
-                      <a:spAutoFit/>
-                    </a:bodyPr>
-                    <a:p>
-                      <a:pPr>
-                        <a:defRPr/>
-                      </a:pPr>
-                      <a:endParaRPr lang="ko-KR" altLang="en-US"/>
-                    </a:p>
-                  </a:txBody>
-                  <a:tcPr marL="91440" marR="91440"/>
-                </a:tc>
-                <a:tc>
-                  <a:txBody>
-                    <a:bodyPr vert="horz" wrap="square" lIns="91440" tIns="45720" rIns="91440" bIns="45720" anchor="t" anchorCtr="0">
-                      <a:spAutoFit/>
-                    </a:bodyPr>
-                    <a:p>
-                      <a:pPr>
-                        <a:defRPr/>
-                      </a:pPr>
-                      <a:endParaRPr lang="ko-KR" altLang="en-US"/>
-                    </a:p>
-                  </a:txBody>
-                  <a:tcPr marL="91440" marR="91440"/>
-                </a:tc>
-                <a:tc>
-                  <a:txBody>
-                    <a:bodyPr vert="horz" wrap="square" lIns="91440" tIns="45720" rIns="91440" bIns="45720" anchor="t" anchorCtr="0">
-                      <a:spAutoFit/>
-                    </a:bodyPr>
-                    <a:p>
-                      <a:pPr>
-                        <a:defRPr/>
-                      </a:pPr>
-                      <a:endParaRPr lang="ko-KR" altLang="en-US"/>
-                    </a:p>
-                  </a:txBody>
-                  <a:tcPr marL="91440" marR="91440"/>
-                </a:tc>
-                <a:tc>
-                  <a:txBody>
-                    <a:bodyPr vert="horz" wrap="square" lIns="91440" tIns="45720" rIns="91440" bIns="45720" anchor="t" anchorCtr="0">
-                      <a:spAutoFit/>
-                    </a:bodyPr>
-                    <a:p>
-                      <a:pPr>
-                        <a:defRPr/>
-                      </a:pPr>
-                      <a:endParaRPr lang="ko-KR" altLang="en-US"/>
-                    </a:p>
-                  </a:txBody>
-                  <a:tcPr marL="91440" marR="91440"/>
-                </a:tc>
-                <a:tc>
-                  <a:txBody>
-                    <a:bodyPr vert="horz" wrap="square" lIns="91440" tIns="45720" rIns="91440" bIns="45720" anchor="t" anchorCtr="0">
-                      <a:spAutoFit/>
-                    </a:bodyPr>
-                    <a:p>
-                      <a:pPr>
-                        <a:defRPr/>
-                      </a:pPr>
-                      <a:endParaRPr lang="ko-KR" altLang="en-US"/>
-                    </a:p>
-                  </a:txBody>
-                  <a:tcPr marL="91440" marR="91440"/>
-                </a:tc>
-                <a:tc>
-                  <a:txBody>
-                    <a:bodyPr vert="horz" wrap="square" lIns="91440" tIns="45720" rIns="91440" bIns="45720" anchor="t" anchorCtr="0">
-                      <a:spAutoFit/>
-                    </a:bodyPr>
-                    <a:p>
-                      <a:pPr>
-                        <a:defRPr/>
-                      </a:pPr>
-                      <a:endParaRPr lang="ko-KR" altLang="en-US"/>
-                    </a:p>
-                  </a:txBody>
-                  <a:tcPr marL="91440" marR="91440"/>
-                </a:tc>
-                <a:tc>
-                  <a:txBody>
-                    <a:bodyPr vert="horz" wrap="square" lIns="91440" tIns="45720" rIns="91440" bIns="45720" anchor="t" anchorCtr="0">
-                      <a:spAutoFit/>
-                    </a:bodyPr>
-                    <a:p>
-                      <a:pPr>
-                        <a:defRPr/>
-                      </a:pPr>
-                      <a:endParaRPr lang="ko-KR" altLang="en-US"/>
-                    </a:p>
-                  </a:txBody>
-                  <a:tcPr marL="91440" marR="91440"/>
-                </a:tc>
-              </a:tr>
-              <a:tr h="116840">
-                <a:tc>
-                  <a:txBody>
-                    <a:bodyPr vert="horz" wrap="square" lIns="91440" tIns="45720" rIns="91440" bIns="45720" anchor="t" anchorCtr="0">
-                      <a:spAutoFit/>
-                    </a:bodyPr>
-                    <a:p>
-                      <a:pPr>
-                        <a:defRPr/>
-                      </a:pPr>
-                      <a:endParaRPr lang="en-US" altLang="ko-KR"/>
-                    </a:p>
-                  </a:txBody>
-                  <a:tcPr marL="91440" marR="91440"/>
-                </a:tc>
-                <a:tc>
-                  <a:txBody>
-                    <a:bodyPr vert="horz" wrap="square" lIns="91440" tIns="45720" rIns="91440" bIns="45720" anchor="t" anchorCtr="0">
-                      <a:spAutoFit/>
-                    </a:bodyPr>
-                    <a:p>
-                      <a:pPr>
-                        <a:defRPr/>
-                      </a:pPr>
-                      <a:endParaRPr lang="en-US" altLang="ko-KR"/>
-                    </a:p>
-                  </a:txBody>
-                  <a:tcPr marL="91440" marR="91440"/>
-                </a:tc>
-                <a:tc>
-                  <a:txBody>
-                    <a:bodyPr vert="horz" wrap="square" lIns="91440" tIns="45720" rIns="91440" bIns="45720" anchor="t" anchorCtr="0">
-                      <a:spAutoFit/>
-                    </a:bodyPr>
-                    <a:p>
-                      <a:pPr>
-                        <a:defRPr/>
-                      </a:pPr>
-                      <a:endParaRPr lang="en-US" altLang="ko-KR"/>
-                    </a:p>
-                  </a:txBody>
-                  <a:tcPr marL="91440" marR="91440"/>
-                </a:tc>
-                <a:tc>
-                  <a:txBody>
-                    <a:bodyPr vert="horz" wrap="square" lIns="91440" tIns="45720" rIns="91440" bIns="45720" anchor="t" anchorCtr="0">
-                      <a:spAutoFit/>
-                    </a:bodyPr>
-                    <a:p>
-                      <a:pPr>
-                        <a:defRPr/>
-                      </a:pPr>
-                      <a:endParaRPr lang="ko-KR" altLang="en-US"/>
-                    </a:p>
-                  </a:txBody>
-                  <a:tcPr marL="91440" marR="91440"/>
-                </a:tc>
-                <a:tc>
-                  <a:txBody>
-                    <a:bodyPr vert="horz" wrap="square" lIns="91440" tIns="45720" rIns="91440" bIns="45720" anchor="t" anchorCtr="0">
-                      <a:spAutoFit/>
-                    </a:bodyPr>
-                    <a:p>
-                      <a:pPr>
-                        <a:defRPr/>
-                      </a:pPr>
-                      <a:endParaRPr lang="en-US" altLang="ko-KR"/>
-                    </a:p>
-                  </a:txBody>
-                  <a:tcPr marL="91440" marR="91440"/>
-                </a:tc>
-                <a:tc>
-                  <a:txBody>
-                    <a:bodyPr vert="horz" wrap="square" lIns="91440" tIns="45720" rIns="91440" bIns="45720" anchor="t" anchorCtr="0">
-                      <a:spAutoFit/>
-                    </a:bodyPr>
-                    <a:p>
-                      <a:pPr>
-                        <a:defRPr/>
-                      </a:pPr>
-                      <a:endParaRPr lang="ko-KR" altLang="en-US"/>
-                    </a:p>
-                  </a:txBody>
-                  <a:tcPr marL="91440" marR="91440"/>
-                </a:tc>
-                <a:tc>
-                  <a:txBody>
-                    <a:bodyPr vert="horz" wrap="square" lIns="91440" tIns="45720" rIns="91440" bIns="45720" anchor="t" anchorCtr="0">
-                      <a:spAutoFit/>
-                    </a:bodyPr>
-                    <a:p>
-                      <a:pPr>
-                        <a:defRPr/>
-                      </a:pPr>
-                      <a:endParaRPr lang="ko-KR" altLang="en-US"/>
-                    </a:p>
-                  </a:txBody>
-                  <a:tcPr marL="91440" marR="91440"/>
-                </a:tc>
-              </a:tr>
-              <a:tr h="116840">
-                <a:tc>
-                  <a:txBody>
-                    <a:bodyPr vert="horz" wrap="square" lIns="91440" tIns="45720" rIns="91440" bIns="45720" anchor="t" anchorCtr="0">
-                      <a:spAutoFit/>
-                    </a:bodyPr>
-                    <a:p>
-                      <a:pPr>
-                        <a:defRPr/>
-                      </a:pPr>
-                      <a:endParaRPr lang="en-US" altLang="ko-KR"/>
-                    </a:p>
-                  </a:txBody>
-                  <a:tcPr marL="91440" marR="91440"/>
-                </a:tc>
-                <a:tc>
-                  <a:txBody>
-                    <a:bodyPr vert="horz" wrap="square" lIns="91440" tIns="45720" rIns="91440" bIns="45720" anchor="t" anchorCtr="0">
-                      <a:spAutoFit/>
-                    </a:bodyPr>
-                    <a:p>
-                      <a:pPr>
-                        <a:defRPr/>
-                      </a:pPr>
-                      <a:endParaRPr lang="en-US" altLang="ko-KR"/>
-                    </a:p>
-                  </a:txBody>
-                  <a:tcPr marL="91440" marR="91440"/>
-                </a:tc>
-                <a:tc>
-                  <a:txBody>
-                    <a:bodyPr vert="horz" wrap="square" lIns="91440" tIns="45720" rIns="91440" bIns="45720" anchor="t" anchorCtr="0">
-                      <a:spAutoFit/>
-                    </a:bodyPr>
-                    <a:p>
-                      <a:pPr>
-                        <a:defRPr/>
-                      </a:pPr>
-                      <a:endParaRPr lang="en-US" altLang="ko-KR"/>
-                    </a:p>
-                  </a:txBody>
-                  <a:tcPr marL="91440" marR="91440"/>
-                </a:tc>
-                <a:tc>
-                  <a:txBody>
-                    <a:bodyPr vert="horz" wrap="square" lIns="91440" tIns="45720" rIns="91440" bIns="45720" anchor="t" anchorCtr="0">
-                      <a:spAutoFit/>
-                    </a:bodyPr>
-                    <a:p>
-                      <a:pPr>
-                        <a:defRPr/>
-                      </a:pPr>
-                      <a:endParaRPr lang="en-US" altLang="ko-KR"/>
-                    </a:p>
-                  </a:txBody>
-                  <a:tcPr marL="91440" marR="91440"/>
-                </a:tc>
-                <a:tc>
-                  <a:txBody>
-                    <a:bodyPr vert="horz" wrap="square" lIns="91440" tIns="45720" rIns="91440" bIns="45720" anchor="t" anchorCtr="0">
-                      <a:spAutoFit/>
-                    </a:bodyPr>
-                    <a:p>
-                      <a:pPr>
-                        <a:defRPr/>
-                      </a:pPr>
-                      <a:endParaRPr lang="en-US" altLang="ko-KR"/>
-                    </a:p>
-                  </a:txBody>
-                  <a:tcPr marL="91440" marR="91440"/>
-                </a:tc>
-                <a:tc>
-                  <a:txBody>
-                    <a:bodyPr vert="horz" wrap="square" lIns="91440" tIns="45720" rIns="91440" bIns="45720" anchor="t" anchorCtr="0">
-                      <a:spAutoFit/>
-                    </a:bodyPr>
-                    <a:p>
-                      <a:pPr>
-                        <a:defRPr/>
-                      </a:pPr>
-                      <a:endParaRPr lang="en-US" altLang="ko-KR"/>
-                    </a:p>
-                  </a:txBody>
-                  <a:tcPr marL="91440" marR="91440"/>
-                </a:tc>
-                <a:tc>
-                  <a:txBody>
-                    <a:bodyPr vert="horz" wrap="square" lIns="91440" tIns="45720" rIns="91440" bIns="45720" anchor="t" anchorCtr="0">
-                      <a:spAutoFit/>
-                    </a:bodyPr>
-                    <a:p>
-                      <a:pPr>
-                        <a:defRPr/>
-                      </a:pPr>
-                      <a:endParaRPr lang="en-US" altLang="ko-KR"/>
-                    </a:p>
-                  </a:txBody>
-                  <a:tcPr marL="91440" marR="91440"/>
-                </a:tc>
-              </a:tr>
-            </a:tbl>
-          </a:graphicData>
-        </a:graphic>
-      </p:graphicFrame>
       <p:sp>
         <p:nvSpPr>
           <p:cNvPr id="22" name=""/>
@@ -16088,6 +15642,245 @@
           </a:fontRef>
         </p:style>
       </p:cxnSp>
+      <p:graphicFrame>
+        <p:nvGraphicFramePr>
+          <p:cNvPr id="29" name=""/>
+          <p:cNvGraphicFramePr>
+            <a:graphicFrameLocks noGrp="1"/>
+          </p:cNvGraphicFramePr>
+          <p:nvPr/>
+        </p:nvGraphicFramePr>
+        <p:xfrm>
+          <a:off x="0" y="2753995"/>
+          <a:ext cx="8546968" cy="1470660"/>
+        </p:xfrm>
+        <a:graphic>
+          <a:graphicData uri="http://schemas.openxmlformats.org/drawingml/2006/table">
+            <a:tbl>
+              <a:tblPr firstRow="1" bandRow="1">
+                <a:tableStyleId>{01A66EDD-3DAB-4C5B-A090-DC80EC1FD486}</a:tableStyleId>
+              </a:tblPr>
+              <a:tblGrid>
+                <a:gridCol w="2847357"/>
+                <a:gridCol w="2849805"/>
+                <a:gridCol w="2849805"/>
+              </a:tblGrid>
+              <a:tr h="116840">
+                <a:tc>
+                  <a:txBody>
+                    <a:bodyPr vert="horz" wrap="square" lIns="91440" tIns="45720" rIns="91440" bIns="45720" anchor="t" anchorCtr="0">
+                      <a:spAutoFit/>
+                    </a:bodyPr>
+                    <a:p>
+                      <a:pPr>
+                        <a:defRPr/>
+                      </a:pPr>
+                      <a:r>
+                        <a:rPr lang="en-US" altLang="ko-KR"/>
+                        <a:t>URL</a:t>
+                      </a:r>
+                      <a:endParaRPr lang="en-US" altLang="ko-KR"/>
+                    </a:p>
+                  </a:txBody>
+                  <a:tcPr marL="91440" marR="91440"/>
+                </a:tc>
+                <a:tc>
+                  <a:txBody>
+                    <a:bodyPr vert="horz" wrap="square" lIns="91440" tIns="45720" rIns="91440" bIns="45720" anchor="t" anchorCtr="0">
+                      <a:spAutoFit/>
+                    </a:bodyPr>
+                    <a:p>
+                      <a:pPr>
+                        <a:defRPr/>
+                      </a:pPr>
+                      <a:r>
+                        <a:rPr lang="ko-KR" altLang="en-US"/>
+                        <a:t>접속 시각</a:t>
+                      </a:r>
+                      <a:endParaRPr lang="ko-KR" altLang="en-US"/>
+                    </a:p>
+                  </a:txBody>
+                  <a:tcPr marL="91440" marR="91440"/>
+                </a:tc>
+                <a:tc>
+                  <a:txBody>
+                    <a:bodyPr vert="horz" wrap="square" lIns="91440" tIns="45720" rIns="91440" bIns="45720" anchor="t" anchorCtr="0">
+                      <a:spAutoFit/>
+                    </a:bodyPr>
+                    <a:p>
+                      <a:pPr>
+                        <a:defRPr/>
+                      </a:pPr>
+                      <a:r>
+                        <a:rPr lang="ko-KR" altLang="en-US"/>
+                        <a:t>비고</a:t>
+                      </a:r>
+                      <a:endParaRPr lang="ko-KR" altLang="en-US"/>
+                    </a:p>
+                  </a:txBody>
+                  <a:tcPr marL="91440" marR="91440"/>
+                </a:tc>
+              </a:tr>
+              <a:tr h="116840">
+                <a:tc>
+                  <a:txBody>
+                    <a:bodyPr vert="horz" wrap="square" lIns="91440" tIns="45720" rIns="91440" bIns="45720" anchor="t" anchorCtr="0">
+                      <a:spAutoFit/>
+                    </a:bodyPr>
+                    <a:p>
+                      <a:pPr>
+                        <a:defRPr/>
+                      </a:pPr>
+                      <a:r>
+                        <a:rPr lang="en-US" altLang="ko-KR"/>
+                        <a:t>https://www.naver.com/</a:t>
+                      </a:r>
+                      <a:endParaRPr lang="en-US" altLang="ko-KR"/>
+                    </a:p>
+                  </a:txBody>
+                  <a:tcPr marL="91440" marR="91440"/>
+                </a:tc>
+                <a:tc>
+                  <a:txBody>
+                    <a:bodyPr vert="horz" wrap="square" lIns="91440" tIns="45720" rIns="91440" bIns="45720" anchor="t" anchorCtr="0">
+                      <a:spAutoFit/>
+                    </a:bodyPr>
+                    <a:p>
+                      <a:pPr>
+                        <a:defRPr/>
+                      </a:pPr>
+                      <a:r>
+                        <a:rPr lang="en-US" altLang="ko-KR"/>
+                        <a:t>2021-05-17-13:21:42</a:t>
+                      </a:r>
+                      <a:endParaRPr lang="en-US" altLang="ko-KR"/>
+                    </a:p>
+                  </a:txBody>
+                  <a:tcPr marL="91440" marR="91440"/>
+                </a:tc>
+                <a:tc>
+                  <a:txBody>
+                    <a:bodyPr vert="horz" wrap="square" lIns="91440" tIns="45720" rIns="91440" bIns="45720" anchor="t" anchorCtr="0">
+                      <a:spAutoFit/>
+                    </a:bodyPr>
+                    <a:p>
+                      <a:pPr>
+                        <a:defRPr/>
+                      </a:pPr>
+                      <a:endParaRPr lang="ko-KR" altLang="en-US"/>
+                    </a:p>
+                  </a:txBody>
+                  <a:tcPr marL="91440" marR="91440"/>
+                </a:tc>
+              </a:tr>
+              <a:tr h="116840">
+                <a:tc>
+                  <a:txBody>
+                    <a:bodyPr vert="horz" wrap="square" lIns="91440" tIns="45720" rIns="91440" bIns="45720" anchor="t" anchorCtr="0">
+                      <a:spAutoFit/>
+                    </a:bodyPr>
+                    <a:p>
+                      <a:pPr>
+                        <a:defRPr/>
+                      </a:pPr>
+                      <a:r>
+                        <a:rPr lang="en-US" altLang="ko-KR"/>
+                        <a:t>https://www.google.com/</a:t>
+                      </a:r>
+                      <a:endParaRPr lang="en-US" altLang="ko-KR"/>
+                    </a:p>
+                  </a:txBody>
+                  <a:tcPr marL="91440" marR="91440"/>
+                </a:tc>
+                <a:tc>
+                  <a:txBody>
+                    <a:bodyPr vert="horz" wrap="square" lIns="91440" tIns="45720" rIns="91440" bIns="45720" anchor="t" anchorCtr="0">
+                      <a:spAutoFit/>
+                    </a:bodyPr>
+                    <a:p>
+                      <a:pPr>
+                        <a:defRPr/>
+                      </a:pPr>
+                      <a:r>
+                        <a:rPr lang="en-US" altLang="ko-KR"/>
+                        <a:t>2021-05-18-15:41:28</a:t>
+                      </a:r>
+                      <a:endParaRPr lang="en-US" altLang="ko-KR"/>
+                    </a:p>
+                  </a:txBody>
+                  <a:tcPr marL="91440" marR="91440"/>
+                </a:tc>
+                <a:tc>
+                  <a:txBody>
+                    <a:bodyPr vert="horz" wrap="square" lIns="91440" tIns="45720" rIns="91440" bIns="45720" anchor="t" anchorCtr="0">
+                      <a:spAutoFit/>
+                    </a:bodyPr>
+                    <a:p>
+                      <a:pPr>
+                        <a:defRPr/>
+                      </a:pPr>
+                      <a:endParaRPr lang="ko-KR" altLang="en-US"/>
+                    </a:p>
+                  </a:txBody>
+                  <a:tcPr marL="91440" marR="91440"/>
+                </a:tc>
+              </a:tr>
+              <a:tr h="116840">
+                <a:tc>
+                  <a:txBody>
+                    <a:bodyPr vert="horz" wrap="square" lIns="91440" tIns="45720" rIns="91440" bIns="45720" anchor="t" anchorCtr="0">
+                      <a:spAutoFit/>
+                    </a:bodyPr>
+                    <a:p>
+                      <a:pPr>
+                        <a:defRPr/>
+                      </a:pPr>
+                      <a:r>
+                        <a:rPr lang="en-US" altLang="ko-KR"/>
+                        <a:t>https://github.com/</a:t>
+                      </a:r>
+                      <a:endParaRPr lang="en-US" altLang="ko-KR"/>
+                    </a:p>
+                  </a:txBody>
+                  <a:tcPr marL="91440" marR="91440"/>
+                </a:tc>
+                <a:tc>
+                  <a:txBody>
+                    <a:bodyPr vert="horz" wrap="square" lIns="91440" tIns="45720" rIns="91440" bIns="45720" anchor="t" anchorCtr="0">
+                      <a:spAutoFit/>
+                    </a:bodyPr>
+                    <a:p>
+                      <a:pPr>
+                        <a:defRPr/>
+                      </a:pPr>
+                      <a:r>
+                        <a:rPr lang="en-US" altLang="ko-KR"/>
+                        <a:t>2021-06-23-15:43:12</a:t>
+                      </a:r>
+                      <a:endParaRPr lang="en-US" altLang="ko-KR"/>
+                    </a:p>
+                  </a:txBody>
+                  <a:tcPr marL="91440" marR="91440"/>
+                </a:tc>
+                <a:tc>
+                  <a:txBody>
+                    <a:bodyPr vert="horz" wrap="square" lIns="91440" tIns="45720" rIns="91440" bIns="45720" anchor="t" anchorCtr="0">
+                      <a:spAutoFit/>
+                    </a:bodyPr>
+                    <a:p>
+                      <a:pPr>
+                        <a:defRPr/>
+                      </a:pPr>
+                      <a:endParaRPr lang="ko-KR" altLang="en-US"/>
+                    </a:p>
+                  </a:txBody>
+                  <a:tcPr marL="91440" marR="91440"/>
+                </a:tc>
+              </a:tr>
+            </a:tbl>
+          </a:graphicData>
+        </a:graphic>
+      </p:graphicFrame>
     </p:spTree>
   </p:cSld>
   <p:clrMapOvr>
@@ -16262,20 +16055,12 @@
               <a:defRPr/>
             </a:pPr>
             <a:r>
-              <a:rPr lang="en-US" altLang="ko-KR">
+              <a:rPr lang="ko-KR" altLang="en-US">
                 <a:solidFill>
                   <a:schemeClr val="dk1"/>
                 </a:solidFill>
               </a:rPr>
-              <a:t>DD</a:t>
-            </a:r>
-            <a:r>
-              <a:rPr lang="ko-KR" altLang="en-US">
-                <a:solidFill>
-                  <a:schemeClr val="dk1"/>
-                </a:solidFill>
-              </a:rPr>
-              <a:t>를 선택했습니다</a:t>
+              <a:t>최근 실행한 프로그램의 목록을 선택했습니다</a:t>
             </a:r>
             <a:endParaRPr lang="ko-KR" altLang="en-US">
               <a:solidFill>
@@ -16545,517 +16330,6 @@
           </a:p>
         </p:txBody>
       </p:sp>
-      <p:graphicFrame>
-        <p:nvGraphicFramePr>
-          <p:cNvPr id="22" name=""/>
-          <p:cNvGraphicFramePr>
-            <a:graphicFrameLocks noGrp="1"/>
-          </p:cNvGraphicFramePr>
-          <p:nvPr/>
-        </p:nvGraphicFramePr>
-        <p:xfrm>
-          <a:off x="19050" y="2844165"/>
-          <a:ext cx="9482032" cy="1102995"/>
-        </p:xfrm>
-        <a:graphic>
-          <a:graphicData uri="http://schemas.openxmlformats.org/drawingml/2006/table">
-            <a:tbl>
-              <a:tblPr firstRow="1" bandRow="1">
-                <a:tableStyle styleId="{01A66EDD-3DAB-4C5B-A090-DC80EC1FD486}" styleName="Normal Style 1 - Accent 1">
-                  <a:wholeTbl>
-                    <a:tcTxStyle>
-                      <a:fontRef idx="minor">
-                        <a:prstClr val="black"/>
-                      </a:fontRef>
-                      <a:schemeClr val="dk1"/>
-                    </a:tcTxStyle>
-                    <a:tcStyle>
-                      <a:tcBdr>
-                        <a:left>
-                          <a:ln w="12700" cmpd="sng">
-                            <a:solidFill>
-                              <a:schemeClr val="lt1"/>
-                            </a:solidFill>
-                          </a:ln>
-                        </a:left>
-                        <a:right>
-                          <a:ln w="12700" cmpd="sng">
-                            <a:solidFill>
-                              <a:schemeClr val="lt1"/>
-                            </a:solidFill>
-                          </a:ln>
-                        </a:right>
-                        <a:top>
-                          <a:ln w="12700" cmpd="sng">
-                            <a:solidFill>
-                              <a:schemeClr val="lt1"/>
-                            </a:solidFill>
-                          </a:ln>
-                        </a:top>
-                        <a:bottom>
-                          <a:ln w="12700" cmpd="sng">
-                            <a:solidFill>
-                              <a:schemeClr val="lt1"/>
-                            </a:solidFill>
-                          </a:ln>
-                        </a:bottom>
-                        <a:insideH>
-                          <a:ln w="12700" cmpd="sng">
-                            <a:solidFill>
-                              <a:schemeClr val="lt1"/>
-                            </a:solidFill>
-                          </a:ln>
-                        </a:insideH>
-                        <a:insideV>
-                          <a:ln w="12700" cmpd="sng">
-                            <a:solidFill>
-                              <a:schemeClr val="lt1"/>
-                            </a:solidFill>
-                          </a:ln>
-                        </a:insideV>
-                      </a:tcBdr>
-                      <a:fill>
-                        <a:solidFill>
-                          <a:schemeClr val="accent1">
-                            <a:lum val="90000"/>
-                          </a:schemeClr>
-                        </a:solidFill>
-                      </a:fill>
-                    </a:tcStyle>
-                  </a:wholeTbl>
-                  <a:band1H>
-                    <a:tcTxStyle/>
-                    <a:tcStyle>
-                      <a:tcBdr/>
-                      <a:fill>
-                        <a:solidFill>
-                          <a:schemeClr val="accent1">
-                            <a:lum val="80000"/>
-                          </a:schemeClr>
-                        </a:solidFill>
-                      </a:fill>
-                    </a:tcStyle>
-                  </a:band1H>
-                  <a:band2H>
-                    <a:tcTxStyle/>
-                    <a:tcStyle>
-                      <a:tcBdr/>
-                    </a:tcStyle>
-                  </a:band2H>
-                  <a:band1V>
-                    <a:tcTxStyle/>
-                    <a:tcStyle>
-                      <a:tcBdr/>
-                      <a:fill>
-                        <a:solidFill>
-                          <a:schemeClr val="accent1">
-                            <a:lum val="80000"/>
-                          </a:schemeClr>
-                        </a:solidFill>
-                      </a:fill>
-                    </a:tcStyle>
-                  </a:band1V>
-                  <a:band2V>
-                    <a:tcTxStyle/>
-                    <a:tcStyle>
-                      <a:tcBdr/>
-                    </a:tcStyle>
-                  </a:band2V>
-                  <a:lastCol>
-                    <a:tcTxStyle b="on">
-                      <a:fontRef idx="minor">
-                        <a:prstClr val="black"/>
-                      </a:fontRef>
-                      <a:schemeClr val="lt1"/>
-                    </a:tcTxStyle>
-                    <a:tcStyle>
-                      <a:tcBdr/>
-                      <a:fill>
-                        <a:solidFill>
-                          <a:schemeClr val="accent1"/>
-                        </a:solidFill>
-                      </a:fill>
-                    </a:tcStyle>
-                  </a:lastCol>
-                  <a:firstCol>
-                    <a:tcTxStyle b="on">
-                      <a:fontRef idx="minor">
-                        <a:prstClr val="black"/>
-                      </a:fontRef>
-                      <a:schemeClr val="lt1"/>
-                    </a:tcTxStyle>
-                    <a:tcStyle>
-                      <a:tcBdr/>
-                      <a:fill>
-                        <a:solidFill>
-                          <a:schemeClr val="accent1"/>
-                        </a:solidFill>
-                      </a:fill>
-                    </a:tcStyle>
-                  </a:firstCol>
-                  <a:lastRow>
-                    <a:tcTxStyle b="on">
-                      <a:fontRef idx="minor">
-                        <a:prstClr val="black"/>
-                      </a:fontRef>
-                      <a:schemeClr val="lt1"/>
-                    </a:tcTxStyle>
-                    <a:tcStyle>
-                      <a:tcBdr>
-                        <a:top>
-                          <a:ln w="38100" cmpd="sng">
-                            <a:solidFill>
-                              <a:schemeClr val="lt1"/>
-                            </a:solidFill>
-                          </a:ln>
-                        </a:top>
-                      </a:tcBdr>
-                      <a:fill>
-                        <a:solidFill>
-                          <a:schemeClr val="accent1"/>
-                        </a:solidFill>
-                      </a:fill>
-                    </a:tcStyle>
-                  </a:lastRow>
-                  <a:firstRow>
-                    <a:tcTxStyle b="on">
-                      <a:fontRef idx="minor">
-                        <a:prstClr val="black"/>
-                      </a:fontRef>
-                      <a:schemeClr val="lt1"/>
-                    </a:tcTxStyle>
-                    <a:tcStyle>
-                      <a:tcBdr>
-                        <a:bottom>
-                          <a:ln w="38100" cmpd="sng">
-                            <a:solidFill>
-                              <a:schemeClr val="lt1"/>
-                            </a:solidFill>
-                          </a:ln>
-                        </a:bottom>
-                      </a:tcBdr>
-                      <a:fill>
-                        <a:solidFill>
-                          <a:schemeClr val="accent1"/>
-                        </a:solidFill>
-                      </a:fill>
-                    </a:tcStyle>
-                  </a:firstRow>
-                </a:tableStyle>
-              </a:tblPr>
-              <a:tblGrid>
-                <a:gridCol w="1354666"/>
-                <a:gridCol w="1354666"/>
-                <a:gridCol w="1354666"/>
-                <a:gridCol w="1354666"/>
-                <a:gridCol w="1354455"/>
-                <a:gridCol w="1354455"/>
-                <a:gridCol w="1354455"/>
-              </a:tblGrid>
-              <a:tr h="194945">
-                <a:tc>
-                  <a:txBody>
-                    <a:bodyPr vert="horz" wrap="square" lIns="91440" tIns="45720" rIns="91440" bIns="45720" anchor="t" anchorCtr="0">
-                      <a:spAutoFit/>
-                    </a:bodyPr>
-                    <a:p>
-                      <a:pPr>
-                        <a:defRPr/>
-                      </a:pPr>
-                      <a:endParaRPr lang="ko-KR" altLang="en-US"/>
-                    </a:p>
-                  </a:txBody>
-                  <a:tcPr marL="91440" marR="91440"/>
-                </a:tc>
-                <a:tc>
-                  <a:txBody>
-                    <a:bodyPr vert="horz" wrap="square" lIns="91440" tIns="45720" rIns="91440" bIns="45720" anchor="t" anchorCtr="0">
-                      <a:spAutoFit/>
-                    </a:bodyPr>
-                    <a:p>
-                      <a:pPr>
-                        <a:defRPr/>
-                      </a:pPr>
-                      <a:endParaRPr lang="en-US" altLang="ko-KR"/>
-                    </a:p>
-                  </a:txBody>
-                  <a:tcPr marL="91440" marR="91440"/>
-                </a:tc>
-                <a:tc>
-                  <a:txBody>
-                    <a:bodyPr vert="horz" wrap="square" lIns="91440" tIns="45720" rIns="91440" bIns="45720" anchor="t" anchorCtr="0">
-                      <a:spAutoFit/>
-                    </a:bodyPr>
-                    <a:p>
-                      <a:pPr>
-                        <a:defRPr/>
-                      </a:pPr>
-                      <a:endParaRPr lang="ko-KR" altLang="en-US"/>
-                    </a:p>
-                  </a:txBody>
-                  <a:tcPr marL="91440" marR="91440"/>
-                </a:tc>
-                <a:tc>
-                  <a:txBody>
-                    <a:bodyPr vert="horz" wrap="square" lIns="91440" tIns="45720" rIns="91440" bIns="45720" anchor="t" anchorCtr="0">
-                      <a:spAutoFit/>
-                    </a:bodyPr>
-                    <a:p>
-                      <a:pPr>
-                        <a:defRPr/>
-                      </a:pPr>
-                      <a:endParaRPr lang="ko-KR" altLang="en-US"/>
-                    </a:p>
-                  </a:txBody>
-                  <a:tcPr marL="91440" marR="91440"/>
-                </a:tc>
-                <a:tc>
-                  <a:txBody>
-                    <a:bodyPr vert="horz" wrap="square" lIns="91440" tIns="45720" rIns="91440" bIns="45720" anchor="t" anchorCtr="0">
-                      <a:spAutoFit/>
-                    </a:bodyPr>
-                    <a:p>
-                      <a:pPr>
-                        <a:defRPr/>
-                      </a:pPr>
-                      <a:endParaRPr lang="ko-KR" altLang="en-US"/>
-                    </a:p>
-                  </a:txBody>
-                  <a:tcPr marL="91440" marR="91440"/>
-                </a:tc>
-                <a:tc>
-                  <a:txBody>
-                    <a:bodyPr vert="horz" wrap="square" lIns="91440" tIns="45720" rIns="91440" bIns="45720" anchor="t" anchorCtr="0">
-                      <a:spAutoFit/>
-                    </a:bodyPr>
-                    <a:p>
-                      <a:pPr>
-                        <a:defRPr/>
-                      </a:pPr>
-                      <a:endParaRPr lang="ko-KR" altLang="en-US"/>
-                    </a:p>
-                  </a:txBody>
-                  <a:tcPr marL="91440" marR="91440"/>
-                </a:tc>
-                <a:tc>
-                  <a:txBody>
-                    <a:bodyPr vert="horz" wrap="square" lIns="91440" tIns="45720" rIns="91440" bIns="45720" anchor="t" anchorCtr="0">
-                      <a:spAutoFit/>
-                    </a:bodyPr>
-                    <a:p>
-                      <a:pPr>
-                        <a:defRPr/>
-                      </a:pPr>
-                      <a:endParaRPr lang="ko-KR" altLang="en-US"/>
-                    </a:p>
-                  </a:txBody>
-                  <a:tcPr marL="91440" marR="91440"/>
-                </a:tc>
-              </a:tr>
-              <a:tr h="116840">
-                <a:tc>
-                  <a:txBody>
-                    <a:bodyPr vert="horz" wrap="square" lIns="91440" tIns="45720" rIns="91440" bIns="45720" anchor="t" anchorCtr="0">
-                      <a:spAutoFit/>
-                    </a:bodyPr>
-                    <a:p>
-                      <a:pPr>
-                        <a:defRPr/>
-                      </a:pPr>
-                      <a:endParaRPr lang="en-US" altLang="ko-KR"/>
-                    </a:p>
-                  </a:txBody>
-                  <a:tcPr marL="91440" marR="91440"/>
-                </a:tc>
-                <a:tc>
-                  <a:txBody>
-                    <a:bodyPr vert="horz" wrap="square" lIns="91440" tIns="45720" rIns="91440" bIns="45720" anchor="t" anchorCtr="0">
-                      <a:spAutoFit/>
-                    </a:bodyPr>
-                    <a:p>
-                      <a:pPr>
-                        <a:defRPr/>
-                      </a:pPr>
-                      <a:endParaRPr lang="en-US" altLang="ko-KR"/>
-                    </a:p>
-                  </a:txBody>
-                  <a:tcPr marL="91440" marR="91440"/>
-                </a:tc>
-                <a:tc>
-                  <a:txBody>
-                    <a:bodyPr vert="horz" wrap="square" lIns="91440" tIns="45720" rIns="91440" bIns="45720" anchor="t" anchorCtr="0">
-                      <a:spAutoFit/>
-                    </a:bodyPr>
-                    <a:p>
-                      <a:pPr>
-                        <a:defRPr/>
-                      </a:pPr>
-                      <a:endParaRPr lang="en-US" altLang="ko-KR"/>
-                    </a:p>
-                  </a:txBody>
-                  <a:tcPr marL="91440" marR="91440"/>
-                </a:tc>
-                <a:tc>
-                  <a:txBody>
-                    <a:bodyPr vert="horz" wrap="square" lIns="91440" tIns="45720" rIns="91440" bIns="45720" anchor="t" anchorCtr="0">
-                      <a:spAutoFit/>
-                    </a:bodyPr>
-                    <a:p>
-                      <a:pPr>
-                        <a:defRPr/>
-                      </a:pPr>
-                      <a:endParaRPr lang="ko-KR" altLang="en-US"/>
-                    </a:p>
-                  </a:txBody>
-                  <a:tcPr marL="91440" marR="91440"/>
-                </a:tc>
-                <a:tc>
-                  <a:txBody>
-                    <a:bodyPr vert="horz" wrap="square" lIns="91440" tIns="45720" rIns="91440" bIns="45720" anchor="t" anchorCtr="0">
-                      <a:spAutoFit/>
-                    </a:bodyPr>
-                    <a:p>
-                      <a:pPr>
-                        <a:defRPr/>
-                      </a:pPr>
-                      <a:endParaRPr lang="en-US" altLang="ko-KR"/>
-                    </a:p>
-                  </a:txBody>
-                  <a:tcPr marL="91440" marR="91440"/>
-                </a:tc>
-                <a:tc>
-                  <a:txBody>
-                    <a:bodyPr vert="horz" wrap="square" lIns="91440" tIns="45720" rIns="91440" bIns="45720" anchor="t" anchorCtr="0">
-                      <a:spAutoFit/>
-                    </a:bodyPr>
-                    <a:p>
-                      <a:pPr>
-                        <a:defRPr/>
-                      </a:pPr>
-                      <a:endParaRPr lang="ko-KR" altLang="en-US"/>
-                    </a:p>
-                  </a:txBody>
-                  <a:tcPr marL="91440" marR="91440"/>
-                </a:tc>
-                <a:tc>
-                  <a:txBody>
-                    <a:bodyPr vert="horz" wrap="square" lIns="91440" tIns="45720" rIns="91440" bIns="45720" anchor="t" anchorCtr="0">
-                      <a:spAutoFit/>
-                    </a:bodyPr>
-                    <a:p>
-                      <a:pPr>
-                        <a:defRPr/>
-                      </a:pPr>
-                      <a:endParaRPr lang="ko-KR" altLang="en-US"/>
-                    </a:p>
-                  </a:txBody>
-                  <a:tcPr marL="91440" marR="91440"/>
-                </a:tc>
-              </a:tr>
-              <a:tr h="116840">
-                <a:tc>
-                  <a:txBody>
-                    <a:bodyPr vert="horz" wrap="square" lIns="91440" tIns="45720" rIns="91440" bIns="45720" anchor="t" anchorCtr="0">
-                      <a:spAutoFit/>
-                    </a:bodyPr>
-                    <a:p>
-                      <a:pPr>
-                        <a:defRPr/>
-                      </a:pPr>
-                      <a:endParaRPr lang="en-US" altLang="ko-KR"/>
-                    </a:p>
-                  </a:txBody>
-                  <a:tcPr marL="91440" marR="91440"/>
-                </a:tc>
-                <a:tc>
-                  <a:txBody>
-                    <a:bodyPr vert="horz" wrap="square" lIns="91440" tIns="45720" rIns="91440" bIns="45720" anchor="t" anchorCtr="0">
-                      <a:spAutoFit/>
-                    </a:bodyPr>
-                    <a:p>
-                      <a:pPr>
-                        <a:defRPr/>
-                      </a:pPr>
-                      <a:endParaRPr lang="en-US" altLang="ko-KR"/>
-                    </a:p>
-                  </a:txBody>
-                  <a:tcPr marL="91440" marR="91440"/>
-                </a:tc>
-                <a:tc>
-                  <a:txBody>
-                    <a:bodyPr vert="horz" wrap="square" lIns="91440" tIns="45720" rIns="91440" bIns="45720" anchor="t" anchorCtr="0">
-                      <a:spAutoFit/>
-                    </a:bodyPr>
-                    <a:p>
-                      <a:pPr>
-                        <a:defRPr/>
-                      </a:pPr>
-                      <a:endParaRPr lang="en-US" altLang="ko-KR"/>
-                    </a:p>
-                  </a:txBody>
-                  <a:tcPr marL="91440" marR="91440"/>
-                </a:tc>
-                <a:tc>
-                  <a:txBody>
-                    <a:bodyPr vert="horz" wrap="square" lIns="91440" tIns="45720" rIns="91440" bIns="45720" anchor="t" anchorCtr="0">
-                      <a:spAutoFit/>
-                    </a:bodyPr>
-                    <a:p>
-                      <a:pPr>
-                        <a:defRPr/>
-                      </a:pPr>
-                      <a:endParaRPr lang="en-US" altLang="ko-KR"/>
-                    </a:p>
-                  </a:txBody>
-                  <a:tcPr marL="91440" marR="91440"/>
-                </a:tc>
-                <a:tc>
-                  <a:txBody>
-                    <a:bodyPr vert="horz" wrap="square" lIns="91440" tIns="45720" rIns="91440" bIns="45720" anchor="t" anchorCtr="0">
-                      <a:spAutoFit/>
-                    </a:bodyPr>
-                    <a:p>
-                      <a:pPr>
-                        <a:defRPr/>
-                      </a:pPr>
-                      <a:endParaRPr lang="en-US" altLang="ko-KR"/>
-                    </a:p>
-                  </a:txBody>
-                  <a:tcPr marL="91440" marR="91440"/>
-                </a:tc>
-                <a:tc>
-                  <a:txBody>
-                    <a:bodyPr vert="horz" wrap="square" lIns="91440" tIns="45720" rIns="91440" bIns="45720" anchor="t" anchorCtr="0">
-                      <a:spAutoFit/>
-                    </a:bodyPr>
-                    <a:p>
-                      <a:pPr>
-                        <a:defRPr/>
-                      </a:pPr>
-                      <a:endParaRPr lang="en-US" altLang="ko-KR"/>
-                    </a:p>
-                  </a:txBody>
-                  <a:tcPr marL="91440" marR="91440"/>
-                </a:tc>
-                <a:tc>
-                  <a:txBody>
-                    <a:bodyPr vert="horz" wrap="square" lIns="91440" tIns="45720" rIns="91440" bIns="45720" anchor="t" anchorCtr="0">
-                      <a:spAutoFit/>
-                    </a:bodyPr>
-                    <a:p>
-                      <a:pPr>
-                        <a:defRPr/>
-                      </a:pPr>
-                      <a:endParaRPr lang="en-US" altLang="ko-KR"/>
-                    </a:p>
-                  </a:txBody>
-                  <a:tcPr marL="91440" marR="91440"/>
-                </a:tc>
-              </a:tr>
-            </a:tbl>
-          </a:graphicData>
-        </a:graphic>
-      </p:graphicFrame>
       <p:sp>
         <p:nvSpPr>
           <p:cNvPr id="23" name=""/>
@@ -17152,7 +16426,7 @@
         </p:nvSpPr>
         <p:spPr>
           <a:xfrm>
-            <a:off x="9512177" y="5437310"/>
+            <a:off x="9512177" y="5510579"/>
             <a:ext cx="2679823" cy="914400"/>
           </a:xfrm>
           <a:prstGeom prst="rect">
@@ -17211,8 +16485,8 @@
         </p:nvCxnSpPr>
         <p:spPr>
           <a:xfrm>
-            <a:off x="2350109" y="5590442"/>
-            <a:ext cx="7162066" cy="304068"/>
+            <a:off x="2350108" y="5590442"/>
+            <a:ext cx="7162068" cy="377337"/>
           </a:xfrm>
           <a:prstGeom prst="straightConnector1">
             <a:avLst/>
@@ -17246,8 +16520,8 @@
         </p:nvCxnSpPr>
         <p:spPr>
           <a:xfrm flipV="1">
-            <a:off x="2514966" y="5894510"/>
-            <a:ext cx="6997210" cy="520211"/>
+            <a:off x="2514967" y="5967779"/>
+            <a:ext cx="6997209" cy="446942"/>
           </a:xfrm>
           <a:prstGeom prst="straightConnector1">
             <a:avLst/>
@@ -17355,6 +16629,221 @@
           </a:fontRef>
         </p:style>
       </p:cxnSp>
+      <p:graphicFrame>
+        <p:nvGraphicFramePr>
+          <p:cNvPr id="30" name=""/>
+          <p:cNvGraphicFramePr>
+            <a:graphicFrameLocks noGrp="1"/>
+          </p:cNvGraphicFramePr>
+          <p:nvPr/>
+        </p:nvGraphicFramePr>
+        <p:xfrm>
+          <a:off x="0" y="2687320"/>
+          <a:ext cx="8128000" cy="1483360"/>
+        </p:xfrm>
+        <a:graphic>
+          <a:graphicData uri="http://schemas.openxmlformats.org/drawingml/2006/table">
+            <a:tbl>
+              <a:tblPr firstRow="1" bandRow="1">
+                <a:tableStyleId>{01A66EDD-3DAB-4C5B-A090-DC80EC1FD486}</a:tableStyleId>
+              </a:tblPr>
+              <a:tblGrid>
+                <a:gridCol w="2709333"/>
+                <a:gridCol w="2709333"/>
+                <a:gridCol w="2709333"/>
+              </a:tblGrid>
+              <a:tr h="370840">
+                <a:tc>
+                  <a:txBody>
+                    <a:bodyPr vert="horz" wrap="square" lIns="91440" tIns="45720" rIns="91440" bIns="45720" anchor="t" anchorCtr="0">
+                      <a:spAutoFit/>
+                    </a:bodyPr>
+                    <a:p>
+                      <a:pPr>
+                        <a:defRPr/>
+                      </a:pPr>
+                      <a:r>
+                        <a:rPr lang="ko-KR" altLang="en-US"/>
+                        <a:t>프로그램명</a:t>
+                      </a:r>
+                      <a:endParaRPr lang="ko-KR" altLang="en-US"/>
+                    </a:p>
+                  </a:txBody>
+                  <a:tcPr marL="91440" marR="91440"/>
+                </a:tc>
+                <a:tc>
+                  <a:txBody>
+                    <a:bodyPr vert="horz" wrap="square" lIns="91440" tIns="45720" rIns="91440" bIns="45720" anchor="t" anchorCtr="0">
+                      <a:spAutoFit/>
+                    </a:bodyPr>
+                    <a:p>
+                      <a:pPr>
+                        <a:defRPr/>
+                      </a:pPr>
+                      <a:r>
+                        <a:rPr lang="ko-KR" altLang="en-US"/>
+                        <a:t>실행 시각</a:t>
+                      </a:r>
+                      <a:endParaRPr lang="ko-KR" altLang="en-US"/>
+                    </a:p>
+                  </a:txBody>
+                  <a:tcPr marL="91440" marR="91440"/>
+                </a:tc>
+                <a:tc>
+                  <a:txBody>
+                    <a:bodyPr vert="horz" wrap="square" lIns="91440" tIns="45720" rIns="91440" bIns="45720" anchor="t" anchorCtr="0">
+                      <a:spAutoFit/>
+                    </a:bodyPr>
+                    <a:p>
+                      <a:pPr>
+                        <a:defRPr/>
+                      </a:pPr>
+                      <a:r>
+                        <a:rPr lang="ko-KR" altLang="en-US"/>
+                        <a:t>경로</a:t>
+                      </a:r>
+                      <a:endParaRPr lang="ko-KR" altLang="en-US"/>
+                    </a:p>
+                  </a:txBody>
+                  <a:tcPr marL="91440" marR="91440"/>
+                </a:tc>
+              </a:tr>
+              <a:tr h="370840">
+                <a:tc>
+                  <a:txBody>
+                    <a:bodyPr vert="horz" wrap="square" lIns="91440" tIns="45720" rIns="91440" bIns="45720" anchor="t" anchorCtr="0">
+                      <a:spAutoFit/>
+                    </a:bodyPr>
+                    <a:p>
+                      <a:pPr>
+                        <a:defRPr/>
+                      </a:pPr>
+                      <a:endParaRPr lang="en-US" altLang="ko-KR"/>
+                    </a:p>
+                  </a:txBody>
+                  <a:tcPr marL="91440" marR="91440"/>
+                </a:tc>
+                <a:tc>
+                  <a:txBody>
+                    <a:bodyPr vert="horz" wrap="square" lIns="91440" tIns="45720" rIns="91440" bIns="45720" anchor="t" anchorCtr="0">
+                      <a:spAutoFit/>
+                    </a:bodyPr>
+                    <a:p>
+                      <a:pPr>
+                        <a:defRPr/>
+                      </a:pPr>
+                      <a:endParaRPr lang="en-US" altLang="ko-KR"/>
+                    </a:p>
+                  </a:txBody>
+                  <a:tcPr marL="91440" marR="91440"/>
+                </a:tc>
+                <a:tc>
+                  <a:txBody>
+                    <a:bodyPr vert="horz" wrap="square" lIns="91440" tIns="45720" rIns="91440" bIns="45720" anchor="t" anchorCtr="0">
+                      <a:spAutoFit/>
+                    </a:bodyPr>
+                    <a:p>
+                      <a:pPr>
+                        <a:defRPr/>
+                      </a:pPr>
+                      <a:endParaRPr lang="en-US" altLang="ko-KR"/>
+                    </a:p>
+                  </a:txBody>
+                  <a:tcPr marL="91440" marR="91440"/>
+                </a:tc>
+              </a:tr>
+              <a:tr h="370840">
+                <a:tc>
+                  <a:txBody>
+                    <a:bodyPr vert="horz" wrap="square" lIns="91440" tIns="45720" rIns="91440" bIns="45720" anchor="t" anchorCtr="0">
+                      <a:spAutoFit/>
+                    </a:bodyPr>
+                    <a:p>
+                      <a:pPr>
+                        <a:defRPr/>
+                      </a:pPr>
+                      <a:endParaRPr lang="en-US" altLang="ko-KR"/>
+                    </a:p>
+                  </a:txBody>
+                  <a:tcPr marL="91440" marR="91440"/>
+                </a:tc>
+                <a:tc>
+                  <a:txBody>
+                    <a:bodyPr vert="horz" wrap="square" lIns="91440" tIns="45720" rIns="91440" bIns="45720" anchor="t" anchorCtr="0">
+                      <a:spAutoFit/>
+                    </a:bodyPr>
+                    <a:p>
+                      <a:pPr>
+                        <a:defRPr/>
+                      </a:pPr>
+                      <a:endParaRPr lang="en-US" altLang="ko-KR"/>
+                    </a:p>
+                  </a:txBody>
+                  <a:tcPr marL="91440" marR="91440"/>
+                </a:tc>
+                <a:tc>
+                  <a:txBody>
+                    <a:bodyPr vert="horz" wrap="square" lIns="91440" tIns="45720" rIns="91440" bIns="45720" anchor="t" anchorCtr="0">
+                      <a:spAutoFit/>
+                    </a:bodyPr>
+                    <a:p>
+                      <a:pPr>
+                        <a:defRPr/>
+                      </a:pPr>
+                      <a:endParaRPr lang="en-US" altLang="ko-KR"/>
+                    </a:p>
+                  </a:txBody>
+                  <a:tcPr marL="91440" marR="91440"/>
+                </a:tc>
+              </a:tr>
+              <a:tr h="370840">
+                <a:tc>
+                  <a:txBody>
+                    <a:bodyPr vert="horz" wrap="square" lIns="91440" tIns="45720" rIns="91440" bIns="45720" anchor="t" anchorCtr="0">
+                      <a:spAutoFit/>
+                    </a:bodyPr>
+                    <a:p>
+                      <a:pPr>
+                        <a:defRPr/>
+                      </a:pPr>
+                      <a:endParaRPr lang="en-US" altLang="ko-KR"/>
+                    </a:p>
+                  </a:txBody>
+                  <a:tcPr marL="91440" marR="91440"/>
+                </a:tc>
+                <a:tc>
+                  <a:txBody>
+                    <a:bodyPr vert="horz" wrap="square" lIns="91440" tIns="45720" rIns="91440" bIns="45720" anchor="t" anchorCtr="0">
+                      <a:spAutoFit/>
+                    </a:bodyPr>
+                    <a:p>
+                      <a:pPr>
+                        <a:defRPr/>
+                      </a:pPr>
+                      <a:endParaRPr lang="en-US" altLang="ko-KR"/>
+                    </a:p>
+                  </a:txBody>
+                  <a:tcPr marL="91440" marR="91440"/>
+                </a:tc>
+                <a:tc>
+                  <a:txBody>
+                    <a:bodyPr vert="horz" wrap="square" lIns="91440" tIns="45720" rIns="91440" bIns="45720" anchor="t" anchorCtr="0">
+                      <a:spAutoFit/>
+                    </a:bodyPr>
+                    <a:p>
+                      <a:pPr>
+                        <a:defRPr/>
+                      </a:pPr>
+                      <a:endParaRPr lang="en-US" altLang="ko-KR"/>
+                    </a:p>
+                  </a:txBody>
+                  <a:tcPr marL="91440" marR="91440"/>
+                </a:tc>
+              </a:tr>
+            </a:tbl>
+          </a:graphicData>
+        </a:graphic>
+      </p:graphicFrame>
     </p:spTree>
   </p:cSld>
   <p:clrMapOvr>
@@ -17529,20 +17018,12 @@
               <a:defRPr/>
             </a:pPr>
             <a:r>
-              <a:rPr lang="en-US" altLang="ko-KR">
+              <a:rPr lang="ko-KR" altLang="en-US">
                 <a:solidFill>
                   <a:schemeClr val="dk1"/>
                 </a:solidFill>
               </a:rPr>
-              <a:t>.exe</a:t>
-            </a:r>
-            <a:r>
-              <a:rPr lang="ko-KR" altLang="en-US">
-                <a:solidFill>
-                  <a:schemeClr val="dk1"/>
-                </a:solidFill>
-              </a:rPr>
-              <a:t>를 선택했습니다</a:t>
+              <a:t>설치된 프로그램의 목록을 선택했습니다</a:t>
             </a:r>
             <a:endParaRPr lang="ko-KR" altLang="en-US">
               <a:solidFill>
@@ -17812,517 +17293,6 @@
           </a:p>
         </p:txBody>
       </p:sp>
-      <p:graphicFrame>
-        <p:nvGraphicFramePr>
-          <p:cNvPr id="22" name=""/>
-          <p:cNvGraphicFramePr>
-            <a:graphicFrameLocks noGrp="1"/>
-          </p:cNvGraphicFramePr>
-          <p:nvPr/>
-        </p:nvGraphicFramePr>
-        <p:xfrm>
-          <a:off x="19050" y="2844165"/>
-          <a:ext cx="9482032" cy="1102995"/>
-        </p:xfrm>
-        <a:graphic>
-          <a:graphicData uri="http://schemas.openxmlformats.org/drawingml/2006/table">
-            <a:tbl>
-              <a:tblPr firstRow="1" bandRow="1">
-                <a:tableStyle styleId="{01A66EDD-3DAB-4C5B-A090-DC80EC1FD486}" styleName="Normal Style 1 - Accent 1">
-                  <a:wholeTbl>
-                    <a:tcTxStyle>
-                      <a:fontRef idx="minor">
-                        <a:prstClr val="black"/>
-                      </a:fontRef>
-                      <a:schemeClr val="dk1"/>
-                    </a:tcTxStyle>
-                    <a:tcStyle>
-                      <a:tcBdr>
-                        <a:left>
-                          <a:ln w="12700" cmpd="sng">
-                            <a:solidFill>
-                              <a:schemeClr val="lt1"/>
-                            </a:solidFill>
-                          </a:ln>
-                        </a:left>
-                        <a:right>
-                          <a:ln w="12700" cmpd="sng">
-                            <a:solidFill>
-                              <a:schemeClr val="lt1"/>
-                            </a:solidFill>
-                          </a:ln>
-                        </a:right>
-                        <a:top>
-                          <a:ln w="12700" cmpd="sng">
-                            <a:solidFill>
-                              <a:schemeClr val="lt1"/>
-                            </a:solidFill>
-                          </a:ln>
-                        </a:top>
-                        <a:bottom>
-                          <a:ln w="12700" cmpd="sng">
-                            <a:solidFill>
-                              <a:schemeClr val="lt1"/>
-                            </a:solidFill>
-                          </a:ln>
-                        </a:bottom>
-                        <a:insideH>
-                          <a:ln w="12700" cmpd="sng">
-                            <a:solidFill>
-                              <a:schemeClr val="lt1"/>
-                            </a:solidFill>
-                          </a:ln>
-                        </a:insideH>
-                        <a:insideV>
-                          <a:ln w="12700" cmpd="sng">
-                            <a:solidFill>
-                              <a:schemeClr val="lt1"/>
-                            </a:solidFill>
-                          </a:ln>
-                        </a:insideV>
-                      </a:tcBdr>
-                      <a:fill>
-                        <a:solidFill>
-                          <a:schemeClr val="accent1">
-                            <a:lum val="90000"/>
-                          </a:schemeClr>
-                        </a:solidFill>
-                      </a:fill>
-                    </a:tcStyle>
-                  </a:wholeTbl>
-                  <a:band1H>
-                    <a:tcTxStyle/>
-                    <a:tcStyle>
-                      <a:tcBdr/>
-                      <a:fill>
-                        <a:solidFill>
-                          <a:schemeClr val="accent1">
-                            <a:lum val="80000"/>
-                          </a:schemeClr>
-                        </a:solidFill>
-                      </a:fill>
-                    </a:tcStyle>
-                  </a:band1H>
-                  <a:band2H>
-                    <a:tcTxStyle/>
-                    <a:tcStyle>
-                      <a:tcBdr/>
-                    </a:tcStyle>
-                  </a:band2H>
-                  <a:band1V>
-                    <a:tcTxStyle/>
-                    <a:tcStyle>
-                      <a:tcBdr/>
-                      <a:fill>
-                        <a:solidFill>
-                          <a:schemeClr val="accent1">
-                            <a:lum val="80000"/>
-                          </a:schemeClr>
-                        </a:solidFill>
-                      </a:fill>
-                    </a:tcStyle>
-                  </a:band1V>
-                  <a:band2V>
-                    <a:tcTxStyle/>
-                    <a:tcStyle>
-                      <a:tcBdr/>
-                    </a:tcStyle>
-                  </a:band2V>
-                  <a:lastCol>
-                    <a:tcTxStyle b="on">
-                      <a:fontRef idx="minor">
-                        <a:prstClr val="black"/>
-                      </a:fontRef>
-                      <a:schemeClr val="lt1"/>
-                    </a:tcTxStyle>
-                    <a:tcStyle>
-                      <a:tcBdr/>
-                      <a:fill>
-                        <a:solidFill>
-                          <a:schemeClr val="accent1"/>
-                        </a:solidFill>
-                      </a:fill>
-                    </a:tcStyle>
-                  </a:lastCol>
-                  <a:firstCol>
-                    <a:tcTxStyle b="on">
-                      <a:fontRef idx="minor">
-                        <a:prstClr val="black"/>
-                      </a:fontRef>
-                      <a:schemeClr val="lt1"/>
-                    </a:tcTxStyle>
-                    <a:tcStyle>
-                      <a:tcBdr/>
-                      <a:fill>
-                        <a:solidFill>
-                          <a:schemeClr val="accent1"/>
-                        </a:solidFill>
-                      </a:fill>
-                    </a:tcStyle>
-                  </a:firstCol>
-                  <a:lastRow>
-                    <a:tcTxStyle b="on">
-                      <a:fontRef idx="minor">
-                        <a:prstClr val="black"/>
-                      </a:fontRef>
-                      <a:schemeClr val="lt1"/>
-                    </a:tcTxStyle>
-                    <a:tcStyle>
-                      <a:tcBdr>
-                        <a:top>
-                          <a:ln w="38100" cmpd="sng">
-                            <a:solidFill>
-                              <a:schemeClr val="lt1"/>
-                            </a:solidFill>
-                          </a:ln>
-                        </a:top>
-                      </a:tcBdr>
-                      <a:fill>
-                        <a:solidFill>
-                          <a:schemeClr val="accent1"/>
-                        </a:solidFill>
-                      </a:fill>
-                    </a:tcStyle>
-                  </a:lastRow>
-                  <a:firstRow>
-                    <a:tcTxStyle b="on">
-                      <a:fontRef idx="minor">
-                        <a:prstClr val="black"/>
-                      </a:fontRef>
-                      <a:schemeClr val="lt1"/>
-                    </a:tcTxStyle>
-                    <a:tcStyle>
-                      <a:tcBdr>
-                        <a:bottom>
-                          <a:ln w="38100" cmpd="sng">
-                            <a:solidFill>
-                              <a:schemeClr val="lt1"/>
-                            </a:solidFill>
-                          </a:ln>
-                        </a:bottom>
-                      </a:tcBdr>
-                      <a:fill>
-                        <a:solidFill>
-                          <a:schemeClr val="accent1"/>
-                        </a:solidFill>
-                      </a:fill>
-                    </a:tcStyle>
-                  </a:firstRow>
-                </a:tableStyle>
-              </a:tblPr>
-              <a:tblGrid>
-                <a:gridCol w="1354666"/>
-                <a:gridCol w="1354666"/>
-                <a:gridCol w="1354666"/>
-                <a:gridCol w="1354666"/>
-                <a:gridCol w="1354455"/>
-                <a:gridCol w="1354455"/>
-                <a:gridCol w="1354455"/>
-              </a:tblGrid>
-              <a:tr h="194945">
-                <a:tc>
-                  <a:txBody>
-                    <a:bodyPr vert="horz" wrap="square" lIns="91440" tIns="45720" rIns="91440" bIns="45720" anchor="t" anchorCtr="0">
-                      <a:spAutoFit/>
-                    </a:bodyPr>
-                    <a:p>
-                      <a:pPr>
-                        <a:defRPr/>
-                      </a:pPr>
-                      <a:endParaRPr lang="ko-KR" altLang="en-US"/>
-                    </a:p>
-                  </a:txBody>
-                  <a:tcPr marL="91440" marR="91440"/>
-                </a:tc>
-                <a:tc>
-                  <a:txBody>
-                    <a:bodyPr vert="horz" wrap="square" lIns="91440" tIns="45720" rIns="91440" bIns="45720" anchor="t" anchorCtr="0">
-                      <a:spAutoFit/>
-                    </a:bodyPr>
-                    <a:p>
-                      <a:pPr>
-                        <a:defRPr/>
-                      </a:pPr>
-                      <a:endParaRPr lang="en-US" altLang="ko-KR"/>
-                    </a:p>
-                  </a:txBody>
-                  <a:tcPr marL="91440" marR="91440"/>
-                </a:tc>
-                <a:tc>
-                  <a:txBody>
-                    <a:bodyPr vert="horz" wrap="square" lIns="91440" tIns="45720" rIns="91440" bIns="45720" anchor="t" anchorCtr="0">
-                      <a:spAutoFit/>
-                    </a:bodyPr>
-                    <a:p>
-                      <a:pPr>
-                        <a:defRPr/>
-                      </a:pPr>
-                      <a:endParaRPr lang="ko-KR" altLang="en-US"/>
-                    </a:p>
-                  </a:txBody>
-                  <a:tcPr marL="91440" marR="91440"/>
-                </a:tc>
-                <a:tc>
-                  <a:txBody>
-                    <a:bodyPr vert="horz" wrap="square" lIns="91440" tIns="45720" rIns="91440" bIns="45720" anchor="t" anchorCtr="0">
-                      <a:spAutoFit/>
-                    </a:bodyPr>
-                    <a:p>
-                      <a:pPr>
-                        <a:defRPr/>
-                      </a:pPr>
-                      <a:endParaRPr lang="ko-KR" altLang="en-US"/>
-                    </a:p>
-                  </a:txBody>
-                  <a:tcPr marL="91440" marR="91440"/>
-                </a:tc>
-                <a:tc>
-                  <a:txBody>
-                    <a:bodyPr vert="horz" wrap="square" lIns="91440" tIns="45720" rIns="91440" bIns="45720" anchor="t" anchorCtr="0">
-                      <a:spAutoFit/>
-                    </a:bodyPr>
-                    <a:p>
-                      <a:pPr>
-                        <a:defRPr/>
-                      </a:pPr>
-                      <a:endParaRPr lang="ko-KR" altLang="en-US"/>
-                    </a:p>
-                  </a:txBody>
-                  <a:tcPr marL="91440" marR="91440"/>
-                </a:tc>
-                <a:tc>
-                  <a:txBody>
-                    <a:bodyPr vert="horz" wrap="square" lIns="91440" tIns="45720" rIns="91440" bIns="45720" anchor="t" anchorCtr="0">
-                      <a:spAutoFit/>
-                    </a:bodyPr>
-                    <a:p>
-                      <a:pPr>
-                        <a:defRPr/>
-                      </a:pPr>
-                      <a:endParaRPr lang="ko-KR" altLang="en-US"/>
-                    </a:p>
-                  </a:txBody>
-                  <a:tcPr marL="91440" marR="91440"/>
-                </a:tc>
-                <a:tc>
-                  <a:txBody>
-                    <a:bodyPr vert="horz" wrap="square" lIns="91440" tIns="45720" rIns="91440" bIns="45720" anchor="t" anchorCtr="0">
-                      <a:spAutoFit/>
-                    </a:bodyPr>
-                    <a:p>
-                      <a:pPr>
-                        <a:defRPr/>
-                      </a:pPr>
-                      <a:endParaRPr lang="ko-KR" altLang="en-US"/>
-                    </a:p>
-                  </a:txBody>
-                  <a:tcPr marL="91440" marR="91440"/>
-                </a:tc>
-              </a:tr>
-              <a:tr h="116840">
-                <a:tc>
-                  <a:txBody>
-                    <a:bodyPr vert="horz" wrap="square" lIns="91440" tIns="45720" rIns="91440" bIns="45720" anchor="t" anchorCtr="0">
-                      <a:spAutoFit/>
-                    </a:bodyPr>
-                    <a:p>
-                      <a:pPr>
-                        <a:defRPr/>
-                      </a:pPr>
-                      <a:endParaRPr lang="en-US" altLang="ko-KR"/>
-                    </a:p>
-                  </a:txBody>
-                  <a:tcPr marL="91440" marR="91440"/>
-                </a:tc>
-                <a:tc>
-                  <a:txBody>
-                    <a:bodyPr vert="horz" wrap="square" lIns="91440" tIns="45720" rIns="91440" bIns="45720" anchor="t" anchorCtr="0">
-                      <a:spAutoFit/>
-                    </a:bodyPr>
-                    <a:p>
-                      <a:pPr>
-                        <a:defRPr/>
-                      </a:pPr>
-                      <a:endParaRPr lang="en-US" altLang="ko-KR"/>
-                    </a:p>
-                  </a:txBody>
-                  <a:tcPr marL="91440" marR="91440"/>
-                </a:tc>
-                <a:tc>
-                  <a:txBody>
-                    <a:bodyPr vert="horz" wrap="square" lIns="91440" tIns="45720" rIns="91440" bIns="45720" anchor="t" anchorCtr="0">
-                      <a:spAutoFit/>
-                    </a:bodyPr>
-                    <a:p>
-                      <a:pPr>
-                        <a:defRPr/>
-                      </a:pPr>
-                      <a:endParaRPr lang="en-US" altLang="ko-KR"/>
-                    </a:p>
-                  </a:txBody>
-                  <a:tcPr marL="91440" marR="91440"/>
-                </a:tc>
-                <a:tc>
-                  <a:txBody>
-                    <a:bodyPr vert="horz" wrap="square" lIns="91440" tIns="45720" rIns="91440" bIns="45720" anchor="t" anchorCtr="0">
-                      <a:spAutoFit/>
-                    </a:bodyPr>
-                    <a:p>
-                      <a:pPr>
-                        <a:defRPr/>
-                      </a:pPr>
-                      <a:endParaRPr lang="ko-KR" altLang="en-US"/>
-                    </a:p>
-                  </a:txBody>
-                  <a:tcPr marL="91440" marR="91440"/>
-                </a:tc>
-                <a:tc>
-                  <a:txBody>
-                    <a:bodyPr vert="horz" wrap="square" lIns="91440" tIns="45720" rIns="91440" bIns="45720" anchor="t" anchorCtr="0">
-                      <a:spAutoFit/>
-                    </a:bodyPr>
-                    <a:p>
-                      <a:pPr>
-                        <a:defRPr/>
-                      </a:pPr>
-                      <a:endParaRPr lang="en-US" altLang="ko-KR"/>
-                    </a:p>
-                  </a:txBody>
-                  <a:tcPr marL="91440" marR="91440"/>
-                </a:tc>
-                <a:tc>
-                  <a:txBody>
-                    <a:bodyPr vert="horz" wrap="square" lIns="91440" tIns="45720" rIns="91440" bIns="45720" anchor="t" anchorCtr="0">
-                      <a:spAutoFit/>
-                    </a:bodyPr>
-                    <a:p>
-                      <a:pPr>
-                        <a:defRPr/>
-                      </a:pPr>
-                      <a:endParaRPr lang="ko-KR" altLang="en-US"/>
-                    </a:p>
-                  </a:txBody>
-                  <a:tcPr marL="91440" marR="91440"/>
-                </a:tc>
-                <a:tc>
-                  <a:txBody>
-                    <a:bodyPr vert="horz" wrap="square" lIns="91440" tIns="45720" rIns="91440" bIns="45720" anchor="t" anchorCtr="0">
-                      <a:spAutoFit/>
-                    </a:bodyPr>
-                    <a:p>
-                      <a:pPr>
-                        <a:defRPr/>
-                      </a:pPr>
-                      <a:endParaRPr lang="ko-KR" altLang="en-US"/>
-                    </a:p>
-                  </a:txBody>
-                  <a:tcPr marL="91440" marR="91440"/>
-                </a:tc>
-              </a:tr>
-              <a:tr h="116840">
-                <a:tc>
-                  <a:txBody>
-                    <a:bodyPr vert="horz" wrap="square" lIns="91440" tIns="45720" rIns="91440" bIns="45720" anchor="t" anchorCtr="0">
-                      <a:spAutoFit/>
-                    </a:bodyPr>
-                    <a:p>
-                      <a:pPr>
-                        <a:defRPr/>
-                      </a:pPr>
-                      <a:endParaRPr lang="en-US" altLang="ko-KR"/>
-                    </a:p>
-                  </a:txBody>
-                  <a:tcPr marL="91440" marR="91440"/>
-                </a:tc>
-                <a:tc>
-                  <a:txBody>
-                    <a:bodyPr vert="horz" wrap="square" lIns="91440" tIns="45720" rIns="91440" bIns="45720" anchor="t" anchorCtr="0">
-                      <a:spAutoFit/>
-                    </a:bodyPr>
-                    <a:p>
-                      <a:pPr>
-                        <a:defRPr/>
-                      </a:pPr>
-                      <a:endParaRPr lang="en-US" altLang="ko-KR"/>
-                    </a:p>
-                  </a:txBody>
-                  <a:tcPr marL="91440" marR="91440"/>
-                </a:tc>
-                <a:tc>
-                  <a:txBody>
-                    <a:bodyPr vert="horz" wrap="square" lIns="91440" tIns="45720" rIns="91440" bIns="45720" anchor="t" anchorCtr="0">
-                      <a:spAutoFit/>
-                    </a:bodyPr>
-                    <a:p>
-                      <a:pPr>
-                        <a:defRPr/>
-                      </a:pPr>
-                      <a:endParaRPr lang="en-US" altLang="ko-KR"/>
-                    </a:p>
-                  </a:txBody>
-                  <a:tcPr marL="91440" marR="91440"/>
-                </a:tc>
-                <a:tc>
-                  <a:txBody>
-                    <a:bodyPr vert="horz" wrap="square" lIns="91440" tIns="45720" rIns="91440" bIns="45720" anchor="t" anchorCtr="0">
-                      <a:spAutoFit/>
-                    </a:bodyPr>
-                    <a:p>
-                      <a:pPr>
-                        <a:defRPr/>
-                      </a:pPr>
-                      <a:endParaRPr lang="en-US" altLang="ko-KR"/>
-                    </a:p>
-                  </a:txBody>
-                  <a:tcPr marL="91440" marR="91440"/>
-                </a:tc>
-                <a:tc>
-                  <a:txBody>
-                    <a:bodyPr vert="horz" wrap="square" lIns="91440" tIns="45720" rIns="91440" bIns="45720" anchor="t" anchorCtr="0">
-                      <a:spAutoFit/>
-                    </a:bodyPr>
-                    <a:p>
-                      <a:pPr>
-                        <a:defRPr/>
-                      </a:pPr>
-                      <a:endParaRPr lang="en-US" altLang="ko-KR"/>
-                    </a:p>
-                  </a:txBody>
-                  <a:tcPr marL="91440" marR="91440"/>
-                </a:tc>
-                <a:tc>
-                  <a:txBody>
-                    <a:bodyPr vert="horz" wrap="square" lIns="91440" tIns="45720" rIns="91440" bIns="45720" anchor="t" anchorCtr="0">
-                      <a:spAutoFit/>
-                    </a:bodyPr>
-                    <a:p>
-                      <a:pPr>
-                        <a:defRPr/>
-                      </a:pPr>
-                      <a:endParaRPr lang="en-US" altLang="ko-KR"/>
-                    </a:p>
-                  </a:txBody>
-                  <a:tcPr marL="91440" marR="91440"/>
-                </a:tc>
-                <a:tc>
-                  <a:txBody>
-                    <a:bodyPr vert="horz" wrap="square" lIns="91440" tIns="45720" rIns="91440" bIns="45720" anchor="t" anchorCtr="0">
-                      <a:spAutoFit/>
-                    </a:bodyPr>
-                    <a:p>
-                      <a:pPr>
-                        <a:defRPr/>
-                      </a:pPr>
-                      <a:endParaRPr lang="en-US" altLang="ko-KR"/>
-                    </a:p>
-                  </a:txBody>
-                  <a:tcPr marL="91440" marR="91440"/>
-                </a:tc>
-              </a:tr>
-            </a:tbl>
-          </a:graphicData>
-        </a:graphic>
-      </p:graphicFrame>
       <p:sp>
         <p:nvSpPr>
           <p:cNvPr id="23" name=""/>
@@ -18801,7 +17771,35 @@
                   <a:schemeClr val="dk1"/>
                 </a:solidFill>
               </a:rPr>
-              <a:t>.txt</a:t>
+              <a:t>Help</a:t>
+            </a:r>
+            <a:endParaRPr lang="en-US" altLang="ko-KR">
+              <a:solidFill>
+                <a:schemeClr val="dk1"/>
+              </a:solidFill>
+            </a:endParaRPr>
+          </a:p>
+          <a:p>
+            <a:pPr>
+              <a:defRPr/>
+            </a:pPr>
+            <a:endParaRPr lang="en-US" altLang="ko-KR">
+              <a:solidFill>
+                <a:schemeClr val="dk1"/>
+              </a:solidFill>
+            </a:endParaRPr>
+          </a:p>
+          <a:p>
+            <a:pPr>
+              <a:defRPr/>
+            </a:pPr>
+            <a:r>
+              <a:rPr lang="en-US" altLang="ko-KR">
+                <a:solidFill>
+                  <a:schemeClr val="dk1"/>
+                </a:solidFill>
+              </a:rPr>
+              <a:t>USB - </a:t>
             </a:r>
             <a:r>
               <a:rPr lang="ko-KR" altLang="en-US">
@@ -18809,8 +17807,254 @@
                   <a:schemeClr val="dk1"/>
                 </a:solidFill>
               </a:rPr>
-              <a:t>를 선택했습니다</a:t>
-            </a:r>
+              <a:t>장치의 이름</a:t>
+            </a:r>
+            <a:r>
+              <a:rPr lang="en-US" altLang="ko-KR">
+                <a:solidFill>
+                  <a:schemeClr val="dk1"/>
+                </a:solidFill>
+              </a:rPr>
+              <a:t>,</a:t>
+            </a:r>
+            <a:r>
+              <a:rPr lang="ko-KR" altLang="en-US">
+                <a:solidFill>
+                  <a:schemeClr val="dk1"/>
+                </a:solidFill>
+              </a:rPr>
+              <a:t> 시리얼 번호</a:t>
+            </a:r>
+            <a:r>
+              <a:rPr lang="en-US" altLang="ko-KR">
+                <a:solidFill>
+                  <a:schemeClr val="dk1"/>
+                </a:solidFill>
+              </a:rPr>
+              <a:t>,</a:t>
+            </a:r>
+            <a:r>
+              <a:rPr lang="ko-KR" altLang="en-US">
+                <a:solidFill>
+                  <a:schemeClr val="dk1"/>
+                </a:solidFill>
+              </a:rPr>
+              <a:t> 크기</a:t>
+            </a:r>
+            <a:r>
+              <a:rPr lang="en-US" altLang="ko-KR">
+                <a:solidFill>
+                  <a:schemeClr val="dk1"/>
+                </a:solidFill>
+              </a:rPr>
+              <a:t>,</a:t>
+            </a:r>
+            <a:r>
+              <a:rPr lang="ko-KR" altLang="en-US">
+                <a:solidFill>
+                  <a:schemeClr val="dk1"/>
+                </a:solidFill>
+              </a:rPr>
+              <a:t> 볼륨명</a:t>
+            </a:r>
+            <a:r>
+              <a:rPr lang="en-US" altLang="ko-KR">
+                <a:solidFill>
+                  <a:schemeClr val="dk1"/>
+                </a:solidFill>
+              </a:rPr>
+              <a:t>,</a:t>
+            </a:r>
+            <a:r>
+              <a:rPr lang="ko-KR" altLang="en-US">
+                <a:solidFill>
+                  <a:schemeClr val="dk1"/>
+                </a:solidFill>
+              </a:rPr>
+              <a:t> 최초</a:t>
+            </a:r>
+            <a:r>
+              <a:rPr lang="en-US" altLang="ko-KR">
+                <a:solidFill>
+                  <a:schemeClr val="dk1"/>
+                </a:solidFill>
+              </a:rPr>
+              <a:t>,</a:t>
+            </a:r>
+            <a:r>
+              <a:rPr lang="ko-KR" altLang="en-US">
+                <a:solidFill>
+                  <a:schemeClr val="dk1"/>
+                </a:solidFill>
+              </a:rPr>
+              <a:t> 마지막 연결시각 등의 정보를 보여줍니다</a:t>
+            </a:r>
+            <a:r>
+              <a:rPr lang="en-US" altLang="ko-KR">
+                <a:solidFill>
+                  <a:schemeClr val="dk1"/>
+                </a:solidFill>
+              </a:rPr>
+              <a:t>.</a:t>
+            </a:r>
+            <a:endParaRPr lang="en-US" altLang="ko-KR">
+              <a:solidFill>
+                <a:schemeClr val="dk1"/>
+              </a:solidFill>
+            </a:endParaRPr>
+          </a:p>
+          <a:p>
+            <a:pPr>
+              <a:defRPr/>
+            </a:pPr>
+            <a:endParaRPr lang="en-US" altLang="ko-KR">
+              <a:solidFill>
+                <a:schemeClr val="dk1"/>
+              </a:solidFill>
+            </a:endParaRPr>
+          </a:p>
+          <a:p>
+            <a:pPr>
+              <a:defRPr/>
+            </a:pPr>
+            <a:r>
+              <a:rPr lang="ko-KR" altLang="en-US">
+                <a:solidFill>
+                  <a:schemeClr val="dk1"/>
+                </a:solidFill>
+              </a:rPr>
+              <a:t>실행한 명령어 목록 </a:t>
+            </a:r>
+            <a:r>
+              <a:rPr lang="en-US" altLang="ko-KR">
+                <a:solidFill>
+                  <a:schemeClr val="dk1"/>
+                </a:solidFill>
+              </a:rPr>
+              <a:t>-</a:t>
+            </a:r>
+            <a:r>
+              <a:rPr lang="ko-KR" altLang="en-US">
+                <a:solidFill>
+                  <a:schemeClr val="dk1"/>
+                </a:solidFill>
+              </a:rPr>
+              <a:t> </a:t>
+            </a:r>
+            <a:r>
+              <a:rPr lang="en-US" altLang="ko-KR">
+                <a:solidFill>
+                  <a:schemeClr val="dk1"/>
+                </a:solidFill>
+              </a:rPr>
+              <a:t>“</a:t>
+            </a:r>
+            <a:r>
+              <a:rPr lang="ko-KR" altLang="en-US">
+                <a:solidFill>
+                  <a:schemeClr val="dk1"/>
+                </a:solidFill>
+              </a:rPr>
+              <a:t>시작</a:t>
+            </a:r>
+            <a:r>
+              <a:rPr lang="en-US" altLang="ko-KR">
+                <a:solidFill>
+                  <a:schemeClr val="dk1"/>
+                </a:solidFill>
+              </a:rPr>
+              <a:t>”</a:t>
+            </a:r>
+            <a:r>
+              <a:rPr lang="ko-KR" altLang="en-US">
+                <a:solidFill>
+                  <a:schemeClr val="dk1"/>
+                </a:solidFill>
+              </a:rPr>
+              <a:t> </a:t>
+            </a:r>
+            <a:r>
+              <a:rPr lang="en-US" altLang="ko-KR">
+                <a:solidFill>
+                  <a:schemeClr val="dk1"/>
+                </a:solidFill>
+              </a:rPr>
+              <a:t>-</a:t>
+            </a:r>
+            <a:r>
+              <a:rPr lang="ko-KR" altLang="en-US">
+                <a:solidFill>
+                  <a:schemeClr val="dk1"/>
+                </a:solidFill>
+              </a:rPr>
+              <a:t> </a:t>
+            </a:r>
+            <a:r>
+              <a:rPr lang="en-US" altLang="ko-KR">
+                <a:solidFill>
+                  <a:schemeClr val="dk1"/>
+                </a:solidFill>
+              </a:rPr>
+              <a:t>“</a:t>
+            </a:r>
+            <a:r>
+              <a:rPr lang="ko-KR" altLang="en-US">
+                <a:solidFill>
+                  <a:schemeClr val="dk1"/>
+                </a:solidFill>
+              </a:rPr>
+              <a:t>실행</a:t>
+            </a:r>
+            <a:r>
+              <a:rPr lang="en-US" altLang="ko-KR">
+                <a:solidFill>
+                  <a:schemeClr val="dk1"/>
+                </a:solidFill>
+              </a:rPr>
+              <a:t>”</a:t>
+            </a:r>
+            <a:r>
+              <a:rPr lang="ko-KR" altLang="en-US">
+                <a:solidFill>
+                  <a:schemeClr val="dk1"/>
+                </a:solidFill>
+              </a:rPr>
+              <a:t> 또는 </a:t>
+            </a:r>
+            <a:r>
+              <a:rPr lang="en-US" altLang="ko-KR">
+                <a:solidFill>
+                  <a:schemeClr val="dk1"/>
+                </a:solidFill>
+              </a:rPr>
+              <a:t>“Ctrl + R”</a:t>
+            </a:r>
+            <a:r>
+              <a:rPr lang="ko-KR" altLang="en-US">
+                <a:solidFill>
+                  <a:schemeClr val="dk1"/>
+                </a:solidFill>
+              </a:rPr>
+              <a:t>을 통해 실행한 명령 목록을 보여줍니다</a:t>
+            </a:r>
+            <a:r>
+              <a:rPr lang="en-US" altLang="ko-KR">
+                <a:solidFill>
+                  <a:schemeClr val="dk1"/>
+                </a:solidFill>
+              </a:rPr>
+              <a:t>.</a:t>
+            </a:r>
+            <a:endParaRPr lang="en-US" altLang="ko-KR">
+              <a:solidFill>
+                <a:schemeClr val="dk1"/>
+              </a:solidFill>
+            </a:endParaRPr>
+          </a:p>
+          <a:p>
+            <a:pPr>
+              <a:defRPr/>
+            </a:pPr>
             <a:endParaRPr lang="ko-KR" altLang="en-US">
               <a:solidFill>
                 <a:schemeClr val="dk1"/>
@@ -18821,6 +18065,64 @@
             <a:pPr>
               <a:defRPr/>
             </a:pPr>
+            <a:r>
+              <a:rPr lang="ko-KR" altLang="en-US">
+                <a:solidFill>
+                  <a:schemeClr val="dk1"/>
+                </a:solidFill>
+              </a:rPr>
+              <a:t>접속한 인터넷 </a:t>
+            </a:r>
+            <a:r>
+              <a:rPr lang="en-US" altLang="ko-KR">
+                <a:solidFill>
+                  <a:schemeClr val="dk1"/>
+                </a:solidFill>
+              </a:rPr>
+              <a:t>URL</a:t>
+            </a:r>
+            <a:r>
+              <a:rPr lang="ko-KR" altLang="en-US">
+                <a:solidFill>
+                  <a:schemeClr val="dk1"/>
+                </a:solidFill>
+              </a:rPr>
+              <a:t> 목록 </a:t>
+            </a:r>
+            <a:r>
+              <a:rPr lang="en-US" altLang="ko-KR">
+                <a:solidFill>
+                  <a:schemeClr val="dk1"/>
+                </a:solidFill>
+              </a:rPr>
+              <a:t>-</a:t>
+            </a:r>
+            <a:r>
+              <a:rPr lang="ko-KR" altLang="en-US">
+                <a:solidFill>
+                  <a:schemeClr val="dk1"/>
+                </a:solidFill>
+              </a:rPr>
+              <a:t> 접근한 인터넷 주소의 목록을 보여줍니다</a:t>
+            </a:r>
+            <a:r>
+              <a:rPr lang="en-US" altLang="ko-KR">
+                <a:solidFill>
+                  <a:schemeClr val="dk1"/>
+                </a:solidFill>
+              </a:rPr>
+              <a:t>.</a:t>
+            </a:r>
+            <a:endParaRPr lang="en-US" altLang="ko-KR">
+              <a:solidFill>
+                <a:schemeClr val="dk1"/>
+              </a:solidFill>
+            </a:endParaRPr>
+          </a:p>
+          <a:p>
+            <a:pPr>
+              <a:defRPr/>
+            </a:pPr>
             <a:endParaRPr lang="ko-KR" altLang="en-US">
               <a:solidFill>
                 <a:schemeClr val="dk1"/>
@@ -18831,6 +18133,70 @@
             <a:pPr>
               <a:defRPr/>
             </a:pPr>
+            <a:r>
+              <a:rPr lang="ko-KR" altLang="en-US">
+                <a:solidFill>
+                  <a:schemeClr val="dk1"/>
+                </a:solidFill>
+              </a:rPr>
+              <a:t>최근 실행한 프로그램 </a:t>
+            </a:r>
+            <a:r>
+              <a:rPr lang="en-US" altLang="ko-KR">
+                <a:solidFill>
+                  <a:schemeClr val="dk1"/>
+                </a:solidFill>
+              </a:rPr>
+              <a:t>-</a:t>
+            </a:r>
+            <a:r>
+              <a:rPr lang="ko-KR" altLang="en-US">
+                <a:solidFill>
+                  <a:schemeClr val="dk1"/>
+                </a:solidFill>
+              </a:rPr>
+              <a:t> 최근 </a:t>
+            </a:r>
+            <a:r>
+              <a:rPr lang="en-US" altLang="ko-KR">
+                <a:solidFill>
+                  <a:schemeClr val="dk1"/>
+                </a:solidFill>
+              </a:rPr>
+              <a:t>open</a:t>
+            </a:r>
+            <a:r>
+              <a:rPr lang="ko-KR" altLang="en-US">
+                <a:solidFill>
+                  <a:schemeClr val="dk1"/>
+                </a:solidFill>
+              </a:rPr>
+              <a:t>되거나 </a:t>
+            </a:r>
+            <a:r>
+              <a:rPr lang="en-US" altLang="ko-KR">
+                <a:solidFill>
+                  <a:schemeClr val="dk1"/>
+                </a:solidFill>
+              </a:rPr>
+              <a:t>save</a:t>
+            </a:r>
+            <a:r>
+              <a:rPr lang="ko-KR" altLang="en-US">
+                <a:solidFill>
+                  <a:schemeClr val="dk1"/>
+                </a:solidFill>
+              </a:rPr>
+              <a:t> 된 파일 목록을 보여줍니다</a:t>
+            </a:r>
+            <a:r>
+              <a:rPr lang="en-US" altLang="ko-KR">
+                <a:solidFill>
+                  <a:schemeClr val="dk1"/>
+                </a:solidFill>
+              </a:rPr>
+              <a:t>.</a:t>
+            </a:r>
             <a:endParaRPr lang="en-US" altLang="ko-KR">
               <a:solidFill>
                 <a:schemeClr val="dk1"/>
@@ -18841,166 +18207,6 @@
             <a:pPr>
               <a:defRPr/>
             </a:pPr>
-            <a:endParaRPr lang="en-US" altLang="ko-KR">
-              <a:solidFill>
-                <a:schemeClr val="dk1"/>
-              </a:solidFill>
-            </a:endParaRPr>
-          </a:p>
-          <a:p>
-            <a:pPr>
-              <a:defRPr/>
-            </a:pPr>
-            <a:endParaRPr lang="en-US" altLang="ko-KR">
-              <a:solidFill>
-                <a:schemeClr val="dk1"/>
-              </a:solidFill>
-            </a:endParaRPr>
-          </a:p>
-          <a:p>
-            <a:pPr>
-              <a:defRPr/>
-            </a:pPr>
-            <a:endParaRPr lang="en-US" altLang="ko-KR">
-              <a:solidFill>
-                <a:schemeClr val="dk1"/>
-              </a:solidFill>
-            </a:endParaRPr>
-          </a:p>
-          <a:p>
-            <a:pPr>
-              <a:defRPr/>
-            </a:pPr>
-            <a:endParaRPr lang="en-US" altLang="ko-KR">
-              <a:solidFill>
-                <a:schemeClr val="dk1"/>
-              </a:solidFill>
-            </a:endParaRPr>
-          </a:p>
-          <a:p>
-            <a:pPr>
-              <a:defRPr/>
-            </a:pPr>
-            <a:r>
-              <a:rPr lang="ko-KR" altLang="en-US">
-                <a:solidFill>
-                  <a:schemeClr val="dk1"/>
-                </a:solidFill>
-              </a:rPr>
-              <a:t>결과를 내보내시겠습니까</a:t>
-            </a:r>
-            <a:r>
-              <a:rPr lang="en-US" altLang="ko-KR">
-                <a:solidFill>
-                  <a:schemeClr val="dk1"/>
-                </a:solidFill>
-              </a:rPr>
-              <a:t>?</a:t>
-            </a:r>
-            <a:r>
-              <a:rPr lang="ko-KR" altLang="en-US">
-                <a:solidFill>
-                  <a:schemeClr val="dk1"/>
-                </a:solidFill>
-              </a:rPr>
-              <a:t> </a:t>
-            </a:r>
-            <a:r>
-              <a:rPr lang="en-US" altLang="ko-KR">
-                <a:solidFill>
-                  <a:schemeClr val="dk1"/>
-                </a:solidFill>
-              </a:rPr>
-              <a:t>(Y/N)</a:t>
-            </a:r>
-            <a:endParaRPr lang="en-US" altLang="ko-KR">
-              <a:solidFill>
-                <a:schemeClr val="dk1"/>
-              </a:solidFill>
-            </a:endParaRPr>
-          </a:p>
-          <a:p>
-            <a:pPr>
-              <a:defRPr/>
-            </a:pPr>
-            <a:endParaRPr lang="en-US" altLang="ko-KR">
-              <a:solidFill>
-                <a:schemeClr val="dk1"/>
-              </a:solidFill>
-            </a:endParaRPr>
-          </a:p>
-          <a:p>
-            <a:pPr>
-              <a:defRPr/>
-            </a:pPr>
-            <a:r>
-              <a:rPr lang="en-US" altLang="ko-KR">
-                <a:solidFill>
-                  <a:schemeClr val="dk1"/>
-                </a:solidFill>
-              </a:rPr>
-              <a:t>C:\USERS\</a:t>
-            </a:r>
-            <a:r>
-              <a:rPr lang="ko-KR" altLang="en-US">
-                <a:solidFill>
-                  <a:schemeClr val="dk1"/>
-                </a:solidFill>
-              </a:rPr>
-              <a:t> </a:t>
-            </a:r>
-            <a:r>
-              <a:rPr lang="en-US" altLang="ko-KR">
-                <a:solidFill>
-                  <a:schemeClr val="dk1"/>
-                </a:solidFill>
-              </a:rPr>
-              <a:t>&gt;&gt;</a:t>
-            </a:r>
-            <a:r>
-              <a:rPr lang="ko-KR" altLang="en-US">
-                <a:solidFill>
-                  <a:schemeClr val="dk1"/>
-                </a:solidFill>
-              </a:rPr>
-              <a:t> </a:t>
-            </a:r>
-            <a:r>
-              <a:rPr lang="en-US" altLang="ko-KR">
-                <a:solidFill>
-                  <a:schemeClr val="dk1"/>
-                </a:solidFill>
-              </a:rPr>
-              <a:t>Y</a:t>
-            </a:r>
-            <a:endParaRPr lang="en-US" altLang="ko-KR">
-              <a:solidFill>
-                <a:schemeClr val="dk1"/>
-              </a:solidFill>
-            </a:endParaRPr>
-          </a:p>
-          <a:p>
-            <a:pPr>
-              <a:defRPr/>
-            </a:pPr>
-            <a:endParaRPr lang="en-US" altLang="ko-KR">
-              <a:solidFill>
-                <a:schemeClr val="dk1"/>
-              </a:solidFill>
-            </a:endParaRPr>
-          </a:p>
-          <a:p>
-            <a:pPr>
-              <a:defRPr/>
-            </a:pPr>
-            <a:r>
-              <a:rPr lang="ko-KR" altLang="en-US">
-                <a:solidFill>
-                  <a:schemeClr val="dk1"/>
-                </a:solidFill>
-              </a:rPr>
-              <a:t>파일명을 입력하세요</a:t>
-            </a:r>
             <a:endParaRPr lang="ko-KR" altLang="en-US">
               <a:solidFill>
                 <a:schemeClr val="dk1"/>
@@ -19012,12 +18218,20 @@
               <a:defRPr/>
             </a:pPr>
             <a:r>
+              <a:rPr lang="ko-KR" altLang="en-US">
+                <a:solidFill>
+                  <a:schemeClr val="dk1"/>
+                </a:solidFill>
+              </a:rPr>
+              <a:t>설치된 프로그램 목록 </a:t>
+            </a:r>
+            <a:r>
               <a:rPr lang="en-US" altLang="ko-KR">
                 <a:solidFill>
                   <a:schemeClr val="dk1"/>
                 </a:solidFill>
               </a:rPr>
-              <a:t>C:\USERS\ &gt;&gt;</a:t>
+              <a:t>-</a:t>
             </a:r>
             <a:r>
               <a:rPr lang="ko-KR" altLang="en-US">
@@ -19025,1166 +18239,7 @@
                   <a:schemeClr val="dk1"/>
                 </a:solidFill>
               </a:rPr>
-              <a:t> </a:t>
-            </a:r>
-            <a:r>
-              <a:rPr lang="en-US" altLang="ko-KR">
-                <a:solidFill>
-                  <a:schemeClr val="dk1"/>
-                </a:solidFill>
-              </a:rPr>
-              <a:t>TEST6</a:t>
-            </a:r>
-            <a:endParaRPr lang="en-US" altLang="ko-KR">
-              <a:solidFill>
-                <a:schemeClr val="dk1"/>
-              </a:solidFill>
-            </a:endParaRPr>
-          </a:p>
-          <a:p>
-            <a:pPr>
-              <a:defRPr/>
-            </a:pPr>
-            <a:endParaRPr lang="en-US" altLang="ko-KR">
-              <a:solidFill>
-                <a:schemeClr val="dk1"/>
-              </a:solidFill>
-            </a:endParaRPr>
-          </a:p>
-          <a:p>
-            <a:pPr>
-              <a:defRPr/>
-            </a:pPr>
-            <a:r>
-              <a:rPr lang="en-US" altLang="ko-KR">
-                <a:solidFill>
-                  <a:schemeClr val="dk1"/>
-                </a:solidFill>
-              </a:rPr>
-              <a:t>TEST6.xlsx</a:t>
-            </a:r>
-            <a:r>
-              <a:rPr lang="ko-KR" altLang="en-US">
-                <a:solidFill>
-                  <a:schemeClr val="dk1"/>
-                </a:solidFill>
-              </a:rPr>
-              <a:t>로 저장합니다</a:t>
-            </a:r>
-            <a:endParaRPr lang="ko-KR" altLang="en-US">
-              <a:solidFill>
-                <a:schemeClr val="dk1"/>
-              </a:solidFill>
-            </a:endParaRPr>
-          </a:p>
-        </p:txBody>
-      </p:sp>
-      <p:graphicFrame>
-        <p:nvGraphicFramePr>
-          <p:cNvPr id="22" name=""/>
-          <p:cNvGraphicFramePr>
-            <a:graphicFrameLocks noGrp="1"/>
-          </p:cNvGraphicFramePr>
-          <p:nvPr/>
-        </p:nvGraphicFramePr>
-        <p:xfrm>
-          <a:off x="19050" y="2844165"/>
-          <a:ext cx="9482032" cy="1102995"/>
-        </p:xfrm>
-        <a:graphic>
-          <a:graphicData uri="http://schemas.openxmlformats.org/drawingml/2006/table">
-            <a:tbl>
-              <a:tblPr firstRow="1" bandRow="1">
-                <a:tableStyle styleId="{01A66EDD-3DAB-4C5B-A090-DC80EC1FD486}" styleName="Normal Style 1 - Accent 1">
-                  <a:wholeTbl>
-                    <a:tcTxStyle>
-                      <a:fontRef idx="minor">
-                        <a:prstClr val="black"/>
-                      </a:fontRef>
-                      <a:schemeClr val="dk1"/>
-                    </a:tcTxStyle>
-                    <a:tcStyle>
-                      <a:tcBdr>
-                        <a:left>
-                          <a:ln w="12700" cmpd="sng">
-                            <a:solidFill>
-                              <a:schemeClr val="lt1"/>
-                            </a:solidFill>
-                          </a:ln>
-                        </a:left>
-                        <a:right>
-                          <a:ln w="12700" cmpd="sng">
-                            <a:solidFill>
-                              <a:schemeClr val="lt1"/>
-                            </a:solidFill>
-                          </a:ln>
-                        </a:right>
-                        <a:top>
-                          <a:ln w="12700" cmpd="sng">
-                            <a:solidFill>
-                              <a:schemeClr val="lt1"/>
-                            </a:solidFill>
-                          </a:ln>
-                        </a:top>
-                        <a:bottom>
-                          <a:ln w="12700" cmpd="sng">
-                            <a:solidFill>
-                              <a:schemeClr val="lt1"/>
-                            </a:solidFill>
-                          </a:ln>
-                        </a:bottom>
-                        <a:insideH>
-                          <a:ln w="12700" cmpd="sng">
-                            <a:solidFill>
-                              <a:schemeClr val="lt1"/>
-                            </a:solidFill>
-                          </a:ln>
-                        </a:insideH>
-                        <a:insideV>
-                          <a:ln w="12700" cmpd="sng">
-                            <a:solidFill>
-                              <a:schemeClr val="lt1"/>
-                            </a:solidFill>
-                          </a:ln>
-                        </a:insideV>
-                      </a:tcBdr>
-                      <a:fill>
-                        <a:solidFill>
-                          <a:schemeClr val="accent1">
-                            <a:lum val="90000"/>
-                          </a:schemeClr>
-                        </a:solidFill>
-                      </a:fill>
-                    </a:tcStyle>
-                  </a:wholeTbl>
-                  <a:band1H>
-                    <a:tcTxStyle/>
-                    <a:tcStyle>
-                      <a:tcBdr/>
-                      <a:fill>
-                        <a:solidFill>
-                          <a:schemeClr val="accent1">
-                            <a:lum val="80000"/>
-                          </a:schemeClr>
-                        </a:solidFill>
-                      </a:fill>
-                    </a:tcStyle>
-                  </a:band1H>
-                  <a:band2H>
-                    <a:tcTxStyle/>
-                    <a:tcStyle>
-                      <a:tcBdr/>
-                    </a:tcStyle>
-                  </a:band2H>
-                  <a:band1V>
-                    <a:tcTxStyle/>
-                    <a:tcStyle>
-                      <a:tcBdr/>
-                      <a:fill>
-                        <a:solidFill>
-                          <a:schemeClr val="accent1">
-                            <a:lum val="80000"/>
-                          </a:schemeClr>
-                        </a:solidFill>
-                      </a:fill>
-                    </a:tcStyle>
-                  </a:band1V>
-                  <a:band2V>
-                    <a:tcTxStyle/>
-                    <a:tcStyle>
-                      <a:tcBdr/>
-                    </a:tcStyle>
-                  </a:band2V>
-                  <a:lastCol>
-                    <a:tcTxStyle b="on">
-                      <a:fontRef idx="minor">
-                        <a:prstClr val="black"/>
-                      </a:fontRef>
-                      <a:schemeClr val="lt1"/>
-                    </a:tcTxStyle>
-                    <a:tcStyle>
-                      <a:tcBdr/>
-                      <a:fill>
-                        <a:solidFill>
-                          <a:schemeClr val="accent1"/>
-                        </a:solidFill>
-                      </a:fill>
-                    </a:tcStyle>
-                  </a:lastCol>
-                  <a:firstCol>
-                    <a:tcTxStyle b="on">
-                      <a:fontRef idx="minor">
-                        <a:prstClr val="black"/>
-                      </a:fontRef>
-                      <a:schemeClr val="lt1"/>
-                    </a:tcTxStyle>
-                    <a:tcStyle>
-                      <a:tcBdr/>
-                      <a:fill>
-                        <a:solidFill>
-                          <a:schemeClr val="accent1"/>
-                        </a:solidFill>
-                      </a:fill>
-                    </a:tcStyle>
-                  </a:firstCol>
-                  <a:lastRow>
-                    <a:tcTxStyle b="on">
-                      <a:fontRef idx="minor">
-                        <a:prstClr val="black"/>
-                      </a:fontRef>
-                      <a:schemeClr val="lt1"/>
-                    </a:tcTxStyle>
-                    <a:tcStyle>
-                      <a:tcBdr>
-                        <a:top>
-                          <a:ln w="38100" cmpd="sng">
-                            <a:solidFill>
-                              <a:schemeClr val="lt1"/>
-                            </a:solidFill>
-                          </a:ln>
-                        </a:top>
-                      </a:tcBdr>
-                      <a:fill>
-                        <a:solidFill>
-                          <a:schemeClr val="accent1"/>
-                        </a:solidFill>
-                      </a:fill>
-                    </a:tcStyle>
-                  </a:lastRow>
-                  <a:firstRow>
-                    <a:tcTxStyle b="on">
-                      <a:fontRef idx="minor">
-                        <a:prstClr val="black"/>
-                      </a:fontRef>
-                      <a:schemeClr val="lt1"/>
-                    </a:tcTxStyle>
-                    <a:tcStyle>
-                      <a:tcBdr>
-                        <a:bottom>
-                          <a:ln w="38100" cmpd="sng">
-                            <a:solidFill>
-                              <a:schemeClr val="lt1"/>
-                            </a:solidFill>
-                          </a:ln>
-                        </a:bottom>
-                      </a:tcBdr>
-                      <a:fill>
-                        <a:solidFill>
-                          <a:schemeClr val="accent1"/>
-                        </a:solidFill>
-                      </a:fill>
-                    </a:tcStyle>
-                  </a:firstRow>
-                </a:tableStyle>
-              </a:tblPr>
-              <a:tblGrid>
-                <a:gridCol w="1354666"/>
-                <a:gridCol w="1354666"/>
-                <a:gridCol w="1354666"/>
-                <a:gridCol w="1354666"/>
-                <a:gridCol w="1354455"/>
-                <a:gridCol w="1354455"/>
-                <a:gridCol w="1354455"/>
-              </a:tblGrid>
-              <a:tr h="194945">
-                <a:tc>
-                  <a:txBody>
-                    <a:bodyPr vert="horz" wrap="square" lIns="91440" tIns="45720" rIns="91440" bIns="45720" anchor="t" anchorCtr="0">
-                      <a:spAutoFit/>
-                    </a:bodyPr>
-                    <a:p>
-                      <a:pPr>
-                        <a:defRPr/>
-                      </a:pPr>
-                      <a:endParaRPr lang="ko-KR" altLang="en-US"/>
-                    </a:p>
-                  </a:txBody>
-                  <a:tcPr marL="91440" marR="91440"/>
-                </a:tc>
-                <a:tc>
-                  <a:txBody>
-                    <a:bodyPr vert="horz" wrap="square" lIns="91440" tIns="45720" rIns="91440" bIns="45720" anchor="t" anchorCtr="0">
-                      <a:spAutoFit/>
-                    </a:bodyPr>
-                    <a:p>
-                      <a:pPr>
-                        <a:defRPr/>
-                      </a:pPr>
-                      <a:endParaRPr lang="en-US" altLang="ko-KR"/>
-                    </a:p>
-                  </a:txBody>
-                  <a:tcPr marL="91440" marR="91440"/>
-                </a:tc>
-                <a:tc>
-                  <a:txBody>
-                    <a:bodyPr vert="horz" wrap="square" lIns="91440" tIns="45720" rIns="91440" bIns="45720" anchor="t" anchorCtr="0">
-                      <a:spAutoFit/>
-                    </a:bodyPr>
-                    <a:p>
-                      <a:pPr>
-                        <a:defRPr/>
-                      </a:pPr>
-                      <a:endParaRPr lang="ko-KR" altLang="en-US"/>
-                    </a:p>
-                  </a:txBody>
-                  <a:tcPr marL="91440" marR="91440"/>
-                </a:tc>
-                <a:tc>
-                  <a:txBody>
-                    <a:bodyPr vert="horz" wrap="square" lIns="91440" tIns="45720" rIns="91440" bIns="45720" anchor="t" anchorCtr="0">
-                      <a:spAutoFit/>
-                    </a:bodyPr>
-                    <a:p>
-                      <a:pPr>
-                        <a:defRPr/>
-                      </a:pPr>
-                      <a:endParaRPr lang="ko-KR" altLang="en-US"/>
-                    </a:p>
-                  </a:txBody>
-                  <a:tcPr marL="91440" marR="91440"/>
-                </a:tc>
-                <a:tc>
-                  <a:txBody>
-                    <a:bodyPr vert="horz" wrap="square" lIns="91440" tIns="45720" rIns="91440" bIns="45720" anchor="t" anchorCtr="0">
-                      <a:spAutoFit/>
-                    </a:bodyPr>
-                    <a:p>
-                      <a:pPr>
-                        <a:defRPr/>
-                      </a:pPr>
-                      <a:endParaRPr lang="ko-KR" altLang="en-US"/>
-                    </a:p>
-                  </a:txBody>
-                  <a:tcPr marL="91440" marR="91440"/>
-                </a:tc>
-                <a:tc>
-                  <a:txBody>
-                    <a:bodyPr vert="horz" wrap="square" lIns="91440" tIns="45720" rIns="91440" bIns="45720" anchor="t" anchorCtr="0">
-                      <a:spAutoFit/>
-                    </a:bodyPr>
-                    <a:p>
-                      <a:pPr>
-                        <a:defRPr/>
-                      </a:pPr>
-                      <a:endParaRPr lang="ko-KR" altLang="en-US"/>
-                    </a:p>
-                  </a:txBody>
-                  <a:tcPr marL="91440" marR="91440"/>
-                </a:tc>
-                <a:tc>
-                  <a:txBody>
-                    <a:bodyPr vert="horz" wrap="square" lIns="91440" tIns="45720" rIns="91440" bIns="45720" anchor="t" anchorCtr="0">
-                      <a:spAutoFit/>
-                    </a:bodyPr>
-                    <a:p>
-                      <a:pPr>
-                        <a:defRPr/>
-                      </a:pPr>
-                      <a:endParaRPr lang="ko-KR" altLang="en-US"/>
-                    </a:p>
-                  </a:txBody>
-                  <a:tcPr marL="91440" marR="91440"/>
-                </a:tc>
-              </a:tr>
-              <a:tr h="116840">
-                <a:tc>
-                  <a:txBody>
-                    <a:bodyPr vert="horz" wrap="square" lIns="91440" tIns="45720" rIns="91440" bIns="45720" anchor="t" anchorCtr="0">
-                      <a:spAutoFit/>
-                    </a:bodyPr>
-                    <a:p>
-                      <a:pPr>
-                        <a:defRPr/>
-                      </a:pPr>
-                      <a:endParaRPr lang="en-US" altLang="ko-KR"/>
-                    </a:p>
-                  </a:txBody>
-                  <a:tcPr marL="91440" marR="91440"/>
-                </a:tc>
-                <a:tc>
-                  <a:txBody>
-                    <a:bodyPr vert="horz" wrap="square" lIns="91440" tIns="45720" rIns="91440" bIns="45720" anchor="t" anchorCtr="0">
-                      <a:spAutoFit/>
-                    </a:bodyPr>
-                    <a:p>
-                      <a:pPr>
-                        <a:defRPr/>
-                      </a:pPr>
-                      <a:endParaRPr lang="en-US" altLang="ko-KR"/>
-                    </a:p>
-                  </a:txBody>
-                  <a:tcPr marL="91440" marR="91440"/>
-                </a:tc>
-                <a:tc>
-                  <a:txBody>
-                    <a:bodyPr vert="horz" wrap="square" lIns="91440" tIns="45720" rIns="91440" bIns="45720" anchor="t" anchorCtr="0">
-                      <a:spAutoFit/>
-                    </a:bodyPr>
-                    <a:p>
-                      <a:pPr>
-                        <a:defRPr/>
-                      </a:pPr>
-                      <a:endParaRPr lang="en-US" altLang="ko-KR"/>
-                    </a:p>
-                  </a:txBody>
-                  <a:tcPr marL="91440" marR="91440"/>
-                </a:tc>
-                <a:tc>
-                  <a:txBody>
-                    <a:bodyPr vert="horz" wrap="square" lIns="91440" tIns="45720" rIns="91440" bIns="45720" anchor="t" anchorCtr="0">
-                      <a:spAutoFit/>
-                    </a:bodyPr>
-                    <a:p>
-                      <a:pPr>
-                        <a:defRPr/>
-                      </a:pPr>
-                      <a:endParaRPr lang="ko-KR" altLang="en-US"/>
-                    </a:p>
-                  </a:txBody>
-                  <a:tcPr marL="91440" marR="91440"/>
-                </a:tc>
-                <a:tc>
-                  <a:txBody>
-                    <a:bodyPr vert="horz" wrap="square" lIns="91440" tIns="45720" rIns="91440" bIns="45720" anchor="t" anchorCtr="0">
-                      <a:spAutoFit/>
-                    </a:bodyPr>
-                    <a:p>
-                      <a:pPr>
-                        <a:defRPr/>
-                      </a:pPr>
-                      <a:endParaRPr lang="en-US" altLang="ko-KR"/>
-                    </a:p>
-                  </a:txBody>
-                  <a:tcPr marL="91440" marR="91440"/>
-                </a:tc>
-                <a:tc>
-                  <a:txBody>
-                    <a:bodyPr vert="horz" wrap="square" lIns="91440" tIns="45720" rIns="91440" bIns="45720" anchor="t" anchorCtr="0">
-                      <a:spAutoFit/>
-                    </a:bodyPr>
-                    <a:p>
-                      <a:pPr>
-                        <a:defRPr/>
-                      </a:pPr>
-                      <a:endParaRPr lang="ko-KR" altLang="en-US"/>
-                    </a:p>
-                  </a:txBody>
-                  <a:tcPr marL="91440" marR="91440"/>
-                </a:tc>
-                <a:tc>
-                  <a:txBody>
-                    <a:bodyPr vert="horz" wrap="square" lIns="91440" tIns="45720" rIns="91440" bIns="45720" anchor="t" anchorCtr="0">
-                      <a:spAutoFit/>
-                    </a:bodyPr>
-                    <a:p>
-                      <a:pPr>
-                        <a:defRPr/>
-                      </a:pPr>
-                      <a:endParaRPr lang="ko-KR" altLang="en-US"/>
-                    </a:p>
-                  </a:txBody>
-                  <a:tcPr marL="91440" marR="91440"/>
-                </a:tc>
-              </a:tr>
-              <a:tr h="116840">
-                <a:tc>
-                  <a:txBody>
-                    <a:bodyPr vert="horz" wrap="square" lIns="91440" tIns="45720" rIns="91440" bIns="45720" anchor="t" anchorCtr="0">
-                      <a:spAutoFit/>
-                    </a:bodyPr>
-                    <a:p>
-                      <a:pPr>
-                        <a:defRPr/>
-                      </a:pPr>
-                      <a:endParaRPr lang="en-US" altLang="ko-KR"/>
-                    </a:p>
-                  </a:txBody>
-                  <a:tcPr marL="91440" marR="91440"/>
-                </a:tc>
-                <a:tc>
-                  <a:txBody>
-                    <a:bodyPr vert="horz" wrap="square" lIns="91440" tIns="45720" rIns="91440" bIns="45720" anchor="t" anchorCtr="0">
-                      <a:spAutoFit/>
-                    </a:bodyPr>
-                    <a:p>
-                      <a:pPr>
-                        <a:defRPr/>
-                      </a:pPr>
-                      <a:endParaRPr lang="en-US" altLang="ko-KR"/>
-                    </a:p>
-                  </a:txBody>
-                  <a:tcPr marL="91440" marR="91440"/>
-                </a:tc>
-                <a:tc>
-                  <a:txBody>
-                    <a:bodyPr vert="horz" wrap="square" lIns="91440" tIns="45720" rIns="91440" bIns="45720" anchor="t" anchorCtr="0">
-                      <a:spAutoFit/>
-                    </a:bodyPr>
-                    <a:p>
-                      <a:pPr>
-                        <a:defRPr/>
-                      </a:pPr>
-                      <a:endParaRPr lang="en-US" altLang="ko-KR"/>
-                    </a:p>
-                  </a:txBody>
-                  <a:tcPr marL="91440" marR="91440"/>
-                </a:tc>
-                <a:tc>
-                  <a:txBody>
-                    <a:bodyPr vert="horz" wrap="square" lIns="91440" tIns="45720" rIns="91440" bIns="45720" anchor="t" anchorCtr="0">
-                      <a:spAutoFit/>
-                    </a:bodyPr>
-                    <a:p>
-                      <a:pPr>
-                        <a:defRPr/>
-                      </a:pPr>
-                      <a:endParaRPr lang="en-US" altLang="ko-KR"/>
-                    </a:p>
-                  </a:txBody>
-                  <a:tcPr marL="91440" marR="91440"/>
-                </a:tc>
-                <a:tc>
-                  <a:txBody>
-                    <a:bodyPr vert="horz" wrap="square" lIns="91440" tIns="45720" rIns="91440" bIns="45720" anchor="t" anchorCtr="0">
-                      <a:spAutoFit/>
-                    </a:bodyPr>
-                    <a:p>
-                      <a:pPr>
-                        <a:defRPr/>
-                      </a:pPr>
-                      <a:endParaRPr lang="en-US" altLang="ko-KR"/>
-                    </a:p>
-                  </a:txBody>
-                  <a:tcPr marL="91440" marR="91440"/>
-                </a:tc>
-                <a:tc>
-                  <a:txBody>
-                    <a:bodyPr vert="horz" wrap="square" lIns="91440" tIns="45720" rIns="91440" bIns="45720" anchor="t" anchorCtr="0">
-                      <a:spAutoFit/>
-                    </a:bodyPr>
-                    <a:p>
-                      <a:pPr>
-                        <a:defRPr/>
-                      </a:pPr>
-                      <a:endParaRPr lang="en-US" altLang="ko-KR"/>
-                    </a:p>
-                  </a:txBody>
-                  <a:tcPr marL="91440" marR="91440"/>
-                </a:tc>
-                <a:tc>
-                  <a:txBody>
-                    <a:bodyPr vert="horz" wrap="square" lIns="91440" tIns="45720" rIns="91440" bIns="45720" anchor="t" anchorCtr="0">
-                      <a:spAutoFit/>
-                    </a:bodyPr>
-                    <a:p>
-                      <a:pPr>
-                        <a:defRPr/>
-                      </a:pPr>
-                      <a:endParaRPr lang="en-US" altLang="ko-KR"/>
-                    </a:p>
-                  </a:txBody>
-                  <a:tcPr marL="91440" marR="91440"/>
-                </a:tc>
-              </a:tr>
-            </a:tbl>
-          </a:graphicData>
-        </a:graphic>
-      </p:graphicFrame>
-      <p:sp>
-        <p:nvSpPr>
-          <p:cNvPr id="23" name=""/>
-          <p:cNvSpPr/>
-          <p:nvPr/>
-        </p:nvSpPr>
-        <p:spPr>
-          <a:xfrm>
-            <a:off x="9512177" y="4130919"/>
-            <a:ext cx="2679823" cy="914400"/>
-          </a:xfrm>
-          <a:prstGeom prst="rect">
-            <a:avLst/>
-          </a:prstGeom>
-          <a:solidFill>
-            <a:schemeClr val="accent3"/>
-          </a:solidFill>
-        </p:spPr>
-        <p:style>
-          <a:lnRef idx="2">
-            <a:schemeClr val="accent1">
-              <a:shade val="20000"/>
-            </a:schemeClr>
-          </a:lnRef>
-          <a:fillRef idx="1">
-            <a:schemeClr val="accent1"/>
-          </a:fillRef>
-          <a:effectRef idx="0">
-            <a:schemeClr val="accent1"/>
-          </a:effectRef>
-          <a:fontRef idx="minor">
-            <a:schemeClr val="lt1"/>
-          </a:fontRef>
-        </p:style>
-        <p:txBody>
-          <a:bodyPr anchor="ctr"/>
-          <a:lstStyle/>
-          <a:p>
-            <a:pPr algn="ctr">
-              <a:defRPr/>
-            </a:pPr>
-            <a:r>
-              <a:rPr lang="en-US" altLang="ko-KR"/>
-              <a:t>Yes/No</a:t>
-            </a:r>
-            <a:r>
-              <a:rPr lang="ko-KR" altLang="en-US"/>
-              <a:t>로 명령어를 입력 받아 파일로 출력할 지 결정</a:t>
-            </a:r>
-            <a:endParaRPr lang="ko-KR" altLang="en-US"/>
-          </a:p>
-        </p:txBody>
-      </p:sp>
-      <p:cxnSp>
-        <p:nvCxnSpPr>
-          <p:cNvPr id="24" name=""/>
-          <p:cNvCxnSpPr>
-            <a:endCxn id="23" idx="1"/>
-          </p:cNvCxnSpPr>
-          <p:nvPr/>
-        </p:nvCxnSpPr>
-        <p:spPr>
-          <a:xfrm>
-            <a:off x="3467465" y="4509721"/>
-            <a:ext cx="6044710" cy="78398"/>
-          </a:xfrm>
-          <a:prstGeom prst="straightConnector1">
-            <a:avLst/>
-          </a:prstGeom>
-          <a:ln>
-            <a:tailEnd type="arrow"/>
-          </a:ln>
-        </p:spPr>
-        <p:style>
-          <a:lnRef idx="1">
-            <a:schemeClr val="accent1"/>
-          </a:lnRef>
-          <a:fillRef idx="0">
-            <a:schemeClr val="accent1"/>
-          </a:fillRef>
-          <a:effectRef idx="0">
-            <a:schemeClr val="accent1"/>
-          </a:effectRef>
-          <a:fontRef idx="minor">
-            <a:schemeClr val="tx1"/>
-          </a:fontRef>
-        </p:style>
-      </p:cxnSp>
-      <p:sp>
-        <p:nvSpPr>
-          <p:cNvPr id="25" name=""/>
-          <p:cNvSpPr/>
-          <p:nvPr/>
-        </p:nvSpPr>
-        <p:spPr>
-          <a:xfrm>
-            <a:off x="9512177" y="5437310"/>
-            <a:ext cx="2679823" cy="914400"/>
-          </a:xfrm>
-          <a:prstGeom prst="rect">
-            <a:avLst/>
-          </a:prstGeom>
-          <a:solidFill>
-            <a:schemeClr val="accent3"/>
-          </a:solidFill>
-        </p:spPr>
-        <p:style>
-          <a:lnRef idx="2">
-            <a:schemeClr val="accent1">
-              <a:shade val="20000"/>
-            </a:schemeClr>
-          </a:lnRef>
-          <a:fillRef idx="1">
-            <a:schemeClr val="accent1"/>
-          </a:fillRef>
-          <a:effectRef idx="0">
-            <a:schemeClr val="accent1"/>
-          </a:effectRef>
-          <a:fontRef idx="minor">
-            <a:schemeClr val="lt1"/>
-          </a:fontRef>
-        </p:style>
-        <p:txBody>
-          <a:bodyPr anchor="ctr"/>
-          <a:lstStyle/>
-          <a:p>
-            <a:pPr algn="ctr">
-              <a:defRPr/>
-            </a:pPr>
-            <a:r>
-              <a:rPr lang="ko-KR" altLang="en-US"/>
-              <a:t>파일명을 입력 받아 출력된 정보 </a:t>
-            </a:r>
-            <a:r>
-              <a:rPr lang="en-US" altLang="ko-KR"/>
-              <a:t>xlsx</a:t>
-            </a:r>
-            <a:r>
-              <a:rPr lang="ko-KR" altLang="en-US"/>
-              <a:t>파일 생성</a:t>
-            </a:r>
-            <a:endParaRPr lang="ko-KR" altLang="en-US"/>
-          </a:p>
-        </p:txBody>
-      </p:sp>
-      <p:cxnSp>
-        <p:nvCxnSpPr>
-          <p:cNvPr id="26" name=""/>
-          <p:cNvCxnSpPr>
-            <a:endCxn id="25" idx="1"/>
-          </p:cNvCxnSpPr>
-          <p:nvPr/>
-        </p:nvCxnSpPr>
-        <p:spPr>
-          <a:xfrm>
-            <a:off x="2350109" y="5590442"/>
-            <a:ext cx="7162066" cy="304068"/>
-          </a:xfrm>
-          <a:prstGeom prst="straightConnector1">
-            <a:avLst/>
-          </a:prstGeom>
-          <a:ln>
-            <a:tailEnd type="arrow"/>
-          </a:ln>
-        </p:spPr>
-        <p:style>
-          <a:lnRef idx="1">
-            <a:schemeClr val="accent1"/>
-          </a:lnRef>
-          <a:fillRef idx="0">
-            <a:schemeClr val="accent1"/>
-          </a:fillRef>
-          <a:effectRef idx="0">
-            <a:schemeClr val="accent1"/>
-          </a:effectRef>
-          <a:fontRef idx="minor">
-            <a:schemeClr val="tx1"/>
-          </a:fontRef>
-        </p:style>
-      </p:cxnSp>
-      <p:cxnSp>
-        <p:nvCxnSpPr>
-          <p:cNvPr id="27" name=""/>
-          <p:cNvCxnSpPr>
-            <a:endCxn id="25" idx="1"/>
-          </p:cNvCxnSpPr>
-          <p:nvPr/>
-        </p:nvCxnSpPr>
-        <p:spPr>
-          <a:xfrm flipV="1">
-            <a:off x="2514966" y="5894510"/>
-            <a:ext cx="6997210" cy="520211"/>
-          </a:xfrm>
-          <a:prstGeom prst="straightConnector1">
-            <a:avLst/>
-          </a:prstGeom>
-          <a:ln>
-            <a:tailEnd type="arrow"/>
-          </a:ln>
-        </p:spPr>
-        <p:style>
-          <a:lnRef idx="1">
-            <a:schemeClr val="accent1"/>
-          </a:lnRef>
-          <a:fillRef idx="0">
-            <a:schemeClr val="accent1"/>
-          </a:fillRef>
-          <a:effectRef idx="0">
-            <a:schemeClr val="accent1"/>
-          </a:effectRef>
-          <a:fontRef idx="minor">
-            <a:schemeClr val="tx1"/>
-          </a:fontRef>
-        </p:style>
-      </p:cxnSp>
-      <p:sp>
-        <p:nvSpPr>
-          <p:cNvPr id="28" name=""/>
-          <p:cNvSpPr/>
-          <p:nvPr/>
-        </p:nvSpPr>
-        <p:spPr>
-          <a:xfrm>
-            <a:off x="9512178" y="1560634"/>
-            <a:ext cx="2679823" cy="914400"/>
-          </a:xfrm>
-          <a:prstGeom prst="rect">
-            <a:avLst/>
-          </a:prstGeom>
-          <a:solidFill>
-            <a:schemeClr val="accent3"/>
-          </a:solidFill>
-        </p:spPr>
-        <p:style>
-          <a:lnRef idx="2">
-            <a:schemeClr val="accent1">
-              <a:shade val="20000"/>
-            </a:schemeClr>
-          </a:lnRef>
-          <a:fillRef idx="1">
-            <a:schemeClr val="accent1"/>
-          </a:fillRef>
-          <a:effectRef idx="0">
-            <a:schemeClr val="accent1"/>
-          </a:effectRef>
-          <a:fontRef idx="minor">
-            <a:schemeClr val="lt1"/>
-          </a:fontRef>
-        </p:style>
-        <p:txBody>
-          <a:bodyPr anchor="ctr"/>
-          <a:lstStyle/>
-          <a:p>
-            <a:pPr algn="ctr">
-              <a:defRPr/>
-            </a:pPr>
-            <a:r>
-              <a:rPr lang="ko-KR" altLang="en-US"/>
-              <a:t>레지스트리 정보를 받아 배열로 출력</a:t>
-            </a:r>
-            <a:endParaRPr lang="ko-KR" altLang="en-US"/>
-          </a:p>
-        </p:txBody>
-      </p:sp>
-      <p:cxnSp>
-        <p:nvCxnSpPr>
-          <p:cNvPr id="29" name=""/>
-          <p:cNvCxnSpPr>
-            <a:endCxn id="28" idx="1"/>
-          </p:cNvCxnSpPr>
-          <p:nvPr/>
-        </p:nvCxnSpPr>
-        <p:spPr>
-          <a:xfrm flipV="1">
-            <a:off x="4760278" y="2017834"/>
-            <a:ext cx="4751900" cy="826330"/>
-          </a:xfrm>
-          <a:prstGeom prst="straightConnector1">
-            <a:avLst/>
-          </a:prstGeom>
-          <a:ln>
-            <a:tailEnd type="arrow"/>
-          </a:ln>
-        </p:spPr>
-        <p:style>
-          <a:lnRef idx="1">
-            <a:schemeClr val="accent1"/>
-          </a:lnRef>
-          <a:fillRef idx="0">
-            <a:schemeClr val="accent1"/>
-          </a:fillRef>
-          <a:effectRef idx="0">
-            <a:schemeClr val="accent1"/>
-          </a:effectRef>
-          <a:fontRef idx="minor">
-            <a:schemeClr val="tx1"/>
-          </a:fontRef>
-        </p:style>
-      </p:cxnSp>
-    </p:spTree>
-  </p:cSld>
-  <p:clrMapOvr>
-    <a:masterClrMapping/>
-  </p:clrMapOvr>
-  <mc:AlternateContent xmlns:mc="http://schemas.openxmlformats.org/markup-compatibility/2006">
-    <mc:Choice xmlns:p14="http://schemas.microsoft.com/office/powerpoint/2010/main" Requires="p14">
-      <p:transition xmlns:mc="http://schemas.openxmlformats.org/markup-compatibility/2006" xmlns:p14="http://schemas.microsoft.com/office/powerpoint/2010/main" mc:Ignorable="p14" p14:dur="500"/>
-    </mc:Choice>
-    <mc:Fallback>
-      <p:transition/>
-    </mc:Fallback>
-  </mc:AlternateContent>
-</p:sld>
-</file>
-
-<file path=ppt/slides/slide38.xml><?xml version="1.0" encoding="utf-8"?>
-<p:sld xmlns:r="http://schemas.openxmlformats.org/officeDocument/2006/relationships" xmlns:c="http://schemas.openxmlformats.org/drawingml/2006/chart" xmlns:a="http://schemas.openxmlformats.org/drawingml/2006/main" xmlns:dgm="http://schemas.openxmlformats.org/drawingml/2006/diagram" xmlns:dsp="http://schemas.microsoft.com/office/drawing/2008/diagram" xmlns:p="http://schemas.openxmlformats.org/presentationml/2006/main">
-  <p:cSld>
-    <p:spTree>
-      <p:nvGrpSpPr>
-        <p:cNvPr id="1" name=""/>
-        <p:cNvGrpSpPr/>
-        <p:nvPr/>
-      </p:nvGrpSpPr>
-      <p:grpSpPr>
-        <a:xfrm>
-          <a:off x="0" y="0"/>
-          <a:ext cx="0" cy="0"/>
-          <a:chOff x="0" y="0"/>
-          <a:chExt cx="0" cy="0"/>
-        </a:xfrm>
-      </p:grpSpPr>
-      <p:sp>
-        <p:nvSpPr>
-          <p:cNvPr id="4" name="직사각형 9"/>
-          <p:cNvSpPr/>
-          <p:nvPr/>
-        </p:nvSpPr>
-        <p:spPr>
-          <a:xfrm>
-            <a:off x="-1" y="0"/>
-            <a:ext cx="12192001" cy="1338109"/>
-          </a:xfrm>
-          <a:prstGeom prst="rect">
-            <a:avLst/>
-          </a:prstGeom>
-          <a:solidFill>
-            <a:schemeClr val="accent1">
-              <a:lumMod val="75000"/>
-            </a:schemeClr>
-          </a:solidFill>
-          <a:ln>
-            <a:noFill/>
-          </a:ln>
-        </p:spPr>
-        <p:style>
-          <a:lnRef idx="2">
-            <a:schemeClr val="accent1">
-              <a:shade val="50000"/>
-            </a:schemeClr>
-          </a:lnRef>
-          <a:fillRef idx="1">
-            <a:schemeClr val="accent1"/>
-          </a:fillRef>
-          <a:effectRef idx="0">
-            <a:schemeClr val="accent1"/>
-          </a:effectRef>
-          <a:fontRef idx="minor">
-            <a:schemeClr val="lt1"/>
-          </a:fontRef>
-        </p:style>
-        <p:txBody>
-          <a:bodyPr anchor="ctr"/>
-          <a:lstStyle/>
-          <a:p>
-            <a:pPr>
-              <a:defRPr/>
-            </a:pPr>
-            <a:r>
-              <a:rPr kumimoji="1" lang="en-US" altLang="ko-KR" sz="4800"/>
-              <a:t>6.</a:t>
-            </a:r>
-            <a:r>
-              <a:rPr kumimoji="1" lang="ko-KR" altLang="en-US" sz="4800"/>
-              <a:t> 스토리보드</a:t>
-            </a:r>
-            <a:endParaRPr kumimoji="1" lang="ko-KR" altLang="en-US" sz="4800"/>
-          </a:p>
-        </p:txBody>
-      </p:sp>
-      <p:sp>
-        <p:nvSpPr>
-          <p:cNvPr id="11" name=""/>
-          <p:cNvSpPr/>
-          <p:nvPr/>
-        </p:nvSpPr>
-        <p:spPr>
-          <a:xfrm>
-            <a:off x="0" y="1342292"/>
-            <a:ext cx="9539247" cy="5515706"/>
-          </a:xfrm>
-          <a:prstGeom prst="rect">
-            <a:avLst/>
-          </a:prstGeom>
-          <a:solidFill>
-            <a:srgbClr val="f2f2f2"/>
-          </a:solidFill>
-          <a:ln>
-            <a:noFill/>
-          </a:ln>
-        </p:spPr>
-        <p:style>
-          <a:lnRef idx="2">
-            <a:schemeClr val="accent1">
-              <a:shade val="20000"/>
-            </a:schemeClr>
-          </a:lnRef>
-          <a:fillRef idx="1">
-            <a:schemeClr val="accent1"/>
-          </a:fillRef>
-          <a:effectRef idx="0">
-            <a:schemeClr val="accent1"/>
-          </a:effectRef>
-          <a:fontRef idx="minor">
-            <a:schemeClr val="lt1"/>
-          </a:fontRef>
-        </p:style>
-        <p:txBody>
-          <a:bodyPr anchor="ctr"/>
-          <a:lstStyle/>
-          <a:p>
-            <a:pPr>
-              <a:defRPr/>
-            </a:pPr>
-            <a:endParaRPr lang="en-US" altLang="ko-KR">
-              <a:solidFill>
-                <a:schemeClr val="dk1"/>
-              </a:solidFill>
-            </a:endParaRPr>
-          </a:p>
-          <a:p>
-            <a:pPr>
-              <a:defRPr/>
-            </a:pPr>
-            <a:r>
-              <a:rPr lang="en-US" altLang="ko-KR">
-                <a:solidFill>
-                  <a:schemeClr val="dk1"/>
-                </a:solidFill>
-              </a:rPr>
-              <a:t>C:\UESRS\ &gt;&gt; 7</a:t>
-            </a:r>
-            <a:endParaRPr lang="en-US" altLang="ko-KR">
-              <a:solidFill>
-                <a:schemeClr val="dk1"/>
-              </a:solidFill>
-            </a:endParaRPr>
-          </a:p>
-          <a:p>
-            <a:pPr>
-              <a:defRPr/>
-            </a:pPr>
-            <a:endParaRPr lang="en-US" altLang="ko-KR">
-              <a:solidFill>
-                <a:schemeClr val="dk1"/>
-              </a:solidFill>
-            </a:endParaRPr>
-          </a:p>
-          <a:p>
-            <a:pPr>
-              <a:defRPr/>
-            </a:pPr>
-            <a:r>
-              <a:rPr lang="en-US" altLang="ko-KR">
-                <a:solidFill>
-                  <a:schemeClr val="dk1"/>
-                </a:solidFill>
-              </a:rPr>
-              <a:t>Help</a:t>
-            </a:r>
-            <a:endParaRPr lang="en-US" altLang="ko-KR">
-              <a:solidFill>
-                <a:schemeClr val="dk1"/>
-              </a:solidFill>
-            </a:endParaRPr>
-          </a:p>
-          <a:p>
-            <a:pPr>
-              <a:defRPr/>
-            </a:pPr>
-            <a:endParaRPr lang="en-US" altLang="ko-KR">
-              <a:solidFill>
-                <a:schemeClr val="dk1"/>
-              </a:solidFill>
-            </a:endParaRPr>
-          </a:p>
-          <a:p>
-            <a:pPr>
-              <a:defRPr/>
-            </a:pPr>
-            <a:r>
-              <a:rPr lang="en-US" altLang="ko-KR">
-                <a:solidFill>
-                  <a:schemeClr val="dk1"/>
-                </a:solidFill>
-              </a:rPr>
-              <a:t>USB - </a:t>
-            </a:r>
-            <a:r>
-              <a:rPr lang="ko-KR" altLang="en-US">
-                <a:solidFill>
-                  <a:schemeClr val="dk1"/>
-                </a:solidFill>
-              </a:rPr>
-              <a:t>장치의 이름</a:t>
-            </a:r>
-            <a:r>
-              <a:rPr lang="en-US" altLang="ko-KR">
-                <a:solidFill>
-                  <a:schemeClr val="dk1"/>
-                </a:solidFill>
-              </a:rPr>
-              <a:t>,</a:t>
-            </a:r>
-            <a:r>
-              <a:rPr lang="ko-KR" altLang="en-US">
-                <a:solidFill>
-                  <a:schemeClr val="dk1"/>
-                </a:solidFill>
-              </a:rPr>
-              <a:t> 시리얼 번호</a:t>
-            </a:r>
-            <a:r>
-              <a:rPr lang="en-US" altLang="ko-KR">
-                <a:solidFill>
-                  <a:schemeClr val="dk1"/>
-                </a:solidFill>
-              </a:rPr>
-              <a:t>,</a:t>
-            </a:r>
-            <a:r>
-              <a:rPr lang="ko-KR" altLang="en-US">
-                <a:solidFill>
-                  <a:schemeClr val="dk1"/>
-                </a:solidFill>
-              </a:rPr>
-              <a:t> 크기</a:t>
-            </a:r>
-            <a:r>
-              <a:rPr lang="en-US" altLang="ko-KR">
-                <a:solidFill>
-                  <a:schemeClr val="dk1"/>
-                </a:solidFill>
-              </a:rPr>
-              <a:t>,</a:t>
-            </a:r>
-            <a:r>
-              <a:rPr lang="ko-KR" altLang="en-US">
-                <a:solidFill>
-                  <a:schemeClr val="dk1"/>
-                </a:solidFill>
-              </a:rPr>
-              <a:t> 볼륨명</a:t>
-            </a:r>
-            <a:r>
-              <a:rPr lang="en-US" altLang="ko-KR">
-                <a:solidFill>
-                  <a:schemeClr val="dk1"/>
-                </a:solidFill>
-              </a:rPr>
-              <a:t>,</a:t>
-            </a:r>
-            <a:r>
-              <a:rPr lang="ko-KR" altLang="en-US">
-                <a:solidFill>
-                  <a:schemeClr val="dk1"/>
-                </a:solidFill>
-              </a:rPr>
-              <a:t> 최초</a:t>
-            </a:r>
-            <a:r>
-              <a:rPr lang="en-US" altLang="ko-KR">
-                <a:solidFill>
-                  <a:schemeClr val="dk1"/>
-                </a:solidFill>
-              </a:rPr>
-              <a:t>,</a:t>
-            </a:r>
-            <a:r>
-              <a:rPr lang="ko-KR" altLang="en-US">
-                <a:solidFill>
-                  <a:schemeClr val="dk1"/>
-                </a:solidFill>
-              </a:rPr>
-              <a:t> 마지막 연결시각 등의 정보를 보여줍니다</a:t>
+              <a:t> 설치된 프로그램의 목록을 보여줍니다</a:t>
             </a:r>
             <a:r>
               <a:rPr lang="en-US" altLang="ko-KR">
@@ -20194,156 +18249,6 @@
               </a:rPr>
               <a:t>.</a:t>
             </a:r>
-            <a:endParaRPr lang="en-US" altLang="ko-KR">
-              <a:solidFill>
-                <a:schemeClr val="dk1"/>
-              </a:solidFill>
-            </a:endParaRPr>
-          </a:p>
-          <a:p>
-            <a:pPr>
-              <a:defRPr/>
-            </a:pPr>
-            <a:endParaRPr lang="en-US" altLang="ko-KR">
-              <a:solidFill>
-                <a:schemeClr val="dk1"/>
-              </a:solidFill>
-            </a:endParaRPr>
-          </a:p>
-          <a:p>
-            <a:pPr>
-              <a:defRPr/>
-            </a:pPr>
-            <a:r>
-              <a:rPr lang="en-US" altLang="ko-KR">
-                <a:solidFill>
-                  <a:schemeClr val="dk1"/>
-                </a:solidFill>
-              </a:rPr>
-              <a:t>excel - </a:t>
-            </a:r>
-            <a:endParaRPr lang="en-US" altLang="ko-KR">
-              <a:solidFill>
-                <a:schemeClr val="dk1"/>
-              </a:solidFill>
-            </a:endParaRPr>
-          </a:p>
-          <a:p>
-            <a:pPr>
-              <a:defRPr/>
-            </a:pPr>
-            <a:endParaRPr lang="en-US" altLang="ko-KR">
-              <a:solidFill>
-                <a:schemeClr val="dk1"/>
-              </a:solidFill>
-            </a:endParaRPr>
-          </a:p>
-          <a:p>
-            <a:pPr>
-              <a:defRPr/>
-            </a:pPr>
-            <a:r>
-              <a:rPr lang="en-US" altLang="ko-KR">
-                <a:solidFill>
-                  <a:schemeClr val="dk1"/>
-                </a:solidFill>
-              </a:rPr>
-              <a:t>hwp, word</a:t>
-            </a:r>
-            <a:endParaRPr lang="en-US" altLang="ko-KR">
-              <a:solidFill>
-                <a:schemeClr val="dk1"/>
-              </a:solidFill>
-            </a:endParaRPr>
-          </a:p>
-          <a:p>
-            <a:pPr>
-              <a:defRPr/>
-            </a:pPr>
-            <a:endParaRPr lang="en-US" altLang="ko-KR">
-              <a:solidFill>
-                <a:schemeClr val="dk1"/>
-              </a:solidFill>
-            </a:endParaRPr>
-          </a:p>
-          <a:p>
-            <a:pPr>
-              <a:defRPr/>
-            </a:pPr>
-            <a:r>
-              <a:rPr lang="en-US" altLang="ko-KR">
-                <a:solidFill>
-                  <a:schemeClr val="dk1"/>
-                </a:solidFill>
-              </a:rPr>
-              <a:t>.DD - </a:t>
-            </a:r>
-            <a:endParaRPr lang="en-US" altLang="ko-KR">
-              <a:solidFill>
-                <a:schemeClr val="dk1"/>
-              </a:solidFill>
-            </a:endParaRPr>
-          </a:p>
-          <a:p>
-            <a:pPr>
-              <a:defRPr/>
-            </a:pPr>
-            <a:endParaRPr lang="en-US" altLang="ko-KR">
-              <a:solidFill>
-                <a:schemeClr val="dk1"/>
-              </a:solidFill>
-            </a:endParaRPr>
-          </a:p>
-          <a:p>
-            <a:pPr>
-              <a:defRPr/>
-            </a:pPr>
-            <a:r>
-              <a:rPr lang="en-US" altLang="ko-KR">
-                <a:solidFill>
-                  <a:schemeClr val="dk1"/>
-                </a:solidFill>
-              </a:rPr>
-              <a:t>.exe - </a:t>
-            </a:r>
-            <a:endParaRPr lang="en-US" altLang="ko-KR">
-              <a:solidFill>
-                <a:schemeClr val="dk1"/>
-              </a:solidFill>
-            </a:endParaRPr>
-          </a:p>
-          <a:p>
-            <a:pPr>
-              <a:defRPr/>
-            </a:pPr>
-            <a:endParaRPr lang="en-US" altLang="ko-KR">
-              <a:solidFill>
-                <a:schemeClr val="dk1"/>
-              </a:solidFill>
-            </a:endParaRPr>
-          </a:p>
-          <a:p>
-            <a:pPr>
-              <a:defRPr/>
-            </a:pPr>
-            <a:r>
-              <a:rPr lang="en-US" altLang="ko-KR">
-                <a:solidFill>
-                  <a:schemeClr val="dk1"/>
-                </a:solidFill>
-              </a:rPr>
-              <a:t>.txt - </a:t>
-            </a:r>
-            <a:endParaRPr lang="en-US" altLang="ko-KR">
-              <a:solidFill>
-                <a:schemeClr val="dk1"/>
-              </a:solidFill>
-            </a:endParaRPr>
-          </a:p>
-          <a:p>
-            <a:pPr>
-              <a:defRPr/>
-            </a:pPr>
             <a:endParaRPr lang="en-US" altLang="ko-KR">
               <a:solidFill>
                 <a:schemeClr val="dk1"/>
@@ -20412,7 +18317,7 @@
 </p:sld>
 </file>
 
-<file path=ppt/slides/slide39.xml><?xml version="1.0" encoding="utf-8"?>
+<file path=ppt/slides/slide38.xml><?xml version="1.0" encoding="utf-8"?>
 <p:sld xmlns:a="http://schemas.openxmlformats.org/drawingml/2006/main" xmlns:r="http://schemas.openxmlformats.org/officeDocument/2006/relationships" xmlns:p="http://schemas.openxmlformats.org/presentationml/2006/main">
   <p:cSld>
     <p:spTree>
@@ -20681,6 +18586,94 @@
     <p:extLst>
       <p:ext uri="{BB962C8B-B14F-4D97-AF65-F5344CB8AC3E}">
         <p14:creationId xmlns:p14="http://schemas.microsoft.com/office/powerpoint/2010/main" val="1697315730"/>
+      </p:ext>
+    </p:extLst>
+  </p:cSld>
+  <p:clrMapOvr>
+    <a:masterClrMapping/>
+  </p:clrMapOvr>
+</p:sld>
+</file>
+
+<file path=ppt/slides/slide39.xml><?xml version="1.0" encoding="utf-8"?>
+<p:sld xmlns:a="http://schemas.openxmlformats.org/drawingml/2006/main" xmlns:r="http://schemas.openxmlformats.org/officeDocument/2006/relationships" xmlns:p="http://schemas.openxmlformats.org/presentationml/2006/main">
+  <p:cSld>
+    <p:spTree>
+      <p:nvGrpSpPr>
+        <p:cNvPr id="1" name=""/>
+        <p:cNvGrpSpPr/>
+        <p:nvPr/>
+      </p:nvGrpSpPr>
+      <p:grpSpPr>
+        <a:xfrm>
+          <a:off x="0" y="0"/>
+          <a:ext cx="0" cy="0"/>
+          <a:chOff x="0" y="0"/>
+          <a:chExt cx="0" cy="0"/>
+        </a:xfrm>
+      </p:grpSpPr>
+      <p:sp>
+        <p:nvSpPr>
+          <p:cNvPr id="2" name="제목 1">
+            <a:extLst>
+              <a:ext uri="{FF2B5EF4-FFF2-40B4-BE49-F238E27FC236}">
+                <a16:creationId xmlns:a16="http://schemas.microsoft.com/office/drawing/2014/main" id="{2135F92A-65F5-4C7A-8C04-BF5F199039F2}"/>
+              </a:ext>
+            </a:extLst>
+          </p:cNvPr>
+          <p:cNvSpPr>
+            <a:spLocks noGrp="1"/>
+          </p:cNvSpPr>
+          <p:nvPr>
+            <p:ph type="title"/>
+          </p:nvPr>
+        </p:nvSpPr>
+        <p:spPr/>
+        <p:txBody>
+          <a:bodyPr/>
+          <a:lstStyle/>
+          <a:p>
+            <a:endParaRPr lang="ko-KR" altLang="en-US"/>
+          </a:p>
+        </p:txBody>
+      </p:sp>
+      <p:sp>
+        <p:nvSpPr>
+          <p:cNvPr id="3" name="내용 개체 틀 2">
+            <a:extLst>
+              <a:ext uri="{FF2B5EF4-FFF2-40B4-BE49-F238E27FC236}">
+                <a16:creationId xmlns:a16="http://schemas.microsoft.com/office/drawing/2014/main" id="{FB21A4AE-E1C2-4042-9B9E-43F419C42235}"/>
+              </a:ext>
+            </a:extLst>
+          </p:cNvPr>
+          <p:cNvSpPr>
+            <a:spLocks noGrp="1"/>
+          </p:cNvSpPr>
+          <p:nvPr>
+            <p:ph idx="1"/>
+          </p:nvPr>
+        </p:nvSpPr>
+        <p:spPr/>
+        <p:txBody>
+          <a:bodyPr/>
+          <a:lstStyle/>
+          <a:p>
+            <a:r>
+              <a:rPr lang="ko-KR" altLang="en-US" dirty="0"/>
+              <a:t>코드를 작성하고 버그를 수정한다</a:t>
+            </a:r>
+            <a:r>
+              <a:rPr lang="en-US" altLang="ko-KR" dirty="0"/>
+              <a:t>.</a:t>
+            </a:r>
+            <a:endParaRPr lang="ko-KR" altLang="en-US" dirty="0"/>
+          </a:p>
+        </p:txBody>
+      </p:sp>
+    </p:spTree>
+    <p:extLst>
+      <p:ext uri="{BB962C8B-B14F-4D97-AF65-F5344CB8AC3E}">
+        <p14:creationId xmlns:p14="http://schemas.microsoft.com/office/powerpoint/2010/main" val="1303733429"/>
       </p:ext>
     </p:extLst>
   </p:cSld>
@@ -21391,94 +19384,6 @@
       </p:grpSpPr>
       <p:sp>
         <p:nvSpPr>
-          <p:cNvPr id="2" name="제목 1">
-            <a:extLst>
-              <a:ext uri="{FF2B5EF4-FFF2-40B4-BE49-F238E27FC236}">
-                <a16:creationId xmlns:a16="http://schemas.microsoft.com/office/drawing/2014/main" id="{2135F92A-65F5-4C7A-8C04-BF5F199039F2}"/>
-              </a:ext>
-            </a:extLst>
-          </p:cNvPr>
-          <p:cNvSpPr>
-            <a:spLocks noGrp="1"/>
-          </p:cNvSpPr>
-          <p:nvPr>
-            <p:ph type="title"/>
-          </p:nvPr>
-        </p:nvSpPr>
-        <p:spPr/>
-        <p:txBody>
-          <a:bodyPr/>
-          <a:lstStyle/>
-          <a:p>
-            <a:endParaRPr lang="ko-KR" altLang="en-US"/>
-          </a:p>
-        </p:txBody>
-      </p:sp>
-      <p:sp>
-        <p:nvSpPr>
-          <p:cNvPr id="3" name="내용 개체 틀 2">
-            <a:extLst>
-              <a:ext uri="{FF2B5EF4-FFF2-40B4-BE49-F238E27FC236}">
-                <a16:creationId xmlns:a16="http://schemas.microsoft.com/office/drawing/2014/main" id="{FB21A4AE-E1C2-4042-9B9E-43F419C42235}"/>
-              </a:ext>
-            </a:extLst>
-          </p:cNvPr>
-          <p:cNvSpPr>
-            <a:spLocks noGrp="1"/>
-          </p:cNvSpPr>
-          <p:nvPr>
-            <p:ph idx="1"/>
-          </p:nvPr>
-        </p:nvSpPr>
-        <p:spPr/>
-        <p:txBody>
-          <a:bodyPr/>
-          <a:lstStyle/>
-          <a:p>
-            <a:r>
-              <a:rPr lang="ko-KR" altLang="en-US" dirty="0"/>
-              <a:t>코드를 작성하고 버그를 수정한다</a:t>
-            </a:r>
-            <a:r>
-              <a:rPr lang="en-US" altLang="ko-KR" dirty="0"/>
-              <a:t>.</a:t>
-            </a:r>
-            <a:endParaRPr lang="ko-KR" altLang="en-US" dirty="0"/>
-          </a:p>
-        </p:txBody>
-      </p:sp>
-    </p:spTree>
-    <p:extLst>
-      <p:ext uri="{BB962C8B-B14F-4D97-AF65-F5344CB8AC3E}">
-        <p14:creationId xmlns:p14="http://schemas.microsoft.com/office/powerpoint/2010/main" val="1303733429"/>
-      </p:ext>
-    </p:extLst>
-  </p:cSld>
-  <p:clrMapOvr>
-    <a:masterClrMapping/>
-  </p:clrMapOvr>
-</p:sld>
-</file>
-
-<file path=ppt/slides/slide41.xml><?xml version="1.0" encoding="utf-8"?>
-<p:sld xmlns:a="http://schemas.openxmlformats.org/drawingml/2006/main" xmlns:r="http://schemas.openxmlformats.org/officeDocument/2006/relationships" xmlns:p="http://schemas.openxmlformats.org/presentationml/2006/main">
-  <p:cSld>
-    <p:spTree>
-      <p:nvGrpSpPr>
-        <p:cNvPr id="1" name=""/>
-        <p:cNvGrpSpPr/>
-        <p:nvPr/>
-      </p:nvGrpSpPr>
-      <p:grpSpPr>
-        <a:xfrm>
-          <a:off x="0" y="0"/>
-          <a:ext cx="0" cy="0"/>
-          <a:chOff x="0" y="0"/>
-          <a:chExt cx="0" cy="0"/>
-        </a:xfrm>
-      </p:grpSpPr>
-      <p:sp>
-        <p:nvSpPr>
           <p:cNvPr id="10" name="직사각형 9"/>
           <p:cNvSpPr/>
           <p:nvPr/>
@@ -21757,7 +19662,7 @@
 </p:sld>
 </file>
 
-<file path=ppt/slides/slide42.xml><?xml version="1.0" encoding="utf-8"?>
+<file path=ppt/slides/slide41.xml><?xml version="1.0" encoding="utf-8"?>
 <p:sld xmlns:a="http://schemas.openxmlformats.org/drawingml/2006/main" xmlns:r="http://schemas.openxmlformats.org/officeDocument/2006/relationships" xmlns:p="http://schemas.openxmlformats.org/presentationml/2006/main">
   <p:cSld>
     <p:spTree>
